--- a/cpp_230824.pptx
+++ b/cpp_230824.pptx
@@ -9,6 +9,13 @@
     <p:sldId id="257" r:id="rId3"/>
     <p:sldId id="259" r:id="rId4"/>
     <p:sldId id="260" r:id="rId5"/>
+    <p:sldId id="261" r:id="rId6"/>
+    <p:sldId id="262" r:id="rId7"/>
+    <p:sldId id="263" r:id="rId8"/>
+    <p:sldId id="264" r:id="rId9"/>
+    <p:sldId id="265" r:id="rId10"/>
+    <p:sldId id="266" r:id="rId11"/>
+    <p:sldId id="267" r:id="rId12"/>
   </p:sldIdLst>
   <p:sldSz cx="12192000" cy="6858000"/>
   <p:notesSz cx="6858000" cy="9144000"/>
@@ -3539,6 +3546,1442 @@
 </p:sld>
 </file>
 
+<file path=ppt/slides/slide10.xml><?xml version="1.0" encoding="utf-8"?>
+<p:sld xmlns:a="http://schemas.openxmlformats.org/drawingml/2006/main" xmlns:r="http://schemas.openxmlformats.org/officeDocument/2006/relationships" xmlns:p="http://schemas.openxmlformats.org/presentationml/2006/main">
+  <p:cSld>
+    <p:spTree>
+      <p:nvGrpSpPr>
+        <p:cNvPr id="1" name=""/>
+        <p:cNvGrpSpPr/>
+        <p:nvPr/>
+      </p:nvGrpSpPr>
+      <p:grpSpPr>
+        <a:xfrm>
+          <a:off x="0" y="0"/>
+          <a:ext cx="0" cy="0"/>
+          <a:chOff x="0" y="0"/>
+          <a:chExt cx="0" cy="0"/>
+        </a:xfrm>
+      </p:grpSpPr>
+      <p:sp>
+        <p:nvSpPr>
+          <p:cNvPr id="8" name="직사각형 7">
+            <a:extLst>
+              <a:ext uri="{FF2B5EF4-FFF2-40B4-BE49-F238E27FC236}">
+                <a16:creationId xmlns:a16="http://schemas.microsoft.com/office/drawing/2014/main" id="{C88B369F-23EE-1F41-BB92-2769F1314631}"/>
+              </a:ext>
+            </a:extLst>
+          </p:cNvPr>
+          <p:cNvSpPr/>
+          <p:nvPr/>
+        </p:nvSpPr>
+        <p:spPr>
+          <a:xfrm>
+            <a:off x="4719781" y="3569287"/>
+            <a:ext cx="3657601" cy="2397404"/>
+          </a:xfrm>
+          <a:prstGeom prst="rect">
+            <a:avLst/>
+          </a:prstGeom>
+          <a:solidFill>
+            <a:schemeClr val="bg1"/>
+          </a:solidFill>
+        </p:spPr>
+        <p:style>
+          <a:lnRef idx="2">
+            <a:schemeClr val="accent1">
+              <a:shade val="15000"/>
+            </a:schemeClr>
+          </a:lnRef>
+          <a:fillRef idx="1">
+            <a:schemeClr val="accent1"/>
+          </a:fillRef>
+          <a:effectRef idx="0">
+            <a:schemeClr val="accent1"/>
+          </a:effectRef>
+          <a:fontRef idx="minor">
+            <a:schemeClr val="lt1"/>
+          </a:fontRef>
+        </p:style>
+        <p:txBody>
+          <a:bodyPr rtlCol="0" anchor="ctr"/>
+          <a:lstStyle/>
+          <a:p>
+            <a:pPr algn="ctr"/>
+            <a:endParaRPr kumimoji="1" lang="ko-Kore-KR" altLang="en-US" sz="1600" dirty="0">
+              <a:solidFill>
+                <a:schemeClr val="tx1"/>
+              </a:solidFill>
+              <a:latin typeface="DM Mono" panose="020B0509040201040103" pitchFamily="49" charset="0"/>
+            </a:endParaRPr>
+          </a:p>
+        </p:txBody>
+      </p:sp>
+      <p:sp>
+        <p:nvSpPr>
+          <p:cNvPr id="5" name="TextBox 4">
+            <a:extLst>
+              <a:ext uri="{FF2B5EF4-FFF2-40B4-BE49-F238E27FC236}">
+                <a16:creationId xmlns:a16="http://schemas.microsoft.com/office/drawing/2014/main" id="{3A3CD34A-7AD8-7F66-F863-6841F249C481}"/>
+              </a:ext>
+            </a:extLst>
+          </p:cNvPr>
+          <p:cNvSpPr txBox="1"/>
+          <p:nvPr/>
+        </p:nvSpPr>
+        <p:spPr>
+          <a:xfrm>
+            <a:off x="369454" y="328458"/>
+            <a:ext cx="6096000" cy="3416320"/>
+          </a:xfrm>
+          <a:prstGeom prst="rect">
+            <a:avLst/>
+          </a:prstGeom>
+          <a:noFill/>
+        </p:spPr>
+        <p:txBody>
+          <a:bodyPr wrap="square">
+            <a:spAutoFit/>
+          </a:bodyPr>
+          <a:lstStyle/>
+          <a:p>
+            <a:r>
+              <a:rPr lang="ko-Kore-KR" altLang="en-US" dirty="0">
+                <a:latin typeface="DM Mono" panose="020B0509040201040103" pitchFamily="49" charset="0"/>
+              </a:rPr>
+              <a:t>void Increment(int</a:t>
+            </a:r>
+            <a:r>
+              <a:rPr lang="en-US" altLang="ko-Kore-KR" dirty="0">
+                <a:latin typeface="DM Mono" panose="020B0509040201040103" pitchFamily="49" charset="0"/>
+              </a:rPr>
+              <a:t>*</a:t>
+            </a:r>
+            <a:r>
+              <a:rPr lang="ko-Kore-KR" altLang="en-US" dirty="0">
+                <a:latin typeface="DM Mono" panose="020B0509040201040103" pitchFamily="49" charset="0"/>
+              </a:rPr>
+              <a:t> </a:t>
+            </a:r>
+            <a:r>
+              <a:rPr lang="en-US" altLang="ko-Kore-KR" dirty="0">
+                <a:latin typeface="DM Mono" panose="020B0509040201040103" pitchFamily="49" charset="0"/>
+              </a:rPr>
+              <a:t>p</a:t>
+            </a:r>
+            <a:r>
+              <a:rPr lang="ko-Kore-KR" altLang="en-US" dirty="0">
+                <a:latin typeface="DM Mono" panose="020B0509040201040103" pitchFamily="49" charset="0"/>
+              </a:rPr>
+              <a:t>x)</a:t>
+            </a:r>
+          </a:p>
+          <a:p>
+            <a:r>
+              <a:rPr lang="ko-Kore-KR" altLang="en-US" dirty="0">
+                <a:latin typeface="DM Mono" panose="020B0509040201040103" pitchFamily="49" charset="0"/>
+              </a:rPr>
+              <a:t>{</a:t>
+            </a:r>
+          </a:p>
+          <a:p>
+            <a:r>
+              <a:rPr lang="ko-Kore-KR" altLang="en-US" dirty="0">
+                <a:latin typeface="DM Mono" panose="020B0509040201040103" pitchFamily="49" charset="0"/>
+              </a:rPr>
+              <a:t>    ++</a:t>
+            </a:r>
+            <a:r>
+              <a:rPr lang="en-US" altLang="ko-Kore-KR" dirty="0">
+                <a:latin typeface="DM Mono" panose="020B0509040201040103" pitchFamily="49" charset="0"/>
+              </a:rPr>
+              <a:t>(*p</a:t>
+            </a:r>
+            <a:r>
+              <a:rPr lang="ko-Kore-KR" altLang="en-US" dirty="0">
+                <a:latin typeface="DM Mono" panose="020B0509040201040103" pitchFamily="49" charset="0"/>
+              </a:rPr>
+              <a:t>x</a:t>
+            </a:r>
+            <a:r>
+              <a:rPr lang="en-US" altLang="ko-Kore-KR" dirty="0">
+                <a:latin typeface="DM Mono" panose="020B0509040201040103" pitchFamily="49" charset="0"/>
+              </a:rPr>
+              <a:t>)</a:t>
+            </a:r>
+            <a:r>
+              <a:rPr lang="ko-Kore-KR" altLang="en-US" dirty="0">
+                <a:latin typeface="DM Mono" panose="020B0509040201040103" pitchFamily="49" charset="0"/>
+              </a:rPr>
+              <a:t>;</a:t>
+            </a:r>
+          </a:p>
+          <a:p>
+            <a:r>
+              <a:rPr lang="ko-Kore-KR" altLang="en-US" dirty="0">
+                <a:latin typeface="DM Mono" panose="020B0509040201040103" pitchFamily="49" charset="0"/>
+              </a:rPr>
+              <a:t>}</a:t>
+            </a:r>
+          </a:p>
+          <a:p>
+            <a:endParaRPr lang="ko-Kore-KR" altLang="en-US" dirty="0">
+              <a:latin typeface="DM Mono" panose="020B0509040201040103" pitchFamily="49" charset="0"/>
+            </a:endParaRPr>
+          </a:p>
+          <a:p>
+            <a:r>
+              <a:rPr lang="ko-Kore-KR" altLang="en-US" dirty="0">
+                <a:latin typeface="DM Mono" panose="020B0509040201040103" pitchFamily="49" charset="0"/>
+              </a:rPr>
+              <a:t>int main()</a:t>
+            </a:r>
+          </a:p>
+          <a:p>
+            <a:r>
+              <a:rPr lang="ko-Kore-KR" altLang="en-US" dirty="0">
+                <a:latin typeface="DM Mono" panose="020B0509040201040103" pitchFamily="49" charset="0"/>
+              </a:rPr>
+              <a:t>{</a:t>
+            </a:r>
+          </a:p>
+          <a:p>
+            <a:r>
+              <a:rPr lang="ko-Kore-KR" altLang="en-US" dirty="0">
+                <a:latin typeface="DM Mono" panose="020B0509040201040103" pitchFamily="49" charset="0"/>
+              </a:rPr>
+              <a:t>    int x = 10;</a:t>
+            </a:r>
+          </a:p>
+          <a:p>
+            <a:r>
+              <a:rPr lang="ko-Kore-KR" altLang="en-US" dirty="0">
+                <a:solidFill>
+                  <a:srgbClr val="FF0000"/>
+                </a:solidFill>
+                <a:latin typeface="DM Mono" panose="020B0509040201040103" pitchFamily="49" charset="0"/>
+              </a:rPr>
+              <a:t>    Increment(</a:t>
+            </a:r>
+            <a:r>
+              <a:rPr lang="en-US" altLang="ko-Kore-KR" dirty="0">
+                <a:solidFill>
+                  <a:srgbClr val="FF0000"/>
+                </a:solidFill>
+                <a:latin typeface="DM Mono" panose="020B0509040201040103" pitchFamily="49" charset="0"/>
+              </a:rPr>
+              <a:t>&amp;</a:t>
+            </a:r>
+            <a:r>
+              <a:rPr lang="ko-Kore-KR" altLang="en-US" dirty="0">
+                <a:solidFill>
+                  <a:srgbClr val="FF0000"/>
+                </a:solidFill>
+                <a:latin typeface="DM Mono" panose="020B0509040201040103" pitchFamily="49" charset="0"/>
+              </a:rPr>
+              <a:t>x);</a:t>
+            </a:r>
+          </a:p>
+          <a:p>
+            <a:endParaRPr lang="ko-Kore-KR" altLang="en-US" dirty="0">
+              <a:latin typeface="DM Mono" panose="020B0509040201040103" pitchFamily="49" charset="0"/>
+            </a:endParaRPr>
+          </a:p>
+          <a:p>
+            <a:r>
+              <a:rPr lang="ko-Kore-KR" altLang="en-US" dirty="0">
+                <a:latin typeface="DM Mono" panose="020B0509040201040103" pitchFamily="49" charset="0"/>
+              </a:rPr>
+              <a:t>    cout &lt;&lt; x &lt;&lt; endl;</a:t>
+            </a:r>
+          </a:p>
+          <a:p>
+            <a:r>
+              <a:rPr lang="ko-Kore-KR" altLang="en-US" dirty="0">
+                <a:latin typeface="DM Mono" panose="020B0509040201040103" pitchFamily="49" charset="0"/>
+              </a:rPr>
+              <a:t>}</a:t>
+            </a:r>
+          </a:p>
+        </p:txBody>
+      </p:sp>
+      <p:sp>
+        <p:nvSpPr>
+          <p:cNvPr id="6" name="직사각형 5">
+            <a:extLst>
+              <a:ext uri="{FF2B5EF4-FFF2-40B4-BE49-F238E27FC236}">
+                <a16:creationId xmlns:a16="http://schemas.microsoft.com/office/drawing/2014/main" id="{DCD24C47-12E8-1334-725F-6311D301BB2C}"/>
+              </a:ext>
+            </a:extLst>
+          </p:cNvPr>
+          <p:cNvSpPr/>
+          <p:nvPr/>
+        </p:nvSpPr>
+        <p:spPr>
+          <a:xfrm>
+            <a:off x="5864829" y="4167343"/>
+            <a:ext cx="1302589" cy="595222"/>
+          </a:xfrm>
+          <a:prstGeom prst="rect">
+            <a:avLst/>
+          </a:prstGeom>
+          <a:solidFill>
+            <a:srgbClr val="FFFF00"/>
+          </a:solidFill>
+        </p:spPr>
+        <p:style>
+          <a:lnRef idx="2">
+            <a:schemeClr val="accent1">
+              <a:shade val="15000"/>
+            </a:schemeClr>
+          </a:lnRef>
+          <a:fillRef idx="1">
+            <a:schemeClr val="accent1"/>
+          </a:fillRef>
+          <a:effectRef idx="0">
+            <a:schemeClr val="accent1"/>
+          </a:effectRef>
+          <a:fontRef idx="minor">
+            <a:schemeClr val="lt1"/>
+          </a:fontRef>
+        </p:style>
+        <p:txBody>
+          <a:bodyPr rtlCol="0" anchor="ctr"/>
+          <a:lstStyle/>
+          <a:p>
+            <a:pPr algn="ctr"/>
+            <a:r>
+              <a:rPr kumimoji="1" lang="en-US" altLang="ko-Kore-KR" sz="1600" dirty="0">
+                <a:solidFill>
+                  <a:schemeClr val="tx1"/>
+                </a:solidFill>
+                <a:latin typeface="DM Mono" panose="020B0509040201040103" pitchFamily="49" charset="0"/>
+              </a:rPr>
+              <a:t>10</a:t>
+            </a:r>
+            <a:endParaRPr kumimoji="1" lang="ko-Kore-KR" altLang="en-US" sz="1600" dirty="0">
+              <a:solidFill>
+                <a:schemeClr val="tx1"/>
+              </a:solidFill>
+              <a:latin typeface="DM Mono" panose="020B0509040201040103" pitchFamily="49" charset="0"/>
+            </a:endParaRPr>
+          </a:p>
+        </p:txBody>
+      </p:sp>
+      <p:sp>
+        <p:nvSpPr>
+          <p:cNvPr id="7" name="TextBox 6">
+            <a:extLst>
+              <a:ext uri="{FF2B5EF4-FFF2-40B4-BE49-F238E27FC236}">
+                <a16:creationId xmlns:a16="http://schemas.microsoft.com/office/drawing/2014/main" id="{AD0EAC69-3302-12CD-81F0-96900BD207E0}"/>
+              </a:ext>
+            </a:extLst>
+          </p:cNvPr>
+          <p:cNvSpPr txBox="1"/>
+          <p:nvPr/>
+        </p:nvSpPr>
+        <p:spPr>
+          <a:xfrm>
+            <a:off x="5513302" y="4280288"/>
+            <a:ext cx="351527" cy="369332"/>
+          </a:xfrm>
+          <a:prstGeom prst="rect">
+            <a:avLst/>
+          </a:prstGeom>
+          <a:noFill/>
+        </p:spPr>
+        <p:txBody>
+          <a:bodyPr wrap="square">
+            <a:spAutoFit/>
+          </a:bodyPr>
+          <a:lstStyle/>
+          <a:p>
+            <a:r>
+              <a:rPr lang="en-US" altLang="ko-Kore-KR" dirty="0">
+                <a:latin typeface="DM Mono" panose="020B0509040201040103" pitchFamily="49" charset="0"/>
+              </a:rPr>
+              <a:t>x</a:t>
+            </a:r>
+            <a:endParaRPr lang="ko-Kore-KR" altLang="en-US" dirty="0"/>
+          </a:p>
+        </p:txBody>
+      </p:sp>
+      <p:sp>
+        <p:nvSpPr>
+          <p:cNvPr id="9" name="TextBox 8">
+            <a:extLst>
+              <a:ext uri="{FF2B5EF4-FFF2-40B4-BE49-F238E27FC236}">
+                <a16:creationId xmlns:a16="http://schemas.microsoft.com/office/drawing/2014/main" id="{7B4586C8-29B8-CFDA-CC77-96F203355D5F}"/>
+              </a:ext>
+            </a:extLst>
+          </p:cNvPr>
+          <p:cNvSpPr txBox="1"/>
+          <p:nvPr/>
+        </p:nvSpPr>
+        <p:spPr>
+          <a:xfrm>
+            <a:off x="5988832" y="3199955"/>
+            <a:ext cx="1178586" cy="369332"/>
+          </a:xfrm>
+          <a:prstGeom prst="rect">
+            <a:avLst/>
+          </a:prstGeom>
+          <a:noFill/>
+        </p:spPr>
+        <p:txBody>
+          <a:bodyPr wrap="square">
+            <a:spAutoFit/>
+          </a:bodyPr>
+          <a:lstStyle/>
+          <a:p>
+            <a:pPr algn="ctr"/>
+            <a:r>
+              <a:rPr lang="en-US" altLang="ko-Kore-KR" dirty="0">
+                <a:latin typeface="DM Mono" panose="020B0509040201040103" pitchFamily="49" charset="0"/>
+              </a:rPr>
+              <a:t>main</a:t>
+            </a:r>
+            <a:endParaRPr lang="ko-Kore-KR" altLang="en-US" dirty="0"/>
+          </a:p>
+        </p:txBody>
+      </p:sp>
+      <p:sp>
+        <p:nvSpPr>
+          <p:cNvPr id="3" name="TextBox 2">
+            <a:extLst>
+              <a:ext uri="{FF2B5EF4-FFF2-40B4-BE49-F238E27FC236}">
+                <a16:creationId xmlns:a16="http://schemas.microsoft.com/office/drawing/2014/main" id="{6A45A740-2369-8F8B-AF72-2A3AA6FDD041}"/>
+              </a:ext>
+            </a:extLst>
+          </p:cNvPr>
+          <p:cNvSpPr txBox="1"/>
+          <p:nvPr/>
+        </p:nvSpPr>
+        <p:spPr>
+          <a:xfrm>
+            <a:off x="5554723" y="3857723"/>
+            <a:ext cx="868217" cy="307777"/>
+          </a:xfrm>
+          <a:prstGeom prst="rect">
+            <a:avLst/>
+          </a:prstGeom>
+          <a:noFill/>
+        </p:spPr>
+        <p:txBody>
+          <a:bodyPr wrap="square">
+            <a:spAutoFit/>
+          </a:bodyPr>
+          <a:lstStyle/>
+          <a:p>
+            <a:r>
+              <a:rPr kumimoji="1" lang="en-US" altLang="ko-Kore-KR" sz="1400" dirty="0">
+                <a:solidFill>
+                  <a:srgbClr val="FF0000"/>
+                </a:solidFill>
+                <a:latin typeface="DM Mono" panose="020B0509040201040103" pitchFamily="49" charset="0"/>
+              </a:rPr>
+              <a:t>2000</a:t>
+            </a:r>
+            <a:endParaRPr lang="ko-Kore-KR" altLang="en-US" sz="1400" dirty="0">
+              <a:solidFill>
+                <a:srgbClr val="FF0000"/>
+              </a:solidFill>
+            </a:endParaRPr>
+          </a:p>
+        </p:txBody>
+      </p:sp>
+      <p:sp>
+        <p:nvSpPr>
+          <p:cNvPr id="2" name="직사각형 1">
+            <a:extLst>
+              <a:ext uri="{FF2B5EF4-FFF2-40B4-BE49-F238E27FC236}">
+                <a16:creationId xmlns:a16="http://schemas.microsoft.com/office/drawing/2014/main" id="{8BC076B0-4AA8-3AB4-D134-39590FEC6438}"/>
+              </a:ext>
+            </a:extLst>
+          </p:cNvPr>
+          <p:cNvSpPr/>
+          <p:nvPr/>
+        </p:nvSpPr>
+        <p:spPr>
+          <a:xfrm>
+            <a:off x="7716981" y="565505"/>
+            <a:ext cx="3657601" cy="2397404"/>
+          </a:xfrm>
+          <a:prstGeom prst="rect">
+            <a:avLst/>
+          </a:prstGeom>
+          <a:solidFill>
+            <a:schemeClr val="bg1"/>
+          </a:solidFill>
+        </p:spPr>
+        <p:style>
+          <a:lnRef idx="2">
+            <a:schemeClr val="accent1">
+              <a:shade val="15000"/>
+            </a:schemeClr>
+          </a:lnRef>
+          <a:fillRef idx="1">
+            <a:schemeClr val="accent1"/>
+          </a:fillRef>
+          <a:effectRef idx="0">
+            <a:schemeClr val="accent1"/>
+          </a:effectRef>
+          <a:fontRef idx="minor">
+            <a:schemeClr val="lt1"/>
+          </a:fontRef>
+        </p:style>
+        <p:txBody>
+          <a:bodyPr rtlCol="0" anchor="ctr"/>
+          <a:lstStyle/>
+          <a:p>
+            <a:pPr algn="ctr"/>
+            <a:endParaRPr kumimoji="1" lang="ko-Kore-KR" altLang="en-US" sz="1600" dirty="0">
+              <a:solidFill>
+                <a:schemeClr val="tx1"/>
+              </a:solidFill>
+              <a:latin typeface="DM Mono" panose="020B0509040201040103" pitchFamily="49" charset="0"/>
+            </a:endParaRPr>
+          </a:p>
+        </p:txBody>
+      </p:sp>
+      <p:sp>
+        <p:nvSpPr>
+          <p:cNvPr id="4" name="TextBox 3">
+            <a:extLst>
+              <a:ext uri="{FF2B5EF4-FFF2-40B4-BE49-F238E27FC236}">
+                <a16:creationId xmlns:a16="http://schemas.microsoft.com/office/drawing/2014/main" id="{F7B2C7B3-DDE3-1DA1-878B-58B0784926C1}"/>
+              </a:ext>
+            </a:extLst>
+          </p:cNvPr>
+          <p:cNvSpPr txBox="1"/>
+          <p:nvPr/>
+        </p:nvSpPr>
+        <p:spPr>
+          <a:xfrm>
+            <a:off x="8834106" y="196173"/>
+            <a:ext cx="1423350" cy="369332"/>
+          </a:xfrm>
+          <a:prstGeom prst="rect">
+            <a:avLst/>
+          </a:prstGeom>
+          <a:noFill/>
+        </p:spPr>
+        <p:txBody>
+          <a:bodyPr wrap="square">
+            <a:spAutoFit/>
+          </a:bodyPr>
+          <a:lstStyle/>
+          <a:p>
+            <a:pPr algn="ctr"/>
+            <a:r>
+              <a:rPr lang="en-US" altLang="ko-Kore-KR" dirty="0">
+                <a:latin typeface="DM Mono" panose="020B0509040201040103" pitchFamily="49" charset="0"/>
+              </a:rPr>
+              <a:t>Increment</a:t>
+            </a:r>
+            <a:endParaRPr lang="ko-Kore-KR" altLang="en-US" dirty="0"/>
+          </a:p>
+        </p:txBody>
+      </p:sp>
+      <p:sp>
+        <p:nvSpPr>
+          <p:cNvPr id="10" name="직사각형 9">
+            <a:extLst>
+              <a:ext uri="{FF2B5EF4-FFF2-40B4-BE49-F238E27FC236}">
+                <a16:creationId xmlns:a16="http://schemas.microsoft.com/office/drawing/2014/main" id="{96648DD9-A389-2F7D-3AC4-CFD2314D8E60}"/>
+              </a:ext>
+            </a:extLst>
+          </p:cNvPr>
+          <p:cNvSpPr/>
+          <p:nvPr/>
+        </p:nvSpPr>
+        <p:spPr>
+          <a:xfrm>
+            <a:off x="8954867" y="1262507"/>
+            <a:ext cx="1302589" cy="595222"/>
+          </a:xfrm>
+          <a:prstGeom prst="rect">
+            <a:avLst/>
+          </a:prstGeom>
+          <a:solidFill>
+            <a:srgbClr val="FFFF00"/>
+          </a:solidFill>
+        </p:spPr>
+        <p:style>
+          <a:lnRef idx="2">
+            <a:schemeClr val="accent1">
+              <a:shade val="15000"/>
+            </a:schemeClr>
+          </a:lnRef>
+          <a:fillRef idx="1">
+            <a:schemeClr val="accent1"/>
+          </a:fillRef>
+          <a:effectRef idx="0">
+            <a:schemeClr val="accent1"/>
+          </a:effectRef>
+          <a:fontRef idx="minor">
+            <a:schemeClr val="lt1"/>
+          </a:fontRef>
+        </p:style>
+        <p:txBody>
+          <a:bodyPr rtlCol="0" anchor="ctr"/>
+          <a:lstStyle/>
+          <a:p>
+            <a:pPr algn="ctr"/>
+            <a:r>
+              <a:rPr kumimoji="1" lang="en-US" altLang="ko-KR" sz="1600" dirty="0">
+                <a:solidFill>
+                  <a:srgbClr val="FF0000"/>
+                </a:solidFill>
+                <a:latin typeface="DM Mono" panose="020B0509040201040103" pitchFamily="49" charset="0"/>
+              </a:rPr>
+              <a:t>2000</a:t>
+            </a:r>
+            <a:endParaRPr kumimoji="1" lang="ko-Kore-KR" altLang="en-US" sz="1600" dirty="0">
+              <a:solidFill>
+                <a:srgbClr val="FF0000"/>
+              </a:solidFill>
+              <a:latin typeface="DM Mono" panose="020B0509040201040103" pitchFamily="49" charset="0"/>
+            </a:endParaRPr>
+          </a:p>
+        </p:txBody>
+      </p:sp>
+      <p:sp>
+        <p:nvSpPr>
+          <p:cNvPr id="11" name="TextBox 10">
+            <a:extLst>
+              <a:ext uri="{FF2B5EF4-FFF2-40B4-BE49-F238E27FC236}">
+                <a16:creationId xmlns:a16="http://schemas.microsoft.com/office/drawing/2014/main" id="{918C6014-A2DC-2545-9C8C-1AB39ADF5785}"/>
+              </a:ext>
+            </a:extLst>
+          </p:cNvPr>
+          <p:cNvSpPr txBox="1"/>
+          <p:nvPr/>
+        </p:nvSpPr>
+        <p:spPr>
+          <a:xfrm>
+            <a:off x="8377382" y="1375452"/>
+            <a:ext cx="577485" cy="369332"/>
+          </a:xfrm>
+          <a:prstGeom prst="rect">
+            <a:avLst/>
+          </a:prstGeom>
+          <a:noFill/>
+        </p:spPr>
+        <p:txBody>
+          <a:bodyPr wrap="square">
+            <a:spAutoFit/>
+          </a:bodyPr>
+          <a:lstStyle/>
+          <a:p>
+            <a:r>
+              <a:rPr lang="en-US" altLang="ko-Kore-KR" dirty="0" err="1">
+                <a:latin typeface="DM Mono" panose="020B0509040201040103" pitchFamily="49" charset="0"/>
+              </a:rPr>
+              <a:t>px</a:t>
+            </a:r>
+            <a:endParaRPr lang="ko-Kore-KR" altLang="en-US" dirty="0"/>
+          </a:p>
+        </p:txBody>
+      </p:sp>
+      <p:cxnSp>
+        <p:nvCxnSpPr>
+          <p:cNvPr id="12" name="구부러진 연결선[U] 11">
+            <a:extLst>
+              <a:ext uri="{FF2B5EF4-FFF2-40B4-BE49-F238E27FC236}">
+                <a16:creationId xmlns:a16="http://schemas.microsoft.com/office/drawing/2014/main" id="{8F17083C-13C6-8E4B-4AEA-AB529D8F134D}"/>
+              </a:ext>
+            </a:extLst>
+          </p:cNvPr>
+          <p:cNvCxnSpPr>
+            <a:cxnSpLocks/>
+            <a:endCxn id="10" idx="2"/>
+          </p:cNvCxnSpPr>
+          <p:nvPr/>
+        </p:nvCxnSpPr>
+        <p:spPr>
+          <a:xfrm flipV="1">
+            <a:off x="6174935" y="1857729"/>
+            <a:ext cx="3431227" cy="2150853"/>
+          </a:xfrm>
+          <a:prstGeom prst="curvedConnector2">
+            <a:avLst/>
+          </a:prstGeom>
+          <a:ln w="12700">
+            <a:tailEnd type="triangle"/>
+          </a:ln>
+        </p:spPr>
+        <p:style>
+          <a:lnRef idx="1">
+            <a:schemeClr val="dk1"/>
+          </a:lnRef>
+          <a:fillRef idx="0">
+            <a:schemeClr val="dk1"/>
+          </a:fillRef>
+          <a:effectRef idx="0">
+            <a:schemeClr val="dk1"/>
+          </a:effectRef>
+          <a:fontRef idx="minor">
+            <a:schemeClr val="tx1"/>
+          </a:fontRef>
+        </p:style>
+      </p:cxnSp>
+      <p:sp>
+        <p:nvSpPr>
+          <p:cNvPr id="13" name="TextBox 12">
+            <a:extLst>
+              <a:ext uri="{FF2B5EF4-FFF2-40B4-BE49-F238E27FC236}">
+                <a16:creationId xmlns:a16="http://schemas.microsoft.com/office/drawing/2014/main" id="{DBB93FFE-966C-D6E0-C5C9-B6C1177520D9}"/>
+              </a:ext>
+            </a:extLst>
+          </p:cNvPr>
+          <p:cNvSpPr txBox="1"/>
+          <p:nvPr/>
+        </p:nvSpPr>
+        <p:spPr>
+          <a:xfrm>
+            <a:off x="8653950" y="3162580"/>
+            <a:ext cx="1178586" cy="646331"/>
+          </a:xfrm>
+          <a:prstGeom prst="rect">
+            <a:avLst/>
+          </a:prstGeom>
+          <a:noFill/>
+        </p:spPr>
+        <p:txBody>
+          <a:bodyPr wrap="square">
+            <a:spAutoFit/>
+          </a:bodyPr>
+          <a:lstStyle/>
+          <a:p>
+            <a:pPr algn="ctr"/>
+            <a:r>
+              <a:rPr lang="ko-Kore-KR" altLang="en-US" dirty="0">
+                <a:latin typeface="DM Mono" panose="020B0509040201040103" pitchFamily="49" charset="0"/>
+              </a:rPr>
+              <a:t>주소</a:t>
+            </a:r>
+            <a:r>
+              <a:rPr lang="ko-KR" altLang="en-US" dirty="0">
+                <a:latin typeface="DM Mono" panose="020B0509040201040103" pitchFamily="49" charset="0"/>
+              </a:rPr>
+              <a:t> 전달</a:t>
+            </a:r>
+            <a:endParaRPr lang="ko-Kore-KR" altLang="en-US" dirty="0"/>
+          </a:p>
+        </p:txBody>
+      </p:sp>
+    </p:spTree>
+    <p:extLst>
+      <p:ext uri="{BB962C8B-B14F-4D97-AF65-F5344CB8AC3E}">
+        <p14:creationId xmlns:p14="http://schemas.microsoft.com/office/powerpoint/2010/main" val="335605067"/>
+      </p:ext>
+    </p:extLst>
+  </p:cSld>
+  <p:clrMapOvr>
+    <a:masterClrMapping/>
+  </p:clrMapOvr>
+</p:sld>
+</file>
+
+<file path=ppt/slides/slide11.xml><?xml version="1.0" encoding="utf-8"?>
+<p:sld xmlns:a="http://schemas.openxmlformats.org/drawingml/2006/main" xmlns:r="http://schemas.openxmlformats.org/officeDocument/2006/relationships" xmlns:p="http://schemas.openxmlformats.org/presentationml/2006/main">
+  <p:cSld>
+    <p:spTree>
+      <p:nvGrpSpPr>
+        <p:cNvPr id="1" name=""/>
+        <p:cNvGrpSpPr/>
+        <p:nvPr/>
+      </p:nvGrpSpPr>
+      <p:grpSpPr>
+        <a:xfrm>
+          <a:off x="0" y="0"/>
+          <a:ext cx="0" cy="0"/>
+          <a:chOff x="0" y="0"/>
+          <a:chExt cx="0" cy="0"/>
+        </a:xfrm>
+      </p:grpSpPr>
+      <p:sp>
+        <p:nvSpPr>
+          <p:cNvPr id="8" name="직사각형 7">
+            <a:extLst>
+              <a:ext uri="{FF2B5EF4-FFF2-40B4-BE49-F238E27FC236}">
+                <a16:creationId xmlns:a16="http://schemas.microsoft.com/office/drawing/2014/main" id="{C88B369F-23EE-1F41-BB92-2769F1314631}"/>
+              </a:ext>
+            </a:extLst>
+          </p:cNvPr>
+          <p:cNvSpPr/>
+          <p:nvPr/>
+        </p:nvSpPr>
+        <p:spPr>
+          <a:xfrm>
+            <a:off x="4719781" y="3569287"/>
+            <a:ext cx="3657601" cy="2397404"/>
+          </a:xfrm>
+          <a:prstGeom prst="rect">
+            <a:avLst/>
+          </a:prstGeom>
+          <a:solidFill>
+            <a:schemeClr val="bg1"/>
+          </a:solidFill>
+        </p:spPr>
+        <p:style>
+          <a:lnRef idx="2">
+            <a:schemeClr val="accent1">
+              <a:shade val="15000"/>
+            </a:schemeClr>
+          </a:lnRef>
+          <a:fillRef idx="1">
+            <a:schemeClr val="accent1"/>
+          </a:fillRef>
+          <a:effectRef idx="0">
+            <a:schemeClr val="accent1"/>
+          </a:effectRef>
+          <a:fontRef idx="minor">
+            <a:schemeClr val="lt1"/>
+          </a:fontRef>
+        </p:style>
+        <p:txBody>
+          <a:bodyPr rtlCol="0" anchor="ctr"/>
+          <a:lstStyle/>
+          <a:p>
+            <a:pPr algn="ctr"/>
+            <a:endParaRPr kumimoji="1" lang="ko-Kore-KR" altLang="en-US" sz="1600" dirty="0">
+              <a:solidFill>
+                <a:schemeClr val="tx1"/>
+              </a:solidFill>
+              <a:latin typeface="DM Mono" panose="020B0509040201040103" pitchFamily="49" charset="0"/>
+            </a:endParaRPr>
+          </a:p>
+        </p:txBody>
+      </p:sp>
+      <p:sp>
+        <p:nvSpPr>
+          <p:cNvPr id="5" name="TextBox 4">
+            <a:extLst>
+              <a:ext uri="{FF2B5EF4-FFF2-40B4-BE49-F238E27FC236}">
+                <a16:creationId xmlns:a16="http://schemas.microsoft.com/office/drawing/2014/main" id="{3A3CD34A-7AD8-7F66-F863-6841F249C481}"/>
+              </a:ext>
+            </a:extLst>
+          </p:cNvPr>
+          <p:cNvSpPr txBox="1"/>
+          <p:nvPr/>
+        </p:nvSpPr>
+        <p:spPr>
+          <a:xfrm>
+            <a:off x="369454" y="328458"/>
+            <a:ext cx="6096000" cy="3416320"/>
+          </a:xfrm>
+          <a:prstGeom prst="rect">
+            <a:avLst/>
+          </a:prstGeom>
+          <a:noFill/>
+        </p:spPr>
+        <p:txBody>
+          <a:bodyPr wrap="square">
+            <a:spAutoFit/>
+          </a:bodyPr>
+          <a:lstStyle/>
+          <a:p>
+            <a:r>
+              <a:rPr lang="ko-Kore-KR" altLang="en-US" dirty="0">
+                <a:latin typeface="DM Mono" panose="020B0509040201040103" pitchFamily="49" charset="0"/>
+              </a:rPr>
+              <a:t>void Increment(int</a:t>
+            </a:r>
+            <a:r>
+              <a:rPr lang="en-US" altLang="ko-Kore-KR" dirty="0">
+                <a:latin typeface="DM Mono" panose="020B0509040201040103" pitchFamily="49" charset="0"/>
+              </a:rPr>
+              <a:t>*</a:t>
+            </a:r>
+            <a:r>
+              <a:rPr lang="ko-Kore-KR" altLang="en-US" dirty="0">
+                <a:latin typeface="DM Mono" panose="020B0509040201040103" pitchFamily="49" charset="0"/>
+              </a:rPr>
+              <a:t> </a:t>
+            </a:r>
+            <a:r>
+              <a:rPr lang="en-US" altLang="ko-Kore-KR" dirty="0">
+                <a:latin typeface="DM Mono" panose="020B0509040201040103" pitchFamily="49" charset="0"/>
+              </a:rPr>
+              <a:t>p</a:t>
+            </a:r>
+            <a:r>
+              <a:rPr lang="ko-Kore-KR" altLang="en-US" dirty="0">
+                <a:latin typeface="DM Mono" panose="020B0509040201040103" pitchFamily="49" charset="0"/>
+              </a:rPr>
+              <a:t>x)</a:t>
+            </a:r>
+          </a:p>
+          <a:p>
+            <a:r>
+              <a:rPr lang="ko-Kore-KR" altLang="en-US" dirty="0">
+                <a:latin typeface="DM Mono" panose="020B0509040201040103" pitchFamily="49" charset="0"/>
+              </a:rPr>
+              <a:t>{</a:t>
+            </a:r>
+          </a:p>
+          <a:p>
+            <a:r>
+              <a:rPr lang="ko-Kore-KR" altLang="en-US" dirty="0">
+                <a:solidFill>
+                  <a:srgbClr val="FF0000"/>
+                </a:solidFill>
+                <a:latin typeface="DM Mono" panose="020B0509040201040103" pitchFamily="49" charset="0"/>
+              </a:rPr>
+              <a:t>    ++</a:t>
+            </a:r>
+            <a:r>
+              <a:rPr lang="en-US" altLang="ko-Kore-KR" dirty="0">
+                <a:solidFill>
+                  <a:srgbClr val="FF0000"/>
+                </a:solidFill>
+                <a:latin typeface="DM Mono" panose="020B0509040201040103" pitchFamily="49" charset="0"/>
+              </a:rPr>
+              <a:t>(*p</a:t>
+            </a:r>
+            <a:r>
+              <a:rPr lang="ko-Kore-KR" altLang="en-US" dirty="0">
+                <a:solidFill>
+                  <a:srgbClr val="FF0000"/>
+                </a:solidFill>
+                <a:latin typeface="DM Mono" panose="020B0509040201040103" pitchFamily="49" charset="0"/>
+              </a:rPr>
+              <a:t>x</a:t>
+            </a:r>
+            <a:r>
+              <a:rPr lang="en-US" altLang="ko-Kore-KR" dirty="0">
+                <a:solidFill>
+                  <a:srgbClr val="FF0000"/>
+                </a:solidFill>
+                <a:latin typeface="DM Mono" panose="020B0509040201040103" pitchFamily="49" charset="0"/>
+              </a:rPr>
+              <a:t>)</a:t>
+            </a:r>
+            <a:r>
+              <a:rPr lang="ko-Kore-KR" altLang="en-US" dirty="0">
+                <a:solidFill>
+                  <a:srgbClr val="FF0000"/>
+                </a:solidFill>
+                <a:latin typeface="DM Mono" panose="020B0509040201040103" pitchFamily="49" charset="0"/>
+              </a:rPr>
+              <a:t>;</a:t>
+            </a:r>
+          </a:p>
+          <a:p>
+            <a:r>
+              <a:rPr lang="ko-Kore-KR" altLang="en-US" dirty="0">
+                <a:latin typeface="DM Mono" panose="020B0509040201040103" pitchFamily="49" charset="0"/>
+              </a:rPr>
+              <a:t>}</a:t>
+            </a:r>
+          </a:p>
+          <a:p>
+            <a:endParaRPr lang="ko-Kore-KR" altLang="en-US" dirty="0">
+              <a:latin typeface="DM Mono" panose="020B0509040201040103" pitchFamily="49" charset="0"/>
+            </a:endParaRPr>
+          </a:p>
+          <a:p>
+            <a:r>
+              <a:rPr lang="ko-Kore-KR" altLang="en-US" dirty="0">
+                <a:latin typeface="DM Mono" panose="020B0509040201040103" pitchFamily="49" charset="0"/>
+              </a:rPr>
+              <a:t>int main()</a:t>
+            </a:r>
+          </a:p>
+          <a:p>
+            <a:r>
+              <a:rPr lang="ko-Kore-KR" altLang="en-US" dirty="0">
+                <a:latin typeface="DM Mono" panose="020B0509040201040103" pitchFamily="49" charset="0"/>
+              </a:rPr>
+              <a:t>{</a:t>
+            </a:r>
+          </a:p>
+          <a:p>
+            <a:r>
+              <a:rPr lang="ko-Kore-KR" altLang="en-US" dirty="0">
+                <a:latin typeface="DM Mono" panose="020B0509040201040103" pitchFamily="49" charset="0"/>
+              </a:rPr>
+              <a:t>    int x = 10;</a:t>
+            </a:r>
+          </a:p>
+          <a:p>
+            <a:r>
+              <a:rPr lang="ko-Kore-KR" altLang="en-US" dirty="0">
+                <a:latin typeface="DM Mono" panose="020B0509040201040103" pitchFamily="49" charset="0"/>
+              </a:rPr>
+              <a:t>    Increment(</a:t>
+            </a:r>
+            <a:r>
+              <a:rPr lang="en-US" altLang="ko-Kore-KR" dirty="0">
+                <a:latin typeface="DM Mono" panose="020B0509040201040103" pitchFamily="49" charset="0"/>
+              </a:rPr>
+              <a:t>&amp;</a:t>
+            </a:r>
+            <a:r>
+              <a:rPr lang="ko-Kore-KR" altLang="en-US" dirty="0">
+                <a:latin typeface="DM Mono" panose="020B0509040201040103" pitchFamily="49" charset="0"/>
+              </a:rPr>
+              <a:t>x);</a:t>
+            </a:r>
+          </a:p>
+          <a:p>
+            <a:endParaRPr lang="ko-Kore-KR" altLang="en-US" dirty="0">
+              <a:latin typeface="DM Mono" panose="020B0509040201040103" pitchFamily="49" charset="0"/>
+            </a:endParaRPr>
+          </a:p>
+          <a:p>
+            <a:r>
+              <a:rPr lang="ko-Kore-KR" altLang="en-US" dirty="0">
+                <a:latin typeface="DM Mono" panose="020B0509040201040103" pitchFamily="49" charset="0"/>
+              </a:rPr>
+              <a:t>    cout &lt;&lt; x &lt;&lt; endl;</a:t>
+            </a:r>
+          </a:p>
+          <a:p>
+            <a:r>
+              <a:rPr lang="ko-Kore-KR" altLang="en-US" dirty="0">
+                <a:latin typeface="DM Mono" panose="020B0509040201040103" pitchFamily="49" charset="0"/>
+              </a:rPr>
+              <a:t>}</a:t>
+            </a:r>
+          </a:p>
+        </p:txBody>
+      </p:sp>
+      <p:sp>
+        <p:nvSpPr>
+          <p:cNvPr id="6" name="직사각형 5">
+            <a:extLst>
+              <a:ext uri="{FF2B5EF4-FFF2-40B4-BE49-F238E27FC236}">
+                <a16:creationId xmlns:a16="http://schemas.microsoft.com/office/drawing/2014/main" id="{DCD24C47-12E8-1334-725F-6311D301BB2C}"/>
+              </a:ext>
+            </a:extLst>
+          </p:cNvPr>
+          <p:cNvSpPr/>
+          <p:nvPr/>
+        </p:nvSpPr>
+        <p:spPr>
+          <a:xfrm>
+            <a:off x="5864829" y="4167343"/>
+            <a:ext cx="1302589" cy="595222"/>
+          </a:xfrm>
+          <a:prstGeom prst="rect">
+            <a:avLst/>
+          </a:prstGeom>
+          <a:solidFill>
+            <a:srgbClr val="FFFF00"/>
+          </a:solidFill>
+        </p:spPr>
+        <p:style>
+          <a:lnRef idx="2">
+            <a:schemeClr val="accent1">
+              <a:shade val="15000"/>
+            </a:schemeClr>
+          </a:lnRef>
+          <a:fillRef idx="1">
+            <a:schemeClr val="accent1"/>
+          </a:fillRef>
+          <a:effectRef idx="0">
+            <a:schemeClr val="accent1"/>
+          </a:effectRef>
+          <a:fontRef idx="minor">
+            <a:schemeClr val="lt1"/>
+          </a:fontRef>
+        </p:style>
+        <p:txBody>
+          <a:bodyPr rtlCol="0" anchor="ctr"/>
+          <a:lstStyle/>
+          <a:p>
+            <a:pPr algn="ctr"/>
+            <a:r>
+              <a:rPr kumimoji="1" lang="en-US" altLang="ko-KR" sz="1600" dirty="0">
+                <a:solidFill>
+                  <a:srgbClr val="FF0000"/>
+                </a:solidFill>
+                <a:latin typeface="DM Mono" panose="020B0509040201040103" pitchFamily="49" charset="0"/>
+              </a:rPr>
+              <a:t>11</a:t>
+            </a:r>
+            <a:endParaRPr kumimoji="1" lang="ko-Kore-KR" altLang="en-US" sz="1600" dirty="0">
+              <a:solidFill>
+                <a:srgbClr val="FF0000"/>
+              </a:solidFill>
+              <a:latin typeface="DM Mono" panose="020B0509040201040103" pitchFamily="49" charset="0"/>
+            </a:endParaRPr>
+          </a:p>
+        </p:txBody>
+      </p:sp>
+      <p:sp>
+        <p:nvSpPr>
+          <p:cNvPr id="7" name="TextBox 6">
+            <a:extLst>
+              <a:ext uri="{FF2B5EF4-FFF2-40B4-BE49-F238E27FC236}">
+                <a16:creationId xmlns:a16="http://schemas.microsoft.com/office/drawing/2014/main" id="{AD0EAC69-3302-12CD-81F0-96900BD207E0}"/>
+              </a:ext>
+            </a:extLst>
+          </p:cNvPr>
+          <p:cNvSpPr txBox="1"/>
+          <p:nvPr/>
+        </p:nvSpPr>
+        <p:spPr>
+          <a:xfrm>
+            <a:off x="5513302" y="4280288"/>
+            <a:ext cx="351527" cy="369332"/>
+          </a:xfrm>
+          <a:prstGeom prst="rect">
+            <a:avLst/>
+          </a:prstGeom>
+          <a:noFill/>
+        </p:spPr>
+        <p:txBody>
+          <a:bodyPr wrap="square">
+            <a:spAutoFit/>
+          </a:bodyPr>
+          <a:lstStyle/>
+          <a:p>
+            <a:r>
+              <a:rPr lang="en-US" altLang="ko-Kore-KR" dirty="0">
+                <a:latin typeface="DM Mono" panose="020B0509040201040103" pitchFamily="49" charset="0"/>
+              </a:rPr>
+              <a:t>x</a:t>
+            </a:r>
+            <a:endParaRPr lang="ko-Kore-KR" altLang="en-US" dirty="0"/>
+          </a:p>
+        </p:txBody>
+      </p:sp>
+      <p:sp>
+        <p:nvSpPr>
+          <p:cNvPr id="9" name="TextBox 8">
+            <a:extLst>
+              <a:ext uri="{FF2B5EF4-FFF2-40B4-BE49-F238E27FC236}">
+                <a16:creationId xmlns:a16="http://schemas.microsoft.com/office/drawing/2014/main" id="{7B4586C8-29B8-CFDA-CC77-96F203355D5F}"/>
+              </a:ext>
+            </a:extLst>
+          </p:cNvPr>
+          <p:cNvSpPr txBox="1"/>
+          <p:nvPr/>
+        </p:nvSpPr>
+        <p:spPr>
+          <a:xfrm>
+            <a:off x="5988832" y="3199955"/>
+            <a:ext cx="1178586" cy="369332"/>
+          </a:xfrm>
+          <a:prstGeom prst="rect">
+            <a:avLst/>
+          </a:prstGeom>
+          <a:noFill/>
+        </p:spPr>
+        <p:txBody>
+          <a:bodyPr wrap="square">
+            <a:spAutoFit/>
+          </a:bodyPr>
+          <a:lstStyle/>
+          <a:p>
+            <a:pPr algn="ctr"/>
+            <a:r>
+              <a:rPr lang="en-US" altLang="ko-Kore-KR" dirty="0">
+                <a:latin typeface="DM Mono" panose="020B0509040201040103" pitchFamily="49" charset="0"/>
+              </a:rPr>
+              <a:t>main</a:t>
+            </a:r>
+            <a:endParaRPr lang="ko-Kore-KR" altLang="en-US" dirty="0"/>
+          </a:p>
+        </p:txBody>
+      </p:sp>
+      <p:sp>
+        <p:nvSpPr>
+          <p:cNvPr id="3" name="TextBox 2">
+            <a:extLst>
+              <a:ext uri="{FF2B5EF4-FFF2-40B4-BE49-F238E27FC236}">
+                <a16:creationId xmlns:a16="http://schemas.microsoft.com/office/drawing/2014/main" id="{6A45A740-2369-8F8B-AF72-2A3AA6FDD041}"/>
+              </a:ext>
+            </a:extLst>
+          </p:cNvPr>
+          <p:cNvSpPr txBox="1"/>
+          <p:nvPr/>
+        </p:nvSpPr>
+        <p:spPr>
+          <a:xfrm>
+            <a:off x="5554723" y="3857723"/>
+            <a:ext cx="868217" cy="307777"/>
+          </a:xfrm>
+          <a:prstGeom prst="rect">
+            <a:avLst/>
+          </a:prstGeom>
+          <a:noFill/>
+        </p:spPr>
+        <p:txBody>
+          <a:bodyPr wrap="square">
+            <a:spAutoFit/>
+          </a:bodyPr>
+          <a:lstStyle/>
+          <a:p>
+            <a:r>
+              <a:rPr kumimoji="1" lang="en-US" altLang="ko-Kore-KR" sz="1400" dirty="0">
+                <a:solidFill>
+                  <a:schemeClr val="tx1"/>
+                </a:solidFill>
+                <a:latin typeface="DM Mono" panose="020B0509040201040103" pitchFamily="49" charset="0"/>
+              </a:rPr>
+              <a:t>2000</a:t>
+            </a:r>
+            <a:endParaRPr lang="ko-Kore-KR" altLang="en-US" sz="1400" dirty="0"/>
+          </a:p>
+        </p:txBody>
+      </p:sp>
+      <p:sp>
+        <p:nvSpPr>
+          <p:cNvPr id="2" name="직사각형 1">
+            <a:extLst>
+              <a:ext uri="{FF2B5EF4-FFF2-40B4-BE49-F238E27FC236}">
+                <a16:creationId xmlns:a16="http://schemas.microsoft.com/office/drawing/2014/main" id="{8BC076B0-4AA8-3AB4-D134-39590FEC6438}"/>
+              </a:ext>
+            </a:extLst>
+          </p:cNvPr>
+          <p:cNvSpPr/>
+          <p:nvPr/>
+        </p:nvSpPr>
+        <p:spPr>
+          <a:xfrm>
+            <a:off x="7716981" y="565505"/>
+            <a:ext cx="3657601" cy="2397404"/>
+          </a:xfrm>
+          <a:prstGeom prst="rect">
+            <a:avLst/>
+          </a:prstGeom>
+          <a:solidFill>
+            <a:schemeClr val="bg1"/>
+          </a:solidFill>
+        </p:spPr>
+        <p:style>
+          <a:lnRef idx="2">
+            <a:schemeClr val="accent1">
+              <a:shade val="15000"/>
+            </a:schemeClr>
+          </a:lnRef>
+          <a:fillRef idx="1">
+            <a:schemeClr val="accent1"/>
+          </a:fillRef>
+          <a:effectRef idx="0">
+            <a:schemeClr val="accent1"/>
+          </a:effectRef>
+          <a:fontRef idx="minor">
+            <a:schemeClr val="lt1"/>
+          </a:fontRef>
+        </p:style>
+        <p:txBody>
+          <a:bodyPr rtlCol="0" anchor="ctr"/>
+          <a:lstStyle/>
+          <a:p>
+            <a:pPr algn="ctr"/>
+            <a:endParaRPr kumimoji="1" lang="ko-Kore-KR" altLang="en-US" sz="1600" dirty="0">
+              <a:solidFill>
+                <a:schemeClr val="tx1"/>
+              </a:solidFill>
+              <a:latin typeface="DM Mono" panose="020B0509040201040103" pitchFamily="49" charset="0"/>
+            </a:endParaRPr>
+          </a:p>
+        </p:txBody>
+      </p:sp>
+      <p:sp>
+        <p:nvSpPr>
+          <p:cNvPr id="4" name="TextBox 3">
+            <a:extLst>
+              <a:ext uri="{FF2B5EF4-FFF2-40B4-BE49-F238E27FC236}">
+                <a16:creationId xmlns:a16="http://schemas.microsoft.com/office/drawing/2014/main" id="{F7B2C7B3-DDE3-1DA1-878B-58B0784926C1}"/>
+              </a:ext>
+            </a:extLst>
+          </p:cNvPr>
+          <p:cNvSpPr txBox="1"/>
+          <p:nvPr/>
+        </p:nvSpPr>
+        <p:spPr>
+          <a:xfrm>
+            <a:off x="8834106" y="196173"/>
+            <a:ext cx="1423350" cy="369332"/>
+          </a:xfrm>
+          <a:prstGeom prst="rect">
+            <a:avLst/>
+          </a:prstGeom>
+          <a:noFill/>
+        </p:spPr>
+        <p:txBody>
+          <a:bodyPr wrap="square">
+            <a:spAutoFit/>
+          </a:bodyPr>
+          <a:lstStyle/>
+          <a:p>
+            <a:pPr algn="ctr"/>
+            <a:r>
+              <a:rPr lang="en-US" altLang="ko-Kore-KR" dirty="0">
+                <a:latin typeface="DM Mono" panose="020B0509040201040103" pitchFamily="49" charset="0"/>
+              </a:rPr>
+              <a:t>Increment</a:t>
+            </a:r>
+            <a:endParaRPr lang="ko-Kore-KR" altLang="en-US" dirty="0"/>
+          </a:p>
+        </p:txBody>
+      </p:sp>
+      <p:sp>
+        <p:nvSpPr>
+          <p:cNvPr id="10" name="직사각형 9">
+            <a:extLst>
+              <a:ext uri="{FF2B5EF4-FFF2-40B4-BE49-F238E27FC236}">
+                <a16:creationId xmlns:a16="http://schemas.microsoft.com/office/drawing/2014/main" id="{96648DD9-A389-2F7D-3AC4-CFD2314D8E60}"/>
+              </a:ext>
+            </a:extLst>
+          </p:cNvPr>
+          <p:cNvSpPr/>
+          <p:nvPr/>
+        </p:nvSpPr>
+        <p:spPr>
+          <a:xfrm>
+            <a:off x="8954867" y="1262507"/>
+            <a:ext cx="1302589" cy="595222"/>
+          </a:xfrm>
+          <a:prstGeom prst="rect">
+            <a:avLst/>
+          </a:prstGeom>
+          <a:solidFill>
+            <a:srgbClr val="FFFF00"/>
+          </a:solidFill>
+        </p:spPr>
+        <p:style>
+          <a:lnRef idx="2">
+            <a:schemeClr val="accent1">
+              <a:shade val="15000"/>
+            </a:schemeClr>
+          </a:lnRef>
+          <a:fillRef idx="1">
+            <a:schemeClr val="accent1"/>
+          </a:fillRef>
+          <a:effectRef idx="0">
+            <a:schemeClr val="accent1"/>
+          </a:effectRef>
+          <a:fontRef idx="minor">
+            <a:schemeClr val="lt1"/>
+          </a:fontRef>
+        </p:style>
+        <p:txBody>
+          <a:bodyPr rtlCol="0" anchor="ctr"/>
+          <a:lstStyle/>
+          <a:p>
+            <a:pPr algn="ctr"/>
+            <a:r>
+              <a:rPr kumimoji="1" lang="en-US" altLang="ko-KR" sz="1600" dirty="0">
+                <a:solidFill>
+                  <a:srgbClr val="FF0000"/>
+                </a:solidFill>
+                <a:latin typeface="DM Mono" panose="020B0509040201040103" pitchFamily="49" charset="0"/>
+              </a:rPr>
+              <a:t>2000</a:t>
+            </a:r>
+            <a:endParaRPr kumimoji="1" lang="ko-Kore-KR" altLang="en-US" sz="1600" dirty="0">
+              <a:solidFill>
+                <a:srgbClr val="FF0000"/>
+              </a:solidFill>
+              <a:latin typeface="DM Mono" panose="020B0509040201040103" pitchFamily="49" charset="0"/>
+            </a:endParaRPr>
+          </a:p>
+        </p:txBody>
+      </p:sp>
+      <p:sp>
+        <p:nvSpPr>
+          <p:cNvPr id="11" name="TextBox 10">
+            <a:extLst>
+              <a:ext uri="{FF2B5EF4-FFF2-40B4-BE49-F238E27FC236}">
+                <a16:creationId xmlns:a16="http://schemas.microsoft.com/office/drawing/2014/main" id="{918C6014-A2DC-2545-9C8C-1AB39ADF5785}"/>
+              </a:ext>
+            </a:extLst>
+          </p:cNvPr>
+          <p:cNvSpPr txBox="1"/>
+          <p:nvPr/>
+        </p:nvSpPr>
+        <p:spPr>
+          <a:xfrm>
+            <a:off x="8377382" y="1375452"/>
+            <a:ext cx="577485" cy="369332"/>
+          </a:xfrm>
+          <a:prstGeom prst="rect">
+            <a:avLst/>
+          </a:prstGeom>
+          <a:noFill/>
+        </p:spPr>
+        <p:txBody>
+          <a:bodyPr wrap="square">
+            <a:spAutoFit/>
+          </a:bodyPr>
+          <a:lstStyle/>
+          <a:p>
+            <a:r>
+              <a:rPr lang="en-US" altLang="ko-Kore-KR" dirty="0" err="1">
+                <a:latin typeface="DM Mono" panose="020B0509040201040103" pitchFamily="49" charset="0"/>
+              </a:rPr>
+              <a:t>px</a:t>
+            </a:r>
+            <a:endParaRPr lang="ko-Kore-KR" altLang="en-US" dirty="0"/>
+          </a:p>
+        </p:txBody>
+      </p:sp>
+      <p:cxnSp>
+        <p:nvCxnSpPr>
+          <p:cNvPr id="15" name="구부러진 연결선[U] 14">
+            <a:extLst>
+              <a:ext uri="{FF2B5EF4-FFF2-40B4-BE49-F238E27FC236}">
+                <a16:creationId xmlns:a16="http://schemas.microsoft.com/office/drawing/2014/main" id="{A05C63CE-F7EB-83A3-B821-691D357899F8}"/>
+              </a:ext>
+            </a:extLst>
+          </p:cNvPr>
+          <p:cNvCxnSpPr>
+            <a:cxnSpLocks/>
+            <a:stCxn id="10" idx="2"/>
+            <a:endCxn id="6" idx="0"/>
+          </p:cNvCxnSpPr>
+          <p:nvPr/>
+        </p:nvCxnSpPr>
+        <p:spPr>
+          <a:xfrm rot="5400000">
+            <a:off x="6906336" y="1467517"/>
+            <a:ext cx="2309614" cy="3090038"/>
+          </a:xfrm>
+          <a:prstGeom prst="curvedConnector3">
+            <a:avLst>
+              <a:gd name="adj1" fmla="val 50000"/>
+            </a:avLst>
+          </a:prstGeom>
+          <a:ln w="12700">
+            <a:tailEnd type="triangle"/>
+          </a:ln>
+        </p:spPr>
+        <p:style>
+          <a:lnRef idx="1">
+            <a:schemeClr val="dk1"/>
+          </a:lnRef>
+          <a:fillRef idx="0">
+            <a:schemeClr val="dk1"/>
+          </a:fillRef>
+          <a:effectRef idx="0">
+            <a:schemeClr val="dk1"/>
+          </a:effectRef>
+          <a:fontRef idx="minor">
+            <a:schemeClr val="tx1"/>
+          </a:fontRef>
+        </p:style>
+      </p:cxnSp>
+    </p:spTree>
+    <p:extLst>
+      <p:ext uri="{BB962C8B-B14F-4D97-AF65-F5344CB8AC3E}">
+        <p14:creationId xmlns:p14="http://schemas.microsoft.com/office/powerpoint/2010/main" val="1134025599"/>
+      </p:ext>
+    </p:extLst>
+  </p:cSld>
+  <p:clrMapOvr>
+    <a:masterClrMapping/>
+  </p:clrMapOvr>
+</p:sld>
+</file>
+
 <file path=ppt/slides/slide2.xml><?xml version="1.0" encoding="utf-8"?>
 <p:sld xmlns:a="http://schemas.openxmlformats.org/drawingml/2006/main" xmlns:r="http://schemas.openxmlformats.org/officeDocument/2006/relationships" xmlns:p="http://schemas.openxmlformats.org/presentationml/2006/main">
   <p:cSld>
@@ -4502,6 +5945,2357 @@
     <p:extLst>
       <p:ext uri="{BB962C8B-B14F-4D97-AF65-F5344CB8AC3E}">
         <p14:creationId xmlns:p14="http://schemas.microsoft.com/office/powerpoint/2010/main" val="3175805469"/>
+      </p:ext>
+    </p:extLst>
+  </p:cSld>
+  <p:clrMapOvr>
+    <a:masterClrMapping/>
+  </p:clrMapOvr>
+</p:sld>
+</file>
+
+<file path=ppt/slides/slide5.xml><?xml version="1.0" encoding="utf-8"?>
+<p:sld xmlns:a="http://schemas.openxmlformats.org/drawingml/2006/main" xmlns:r="http://schemas.openxmlformats.org/officeDocument/2006/relationships" xmlns:p="http://schemas.openxmlformats.org/presentationml/2006/main">
+  <p:cSld>
+    <p:spTree>
+      <p:nvGrpSpPr>
+        <p:cNvPr id="1" name=""/>
+        <p:cNvGrpSpPr/>
+        <p:nvPr/>
+      </p:nvGrpSpPr>
+      <p:grpSpPr>
+        <a:xfrm>
+          <a:off x="0" y="0"/>
+          <a:ext cx="0" cy="0"/>
+          <a:chOff x="0" y="0"/>
+          <a:chExt cx="0" cy="0"/>
+        </a:xfrm>
+      </p:grpSpPr>
+      <p:sp>
+        <p:nvSpPr>
+          <p:cNvPr id="8" name="직사각형 7">
+            <a:extLst>
+              <a:ext uri="{FF2B5EF4-FFF2-40B4-BE49-F238E27FC236}">
+                <a16:creationId xmlns:a16="http://schemas.microsoft.com/office/drawing/2014/main" id="{C88B369F-23EE-1F41-BB92-2769F1314631}"/>
+              </a:ext>
+            </a:extLst>
+          </p:cNvPr>
+          <p:cNvSpPr/>
+          <p:nvPr/>
+        </p:nvSpPr>
+        <p:spPr>
+          <a:xfrm>
+            <a:off x="4719781" y="3569287"/>
+            <a:ext cx="3657601" cy="2397404"/>
+          </a:xfrm>
+          <a:prstGeom prst="rect">
+            <a:avLst/>
+          </a:prstGeom>
+          <a:solidFill>
+            <a:schemeClr val="bg1"/>
+          </a:solidFill>
+        </p:spPr>
+        <p:style>
+          <a:lnRef idx="2">
+            <a:schemeClr val="accent1">
+              <a:shade val="15000"/>
+            </a:schemeClr>
+          </a:lnRef>
+          <a:fillRef idx="1">
+            <a:schemeClr val="accent1"/>
+          </a:fillRef>
+          <a:effectRef idx="0">
+            <a:schemeClr val="accent1"/>
+          </a:effectRef>
+          <a:fontRef idx="minor">
+            <a:schemeClr val="lt1"/>
+          </a:fontRef>
+        </p:style>
+        <p:txBody>
+          <a:bodyPr rtlCol="0" anchor="ctr"/>
+          <a:lstStyle/>
+          <a:p>
+            <a:pPr algn="ctr"/>
+            <a:endParaRPr kumimoji="1" lang="ko-Kore-KR" altLang="en-US" sz="1600" dirty="0">
+              <a:solidFill>
+                <a:schemeClr val="tx1"/>
+              </a:solidFill>
+              <a:latin typeface="DM Mono" panose="020B0509040201040103" pitchFamily="49" charset="0"/>
+            </a:endParaRPr>
+          </a:p>
+        </p:txBody>
+      </p:sp>
+      <p:sp>
+        <p:nvSpPr>
+          <p:cNvPr id="5" name="TextBox 4">
+            <a:extLst>
+              <a:ext uri="{FF2B5EF4-FFF2-40B4-BE49-F238E27FC236}">
+                <a16:creationId xmlns:a16="http://schemas.microsoft.com/office/drawing/2014/main" id="{3A3CD34A-7AD8-7F66-F863-6841F249C481}"/>
+              </a:ext>
+            </a:extLst>
+          </p:cNvPr>
+          <p:cNvSpPr txBox="1"/>
+          <p:nvPr/>
+        </p:nvSpPr>
+        <p:spPr>
+          <a:xfrm>
+            <a:off x="369454" y="328458"/>
+            <a:ext cx="6096000" cy="3416320"/>
+          </a:xfrm>
+          <a:prstGeom prst="rect">
+            <a:avLst/>
+          </a:prstGeom>
+          <a:noFill/>
+        </p:spPr>
+        <p:txBody>
+          <a:bodyPr wrap="square">
+            <a:spAutoFit/>
+          </a:bodyPr>
+          <a:lstStyle/>
+          <a:p>
+            <a:r>
+              <a:rPr lang="ko-Kore-KR" altLang="en-US" dirty="0">
+                <a:latin typeface="DM Mono" panose="020B0509040201040103" pitchFamily="49" charset="0"/>
+              </a:rPr>
+              <a:t>void Increment(int x)</a:t>
+            </a:r>
+          </a:p>
+          <a:p>
+            <a:r>
+              <a:rPr lang="ko-Kore-KR" altLang="en-US" dirty="0">
+                <a:latin typeface="DM Mono" panose="020B0509040201040103" pitchFamily="49" charset="0"/>
+              </a:rPr>
+              <a:t>{</a:t>
+            </a:r>
+          </a:p>
+          <a:p>
+            <a:r>
+              <a:rPr lang="ko-Kore-KR" altLang="en-US" dirty="0">
+                <a:latin typeface="DM Mono" panose="020B0509040201040103" pitchFamily="49" charset="0"/>
+              </a:rPr>
+              <a:t>    ++x;</a:t>
+            </a:r>
+          </a:p>
+          <a:p>
+            <a:r>
+              <a:rPr lang="ko-Kore-KR" altLang="en-US" dirty="0">
+                <a:latin typeface="DM Mono" panose="020B0509040201040103" pitchFamily="49" charset="0"/>
+              </a:rPr>
+              <a:t>}</a:t>
+            </a:r>
+          </a:p>
+          <a:p>
+            <a:endParaRPr lang="ko-Kore-KR" altLang="en-US" dirty="0">
+              <a:latin typeface="DM Mono" panose="020B0509040201040103" pitchFamily="49" charset="0"/>
+            </a:endParaRPr>
+          </a:p>
+          <a:p>
+            <a:r>
+              <a:rPr lang="ko-Kore-KR" altLang="en-US" dirty="0">
+                <a:latin typeface="DM Mono" panose="020B0509040201040103" pitchFamily="49" charset="0"/>
+              </a:rPr>
+              <a:t>int main()</a:t>
+            </a:r>
+          </a:p>
+          <a:p>
+            <a:r>
+              <a:rPr lang="ko-Kore-KR" altLang="en-US" dirty="0">
+                <a:latin typeface="DM Mono" panose="020B0509040201040103" pitchFamily="49" charset="0"/>
+              </a:rPr>
+              <a:t>{</a:t>
+            </a:r>
+          </a:p>
+          <a:p>
+            <a:r>
+              <a:rPr lang="ko-Kore-KR" altLang="en-US" dirty="0">
+                <a:solidFill>
+                  <a:srgbClr val="FF0000"/>
+                </a:solidFill>
+                <a:latin typeface="DM Mono" panose="020B0509040201040103" pitchFamily="49" charset="0"/>
+              </a:rPr>
+              <a:t>    int x = 10;</a:t>
+            </a:r>
+          </a:p>
+          <a:p>
+            <a:r>
+              <a:rPr lang="ko-Kore-KR" altLang="en-US" dirty="0">
+                <a:latin typeface="DM Mono" panose="020B0509040201040103" pitchFamily="49" charset="0"/>
+              </a:rPr>
+              <a:t>    Increment(x);</a:t>
+            </a:r>
+          </a:p>
+          <a:p>
+            <a:endParaRPr lang="ko-Kore-KR" altLang="en-US" dirty="0">
+              <a:latin typeface="DM Mono" panose="020B0509040201040103" pitchFamily="49" charset="0"/>
+            </a:endParaRPr>
+          </a:p>
+          <a:p>
+            <a:r>
+              <a:rPr lang="ko-Kore-KR" altLang="en-US" dirty="0">
+                <a:latin typeface="DM Mono" panose="020B0509040201040103" pitchFamily="49" charset="0"/>
+              </a:rPr>
+              <a:t>    cout &lt;&lt; x &lt;&lt; endl;</a:t>
+            </a:r>
+          </a:p>
+          <a:p>
+            <a:r>
+              <a:rPr lang="ko-Kore-KR" altLang="en-US" dirty="0">
+                <a:latin typeface="DM Mono" panose="020B0509040201040103" pitchFamily="49" charset="0"/>
+              </a:rPr>
+              <a:t>}</a:t>
+            </a:r>
+          </a:p>
+        </p:txBody>
+      </p:sp>
+      <p:sp>
+        <p:nvSpPr>
+          <p:cNvPr id="6" name="직사각형 5">
+            <a:extLst>
+              <a:ext uri="{FF2B5EF4-FFF2-40B4-BE49-F238E27FC236}">
+                <a16:creationId xmlns:a16="http://schemas.microsoft.com/office/drawing/2014/main" id="{DCD24C47-12E8-1334-725F-6311D301BB2C}"/>
+              </a:ext>
+            </a:extLst>
+          </p:cNvPr>
+          <p:cNvSpPr/>
+          <p:nvPr/>
+        </p:nvSpPr>
+        <p:spPr>
+          <a:xfrm>
+            <a:off x="5864829" y="4167343"/>
+            <a:ext cx="1302589" cy="595222"/>
+          </a:xfrm>
+          <a:prstGeom prst="rect">
+            <a:avLst/>
+          </a:prstGeom>
+          <a:solidFill>
+            <a:srgbClr val="FFFF00"/>
+          </a:solidFill>
+        </p:spPr>
+        <p:style>
+          <a:lnRef idx="2">
+            <a:schemeClr val="accent1">
+              <a:shade val="15000"/>
+            </a:schemeClr>
+          </a:lnRef>
+          <a:fillRef idx="1">
+            <a:schemeClr val="accent1"/>
+          </a:fillRef>
+          <a:effectRef idx="0">
+            <a:schemeClr val="accent1"/>
+          </a:effectRef>
+          <a:fontRef idx="minor">
+            <a:schemeClr val="lt1"/>
+          </a:fontRef>
+        </p:style>
+        <p:txBody>
+          <a:bodyPr rtlCol="0" anchor="ctr"/>
+          <a:lstStyle/>
+          <a:p>
+            <a:pPr algn="ctr"/>
+            <a:r>
+              <a:rPr kumimoji="1" lang="en-US" altLang="ko-Kore-KR" sz="1600" dirty="0">
+                <a:solidFill>
+                  <a:schemeClr val="tx1"/>
+                </a:solidFill>
+                <a:latin typeface="DM Mono" panose="020B0509040201040103" pitchFamily="49" charset="0"/>
+              </a:rPr>
+              <a:t>10</a:t>
+            </a:r>
+            <a:endParaRPr kumimoji="1" lang="ko-Kore-KR" altLang="en-US" sz="1600" dirty="0">
+              <a:solidFill>
+                <a:schemeClr val="tx1"/>
+              </a:solidFill>
+              <a:latin typeface="DM Mono" panose="020B0509040201040103" pitchFamily="49" charset="0"/>
+            </a:endParaRPr>
+          </a:p>
+        </p:txBody>
+      </p:sp>
+      <p:sp>
+        <p:nvSpPr>
+          <p:cNvPr id="7" name="TextBox 6">
+            <a:extLst>
+              <a:ext uri="{FF2B5EF4-FFF2-40B4-BE49-F238E27FC236}">
+                <a16:creationId xmlns:a16="http://schemas.microsoft.com/office/drawing/2014/main" id="{AD0EAC69-3302-12CD-81F0-96900BD207E0}"/>
+              </a:ext>
+            </a:extLst>
+          </p:cNvPr>
+          <p:cNvSpPr txBox="1"/>
+          <p:nvPr/>
+        </p:nvSpPr>
+        <p:spPr>
+          <a:xfrm>
+            <a:off x="5513302" y="4280288"/>
+            <a:ext cx="351527" cy="369332"/>
+          </a:xfrm>
+          <a:prstGeom prst="rect">
+            <a:avLst/>
+          </a:prstGeom>
+          <a:noFill/>
+        </p:spPr>
+        <p:txBody>
+          <a:bodyPr wrap="square">
+            <a:spAutoFit/>
+          </a:bodyPr>
+          <a:lstStyle/>
+          <a:p>
+            <a:r>
+              <a:rPr lang="en-US" altLang="ko-Kore-KR" dirty="0">
+                <a:latin typeface="DM Mono" panose="020B0509040201040103" pitchFamily="49" charset="0"/>
+              </a:rPr>
+              <a:t>x</a:t>
+            </a:r>
+            <a:endParaRPr lang="ko-Kore-KR" altLang="en-US" dirty="0"/>
+          </a:p>
+        </p:txBody>
+      </p:sp>
+      <p:sp>
+        <p:nvSpPr>
+          <p:cNvPr id="9" name="TextBox 8">
+            <a:extLst>
+              <a:ext uri="{FF2B5EF4-FFF2-40B4-BE49-F238E27FC236}">
+                <a16:creationId xmlns:a16="http://schemas.microsoft.com/office/drawing/2014/main" id="{7B4586C8-29B8-CFDA-CC77-96F203355D5F}"/>
+              </a:ext>
+            </a:extLst>
+          </p:cNvPr>
+          <p:cNvSpPr txBox="1"/>
+          <p:nvPr/>
+        </p:nvSpPr>
+        <p:spPr>
+          <a:xfrm>
+            <a:off x="5988832" y="3199955"/>
+            <a:ext cx="1178586" cy="369332"/>
+          </a:xfrm>
+          <a:prstGeom prst="rect">
+            <a:avLst/>
+          </a:prstGeom>
+          <a:noFill/>
+        </p:spPr>
+        <p:txBody>
+          <a:bodyPr wrap="square">
+            <a:spAutoFit/>
+          </a:bodyPr>
+          <a:lstStyle/>
+          <a:p>
+            <a:pPr algn="ctr"/>
+            <a:r>
+              <a:rPr lang="en-US" altLang="ko-Kore-KR" dirty="0">
+                <a:latin typeface="DM Mono" panose="020B0509040201040103" pitchFamily="49" charset="0"/>
+              </a:rPr>
+              <a:t>main</a:t>
+            </a:r>
+            <a:endParaRPr lang="ko-Kore-KR" altLang="en-US" dirty="0"/>
+          </a:p>
+        </p:txBody>
+      </p:sp>
+    </p:spTree>
+    <p:extLst>
+      <p:ext uri="{BB962C8B-B14F-4D97-AF65-F5344CB8AC3E}">
+        <p14:creationId xmlns:p14="http://schemas.microsoft.com/office/powerpoint/2010/main" val="4239549918"/>
+      </p:ext>
+    </p:extLst>
+  </p:cSld>
+  <p:clrMapOvr>
+    <a:masterClrMapping/>
+  </p:clrMapOvr>
+</p:sld>
+</file>
+
+<file path=ppt/slides/slide6.xml><?xml version="1.0" encoding="utf-8"?>
+<p:sld xmlns:a="http://schemas.openxmlformats.org/drawingml/2006/main" xmlns:r="http://schemas.openxmlformats.org/officeDocument/2006/relationships" xmlns:p="http://schemas.openxmlformats.org/presentationml/2006/main">
+  <p:cSld>
+    <p:spTree>
+      <p:nvGrpSpPr>
+        <p:cNvPr id="1" name=""/>
+        <p:cNvGrpSpPr/>
+        <p:nvPr/>
+      </p:nvGrpSpPr>
+      <p:grpSpPr>
+        <a:xfrm>
+          <a:off x="0" y="0"/>
+          <a:ext cx="0" cy="0"/>
+          <a:chOff x="0" y="0"/>
+          <a:chExt cx="0" cy="0"/>
+        </a:xfrm>
+      </p:grpSpPr>
+      <p:sp>
+        <p:nvSpPr>
+          <p:cNvPr id="8" name="직사각형 7">
+            <a:extLst>
+              <a:ext uri="{FF2B5EF4-FFF2-40B4-BE49-F238E27FC236}">
+                <a16:creationId xmlns:a16="http://schemas.microsoft.com/office/drawing/2014/main" id="{C88B369F-23EE-1F41-BB92-2769F1314631}"/>
+              </a:ext>
+            </a:extLst>
+          </p:cNvPr>
+          <p:cNvSpPr/>
+          <p:nvPr/>
+        </p:nvSpPr>
+        <p:spPr>
+          <a:xfrm>
+            <a:off x="4719781" y="3569287"/>
+            <a:ext cx="3657601" cy="2397404"/>
+          </a:xfrm>
+          <a:prstGeom prst="rect">
+            <a:avLst/>
+          </a:prstGeom>
+          <a:solidFill>
+            <a:schemeClr val="bg1"/>
+          </a:solidFill>
+        </p:spPr>
+        <p:style>
+          <a:lnRef idx="2">
+            <a:schemeClr val="accent1">
+              <a:shade val="15000"/>
+            </a:schemeClr>
+          </a:lnRef>
+          <a:fillRef idx="1">
+            <a:schemeClr val="accent1"/>
+          </a:fillRef>
+          <a:effectRef idx="0">
+            <a:schemeClr val="accent1"/>
+          </a:effectRef>
+          <a:fontRef idx="minor">
+            <a:schemeClr val="lt1"/>
+          </a:fontRef>
+        </p:style>
+        <p:txBody>
+          <a:bodyPr rtlCol="0" anchor="ctr"/>
+          <a:lstStyle/>
+          <a:p>
+            <a:pPr algn="ctr"/>
+            <a:endParaRPr kumimoji="1" lang="ko-Kore-KR" altLang="en-US" sz="1600" dirty="0">
+              <a:solidFill>
+                <a:schemeClr val="tx1"/>
+              </a:solidFill>
+              <a:latin typeface="DM Mono" panose="020B0509040201040103" pitchFamily="49" charset="0"/>
+            </a:endParaRPr>
+          </a:p>
+        </p:txBody>
+      </p:sp>
+      <p:sp>
+        <p:nvSpPr>
+          <p:cNvPr id="5" name="TextBox 4">
+            <a:extLst>
+              <a:ext uri="{FF2B5EF4-FFF2-40B4-BE49-F238E27FC236}">
+                <a16:creationId xmlns:a16="http://schemas.microsoft.com/office/drawing/2014/main" id="{3A3CD34A-7AD8-7F66-F863-6841F249C481}"/>
+              </a:ext>
+            </a:extLst>
+          </p:cNvPr>
+          <p:cNvSpPr txBox="1"/>
+          <p:nvPr/>
+        </p:nvSpPr>
+        <p:spPr>
+          <a:xfrm>
+            <a:off x="369454" y="328458"/>
+            <a:ext cx="6096000" cy="3416320"/>
+          </a:xfrm>
+          <a:prstGeom prst="rect">
+            <a:avLst/>
+          </a:prstGeom>
+          <a:noFill/>
+        </p:spPr>
+        <p:txBody>
+          <a:bodyPr wrap="square">
+            <a:spAutoFit/>
+          </a:bodyPr>
+          <a:lstStyle/>
+          <a:p>
+            <a:r>
+              <a:rPr lang="ko-Kore-KR" altLang="en-US" dirty="0">
+                <a:latin typeface="DM Mono" panose="020B0509040201040103" pitchFamily="49" charset="0"/>
+              </a:rPr>
+              <a:t>void Increment(</a:t>
+            </a:r>
+            <a:r>
+              <a:rPr lang="ko-Kore-KR" altLang="en-US" dirty="0">
+                <a:solidFill>
+                  <a:srgbClr val="FF0000"/>
+                </a:solidFill>
+                <a:latin typeface="DM Mono" panose="020B0509040201040103" pitchFamily="49" charset="0"/>
+              </a:rPr>
+              <a:t>int x</a:t>
+            </a:r>
+            <a:r>
+              <a:rPr lang="ko-Kore-KR" altLang="en-US" dirty="0">
+                <a:latin typeface="DM Mono" panose="020B0509040201040103" pitchFamily="49" charset="0"/>
+              </a:rPr>
+              <a:t>)</a:t>
+            </a:r>
+          </a:p>
+          <a:p>
+            <a:r>
+              <a:rPr lang="ko-Kore-KR" altLang="en-US" dirty="0">
+                <a:latin typeface="DM Mono" panose="020B0509040201040103" pitchFamily="49" charset="0"/>
+              </a:rPr>
+              <a:t>{</a:t>
+            </a:r>
+          </a:p>
+          <a:p>
+            <a:r>
+              <a:rPr lang="ko-Kore-KR" altLang="en-US" dirty="0">
+                <a:latin typeface="DM Mono" panose="020B0509040201040103" pitchFamily="49" charset="0"/>
+              </a:rPr>
+              <a:t>    ++x;</a:t>
+            </a:r>
+          </a:p>
+          <a:p>
+            <a:r>
+              <a:rPr lang="ko-Kore-KR" altLang="en-US" dirty="0">
+                <a:latin typeface="DM Mono" panose="020B0509040201040103" pitchFamily="49" charset="0"/>
+              </a:rPr>
+              <a:t>}</a:t>
+            </a:r>
+          </a:p>
+          <a:p>
+            <a:endParaRPr lang="ko-Kore-KR" altLang="en-US" dirty="0">
+              <a:latin typeface="DM Mono" panose="020B0509040201040103" pitchFamily="49" charset="0"/>
+            </a:endParaRPr>
+          </a:p>
+          <a:p>
+            <a:r>
+              <a:rPr lang="ko-Kore-KR" altLang="en-US" dirty="0">
+                <a:latin typeface="DM Mono" panose="020B0509040201040103" pitchFamily="49" charset="0"/>
+              </a:rPr>
+              <a:t>int main()</a:t>
+            </a:r>
+          </a:p>
+          <a:p>
+            <a:r>
+              <a:rPr lang="ko-Kore-KR" altLang="en-US" dirty="0">
+                <a:latin typeface="DM Mono" panose="020B0509040201040103" pitchFamily="49" charset="0"/>
+              </a:rPr>
+              <a:t>{</a:t>
+            </a:r>
+          </a:p>
+          <a:p>
+            <a:r>
+              <a:rPr lang="ko-Kore-KR" altLang="en-US" dirty="0">
+                <a:latin typeface="DM Mono" panose="020B0509040201040103" pitchFamily="49" charset="0"/>
+              </a:rPr>
+              <a:t>    int x = 10;</a:t>
+            </a:r>
+          </a:p>
+          <a:p>
+            <a:r>
+              <a:rPr lang="ko-Kore-KR" altLang="en-US" dirty="0">
+                <a:solidFill>
+                  <a:srgbClr val="FF0000"/>
+                </a:solidFill>
+                <a:latin typeface="DM Mono" panose="020B0509040201040103" pitchFamily="49" charset="0"/>
+              </a:rPr>
+              <a:t>    Increment(x);</a:t>
+            </a:r>
+          </a:p>
+          <a:p>
+            <a:endParaRPr lang="ko-Kore-KR" altLang="en-US" dirty="0">
+              <a:latin typeface="DM Mono" panose="020B0509040201040103" pitchFamily="49" charset="0"/>
+            </a:endParaRPr>
+          </a:p>
+          <a:p>
+            <a:r>
+              <a:rPr lang="ko-Kore-KR" altLang="en-US" dirty="0">
+                <a:latin typeface="DM Mono" panose="020B0509040201040103" pitchFamily="49" charset="0"/>
+              </a:rPr>
+              <a:t>    cout &lt;&lt; x &lt;&lt; endl;</a:t>
+            </a:r>
+          </a:p>
+          <a:p>
+            <a:r>
+              <a:rPr lang="ko-Kore-KR" altLang="en-US" dirty="0">
+                <a:latin typeface="DM Mono" panose="020B0509040201040103" pitchFamily="49" charset="0"/>
+              </a:rPr>
+              <a:t>}</a:t>
+            </a:r>
+          </a:p>
+        </p:txBody>
+      </p:sp>
+      <p:sp>
+        <p:nvSpPr>
+          <p:cNvPr id="6" name="직사각형 5">
+            <a:extLst>
+              <a:ext uri="{FF2B5EF4-FFF2-40B4-BE49-F238E27FC236}">
+                <a16:creationId xmlns:a16="http://schemas.microsoft.com/office/drawing/2014/main" id="{DCD24C47-12E8-1334-725F-6311D301BB2C}"/>
+              </a:ext>
+            </a:extLst>
+          </p:cNvPr>
+          <p:cNvSpPr/>
+          <p:nvPr/>
+        </p:nvSpPr>
+        <p:spPr>
+          <a:xfrm>
+            <a:off x="5864829" y="4167343"/>
+            <a:ext cx="1302589" cy="595222"/>
+          </a:xfrm>
+          <a:prstGeom prst="rect">
+            <a:avLst/>
+          </a:prstGeom>
+          <a:solidFill>
+            <a:srgbClr val="FFFF00"/>
+          </a:solidFill>
+        </p:spPr>
+        <p:style>
+          <a:lnRef idx="2">
+            <a:schemeClr val="accent1">
+              <a:shade val="15000"/>
+            </a:schemeClr>
+          </a:lnRef>
+          <a:fillRef idx="1">
+            <a:schemeClr val="accent1"/>
+          </a:fillRef>
+          <a:effectRef idx="0">
+            <a:schemeClr val="accent1"/>
+          </a:effectRef>
+          <a:fontRef idx="minor">
+            <a:schemeClr val="lt1"/>
+          </a:fontRef>
+        </p:style>
+        <p:txBody>
+          <a:bodyPr rtlCol="0" anchor="ctr"/>
+          <a:lstStyle/>
+          <a:p>
+            <a:pPr algn="ctr"/>
+            <a:r>
+              <a:rPr kumimoji="1" lang="en-US" altLang="ko-Kore-KR" sz="1600" dirty="0">
+                <a:solidFill>
+                  <a:schemeClr val="tx1"/>
+                </a:solidFill>
+                <a:latin typeface="DM Mono" panose="020B0509040201040103" pitchFamily="49" charset="0"/>
+              </a:rPr>
+              <a:t>10</a:t>
+            </a:r>
+            <a:endParaRPr kumimoji="1" lang="ko-Kore-KR" altLang="en-US" sz="1600" dirty="0">
+              <a:solidFill>
+                <a:schemeClr val="tx1"/>
+              </a:solidFill>
+              <a:latin typeface="DM Mono" panose="020B0509040201040103" pitchFamily="49" charset="0"/>
+            </a:endParaRPr>
+          </a:p>
+        </p:txBody>
+      </p:sp>
+      <p:sp>
+        <p:nvSpPr>
+          <p:cNvPr id="7" name="TextBox 6">
+            <a:extLst>
+              <a:ext uri="{FF2B5EF4-FFF2-40B4-BE49-F238E27FC236}">
+                <a16:creationId xmlns:a16="http://schemas.microsoft.com/office/drawing/2014/main" id="{AD0EAC69-3302-12CD-81F0-96900BD207E0}"/>
+              </a:ext>
+            </a:extLst>
+          </p:cNvPr>
+          <p:cNvSpPr txBox="1"/>
+          <p:nvPr/>
+        </p:nvSpPr>
+        <p:spPr>
+          <a:xfrm>
+            <a:off x="5513302" y="4280288"/>
+            <a:ext cx="351527" cy="369332"/>
+          </a:xfrm>
+          <a:prstGeom prst="rect">
+            <a:avLst/>
+          </a:prstGeom>
+          <a:noFill/>
+        </p:spPr>
+        <p:txBody>
+          <a:bodyPr wrap="square">
+            <a:spAutoFit/>
+          </a:bodyPr>
+          <a:lstStyle/>
+          <a:p>
+            <a:r>
+              <a:rPr lang="en-US" altLang="ko-Kore-KR" dirty="0">
+                <a:latin typeface="DM Mono" panose="020B0509040201040103" pitchFamily="49" charset="0"/>
+              </a:rPr>
+              <a:t>x</a:t>
+            </a:r>
+            <a:endParaRPr lang="ko-Kore-KR" altLang="en-US" dirty="0"/>
+          </a:p>
+        </p:txBody>
+      </p:sp>
+      <p:sp>
+        <p:nvSpPr>
+          <p:cNvPr id="9" name="TextBox 8">
+            <a:extLst>
+              <a:ext uri="{FF2B5EF4-FFF2-40B4-BE49-F238E27FC236}">
+                <a16:creationId xmlns:a16="http://schemas.microsoft.com/office/drawing/2014/main" id="{7B4586C8-29B8-CFDA-CC77-96F203355D5F}"/>
+              </a:ext>
+            </a:extLst>
+          </p:cNvPr>
+          <p:cNvSpPr txBox="1"/>
+          <p:nvPr/>
+        </p:nvSpPr>
+        <p:spPr>
+          <a:xfrm>
+            <a:off x="5988832" y="3199955"/>
+            <a:ext cx="1178586" cy="369332"/>
+          </a:xfrm>
+          <a:prstGeom prst="rect">
+            <a:avLst/>
+          </a:prstGeom>
+          <a:noFill/>
+        </p:spPr>
+        <p:txBody>
+          <a:bodyPr wrap="square">
+            <a:spAutoFit/>
+          </a:bodyPr>
+          <a:lstStyle/>
+          <a:p>
+            <a:pPr algn="ctr"/>
+            <a:r>
+              <a:rPr lang="en-US" altLang="ko-Kore-KR" dirty="0">
+                <a:latin typeface="DM Mono" panose="020B0509040201040103" pitchFamily="49" charset="0"/>
+              </a:rPr>
+              <a:t>main</a:t>
+            </a:r>
+            <a:endParaRPr lang="ko-Kore-KR" altLang="en-US" dirty="0"/>
+          </a:p>
+        </p:txBody>
+      </p:sp>
+      <p:sp>
+        <p:nvSpPr>
+          <p:cNvPr id="2" name="직사각형 1">
+            <a:extLst>
+              <a:ext uri="{FF2B5EF4-FFF2-40B4-BE49-F238E27FC236}">
+                <a16:creationId xmlns:a16="http://schemas.microsoft.com/office/drawing/2014/main" id="{3CEB3854-412B-2014-6590-A2F597ED41D2}"/>
+              </a:ext>
+            </a:extLst>
+          </p:cNvPr>
+          <p:cNvSpPr/>
+          <p:nvPr/>
+        </p:nvSpPr>
+        <p:spPr>
+          <a:xfrm>
+            <a:off x="7716981" y="565505"/>
+            <a:ext cx="3657601" cy="2397404"/>
+          </a:xfrm>
+          <a:prstGeom prst="rect">
+            <a:avLst/>
+          </a:prstGeom>
+          <a:solidFill>
+            <a:schemeClr val="bg1"/>
+          </a:solidFill>
+        </p:spPr>
+        <p:style>
+          <a:lnRef idx="2">
+            <a:schemeClr val="accent1">
+              <a:shade val="15000"/>
+            </a:schemeClr>
+          </a:lnRef>
+          <a:fillRef idx="1">
+            <a:schemeClr val="accent1"/>
+          </a:fillRef>
+          <a:effectRef idx="0">
+            <a:schemeClr val="accent1"/>
+          </a:effectRef>
+          <a:fontRef idx="minor">
+            <a:schemeClr val="lt1"/>
+          </a:fontRef>
+        </p:style>
+        <p:txBody>
+          <a:bodyPr rtlCol="0" anchor="ctr"/>
+          <a:lstStyle/>
+          <a:p>
+            <a:pPr algn="ctr"/>
+            <a:endParaRPr kumimoji="1" lang="ko-Kore-KR" altLang="en-US" sz="1600" dirty="0">
+              <a:solidFill>
+                <a:schemeClr val="tx1"/>
+              </a:solidFill>
+              <a:latin typeface="DM Mono" panose="020B0509040201040103" pitchFamily="49" charset="0"/>
+            </a:endParaRPr>
+          </a:p>
+        </p:txBody>
+      </p:sp>
+      <p:sp>
+        <p:nvSpPr>
+          <p:cNvPr id="3" name="TextBox 2">
+            <a:extLst>
+              <a:ext uri="{FF2B5EF4-FFF2-40B4-BE49-F238E27FC236}">
+                <a16:creationId xmlns:a16="http://schemas.microsoft.com/office/drawing/2014/main" id="{43600CAA-9C7E-5A93-14AC-30812E01B72C}"/>
+              </a:ext>
+            </a:extLst>
+          </p:cNvPr>
+          <p:cNvSpPr txBox="1"/>
+          <p:nvPr/>
+        </p:nvSpPr>
+        <p:spPr>
+          <a:xfrm>
+            <a:off x="8834106" y="196173"/>
+            <a:ext cx="1423350" cy="369332"/>
+          </a:xfrm>
+          <a:prstGeom prst="rect">
+            <a:avLst/>
+          </a:prstGeom>
+          <a:noFill/>
+        </p:spPr>
+        <p:txBody>
+          <a:bodyPr wrap="square">
+            <a:spAutoFit/>
+          </a:bodyPr>
+          <a:lstStyle/>
+          <a:p>
+            <a:pPr algn="ctr"/>
+            <a:r>
+              <a:rPr lang="en-US" altLang="ko-Kore-KR" dirty="0">
+                <a:latin typeface="DM Mono" panose="020B0509040201040103" pitchFamily="49" charset="0"/>
+              </a:rPr>
+              <a:t>Increment</a:t>
+            </a:r>
+            <a:endParaRPr lang="ko-Kore-KR" altLang="en-US" dirty="0"/>
+          </a:p>
+        </p:txBody>
+      </p:sp>
+      <p:sp>
+        <p:nvSpPr>
+          <p:cNvPr id="4" name="직사각형 3">
+            <a:extLst>
+              <a:ext uri="{FF2B5EF4-FFF2-40B4-BE49-F238E27FC236}">
+                <a16:creationId xmlns:a16="http://schemas.microsoft.com/office/drawing/2014/main" id="{E06B009D-0B2C-3254-C0B9-A04E8AFDE981}"/>
+              </a:ext>
+            </a:extLst>
+          </p:cNvPr>
+          <p:cNvSpPr/>
+          <p:nvPr/>
+        </p:nvSpPr>
+        <p:spPr>
+          <a:xfrm>
+            <a:off x="8954867" y="1262507"/>
+            <a:ext cx="1302589" cy="595222"/>
+          </a:xfrm>
+          <a:prstGeom prst="rect">
+            <a:avLst/>
+          </a:prstGeom>
+          <a:solidFill>
+            <a:srgbClr val="FFFF00"/>
+          </a:solidFill>
+        </p:spPr>
+        <p:style>
+          <a:lnRef idx="2">
+            <a:schemeClr val="accent1">
+              <a:shade val="15000"/>
+            </a:schemeClr>
+          </a:lnRef>
+          <a:fillRef idx="1">
+            <a:schemeClr val="accent1"/>
+          </a:fillRef>
+          <a:effectRef idx="0">
+            <a:schemeClr val="accent1"/>
+          </a:effectRef>
+          <a:fontRef idx="minor">
+            <a:schemeClr val="lt1"/>
+          </a:fontRef>
+        </p:style>
+        <p:txBody>
+          <a:bodyPr rtlCol="0" anchor="ctr"/>
+          <a:lstStyle/>
+          <a:p>
+            <a:pPr algn="ctr"/>
+            <a:r>
+              <a:rPr kumimoji="1" lang="en-US" altLang="ko-Kore-KR" sz="1600" dirty="0">
+                <a:solidFill>
+                  <a:srgbClr val="FF0000"/>
+                </a:solidFill>
+                <a:latin typeface="DM Mono" panose="020B0509040201040103" pitchFamily="49" charset="0"/>
+              </a:rPr>
+              <a:t>10</a:t>
+            </a:r>
+            <a:endParaRPr kumimoji="1" lang="ko-Kore-KR" altLang="en-US" sz="1600" dirty="0">
+              <a:solidFill>
+                <a:srgbClr val="FF0000"/>
+              </a:solidFill>
+              <a:latin typeface="DM Mono" panose="020B0509040201040103" pitchFamily="49" charset="0"/>
+            </a:endParaRPr>
+          </a:p>
+        </p:txBody>
+      </p:sp>
+      <p:sp>
+        <p:nvSpPr>
+          <p:cNvPr id="10" name="TextBox 9">
+            <a:extLst>
+              <a:ext uri="{FF2B5EF4-FFF2-40B4-BE49-F238E27FC236}">
+                <a16:creationId xmlns:a16="http://schemas.microsoft.com/office/drawing/2014/main" id="{CB1F6B5B-AA52-BBE3-BC3F-DF2300319077}"/>
+              </a:ext>
+            </a:extLst>
+          </p:cNvPr>
+          <p:cNvSpPr txBox="1"/>
+          <p:nvPr/>
+        </p:nvSpPr>
+        <p:spPr>
+          <a:xfrm>
+            <a:off x="8603340" y="1375452"/>
+            <a:ext cx="351527" cy="369332"/>
+          </a:xfrm>
+          <a:prstGeom prst="rect">
+            <a:avLst/>
+          </a:prstGeom>
+          <a:noFill/>
+        </p:spPr>
+        <p:txBody>
+          <a:bodyPr wrap="square">
+            <a:spAutoFit/>
+          </a:bodyPr>
+          <a:lstStyle/>
+          <a:p>
+            <a:r>
+              <a:rPr lang="en-US" altLang="ko-Kore-KR" dirty="0">
+                <a:latin typeface="DM Mono" panose="020B0509040201040103" pitchFamily="49" charset="0"/>
+              </a:rPr>
+              <a:t>x</a:t>
+            </a:r>
+            <a:endParaRPr lang="ko-Kore-KR" altLang="en-US" dirty="0"/>
+          </a:p>
+        </p:txBody>
+      </p:sp>
+      <p:cxnSp>
+        <p:nvCxnSpPr>
+          <p:cNvPr id="12" name="구부러진 연결선[U] 11">
+            <a:extLst>
+              <a:ext uri="{FF2B5EF4-FFF2-40B4-BE49-F238E27FC236}">
+                <a16:creationId xmlns:a16="http://schemas.microsoft.com/office/drawing/2014/main" id="{44F1BBE6-F8B9-E6AA-4272-1297442EEE6D}"/>
+              </a:ext>
+            </a:extLst>
+          </p:cNvPr>
+          <p:cNvCxnSpPr>
+            <a:stCxn id="6" idx="3"/>
+            <a:endCxn id="4" idx="2"/>
+          </p:cNvCxnSpPr>
+          <p:nvPr/>
+        </p:nvCxnSpPr>
+        <p:spPr>
+          <a:xfrm flipV="1">
+            <a:off x="7167418" y="1857729"/>
+            <a:ext cx="2438744" cy="2607225"/>
+          </a:xfrm>
+          <a:prstGeom prst="curvedConnector2">
+            <a:avLst/>
+          </a:prstGeom>
+          <a:ln w="12700">
+            <a:tailEnd type="triangle"/>
+          </a:ln>
+        </p:spPr>
+        <p:style>
+          <a:lnRef idx="1">
+            <a:schemeClr val="dk1"/>
+          </a:lnRef>
+          <a:fillRef idx="0">
+            <a:schemeClr val="dk1"/>
+          </a:fillRef>
+          <a:effectRef idx="0">
+            <a:schemeClr val="dk1"/>
+          </a:effectRef>
+          <a:fontRef idx="minor">
+            <a:schemeClr val="tx1"/>
+          </a:fontRef>
+        </p:style>
+      </p:cxnSp>
+      <p:sp>
+        <p:nvSpPr>
+          <p:cNvPr id="13" name="TextBox 12">
+            <a:extLst>
+              <a:ext uri="{FF2B5EF4-FFF2-40B4-BE49-F238E27FC236}">
+                <a16:creationId xmlns:a16="http://schemas.microsoft.com/office/drawing/2014/main" id="{CF87C92D-317A-EA08-EB3F-D7D109E022A2}"/>
+              </a:ext>
+            </a:extLst>
+          </p:cNvPr>
+          <p:cNvSpPr txBox="1"/>
+          <p:nvPr/>
+        </p:nvSpPr>
+        <p:spPr>
+          <a:xfrm>
+            <a:off x="8722493" y="3475245"/>
+            <a:ext cx="1178586" cy="369332"/>
+          </a:xfrm>
+          <a:prstGeom prst="rect">
+            <a:avLst/>
+          </a:prstGeom>
+          <a:noFill/>
+        </p:spPr>
+        <p:txBody>
+          <a:bodyPr wrap="square">
+            <a:spAutoFit/>
+          </a:bodyPr>
+          <a:lstStyle/>
+          <a:p>
+            <a:pPr algn="ctr"/>
+            <a:r>
+              <a:rPr lang="ko-Kore-KR" altLang="en-US" dirty="0">
+                <a:latin typeface="DM Mono" panose="020B0509040201040103" pitchFamily="49" charset="0"/>
+              </a:rPr>
+              <a:t>복사</a:t>
+            </a:r>
+            <a:endParaRPr lang="ko-Kore-KR" altLang="en-US" dirty="0"/>
+          </a:p>
+        </p:txBody>
+      </p:sp>
+    </p:spTree>
+    <p:extLst>
+      <p:ext uri="{BB962C8B-B14F-4D97-AF65-F5344CB8AC3E}">
+        <p14:creationId xmlns:p14="http://schemas.microsoft.com/office/powerpoint/2010/main" val="2587946135"/>
+      </p:ext>
+    </p:extLst>
+  </p:cSld>
+  <p:clrMapOvr>
+    <a:masterClrMapping/>
+  </p:clrMapOvr>
+</p:sld>
+</file>
+
+<file path=ppt/slides/slide7.xml><?xml version="1.0" encoding="utf-8"?>
+<p:sld xmlns:a="http://schemas.openxmlformats.org/drawingml/2006/main" xmlns:r="http://schemas.openxmlformats.org/officeDocument/2006/relationships" xmlns:p="http://schemas.openxmlformats.org/presentationml/2006/main">
+  <p:cSld>
+    <p:spTree>
+      <p:nvGrpSpPr>
+        <p:cNvPr id="1" name=""/>
+        <p:cNvGrpSpPr/>
+        <p:nvPr/>
+      </p:nvGrpSpPr>
+      <p:grpSpPr>
+        <a:xfrm>
+          <a:off x="0" y="0"/>
+          <a:ext cx="0" cy="0"/>
+          <a:chOff x="0" y="0"/>
+          <a:chExt cx="0" cy="0"/>
+        </a:xfrm>
+      </p:grpSpPr>
+      <p:sp>
+        <p:nvSpPr>
+          <p:cNvPr id="8" name="직사각형 7">
+            <a:extLst>
+              <a:ext uri="{FF2B5EF4-FFF2-40B4-BE49-F238E27FC236}">
+                <a16:creationId xmlns:a16="http://schemas.microsoft.com/office/drawing/2014/main" id="{C88B369F-23EE-1F41-BB92-2769F1314631}"/>
+              </a:ext>
+            </a:extLst>
+          </p:cNvPr>
+          <p:cNvSpPr/>
+          <p:nvPr/>
+        </p:nvSpPr>
+        <p:spPr>
+          <a:xfrm>
+            <a:off x="4719781" y="3569287"/>
+            <a:ext cx="3657601" cy="2397404"/>
+          </a:xfrm>
+          <a:prstGeom prst="rect">
+            <a:avLst/>
+          </a:prstGeom>
+          <a:solidFill>
+            <a:schemeClr val="bg1"/>
+          </a:solidFill>
+        </p:spPr>
+        <p:style>
+          <a:lnRef idx="2">
+            <a:schemeClr val="accent1">
+              <a:shade val="15000"/>
+            </a:schemeClr>
+          </a:lnRef>
+          <a:fillRef idx="1">
+            <a:schemeClr val="accent1"/>
+          </a:fillRef>
+          <a:effectRef idx="0">
+            <a:schemeClr val="accent1"/>
+          </a:effectRef>
+          <a:fontRef idx="minor">
+            <a:schemeClr val="lt1"/>
+          </a:fontRef>
+        </p:style>
+        <p:txBody>
+          <a:bodyPr rtlCol="0" anchor="ctr"/>
+          <a:lstStyle/>
+          <a:p>
+            <a:pPr algn="ctr"/>
+            <a:endParaRPr kumimoji="1" lang="ko-Kore-KR" altLang="en-US" sz="1600" dirty="0">
+              <a:solidFill>
+                <a:schemeClr val="tx1"/>
+              </a:solidFill>
+              <a:latin typeface="DM Mono" panose="020B0509040201040103" pitchFamily="49" charset="0"/>
+            </a:endParaRPr>
+          </a:p>
+        </p:txBody>
+      </p:sp>
+      <p:sp>
+        <p:nvSpPr>
+          <p:cNvPr id="5" name="TextBox 4">
+            <a:extLst>
+              <a:ext uri="{FF2B5EF4-FFF2-40B4-BE49-F238E27FC236}">
+                <a16:creationId xmlns:a16="http://schemas.microsoft.com/office/drawing/2014/main" id="{3A3CD34A-7AD8-7F66-F863-6841F249C481}"/>
+              </a:ext>
+            </a:extLst>
+          </p:cNvPr>
+          <p:cNvSpPr txBox="1"/>
+          <p:nvPr/>
+        </p:nvSpPr>
+        <p:spPr>
+          <a:xfrm>
+            <a:off x="369454" y="328458"/>
+            <a:ext cx="6096000" cy="3416320"/>
+          </a:xfrm>
+          <a:prstGeom prst="rect">
+            <a:avLst/>
+          </a:prstGeom>
+          <a:noFill/>
+        </p:spPr>
+        <p:txBody>
+          <a:bodyPr wrap="square">
+            <a:spAutoFit/>
+          </a:bodyPr>
+          <a:lstStyle/>
+          <a:p>
+            <a:r>
+              <a:rPr lang="ko-Kore-KR" altLang="en-US" dirty="0">
+                <a:latin typeface="DM Mono" panose="020B0509040201040103" pitchFamily="49" charset="0"/>
+              </a:rPr>
+              <a:t>void Increment(</a:t>
+            </a:r>
+            <a:r>
+              <a:rPr lang="ko-Kore-KR" altLang="en-US" dirty="0">
+                <a:solidFill>
+                  <a:srgbClr val="FF0000"/>
+                </a:solidFill>
+                <a:latin typeface="DM Mono" panose="020B0509040201040103" pitchFamily="49" charset="0"/>
+              </a:rPr>
+              <a:t>int x</a:t>
+            </a:r>
+            <a:r>
+              <a:rPr lang="ko-Kore-KR" altLang="en-US" dirty="0">
+                <a:latin typeface="DM Mono" panose="020B0509040201040103" pitchFamily="49" charset="0"/>
+              </a:rPr>
+              <a:t>)</a:t>
+            </a:r>
+          </a:p>
+          <a:p>
+            <a:r>
+              <a:rPr lang="ko-Kore-KR" altLang="en-US" dirty="0">
+                <a:latin typeface="DM Mono" panose="020B0509040201040103" pitchFamily="49" charset="0"/>
+              </a:rPr>
+              <a:t>{</a:t>
+            </a:r>
+          </a:p>
+          <a:p>
+            <a:r>
+              <a:rPr lang="ko-Kore-KR" altLang="en-US" dirty="0">
+                <a:solidFill>
+                  <a:srgbClr val="FF0000"/>
+                </a:solidFill>
+                <a:latin typeface="DM Mono" panose="020B0509040201040103" pitchFamily="49" charset="0"/>
+              </a:rPr>
+              <a:t>    ++x;</a:t>
+            </a:r>
+          </a:p>
+          <a:p>
+            <a:r>
+              <a:rPr lang="ko-Kore-KR" altLang="en-US" dirty="0">
+                <a:latin typeface="DM Mono" panose="020B0509040201040103" pitchFamily="49" charset="0"/>
+              </a:rPr>
+              <a:t>}</a:t>
+            </a:r>
+          </a:p>
+          <a:p>
+            <a:endParaRPr lang="ko-Kore-KR" altLang="en-US" dirty="0">
+              <a:latin typeface="DM Mono" panose="020B0509040201040103" pitchFamily="49" charset="0"/>
+            </a:endParaRPr>
+          </a:p>
+          <a:p>
+            <a:r>
+              <a:rPr lang="ko-Kore-KR" altLang="en-US" dirty="0">
+                <a:latin typeface="DM Mono" panose="020B0509040201040103" pitchFamily="49" charset="0"/>
+              </a:rPr>
+              <a:t>int main()</a:t>
+            </a:r>
+          </a:p>
+          <a:p>
+            <a:r>
+              <a:rPr lang="ko-Kore-KR" altLang="en-US" dirty="0">
+                <a:latin typeface="DM Mono" panose="020B0509040201040103" pitchFamily="49" charset="0"/>
+              </a:rPr>
+              <a:t>{</a:t>
+            </a:r>
+          </a:p>
+          <a:p>
+            <a:r>
+              <a:rPr lang="ko-Kore-KR" altLang="en-US" dirty="0">
+                <a:latin typeface="DM Mono" panose="020B0509040201040103" pitchFamily="49" charset="0"/>
+              </a:rPr>
+              <a:t>    int x = 10;</a:t>
+            </a:r>
+          </a:p>
+          <a:p>
+            <a:r>
+              <a:rPr lang="ko-Kore-KR" altLang="en-US" dirty="0">
+                <a:solidFill>
+                  <a:srgbClr val="FF0000"/>
+                </a:solidFill>
+                <a:latin typeface="DM Mono" panose="020B0509040201040103" pitchFamily="49" charset="0"/>
+              </a:rPr>
+              <a:t>    Increment(x);</a:t>
+            </a:r>
+          </a:p>
+          <a:p>
+            <a:endParaRPr lang="ko-Kore-KR" altLang="en-US" dirty="0">
+              <a:latin typeface="DM Mono" panose="020B0509040201040103" pitchFamily="49" charset="0"/>
+            </a:endParaRPr>
+          </a:p>
+          <a:p>
+            <a:r>
+              <a:rPr lang="ko-Kore-KR" altLang="en-US" dirty="0">
+                <a:latin typeface="DM Mono" panose="020B0509040201040103" pitchFamily="49" charset="0"/>
+              </a:rPr>
+              <a:t>    cout &lt;&lt; x &lt;&lt; endl;</a:t>
+            </a:r>
+          </a:p>
+          <a:p>
+            <a:r>
+              <a:rPr lang="ko-Kore-KR" altLang="en-US" dirty="0">
+                <a:latin typeface="DM Mono" panose="020B0509040201040103" pitchFamily="49" charset="0"/>
+              </a:rPr>
+              <a:t>}</a:t>
+            </a:r>
+          </a:p>
+        </p:txBody>
+      </p:sp>
+      <p:sp>
+        <p:nvSpPr>
+          <p:cNvPr id="6" name="직사각형 5">
+            <a:extLst>
+              <a:ext uri="{FF2B5EF4-FFF2-40B4-BE49-F238E27FC236}">
+                <a16:creationId xmlns:a16="http://schemas.microsoft.com/office/drawing/2014/main" id="{DCD24C47-12E8-1334-725F-6311D301BB2C}"/>
+              </a:ext>
+            </a:extLst>
+          </p:cNvPr>
+          <p:cNvSpPr/>
+          <p:nvPr/>
+        </p:nvSpPr>
+        <p:spPr>
+          <a:xfrm>
+            <a:off x="5864829" y="4167343"/>
+            <a:ext cx="1302589" cy="595222"/>
+          </a:xfrm>
+          <a:prstGeom prst="rect">
+            <a:avLst/>
+          </a:prstGeom>
+          <a:solidFill>
+            <a:srgbClr val="FFFF00"/>
+          </a:solidFill>
+        </p:spPr>
+        <p:style>
+          <a:lnRef idx="2">
+            <a:schemeClr val="accent1">
+              <a:shade val="15000"/>
+            </a:schemeClr>
+          </a:lnRef>
+          <a:fillRef idx="1">
+            <a:schemeClr val="accent1"/>
+          </a:fillRef>
+          <a:effectRef idx="0">
+            <a:schemeClr val="accent1"/>
+          </a:effectRef>
+          <a:fontRef idx="minor">
+            <a:schemeClr val="lt1"/>
+          </a:fontRef>
+        </p:style>
+        <p:txBody>
+          <a:bodyPr rtlCol="0" anchor="ctr"/>
+          <a:lstStyle/>
+          <a:p>
+            <a:pPr algn="ctr"/>
+            <a:r>
+              <a:rPr kumimoji="1" lang="en-US" altLang="ko-Kore-KR" sz="1600" dirty="0">
+                <a:solidFill>
+                  <a:schemeClr val="tx1"/>
+                </a:solidFill>
+                <a:latin typeface="DM Mono" panose="020B0509040201040103" pitchFamily="49" charset="0"/>
+              </a:rPr>
+              <a:t>10</a:t>
+            </a:r>
+            <a:endParaRPr kumimoji="1" lang="ko-Kore-KR" altLang="en-US" sz="1600" dirty="0">
+              <a:solidFill>
+                <a:schemeClr val="tx1"/>
+              </a:solidFill>
+              <a:latin typeface="DM Mono" panose="020B0509040201040103" pitchFamily="49" charset="0"/>
+            </a:endParaRPr>
+          </a:p>
+        </p:txBody>
+      </p:sp>
+      <p:sp>
+        <p:nvSpPr>
+          <p:cNvPr id="7" name="TextBox 6">
+            <a:extLst>
+              <a:ext uri="{FF2B5EF4-FFF2-40B4-BE49-F238E27FC236}">
+                <a16:creationId xmlns:a16="http://schemas.microsoft.com/office/drawing/2014/main" id="{AD0EAC69-3302-12CD-81F0-96900BD207E0}"/>
+              </a:ext>
+            </a:extLst>
+          </p:cNvPr>
+          <p:cNvSpPr txBox="1"/>
+          <p:nvPr/>
+        </p:nvSpPr>
+        <p:spPr>
+          <a:xfrm>
+            <a:off x="5513302" y="4280288"/>
+            <a:ext cx="351527" cy="369332"/>
+          </a:xfrm>
+          <a:prstGeom prst="rect">
+            <a:avLst/>
+          </a:prstGeom>
+          <a:noFill/>
+        </p:spPr>
+        <p:txBody>
+          <a:bodyPr wrap="square">
+            <a:spAutoFit/>
+          </a:bodyPr>
+          <a:lstStyle/>
+          <a:p>
+            <a:r>
+              <a:rPr lang="en-US" altLang="ko-Kore-KR" dirty="0">
+                <a:latin typeface="DM Mono" panose="020B0509040201040103" pitchFamily="49" charset="0"/>
+              </a:rPr>
+              <a:t>x</a:t>
+            </a:r>
+            <a:endParaRPr lang="ko-Kore-KR" altLang="en-US" dirty="0"/>
+          </a:p>
+        </p:txBody>
+      </p:sp>
+      <p:sp>
+        <p:nvSpPr>
+          <p:cNvPr id="9" name="TextBox 8">
+            <a:extLst>
+              <a:ext uri="{FF2B5EF4-FFF2-40B4-BE49-F238E27FC236}">
+                <a16:creationId xmlns:a16="http://schemas.microsoft.com/office/drawing/2014/main" id="{7B4586C8-29B8-CFDA-CC77-96F203355D5F}"/>
+              </a:ext>
+            </a:extLst>
+          </p:cNvPr>
+          <p:cNvSpPr txBox="1"/>
+          <p:nvPr/>
+        </p:nvSpPr>
+        <p:spPr>
+          <a:xfrm>
+            <a:off x="5988832" y="3199955"/>
+            <a:ext cx="1178586" cy="369332"/>
+          </a:xfrm>
+          <a:prstGeom prst="rect">
+            <a:avLst/>
+          </a:prstGeom>
+          <a:noFill/>
+        </p:spPr>
+        <p:txBody>
+          <a:bodyPr wrap="square">
+            <a:spAutoFit/>
+          </a:bodyPr>
+          <a:lstStyle/>
+          <a:p>
+            <a:pPr algn="ctr"/>
+            <a:r>
+              <a:rPr lang="en-US" altLang="ko-Kore-KR" dirty="0">
+                <a:latin typeface="DM Mono" panose="020B0509040201040103" pitchFamily="49" charset="0"/>
+              </a:rPr>
+              <a:t>main</a:t>
+            </a:r>
+            <a:endParaRPr lang="ko-Kore-KR" altLang="en-US" dirty="0"/>
+          </a:p>
+        </p:txBody>
+      </p:sp>
+      <p:sp>
+        <p:nvSpPr>
+          <p:cNvPr id="2" name="직사각형 1">
+            <a:extLst>
+              <a:ext uri="{FF2B5EF4-FFF2-40B4-BE49-F238E27FC236}">
+                <a16:creationId xmlns:a16="http://schemas.microsoft.com/office/drawing/2014/main" id="{3CEB3854-412B-2014-6590-A2F597ED41D2}"/>
+              </a:ext>
+            </a:extLst>
+          </p:cNvPr>
+          <p:cNvSpPr/>
+          <p:nvPr/>
+        </p:nvSpPr>
+        <p:spPr>
+          <a:xfrm>
+            <a:off x="7716981" y="565505"/>
+            <a:ext cx="3657601" cy="2397404"/>
+          </a:xfrm>
+          <a:prstGeom prst="rect">
+            <a:avLst/>
+          </a:prstGeom>
+          <a:solidFill>
+            <a:schemeClr val="bg1"/>
+          </a:solidFill>
+        </p:spPr>
+        <p:style>
+          <a:lnRef idx="2">
+            <a:schemeClr val="accent1">
+              <a:shade val="15000"/>
+            </a:schemeClr>
+          </a:lnRef>
+          <a:fillRef idx="1">
+            <a:schemeClr val="accent1"/>
+          </a:fillRef>
+          <a:effectRef idx="0">
+            <a:schemeClr val="accent1"/>
+          </a:effectRef>
+          <a:fontRef idx="minor">
+            <a:schemeClr val="lt1"/>
+          </a:fontRef>
+        </p:style>
+        <p:txBody>
+          <a:bodyPr rtlCol="0" anchor="ctr"/>
+          <a:lstStyle/>
+          <a:p>
+            <a:pPr algn="ctr"/>
+            <a:endParaRPr kumimoji="1" lang="ko-Kore-KR" altLang="en-US" sz="1600" dirty="0">
+              <a:solidFill>
+                <a:schemeClr val="tx1"/>
+              </a:solidFill>
+              <a:latin typeface="DM Mono" panose="020B0509040201040103" pitchFamily="49" charset="0"/>
+            </a:endParaRPr>
+          </a:p>
+        </p:txBody>
+      </p:sp>
+      <p:sp>
+        <p:nvSpPr>
+          <p:cNvPr id="3" name="TextBox 2">
+            <a:extLst>
+              <a:ext uri="{FF2B5EF4-FFF2-40B4-BE49-F238E27FC236}">
+                <a16:creationId xmlns:a16="http://schemas.microsoft.com/office/drawing/2014/main" id="{43600CAA-9C7E-5A93-14AC-30812E01B72C}"/>
+              </a:ext>
+            </a:extLst>
+          </p:cNvPr>
+          <p:cNvSpPr txBox="1"/>
+          <p:nvPr/>
+        </p:nvSpPr>
+        <p:spPr>
+          <a:xfrm>
+            <a:off x="8834106" y="196173"/>
+            <a:ext cx="1423350" cy="369332"/>
+          </a:xfrm>
+          <a:prstGeom prst="rect">
+            <a:avLst/>
+          </a:prstGeom>
+          <a:noFill/>
+        </p:spPr>
+        <p:txBody>
+          <a:bodyPr wrap="square">
+            <a:spAutoFit/>
+          </a:bodyPr>
+          <a:lstStyle/>
+          <a:p>
+            <a:pPr algn="ctr"/>
+            <a:r>
+              <a:rPr lang="en-US" altLang="ko-Kore-KR" dirty="0">
+                <a:latin typeface="DM Mono" panose="020B0509040201040103" pitchFamily="49" charset="0"/>
+              </a:rPr>
+              <a:t>Increment</a:t>
+            </a:r>
+            <a:endParaRPr lang="ko-Kore-KR" altLang="en-US" dirty="0"/>
+          </a:p>
+        </p:txBody>
+      </p:sp>
+      <p:sp>
+        <p:nvSpPr>
+          <p:cNvPr id="4" name="직사각형 3">
+            <a:extLst>
+              <a:ext uri="{FF2B5EF4-FFF2-40B4-BE49-F238E27FC236}">
+                <a16:creationId xmlns:a16="http://schemas.microsoft.com/office/drawing/2014/main" id="{E06B009D-0B2C-3254-C0B9-A04E8AFDE981}"/>
+              </a:ext>
+            </a:extLst>
+          </p:cNvPr>
+          <p:cNvSpPr/>
+          <p:nvPr/>
+        </p:nvSpPr>
+        <p:spPr>
+          <a:xfrm>
+            <a:off x="8954867" y="1262507"/>
+            <a:ext cx="1302589" cy="595222"/>
+          </a:xfrm>
+          <a:prstGeom prst="rect">
+            <a:avLst/>
+          </a:prstGeom>
+          <a:solidFill>
+            <a:srgbClr val="FFFF00"/>
+          </a:solidFill>
+        </p:spPr>
+        <p:style>
+          <a:lnRef idx="2">
+            <a:schemeClr val="accent1">
+              <a:shade val="15000"/>
+            </a:schemeClr>
+          </a:lnRef>
+          <a:fillRef idx="1">
+            <a:schemeClr val="accent1"/>
+          </a:fillRef>
+          <a:effectRef idx="0">
+            <a:schemeClr val="accent1"/>
+          </a:effectRef>
+          <a:fontRef idx="minor">
+            <a:schemeClr val="lt1"/>
+          </a:fontRef>
+        </p:style>
+        <p:txBody>
+          <a:bodyPr rtlCol="0" anchor="ctr"/>
+          <a:lstStyle/>
+          <a:p>
+            <a:pPr algn="ctr"/>
+            <a:r>
+              <a:rPr kumimoji="1" lang="en-US" altLang="ko-KR" sz="1600" dirty="0">
+                <a:solidFill>
+                  <a:srgbClr val="FF0000"/>
+                </a:solidFill>
+                <a:latin typeface="DM Mono" panose="020B0509040201040103" pitchFamily="49" charset="0"/>
+              </a:rPr>
+              <a:t>11</a:t>
+            </a:r>
+            <a:endParaRPr kumimoji="1" lang="ko-Kore-KR" altLang="en-US" sz="1600" dirty="0">
+              <a:solidFill>
+                <a:srgbClr val="FF0000"/>
+              </a:solidFill>
+              <a:latin typeface="DM Mono" panose="020B0509040201040103" pitchFamily="49" charset="0"/>
+            </a:endParaRPr>
+          </a:p>
+        </p:txBody>
+      </p:sp>
+      <p:sp>
+        <p:nvSpPr>
+          <p:cNvPr id="10" name="TextBox 9">
+            <a:extLst>
+              <a:ext uri="{FF2B5EF4-FFF2-40B4-BE49-F238E27FC236}">
+                <a16:creationId xmlns:a16="http://schemas.microsoft.com/office/drawing/2014/main" id="{CB1F6B5B-AA52-BBE3-BC3F-DF2300319077}"/>
+              </a:ext>
+            </a:extLst>
+          </p:cNvPr>
+          <p:cNvSpPr txBox="1"/>
+          <p:nvPr/>
+        </p:nvSpPr>
+        <p:spPr>
+          <a:xfrm>
+            <a:off x="8603340" y="1375452"/>
+            <a:ext cx="351527" cy="369332"/>
+          </a:xfrm>
+          <a:prstGeom prst="rect">
+            <a:avLst/>
+          </a:prstGeom>
+          <a:noFill/>
+        </p:spPr>
+        <p:txBody>
+          <a:bodyPr wrap="square">
+            <a:spAutoFit/>
+          </a:bodyPr>
+          <a:lstStyle/>
+          <a:p>
+            <a:r>
+              <a:rPr lang="en-US" altLang="ko-Kore-KR" dirty="0">
+                <a:latin typeface="DM Mono" panose="020B0509040201040103" pitchFamily="49" charset="0"/>
+              </a:rPr>
+              <a:t>x</a:t>
+            </a:r>
+            <a:endParaRPr lang="ko-Kore-KR" altLang="en-US" dirty="0"/>
+          </a:p>
+        </p:txBody>
+      </p:sp>
+    </p:spTree>
+    <p:extLst>
+      <p:ext uri="{BB962C8B-B14F-4D97-AF65-F5344CB8AC3E}">
+        <p14:creationId xmlns:p14="http://schemas.microsoft.com/office/powerpoint/2010/main" val="387041518"/>
+      </p:ext>
+    </p:extLst>
+  </p:cSld>
+  <p:clrMapOvr>
+    <a:masterClrMapping/>
+  </p:clrMapOvr>
+</p:sld>
+</file>
+
+<file path=ppt/slides/slide8.xml><?xml version="1.0" encoding="utf-8"?>
+<p:sld xmlns:a="http://schemas.openxmlformats.org/drawingml/2006/main" xmlns:r="http://schemas.openxmlformats.org/officeDocument/2006/relationships" xmlns:p="http://schemas.openxmlformats.org/presentationml/2006/main">
+  <p:cSld>
+    <p:spTree>
+      <p:nvGrpSpPr>
+        <p:cNvPr id="1" name=""/>
+        <p:cNvGrpSpPr/>
+        <p:nvPr/>
+      </p:nvGrpSpPr>
+      <p:grpSpPr>
+        <a:xfrm>
+          <a:off x="0" y="0"/>
+          <a:ext cx="0" cy="0"/>
+          <a:chOff x="0" y="0"/>
+          <a:chExt cx="0" cy="0"/>
+        </a:xfrm>
+      </p:grpSpPr>
+      <p:sp>
+        <p:nvSpPr>
+          <p:cNvPr id="8" name="직사각형 7">
+            <a:extLst>
+              <a:ext uri="{FF2B5EF4-FFF2-40B4-BE49-F238E27FC236}">
+                <a16:creationId xmlns:a16="http://schemas.microsoft.com/office/drawing/2014/main" id="{C88B369F-23EE-1F41-BB92-2769F1314631}"/>
+              </a:ext>
+            </a:extLst>
+          </p:cNvPr>
+          <p:cNvSpPr/>
+          <p:nvPr/>
+        </p:nvSpPr>
+        <p:spPr>
+          <a:xfrm>
+            <a:off x="4719781" y="3569287"/>
+            <a:ext cx="3657601" cy="2397404"/>
+          </a:xfrm>
+          <a:prstGeom prst="rect">
+            <a:avLst/>
+          </a:prstGeom>
+          <a:solidFill>
+            <a:schemeClr val="bg1"/>
+          </a:solidFill>
+        </p:spPr>
+        <p:style>
+          <a:lnRef idx="2">
+            <a:schemeClr val="accent1">
+              <a:shade val="15000"/>
+            </a:schemeClr>
+          </a:lnRef>
+          <a:fillRef idx="1">
+            <a:schemeClr val="accent1"/>
+          </a:fillRef>
+          <a:effectRef idx="0">
+            <a:schemeClr val="accent1"/>
+          </a:effectRef>
+          <a:fontRef idx="minor">
+            <a:schemeClr val="lt1"/>
+          </a:fontRef>
+        </p:style>
+        <p:txBody>
+          <a:bodyPr rtlCol="0" anchor="ctr"/>
+          <a:lstStyle/>
+          <a:p>
+            <a:pPr algn="ctr"/>
+            <a:endParaRPr kumimoji="1" lang="ko-Kore-KR" altLang="en-US" sz="1600" dirty="0">
+              <a:solidFill>
+                <a:schemeClr val="tx1"/>
+              </a:solidFill>
+              <a:latin typeface="DM Mono" panose="020B0509040201040103" pitchFamily="49" charset="0"/>
+            </a:endParaRPr>
+          </a:p>
+        </p:txBody>
+      </p:sp>
+      <p:sp>
+        <p:nvSpPr>
+          <p:cNvPr id="5" name="TextBox 4">
+            <a:extLst>
+              <a:ext uri="{FF2B5EF4-FFF2-40B4-BE49-F238E27FC236}">
+                <a16:creationId xmlns:a16="http://schemas.microsoft.com/office/drawing/2014/main" id="{3A3CD34A-7AD8-7F66-F863-6841F249C481}"/>
+              </a:ext>
+            </a:extLst>
+          </p:cNvPr>
+          <p:cNvSpPr txBox="1"/>
+          <p:nvPr/>
+        </p:nvSpPr>
+        <p:spPr>
+          <a:xfrm>
+            <a:off x="369454" y="328458"/>
+            <a:ext cx="6096000" cy="3416320"/>
+          </a:xfrm>
+          <a:prstGeom prst="rect">
+            <a:avLst/>
+          </a:prstGeom>
+          <a:noFill/>
+        </p:spPr>
+        <p:txBody>
+          <a:bodyPr wrap="square">
+            <a:spAutoFit/>
+          </a:bodyPr>
+          <a:lstStyle/>
+          <a:p>
+            <a:r>
+              <a:rPr lang="ko-Kore-KR" altLang="en-US" dirty="0">
+                <a:latin typeface="DM Mono" panose="020B0509040201040103" pitchFamily="49" charset="0"/>
+              </a:rPr>
+              <a:t>void Increment(</a:t>
+            </a:r>
+            <a:r>
+              <a:rPr lang="ko-Kore-KR" altLang="en-US" dirty="0">
+                <a:solidFill>
+                  <a:srgbClr val="FF0000"/>
+                </a:solidFill>
+                <a:latin typeface="DM Mono" panose="020B0509040201040103" pitchFamily="49" charset="0"/>
+              </a:rPr>
+              <a:t>int x</a:t>
+            </a:r>
+            <a:r>
+              <a:rPr lang="ko-Kore-KR" altLang="en-US" dirty="0">
+                <a:latin typeface="DM Mono" panose="020B0509040201040103" pitchFamily="49" charset="0"/>
+              </a:rPr>
+              <a:t>)</a:t>
+            </a:r>
+          </a:p>
+          <a:p>
+            <a:r>
+              <a:rPr lang="ko-Kore-KR" altLang="en-US" dirty="0">
+                <a:latin typeface="DM Mono" panose="020B0509040201040103" pitchFamily="49" charset="0"/>
+              </a:rPr>
+              <a:t>{</a:t>
+            </a:r>
+          </a:p>
+          <a:p>
+            <a:r>
+              <a:rPr lang="ko-Kore-KR" altLang="en-US" dirty="0">
+                <a:solidFill>
+                  <a:srgbClr val="FF0000"/>
+                </a:solidFill>
+                <a:latin typeface="DM Mono" panose="020B0509040201040103" pitchFamily="49" charset="0"/>
+              </a:rPr>
+              <a:t>    ++x;</a:t>
+            </a:r>
+          </a:p>
+          <a:p>
+            <a:r>
+              <a:rPr lang="ko-Kore-KR" altLang="en-US" dirty="0">
+                <a:latin typeface="DM Mono" panose="020B0509040201040103" pitchFamily="49" charset="0"/>
+              </a:rPr>
+              <a:t>}</a:t>
+            </a:r>
+          </a:p>
+          <a:p>
+            <a:endParaRPr lang="ko-Kore-KR" altLang="en-US" dirty="0">
+              <a:latin typeface="DM Mono" panose="020B0509040201040103" pitchFamily="49" charset="0"/>
+            </a:endParaRPr>
+          </a:p>
+          <a:p>
+            <a:r>
+              <a:rPr lang="ko-Kore-KR" altLang="en-US" dirty="0">
+                <a:latin typeface="DM Mono" panose="020B0509040201040103" pitchFamily="49" charset="0"/>
+              </a:rPr>
+              <a:t>int main()</a:t>
+            </a:r>
+          </a:p>
+          <a:p>
+            <a:r>
+              <a:rPr lang="ko-Kore-KR" altLang="en-US" dirty="0">
+                <a:latin typeface="DM Mono" panose="020B0509040201040103" pitchFamily="49" charset="0"/>
+              </a:rPr>
+              <a:t>{</a:t>
+            </a:r>
+          </a:p>
+          <a:p>
+            <a:r>
+              <a:rPr lang="ko-Kore-KR" altLang="en-US" dirty="0">
+                <a:latin typeface="DM Mono" panose="020B0509040201040103" pitchFamily="49" charset="0"/>
+              </a:rPr>
+              <a:t>    int x = 10;</a:t>
+            </a:r>
+          </a:p>
+          <a:p>
+            <a:r>
+              <a:rPr lang="ko-Kore-KR" altLang="en-US" dirty="0">
+                <a:solidFill>
+                  <a:srgbClr val="FF0000"/>
+                </a:solidFill>
+                <a:latin typeface="DM Mono" panose="020B0509040201040103" pitchFamily="49" charset="0"/>
+              </a:rPr>
+              <a:t>    Increment(x);</a:t>
+            </a:r>
+          </a:p>
+          <a:p>
+            <a:endParaRPr lang="ko-Kore-KR" altLang="en-US" dirty="0">
+              <a:latin typeface="DM Mono" panose="020B0509040201040103" pitchFamily="49" charset="0"/>
+            </a:endParaRPr>
+          </a:p>
+          <a:p>
+            <a:r>
+              <a:rPr lang="ko-Kore-KR" altLang="en-US" dirty="0">
+                <a:latin typeface="DM Mono" panose="020B0509040201040103" pitchFamily="49" charset="0"/>
+              </a:rPr>
+              <a:t>    cout &lt;&lt; x &lt;&lt; endl;</a:t>
+            </a:r>
+          </a:p>
+          <a:p>
+            <a:r>
+              <a:rPr lang="ko-Kore-KR" altLang="en-US" dirty="0">
+                <a:latin typeface="DM Mono" panose="020B0509040201040103" pitchFamily="49" charset="0"/>
+              </a:rPr>
+              <a:t>}</a:t>
+            </a:r>
+          </a:p>
+        </p:txBody>
+      </p:sp>
+      <p:sp>
+        <p:nvSpPr>
+          <p:cNvPr id="6" name="직사각형 5">
+            <a:extLst>
+              <a:ext uri="{FF2B5EF4-FFF2-40B4-BE49-F238E27FC236}">
+                <a16:creationId xmlns:a16="http://schemas.microsoft.com/office/drawing/2014/main" id="{DCD24C47-12E8-1334-725F-6311D301BB2C}"/>
+              </a:ext>
+            </a:extLst>
+          </p:cNvPr>
+          <p:cNvSpPr/>
+          <p:nvPr/>
+        </p:nvSpPr>
+        <p:spPr>
+          <a:xfrm>
+            <a:off x="5864829" y="4167343"/>
+            <a:ext cx="1302589" cy="595222"/>
+          </a:xfrm>
+          <a:prstGeom prst="rect">
+            <a:avLst/>
+          </a:prstGeom>
+          <a:solidFill>
+            <a:srgbClr val="FFFF00"/>
+          </a:solidFill>
+        </p:spPr>
+        <p:style>
+          <a:lnRef idx="2">
+            <a:schemeClr val="accent1">
+              <a:shade val="15000"/>
+            </a:schemeClr>
+          </a:lnRef>
+          <a:fillRef idx="1">
+            <a:schemeClr val="accent1"/>
+          </a:fillRef>
+          <a:effectRef idx="0">
+            <a:schemeClr val="accent1"/>
+          </a:effectRef>
+          <a:fontRef idx="minor">
+            <a:schemeClr val="lt1"/>
+          </a:fontRef>
+        </p:style>
+        <p:txBody>
+          <a:bodyPr rtlCol="0" anchor="ctr"/>
+          <a:lstStyle/>
+          <a:p>
+            <a:pPr algn="ctr"/>
+            <a:r>
+              <a:rPr kumimoji="1" lang="en-US" altLang="ko-Kore-KR" sz="1600" dirty="0">
+                <a:solidFill>
+                  <a:schemeClr val="tx1"/>
+                </a:solidFill>
+                <a:latin typeface="DM Mono" panose="020B0509040201040103" pitchFamily="49" charset="0"/>
+              </a:rPr>
+              <a:t>10</a:t>
+            </a:r>
+            <a:endParaRPr kumimoji="1" lang="ko-Kore-KR" altLang="en-US" sz="1600" dirty="0">
+              <a:solidFill>
+                <a:schemeClr val="tx1"/>
+              </a:solidFill>
+              <a:latin typeface="DM Mono" panose="020B0509040201040103" pitchFamily="49" charset="0"/>
+            </a:endParaRPr>
+          </a:p>
+        </p:txBody>
+      </p:sp>
+      <p:sp>
+        <p:nvSpPr>
+          <p:cNvPr id="7" name="TextBox 6">
+            <a:extLst>
+              <a:ext uri="{FF2B5EF4-FFF2-40B4-BE49-F238E27FC236}">
+                <a16:creationId xmlns:a16="http://schemas.microsoft.com/office/drawing/2014/main" id="{AD0EAC69-3302-12CD-81F0-96900BD207E0}"/>
+              </a:ext>
+            </a:extLst>
+          </p:cNvPr>
+          <p:cNvSpPr txBox="1"/>
+          <p:nvPr/>
+        </p:nvSpPr>
+        <p:spPr>
+          <a:xfrm>
+            <a:off x="5513302" y="4280288"/>
+            <a:ext cx="351527" cy="369332"/>
+          </a:xfrm>
+          <a:prstGeom prst="rect">
+            <a:avLst/>
+          </a:prstGeom>
+          <a:noFill/>
+        </p:spPr>
+        <p:txBody>
+          <a:bodyPr wrap="square">
+            <a:spAutoFit/>
+          </a:bodyPr>
+          <a:lstStyle/>
+          <a:p>
+            <a:r>
+              <a:rPr lang="en-US" altLang="ko-Kore-KR" dirty="0">
+                <a:latin typeface="DM Mono" panose="020B0509040201040103" pitchFamily="49" charset="0"/>
+              </a:rPr>
+              <a:t>x</a:t>
+            </a:r>
+            <a:endParaRPr lang="ko-Kore-KR" altLang="en-US" dirty="0"/>
+          </a:p>
+        </p:txBody>
+      </p:sp>
+      <p:sp>
+        <p:nvSpPr>
+          <p:cNvPr id="9" name="TextBox 8">
+            <a:extLst>
+              <a:ext uri="{FF2B5EF4-FFF2-40B4-BE49-F238E27FC236}">
+                <a16:creationId xmlns:a16="http://schemas.microsoft.com/office/drawing/2014/main" id="{7B4586C8-29B8-CFDA-CC77-96F203355D5F}"/>
+              </a:ext>
+            </a:extLst>
+          </p:cNvPr>
+          <p:cNvSpPr txBox="1"/>
+          <p:nvPr/>
+        </p:nvSpPr>
+        <p:spPr>
+          <a:xfrm>
+            <a:off x="5988832" y="3199955"/>
+            <a:ext cx="1178586" cy="369332"/>
+          </a:xfrm>
+          <a:prstGeom prst="rect">
+            <a:avLst/>
+          </a:prstGeom>
+          <a:noFill/>
+        </p:spPr>
+        <p:txBody>
+          <a:bodyPr wrap="square">
+            <a:spAutoFit/>
+          </a:bodyPr>
+          <a:lstStyle/>
+          <a:p>
+            <a:pPr algn="ctr"/>
+            <a:r>
+              <a:rPr lang="en-US" altLang="ko-Kore-KR" dirty="0">
+                <a:latin typeface="DM Mono" panose="020B0509040201040103" pitchFamily="49" charset="0"/>
+              </a:rPr>
+              <a:t>main</a:t>
+            </a:r>
+            <a:endParaRPr lang="ko-Kore-KR" altLang="en-US" dirty="0"/>
+          </a:p>
+        </p:txBody>
+      </p:sp>
+    </p:spTree>
+    <p:extLst>
+      <p:ext uri="{BB962C8B-B14F-4D97-AF65-F5344CB8AC3E}">
+        <p14:creationId xmlns:p14="http://schemas.microsoft.com/office/powerpoint/2010/main" val="4192757213"/>
+      </p:ext>
+    </p:extLst>
+  </p:cSld>
+  <p:clrMapOvr>
+    <a:masterClrMapping/>
+  </p:clrMapOvr>
+</p:sld>
+</file>
+
+<file path=ppt/slides/slide9.xml><?xml version="1.0" encoding="utf-8"?>
+<p:sld xmlns:a="http://schemas.openxmlformats.org/drawingml/2006/main" xmlns:r="http://schemas.openxmlformats.org/officeDocument/2006/relationships" xmlns:p="http://schemas.openxmlformats.org/presentationml/2006/main">
+  <p:cSld>
+    <p:spTree>
+      <p:nvGrpSpPr>
+        <p:cNvPr id="1" name=""/>
+        <p:cNvGrpSpPr/>
+        <p:nvPr/>
+      </p:nvGrpSpPr>
+      <p:grpSpPr>
+        <a:xfrm>
+          <a:off x="0" y="0"/>
+          <a:ext cx="0" cy="0"/>
+          <a:chOff x="0" y="0"/>
+          <a:chExt cx="0" cy="0"/>
+        </a:xfrm>
+      </p:grpSpPr>
+      <p:sp>
+        <p:nvSpPr>
+          <p:cNvPr id="8" name="직사각형 7">
+            <a:extLst>
+              <a:ext uri="{FF2B5EF4-FFF2-40B4-BE49-F238E27FC236}">
+                <a16:creationId xmlns:a16="http://schemas.microsoft.com/office/drawing/2014/main" id="{C88B369F-23EE-1F41-BB92-2769F1314631}"/>
+              </a:ext>
+            </a:extLst>
+          </p:cNvPr>
+          <p:cNvSpPr/>
+          <p:nvPr/>
+        </p:nvSpPr>
+        <p:spPr>
+          <a:xfrm>
+            <a:off x="4719781" y="3569287"/>
+            <a:ext cx="3657601" cy="2397404"/>
+          </a:xfrm>
+          <a:prstGeom prst="rect">
+            <a:avLst/>
+          </a:prstGeom>
+          <a:solidFill>
+            <a:schemeClr val="bg1"/>
+          </a:solidFill>
+        </p:spPr>
+        <p:style>
+          <a:lnRef idx="2">
+            <a:schemeClr val="accent1">
+              <a:shade val="15000"/>
+            </a:schemeClr>
+          </a:lnRef>
+          <a:fillRef idx="1">
+            <a:schemeClr val="accent1"/>
+          </a:fillRef>
+          <a:effectRef idx="0">
+            <a:schemeClr val="accent1"/>
+          </a:effectRef>
+          <a:fontRef idx="minor">
+            <a:schemeClr val="lt1"/>
+          </a:fontRef>
+        </p:style>
+        <p:txBody>
+          <a:bodyPr rtlCol="0" anchor="ctr"/>
+          <a:lstStyle/>
+          <a:p>
+            <a:pPr algn="ctr"/>
+            <a:endParaRPr kumimoji="1" lang="ko-Kore-KR" altLang="en-US" sz="1600" dirty="0">
+              <a:solidFill>
+                <a:schemeClr val="tx1"/>
+              </a:solidFill>
+              <a:latin typeface="DM Mono" panose="020B0509040201040103" pitchFamily="49" charset="0"/>
+            </a:endParaRPr>
+          </a:p>
+        </p:txBody>
+      </p:sp>
+      <p:sp>
+        <p:nvSpPr>
+          <p:cNvPr id="5" name="TextBox 4">
+            <a:extLst>
+              <a:ext uri="{FF2B5EF4-FFF2-40B4-BE49-F238E27FC236}">
+                <a16:creationId xmlns:a16="http://schemas.microsoft.com/office/drawing/2014/main" id="{3A3CD34A-7AD8-7F66-F863-6841F249C481}"/>
+              </a:ext>
+            </a:extLst>
+          </p:cNvPr>
+          <p:cNvSpPr txBox="1"/>
+          <p:nvPr/>
+        </p:nvSpPr>
+        <p:spPr>
+          <a:xfrm>
+            <a:off x="369454" y="328458"/>
+            <a:ext cx="6096000" cy="3416320"/>
+          </a:xfrm>
+          <a:prstGeom prst="rect">
+            <a:avLst/>
+          </a:prstGeom>
+          <a:noFill/>
+        </p:spPr>
+        <p:txBody>
+          <a:bodyPr wrap="square">
+            <a:spAutoFit/>
+          </a:bodyPr>
+          <a:lstStyle/>
+          <a:p>
+            <a:r>
+              <a:rPr lang="ko-Kore-KR" altLang="en-US" dirty="0">
+                <a:latin typeface="DM Mono" panose="020B0509040201040103" pitchFamily="49" charset="0"/>
+              </a:rPr>
+              <a:t>void Increment(int</a:t>
+            </a:r>
+            <a:r>
+              <a:rPr lang="en-US" altLang="ko-Kore-KR" dirty="0">
+                <a:latin typeface="DM Mono" panose="020B0509040201040103" pitchFamily="49" charset="0"/>
+              </a:rPr>
+              <a:t>*</a:t>
+            </a:r>
+            <a:r>
+              <a:rPr lang="ko-Kore-KR" altLang="en-US" dirty="0">
+                <a:latin typeface="DM Mono" panose="020B0509040201040103" pitchFamily="49" charset="0"/>
+              </a:rPr>
+              <a:t> </a:t>
+            </a:r>
+            <a:r>
+              <a:rPr lang="en-US" altLang="ko-Kore-KR" dirty="0">
+                <a:latin typeface="DM Mono" panose="020B0509040201040103" pitchFamily="49" charset="0"/>
+              </a:rPr>
+              <a:t>p</a:t>
+            </a:r>
+            <a:r>
+              <a:rPr lang="ko-Kore-KR" altLang="en-US" dirty="0">
+                <a:latin typeface="DM Mono" panose="020B0509040201040103" pitchFamily="49" charset="0"/>
+              </a:rPr>
+              <a:t>x)</a:t>
+            </a:r>
+          </a:p>
+          <a:p>
+            <a:r>
+              <a:rPr lang="ko-Kore-KR" altLang="en-US" dirty="0">
+                <a:latin typeface="DM Mono" panose="020B0509040201040103" pitchFamily="49" charset="0"/>
+              </a:rPr>
+              <a:t>{</a:t>
+            </a:r>
+          </a:p>
+          <a:p>
+            <a:r>
+              <a:rPr lang="ko-Kore-KR" altLang="en-US" dirty="0">
+                <a:latin typeface="DM Mono" panose="020B0509040201040103" pitchFamily="49" charset="0"/>
+              </a:rPr>
+              <a:t>    ++</a:t>
+            </a:r>
+            <a:r>
+              <a:rPr lang="en-US" altLang="ko-Kore-KR" dirty="0">
+                <a:latin typeface="DM Mono" panose="020B0509040201040103" pitchFamily="49" charset="0"/>
+              </a:rPr>
+              <a:t>(*p</a:t>
+            </a:r>
+            <a:r>
+              <a:rPr lang="ko-Kore-KR" altLang="en-US" dirty="0">
+                <a:latin typeface="DM Mono" panose="020B0509040201040103" pitchFamily="49" charset="0"/>
+              </a:rPr>
+              <a:t>x</a:t>
+            </a:r>
+            <a:r>
+              <a:rPr lang="en-US" altLang="ko-Kore-KR" dirty="0">
+                <a:latin typeface="DM Mono" panose="020B0509040201040103" pitchFamily="49" charset="0"/>
+              </a:rPr>
+              <a:t>)</a:t>
+            </a:r>
+            <a:r>
+              <a:rPr lang="ko-Kore-KR" altLang="en-US" dirty="0">
+                <a:latin typeface="DM Mono" panose="020B0509040201040103" pitchFamily="49" charset="0"/>
+              </a:rPr>
+              <a:t>;</a:t>
+            </a:r>
+          </a:p>
+          <a:p>
+            <a:r>
+              <a:rPr lang="ko-Kore-KR" altLang="en-US" dirty="0">
+                <a:latin typeface="DM Mono" panose="020B0509040201040103" pitchFamily="49" charset="0"/>
+              </a:rPr>
+              <a:t>}</a:t>
+            </a:r>
+          </a:p>
+          <a:p>
+            <a:endParaRPr lang="ko-Kore-KR" altLang="en-US" dirty="0">
+              <a:latin typeface="DM Mono" panose="020B0509040201040103" pitchFamily="49" charset="0"/>
+            </a:endParaRPr>
+          </a:p>
+          <a:p>
+            <a:r>
+              <a:rPr lang="ko-Kore-KR" altLang="en-US" dirty="0">
+                <a:latin typeface="DM Mono" panose="020B0509040201040103" pitchFamily="49" charset="0"/>
+              </a:rPr>
+              <a:t>int main()</a:t>
+            </a:r>
+          </a:p>
+          <a:p>
+            <a:r>
+              <a:rPr lang="ko-Kore-KR" altLang="en-US" dirty="0">
+                <a:latin typeface="DM Mono" panose="020B0509040201040103" pitchFamily="49" charset="0"/>
+              </a:rPr>
+              <a:t>{</a:t>
+            </a:r>
+          </a:p>
+          <a:p>
+            <a:r>
+              <a:rPr lang="ko-Kore-KR" altLang="en-US" dirty="0">
+                <a:solidFill>
+                  <a:srgbClr val="FF0000"/>
+                </a:solidFill>
+                <a:latin typeface="DM Mono" panose="020B0509040201040103" pitchFamily="49" charset="0"/>
+              </a:rPr>
+              <a:t>    int x = 10;</a:t>
+            </a:r>
+          </a:p>
+          <a:p>
+            <a:r>
+              <a:rPr lang="ko-Kore-KR" altLang="en-US" dirty="0">
+                <a:latin typeface="DM Mono" panose="020B0509040201040103" pitchFamily="49" charset="0"/>
+              </a:rPr>
+              <a:t>    Increment(</a:t>
+            </a:r>
+            <a:r>
+              <a:rPr lang="en-US" altLang="ko-Kore-KR" dirty="0">
+                <a:latin typeface="DM Mono" panose="020B0509040201040103" pitchFamily="49" charset="0"/>
+              </a:rPr>
+              <a:t>&amp;</a:t>
+            </a:r>
+            <a:r>
+              <a:rPr lang="ko-Kore-KR" altLang="en-US" dirty="0">
+                <a:latin typeface="DM Mono" panose="020B0509040201040103" pitchFamily="49" charset="0"/>
+              </a:rPr>
+              <a:t>x);</a:t>
+            </a:r>
+          </a:p>
+          <a:p>
+            <a:endParaRPr lang="ko-Kore-KR" altLang="en-US" dirty="0">
+              <a:latin typeface="DM Mono" panose="020B0509040201040103" pitchFamily="49" charset="0"/>
+            </a:endParaRPr>
+          </a:p>
+          <a:p>
+            <a:r>
+              <a:rPr lang="ko-Kore-KR" altLang="en-US" dirty="0">
+                <a:latin typeface="DM Mono" panose="020B0509040201040103" pitchFamily="49" charset="0"/>
+              </a:rPr>
+              <a:t>    cout &lt;&lt; x &lt;&lt; endl;</a:t>
+            </a:r>
+          </a:p>
+          <a:p>
+            <a:r>
+              <a:rPr lang="ko-Kore-KR" altLang="en-US" dirty="0">
+                <a:latin typeface="DM Mono" panose="020B0509040201040103" pitchFamily="49" charset="0"/>
+              </a:rPr>
+              <a:t>}</a:t>
+            </a:r>
+          </a:p>
+        </p:txBody>
+      </p:sp>
+      <p:sp>
+        <p:nvSpPr>
+          <p:cNvPr id="6" name="직사각형 5">
+            <a:extLst>
+              <a:ext uri="{FF2B5EF4-FFF2-40B4-BE49-F238E27FC236}">
+                <a16:creationId xmlns:a16="http://schemas.microsoft.com/office/drawing/2014/main" id="{DCD24C47-12E8-1334-725F-6311D301BB2C}"/>
+              </a:ext>
+            </a:extLst>
+          </p:cNvPr>
+          <p:cNvSpPr/>
+          <p:nvPr/>
+        </p:nvSpPr>
+        <p:spPr>
+          <a:xfrm>
+            <a:off x="5864829" y="4167343"/>
+            <a:ext cx="1302589" cy="595222"/>
+          </a:xfrm>
+          <a:prstGeom prst="rect">
+            <a:avLst/>
+          </a:prstGeom>
+          <a:solidFill>
+            <a:srgbClr val="FFFF00"/>
+          </a:solidFill>
+        </p:spPr>
+        <p:style>
+          <a:lnRef idx="2">
+            <a:schemeClr val="accent1">
+              <a:shade val="15000"/>
+            </a:schemeClr>
+          </a:lnRef>
+          <a:fillRef idx="1">
+            <a:schemeClr val="accent1"/>
+          </a:fillRef>
+          <a:effectRef idx="0">
+            <a:schemeClr val="accent1"/>
+          </a:effectRef>
+          <a:fontRef idx="minor">
+            <a:schemeClr val="lt1"/>
+          </a:fontRef>
+        </p:style>
+        <p:txBody>
+          <a:bodyPr rtlCol="0" anchor="ctr"/>
+          <a:lstStyle/>
+          <a:p>
+            <a:pPr algn="ctr"/>
+            <a:r>
+              <a:rPr kumimoji="1" lang="en-US" altLang="ko-Kore-KR" sz="1600" dirty="0">
+                <a:solidFill>
+                  <a:schemeClr val="tx1"/>
+                </a:solidFill>
+                <a:latin typeface="DM Mono" panose="020B0509040201040103" pitchFamily="49" charset="0"/>
+              </a:rPr>
+              <a:t>10</a:t>
+            </a:r>
+            <a:endParaRPr kumimoji="1" lang="ko-Kore-KR" altLang="en-US" sz="1600" dirty="0">
+              <a:solidFill>
+                <a:schemeClr val="tx1"/>
+              </a:solidFill>
+              <a:latin typeface="DM Mono" panose="020B0509040201040103" pitchFamily="49" charset="0"/>
+            </a:endParaRPr>
+          </a:p>
+        </p:txBody>
+      </p:sp>
+      <p:sp>
+        <p:nvSpPr>
+          <p:cNvPr id="7" name="TextBox 6">
+            <a:extLst>
+              <a:ext uri="{FF2B5EF4-FFF2-40B4-BE49-F238E27FC236}">
+                <a16:creationId xmlns:a16="http://schemas.microsoft.com/office/drawing/2014/main" id="{AD0EAC69-3302-12CD-81F0-96900BD207E0}"/>
+              </a:ext>
+            </a:extLst>
+          </p:cNvPr>
+          <p:cNvSpPr txBox="1"/>
+          <p:nvPr/>
+        </p:nvSpPr>
+        <p:spPr>
+          <a:xfrm>
+            <a:off x="5513302" y="4280288"/>
+            <a:ext cx="351527" cy="369332"/>
+          </a:xfrm>
+          <a:prstGeom prst="rect">
+            <a:avLst/>
+          </a:prstGeom>
+          <a:noFill/>
+        </p:spPr>
+        <p:txBody>
+          <a:bodyPr wrap="square">
+            <a:spAutoFit/>
+          </a:bodyPr>
+          <a:lstStyle/>
+          <a:p>
+            <a:r>
+              <a:rPr lang="en-US" altLang="ko-Kore-KR" dirty="0">
+                <a:latin typeface="DM Mono" panose="020B0509040201040103" pitchFamily="49" charset="0"/>
+              </a:rPr>
+              <a:t>x</a:t>
+            </a:r>
+            <a:endParaRPr lang="ko-Kore-KR" altLang="en-US" dirty="0"/>
+          </a:p>
+        </p:txBody>
+      </p:sp>
+      <p:sp>
+        <p:nvSpPr>
+          <p:cNvPr id="9" name="TextBox 8">
+            <a:extLst>
+              <a:ext uri="{FF2B5EF4-FFF2-40B4-BE49-F238E27FC236}">
+                <a16:creationId xmlns:a16="http://schemas.microsoft.com/office/drawing/2014/main" id="{7B4586C8-29B8-CFDA-CC77-96F203355D5F}"/>
+              </a:ext>
+            </a:extLst>
+          </p:cNvPr>
+          <p:cNvSpPr txBox="1"/>
+          <p:nvPr/>
+        </p:nvSpPr>
+        <p:spPr>
+          <a:xfrm>
+            <a:off x="5988832" y="3199955"/>
+            <a:ext cx="1178586" cy="369332"/>
+          </a:xfrm>
+          <a:prstGeom prst="rect">
+            <a:avLst/>
+          </a:prstGeom>
+          <a:noFill/>
+        </p:spPr>
+        <p:txBody>
+          <a:bodyPr wrap="square">
+            <a:spAutoFit/>
+          </a:bodyPr>
+          <a:lstStyle/>
+          <a:p>
+            <a:pPr algn="ctr"/>
+            <a:r>
+              <a:rPr lang="en-US" altLang="ko-Kore-KR" dirty="0">
+                <a:latin typeface="DM Mono" panose="020B0509040201040103" pitchFamily="49" charset="0"/>
+              </a:rPr>
+              <a:t>main</a:t>
+            </a:r>
+            <a:endParaRPr lang="ko-Kore-KR" altLang="en-US" dirty="0"/>
+          </a:p>
+        </p:txBody>
+      </p:sp>
+      <p:sp>
+        <p:nvSpPr>
+          <p:cNvPr id="3" name="TextBox 2">
+            <a:extLst>
+              <a:ext uri="{FF2B5EF4-FFF2-40B4-BE49-F238E27FC236}">
+                <a16:creationId xmlns:a16="http://schemas.microsoft.com/office/drawing/2014/main" id="{6A45A740-2369-8F8B-AF72-2A3AA6FDD041}"/>
+              </a:ext>
+            </a:extLst>
+          </p:cNvPr>
+          <p:cNvSpPr txBox="1"/>
+          <p:nvPr/>
+        </p:nvSpPr>
+        <p:spPr>
+          <a:xfrm>
+            <a:off x="5554723" y="3857723"/>
+            <a:ext cx="868217" cy="307777"/>
+          </a:xfrm>
+          <a:prstGeom prst="rect">
+            <a:avLst/>
+          </a:prstGeom>
+          <a:noFill/>
+        </p:spPr>
+        <p:txBody>
+          <a:bodyPr wrap="square">
+            <a:spAutoFit/>
+          </a:bodyPr>
+          <a:lstStyle/>
+          <a:p>
+            <a:r>
+              <a:rPr kumimoji="1" lang="en-US" altLang="ko-Kore-KR" sz="1400" dirty="0">
+                <a:solidFill>
+                  <a:schemeClr val="tx1"/>
+                </a:solidFill>
+                <a:latin typeface="DM Mono" panose="020B0509040201040103" pitchFamily="49" charset="0"/>
+              </a:rPr>
+              <a:t>2000</a:t>
+            </a:r>
+            <a:endParaRPr lang="ko-Kore-KR" altLang="en-US" sz="1400" dirty="0"/>
+          </a:p>
+        </p:txBody>
+      </p:sp>
+    </p:spTree>
+    <p:extLst>
+      <p:ext uri="{BB962C8B-B14F-4D97-AF65-F5344CB8AC3E}">
+        <p14:creationId xmlns:p14="http://schemas.microsoft.com/office/powerpoint/2010/main" val="2485239240"/>
       </p:ext>
     </p:extLst>
   </p:cSld>

--- a/cpp_230824.pptx
+++ b/cpp_230824.pptx
@@ -16,6 +16,9 @@
     <p:sldId id="265" r:id="rId10"/>
     <p:sldId id="266" r:id="rId11"/>
     <p:sldId id="267" r:id="rId12"/>
+    <p:sldId id="268" r:id="rId13"/>
+    <p:sldId id="269" r:id="rId14"/>
+    <p:sldId id="270" r:id="rId15"/>
   </p:sldIdLst>
   <p:sldSz cx="12192000" cy="6858000"/>
   <p:notesSz cx="6858000" cy="9144000"/>
@@ -4973,6 +4976,1746 @@
     <p:extLst>
       <p:ext uri="{BB962C8B-B14F-4D97-AF65-F5344CB8AC3E}">
         <p14:creationId xmlns:p14="http://schemas.microsoft.com/office/powerpoint/2010/main" val="1134025599"/>
+      </p:ext>
+    </p:extLst>
+  </p:cSld>
+  <p:clrMapOvr>
+    <a:masterClrMapping/>
+  </p:clrMapOvr>
+</p:sld>
+</file>
+
+<file path=ppt/slides/slide12.xml><?xml version="1.0" encoding="utf-8"?>
+<p:sld xmlns:a="http://schemas.openxmlformats.org/drawingml/2006/main" xmlns:r="http://schemas.openxmlformats.org/officeDocument/2006/relationships" xmlns:p="http://schemas.openxmlformats.org/presentationml/2006/main">
+  <p:cSld>
+    <p:spTree>
+      <p:nvGrpSpPr>
+        <p:cNvPr id="1" name=""/>
+        <p:cNvGrpSpPr/>
+        <p:nvPr/>
+      </p:nvGrpSpPr>
+      <p:grpSpPr>
+        <a:xfrm>
+          <a:off x="0" y="0"/>
+          <a:ext cx="0" cy="0"/>
+          <a:chOff x="0" y="0"/>
+          <a:chExt cx="0" cy="0"/>
+        </a:xfrm>
+      </p:grpSpPr>
+      <p:sp>
+        <p:nvSpPr>
+          <p:cNvPr id="8" name="직사각형 7">
+            <a:extLst>
+              <a:ext uri="{FF2B5EF4-FFF2-40B4-BE49-F238E27FC236}">
+                <a16:creationId xmlns:a16="http://schemas.microsoft.com/office/drawing/2014/main" id="{C88B369F-23EE-1F41-BB92-2769F1314631}"/>
+              </a:ext>
+            </a:extLst>
+          </p:cNvPr>
+          <p:cNvSpPr/>
+          <p:nvPr/>
+        </p:nvSpPr>
+        <p:spPr>
+          <a:xfrm>
+            <a:off x="4719781" y="3569287"/>
+            <a:ext cx="3657601" cy="2397404"/>
+          </a:xfrm>
+          <a:prstGeom prst="rect">
+            <a:avLst/>
+          </a:prstGeom>
+          <a:solidFill>
+            <a:schemeClr val="bg1"/>
+          </a:solidFill>
+        </p:spPr>
+        <p:style>
+          <a:lnRef idx="2">
+            <a:schemeClr val="accent1">
+              <a:shade val="15000"/>
+            </a:schemeClr>
+          </a:lnRef>
+          <a:fillRef idx="1">
+            <a:schemeClr val="accent1"/>
+          </a:fillRef>
+          <a:effectRef idx="0">
+            <a:schemeClr val="accent1"/>
+          </a:effectRef>
+          <a:fontRef idx="minor">
+            <a:schemeClr val="lt1"/>
+          </a:fontRef>
+        </p:style>
+        <p:txBody>
+          <a:bodyPr rtlCol="0" anchor="ctr"/>
+          <a:lstStyle/>
+          <a:p>
+            <a:pPr algn="ctr"/>
+            <a:endParaRPr kumimoji="1" lang="ko-Kore-KR" altLang="en-US" sz="1600" dirty="0">
+              <a:solidFill>
+                <a:schemeClr val="tx1"/>
+              </a:solidFill>
+              <a:latin typeface="DM Mono" panose="020B0509040201040103" pitchFamily="49" charset="0"/>
+            </a:endParaRPr>
+          </a:p>
+        </p:txBody>
+      </p:sp>
+      <p:sp>
+        <p:nvSpPr>
+          <p:cNvPr id="5" name="TextBox 4">
+            <a:extLst>
+              <a:ext uri="{FF2B5EF4-FFF2-40B4-BE49-F238E27FC236}">
+                <a16:creationId xmlns:a16="http://schemas.microsoft.com/office/drawing/2014/main" id="{3A3CD34A-7AD8-7F66-F863-6841F249C481}"/>
+              </a:ext>
+            </a:extLst>
+          </p:cNvPr>
+          <p:cNvSpPr txBox="1"/>
+          <p:nvPr/>
+        </p:nvSpPr>
+        <p:spPr>
+          <a:xfrm>
+            <a:off x="369454" y="328458"/>
+            <a:ext cx="6096000" cy="3416320"/>
+          </a:xfrm>
+          <a:prstGeom prst="rect">
+            <a:avLst/>
+          </a:prstGeom>
+          <a:noFill/>
+        </p:spPr>
+        <p:txBody>
+          <a:bodyPr wrap="square">
+            <a:spAutoFit/>
+          </a:bodyPr>
+          <a:lstStyle/>
+          <a:p>
+            <a:r>
+              <a:rPr lang="ko-Kore-KR" altLang="en-US" dirty="0">
+                <a:latin typeface="DM Mono" panose="020B0509040201040103" pitchFamily="49" charset="0"/>
+              </a:rPr>
+              <a:t>void Increment(int</a:t>
+            </a:r>
+            <a:r>
+              <a:rPr lang="en-US" altLang="ko-Kore-KR" dirty="0">
+                <a:latin typeface="DM Mono" panose="020B0509040201040103" pitchFamily="49" charset="0"/>
+              </a:rPr>
+              <a:t>&amp;</a:t>
+            </a:r>
+            <a:r>
+              <a:rPr lang="ko-Kore-KR" altLang="en-US" dirty="0">
+                <a:latin typeface="DM Mono" panose="020B0509040201040103" pitchFamily="49" charset="0"/>
+              </a:rPr>
+              <a:t> </a:t>
+            </a:r>
+            <a:r>
+              <a:rPr lang="en-US" altLang="ko-Kore-KR" dirty="0">
+                <a:latin typeface="DM Mono" panose="020B0509040201040103" pitchFamily="49" charset="0"/>
+              </a:rPr>
+              <a:t>r</a:t>
+            </a:r>
+            <a:r>
+              <a:rPr lang="ko-Kore-KR" altLang="en-US" dirty="0">
+                <a:latin typeface="DM Mono" panose="020B0509040201040103" pitchFamily="49" charset="0"/>
+              </a:rPr>
+              <a:t>x)</a:t>
+            </a:r>
+          </a:p>
+          <a:p>
+            <a:r>
+              <a:rPr lang="ko-Kore-KR" altLang="en-US" dirty="0">
+                <a:latin typeface="DM Mono" panose="020B0509040201040103" pitchFamily="49" charset="0"/>
+              </a:rPr>
+              <a:t>{</a:t>
+            </a:r>
+          </a:p>
+          <a:p>
+            <a:r>
+              <a:rPr lang="ko-Kore-KR" altLang="en-US" dirty="0">
+                <a:latin typeface="DM Mono" panose="020B0509040201040103" pitchFamily="49" charset="0"/>
+              </a:rPr>
+              <a:t>    ++</a:t>
+            </a:r>
+            <a:r>
+              <a:rPr lang="en-US" altLang="ko-Kore-KR" dirty="0">
+                <a:latin typeface="DM Mono" panose="020B0509040201040103" pitchFamily="49" charset="0"/>
+              </a:rPr>
+              <a:t>r</a:t>
+            </a:r>
+            <a:r>
+              <a:rPr lang="ko-Kore-KR" altLang="en-US" dirty="0">
+                <a:latin typeface="DM Mono" panose="020B0509040201040103" pitchFamily="49" charset="0"/>
+              </a:rPr>
+              <a:t>x;</a:t>
+            </a:r>
+          </a:p>
+          <a:p>
+            <a:r>
+              <a:rPr lang="ko-Kore-KR" altLang="en-US" dirty="0">
+                <a:latin typeface="DM Mono" panose="020B0509040201040103" pitchFamily="49" charset="0"/>
+              </a:rPr>
+              <a:t>}</a:t>
+            </a:r>
+          </a:p>
+          <a:p>
+            <a:endParaRPr lang="ko-Kore-KR" altLang="en-US" dirty="0">
+              <a:latin typeface="DM Mono" panose="020B0509040201040103" pitchFamily="49" charset="0"/>
+            </a:endParaRPr>
+          </a:p>
+          <a:p>
+            <a:r>
+              <a:rPr lang="ko-Kore-KR" altLang="en-US" dirty="0">
+                <a:latin typeface="DM Mono" panose="020B0509040201040103" pitchFamily="49" charset="0"/>
+              </a:rPr>
+              <a:t>int main()</a:t>
+            </a:r>
+          </a:p>
+          <a:p>
+            <a:r>
+              <a:rPr lang="ko-Kore-KR" altLang="en-US" dirty="0">
+                <a:latin typeface="DM Mono" panose="020B0509040201040103" pitchFamily="49" charset="0"/>
+              </a:rPr>
+              <a:t>{</a:t>
+            </a:r>
+          </a:p>
+          <a:p>
+            <a:r>
+              <a:rPr lang="ko-Kore-KR" altLang="en-US" dirty="0">
+                <a:solidFill>
+                  <a:srgbClr val="FF0000"/>
+                </a:solidFill>
+                <a:latin typeface="DM Mono" panose="020B0509040201040103" pitchFamily="49" charset="0"/>
+              </a:rPr>
+              <a:t>    int x = 10;</a:t>
+            </a:r>
+          </a:p>
+          <a:p>
+            <a:r>
+              <a:rPr lang="ko-Kore-KR" altLang="en-US" dirty="0">
+                <a:latin typeface="DM Mono" panose="020B0509040201040103" pitchFamily="49" charset="0"/>
+              </a:rPr>
+              <a:t>    Increment(x);</a:t>
+            </a:r>
+          </a:p>
+          <a:p>
+            <a:endParaRPr lang="ko-Kore-KR" altLang="en-US" dirty="0">
+              <a:latin typeface="DM Mono" panose="020B0509040201040103" pitchFamily="49" charset="0"/>
+            </a:endParaRPr>
+          </a:p>
+          <a:p>
+            <a:r>
+              <a:rPr lang="ko-Kore-KR" altLang="en-US" dirty="0">
+                <a:latin typeface="DM Mono" panose="020B0509040201040103" pitchFamily="49" charset="0"/>
+              </a:rPr>
+              <a:t>    cout &lt;&lt; x &lt;&lt; endl;</a:t>
+            </a:r>
+          </a:p>
+          <a:p>
+            <a:r>
+              <a:rPr lang="ko-Kore-KR" altLang="en-US" dirty="0">
+                <a:latin typeface="DM Mono" panose="020B0509040201040103" pitchFamily="49" charset="0"/>
+              </a:rPr>
+              <a:t>}</a:t>
+            </a:r>
+          </a:p>
+        </p:txBody>
+      </p:sp>
+      <p:sp>
+        <p:nvSpPr>
+          <p:cNvPr id="6" name="직사각형 5">
+            <a:extLst>
+              <a:ext uri="{FF2B5EF4-FFF2-40B4-BE49-F238E27FC236}">
+                <a16:creationId xmlns:a16="http://schemas.microsoft.com/office/drawing/2014/main" id="{DCD24C47-12E8-1334-725F-6311D301BB2C}"/>
+              </a:ext>
+            </a:extLst>
+          </p:cNvPr>
+          <p:cNvSpPr/>
+          <p:nvPr/>
+        </p:nvSpPr>
+        <p:spPr>
+          <a:xfrm>
+            <a:off x="5864829" y="4167343"/>
+            <a:ext cx="1302589" cy="595222"/>
+          </a:xfrm>
+          <a:prstGeom prst="rect">
+            <a:avLst/>
+          </a:prstGeom>
+          <a:solidFill>
+            <a:srgbClr val="FFFF00"/>
+          </a:solidFill>
+        </p:spPr>
+        <p:style>
+          <a:lnRef idx="2">
+            <a:schemeClr val="accent1">
+              <a:shade val="15000"/>
+            </a:schemeClr>
+          </a:lnRef>
+          <a:fillRef idx="1">
+            <a:schemeClr val="accent1"/>
+          </a:fillRef>
+          <a:effectRef idx="0">
+            <a:schemeClr val="accent1"/>
+          </a:effectRef>
+          <a:fontRef idx="minor">
+            <a:schemeClr val="lt1"/>
+          </a:fontRef>
+        </p:style>
+        <p:txBody>
+          <a:bodyPr rtlCol="0" anchor="ctr"/>
+          <a:lstStyle/>
+          <a:p>
+            <a:pPr algn="ctr"/>
+            <a:r>
+              <a:rPr kumimoji="1" lang="en-US" altLang="ko-Kore-KR" sz="1600" dirty="0">
+                <a:solidFill>
+                  <a:schemeClr val="tx1"/>
+                </a:solidFill>
+                <a:latin typeface="DM Mono" panose="020B0509040201040103" pitchFamily="49" charset="0"/>
+              </a:rPr>
+              <a:t>10</a:t>
+            </a:r>
+            <a:endParaRPr kumimoji="1" lang="ko-Kore-KR" altLang="en-US" sz="1600" dirty="0">
+              <a:solidFill>
+                <a:schemeClr val="tx1"/>
+              </a:solidFill>
+              <a:latin typeface="DM Mono" panose="020B0509040201040103" pitchFamily="49" charset="0"/>
+            </a:endParaRPr>
+          </a:p>
+        </p:txBody>
+      </p:sp>
+      <p:sp>
+        <p:nvSpPr>
+          <p:cNvPr id="7" name="TextBox 6">
+            <a:extLst>
+              <a:ext uri="{FF2B5EF4-FFF2-40B4-BE49-F238E27FC236}">
+                <a16:creationId xmlns:a16="http://schemas.microsoft.com/office/drawing/2014/main" id="{AD0EAC69-3302-12CD-81F0-96900BD207E0}"/>
+              </a:ext>
+            </a:extLst>
+          </p:cNvPr>
+          <p:cNvSpPr txBox="1"/>
+          <p:nvPr/>
+        </p:nvSpPr>
+        <p:spPr>
+          <a:xfrm>
+            <a:off x="5513302" y="4280288"/>
+            <a:ext cx="351527" cy="369332"/>
+          </a:xfrm>
+          <a:prstGeom prst="rect">
+            <a:avLst/>
+          </a:prstGeom>
+          <a:noFill/>
+        </p:spPr>
+        <p:txBody>
+          <a:bodyPr wrap="square">
+            <a:spAutoFit/>
+          </a:bodyPr>
+          <a:lstStyle/>
+          <a:p>
+            <a:r>
+              <a:rPr lang="en-US" altLang="ko-Kore-KR" dirty="0">
+                <a:latin typeface="DM Mono" panose="020B0509040201040103" pitchFamily="49" charset="0"/>
+              </a:rPr>
+              <a:t>x</a:t>
+            </a:r>
+            <a:endParaRPr lang="ko-Kore-KR" altLang="en-US" dirty="0"/>
+          </a:p>
+        </p:txBody>
+      </p:sp>
+      <p:sp>
+        <p:nvSpPr>
+          <p:cNvPr id="9" name="TextBox 8">
+            <a:extLst>
+              <a:ext uri="{FF2B5EF4-FFF2-40B4-BE49-F238E27FC236}">
+                <a16:creationId xmlns:a16="http://schemas.microsoft.com/office/drawing/2014/main" id="{7B4586C8-29B8-CFDA-CC77-96F203355D5F}"/>
+              </a:ext>
+            </a:extLst>
+          </p:cNvPr>
+          <p:cNvSpPr txBox="1"/>
+          <p:nvPr/>
+        </p:nvSpPr>
+        <p:spPr>
+          <a:xfrm>
+            <a:off x="5988832" y="3199955"/>
+            <a:ext cx="1178586" cy="369332"/>
+          </a:xfrm>
+          <a:prstGeom prst="rect">
+            <a:avLst/>
+          </a:prstGeom>
+          <a:noFill/>
+        </p:spPr>
+        <p:txBody>
+          <a:bodyPr wrap="square">
+            <a:spAutoFit/>
+          </a:bodyPr>
+          <a:lstStyle/>
+          <a:p>
+            <a:pPr algn="ctr"/>
+            <a:r>
+              <a:rPr lang="en-US" altLang="ko-Kore-KR" dirty="0">
+                <a:latin typeface="DM Mono" panose="020B0509040201040103" pitchFamily="49" charset="0"/>
+              </a:rPr>
+              <a:t>main</a:t>
+            </a:r>
+            <a:endParaRPr lang="ko-Kore-KR" altLang="en-US" dirty="0"/>
+          </a:p>
+        </p:txBody>
+      </p:sp>
+      <p:sp>
+        <p:nvSpPr>
+          <p:cNvPr id="3" name="TextBox 2">
+            <a:extLst>
+              <a:ext uri="{FF2B5EF4-FFF2-40B4-BE49-F238E27FC236}">
+                <a16:creationId xmlns:a16="http://schemas.microsoft.com/office/drawing/2014/main" id="{6A45A740-2369-8F8B-AF72-2A3AA6FDD041}"/>
+              </a:ext>
+            </a:extLst>
+          </p:cNvPr>
+          <p:cNvSpPr txBox="1"/>
+          <p:nvPr/>
+        </p:nvSpPr>
+        <p:spPr>
+          <a:xfrm>
+            <a:off x="5554723" y="3857723"/>
+            <a:ext cx="868217" cy="307777"/>
+          </a:xfrm>
+          <a:prstGeom prst="rect">
+            <a:avLst/>
+          </a:prstGeom>
+          <a:noFill/>
+        </p:spPr>
+        <p:txBody>
+          <a:bodyPr wrap="square">
+            <a:spAutoFit/>
+          </a:bodyPr>
+          <a:lstStyle/>
+          <a:p>
+            <a:r>
+              <a:rPr kumimoji="1" lang="en-US" altLang="ko-Kore-KR" sz="1400" dirty="0">
+                <a:solidFill>
+                  <a:schemeClr val="tx1"/>
+                </a:solidFill>
+                <a:latin typeface="DM Mono" panose="020B0509040201040103" pitchFamily="49" charset="0"/>
+              </a:rPr>
+              <a:t>2000</a:t>
+            </a:r>
+            <a:endParaRPr lang="ko-Kore-KR" altLang="en-US" sz="1400" dirty="0"/>
+          </a:p>
+        </p:txBody>
+      </p:sp>
+    </p:spTree>
+    <p:extLst>
+      <p:ext uri="{BB962C8B-B14F-4D97-AF65-F5344CB8AC3E}">
+        <p14:creationId xmlns:p14="http://schemas.microsoft.com/office/powerpoint/2010/main" val="3132416713"/>
+      </p:ext>
+    </p:extLst>
+  </p:cSld>
+  <p:clrMapOvr>
+    <a:masterClrMapping/>
+  </p:clrMapOvr>
+</p:sld>
+</file>
+
+<file path=ppt/slides/slide13.xml><?xml version="1.0" encoding="utf-8"?>
+<p:sld xmlns:a="http://schemas.openxmlformats.org/drawingml/2006/main" xmlns:r="http://schemas.openxmlformats.org/officeDocument/2006/relationships" xmlns:p="http://schemas.openxmlformats.org/presentationml/2006/main">
+  <p:cSld>
+    <p:spTree>
+      <p:nvGrpSpPr>
+        <p:cNvPr id="1" name=""/>
+        <p:cNvGrpSpPr/>
+        <p:nvPr/>
+      </p:nvGrpSpPr>
+      <p:grpSpPr>
+        <a:xfrm>
+          <a:off x="0" y="0"/>
+          <a:ext cx="0" cy="0"/>
+          <a:chOff x="0" y="0"/>
+          <a:chExt cx="0" cy="0"/>
+        </a:xfrm>
+      </p:grpSpPr>
+      <p:sp>
+        <p:nvSpPr>
+          <p:cNvPr id="8" name="직사각형 7">
+            <a:extLst>
+              <a:ext uri="{FF2B5EF4-FFF2-40B4-BE49-F238E27FC236}">
+                <a16:creationId xmlns:a16="http://schemas.microsoft.com/office/drawing/2014/main" id="{C88B369F-23EE-1F41-BB92-2769F1314631}"/>
+              </a:ext>
+            </a:extLst>
+          </p:cNvPr>
+          <p:cNvSpPr/>
+          <p:nvPr/>
+        </p:nvSpPr>
+        <p:spPr>
+          <a:xfrm>
+            <a:off x="4719781" y="3569287"/>
+            <a:ext cx="3657601" cy="2397404"/>
+          </a:xfrm>
+          <a:prstGeom prst="rect">
+            <a:avLst/>
+          </a:prstGeom>
+          <a:solidFill>
+            <a:schemeClr val="bg1"/>
+          </a:solidFill>
+        </p:spPr>
+        <p:style>
+          <a:lnRef idx="2">
+            <a:schemeClr val="accent1">
+              <a:shade val="15000"/>
+            </a:schemeClr>
+          </a:lnRef>
+          <a:fillRef idx="1">
+            <a:schemeClr val="accent1"/>
+          </a:fillRef>
+          <a:effectRef idx="0">
+            <a:schemeClr val="accent1"/>
+          </a:effectRef>
+          <a:fontRef idx="minor">
+            <a:schemeClr val="lt1"/>
+          </a:fontRef>
+        </p:style>
+        <p:txBody>
+          <a:bodyPr rtlCol="0" anchor="ctr"/>
+          <a:lstStyle/>
+          <a:p>
+            <a:pPr algn="ctr"/>
+            <a:endParaRPr kumimoji="1" lang="ko-Kore-KR" altLang="en-US" sz="1600" dirty="0">
+              <a:solidFill>
+                <a:schemeClr val="tx1"/>
+              </a:solidFill>
+              <a:latin typeface="DM Mono" panose="020B0509040201040103" pitchFamily="49" charset="0"/>
+            </a:endParaRPr>
+          </a:p>
+        </p:txBody>
+      </p:sp>
+      <p:sp>
+        <p:nvSpPr>
+          <p:cNvPr id="5" name="TextBox 4">
+            <a:extLst>
+              <a:ext uri="{FF2B5EF4-FFF2-40B4-BE49-F238E27FC236}">
+                <a16:creationId xmlns:a16="http://schemas.microsoft.com/office/drawing/2014/main" id="{3A3CD34A-7AD8-7F66-F863-6841F249C481}"/>
+              </a:ext>
+            </a:extLst>
+          </p:cNvPr>
+          <p:cNvSpPr txBox="1"/>
+          <p:nvPr/>
+        </p:nvSpPr>
+        <p:spPr>
+          <a:xfrm>
+            <a:off x="369454" y="328458"/>
+            <a:ext cx="6096000" cy="3416320"/>
+          </a:xfrm>
+          <a:prstGeom prst="rect">
+            <a:avLst/>
+          </a:prstGeom>
+          <a:noFill/>
+        </p:spPr>
+        <p:txBody>
+          <a:bodyPr wrap="square">
+            <a:spAutoFit/>
+          </a:bodyPr>
+          <a:lstStyle/>
+          <a:p>
+            <a:r>
+              <a:rPr lang="ko-Kore-KR" altLang="en-US" dirty="0">
+                <a:latin typeface="DM Mono" panose="020B0509040201040103" pitchFamily="49" charset="0"/>
+              </a:rPr>
+              <a:t>void Increment(int</a:t>
+            </a:r>
+            <a:r>
+              <a:rPr lang="en-US" altLang="ko-Kore-KR" dirty="0">
+                <a:latin typeface="DM Mono" panose="020B0509040201040103" pitchFamily="49" charset="0"/>
+              </a:rPr>
+              <a:t>&amp;</a:t>
+            </a:r>
+            <a:r>
+              <a:rPr lang="ko-Kore-KR" altLang="en-US" dirty="0">
+                <a:latin typeface="DM Mono" panose="020B0509040201040103" pitchFamily="49" charset="0"/>
+              </a:rPr>
+              <a:t> </a:t>
+            </a:r>
+            <a:r>
+              <a:rPr lang="en-US" altLang="ko-Kore-KR" dirty="0">
+                <a:latin typeface="DM Mono" panose="020B0509040201040103" pitchFamily="49" charset="0"/>
+              </a:rPr>
+              <a:t>r</a:t>
+            </a:r>
+            <a:r>
+              <a:rPr lang="ko-Kore-KR" altLang="en-US" dirty="0">
+                <a:latin typeface="DM Mono" panose="020B0509040201040103" pitchFamily="49" charset="0"/>
+              </a:rPr>
+              <a:t>x)</a:t>
+            </a:r>
+          </a:p>
+          <a:p>
+            <a:r>
+              <a:rPr lang="ko-Kore-KR" altLang="en-US" dirty="0">
+                <a:latin typeface="DM Mono" panose="020B0509040201040103" pitchFamily="49" charset="0"/>
+              </a:rPr>
+              <a:t>{</a:t>
+            </a:r>
+          </a:p>
+          <a:p>
+            <a:r>
+              <a:rPr lang="ko-Kore-KR" altLang="en-US" dirty="0">
+                <a:latin typeface="DM Mono" panose="020B0509040201040103" pitchFamily="49" charset="0"/>
+              </a:rPr>
+              <a:t>    ++</a:t>
+            </a:r>
+            <a:r>
+              <a:rPr lang="en-US" altLang="ko-Kore-KR" dirty="0">
+                <a:latin typeface="DM Mono" panose="020B0509040201040103" pitchFamily="49" charset="0"/>
+              </a:rPr>
+              <a:t>r</a:t>
+            </a:r>
+            <a:r>
+              <a:rPr lang="ko-Kore-KR" altLang="en-US" dirty="0">
+                <a:latin typeface="DM Mono" panose="020B0509040201040103" pitchFamily="49" charset="0"/>
+              </a:rPr>
+              <a:t>x;</a:t>
+            </a:r>
+          </a:p>
+          <a:p>
+            <a:r>
+              <a:rPr lang="ko-Kore-KR" altLang="en-US" dirty="0">
+                <a:latin typeface="DM Mono" panose="020B0509040201040103" pitchFamily="49" charset="0"/>
+              </a:rPr>
+              <a:t>}</a:t>
+            </a:r>
+          </a:p>
+          <a:p>
+            <a:endParaRPr lang="ko-Kore-KR" altLang="en-US" dirty="0">
+              <a:latin typeface="DM Mono" panose="020B0509040201040103" pitchFamily="49" charset="0"/>
+            </a:endParaRPr>
+          </a:p>
+          <a:p>
+            <a:r>
+              <a:rPr lang="ko-Kore-KR" altLang="en-US" dirty="0">
+                <a:latin typeface="DM Mono" panose="020B0509040201040103" pitchFamily="49" charset="0"/>
+              </a:rPr>
+              <a:t>int main()</a:t>
+            </a:r>
+          </a:p>
+          <a:p>
+            <a:r>
+              <a:rPr lang="ko-Kore-KR" altLang="en-US" dirty="0">
+                <a:latin typeface="DM Mono" panose="020B0509040201040103" pitchFamily="49" charset="0"/>
+              </a:rPr>
+              <a:t>{</a:t>
+            </a:r>
+          </a:p>
+          <a:p>
+            <a:r>
+              <a:rPr lang="ko-Kore-KR" altLang="en-US" dirty="0">
+                <a:latin typeface="DM Mono" panose="020B0509040201040103" pitchFamily="49" charset="0"/>
+              </a:rPr>
+              <a:t>    int x = 10;</a:t>
+            </a:r>
+          </a:p>
+          <a:p>
+            <a:r>
+              <a:rPr lang="ko-Kore-KR" altLang="en-US" dirty="0">
+                <a:solidFill>
+                  <a:srgbClr val="FF0000"/>
+                </a:solidFill>
+                <a:latin typeface="DM Mono" panose="020B0509040201040103" pitchFamily="49" charset="0"/>
+              </a:rPr>
+              <a:t>    Increment(x);</a:t>
+            </a:r>
+          </a:p>
+          <a:p>
+            <a:endParaRPr lang="ko-Kore-KR" altLang="en-US" dirty="0">
+              <a:latin typeface="DM Mono" panose="020B0509040201040103" pitchFamily="49" charset="0"/>
+            </a:endParaRPr>
+          </a:p>
+          <a:p>
+            <a:r>
+              <a:rPr lang="ko-Kore-KR" altLang="en-US" dirty="0">
+                <a:latin typeface="DM Mono" panose="020B0509040201040103" pitchFamily="49" charset="0"/>
+              </a:rPr>
+              <a:t>    cout &lt;&lt; x &lt;&lt; endl;</a:t>
+            </a:r>
+          </a:p>
+          <a:p>
+            <a:r>
+              <a:rPr lang="ko-Kore-KR" altLang="en-US" dirty="0">
+                <a:latin typeface="DM Mono" panose="020B0509040201040103" pitchFamily="49" charset="0"/>
+              </a:rPr>
+              <a:t>}</a:t>
+            </a:r>
+          </a:p>
+        </p:txBody>
+      </p:sp>
+      <p:sp>
+        <p:nvSpPr>
+          <p:cNvPr id="6" name="직사각형 5">
+            <a:extLst>
+              <a:ext uri="{FF2B5EF4-FFF2-40B4-BE49-F238E27FC236}">
+                <a16:creationId xmlns:a16="http://schemas.microsoft.com/office/drawing/2014/main" id="{DCD24C47-12E8-1334-725F-6311D301BB2C}"/>
+              </a:ext>
+            </a:extLst>
+          </p:cNvPr>
+          <p:cNvSpPr/>
+          <p:nvPr/>
+        </p:nvSpPr>
+        <p:spPr>
+          <a:xfrm>
+            <a:off x="5864829" y="4167343"/>
+            <a:ext cx="1302589" cy="595222"/>
+          </a:xfrm>
+          <a:prstGeom prst="rect">
+            <a:avLst/>
+          </a:prstGeom>
+          <a:solidFill>
+            <a:srgbClr val="FFFF00"/>
+          </a:solidFill>
+        </p:spPr>
+        <p:style>
+          <a:lnRef idx="2">
+            <a:schemeClr val="accent1">
+              <a:shade val="15000"/>
+            </a:schemeClr>
+          </a:lnRef>
+          <a:fillRef idx="1">
+            <a:schemeClr val="accent1"/>
+          </a:fillRef>
+          <a:effectRef idx="0">
+            <a:schemeClr val="accent1"/>
+          </a:effectRef>
+          <a:fontRef idx="minor">
+            <a:schemeClr val="lt1"/>
+          </a:fontRef>
+        </p:style>
+        <p:txBody>
+          <a:bodyPr rtlCol="0" anchor="ctr"/>
+          <a:lstStyle/>
+          <a:p>
+            <a:pPr algn="ctr"/>
+            <a:r>
+              <a:rPr kumimoji="1" lang="en-US" altLang="ko-Kore-KR" sz="1600" dirty="0">
+                <a:solidFill>
+                  <a:schemeClr val="tx1"/>
+                </a:solidFill>
+                <a:latin typeface="DM Mono" panose="020B0509040201040103" pitchFamily="49" charset="0"/>
+              </a:rPr>
+              <a:t>10</a:t>
+            </a:r>
+            <a:endParaRPr kumimoji="1" lang="ko-Kore-KR" altLang="en-US" sz="1600" dirty="0">
+              <a:solidFill>
+                <a:schemeClr val="tx1"/>
+              </a:solidFill>
+              <a:latin typeface="DM Mono" panose="020B0509040201040103" pitchFamily="49" charset="0"/>
+            </a:endParaRPr>
+          </a:p>
+        </p:txBody>
+      </p:sp>
+      <p:sp>
+        <p:nvSpPr>
+          <p:cNvPr id="7" name="TextBox 6">
+            <a:extLst>
+              <a:ext uri="{FF2B5EF4-FFF2-40B4-BE49-F238E27FC236}">
+                <a16:creationId xmlns:a16="http://schemas.microsoft.com/office/drawing/2014/main" id="{AD0EAC69-3302-12CD-81F0-96900BD207E0}"/>
+              </a:ext>
+            </a:extLst>
+          </p:cNvPr>
+          <p:cNvSpPr txBox="1"/>
+          <p:nvPr/>
+        </p:nvSpPr>
+        <p:spPr>
+          <a:xfrm>
+            <a:off x="5513302" y="4280288"/>
+            <a:ext cx="351527" cy="369332"/>
+          </a:xfrm>
+          <a:prstGeom prst="rect">
+            <a:avLst/>
+          </a:prstGeom>
+          <a:noFill/>
+        </p:spPr>
+        <p:txBody>
+          <a:bodyPr wrap="square">
+            <a:spAutoFit/>
+          </a:bodyPr>
+          <a:lstStyle/>
+          <a:p>
+            <a:r>
+              <a:rPr lang="en-US" altLang="ko-Kore-KR" dirty="0">
+                <a:latin typeface="DM Mono" panose="020B0509040201040103" pitchFamily="49" charset="0"/>
+              </a:rPr>
+              <a:t>x</a:t>
+            </a:r>
+            <a:endParaRPr lang="ko-Kore-KR" altLang="en-US" dirty="0"/>
+          </a:p>
+        </p:txBody>
+      </p:sp>
+      <p:sp>
+        <p:nvSpPr>
+          <p:cNvPr id="9" name="TextBox 8">
+            <a:extLst>
+              <a:ext uri="{FF2B5EF4-FFF2-40B4-BE49-F238E27FC236}">
+                <a16:creationId xmlns:a16="http://schemas.microsoft.com/office/drawing/2014/main" id="{7B4586C8-29B8-CFDA-CC77-96F203355D5F}"/>
+              </a:ext>
+            </a:extLst>
+          </p:cNvPr>
+          <p:cNvSpPr txBox="1"/>
+          <p:nvPr/>
+        </p:nvSpPr>
+        <p:spPr>
+          <a:xfrm>
+            <a:off x="5988832" y="3199955"/>
+            <a:ext cx="1178586" cy="369332"/>
+          </a:xfrm>
+          <a:prstGeom prst="rect">
+            <a:avLst/>
+          </a:prstGeom>
+          <a:noFill/>
+        </p:spPr>
+        <p:txBody>
+          <a:bodyPr wrap="square">
+            <a:spAutoFit/>
+          </a:bodyPr>
+          <a:lstStyle/>
+          <a:p>
+            <a:pPr algn="ctr"/>
+            <a:r>
+              <a:rPr lang="en-US" altLang="ko-Kore-KR" dirty="0">
+                <a:latin typeface="DM Mono" panose="020B0509040201040103" pitchFamily="49" charset="0"/>
+              </a:rPr>
+              <a:t>main</a:t>
+            </a:r>
+            <a:endParaRPr lang="ko-Kore-KR" altLang="en-US" dirty="0"/>
+          </a:p>
+        </p:txBody>
+      </p:sp>
+      <p:sp>
+        <p:nvSpPr>
+          <p:cNvPr id="3" name="TextBox 2">
+            <a:extLst>
+              <a:ext uri="{FF2B5EF4-FFF2-40B4-BE49-F238E27FC236}">
+                <a16:creationId xmlns:a16="http://schemas.microsoft.com/office/drawing/2014/main" id="{6A45A740-2369-8F8B-AF72-2A3AA6FDD041}"/>
+              </a:ext>
+            </a:extLst>
+          </p:cNvPr>
+          <p:cNvSpPr txBox="1"/>
+          <p:nvPr/>
+        </p:nvSpPr>
+        <p:spPr>
+          <a:xfrm>
+            <a:off x="5554723" y="3857723"/>
+            <a:ext cx="868217" cy="307777"/>
+          </a:xfrm>
+          <a:prstGeom prst="rect">
+            <a:avLst/>
+          </a:prstGeom>
+          <a:noFill/>
+        </p:spPr>
+        <p:txBody>
+          <a:bodyPr wrap="square">
+            <a:spAutoFit/>
+          </a:bodyPr>
+          <a:lstStyle/>
+          <a:p>
+            <a:r>
+              <a:rPr kumimoji="1" lang="en-US" altLang="ko-Kore-KR" sz="1400" dirty="0">
+                <a:solidFill>
+                  <a:schemeClr val="tx1"/>
+                </a:solidFill>
+                <a:latin typeface="DM Mono" panose="020B0509040201040103" pitchFamily="49" charset="0"/>
+              </a:rPr>
+              <a:t>2000</a:t>
+            </a:r>
+            <a:endParaRPr lang="ko-Kore-KR" altLang="en-US" sz="1400" dirty="0"/>
+          </a:p>
+        </p:txBody>
+      </p:sp>
+      <p:sp>
+        <p:nvSpPr>
+          <p:cNvPr id="2" name="직사각형 1">
+            <a:extLst>
+              <a:ext uri="{FF2B5EF4-FFF2-40B4-BE49-F238E27FC236}">
+                <a16:creationId xmlns:a16="http://schemas.microsoft.com/office/drawing/2014/main" id="{073E0BB4-BAE2-16B7-7F96-6F001E6A8953}"/>
+              </a:ext>
+            </a:extLst>
+          </p:cNvPr>
+          <p:cNvSpPr/>
+          <p:nvPr/>
+        </p:nvSpPr>
+        <p:spPr>
+          <a:xfrm>
+            <a:off x="7716981" y="565505"/>
+            <a:ext cx="3657601" cy="2397404"/>
+          </a:xfrm>
+          <a:prstGeom prst="rect">
+            <a:avLst/>
+          </a:prstGeom>
+          <a:solidFill>
+            <a:schemeClr val="bg1"/>
+          </a:solidFill>
+        </p:spPr>
+        <p:style>
+          <a:lnRef idx="2">
+            <a:schemeClr val="accent1">
+              <a:shade val="15000"/>
+            </a:schemeClr>
+          </a:lnRef>
+          <a:fillRef idx="1">
+            <a:schemeClr val="accent1"/>
+          </a:fillRef>
+          <a:effectRef idx="0">
+            <a:schemeClr val="accent1"/>
+          </a:effectRef>
+          <a:fontRef idx="minor">
+            <a:schemeClr val="lt1"/>
+          </a:fontRef>
+        </p:style>
+        <p:txBody>
+          <a:bodyPr rtlCol="0" anchor="ctr"/>
+          <a:lstStyle/>
+          <a:p>
+            <a:pPr algn="ctr"/>
+            <a:endParaRPr kumimoji="1" lang="ko-Kore-KR" altLang="en-US" sz="1600" dirty="0">
+              <a:solidFill>
+                <a:schemeClr val="tx1"/>
+              </a:solidFill>
+              <a:latin typeface="DM Mono" panose="020B0509040201040103" pitchFamily="49" charset="0"/>
+            </a:endParaRPr>
+          </a:p>
+        </p:txBody>
+      </p:sp>
+      <p:sp>
+        <p:nvSpPr>
+          <p:cNvPr id="4" name="TextBox 3">
+            <a:extLst>
+              <a:ext uri="{FF2B5EF4-FFF2-40B4-BE49-F238E27FC236}">
+                <a16:creationId xmlns:a16="http://schemas.microsoft.com/office/drawing/2014/main" id="{3F1623F3-C1F3-BA40-F1D3-38510989FE23}"/>
+              </a:ext>
+            </a:extLst>
+          </p:cNvPr>
+          <p:cNvSpPr txBox="1"/>
+          <p:nvPr/>
+        </p:nvSpPr>
+        <p:spPr>
+          <a:xfrm>
+            <a:off x="8834106" y="196173"/>
+            <a:ext cx="1423350" cy="369332"/>
+          </a:xfrm>
+          <a:prstGeom prst="rect">
+            <a:avLst/>
+          </a:prstGeom>
+          <a:noFill/>
+        </p:spPr>
+        <p:txBody>
+          <a:bodyPr wrap="square">
+            <a:spAutoFit/>
+          </a:bodyPr>
+          <a:lstStyle/>
+          <a:p>
+            <a:pPr algn="ctr"/>
+            <a:r>
+              <a:rPr lang="en-US" altLang="ko-Kore-KR" dirty="0">
+                <a:solidFill>
+                  <a:srgbClr val="FF0000"/>
+                </a:solidFill>
+                <a:latin typeface="DM Mono" panose="020B0509040201040103" pitchFamily="49" charset="0"/>
+              </a:rPr>
+              <a:t>Increment</a:t>
+            </a:r>
+            <a:endParaRPr lang="ko-Kore-KR" altLang="en-US" dirty="0">
+              <a:solidFill>
+                <a:srgbClr val="FF0000"/>
+              </a:solidFill>
+            </a:endParaRPr>
+          </a:p>
+        </p:txBody>
+      </p:sp>
+      <p:sp>
+        <p:nvSpPr>
+          <p:cNvPr id="11" name="TextBox 10">
+            <a:extLst>
+              <a:ext uri="{FF2B5EF4-FFF2-40B4-BE49-F238E27FC236}">
+                <a16:creationId xmlns:a16="http://schemas.microsoft.com/office/drawing/2014/main" id="{F10C38D5-CB7B-04D0-93FD-603CAF9ED032}"/>
+              </a:ext>
+            </a:extLst>
+          </p:cNvPr>
+          <p:cNvSpPr txBox="1"/>
+          <p:nvPr/>
+        </p:nvSpPr>
+        <p:spPr>
+          <a:xfrm>
+            <a:off x="8377382" y="1375452"/>
+            <a:ext cx="577485" cy="369332"/>
+          </a:xfrm>
+          <a:prstGeom prst="rect">
+            <a:avLst/>
+          </a:prstGeom>
+          <a:noFill/>
+        </p:spPr>
+        <p:txBody>
+          <a:bodyPr wrap="square">
+            <a:spAutoFit/>
+          </a:bodyPr>
+          <a:lstStyle/>
+          <a:p>
+            <a:r>
+              <a:rPr lang="en-US" altLang="ko-Kore-KR" dirty="0" err="1">
+                <a:solidFill>
+                  <a:srgbClr val="FF0000"/>
+                </a:solidFill>
+                <a:latin typeface="DM Mono" panose="020B0509040201040103" pitchFamily="49" charset="0"/>
+              </a:rPr>
+              <a:t>rx</a:t>
+            </a:r>
+            <a:endParaRPr lang="ko-Kore-KR" altLang="en-US" dirty="0">
+              <a:solidFill>
+                <a:srgbClr val="FF0000"/>
+              </a:solidFill>
+            </a:endParaRPr>
+          </a:p>
+        </p:txBody>
+      </p:sp>
+      <p:cxnSp>
+        <p:nvCxnSpPr>
+          <p:cNvPr id="13" name="구부러진 연결선[U] 12">
+            <a:extLst>
+              <a:ext uri="{FF2B5EF4-FFF2-40B4-BE49-F238E27FC236}">
+                <a16:creationId xmlns:a16="http://schemas.microsoft.com/office/drawing/2014/main" id="{08151878-35DA-668E-40EA-6EA06BA57DD4}"/>
+              </a:ext>
+            </a:extLst>
+          </p:cNvPr>
+          <p:cNvCxnSpPr>
+            <a:endCxn id="6" idx="0"/>
+          </p:cNvCxnSpPr>
+          <p:nvPr/>
+        </p:nvCxnSpPr>
+        <p:spPr>
+          <a:xfrm rot="5400000">
+            <a:off x="6355991" y="1915043"/>
+            <a:ext cx="2412434" cy="2092167"/>
+          </a:xfrm>
+          <a:prstGeom prst="curvedConnector3">
+            <a:avLst/>
+          </a:prstGeom>
+          <a:ln w="12700">
+            <a:tailEnd type="triangle"/>
+          </a:ln>
+        </p:spPr>
+        <p:style>
+          <a:lnRef idx="1">
+            <a:schemeClr val="dk1"/>
+          </a:lnRef>
+          <a:fillRef idx="0">
+            <a:schemeClr val="dk1"/>
+          </a:fillRef>
+          <a:effectRef idx="0">
+            <a:schemeClr val="dk1"/>
+          </a:effectRef>
+          <a:fontRef idx="minor">
+            <a:schemeClr val="tx1"/>
+          </a:fontRef>
+        </p:style>
+      </p:cxnSp>
+      <p:sp>
+        <p:nvSpPr>
+          <p:cNvPr id="14" name="TextBox 13">
+            <a:extLst>
+              <a:ext uri="{FF2B5EF4-FFF2-40B4-BE49-F238E27FC236}">
+                <a16:creationId xmlns:a16="http://schemas.microsoft.com/office/drawing/2014/main" id="{B9F50D6A-A41F-B47D-2FDC-B45D6B850CCB}"/>
+              </a:ext>
+            </a:extLst>
+          </p:cNvPr>
+          <p:cNvSpPr txBox="1"/>
+          <p:nvPr/>
+        </p:nvSpPr>
+        <p:spPr>
+          <a:xfrm>
+            <a:off x="7469433" y="3031383"/>
+            <a:ext cx="2162260" cy="369332"/>
+          </a:xfrm>
+          <a:prstGeom prst="rect">
+            <a:avLst/>
+          </a:prstGeom>
+          <a:noFill/>
+        </p:spPr>
+        <p:txBody>
+          <a:bodyPr wrap="square">
+            <a:spAutoFit/>
+          </a:bodyPr>
+          <a:lstStyle/>
+          <a:p>
+            <a:pPr algn="ctr"/>
+            <a:r>
+              <a:rPr lang="ko-Kore-KR" altLang="en-US" dirty="0">
+                <a:latin typeface="DM Mono" panose="020B0509040201040103" pitchFamily="49" charset="0"/>
+              </a:rPr>
+              <a:t>새로운</a:t>
+            </a:r>
+            <a:r>
+              <a:rPr lang="ko-KR" altLang="en-US" dirty="0">
+                <a:latin typeface="DM Mono" panose="020B0509040201040103" pitchFamily="49" charset="0"/>
+              </a:rPr>
+              <a:t> 이름 부여</a:t>
+            </a:r>
+            <a:endParaRPr lang="ko-Kore-KR" altLang="en-US" dirty="0"/>
+          </a:p>
+        </p:txBody>
+      </p:sp>
+    </p:spTree>
+    <p:extLst>
+      <p:ext uri="{BB962C8B-B14F-4D97-AF65-F5344CB8AC3E}">
+        <p14:creationId xmlns:p14="http://schemas.microsoft.com/office/powerpoint/2010/main" val="3516096946"/>
+      </p:ext>
+    </p:extLst>
+  </p:cSld>
+  <p:clrMapOvr>
+    <a:masterClrMapping/>
+  </p:clrMapOvr>
+</p:sld>
+</file>
+
+<file path=ppt/slides/slide14.xml><?xml version="1.0" encoding="utf-8"?>
+<p:sld xmlns:a="http://schemas.openxmlformats.org/drawingml/2006/main" xmlns:r="http://schemas.openxmlformats.org/officeDocument/2006/relationships" xmlns:p="http://schemas.openxmlformats.org/presentationml/2006/main">
+  <p:cSld>
+    <p:spTree>
+      <p:nvGrpSpPr>
+        <p:cNvPr id="1" name=""/>
+        <p:cNvGrpSpPr/>
+        <p:nvPr/>
+      </p:nvGrpSpPr>
+      <p:grpSpPr>
+        <a:xfrm>
+          <a:off x="0" y="0"/>
+          <a:ext cx="0" cy="0"/>
+          <a:chOff x="0" y="0"/>
+          <a:chExt cx="0" cy="0"/>
+        </a:xfrm>
+      </p:grpSpPr>
+      <p:sp>
+        <p:nvSpPr>
+          <p:cNvPr id="8" name="직사각형 7">
+            <a:extLst>
+              <a:ext uri="{FF2B5EF4-FFF2-40B4-BE49-F238E27FC236}">
+                <a16:creationId xmlns:a16="http://schemas.microsoft.com/office/drawing/2014/main" id="{C88B369F-23EE-1F41-BB92-2769F1314631}"/>
+              </a:ext>
+            </a:extLst>
+          </p:cNvPr>
+          <p:cNvSpPr/>
+          <p:nvPr/>
+        </p:nvSpPr>
+        <p:spPr>
+          <a:xfrm>
+            <a:off x="4719781" y="3569287"/>
+            <a:ext cx="3657601" cy="2397404"/>
+          </a:xfrm>
+          <a:prstGeom prst="rect">
+            <a:avLst/>
+          </a:prstGeom>
+          <a:solidFill>
+            <a:schemeClr val="bg1"/>
+          </a:solidFill>
+        </p:spPr>
+        <p:style>
+          <a:lnRef idx="2">
+            <a:schemeClr val="accent1">
+              <a:shade val="15000"/>
+            </a:schemeClr>
+          </a:lnRef>
+          <a:fillRef idx="1">
+            <a:schemeClr val="accent1"/>
+          </a:fillRef>
+          <a:effectRef idx="0">
+            <a:schemeClr val="accent1"/>
+          </a:effectRef>
+          <a:fontRef idx="minor">
+            <a:schemeClr val="lt1"/>
+          </a:fontRef>
+        </p:style>
+        <p:txBody>
+          <a:bodyPr rtlCol="0" anchor="ctr"/>
+          <a:lstStyle/>
+          <a:p>
+            <a:pPr algn="ctr"/>
+            <a:endParaRPr kumimoji="1" lang="ko-Kore-KR" altLang="en-US" sz="1600" dirty="0">
+              <a:solidFill>
+                <a:schemeClr val="tx1"/>
+              </a:solidFill>
+              <a:latin typeface="DM Mono" panose="020B0509040201040103" pitchFamily="49" charset="0"/>
+            </a:endParaRPr>
+          </a:p>
+        </p:txBody>
+      </p:sp>
+      <p:sp>
+        <p:nvSpPr>
+          <p:cNvPr id="5" name="TextBox 4">
+            <a:extLst>
+              <a:ext uri="{FF2B5EF4-FFF2-40B4-BE49-F238E27FC236}">
+                <a16:creationId xmlns:a16="http://schemas.microsoft.com/office/drawing/2014/main" id="{3A3CD34A-7AD8-7F66-F863-6841F249C481}"/>
+              </a:ext>
+            </a:extLst>
+          </p:cNvPr>
+          <p:cNvSpPr txBox="1"/>
+          <p:nvPr/>
+        </p:nvSpPr>
+        <p:spPr>
+          <a:xfrm>
+            <a:off x="369454" y="328458"/>
+            <a:ext cx="6096000" cy="3416320"/>
+          </a:xfrm>
+          <a:prstGeom prst="rect">
+            <a:avLst/>
+          </a:prstGeom>
+          <a:noFill/>
+        </p:spPr>
+        <p:txBody>
+          <a:bodyPr wrap="square">
+            <a:spAutoFit/>
+          </a:bodyPr>
+          <a:lstStyle/>
+          <a:p>
+            <a:r>
+              <a:rPr lang="ko-Kore-KR" altLang="en-US" dirty="0">
+                <a:latin typeface="DM Mono" panose="020B0509040201040103" pitchFamily="49" charset="0"/>
+              </a:rPr>
+              <a:t>void Increment(int</a:t>
+            </a:r>
+            <a:r>
+              <a:rPr lang="en-US" altLang="ko-Kore-KR" dirty="0">
+                <a:latin typeface="DM Mono" panose="020B0509040201040103" pitchFamily="49" charset="0"/>
+              </a:rPr>
+              <a:t>&amp;</a:t>
+            </a:r>
+            <a:r>
+              <a:rPr lang="ko-Kore-KR" altLang="en-US" dirty="0">
+                <a:latin typeface="DM Mono" panose="020B0509040201040103" pitchFamily="49" charset="0"/>
+              </a:rPr>
+              <a:t> </a:t>
+            </a:r>
+            <a:r>
+              <a:rPr lang="en-US" altLang="ko-Kore-KR" dirty="0">
+                <a:latin typeface="DM Mono" panose="020B0509040201040103" pitchFamily="49" charset="0"/>
+              </a:rPr>
+              <a:t>r</a:t>
+            </a:r>
+            <a:r>
+              <a:rPr lang="ko-Kore-KR" altLang="en-US" dirty="0">
+                <a:latin typeface="DM Mono" panose="020B0509040201040103" pitchFamily="49" charset="0"/>
+              </a:rPr>
+              <a:t>x)</a:t>
+            </a:r>
+          </a:p>
+          <a:p>
+            <a:r>
+              <a:rPr lang="ko-Kore-KR" altLang="en-US" dirty="0">
+                <a:latin typeface="DM Mono" panose="020B0509040201040103" pitchFamily="49" charset="0"/>
+              </a:rPr>
+              <a:t>{</a:t>
+            </a:r>
+          </a:p>
+          <a:p>
+            <a:r>
+              <a:rPr lang="ko-Kore-KR" altLang="en-US" dirty="0">
+                <a:solidFill>
+                  <a:srgbClr val="FF0000"/>
+                </a:solidFill>
+                <a:latin typeface="DM Mono" panose="020B0509040201040103" pitchFamily="49" charset="0"/>
+              </a:rPr>
+              <a:t>    ++</a:t>
+            </a:r>
+            <a:r>
+              <a:rPr lang="en-US" altLang="ko-Kore-KR" dirty="0">
+                <a:solidFill>
+                  <a:srgbClr val="FF0000"/>
+                </a:solidFill>
+                <a:latin typeface="DM Mono" panose="020B0509040201040103" pitchFamily="49" charset="0"/>
+              </a:rPr>
+              <a:t>r</a:t>
+            </a:r>
+            <a:r>
+              <a:rPr lang="ko-Kore-KR" altLang="en-US" dirty="0">
+                <a:solidFill>
+                  <a:srgbClr val="FF0000"/>
+                </a:solidFill>
+                <a:latin typeface="DM Mono" panose="020B0509040201040103" pitchFamily="49" charset="0"/>
+              </a:rPr>
+              <a:t>x;</a:t>
+            </a:r>
+          </a:p>
+          <a:p>
+            <a:r>
+              <a:rPr lang="ko-Kore-KR" altLang="en-US" dirty="0">
+                <a:latin typeface="DM Mono" panose="020B0509040201040103" pitchFamily="49" charset="0"/>
+              </a:rPr>
+              <a:t>}</a:t>
+            </a:r>
+          </a:p>
+          <a:p>
+            <a:endParaRPr lang="ko-Kore-KR" altLang="en-US" dirty="0">
+              <a:latin typeface="DM Mono" panose="020B0509040201040103" pitchFamily="49" charset="0"/>
+            </a:endParaRPr>
+          </a:p>
+          <a:p>
+            <a:r>
+              <a:rPr lang="ko-Kore-KR" altLang="en-US" dirty="0">
+                <a:latin typeface="DM Mono" panose="020B0509040201040103" pitchFamily="49" charset="0"/>
+              </a:rPr>
+              <a:t>int main()</a:t>
+            </a:r>
+          </a:p>
+          <a:p>
+            <a:r>
+              <a:rPr lang="ko-Kore-KR" altLang="en-US" dirty="0">
+                <a:latin typeface="DM Mono" panose="020B0509040201040103" pitchFamily="49" charset="0"/>
+              </a:rPr>
+              <a:t>{</a:t>
+            </a:r>
+          </a:p>
+          <a:p>
+            <a:r>
+              <a:rPr lang="ko-Kore-KR" altLang="en-US" dirty="0">
+                <a:latin typeface="DM Mono" panose="020B0509040201040103" pitchFamily="49" charset="0"/>
+              </a:rPr>
+              <a:t>    int x = 10;</a:t>
+            </a:r>
+          </a:p>
+          <a:p>
+            <a:r>
+              <a:rPr lang="ko-Kore-KR" altLang="en-US" dirty="0">
+                <a:solidFill>
+                  <a:srgbClr val="FF0000"/>
+                </a:solidFill>
+                <a:latin typeface="DM Mono" panose="020B0509040201040103" pitchFamily="49" charset="0"/>
+              </a:rPr>
+              <a:t>    Increment(x);</a:t>
+            </a:r>
+          </a:p>
+          <a:p>
+            <a:endParaRPr lang="ko-Kore-KR" altLang="en-US" dirty="0">
+              <a:latin typeface="DM Mono" panose="020B0509040201040103" pitchFamily="49" charset="0"/>
+            </a:endParaRPr>
+          </a:p>
+          <a:p>
+            <a:r>
+              <a:rPr lang="ko-Kore-KR" altLang="en-US" dirty="0">
+                <a:latin typeface="DM Mono" panose="020B0509040201040103" pitchFamily="49" charset="0"/>
+              </a:rPr>
+              <a:t>    cout &lt;&lt; x &lt;&lt; endl;</a:t>
+            </a:r>
+          </a:p>
+          <a:p>
+            <a:r>
+              <a:rPr lang="ko-Kore-KR" altLang="en-US" dirty="0">
+                <a:latin typeface="DM Mono" panose="020B0509040201040103" pitchFamily="49" charset="0"/>
+              </a:rPr>
+              <a:t>}</a:t>
+            </a:r>
+          </a:p>
+        </p:txBody>
+      </p:sp>
+      <p:sp>
+        <p:nvSpPr>
+          <p:cNvPr id="6" name="직사각형 5">
+            <a:extLst>
+              <a:ext uri="{FF2B5EF4-FFF2-40B4-BE49-F238E27FC236}">
+                <a16:creationId xmlns:a16="http://schemas.microsoft.com/office/drawing/2014/main" id="{DCD24C47-12E8-1334-725F-6311D301BB2C}"/>
+              </a:ext>
+            </a:extLst>
+          </p:cNvPr>
+          <p:cNvSpPr/>
+          <p:nvPr/>
+        </p:nvSpPr>
+        <p:spPr>
+          <a:xfrm>
+            <a:off x="5864829" y="4167343"/>
+            <a:ext cx="1302589" cy="595222"/>
+          </a:xfrm>
+          <a:prstGeom prst="rect">
+            <a:avLst/>
+          </a:prstGeom>
+          <a:solidFill>
+            <a:srgbClr val="FFFF00"/>
+          </a:solidFill>
+        </p:spPr>
+        <p:style>
+          <a:lnRef idx="2">
+            <a:schemeClr val="accent1">
+              <a:shade val="15000"/>
+            </a:schemeClr>
+          </a:lnRef>
+          <a:fillRef idx="1">
+            <a:schemeClr val="accent1"/>
+          </a:fillRef>
+          <a:effectRef idx="0">
+            <a:schemeClr val="accent1"/>
+          </a:effectRef>
+          <a:fontRef idx="minor">
+            <a:schemeClr val="lt1"/>
+          </a:fontRef>
+        </p:style>
+        <p:txBody>
+          <a:bodyPr rtlCol="0" anchor="ctr"/>
+          <a:lstStyle/>
+          <a:p>
+            <a:pPr algn="ctr"/>
+            <a:r>
+              <a:rPr kumimoji="1" lang="en-US" altLang="ko-KR" sz="1600" dirty="0">
+                <a:solidFill>
+                  <a:srgbClr val="FF0000"/>
+                </a:solidFill>
+                <a:latin typeface="DM Mono" panose="020B0509040201040103" pitchFamily="49" charset="0"/>
+              </a:rPr>
+              <a:t>11</a:t>
+            </a:r>
+            <a:endParaRPr kumimoji="1" lang="ko-Kore-KR" altLang="en-US" sz="1600" dirty="0">
+              <a:solidFill>
+                <a:srgbClr val="FF0000"/>
+              </a:solidFill>
+              <a:latin typeface="DM Mono" panose="020B0509040201040103" pitchFamily="49" charset="0"/>
+            </a:endParaRPr>
+          </a:p>
+        </p:txBody>
+      </p:sp>
+      <p:sp>
+        <p:nvSpPr>
+          <p:cNvPr id="7" name="TextBox 6">
+            <a:extLst>
+              <a:ext uri="{FF2B5EF4-FFF2-40B4-BE49-F238E27FC236}">
+                <a16:creationId xmlns:a16="http://schemas.microsoft.com/office/drawing/2014/main" id="{AD0EAC69-3302-12CD-81F0-96900BD207E0}"/>
+              </a:ext>
+            </a:extLst>
+          </p:cNvPr>
+          <p:cNvSpPr txBox="1"/>
+          <p:nvPr/>
+        </p:nvSpPr>
+        <p:spPr>
+          <a:xfrm>
+            <a:off x="5513302" y="4280288"/>
+            <a:ext cx="351527" cy="369332"/>
+          </a:xfrm>
+          <a:prstGeom prst="rect">
+            <a:avLst/>
+          </a:prstGeom>
+          <a:noFill/>
+        </p:spPr>
+        <p:txBody>
+          <a:bodyPr wrap="square">
+            <a:spAutoFit/>
+          </a:bodyPr>
+          <a:lstStyle/>
+          <a:p>
+            <a:r>
+              <a:rPr lang="en-US" altLang="ko-Kore-KR" dirty="0">
+                <a:latin typeface="DM Mono" panose="020B0509040201040103" pitchFamily="49" charset="0"/>
+              </a:rPr>
+              <a:t>x</a:t>
+            </a:r>
+            <a:endParaRPr lang="ko-Kore-KR" altLang="en-US" dirty="0"/>
+          </a:p>
+        </p:txBody>
+      </p:sp>
+      <p:sp>
+        <p:nvSpPr>
+          <p:cNvPr id="9" name="TextBox 8">
+            <a:extLst>
+              <a:ext uri="{FF2B5EF4-FFF2-40B4-BE49-F238E27FC236}">
+                <a16:creationId xmlns:a16="http://schemas.microsoft.com/office/drawing/2014/main" id="{7B4586C8-29B8-CFDA-CC77-96F203355D5F}"/>
+              </a:ext>
+            </a:extLst>
+          </p:cNvPr>
+          <p:cNvSpPr txBox="1"/>
+          <p:nvPr/>
+        </p:nvSpPr>
+        <p:spPr>
+          <a:xfrm>
+            <a:off x="5988832" y="3199955"/>
+            <a:ext cx="1178586" cy="369332"/>
+          </a:xfrm>
+          <a:prstGeom prst="rect">
+            <a:avLst/>
+          </a:prstGeom>
+          <a:noFill/>
+        </p:spPr>
+        <p:txBody>
+          <a:bodyPr wrap="square">
+            <a:spAutoFit/>
+          </a:bodyPr>
+          <a:lstStyle/>
+          <a:p>
+            <a:pPr algn="ctr"/>
+            <a:r>
+              <a:rPr lang="en-US" altLang="ko-Kore-KR" dirty="0">
+                <a:latin typeface="DM Mono" panose="020B0509040201040103" pitchFamily="49" charset="0"/>
+              </a:rPr>
+              <a:t>main</a:t>
+            </a:r>
+            <a:endParaRPr lang="ko-Kore-KR" altLang="en-US" dirty="0"/>
+          </a:p>
+        </p:txBody>
+      </p:sp>
+      <p:sp>
+        <p:nvSpPr>
+          <p:cNvPr id="3" name="TextBox 2">
+            <a:extLst>
+              <a:ext uri="{FF2B5EF4-FFF2-40B4-BE49-F238E27FC236}">
+                <a16:creationId xmlns:a16="http://schemas.microsoft.com/office/drawing/2014/main" id="{6A45A740-2369-8F8B-AF72-2A3AA6FDD041}"/>
+              </a:ext>
+            </a:extLst>
+          </p:cNvPr>
+          <p:cNvSpPr txBox="1"/>
+          <p:nvPr/>
+        </p:nvSpPr>
+        <p:spPr>
+          <a:xfrm>
+            <a:off x="5554723" y="3857723"/>
+            <a:ext cx="868217" cy="307777"/>
+          </a:xfrm>
+          <a:prstGeom prst="rect">
+            <a:avLst/>
+          </a:prstGeom>
+          <a:noFill/>
+        </p:spPr>
+        <p:txBody>
+          <a:bodyPr wrap="square">
+            <a:spAutoFit/>
+          </a:bodyPr>
+          <a:lstStyle/>
+          <a:p>
+            <a:r>
+              <a:rPr kumimoji="1" lang="en-US" altLang="ko-Kore-KR" sz="1400" dirty="0">
+                <a:solidFill>
+                  <a:schemeClr val="tx1"/>
+                </a:solidFill>
+                <a:latin typeface="DM Mono" panose="020B0509040201040103" pitchFamily="49" charset="0"/>
+              </a:rPr>
+              <a:t>2000</a:t>
+            </a:r>
+            <a:endParaRPr lang="ko-Kore-KR" altLang="en-US" sz="1400" dirty="0"/>
+          </a:p>
+        </p:txBody>
+      </p:sp>
+      <p:sp>
+        <p:nvSpPr>
+          <p:cNvPr id="2" name="직사각형 1">
+            <a:extLst>
+              <a:ext uri="{FF2B5EF4-FFF2-40B4-BE49-F238E27FC236}">
+                <a16:creationId xmlns:a16="http://schemas.microsoft.com/office/drawing/2014/main" id="{073E0BB4-BAE2-16B7-7F96-6F001E6A8953}"/>
+              </a:ext>
+            </a:extLst>
+          </p:cNvPr>
+          <p:cNvSpPr/>
+          <p:nvPr/>
+        </p:nvSpPr>
+        <p:spPr>
+          <a:xfrm>
+            <a:off x="7716981" y="565505"/>
+            <a:ext cx="3657601" cy="2397404"/>
+          </a:xfrm>
+          <a:prstGeom prst="rect">
+            <a:avLst/>
+          </a:prstGeom>
+          <a:solidFill>
+            <a:schemeClr val="bg1"/>
+          </a:solidFill>
+        </p:spPr>
+        <p:style>
+          <a:lnRef idx="2">
+            <a:schemeClr val="accent1">
+              <a:shade val="15000"/>
+            </a:schemeClr>
+          </a:lnRef>
+          <a:fillRef idx="1">
+            <a:schemeClr val="accent1"/>
+          </a:fillRef>
+          <a:effectRef idx="0">
+            <a:schemeClr val="accent1"/>
+          </a:effectRef>
+          <a:fontRef idx="minor">
+            <a:schemeClr val="lt1"/>
+          </a:fontRef>
+        </p:style>
+        <p:txBody>
+          <a:bodyPr rtlCol="0" anchor="ctr"/>
+          <a:lstStyle/>
+          <a:p>
+            <a:pPr algn="ctr"/>
+            <a:endParaRPr kumimoji="1" lang="ko-Kore-KR" altLang="en-US" sz="1600" dirty="0">
+              <a:solidFill>
+                <a:schemeClr val="tx1"/>
+              </a:solidFill>
+              <a:latin typeface="DM Mono" panose="020B0509040201040103" pitchFamily="49" charset="0"/>
+            </a:endParaRPr>
+          </a:p>
+        </p:txBody>
+      </p:sp>
+      <p:sp>
+        <p:nvSpPr>
+          <p:cNvPr id="4" name="TextBox 3">
+            <a:extLst>
+              <a:ext uri="{FF2B5EF4-FFF2-40B4-BE49-F238E27FC236}">
+                <a16:creationId xmlns:a16="http://schemas.microsoft.com/office/drawing/2014/main" id="{3F1623F3-C1F3-BA40-F1D3-38510989FE23}"/>
+              </a:ext>
+            </a:extLst>
+          </p:cNvPr>
+          <p:cNvSpPr txBox="1"/>
+          <p:nvPr/>
+        </p:nvSpPr>
+        <p:spPr>
+          <a:xfrm>
+            <a:off x="8834106" y="196173"/>
+            <a:ext cx="1423350" cy="369332"/>
+          </a:xfrm>
+          <a:prstGeom prst="rect">
+            <a:avLst/>
+          </a:prstGeom>
+          <a:noFill/>
+        </p:spPr>
+        <p:txBody>
+          <a:bodyPr wrap="square">
+            <a:spAutoFit/>
+          </a:bodyPr>
+          <a:lstStyle/>
+          <a:p>
+            <a:pPr algn="ctr"/>
+            <a:r>
+              <a:rPr lang="en-US" altLang="ko-Kore-KR" dirty="0">
+                <a:solidFill>
+                  <a:srgbClr val="FF0000"/>
+                </a:solidFill>
+                <a:latin typeface="DM Mono" panose="020B0509040201040103" pitchFamily="49" charset="0"/>
+              </a:rPr>
+              <a:t>Increment</a:t>
+            </a:r>
+            <a:endParaRPr lang="ko-Kore-KR" altLang="en-US" dirty="0">
+              <a:solidFill>
+                <a:srgbClr val="FF0000"/>
+              </a:solidFill>
+            </a:endParaRPr>
+          </a:p>
+        </p:txBody>
+      </p:sp>
+      <p:sp>
+        <p:nvSpPr>
+          <p:cNvPr id="11" name="TextBox 10">
+            <a:extLst>
+              <a:ext uri="{FF2B5EF4-FFF2-40B4-BE49-F238E27FC236}">
+                <a16:creationId xmlns:a16="http://schemas.microsoft.com/office/drawing/2014/main" id="{F10C38D5-CB7B-04D0-93FD-603CAF9ED032}"/>
+              </a:ext>
+            </a:extLst>
+          </p:cNvPr>
+          <p:cNvSpPr txBox="1"/>
+          <p:nvPr/>
+        </p:nvSpPr>
+        <p:spPr>
+          <a:xfrm>
+            <a:off x="8377382" y="1375452"/>
+            <a:ext cx="577485" cy="369332"/>
+          </a:xfrm>
+          <a:prstGeom prst="rect">
+            <a:avLst/>
+          </a:prstGeom>
+          <a:noFill/>
+        </p:spPr>
+        <p:txBody>
+          <a:bodyPr wrap="square">
+            <a:spAutoFit/>
+          </a:bodyPr>
+          <a:lstStyle/>
+          <a:p>
+            <a:r>
+              <a:rPr lang="en-US" altLang="ko-Kore-KR" dirty="0" err="1">
+                <a:solidFill>
+                  <a:srgbClr val="FF0000"/>
+                </a:solidFill>
+                <a:latin typeface="DM Mono" panose="020B0509040201040103" pitchFamily="49" charset="0"/>
+              </a:rPr>
+              <a:t>rx</a:t>
+            </a:r>
+            <a:endParaRPr lang="ko-Kore-KR" altLang="en-US" dirty="0">
+              <a:solidFill>
+                <a:srgbClr val="FF0000"/>
+              </a:solidFill>
+            </a:endParaRPr>
+          </a:p>
+        </p:txBody>
+      </p:sp>
+      <p:cxnSp>
+        <p:nvCxnSpPr>
+          <p:cNvPr id="13" name="구부러진 연결선[U] 12">
+            <a:extLst>
+              <a:ext uri="{FF2B5EF4-FFF2-40B4-BE49-F238E27FC236}">
+                <a16:creationId xmlns:a16="http://schemas.microsoft.com/office/drawing/2014/main" id="{08151878-35DA-668E-40EA-6EA06BA57DD4}"/>
+              </a:ext>
+            </a:extLst>
+          </p:cNvPr>
+          <p:cNvCxnSpPr>
+            <a:endCxn id="6" idx="0"/>
+          </p:cNvCxnSpPr>
+          <p:nvPr/>
+        </p:nvCxnSpPr>
+        <p:spPr>
+          <a:xfrm rot="5400000">
+            <a:off x="6355991" y="1915043"/>
+            <a:ext cx="2412434" cy="2092167"/>
+          </a:xfrm>
+          <a:prstGeom prst="curvedConnector3">
+            <a:avLst/>
+          </a:prstGeom>
+          <a:ln w="12700">
+            <a:tailEnd type="triangle"/>
+          </a:ln>
+        </p:spPr>
+        <p:style>
+          <a:lnRef idx="1">
+            <a:schemeClr val="dk1"/>
+          </a:lnRef>
+          <a:fillRef idx="0">
+            <a:schemeClr val="dk1"/>
+          </a:fillRef>
+          <a:effectRef idx="0">
+            <a:schemeClr val="dk1"/>
+          </a:effectRef>
+          <a:fontRef idx="minor">
+            <a:schemeClr val="tx1"/>
+          </a:fontRef>
+        </p:style>
+      </p:cxnSp>
+      <p:sp>
+        <p:nvSpPr>
+          <p:cNvPr id="14" name="TextBox 13">
+            <a:extLst>
+              <a:ext uri="{FF2B5EF4-FFF2-40B4-BE49-F238E27FC236}">
+                <a16:creationId xmlns:a16="http://schemas.microsoft.com/office/drawing/2014/main" id="{B9F50D6A-A41F-B47D-2FDC-B45D6B850CCB}"/>
+              </a:ext>
+            </a:extLst>
+          </p:cNvPr>
+          <p:cNvSpPr txBox="1"/>
+          <p:nvPr/>
+        </p:nvSpPr>
+        <p:spPr>
+          <a:xfrm>
+            <a:off x="7469433" y="3031383"/>
+            <a:ext cx="2162260" cy="369332"/>
+          </a:xfrm>
+          <a:prstGeom prst="rect">
+            <a:avLst/>
+          </a:prstGeom>
+          <a:noFill/>
+        </p:spPr>
+        <p:txBody>
+          <a:bodyPr wrap="square">
+            <a:spAutoFit/>
+          </a:bodyPr>
+          <a:lstStyle/>
+          <a:p>
+            <a:pPr algn="ctr"/>
+            <a:r>
+              <a:rPr lang="ko-Kore-KR" altLang="en-US" dirty="0">
+                <a:latin typeface="DM Mono" panose="020B0509040201040103" pitchFamily="49" charset="0"/>
+              </a:rPr>
+              <a:t>새로운</a:t>
+            </a:r>
+            <a:r>
+              <a:rPr lang="ko-KR" altLang="en-US" dirty="0">
+                <a:latin typeface="DM Mono" panose="020B0509040201040103" pitchFamily="49" charset="0"/>
+              </a:rPr>
+              <a:t> 이름 부여</a:t>
+            </a:r>
+            <a:endParaRPr lang="ko-Kore-KR" altLang="en-US" dirty="0"/>
+          </a:p>
+        </p:txBody>
+      </p:sp>
+    </p:spTree>
+    <p:extLst>
+      <p:ext uri="{BB962C8B-B14F-4D97-AF65-F5344CB8AC3E}">
+        <p14:creationId xmlns:p14="http://schemas.microsoft.com/office/powerpoint/2010/main" val="201679945"/>
       </p:ext>
     </p:extLst>
   </p:cSld>

--- a/cpp_230824.pptx
+++ b/cpp_230824.pptx
@@ -19,6 +19,9 @@
     <p:sldId id="268" r:id="rId13"/>
     <p:sldId id="269" r:id="rId14"/>
     <p:sldId id="270" r:id="rId15"/>
+    <p:sldId id="271" r:id="rId16"/>
+    <p:sldId id="272" r:id="rId17"/>
+    <p:sldId id="273" r:id="rId18"/>
   </p:sldIdLst>
   <p:sldSz cx="12192000" cy="6858000"/>
   <p:notesSz cx="6858000" cy="9144000"/>
@@ -117,6 +120,11 @@
       </a:defRPr>
     </a:lvl9pPr>
   </p:defaultTextStyle>
+  <p:extLst>
+    <p:ext uri="{EFAFB233-063F-42B5-8137-9DF3F51BA10A}">
+      <p15:sldGuideLst xmlns:p15="http://schemas.microsoft.com/office/powerpoint/2012/main"/>
+    </p:ext>
+  </p:extLst>
 </p:presentation>
 </file>
 
@@ -269,7 +277,7 @@
           <a:p>
             <a:fld id="{5833EE27-F847-E545-85F6-516A570BCF7E}" type="datetimeFigureOut">
               <a:rPr kumimoji="1" lang="ko-Kore-KR" altLang="en-US" smtClean="0"/>
-              <a:t>2023. 8. 25.</a:t>
+              <a:t>2023. 8. 28.</a:t>
             </a:fld>
             <a:endParaRPr kumimoji="1" lang="ko-Kore-KR" altLang="en-US"/>
           </a:p>
@@ -469,7 +477,7 @@
           <a:p>
             <a:fld id="{5833EE27-F847-E545-85F6-516A570BCF7E}" type="datetimeFigureOut">
               <a:rPr kumimoji="1" lang="ko-Kore-KR" altLang="en-US" smtClean="0"/>
-              <a:t>2023. 8. 25.</a:t>
+              <a:t>2023. 8. 28.</a:t>
             </a:fld>
             <a:endParaRPr kumimoji="1" lang="ko-Kore-KR" altLang="en-US"/>
           </a:p>
@@ -679,7 +687,7 @@
           <a:p>
             <a:fld id="{5833EE27-F847-E545-85F6-516A570BCF7E}" type="datetimeFigureOut">
               <a:rPr kumimoji="1" lang="ko-Kore-KR" altLang="en-US" smtClean="0"/>
-              <a:t>2023. 8. 25.</a:t>
+              <a:t>2023. 8. 28.</a:t>
             </a:fld>
             <a:endParaRPr kumimoji="1" lang="ko-Kore-KR" altLang="en-US"/>
           </a:p>
@@ -879,7 +887,7 @@
           <a:p>
             <a:fld id="{5833EE27-F847-E545-85F6-516A570BCF7E}" type="datetimeFigureOut">
               <a:rPr kumimoji="1" lang="ko-Kore-KR" altLang="en-US" smtClean="0"/>
-              <a:t>2023. 8. 25.</a:t>
+              <a:t>2023. 8. 28.</a:t>
             </a:fld>
             <a:endParaRPr kumimoji="1" lang="ko-Kore-KR" altLang="en-US"/>
           </a:p>
@@ -1155,7 +1163,7 @@
           <a:p>
             <a:fld id="{5833EE27-F847-E545-85F6-516A570BCF7E}" type="datetimeFigureOut">
               <a:rPr kumimoji="1" lang="ko-Kore-KR" altLang="en-US" smtClean="0"/>
-              <a:t>2023. 8. 25.</a:t>
+              <a:t>2023. 8. 28.</a:t>
             </a:fld>
             <a:endParaRPr kumimoji="1" lang="ko-Kore-KR" altLang="en-US"/>
           </a:p>
@@ -1423,7 +1431,7 @@
           <a:p>
             <a:fld id="{5833EE27-F847-E545-85F6-516A570BCF7E}" type="datetimeFigureOut">
               <a:rPr kumimoji="1" lang="ko-Kore-KR" altLang="en-US" smtClean="0"/>
-              <a:t>2023. 8. 25.</a:t>
+              <a:t>2023. 8. 28.</a:t>
             </a:fld>
             <a:endParaRPr kumimoji="1" lang="ko-Kore-KR" altLang="en-US"/>
           </a:p>
@@ -1838,7 +1846,7 @@
           <a:p>
             <a:fld id="{5833EE27-F847-E545-85F6-516A570BCF7E}" type="datetimeFigureOut">
               <a:rPr kumimoji="1" lang="ko-Kore-KR" altLang="en-US" smtClean="0"/>
-              <a:t>2023. 8. 25.</a:t>
+              <a:t>2023. 8. 28.</a:t>
             </a:fld>
             <a:endParaRPr kumimoji="1" lang="ko-Kore-KR" altLang="en-US"/>
           </a:p>
@@ -1980,7 +1988,7 @@
           <a:p>
             <a:fld id="{5833EE27-F847-E545-85F6-516A570BCF7E}" type="datetimeFigureOut">
               <a:rPr kumimoji="1" lang="ko-Kore-KR" altLang="en-US" smtClean="0"/>
-              <a:t>2023. 8. 25.</a:t>
+              <a:t>2023. 8. 28.</a:t>
             </a:fld>
             <a:endParaRPr kumimoji="1" lang="ko-Kore-KR" altLang="en-US"/>
           </a:p>
@@ -2093,7 +2101,7 @@
           <a:p>
             <a:fld id="{5833EE27-F847-E545-85F6-516A570BCF7E}" type="datetimeFigureOut">
               <a:rPr kumimoji="1" lang="ko-Kore-KR" altLang="en-US" smtClean="0"/>
-              <a:t>2023. 8. 25.</a:t>
+              <a:t>2023. 8. 28.</a:t>
             </a:fld>
             <a:endParaRPr kumimoji="1" lang="ko-Kore-KR" altLang="en-US"/>
           </a:p>
@@ -2406,7 +2414,7 @@
           <a:p>
             <a:fld id="{5833EE27-F847-E545-85F6-516A570BCF7E}" type="datetimeFigureOut">
               <a:rPr kumimoji="1" lang="ko-Kore-KR" altLang="en-US" smtClean="0"/>
-              <a:t>2023. 8. 25.</a:t>
+              <a:t>2023. 8. 28.</a:t>
             </a:fld>
             <a:endParaRPr kumimoji="1" lang="ko-Kore-KR" altLang="en-US"/>
           </a:p>
@@ -2695,7 +2703,7 @@
           <a:p>
             <a:fld id="{5833EE27-F847-E545-85F6-516A570BCF7E}" type="datetimeFigureOut">
               <a:rPr kumimoji="1" lang="ko-Kore-KR" altLang="en-US" smtClean="0"/>
-              <a:t>2023. 8. 25.</a:t>
+              <a:t>2023. 8. 28.</a:t>
             </a:fld>
             <a:endParaRPr kumimoji="1" lang="ko-Kore-KR" altLang="en-US"/>
           </a:p>
@@ -2938,7 +2946,7 @@
           <a:p>
             <a:fld id="{5833EE27-F847-E545-85F6-516A570BCF7E}" type="datetimeFigureOut">
               <a:rPr kumimoji="1" lang="ko-Kore-KR" altLang="en-US" smtClean="0"/>
-              <a:t>2023. 8. 25.</a:t>
+              <a:t>2023. 8. 28.</a:t>
             </a:fld>
             <a:endParaRPr kumimoji="1" lang="ko-Kore-KR" altLang="en-US"/>
           </a:p>
@@ -4512,18 +4520,27 @@
           <a:p>
             <a:r>
               <a:rPr lang="ko-Kore-KR" altLang="en-US" dirty="0">
+                <a:solidFill>
+                  <a:srgbClr val="FF0000"/>
+                </a:solidFill>
                 <a:latin typeface="DM Mono" panose="020B0509040201040103" pitchFamily="49" charset="0"/>
               </a:rPr>
               <a:t>    Increment(</a:t>
             </a:r>
             <a:r>
               <a:rPr lang="en-US" altLang="ko-Kore-KR" dirty="0">
+                <a:solidFill>
+                  <a:srgbClr val="FF0000"/>
+                </a:solidFill>
                 <a:latin typeface="DM Mono" panose="020B0509040201040103" pitchFamily="49" charset="0"/>
               </a:rPr>
               <a:t>&amp;</a:t>
             </a:r>
             <a:r>
               <a:rPr lang="ko-Kore-KR" altLang="en-US" dirty="0">
+                <a:solidFill>
+                  <a:srgbClr val="FF0000"/>
+                </a:solidFill>
                 <a:latin typeface="DM Mono" panose="020B0509040201040103" pitchFamily="49" charset="0"/>
               </a:rPr>
               <a:t>x);</a:t>
@@ -6725,6 +6742,2781 @@
 </p:sld>
 </file>
 
+<file path=ppt/slides/slide15.xml><?xml version="1.0" encoding="utf-8"?>
+<p:sld xmlns:a="http://schemas.openxmlformats.org/drawingml/2006/main" xmlns:r="http://schemas.openxmlformats.org/officeDocument/2006/relationships" xmlns:p="http://schemas.openxmlformats.org/presentationml/2006/main">
+  <p:cSld>
+    <p:spTree>
+      <p:nvGrpSpPr>
+        <p:cNvPr id="1" name=""/>
+        <p:cNvGrpSpPr/>
+        <p:nvPr/>
+      </p:nvGrpSpPr>
+      <p:grpSpPr>
+        <a:xfrm>
+          <a:off x="0" y="0"/>
+          <a:ext cx="0" cy="0"/>
+          <a:chOff x="0" y="0"/>
+          <a:chExt cx="0" cy="0"/>
+        </a:xfrm>
+      </p:grpSpPr>
+      <p:sp>
+        <p:nvSpPr>
+          <p:cNvPr id="5" name="TextBox 4">
+            <a:extLst>
+              <a:ext uri="{FF2B5EF4-FFF2-40B4-BE49-F238E27FC236}">
+                <a16:creationId xmlns:a16="http://schemas.microsoft.com/office/drawing/2014/main" id="{F1655AEE-4987-F9CA-0FEA-3EF45CB098B2}"/>
+              </a:ext>
+            </a:extLst>
+          </p:cNvPr>
+          <p:cNvSpPr txBox="1"/>
+          <p:nvPr/>
+        </p:nvSpPr>
+        <p:spPr>
+          <a:xfrm>
+            <a:off x="358589" y="299081"/>
+            <a:ext cx="4195482" cy="4401205"/>
+          </a:xfrm>
+          <a:prstGeom prst="rect">
+            <a:avLst/>
+          </a:prstGeom>
+          <a:noFill/>
+        </p:spPr>
+        <p:txBody>
+          <a:bodyPr wrap="square">
+            <a:spAutoFit/>
+          </a:bodyPr>
+          <a:lstStyle/>
+          <a:p>
+            <a:r>
+              <a:rPr lang="ko-Kore-KR" altLang="en-US" sz="1400" dirty="0">
+                <a:latin typeface="DM Mono" panose="020B0509040201040103" pitchFamily="49" charset="0"/>
+              </a:rPr>
+              <a:t>class Point {</a:t>
+            </a:r>
+          </a:p>
+          <a:p>
+            <a:r>
+              <a:rPr lang="ko-Kore-KR" altLang="en-US" sz="1400" dirty="0">
+                <a:latin typeface="DM Mono" panose="020B0509040201040103" pitchFamily="49" charset="0"/>
+              </a:rPr>
+              <a:t>    int x;</a:t>
+            </a:r>
+          </a:p>
+          <a:p>
+            <a:r>
+              <a:rPr lang="ko-Kore-KR" altLang="en-US" sz="1400" dirty="0">
+                <a:latin typeface="DM Mono" panose="020B0509040201040103" pitchFamily="49" charset="0"/>
+              </a:rPr>
+              <a:t>    int y;</a:t>
+            </a:r>
+          </a:p>
+          <a:p>
+            <a:endParaRPr lang="ko-Kore-KR" altLang="en-US" sz="1400" dirty="0">
+              <a:latin typeface="DM Mono" panose="020B0509040201040103" pitchFamily="49" charset="0"/>
+            </a:endParaRPr>
+          </a:p>
+          <a:p>
+            <a:r>
+              <a:rPr lang="ko-Kore-KR" altLang="en-US" sz="1400" dirty="0">
+                <a:latin typeface="DM Mono" panose="020B0509040201040103" pitchFamily="49" charset="0"/>
+              </a:rPr>
+              <a:t>public:</a:t>
+            </a:r>
+          </a:p>
+          <a:p>
+            <a:r>
+              <a:rPr lang="ko-Kore-KR" altLang="en-US" sz="1400" dirty="0">
+                <a:latin typeface="DM Mono" panose="020B0509040201040103" pitchFamily="49" charset="0"/>
+              </a:rPr>
+              <a:t>    void Set(int a, int b)</a:t>
+            </a:r>
+          </a:p>
+          <a:p>
+            <a:r>
+              <a:rPr lang="ko-Kore-KR" altLang="en-US" sz="1400" dirty="0">
+                <a:latin typeface="DM Mono" panose="020B0509040201040103" pitchFamily="49" charset="0"/>
+              </a:rPr>
+              <a:t>    {</a:t>
+            </a:r>
+          </a:p>
+          <a:p>
+            <a:r>
+              <a:rPr lang="ko-Kore-KR" altLang="en-US" sz="1400" dirty="0">
+                <a:latin typeface="DM Mono" panose="020B0509040201040103" pitchFamily="49" charset="0"/>
+              </a:rPr>
+              <a:t>        x = a;</a:t>
+            </a:r>
+          </a:p>
+          <a:p>
+            <a:r>
+              <a:rPr lang="ko-Kore-KR" altLang="en-US" sz="1400" dirty="0">
+                <a:latin typeface="DM Mono" panose="020B0509040201040103" pitchFamily="49" charset="0"/>
+              </a:rPr>
+              <a:t>        y = b;</a:t>
+            </a:r>
+          </a:p>
+          <a:p>
+            <a:r>
+              <a:rPr lang="ko-Kore-KR" altLang="en-US" sz="1400" dirty="0">
+                <a:latin typeface="DM Mono" panose="020B0509040201040103" pitchFamily="49" charset="0"/>
+              </a:rPr>
+              <a:t>    }</a:t>
+            </a:r>
+          </a:p>
+          <a:p>
+            <a:r>
+              <a:rPr lang="ko-Kore-KR" altLang="en-US" sz="1400" dirty="0">
+                <a:latin typeface="DM Mono" panose="020B0509040201040103" pitchFamily="49" charset="0"/>
+              </a:rPr>
+              <a:t>};</a:t>
+            </a:r>
+          </a:p>
+          <a:p>
+            <a:endParaRPr lang="ko-Kore-KR" altLang="en-US" sz="1400" dirty="0">
+              <a:latin typeface="DM Mono" panose="020B0509040201040103" pitchFamily="49" charset="0"/>
+            </a:endParaRPr>
+          </a:p>
+          <a:p>
+            <a:r>
+              <a:rPr lang="ko-Kore-KR" altLang="en-US" sz="1400" dirty="0">
+                <a:latin typeface="DM Mono" panose="020B0509040201040103" pitchFamily="49" charset="0"/>
+              </a:rPr>
+              <a:t>int main()</a:t>
+            </a:r>
+          </a:p>
+          <a:p>
+            <a:r>
+              <a:rPr lang="ko-Kore-KR" altLang="en-US" sz="1400" dirty="0">
+                <a:latin typeface="DM Mono" panose="020B0509040201040103" pitchFamily="49" charset="0"/>
+              </a:rPr>
+              <a:t>{</a:t>
+            </a:r>
+          </a:p>
+          <a:p>
+            <a:r>
+              <a:rPr lang="ko-Kore-KR" altLang="en-US" sz="1400" dirty="0">
+                <a:solidFill>
+                  <a:srgbClr val="FF0000"/>
+                </a:solidFill>
+                <a:latin typeface="DM Mono" panose="020B0509040201040103" pitchFamily="49" charset="0"/>
+              </a:rPr>
+              <a:t>    Point pt1, pt2;</a:t>
+            </a:r>
+          </a:p>
+          <a:p>
+            <a:endParaRPr lang="ko-Kore-KR" altLang="en-US" sz="1400" dirty="0">
+              <a:latin typeface="DM Mono" panose="020B0509040201040103" pitchFamily="49" charset="0"/>
+            </a:endParaRPr>
+          </a:p>
+          <a:p>
+            <a:r>
+              <a:rPr lang="ko-Kore-KR" altLang="en-US" sz="1400" dirty="0">
+                <a:latin typeface="DM Mono" panose="020B0509040201040103" pitchFamily="49" charset="0"/>
+              </a:rPr>
+              <a:t>    pt1.Set(10, 20);</a:t>
+            </a:r>
+          </a:p>
+          <a:p>
+            <a:endParaRPr lang="ko-Kore-KR" altLang="en-US" sz="1400" dirty="0">
+              <a:latin typeface="DM Mono" panose="020B0509040201040103" pitchFamily="49" charset="0"/>
+            </a:endParaRPr>
+          </a:p>
+          <a:p>
+            <a:r>
+              <a:rPr lang="ko-Kore-KR" altLang="en-US" sz="1400" dirty="0">
+                <a:latin typeface="DM Mono" panose="020B0509040201040103" pitchFamily="49" charset="0"/>
+              </a:rPr>
+              <a:t>    pt2.Set(100, 200);</a:t>
+            </a:r>
+          </a:p>
+          <a:p>
+            <a:r>
+              <a:rPr lang="ko-Kore-KR" altLang="en-US" sz="1400" dirty="0">
+                <a:latin typeface="DM Mono" panose="020B0509040201040103" pitchFamily="49" charset="0"/>
+              </a:rPr>
+              <a:t>}</a:t>
+            </a:r>
+          </a:p>
+        </p:txBody>
+      </p:sp>
+      <p:sp>
+        <p:nvSpPr>
+          <p:cNvPr id="6" name="직사각형 5">
+            <a:extLst>
+              <a:ext uri="{FF2B5EF4-FFF2-40B4-BE49-F238E27FC236}">
+                <a16:creationId xmlns:a16="http://schemas.microsoft.com/office/drawing/2014/main" id="{D250341B-A628-A4FA-76D7-6E76C735E7D8}"/>
+              </a:ext>
+            </a:extLst>
+          </p:cNvPr>
+          <p:cNvSpPr/>
+          <p:nvPr/>
+        </p:nvSpPr>
+        <p:spPr>
+          <a:xfrm>
+            <a:off x="5864830" y="4167343"/>
+            <a:ext cx="804912" cy="482277"/>
+          </a:xfrm>
+          <a:prstGeom prst="rect">
+            <a:avLst/>
+          </a:prstGeom>
+          <a:solidFill>
+            <a:srgbClr val="FFFF00"/>
+          </a:solidFill>
+        </p:spPr>
+        <p:style>
+          <a:lnRef idx="2">
+            <a:schemeClr val="accent1">
+              <a:shade val="15000"/>
+            </a:schemeClr>
+          </a:lnRef>
+          <a:fillRef idx="1">
+            <a:schemeClr val="accent1"/>
+          </a:fillRef>
+          <a:effectRef idx="0">
+            <a:schemeClr val="accent1"/>
+          </a:effectRef>
+          <a:fontRef idx="minor">
+            <a:schemeClr val="lt1"/>
+          </a:fontRef>
+        </p:style>
+        <p:txBody>
+          <a:bodyPr rtlCol="0" anchor="ctr"/>
+          <a:lstStyle/>
+          <a:p>
+            <a:pPr algn="ctr"/>
+            <a:endParaRPr kumimoji="1" lang="ko-Kore-KR" altLang="en-US" sz="1600" dirty="0">
+              <a:solidFill>
+                <a:schemeClr val="tx1"/>
+              </a:solidFill>
+              <a:latin typeface="DM Mono" panose="020B0509040201040103" pitchFamily="49" charset="0"/>
+            </a:endParaRPr>
+          </a:p>
+        </p:txBody>
+      </p:sp>
+      <p:sp>
+        <p:nvSpPr>
+          <p:cNvPr id="7" name="TextBox 6">
+            <a:extLst>
+              <a:ext uri="{FF2B5EF4-FFF2-40B4-BE49-F238E27FC236}">
+                <a16:creationId xmlns:a16="http://schemas.microsoft.com/office/drawing/2014/main" id="{AFCF98EF-919C-93BB-7BE9-6FACAB573613}"/>
+              </a:ext>
+            </a:extLst>
+          </p:cNvPr>
+          <p:cNvSpPr txBox="1"/>
+          <p:nvPr/>
+        </p:nvSpPr>
+        <p:spPr>
+          <a:xfrm>
+            <a:off x="5513303" y="4223815"/>
+            <a:ext cx="351527" cy="369332"/>
+          </a:xfrm>
+          <a:prstGeom prst="rect">
+            <a:avLst/>
+          </a:prstGeom>
+          <a:noFill/>
+        </p:spPr>
+        <p:txBody>
+          <a:bodyPr wrap="square">
+            <a:spAutoFit/>
+          </a:bodyPr>
+          <a:lstStyle/>
+          <a:p>
+            <a:r>
+              <a:rPr lang="en-US" altLang="ko-Kore-KR" dirty="0">
+                <a:latin typeface="DM Mono" panose="020B0509040201040103" pitchFamily="49" charset="0"/>
+              </a:rPr>
+              <a:t>x</a:t>
+            </a:r>
+            <a:endParaRPr lang="ko-Kore-KR" altLang="en-US" dirty="0"/>
+          </a:p>
+        </p:txBody>
+      </p:sp>
+      <p:sp>
+        <p:nvSpPr>
+          <p:cNvPr id="8" name="직사각형 7">
+            <a:extLst>
+              <a:ext uri="{FF2B5EF4-FFF2-40B4-BE49-F238E27FC236}">
+                <a16:creationId xmlns:a16="http://schemas.microsoft.com/office/drawing/2014/main" id="{FB74509C-D1C1-DA27-7BCC-BDB3491DAF9B}"/>
+              </a:ext>
+            </a:extLst>
+          </p:cNvPr>
+          <p:cNvSpPr/>
+          <p:nvPr/>
+        </p:nvSpPr>
+        <p:spPr>
+          <a:xfrm>
+            <a:off x="5864830" y="4649619"/>
+            <a:ext cx="804912" cy="482277"/>
+          </a:xfrm>
+          <a:prstGeom prst="rect">
+            <a:avLst/>
+          </a:prstGeom>
+          <a:solidFill>
+            <a:srgbClr val="FFFF00"/>
+          </a:solidFill>
+        </p:spPr>
+        <p:style>
+          <a:lnRef idx="2">
+            <a:schemeClr val="accent1">
+              <a:shade val="15000"/>
+            </a:schemeClr>
+          </a:lnRef>
+          <a:fillRef idx="1">
+            <a:schemeClr val="accent1"/>
+          </a:fillRef>
+          <a:effectRef idx="0">
+            <a:schemeClr val="accent1"/>
+          </a:effectRef>
+          <a:fontRef idx="minor">
+            <a:schemeClr val="lt1"/>
+          </a:fontRef>
+        </p:style>
+        <p:txBody>
+          <a:bodyPr rtlCol="0" anchor="ctr"/>
+          <a:lstStyle/>
+          <a:p>
+            <a:pPr algn="ctr"/>
+            <a:endParaRPr kumimoji="1" lang="ko-Kore-KR" altLang="en-US" sz="1600" dirty="0">
+              <a:solidFill>
+                <a:schemeClr val="tx1"/>
+              </a:solidFill>
+              <a:latin typeface="DM Mono" panose="020B0509040201040103" pitchFamily="49" charset="0"/>
+            </a:endParaRPr>
+          </a:p>
+        </p:txBody>
+      </p:sp>
+      <p:sp>
+        <p:nvSpPr>
+          <p:cNvPr id="9" name="TextBox 8">
+            <a:extLst>
+              <a:ext uri="{FF2B5EF4-FFF2-40B4-BE49-F238E27FC236}">
+                <a16:creationId xmlns:a16="http://schemas.microsoft.com/office/drawing/2014/main" id="{C23877B1-BF45-F4EE-E916-EC8209204F0B}"/>
+              </a:ext>
+            </a:extLst>
+          </p:cNvPr>
+          <p:cNvSpPr txBox="1"/>
+          <p:nvPr/>
+        </p:nvSpPr>
+        <p:spPr>
+          <a:xfrm>
+            <a:off x="5513303" y="4706091"/>
+            <a:ext cx="351527" cy="369332"/>
+          </a:xfrm>
+          <a:prstGeom prst="rect">
+            <a:avLst/>
+          </a:prstGeom>
+          <a:noFill/>
+        </p:spPr>
+        <p:txBody>
+          <a:bodyPr wrap="square">
+            <a:spAutoFit/>
+          </a:bodyPr>
+          <a:lstStyle/>
+          <a:p>
+            <a:r>
+              <a:rPr lang="en-US" altLang="ko-Kore-KR" dirty="0">
+                <a:latin typeface="DM Mono" panose="020B0509040201040103" pitchFamily="49" charset="0"/>
+              </a:rPr>
+              <a:t>y</a:t>
+            </a:r>
+            <a:endParaRPr lang="ko-Kore-KR" altLang="en-US" dirty="0"/>
+          </a:p>
+        </p:txBody>
+      </p:sp>
+      <p:sp>
+        <p:nvSpPr>
+          <p:cNvPr id="10" name="TextBox 9">
+            <a:extLst>
+              <a:ext uri="{FF2B5EF4-FFF2-40B4-BE49-F238E27FC236}">
+                <a16:creationId xmlns:a16="http://schemas.microsoft.com/office/drawing/2014/main" id="{ED67943A-4501-D842-8917-4FFC45282F90}"/>
+              </a:ext>
+            </a:extLst>
+          </p:cNvPr>
+          <p:cNvSpPr txBox="1"/>
+          <p:nvPr/>
+        </p:nvSpPr>
+        <p:spPr>
+          <a:xfrm>
+            <a:off x="5864830" y="3791350"/>
+            <a:ext cx="804912" cy="369332"/>
+          </a:xfrm>
+          <a:prstGeom prst="rect">
+            <a:avLst/>
+          </a:prstGeom>
+          <a:noFill/>
+        </p:spPr>
+        <p:txBody>
+          <a:bodyPr wrap="square">
+            <a:spAutoFit/>
+          </a:bodyPr>
+          <a:lstStyle/>
+          <a:p>
+            <a:pPr algn="ctr"/>
+            <a:r>
+              <a:rPr lang="en-US" altLang="ko-Kore-KR" dirty="0">
+                <a:latin typeface="DM Mono" panose="020B0509040201040103" pitchFamily="49" charset="0"/>
+              </a:rPr>
+              <a:t>pt1</a:t>
+            </a:r>
+            <a:endParaRPr lang="ko-Kore-KR" altLang="en-US" dirty="0"/>
+          </a:p>
+        </p:txBody>
+      </p:sp>
+      <p:sp>
+        <p:nvSpPr>
+          <p:cNvPr id="11" name="직사각형 10">
+            <a:extLst>
+              <a:ext uri="{FF2B5EF4-FFF2-40B4-BE49-F238E27FC236}">
+                <a16:creationId xmlns:a16="http://schemas.microsoft.com/office/drawing/2014/main" id="{CDB9EC7B-995B-A460-534A-61A78B8F450B}"/>
+              </a:ext>
+            </a:extLst>
+          </p:cNvPr>
+          <p:cNvSpPr/>
+          <p:nvPr/>
+        </p:nvSpPr>
+        <p:spPr>
+          <a:xfrm>
+            <a:off x="8240469" y="4167343"/>
+            <a:ext cx="804912" cy="482277"/>
+          </a:xfrm>
+          <a:prstGeom prst="rect">
+            <a:avLst/>
+          </a:prstGeom>
+          <a:solidFill>
+            <a:srgbClr val="FFFF00"/>
+          </a:solidFill>
+        </p:spPr>
+        <p:style>
+          <a:lnRef idx="2">
+            <a:schemeClr val="accent1">
+              <a:shade val="15000"/>
+            </a:schemeClr>
+          </a:lnRef>
+          <a:fillRef idx="1">
+            <a:schemeClr val="accent1"/>
+          </a:fillRef>
+          <a:effectRef idx="0">
+            <a:schemeClr val="accent1"/>
+          </a:effectRef>
+          <a:fontRef idx="minor">
+            <a:schemeClr val="lt1"/>
+          </a:fontRef>
+        </p:style>
+        <p:txBody>
+          <a:bodyPr rtlCol="0" anchor="ctr"/>
+          <a:lstStyle/>
+          <a:p>
+            <a:pPr algn="ctr"/>
+            <a:endParaRPr kumimoji="1" lang="ko-Kore-KR" altLang="en-US" sz="1600" dirty="0">
+              <a:solidFill>
+                <a:schemeClr val="tx1"/>
+              </a:solidFill>
+              <a:latin typeface="DM Mono" panose="020B0509040201040103" pitchFamily="49" charset="0"/>
+            </a:endParaRPr>
+          </a:p>
+        </p:txBody>
+      </p:sp>
+      <p:sp>
+        <p:nvSpPr>
+          <p:cNvPr id="12" name="TextBox 11">
+            <a:extLst>
+              <a:ext uri="{FF2B5EF4-FFF2-40B4-BE49-F238E27FC236}">
+                <a16:creationId xmlns:a16="http://schemas.microsoft.com/office/drawing/2014/main" id="{571C6FB4-8D9B-CDD6-302D-6601F1F55A87}"/>
+              </a:ext>
+            </a:extLst>
+          </p:cNvPr>
+          <p:cNvSpPr txBox="1"/>
+          <p:nvPr/>
+        </p:nvSpPr>
+        <p:spPr>
+          <a:xfrm>
+            <a:off x="7888942" y="4223815"/>
+            <a:ext cx="351527" cy="369332"/>
+          </a:xfrm>
+          <a:prstGeom prst="rect">
+            <a:avLst/>
+          </a:prstGeom>
+          <a:noFill/>
+        </p:spPr>
+        <p:txBody>
+          <a:bodyPr wrap="square">
+            <a:spAutoFit/>
+          </a:bodyPr>
+          <a:lstStyle/>
+          <a:p>
+            <a:r>
+              <a:rPr lang="en-US" altLang="ko-Kore-KR" dirty="0">
+                <a:latin typeface="DM Mono" panose="020B0509040201040103" pitchFamily="49" charset="0"/>
+              </a:rPr>
+              <a:t>x</a:t>
+            </a:r>
+            <a:endParaRPr lang="ko-Kore-KR" altLang="en-US" dirty="0"/>
+          </a:p>
+        </p:txBody>
+      </p:sp>
+      <p:sp>
+        <p:nvSpPr>
+          <p:cNvPr id="13" name="직사각형 12">
+            <a:extLst>
+              <a:ext uri="{FF2B5EF4-FFF2-40B4-BE49-F238E27FC236}">
+                <a16:creationId xmlns:a16="http://schemas.microsoft.com/office/drawing/2014/main" id="{BB6A63A1-65E7-5A58-0297-08B2FBC00D16}"/>
+              </a:ext>
+            </a:extLst>
+          </p:cNvPr>
+          <p:cNvSpPr/>
+          <p:nvPr/>
+        </p:nvSpPr>
+        <p:spPr>
+          <a:xfrm>
+            <a:off x="8240469" y="4649619"/>
+            <a:ext cx="804912" cy="482277"/>
+          </a:xfrm>
+          <a:prstGeom prst="rect">
+            <a:avLst/>
+          </a:prstGeom>
+          <a:solidFill>
+            <a:srgbClr val="FFFF00"/>
+          </a:solidFill>
+        </p:spPr>
+        <p:style>
+          <a:lnRef idx="2">
+            <a:schemeClr val="accent1">
+              <a:shade val="15000"/>
+            </a:schemeClr>
+          </a:lnRef>
+          <a:fillRef idx="1">
+            <a:schemeClr val="accent1"/>
+          </a:fillRef>
+          <a:effectRef idx="0">
+            <a:schemeClr val="accent1"/>
+          </a:effectRef>
+          <a:fontRef idx="minor">
+            <a:schemeClr val="lt1"/>
+          </a:fontRef>
+        </p:style>
+        <p:txBody>
+          <a:bodyPr rtlCol="0" anchor="ctr"/>
+          <a:lstStyle/>
+          <a:p>
+            <a:pPr algn="ctr"/>
+            <a:endParaRPr kumimoji="1" lang="ko-Kore-KR" altLang="en-US" sz="1600" dirty="0">
+              <a:solidFill>
+                <a:schemeClr val="tx1"/>
+              </a:solidFill>
+              <a:latin typeface="DM Mono" panose="020B0509040201040103" pitchFamily="49" charset="0"/>
+            </a:endParaRPr>
+          </a:p>
+        </p:txBody>
+      </p:sp>
+      <p:sp>
+        <p:nvSpPr>
+          <p:cNvPr id="14" name="TextBox 13">
+            <a:extLst>
+              <a:ext uri="{FF2B5EF4-FFF2-40B4-BE49-F238E27FC236}">
+                <a16:creationId xmlns:a16="http://schemas.microsoft.com/office/drawing/2014/main" id="{DA7331DD-58B7-2926-2986-303FA52A4951}"/>
+              </a:ext>
+            </a:extLst>
+          </p:cNvPr>
+          <p:cNvSpPr txBox="1"/>
+          <p:nvPr/>
+        </p:nvSpPr>
+        <p:spPr>
+          <a:xfrm>
+            <a:off x="7888942" y="4706091"/>
+            <a:ext cx="351527" cy="369332"/>
+          </a:xfrm>
+          <a:prstGeom prst="rect">
+            <a:avLst/>
+          </a:prstGeom>
+          <a:noFill/>
+        </p:spPr>
+        <p:txBody>
+          <a:bodyPr wrap="square">
+            <a:spAutoFit/>
+          </a:bodyPr>
+          <a:lstStyle/>
+          <a:p>
+            <a:r>
+              <a:rPr lang="en-US" altLang="ko-Kore-KR" dirty="0">
+                <a:latin typeface="DM Mono" panose="020B0509040201040103" pitchFamily="49" charset="0"/>
+              </a:rPr>
+              <a:t>y</a:t>
+            </a:r>
+            <a:endParaRPr lang="ko-Kore-KR" altLang="en-US" dirty="0"/>
+          </a:p>
+        </p:txBody>
+      </p:sp>
+      <p:sp>
+        <p:nvSpPr>
+          <p:cNvPr id="15" name="TextBox 14">
+            <a:extLst>
+              <a:ext uri="{FF2B5EF4-FFF2-40B4-BE49-F238E27FC236}">
+                <a16:creationId xmlns:a16="http://schemas.microsoft.com/office/drawing/2014/main" id="{451A592E-BDF8-1925-F06B-0BD18461560F}"/>
+              </a:ext>
+            </a:extLst>
+          </p:cNvPr>
+          <p:cNvSpPr txBox="1"/>
+          <p:nvPr/>
+        </p:nvSpPr>
+        <p:spPr>
+          <a:xfrm>
+            <a:off x="8240469" y="3791350"/>
+            <a:ext cx="804912" cy="369332"/>
+          </a:xfrm>
+          <a:prstGeom prst="rect">
+            <a:avLst/>
+          </a:prstGeom>
+          <a:noFill/>
+        </p:spPr>
+        <p:txBody>
+          <a:bodyPr wrap="square">
+            <a:spAutoFit/>
+          </a:bodyPr>
+          <a:lstStyle/>
+          <a:p>
+            <a:pPr algn="ctr"/>
+            <a:r>
+              <a:rPr lang="en-US" altLang="ko-Kore-KR" dirty="0">
+                <a:latin typeface="DM Mono" panose="020B0509040201040103" pitchFamily="49" charset="0"/>
+              </a:rPr>
+              <a:t>pt2</a:t>
+            </a:r>
+            <a:endParaRPr lang="ko-Kore-KR" altLang="en-US" dirty="0"/>
+          </a:p>
+        </p:txBody>
+      </p:sp>
+      <p:sp>
+        <p:nvSpPr>
+          <p:cNvPr id="17" name="TextBox 16">
+            <a:extLst>
+              <a:ext uri="{FF2B5EF4-FFF2-40B4-BE49-F238E27FC236}">
+                <a16:creationId xmlns:a16="http://schemas.microsoft.com/office/drawing/2014/main" id="{E8A6CA8F-4400-CE04-ED33-65212AC48F44}"/>
+              </a:ext>
+            </a:extLst>
+          </p:cNvPr>
+          <p:cNvSpPr txBox="1"/>
+          <p:nvPr/>
+        </p:nvSpPr>
+        <p:spPr>
+          <a:xfrm>
+            <a:off x="5201434" y="1718045"/>
+            <a:ext cx="6327177" cy="1477328"/>
+          </a:xfrm>
+          <a:prstGeom prst="rect">
+            <a:avLst/>
+          </a:prstGeom>
+          <a:noFill/>
+        </p:spPr>
+        <p:txBody>
+          <a:bodyPr wrap="square">
+            <a:spAutoFit/>
+          </a:bodyPr>
+          <a:lstStyle/>
+          <a:p>
+            <a:r>
+              <a:rPr lang="ko-Kore-KR" altLang="en-US" sz="1800" dirty="0">
+                <a:latin typeface="DM Mono" panose="020B0509040201040103" pitchFamily="49" charset="0"/>
+              </a:rPr>
+              <a:t>void </a:t>
+            </a:r>
+            <a:r>
+              <a:rPr lang="en-US" altLang="ko-Kore-KR" sz="1800" dirty="0">
+                <a:solidFill>
+                  <a:srgbClr val="FF0000"/>
+                </a:solidFill>
+                <a:latin typeface="DM Mono" panose="020B0509040201040103" pitchFamily="49" charset="0"/>
+              </a:rPr>
+              <a:t>Point::</a:t>
+            </a:r>
+            <a:r>
+              <a:rPr lang="ko-Kore-KR" altLang="en-US" sz="1800" dirty="0">
+                <a:solidFill>
+                  <a:srgbClr val="FF0000"/>
+                </a:solidFill>
+                <a:latin typeface="DM Mono" panose="020B0509040201040103" pitchFamily="49" charset="0"/>
+              </a:rPr>
+              <a:t>Set</a:t>
+            </a:r>
+            <a:r>
+              <a:rPr lang="ko-Kore-KR" altLang="en-US" sz="1800" dirty="0">
+                <a:latin typeface="DM Mono" panose="020B0509040201040103" pitchFamily="49" charset="0"/>
+              </a:rPr>
+              <a:t>(</a:t>
+            </a:r>
+            <a:r>
+              <a:rPr lang="en-US" altLang="ko-Kore-KR" sz="1800" dirty="0">
+                <a:solidFill>
+                  <a:srgbClr val="FF0000"/>
+                </a:solidFill>
+                <a:latin typeface="DM Mono" panose="020B0509040201040103" pitchFamily="49" charset="0"/>
+              </a:rPr>
+              <a:t>Point* this</a:t>
+            </a:r>
+            <a:r>
+              <a:rPr lang="en-US" altLang="ko-Kore-KR" sz="1800" dirty="0">
+                <a:latin typeface="DM Mono" panose="020B0509040201040103" pitchFamily="49" charset="0"/>
+              </a:rPr>
+              <a:t>, </a:t>
+            </a:r>
+            <a:r>
+              <a:rPr lang="ko-Kore-KR" altLang="en-US" sz="1800" dirty="0">
+                <a:latin typeface="DM Mono" panose="020B0509040201040103" pitchFamily="49" charset="0"/>
+              </a:rPr>
+              <a:t>int a, int b)</a:t>
+            </a:r>
+          </a:p>
+          <a:p>
+            <a:r>
+              <a:rPr lang="ko-Kore-KR" altLang="en-US" sz="1800" dirty="0">
+                <a:latin typeface="DM Mono" panose="020B0509040201040103" pitchFamily="49" charset="0"/>
+              </a:rPr>
+              <a:t>{</a:t>
+            </a:r>
+          </a:p>
+          <a:p>
+            <a:r>
+              <a:rPr lang="ko-Kore-KR" altLang="en-US" sz="1800" dirty="0">
+                <a:solidFill>
+                  <a:srgbClr val="FF0000"/>
+                </a:solidFill>
+                <a:latin typeface="DM Mono" panose="020B0509040201040103" pitchFamily="49" charset="0"/>
+              </a:rPr>
+              <a:t>    </a:t>
+            </a:r>
+            <a:r>
+              <a:rPr lang="en-US" altLang="ko-Kore-KR" sz="1800" dirty="0">
+                <a:solidFill>
+                  <a:srgbClr val="FF0000"/>
+                </a:solidFill>
+                <a:latin typeface="DM Mono" panose="020B0509040201040103" pitchFamily="49" charset="0"/>
+              </a:rPr>
+              <a:t>this-&gt;</a:t>
+            </a:r>
+            <a:r>
+              <a:rPr lang="ko-Kore-KR" altLang="en-US" sz="1800" dirty="0">
+                <a:solidFill>
+                  <a:srgbClr val="FF0000"/>
+                </a:solidFill>
+                <a:latin typeface="DM Mono" panose="020B0509040201040103" pitchFamily="49" charset="0"/>
+              </a:rPr>
+              <a:t>x</a:t>
+            </a:r>
+            <a:r>
+              <a:rPr lang="ko-Kore-KR" altLang="en-US" sz="1800" dirty="0">
+                <a:latin typeface="DM Mono" panose="020B0509040201040103" pitchFamily="49" charset="0"/>
+              </a:rPr>
+              <a:t> = a;</a:t>
+            </a:r>
+          </a:p>
+          <a:p>
+            <a:r>
+              <a:rPr lang="ko-Kore-KR" altLang="en-US" sz="1800" dirty="0">
+                <a:latin typeface="DM Mono" panose="020B0509040201040103" pitchFamily="49" charset="0"/>
+              </a:rPr>
+              <a:t>    </a:t>
+            </a:r>
+            <a:r>
+              <a:rPr lang="en-US" altLang="ko-Kore-KR" sz="1800" dirty="0">
+                <a:solidFill>
+                  <a:srgbClr val="FF0000"/>
+                </a:solidFill>
+                <a:latin typeface="DM Mono" panose="020B0509040201040103" pitchFamily="49" charset="0"/>
+              </a:rPr>
+              <a:t>this-&gt;</a:t>
+            </a:r>
+            <a:r>
+              <a:rPr lang="ko-Kore-KR" altLang="en-US" sz="1800" dirty="0">
+                <a:solidFill>
+                  <a:srgbClr val="FF0000"/>
+                </a:solidFill>
+                <a:latin typeface="DM Mono" panose="020B0509040201040103" pitchFamily="49" charset="0"/>
+              </a:rPr>
+              <a:t>y</a:t>
+            </a:r>
+            <a:r>
+              <a:rPr lang="ko-Kore-KR" altLang="en-US" sz="1800" dirty="0">
+                <a:latin typeface="DM Mono" panose="020B0509040201040103" pitchFamily="49" charset="0"/>
+              </a:rPr>
+              <a:t> = b;</a:t>
+            </a:r>
+          </a:p>
+          <a:p>
+            <a:r>
+              <a:rPr lang="ko-Kore-KR" altLang="en-US" sz="1800" dirty="0">
+                <a:latin typeface="DM Mono" panose="020B0509040201040103" pitchFamily="49" charset="0"/>
+              </a:rPr>
+              <a:t>}</a:t>
+            </a:r>
+            <a:endParaRPr lang="ko-Kore-KR" altLang="en-US" dirty="0"/>
+          </a:p>
+        </p:txBody>
+      </p:sp>
+    </p:spTree>
+    <p:extLst>
+      <p:ext uri="{BB962C8B-B14F-4D97-AF65-F5344CB8AC3E}">
+        <p14:creationId xmlns:p14="http://schemas.microsoft.com/office/powerpoint/2010/main" val="1199083545"/>
+      </p:ext>
+    </p:extLst>
+  </p:cSld>
+  <p:clrMapOvr>
+    <a:masterClrMapping/>
+  </p:clrMapOvr>
+</p:sld>
+</file>
+
+<file path=ppt/slides/slide16.xml><?xml version="1.0" encoding="utf-8"?>
+<p:sld xmlns:a="http://schemas.openxmlformats.org/drawingml/2006/main" xmlns:r="http://schemas.openxmlformats.org/officeDocument/2006/relationships" xmlns:p="http://schemas.openxmlformats.org/presentationml/2006/main">
+  <p:cSld>
+    <p:spTree>
+      <p:nvGrpSpPr>
+        <p:cNvPr id="1" name=""/>
+        <p:cNvGrpSpPr/>
+        <p:nvPr/>
+      </p:nvGrpSpPr>
+      <p:grpSpPr>
+        <a:xfrm>
+          <a:off x="0" y="0"/>
+          <a:ext cx="0" cy="0"/>
+          <a:chOff x="0" y="0"/>
+          <a:chExt cx="0" cy="0"/>
+        </a:xfrm>
+      </p:grpSpPr>
+      <p:sp>
+        <p:nvSpPr>
+          <p:cNvPr id="5" name="TextBox 4">
+            <a:extLst>
+              <a:ext uri="{FF2B5EF4-FFF2-40B4-BE49-F238E27FC236}">
+                <a16:creationId xmlns:a16="http://schemas.microsoft.com/office/drawing/2014/main" id="{F1655AEE-4987-F9CA-0FEA-3EF45CB098B2}"/>
+              </a:ext>
+            </a:extLst>
+          </p:cNvPr>
+          <p:cNvSpPr txBox="1"/>
+          <p:nvPr/>
+        </p:nvSpPr>
+        <p:spPr>
+          <a:xfrm>
+            <a:off x="358588" y="299081"/>
+            <a:ext cx="4701329" cy="4616648"/>
+          </a:xfrm>
+          <a:prstGeom prst="rect">
+            <a:avLst/>
+          </a:prstGeom>
+          <a:noFill/>
+        </p:spPr>
+        <p:txBody>
+          <a:bodyPr wrap="square">
+            <a:spAutoFit/>
+          </a:bodyPr>
+          <a:lstStyle/>
+          <a:p>
+            <a:r>
+              <a:rPr lang="ko-Kore-KR" altLang="en-US" sz="1400" dirty="0">
+                <a:latin typeface="DM Mono" panose="020B0509040201040103" pitchFamily="49" charset="0"/>
+              </a:rPr>
+              <a:t>class Point {</a:t>
+            </a:r>
+          </a:p>
+          <a:p>
+            <a:r>
+              <a:rPr lang="ko-Kore-KR" altLang="en-US" sz="1400" dirty="0">
+                <a:latin typeface="DM Mono" panose="020B0509040201040103" pitchFamily="49" charset="0"/>
+              </a:rPr>
+              <a:t>    int x;</a:t>
+            </a:r>
+          </a:p>
+          <a:p>
+            <a:r>
+              <a:rPr lang="ko-Kore-KR" altLang="en-US" sz="1400" dirty="0">
+                <a:latin typeface="DM Mono" panose="020B0509040201040103" pitchFamily="49" charset="0"/>
+              </a:rPr>
+              <a:t>    int y;</a:t>
+            </a:r>
+          </a:p>
+          <a:p>
+            <a:endParaRPr lang="ko-Kore-KR" altLang="en-US" sz="1400" dirty="0">
+              <a:latin typeface="DM Mono" panose="020B0509040201040103" pitchFamily="49" charset="0"/>
+            </a:endParaRPr>
+          </a:p>
+          <a:p>
+            <a:r>
+              <a:rPr lang="ko-Kore-KR" altLang="en-US" sz="1400" dirty="0">
+                <a:latin typeface="DM Mono" panose="020B0509040201040103" pitchFamily="49" charset="0"/>
+              </a:rPr>
+              <a:t>public:</a:t>
+            </a:r>
+          </a:p>
+          <a:p>
+            <a:r>
+              <a:rPr lang="ko-Kore-KR" altLang="en-US" sz="1400" dirty="0">
+                <a:latin typeface="DM Mono" panose="020B0509040201040103" pitchFamily="49" charset="0"/>
+              </a:rPr>
+              <a:t>    void Set(int a, int b)</a:t>
+            </a:r>
+          </a:p>
+          <a:p>
+            <a:r>
+              <a:rPr lang="ko-Kore-KR" altLang="en-US" sz="1400" dirty="0">
+                <a:latin typeface="DM Mono" panose="020B0509040201040103" pitchFamily="49" charset="0"/>
+              </a:rPr>
+              <a:t>    {</a:t>
+            </a:r>
+          </a:p>
+          <a:p>
+            <a:r>
+              <a:rPr lang="ko-Kore-KR" altLang="en-US" sz="1400" dirty="0">
+                <a:latin typeface="DM Mono" panose="020B0509040201040103" pitchFamily="49" charset="0"/>
+              </a:rPr>
+              <a:t>        x = a;</a:t>
+            </a:r>
+          </a:p>
+          <a:p>
+            <a:r>
+              <a:rPr lang="ko-Kore-KR" altLang="en-US" sz="1400" dirty="0">
+                <a:latin typeface="DM Mono" panose="020B0509040201040103" pitchFamily="49" charset="0"/>
+              </a:rPr>
+              <a:t>        y = b;</a:t>
+            </a:r>
+          </a:p>
+          <a:p>
+            <a:r>
+              <a:rPr lang="ko-Kore-KR" altLang="en-US" sz="1400" dirty="0">
+                <a:latin typeface="DM Mono" panose="020B0509040201040103" pitchFamily="49" charset="0"/>
+              </a:rPr>
+              <a:t>    }</a:t>
+            </a:r>
+          </a:p>
+          <a:p>
+            <a:r>
+              <a:rPr lang="ko-Kore-KR" altLang="en-US" sz="1400" dirty="0">
+                <a:latin typeface="DM Mono" panose="020B0509040201040103" pitchFamily="49" charset="0"/>
+              </a:rPr>
+              <a:t>};</a:t>
+            </a:r>
+          </a:p>
+          <a:p>
+            <a:endParaRPr lang="ko-Kore-KR" altLang="en-US" sz="1400" dirty="0">
+              <a:latin typeface="DM Mono" panose="020B0509040201040103" pitchFamily="49" charset="0"/>
+            </a:endParaRPr>
+          </a:p>
+          <a:p>
+            <a:r>
+              <a:rPr lang="ko-Kore-KR" altLang="en-US" sz="1400" dirty="0">
+                <a:latin typeface="DM Mono" panose="020B0509040201040103" pitchFamily="49" charset="0"/>
+              </a:rPr>
+              <a:t>int main()</a:t>
+            </a:r>
+          </a:p>
+          <a:p>
+            <a:r>
+              <a:rPr lang="ko-Kore-KR" altLang="en-US" sz="1400" dirty="0">
+                <a:latin typeface="DM Mono" panose="020B0509040201040103" pitchFamily="49" charset="0"/>
+              </a:rPr>
+              <a:t>{</a:t>
+            </a:r>
+          </a:p>
+          <a:p>
+            <a:r>
+              <a:rPr lang="ko-Kore-KR" altLang="en-US" sz="1400" dirty="0">
+                <a:latin typeface="DM Mono" panose="020B0509040201040103" pitchFamily="49" charset="0"/>
+              </a:rPr>
+              <a:t>    Point pt1, pt2;</a:t>
+            </a:r>
+          </a:p>
+          <a:p>
+            <a:endParaRPr lang="ko-Kore-KR" altLang="en-US" sz="1400" dirty="0">
+              <a:latin typeface="DM Mono" panose="020B0509040201040103" pitchFamily="49" charset="0"/>
+            </a:endParaRPr>
+          </a:p>
+          <a:p>
+            <a:r>
+              <a:rPr lang="ko-Kore-KR" altLang="en-US" sz="1400" dirty="0">
+                <a:solidFill>
+                  <a:srgbClr val="FF0000"/>
+                </a:solidFill>
+                <a:latin typeface="DM Mono" panose="020B0509040201040103" pitchFamily="49" charset="0"/>
+              </a:rPr>
+              <a:t>    pt1.Set(10, 20);</a:t>
+            </a:r>
+            <a:r>
+              <a:rPr lang="en-US" altLang="ko-Kore-KR" sz="1400" dirty="0">
+                <a:solidFill>
+                  <a:srgbClr val="FF0000"/>
+                </a:solidFill>
+                <a:latin typeface="DM Mono" panose="020B0509040201040103" pitchFamily="49" charset="0"/>
+              </a:rPr>
+              <a:t> </a:t>
+            </a:r>
+          </a:p>
+          <a:p>
+            <a:r>
+              <a:rPr lang="en-US" altLang="ko-Kore-KR" sz="1400" dirty="0">
+                <a:solidFill>
+                  <a:srgbClr val="FF0000"/>
+                </a:solidFill>
+                <a:latin typeface="DM Mono" panose="020B0509040201040103" pitchFamily="49" charset="0"/>
+              </a:rPr>
+              <a:t>    // Point::Set(&amp;pt1, 10, 20);</a:t>
+            </a:r>
+            <a:endParaRPr lang="ko-Kore-KR" altLang="en-US" sz="1400" dirty="0">
+              <a:solidFill>
+                <a:srgbClr val="FF0000"/>
+              </a:solidFill>
+              <a:latin typeface="DM Mono" panose="020B0509040201040103" pitchFamily="49" charset="0"/>
+            </a:endParaRPr>
+          </a:p>
+          <a:p>
+            <a:endParaRPr lang="ko-Kore-KR" altLang="en-US" sz="1400" dirty="0">
+              <a:latin typeface="DM Mono" panose="020B0509040201040103" pitchFamily="49" charset="0"/>
+            </a:endParaRPr>
+          </a:p>
+          <a:p>
+            <a:r>
+              <a:rPr lang="ko-Kore-KR" altLang="en-US" sz="1400" dirty="0">
+                <a:latin typeface="DM Mono" panose="020B0509040201040103" pitchFamily="49" charset="0"/>
+              </a:rPr>
+              <a:t>    pt2.Set(100, 200);</a:t>
+            </a:r>
+          </a:p>
+          <a:p>
+            <a:r>
+              <a:rPr lang="ko-Kore-KR" altLang="en-US" sz="1400" dirty="0">
+                <a:latin typeface="DM Mono" panose="020B0509040201040103" pitchFamily="49" charset="0"/>
+              </a:rPr>
+              <a:t>}</a:t>
+            </a:r>
+          </a:p>
+        </p:txBody>
+      </p:sp>
+      <p:sp>
+        <p:nvSpPr>
+          <p:cNvPr id="6" name="직사각형 5">
+            <a:extLst>
+              <a:ext uri="{FF2B5EF4-FFF2-40B4-BE49-F238E27FC236}">
+                <a16:creationId xmlns:a16="http://schemas.microsoft.com/office/drawing/2014/main" id="{D250341B-A628-A4FA-76D7-6E76C735E7D8}"/>
+              </a:ext>
+            </a:extLst>
+          </p:cNvPr>
+          <p:cNvSpPr/>
+          <p:nvPr/>
+        </p:nvSpPr>
+        <p:spPr>
+          <a:xfrm>
+            <a:off x="5864830" y="4167343"/>
+            <a:ext cx="804912" cy="482277"/>
+          </a:xfrm>
+          <a:prstGeom prst="rect">
+            <a:avLst/>
+          </a:prstGeom>
+          <a:solidFill>
+            <a:srgbClr val="FFFF00"/>
+          </a:solidFill>
+        </p:spPr>
+        <p:style>
+          <a:lnRef idx="2">
+            <a:schemeClr val="accent1">
+              <a:shade val="15000"/>
+            </a:schemeClr>
+          </a:lnRef>
+          <a:fillRef idx="1">
+            <a:schemeClr val="accent1"/>
+          </a:fillRef>
+          <a:effectRef idx="0">
+            <a:schemeClr val="accent1"/>
+          </a:effectRef>
+          <a:fontRef idx="minor">
+            <a:schemeClr val="lt1"/>
+          </a:fontRef>
+        </p:style>
+        <p:txBody>
+          <a:bodyPr rtlCol="0" anchor="ctr"/>
+          <a:lstStyle/>
+          <a:p>
+            <a:pPr algn="ctr"/>
+            <a:r>
+              <a:rPr kumimoji="1" lang="en-US" altLang="ko-Kore-KR" sz="1600" dirty="0">
+                <a:solidFill>
+                  <a:srgbClr val="FF0000"/>
+                </a:solidFill>
+                <a:latin typeface="DM Mono" panose="020B0509040201040103" pitchFamily="49" charset="0"/>
+              </a:rPr>
+              <a:t>10</a:t>
+            </a:r>
+            <a:endParaRPr kumimoji="1" lang="ko-Kore-KR" altLang="en-US" sz="1600" dirty="0">
+              <a:solidFill>
+                <a:srgbClr val="FF0000"/>
+              </a:solidFill>
+              <a:latin typeface="DM Mono" panose="020B0509040201040103" pitchFamily="49" charset="0"/>
+            </a:endParaRPr>
+          </a:p>
+        </p:txBody>
+      </p:sp>
+      <p:sp>
+        <p:nvSpPr>
+          <p:cNvPr id="7" name="TextBox 6">
+            <a:extLst>
+              <a:ext uri="{FF2B5EF4-FFF2-40B4-BE49-F238E27FC236}">
+                <a16:creationId xmlns:a16="http://schemas.microsoft.com/office/drawing/2014/main" id="{AFCF98EF-919C-93BB-7BE9-6FACAB573613}"/>
+              </a:ext>
+            </a:extLst>
+          </p:cNvPr>
+          <p:cNvSpPr txBox="1"/>
+          <p:nvPr/>
+        </p:nvSpPr>
+        <p:spPr>
+          <a:xfrm>
+            <a:off x="5513303" y="4223815"/>
+            <a:ext cx="351527" cy="369332"/>
+          </a:xfrm>
+          <a:prstGeom prst="rect">
+            <a:avLst/>
+          </a:prstGeom>
+          <a:noFill/>
+        </p:spPr>
+        <p:txBody>
+          <a:bodyPr wrap="square">
+            <a:spAutoFit/>
+          </a:bodyPr>
+          <a:lstStyle/>
+          <a:p>
+            <a:r>
+              <a:rPr lang="en-US" altLang="ko-Kore-KR" dirty="0">
+                <a:latin typeface="DM Mono" panose="020B0509040201040103" pitchFamily="49" charset="0"/>
+              </a:rPr>
+              <a:t>x</a:t>
+            </a:r>
+            <a:endParaRPr lang="ko-Kore-KR" altLang="en-US" dirty="0"/>
+          </a:p>
+        </p:txBody>
+      </p:sp>
+      <p:sp>
+        <p:nvSpPr>
+          <p:cNvPr id="8" name="직사각형 7">
+            <a:extLst>
+              <a:ext uri="{FF2B5EF4-FFF2-40B4-BE49-F238E27FC236}">
+                <a16:creationId xmlns:a16="http://schemas.microsoft.com/office/drawing/2014/main" id="{FB74509C-D1C1-DA27-7BCC-BDB3491DAF9B}"/>
+              </a:ext>
+            </a:extLst>
+          </p:cNvPr>
+          <p:cNvSpPr/>
+          <p:nvPr/>
+        </p:nvSpPr>
+        <p:spPr>
+          <a:xfrm>
+            <a:off x="5864830" y="4649619"/>
+            <a:ext cx="804912" cy="482277"/>
+          </a:xfrm>
+          <a:prstGeom prst="rect">
+            <a:avLst/>
+          </a:prstGeom>
+          <a:solidFill>
+            <a:srgbClr val="FFFF00"/>
+          </a:solidFill>
+        </p:spPr>
+        <p:style>
+          <a:lnRef idx="2">
+            <a:schemeClr val="accent1">
+              <a:shade val="15000"/>
+            </a:schemeClr>
+          </a:lnRef>
+          <a:fillRef idx="1">
+            <a:schemeClr val="accent1"/>
+          </a:fillRef>
+          <a:effectRef idx="0">
+            <a:schemeClr val="accent1"/>
+          </a:effectRef>
+          <a:fontRef idx="minor">
+            <a:schemeClr val="lt1"/>
+          </a:fontRef>
+        </p:style>
+        <p:txBody>
+          <a:bodyPr rtlCol="0" anchor="ctr"/>
+          <a:lstStyle/>
+          <a:p>
+            <a:pPr algn="ctr"/>
+            <a:r>
+              <a:rPr kumimoji="1" lang="en-US" altLang="ko-Kore-KR" sz="1600" dirty="0">
+                <a:solidFill>
+                  <a:srgbClr val="FF0000"/>
+                </a:solidFill>
+                <a:latin typeface="DM Mono" panose="020B0509040201040103" pitchFamily="49" charset="0"/>
+              </a:rPr>
+              <a:t>20</a:t>
+            </a:r>
+            <a:endParaRPr kumimoji="1" lang="ko-Kore-KR" altLang="en-US" sz="1600" dirty="0">
+              <a:solidFill>
+                <a:srgbClr val="FF0000"/>
+              </a:solidFill>
+              <a:latin typeface="DM Mono" panose="020B0509040201040103" pitchFamily="49" charset="0"/>
+            </a:endParaRPr>
+          </a:p>
+        </p:txBody>
+      </p:sp>
+      <p:sp>
+        <p:nvSpPr>
+          <p:cNvPr id="9" name="TextBox 8">
+            <a:extLst>
+              <a:ext uri="{FF2B5EF4-FFF2-40B4-BE49-F238E27FC236}">
+                <a16:creationId xmlns:a16="http://schemas.microsoft.com/office/drawing/2014/main" id="{C23877B1-BF45-F4EE-E916-EC8209204F0B}"/>
+              </a:ext>
+            </a:extLst>
+          </p:cNvPr>
+          <p:cNvSpPr txBox="1"/>
+          <p:nvPr/>
+        </p:nvSpPr>
+        <p:spPr>
+          <a:xfrm>
+            <a:off x="5513303" y="4706091"/>
+            <a:ext cx="351527" cy="369332"/>
+          </a:xfrm>
+          <a:prstGeom prst="rect">
+            <a:avLst/>
+          </a:prstGeom>
+          <a:noFill/>
+        </p:spPr>
+        <p:txBody>
+          <a:bodyPr wrap="square">
+            <a:spAutoFit/>
+          </a:bodyPr>
+          <a:lstStyle/>
+          <a:p>
+            <a:r>
+              <a:rPr lang="en-US" altLang="ko-Kore-KR" dirty="0">
+                <a:latin typeface="DM Mono" panose="020B0509040201040103" pitchFamily="49" charset="0"/>
+              </a:rPr>
+              <a:t>y</a:t>
+            </a:r>
+            <a:endParaRPr lang="ko-Kore-KR" altLang="en-US" dirty="0"/>
+          </a:p>
+        </p:txBody>
+      </p:sp>
+      <p:sp>
+        <p:nvSpPr>
+          <p:cNvPr id="10" name="TextBox 9">
+            <a:extLst>
+              <a:ext uri="{FF2B5EF4-FFF2-40B4-BE49-F238E27FC236}">
+                <a16:creationId xmlns:a16="http://schemas.microsoft.com/office/drawing/2014/main" id="{ED67943A-4501-D842-8917-4FFC45282F90}"/>
+              </a:ext>
+            </a:extLst>
+          </p:cNvPr>
+          <p:cNvSpPr txBox="1"/>
+          <p:nvPr/>
+        </p:nvSpPr>
+        <p:spPr>
+          <a:xfrm>
+            <a:off x="5864830" y="3791350"/>
+            <a:ext cx="804912" cy="369332"/>
+          </a:xfrm>
+          <a:prstGeom prst="rect">
+            <a:avLst/>
+          </a:prstGeom>
+          <a:noFill/>
+        </p:spPr>
+        <p:txBody>
+          <a:bodyPr wrap="square">
+            <a:spAutoFit/>
+          </a:bodyPr>
+          <a:lstStyle/>
+          <a:p>
+            <a:pPr algn="ctr"/>
+            <a:r>
+              <a:rPr lang="en-US" altLang="ko-Kore-KR" dirty="0">
+                <a:latin typeface="DM Mono" panose="020B0509040201040103" pitchFamily="49" charset="0"/>
+              </a:rPr>
+              <a:t>pt1</a:t>
+            </a:r>
+            <a:endParaRPr lang="ko-Kore-KR" altLang="en-US" dirty="0"/>
+          </a:p>
+        </p:txBody>
+      </p:sp>
+      <p:sp>
+        <p:nvSpPr>
+          <p:cNvPr id="11" name="직사각형 10">
+            <a:extLst>
+              <a:ext uri="{FF2B5EF4-FFF2-40B4-BE49-F238E27FC236}">
+                <a16:creationId xmlns:a16="http://schemas.microsoft.com/office/drawing/2014/main" id="{CDB9EC7B-995B-A460-534A-61A78B8F450B}"/>
+              </a:ext>
+            </a:extLst>
+          </p:cNvPr>
+          <p:cNvSpPr/>
+          <p:nvPr/>
+        </p:nvSpPr>
+        <p:spPr>
+          <a:xfrm>
+            <a:off x="8240469" y="4167343"/>
+            <a:ext cx="804912" cy="482277"/>
+          </a:xfrm>
+          <a:prstGeom prst="rect">
+            <a:avLst/>
+          </a:prstGeom>
+          <a:solidFill>
+            <a:srgbClr val="FFFF00"/>
+          </a:solidFill>
+        </p:spPr>
+        <p:style>
+          <a:lnRef idx="2">
+            <a:schemeClr val="accent1">
+              <a:shade val="15000"/>
+            </a:schemeClr>
+          </a:lnRef>
+          <a:fillRef idx="1">
+            <a:schemeClr val="accent1"/>
+          </a:fillRef>
+          <a:effectRef idx="0">
+            <a:schemeClr val="accent1"/>
+          </a:effectRef>
+          <a:fontRef idx="minor">
+            <a:schemeClr val="lt1"/>
+          </a:fontRef>
+        </p:style>
+        <p:txBody>
+          <a:bodyPr rtlCol="0" anchor="ctr"/>
+          <a:lstStyle/>
+          <a:p>
+            <a:pPr algn="ctr"/>
+            <a:endParaRPr kumimoji="1" lang="ko-Kore-KR" altLang="en-US" sz="1600" dirty="0">
+              <a:solidFill>
+                <a:schemeClr val="tx1"/>
+              </a:solidFill>
+              <a:latin typeface="DM Mono" panose="020B0509040201040103" pitchFamily="49" charset="0"/>
+            </a:endParaRPr>
+          </a:p>
+        </p:txBody>
+      </p:sp>
+      <p:sp>
+        <p:nvSpPr>
+          <p:cNvPr id="12" name="TextBox 11">
+            <a:extLst>
+              <a:ext uri="{FF2B5EF4-FFF2-40B4-BE49-F238E27FC236}">
+                <a16:creationId xmlns:a16="http://schemas.microsoft.com/office/drawing/2014/main" id="{571C6FB4-8D9B-CDD6-302D-6601F1F55A87}"/>
+              </a:ext>
+            </a:extLst>
+          </p:cNvPr>
+          <p:cNvSpPr txBox="1"/>
+          <p:nvPr/>
+        </p:nvSpPr>
+        <p:spPr>
+          <a:xfrm>
+            <a:off x="7888942" y="4223815"/>
+            <a:ext cx="351527" cy="369332"/>
+          </a:xfrm>
+          <a:prstGeom prst="rect">
+            <a:avLst/>
+          </a:prstGeom>
+          <a:noFill/>
+        </p:spPr>
+        <p:txBody>
+          <a:bodyPr wrap="square">
+            <a:spAutoFit/>
+          </a:bodyPr>
+          <a:lstStyle/>
+          <a:p>
+            <a:r>
+              <a:rPr lang="en-US" altLang="ko-Kore-KR" dirty="0">
+                <a:latin typeface="DM Mono" panose="020B0509040201040103" pitchFamily="49" charset="0"/>
+              </a:rPr>
+              <a:t>x</a:t>
+            </a:r>
+            <a:endParaRPr lang="ko-Kore-KR" altLang="en-US" dirty="0"/>
+          </a:p>
+        </p:txBody>
+      </p:sp>
+      <p:sp>
+        <p:nvSpPr>
+          <p:cNvPr id="13" name="직사각형 12">
+            <a:extLst>
+              <a:ext uri="{FF2B5EF4-FFF2-40B4-BE49-F238E27FC236}">
+                <a16:creationId xmlns:a16="http://schemas.microsoft.com/office/drawing/2014/main" id="{BB6A63A1-65E7-5A58-0297-08B2FBC00D16}"/>
+              </a:ext>
+            </a:extLst>
+          </p:cNvPr>
+          <p:cNvSpPr/>
+          <p:nvPr/>
+        </p:nvSpPr>
+        <p:spPr>
+          <a:xfrm>
+            <a:off x="8240469" y="4649619"/>
+            <a:ext cx="804912" cy="482277"/>
+          </a:xfrm>
+          <a:prstGeom prst="rect">
+            <a:avLst/>
+          </a:prstGeom>
+          <a:solidFill>
+            <a:srgbClr val="FFFF00"/>
+          </a:solidFill>
+        </p:spPr>
+        <p:style>
+          <a:lnRef idx="2">
+            <a:schemeClr val="accent1">
+              <a:shade val="15000"/>
+            </a:schemeClr>
+          </a:lnRef>
+          <a:fillRef idx="1">
+            <a:schemeClr val="accent1"/>
+          </a:fillRef>
+          <a:effectRef idx="0">
+            <a:schemeClr val="accent1"/>
+          </a:effectRef>
+          <a:fontRef idx="minor">
+            <a:schemeClr val="lt1"/>
+          </a:fontRef>
+        </p:style>
+        <p:txBody>
+          <a:bodyPr rtlCol="0" anchor="ctr"/>
+          <a:lstStyle/>
+          <a:p>
+            <a:pPr algn="ctr"/>
+            <a:endParaRPr kumimoji="1" lang="ko-Kore-KR" altLang="en-US" sz="1600" dirty="0">
+              <a:solidFill>
+                <a:schemeClr val="tx1"/>
+              </a:solidFill>
+              <a:latin typeface="DM Mono" panose="020B0509040201040103" pitchFamily="49" charset="0"/>
+            </a:endParaRPr>
+          </a:p>
+        </p:txBody>
+      </p:sp>
+      <p:sp>
+        <p:nvSpPr>
+          <p:cNvPr id="14" name="TextBox 13">
+            <a:extLst>
+              <a:ext uri="{FF2B5EF4-FFF2-40B4-BE49-F238E27FC236}">
+                <a16:creationId xmlns:a16="http://schemas.microsoft.com/office/drawing/2014/main" id="{DA7331DD-58B7-2926-2986-303FA52A4951}"/>
+              </a:ext>
+            </a:extLst>
+          </p:cNvPr>
+          <p:cNvSpPr txBox="1"/>
+          <p:nvPr/>
+        </p:nvSpPr>
+        <p:spPr>
+          <a:xfrm>
+            <a:off x="7888942" y="4706091"/>
+            <a:ext cx="351527" cy="369332"/>
+          </a:xfrm>
+          <a:prstGeom prst="rect">
+            <a:avLst/>
+          </a:prstGeom>
+          <a:noFill/>
+        </p:spPr>
+        <p:txBody>
+          <a:bodyPr wrap="square">
+            <a:spAutoFit/>
+          </a:bodyPr>
+          <a:lstStyle/>
+          <a:p>
+            <a:r>
+              <a:rPr lang="en-US" altLang="ko-Kore-KR" dirty="0">
+                <a:latin typeface="DM Mono" panose="020B0509040201040103" pitchFamily="49" charset="0"/>
+              </a:rPr>
+              <a:t>y</a:t>
+            </a:r>
+            <a:endParaRPr lang="ko-Kore-KR" altLang="en-US" dirty="0"/>
+          </a:p>
+        </p:txBody>
+      </p:sp>
+      <p:sp>
+        <p:nvSpPr>
+          <p:cNvPr id="15" name="TextBox 14">
+            <a:extLst>
+              <a:ext uri="{FF2B5EF4-FFF2-40B4-BE49-F238E27FC236}">
+                <a16:creationId xmlns:a16="http://schemas.microsoft.com/office/drawing/2014/main" id="{451A592E-BDF8-1925-F06B-0BD18461560F}"/>
+              </a:ext>
+            </a:extLst>
+          </p:cNvPr>
+          <p:cNvSpPr txBox="1"/>
+          <p:nvPr/>
+        </p:nvSpPr>
+        <p:spPr>
+          <a:xfrm>
+            <a:off x="8240469" y="3791350"/>
+            <a:ext cx="804912" cy="369332"/>
+          </a:xfrm>
+          <a:prstGeom prst="rect">
+            <a:avLst/>
+          </a:prstGeom>
+          <a:noFill/>
+        </p:spPr>
+        <p:txBody>
+          <a:bodyPr wrap="square">
+            <a:spAutoFit/>
+          </a:bodyPr>
+          <a:lstStyle/>
+          <a:p>
+            <a:pPr algn="ctr"/>
+            <a:r>
+              <a:rPr lang="en-US" altLang="ko-Kore-KR" dirty="0">
+                <a:latin typeface="DM Mono" panose="020B0509040201040103" pitchFamily="49" charset="0"/>
+              </a:rPr>
+              <a:t>pt2</a:t>
+            </a:r>
+            <a:endParaRPr lang="ko-Kore-KR" altLang="en-US" dirty="0"/>
+          </a:p>
+        </p:txBody>
+      </p:sp>
+      <p:sp>
+        <p:nvSpPr>
+          <p:cNvPr id="17" name="TextBox 16">
+            <a:extLst>
+              <a:ext uri="{FF2B5EF4-FFF2-40B4-BE49-F238E27FC236}">
+                <a16:creationId xmlns:a16="http://schemas.microsoft.com/office/drawing/2014/main" id="{E8A6CA8F-4400-CE04-ED33-65212AC48F44}"/>
+              </a:ext>
+            </a:extLst>
+          </p:cNvPr>
+          <p:cNvSpPr txBox="1"/>
+          <p:nvPr/>
+        </p:nvSpPr>
+        <p:spPr>
+          <a:xfrm>
+            <a:off x="5201434" y="1718045"/>
+            <a:ext cx="6327177" cy="1477328"/>
+          </a:xfrm>
+          <a:prstGeom prst="rect">
+            <a:avLst/>
+          </a:prstGeom>
+          <a:noFill/>
+        </p:spPr>
+        <p:txBody>
+          <a:bodyPr wrap="square">
+            <a:spAutoFit/>
+          </a:bodyPr>
+          <a:lstStyle/>
+          <a:p>
+            <a:r>
+              <a:rPr lang="ko-Kore-KR" altLang="en-US" sz="1800" dirty="0">
+                <a:latin typeface="DM Mono" panose="020B0509040201040103" pitchFamily="49" charset="0"/>
+              </a:rPr>
+              <a:t>void </a:t>
+            </a:r>
+            <a:r>
+              <a:rPr lang="en-US" altLang="ko-Kore-KR" sz="1800" dirty="0">
+                <a:solidFill>
+                  <a:srgbClr val="FF0000"/>
+                </a:solidFill>
+                <a:latin typeface="DM Mono" panose="020B0509040201040103" pitchFamily="49" charset="0"/>
+              </a:rPr>
+              <a:t>Point::</a:t>
+            </a:r>
+            <a:r>
+              <a:rPr lang="ko-Kore-KR" altLang="en-US" sz="1800" dirty="0">
+                <a:solidFill>
+                  <a:srgbClr val="FF0000"/>
+                </a:solidFill>
+                <a:latin typeface="DM Mono" panose="020B0509040201040103" pitchFamily="49" charset="0"/>
+              </a:rPr>
+              <a:t>Set</a:t>
+            </a:r>
+            <a:r>
+              <a:rPr lang="ko-Kore-KR" altLang="en-US" sz="1800" dirty="0">
+                <a:latin typeface="DM Mono" panose="020B0509040201040103" pitchFamily="49" charset="0"/>
+              </a:rPr>
+              <a:t>(</a:t>
+            </a:r>
+            <a:r>
+              <a:rPr lang="en-US" altLang="ko-Kore-KR" sz="1800" dirty="0">
+                <a:solidFill>
+                  <a:srgbClr val="FF0000"/>
+                </a:solidFill>
+                <a:latin typeface="DM Mono" panose="020B0509040201040103" pitchFamily="49" charset="0"/>
+              </a:rPr>
+              <a:t>Point* this</a:t>
+            </a:r>
+            <a:r>
+              <a:rPr lang="en-US" altLang="ko-Kore-KR" sz="1800" dirty="0">
+                <a:latin typeface="DM Mono" panose="020B0509040201040103" pitchFamily="49" charset="0"/>
+              </a:rPr>
+              <a:t>, </a:t>
+            </a:r>
+            <a:r>
+              <a:rPr lang="ko-Kore-KR" altLang="en-US" sz="1800" dirty="0">
+                <a:latin typeface="DM Mono" panose="020B0509040201040103" pitchFamily="49" charset="0"/>
+              </a:rPr>
+              <a:t>int a, int b)</a:t>
+            </a:r>
+          </a:p>
+          <a:p>
+            <a:r>
+              <a:rPr lang="ko-Kore-KR" altLang="en-US" sz="1800" dirty="0">
+                <a:latin typeface="DM Mono" panose="020B0509040201040103" pitchFamily="49" charset="0"/>
+              </a:rPr>
+              <a:t>{</a:t>
+            </a:r>
+          </a:p>
+          <a:p>
+            <a:r>
+              <a:rPr lang="ko-Kore-KR" altLang="en-US" sz="1800" dirty="0">
+                <a:solidFill>
+                  <a:srgbClr val="FF0000"/>
+                </a:solidFill>
+                <a:latin typeface="DM Mono" panose="020B0509040201040103" pitchFamily="49" charset="0"/>
+              </a:rPr>
+              <a:t>    </a:t>
+            </a:r>
+            <a:r>
+              <a:rPr lang="en-US" altLang="ko-Kore-KR" sz="1800" dirty="0">
+                <a:solidFill>
+                  <a:srgbClr val="FF0000"/>
+                </a:solidFill>
+                <a:latin typeface="DM Mono" panose="020B0509040201040103" pitchFamily="49" charset="0"/>
+              </a:rPr>
+              <a:t>this-&gt;</a:t>
+            </a:r>
+            <a:r>
+              <a:rPr lang="ko-Kore-KR" altLang="en-US" sz="1800" dirty="0">
+                <a:solidFill>
+                  <a:srgbClr val="FF0000"/>
+                </a:solidFill>
+                <a:latin typeface="DM Mono" panose="020B0509040201040103" pitchFamily="49" charset="0"/>
+              </a:rPr>
+              <a:t>x</a:t>
+            </a:r>
+            <a:r>
+              <a:rPr lang="ko-Kore-KR" altLang="en-US" sz="1800" dirty="0">
+                <a:latin typeface="DM Mono" panose="020B0509040201040103" pitchFamily="49" charset="0"/>
+              </a:rPr>
+              <a:t> = a;</a:t>
+            </a:r>
+          </a:p>
+          <a:p>
+            <a:r>
+              <a:rPr lang="ko-Kore-KR" altLang="en-US" sz="1800" dirty="0">
+                <a:latin typeface="DM Mono" panose="020B0509040201040103" pitchFamily="49" charset="0"/>
+              </a:rPr>
+              <a:t>    </a:t>
+            </a:r>
+            <a:r>
+              <a:rPr lang="en-US" altLang="ko-Kore-KR" sz="1800" dirty="0">
+                <a:solidFill>
+                  <a:srgbClr val="FF0000"/>
+                </a:solidFill>
+                <a:latin typeface="DM Mono" panose="020B0509040201040103" pitchFamily="49" charset="0"/>
+              </a:rPr>
+              <a:t>this-&gt;</a:t>
+            </a:r>
+            <a:r>
+              <a:rPr lang="ko-Kore-KR" altLang="en-US" sz="1800" dirty="0">
+                <a:solidFill>
+                  <a:srgbClr val="FF0000"/>
+                </a:solidFill>
+                <a:latin typeface="DM Mono" panose="020B0509040201040103" pitchFamily="49" charset="0"/>
+              </a:rPr>
+              <a:t>y</a:t>
+            </a:r>
+            <a:r>
+              <a:rPr lang="ko-Kore-KR" altLang="en-US" sz="1800" dirty="0">
+                <a:latin typeface="DM Mono" panose="020B0509040201040103" pitchFamily="49" charset="0"/>
+              </a:rPr>
+              <a:t> = b;</a:t>
+            </a:r>
+          </a:p>
+          <a:p>
+            <a:r>
+              <a:rPr lang="ko-Kore-KR" altLang="en-US" sz="1800" dirty="0">
+                <a:latin typeface="DM Mono" panose="020B0509040201040103" pitchFamily="49" charset="0"/>
+              </a:rPr>
+              <a:t>}</a:t>
+            </a:r>
+            <a:endParaRPr lang="ko-Kore-KR" altLang="en-US" dirty="0"/>
+          </a:p>
+        </p:txBody>
+      </p:sp>
+      <p:sp>
+        <p:nvSpPr>
+          <p:cNvPr id="2" name="직사각형 1">
+            <a:extLst>
+              <a:ext uri="{FF2B5EF4-FFF2-40B4-BE49-F238E27FC236}">
+                <a16:creationId xmlns:a16="http://schemas.microsoft.com/office/drawing/2014/main" id="{CE3CC2D6-94BF-FA9E-C4E8-A2FF3B88F57D}"/>
+              </a:ext>
+            </a:extLst>
+          </p:cNvPr>
+          <p:cNvSpPr/>
+          <p:nvPr/>
+        </p:nvSpPr>
+        <p:spPr>
+          <a:xfrm>
+            <a:off x="8365022" y="1718045"/>
+            <a:ext cx="680359" cy="326416"/>
+          </a:xfrm>
+          <a:prstGeom prst="rect">
+            <a:avLst/>
+          </a:prstGeom>
+          <a:noFill/>
+        </p:spPr>
+        <p:style>
+          <a:lnRef idx="2">
+            <a:schemeClr val="accent1">
+              <a:shade val="15000"/>
+            </a:schemeClr>
+          </a:lnRef>
+          <a:fillRef idx="1">
+            <a:schemeClr val="accent1"/>
+          </a:fillRef>
+          <a:effectRef idx="0">
+            <a:schemeClr val="accent1"/>
+          </a:effectRef>
+          <a:fontRef idx="minor">
+            <a:schemeClr val="lt1"/>
+          </a:fontRef>
+        </p:style>
+        <p:txBody>
+          <a:bodyPr rtlCol="0" anchor="ctr"/>
+          <a:lstStyle/>
+          <a:p>
+            <a:pPr algn="ctr"/>
+            <a:endParaRPr kumimoji="1" lang="ko-Kore-KR" altLang="en-US" sz="1600" dirty="0">
+              <a:solidFill>
+                <a:schemeClr val="tx1"/>
+              </a:solidFill>
+              <a:latin typeface="DM Mono" panose="020B0509040201040103" pitchFamily="49" charset="0"/>
+            </a:endParaRPr>
+          </a:p>
+        </p:txBody>
+      </p:sp>
+      <p:cxnSp>
+        <p:nvCxnSpPr>
+          <p:cNvPr id="4" name="구부러진 연결선[U] 3">
+            <a:extLst>
+              <a:ext uri="{FF2B5EF4-FFF2-40B4-BE49-F238E27FC236}">
+                <a16:creationId xmlns:a16="http://schemas.microsoft.com/office/drawing/2014/main" id="{28EC9F2E-3EAF-D9A9-1AED-C050D8855A90}"/>
+              </a:ext>
+            </a:extLst>
+          </p:cNvPr>
+          <p:cNvCxnSpPr>
+            <a:stCxn id="2" idx="2"/>
+            <a:endCxn id="6" idx="0"/>
+          </p:cNvCxnSpPr>
+          <p:nvPr/>
+        </p:nvCxnSpPr>
+        <p:spPr>
+          <a:xfrm rot="5400000">
+            <a:off x="6424803" y="1886944"/>
+            <a:ext cx="2122882" cy="2437916"/>
+          </a:xfrm>
+          <a:prstGeom prst="curvedConnector3">
+            <a:avLst/>
+          </a:prstGeom>
+          <a:ln w="12700">
+            <a:tailEnd type="triangle"/>
+          </a:ln>
+        </p:spPr>
+        <p:style>
+          <a:lnRef idx="1">
+            <a:schemeClr val="dk1"/>
+          </a:lnRef>
+          <a:fillRef idx="0">
+            <a:schemeClr val="dk1"/>
+          </a:fillRef>
+          <a:effectRef idx="0">
+            <a:schemeClr val="dk1"/>
+          </a:effectRef>
+          <a:fontRef idx="minor">
+            <a:schemeClr val="tx1"/>
+          </a:fontRef>
+        </p:style>
+      </p:cxnSp>
+    </p:spTree>
+    <p:extLst>
+      <p:ext uri="{BB962C8B-B14F-4D97-AF65-F5344CB8AC3E}">
+        <p14:creationId xmlns:p14="http://schemas.microsoft.com/office/powerpoint/2010/main" val="2631988124"/>
+      </p:ext>
+    </p:extLst>
+  </p:cSld>
+  <p:clrMapOvr>
+    <a:masterClrMapping/>
+  </p:clrMapOvr>
+</p:sld>
+</file>
+
+<file path=ppt/slides/slide17.xml><?xml version="1.0" encoding="utf-8"?>
+<p:sld xmlns:a="http://schemas.openxmlformats.org/drawingml/2006/main" xmlns:r="http://schemas.openxmlformats.org/officeDocument/2006/relationships" xmlns:p="http://schemas.openxmlformats.org/presentationml/2006/main">
+  <p:cSld>
+    <p:spTree>
+      <p:nvGrpSpPr>
+        <p:cNvPr id="1" name=""/>
+        <p:cNvGrpSpPr/>
+        <p:nvPr/>
+      </p:nvGrpSpPr>
+      <p:grpSpPr>
+        <a:xfrm>
+          <a:off x="0" y="0"/>
+          <a:ext cx="0" cy="0"/>
+          <a:chOff x="0" y="0"/>
+          <a:chExt cx="0" cy="0"/>
+        </a:xfrm>
+      </p:grpSpPr>
+      <p:sp>
+        <p:nvSpPr>
+          <p:cNvPr id="5" name="TextBox 4">
+            <a:extLst>
+              <a:ext uri="{FF2B5EF4-FFF2-40B4-BE49-F238E27FC236}">
+                <a16:creationId xmlns:a16="http://schemas.microsoft.com/office/drawing/2014/main" id="{F1655AEE-4987-F9CA-0FEA-3EF45CB098B2}"/>
+              </a:ext>
+            </a:extLst>
+          </p:cNvPr>
+          <p:cNvSpPr txBox="1"/>
+          <p:nvPr/>
+        </p:nvSpPr>
+        <p:spPr>
+          <a:xfrm>
+            <a:off x="358588" y="299081"/>
+            <a:ext cx="4701329" cy="4832092"/>
+          </a:xfrm>
+          <a:prstGeom prst="rect">
+            <a:avLst/>
+          </a:prstGeom>
+          <a:noFill/>
+        </p:spPr>
+        <p:txBody>
+          <a:bodyPr wrap="square">
+            <a:spAutoFit/>
+          </a:bodyPr>
+          <a:lstStyle/>
+          <a:p>
+            <a:r>
+              <a:rPr lang="ko-Kore-KR" altLang="en-US" sz="1400" dirty="0">
+                <a:latin typeface="DM Mono" panose="020B0509040201040103" pitchFamily="49" charset="0"/>
+              </a:rPr>
+              <a:t>class Point {</a:t>
+            </a:r>
+          </a:p>
+          <a:p>
+            <a:r>
+              <a:rPr lang="ko-Kore-KR" altLang="en-US" sz="1400" dirty="0">
+                <a:latin typeface="DM Mono" panose="020B0509040201040103" pitchFamily="49" charset="0"/>
+              </a:rPr>
+              <a:t>    int x;</a:t>
+            </a:r>
+          </a:p>
+          <a:p>
+            <a:r>
+              <a:rPr lang="ko-Kore-KR" altLang="en-US" sz="1400" dirty="0">
+                <a:latin typeface="DM Mono" panose="020B0509040201040103" pitchFamily="49" charset="0"/>
+              </a:rPr>
+              <a:t>    int y;</a:t>
+            </a:r>
+          </a:p>
+          <a:p>
+            <a:endParaRPr lang="ko-Kore-KR" altLang="en-US" sz="1400" dirty="0">
+              <a:latin typeface="DM Mono" panose="020B0509040201040103" pitchFamily="49" charset="0"/>
+            </a:endParaRPr>
+          </a:p>
+          <a:p>
+            <a:r>
+              <a:rPr lang="ko-Kore-KR" altLang="en-US" sz="1400" dirty="0">
+                <a:latin typeface="DM Mono" panose="020B0509040201040103" pitchFamily="49" charset="0"/>
+              </a:rPr>
+              <a:t>public:</a:t>
+            </a:r>
+          </a:p>
+          <a:p>
+            <a:r>
+              <a:rPr lang="ko-Kore-KR" altLang="en-US" sz="1400" dirty="0">
+                <a:latin typeface="DM Mono" panose="020B0509040201040103" pitchFamily="49" charset="0"/>
+              </a:rPr>
+              <a:t>    void Set(int a, int b)</a:t>
+            </a:r>
+          </a:p>
+          <a:p>
+            <a:r>
+              <a:rPr lang="ko-Kore-KR" altLang="en-US" sz="1400" dirty="0">
+                <a:latin typeface="DM Mono" panose="020B0509040201040103" pitchFamily="49" charset="0"/>
+              </a:rPr>
+              <a:t>    {</a:t>
+            </a:r>
+          </a:p>
+          <a:p>
+            <a:r>
+              <a:rPr lang="ko-Kore-KR" altLang="en-US" sz="1400" dirty="0">
+                <a:latin typeface="DM Mono" panose="020B0509040201040103" pitchFamily="49" charset="0"/>
+              </a:rPr>
+              <a:t>        x = a;</a:t>
+            </a:r>
+          </a:p>
+          <a:p>
+            <a:r>
+              <a:rPr lang="ko-Kore-KR" altLang="en-US" sz="1400" dirty="0">
+                <a:latin typeface="DM Mono" panose="020B0509040201040103" pitchFamily="49" charset="0"/>
+              </a:rPr>
+              <a:t>        y = b;</a:t>
+            </a:r>
+          </a:p>
+          <a:p>
+            <a:r>
+              <a:rPr lang="ko-Kore-KR" altLang="en-US" sz="1400" dirty="0">
+                <a:latin typeface="DM Mono" panose="020B0509040201040103" pitchFamily="49" charset="0"/>
+              </a:rPr>
+              <a:t>    }</a:t>
+            </a:r>
+          </a:p>
+          <a:p>
+            <a:r>
+              <a:rPr lang="ko-Kore-KR" altLang="en-US" sz="1400" dirty="0">
+                <a:latin typeface="DM Mono" panose="020B0509040201040103" pitchFamily="49" charset="0"/>
+              </a:rPr>
+              <a:t>};</a:t>
+            </a:r>
+          </a:p>
+          <a:p>
+            <a:endParaRPr lang="ko-Kore-KR" altLang="en-US" sz="1400" dirty="0">
+              <a:latin typeface="DM Mono" panose="020B0509040201040103" pitchFamily="49" charset="0"/>
+            </a:endParaRPr>
+          </a:p>
+          <a:p>
+            <a:r>
+              <a:rPr lang="ko-Kore-KR" altLang="en-US" sz="1400" dirty="0">
+                <a:latin typeface="DM Mono" panose="020B0509040201040103" pitchFamily="49" charset="0"/>
+              </a:rPr>
+              <a:t>int main()</a:t>
+            </a:r>
+          </a:p>
+          <a:p>
+            <a:r>
+              <a:rPr lang="ko-Kore-KR" altLang="en-US" sz="1400" dirty="0">
+                <a:latin typeface="DM Mono" panose="020B0509040201040103" pitchFamily="49" charset="0"/>
+              </a:rPr>
+              <a:t>{</a:t>
+            </a:r>
+          </a:p>
+          <a:p>
+            <a:r>
+              <a:rPr lang="ko-Kore-KR" altLang="en-US" sz="1400" dirty="0">
+                <a:latin typeface="DM Mono" panose="020B0509040201040103" pitchFamily="49" charset="0"/>
+              </a:rPr>
+              <a:t>    Point pt1, pt2;</a:t>
+            </a:r>
+          </a:p>
+          <a:p>
+            <a:endParaRPr lang="ko-Kore-KR" altLang="en-US" sz="1400" dirty="0">
+              <a:latin typeface="DM Mono" panose="020B0509040201040103" pitchFamily="49" charset="0"/>
+            </a:endParaRPr>
+          </a:p>
+          <a:p>
+            <a:r>
+              <a:rPr lang="ko-Kore-KR" altLang="en-US" sz="1400" dirty="0">
+                <a:latin typeface="DM Mono" panose="020B0509040201040103" pitchFamily="49" charset="0"/>
+              </a:rPr>
+              <a:t>    pt1.Set(10, 20);</a:t>
+            </a:r>
+            <a:r>
+              <a:rPr lang="en-US" altLang="ko-Kore-KR" sz="1400" dirty="0">
+                <a:latin typeface="DM Mono" panose="020B0509040201040103" pitchFamily="49" charset="0"/>
+              </a:rPr>
+              <a:t> </a:t>
+            </a:r>
+          </a:p>
+          <a:p>
+            <a:r>
+              <a:rPr lang="en-US" altLang="ko-Kore-KR" sz="1400" dirty="0">
+                <a:latin typeface="DM Mono" panose="020B0509040201040103" pitchFamily="49" charset="0"/>
+              </a:rPr>
+              <a:t>    // Point::Set(&amp;pt1, 10, 20);</a:t>
+            </a:r>
+            <a:endParaRPr lang="ko-Kore-KR" altLang="en-US" sz="1400" dirty="0">
+              <a:latin typeface="DM Mono" panose="020B0509040201040103" pitchFamily="49" charset="0"/>
+            </a:endParaRPr>
+          </a:p>
+          <a:p>
+            <a:endParaRPr lang="ko-Kore-KR" altLang="en-US" sz="1400" dirty="0">
+              <a:latin typeface="DM Mono" panose="020B0509040201040103" pitchFamily="49" charset="0"/>
+            </a:endParaRPr>
+          </a:p>
+          <a:p>
+            <a:r>
+              <a:rPr lang="ko-Kore-KR" altLang="en-US" sz="1400" dirty="0">
+                <a:solidFill>
+                  <a:srgbClr val="FF0000"/>
+                </a:solidFill>
+                <a:latin typeface="DM Mono" panose="020B0509040201040103" pitchFamily="49" charset="0"/>
+              </a:rPr>
+              <a:t>    pt2.Set(100, 200);</a:t>
+            </a:r>
+            <a:endParaRPr lang="en-US" altLang="ko-Kore-KR" sz="1400" dirty="0">
+              <a:solidFill>
+                <a:srgbClr val="FF0000"/>
+              </a:solidFill>
+              <a:latin typeface="DM Mono" panose="020B0509040201040103" pitchFamily="49" charset="0"/>
+            </a:endParaRPr>
+          </a:p>
+          <a:p>
+            <a:r>
+              <a:rPr lang="en-US" altLang="ko-Kore-KR" sz="1400" dirty="0">
+                <a:solidFill>
+                  <a:srgbClr val="FF0000"/>
+                </a:solidFill>
+                <a:latin typeface="DM Mono" panose="020B0509040201040103" pitchFamily="49" charset="0"/>
+              </a:rPr>
+              <a:t>    // Point::Set(&amp;pt2, 100, 200);</a:t>
+            </a:r>
+            <a:endParaRPr lang="ko-Kore-KR" altLang="en-US" sz="1400" dirty="0">
+              <a:solidFill>
+                <a:srgbClr val="FF0000"/>
+              </a:solidFill>
+              <a:latin typeface="DM Mono" panose="020B0509040201040103" pitchFamily="49" charset="0"/>
+            </a:endParaRPr>
+          </a:p>
+          <a:p>
+            <a:r>
+              <a:rPr lang="ko-Kore-KR" altLang="en-US" sz="1400" dirty="0">
+                <a:latin typeface="DM Mono" panose="020B0509040201040103" pitchFamily="49" charset="0"/>
+              </a:rPr>
+              <a:t>}</a:t>
+            </a:r>
+          </a:p>
+        </p:txBody>
+      </p:sp>
+      <p:sp>
+        <p:nvSpPr>
+          <p:cNvPr id="6" name="직사각형 5">
+            <a:extLst>
+              <a:ext uri="{FF2B5EF4-FFF2-40B4-BE49-F238E27FC236}">
+                <a16:creationId xmlns:a16="http://schemas.microsoft.com/office/drawing/2014/main" id="{D250341B-A628-A4FA-76D7-6E76C735E7D8}"/>
+              </a:ext>
+            </a:extLst>
+          </p:cNvPr>
+          <p:cNvSpPr/>
+          <p:nvPr/>
+        </p:nvSpPr>
+        <p:spPr>
+          <a:xfrm>
+            <a:off x="5864830" y="4167343"/>
+            <a:ext cx="804912" cy="482277"/>
+          </a:xfrm>
+          <a:prstGeom prst="rect">
+            <a:avLst/>
+          </a:prstGeom>
+          <a:solidFill>
+            <a:srgbClr val="FFFF00"/>
+          </a:solidFill>
+        </p:spPr>
+        <p:style>
+          <a:lnRef idx="2">
+            <a:schemeClr val="accent1">
+              <a:shade val="15000"/>
+            </a:schemeClr>
+          </a:lnRef>
+          <a:fillRef idx="1">
+            <a:schemeClr val="accent1"/>
+          </a:fillRef>
+          <a:effectRef idx="0">
+            <a:schemeClr val="accent1"/>
+          </a:effectRef>
+          <a:fontRef idx="minor">
+            <a:schemeClr val="lt1"/>
+          </a:fontRef>
+        </p:style>
+        <p:txBody>
+          <a:bodyPr rtlCol="0" anchor="ctr"/>
+          <a:lstStyle/>
+          <a:p>
+            <a:pPr algn="ctr"/>
+            <a:r>
+              <a:rPr kumimoji="1" lang="en-US" altLang="ko-Kore-KR" sz="1600" dirty="0">
+                <a:solidFill>
+                  <a:srgbClr val="FF0000"/>
+                </a:solidFill>
+                <a:latin typeface="DM Mono" panose="020B0509040201040103" pitchFamily="49" charset="0"/>
+              </a:rPr>
+              <a:t>10</a:t>
+            </a:r>
+            <a:endParaRPr kumimoji="1" lang="ko-Kore-KR" altLang="en-US" sz="1600" dirty="0">
+              <a:solidFill>
+                <a:srgbClr val="FF0000"/>
+              </a:solidFill>
+              <a:latin typeface="DM Mono" panose="020B0509040201040103" pitchFamily="49" charset="0"/>
+            </a:endParaRPr>
+          </a:p>
+        </p:txBody>
+      </p:sp>
+      <p:sp>
+        <p:nvSpPr>
+          <p:cNvPr id="7" name="TextBox 6">
+            <a:extLst>
+              <a:ext uri="{FF2B5EF4-FFF2-40B4-BE49-F238E27FC236}">
+                <a16:creationId xmlns:a16="http://schemas.microsoft.com/office/drawing/2014/main" id="{AFCF98EF-919C-93BB-7BE9-6FACAB573613}"/>
+              </a:ext>
+            </a:extLst>
+          </p:cNvPr>
+          <p:cNvSpPr txBox="1"/>
+          <p:nvPr/>
+        </p:nvSpPr>
+        <p:spPr>
+          <a:xfrm>
+            <a:off x="5513303" y="4223815"/>
+            <a:ext cx="351527" cy="369332"/>
+          </a:xfrm>
+          <a:prstGeom prst="rect">
+            <a:avLst/>
+          </a:prstGeom>
+          <a:noFill/>
+        </p:spPr>
+        <p:txBody>
+          <a:bodyPr wrap="square">
+            <a:spAutoFit/>
+          </a:bodyPr>
+          <a:lstStyle/>
+          <a:p>
+            <a:r>
+              <a:rPr lang="en-US" altLang="ko-Kore-KR" dirty="0">
+                <a:latin typeface="DM Mono" panose="020B0509040201040103" pitchFamily="49" charset="0"/>
+              </a:rPr>
+              <a:t>x</a:t>
+            </a:r>
+            <a:endParaRPr lang="ko-Kore-KR" altLang="en-US" dirty="0"/>
+          </a:p>
+        </p:txBody>
+      </p:sp>
+      <p:sp>
+        <p:nvSpPr>
+          <p:cNvPr id="8" name="직사각형 7">
+            <a:extLst>
+              <a:ext uri="{FF2B5EF4-FFF2-40B4-BE49-F238E27FC236}">
+                <a16:creationId xmlns:a16="http://schemas.microsoft.com/office/drawing/2014/main" id="{FB74509C-D1C1-DA27-7BCC-BDB3491DAF9B}"/>
+              </a:ext>
+            </a:extLst>
+          </p:cNvPr>
+          <p:cNvSpPr/>
+          <p:nvPr/>
+        </p:nvSpPr>
+        <p:spPr>
+          <a:xfrm>
+            <a:off x="5864830" y="4649619"/>
+            <a:ext cx="804912" cy="482277"/>
+          </a:xfrm>
+          <a:prstGeom prst="rect">
+            <a:avLst/>
+          </a:prstGeom>
+          <a:solidFill>
+            <a:srgbClr val="FFFF00"/>
+          </a:solidFill>
+        </p:spPr>
+        <p:style>
+          <a:lnRef idx="2">
+            <a:schemeClr val="accent1">
+              <a:shade val="15000"/>
+            </a:schemeClr>
+          </a:lnRef>
+          <a:fillRef idx="1">
+            <a:schemeClr val="accent1"/>
+          </a:fillRef>
+          <a:effectRef idx="0">
+            <a:schemeClr val="accent1"/>
+          </a:effectRef>
+          <a:fontRef idx="minor">
+            <a:schemeClr val="lt1"/>
+          </a:fontRef>
+        </p:style>
+        <p:txBody>
+          <a:bodyPr rtlCol="0" anchor="ctr"/>
+          <a:lstStyle/>
+          <a:p>
+            <a:pPr algn="ctr"/>
+            <a:r>
+              <a:rPr kumimoji="1" lang="en-US" altLang="ko-Kore-KR" sz="1600" dirty="0">
+                <a:solidFill>
+                  <a:srgbClr val="FF0000"/>
+                </a:solidFill>
+                <a:latin typeface="DM Mono" panose="020B0509040201040103" pitchFamily="49" charset="0"/>
+              </a:rPr>
+              <a:t>20</a:t>
+            </a:r>
+            <a:endParaRPr kumimoji="1" lang="ko-Kore-KR" altLang="en-US" sz="1600" dirty="0">
+              <a:solidFill>
+                <a:srgbClr val="FF0000"/>
+              </a:solidFill>
+              <a:latin typeface="DM Mono" panose="020B0509040201040103" pitchFamily="49" charset="0"/>
+            </a:endParaRPr>
+          </a:p>
+        </p:txBody>
+      </p:sp>
+      <p:sp>
+        <p:nvSpPr>
+          <p:cNvPr id="9" name="TextBox 8">
+            <a:extLst>
+              <a:ext uri="{FF2B5EF4-FFF2-40B4-BE49-F238E27FC236}">
+                <a16:creationId xmlns:a16="http://schemas.microsoft.com/office/drawing/2014/main" id="{C23877B1-BF45-F4EE-E916-EC8209204F0B}"/>
+              </a:ext>
+            </a:extLst>
+          </p:cNvPr>
+          <p:cNvSpPr txBox="1"/>
+          <p:nvPr/>
+        </p:nvSpPr>
+        <p:spPr>
+          <a:xfrm>
+            <a:off x="5513303" y="4706091"/>
+            <a:ext cx="351527" cy="369332"/>
+          </a:xfrm>
+          <a:prstGeom prst="rect">
+            <a:avLst/>
+          </a:prstGeom>
+          <a:noFill/>
+        </p:spPr>
+        <p:txBody>
+          <a:bodyPr wrap="square">
+            <a:spAutoFit/>
+          </a:bodyPr>
+          <a:lstStyle/>
+          <a:p>
+            <a:r>
+              <a:rPr lang="en-US" altLang="ko-Kore-KR" dirty="0">
+                <a:latin typeface="DM Mono" panose="020B0509040201040103" pitchFamily="49" charset="0"/>
+              </a:rPr>
+              <a:t>y</a:t>
+            </a:r>
+            <a:endParaRPr lang="ko-Kore-KR" altLang="en-US" dirty="0"/>
+          </a:p>
+        </p:txBody>
+      </p:sp>
+      <p:sp>
+        <p:nvSpPr>
+          <p:cNvPr id="10" name="TextBox 9">
+            <a:extLst>
+              <a:ext uri="{FF2B5EF4-FFF2-40B4-BE49-F238E27FC236}">
+                <a16:creationId xmlns:a16="http://schemas.microsoft.com/office/drawing/2014/main" id="{ED67943A-4501-D842-8917-4FFC45282F90}"/>
+              </a:ext>
+            </a:extLst>
+          </p:cNvPr>
+          <p:cNvSpPr txBox="1"/>
+          <p:nvPr/>
+        </p:nvSpPr>
+        <p:spPr>
+          <a:xfrm>
+            <a:off x="5864830" y="3791350"/>
+            <a:ext cx="804912" cy="369332"/>
+          </a:xfrm>
+          <a:prstGeom prst="rect">
+            <a:avLst/>
+          </a:prstGeom>
+          <a:noFill/>
+        </p:spPr>
+        <p:txBody>
+          <a:bodyPr wrap="square">
+            <a:spAutoFit/>
+          </a:bodyPr>
+          <a:lstStyle/>
+          <a:p>
+            <a:pPr algn="ctr"/>
+            <a:r>
+              <a:rPr lang="en-US" altLang="ko-Kore-KR" dirty="0">
+                <a:latin typeface="DM Mono" panose="020B0509040201040103" pitchFamily="49" charset="0"/>
+              </a:rPr>
+              <a:t>pt1</a:t>
+            </a:r>
+            <a:endParaRPr lang="ko-Kore-KR" altLang="en-US" dirty="0"/>
+          </a:p>
+        </p:txBody>
+      </p:sp>
+      <p:sp>
+        <p:nvSpPr>
+          <p:cNvPr id="11" name="직사각형 10">
+            <a:extLst>
+              <a:ext uri="{FF2B5EF4-FFF2-40B4-BE49-F238E27FC236}">
+                <a16:creationId xmlns:a16="http://schemas.microsoft.com/office/drawing/2014/main" id="{CDB9EC7B-995B-A460-534A-61A78B8F450B}"/>
+              </a:ext>
+            </a:extLst>
+          </p:cNvPr>
+          <p:cNvSpPr/>
+          <p:nvPr/>
+        </p:nvSpPr>
+        <p:spPr>
+          <a:xfrm>
+            <a:off x="8240469" y="4167343"/>
+            <a:ext cx="804912" cy="482277"/>
+          </a:xfrm>
+          <a:prstGeom prst="rect">
+            <a:avLst/>
+          </a:prstGeom>
+          <a:solidFill>
+            <a:srgbClr val="FFFF00"/>
+          </a:solidFill>
+        </p:spPr>
+        <p:style>
+          <a:lnRef idx="2">
+            <a:schemeClr val="accent1">
+              <a:shade val="15000"/>
+            </a:schemeClr>
+          </a:lnRef>
+          <a:fillRef idx="1">
+            <a:schemeClr val="accent1"/>
+          </a:fillRef>
+          <a:effectRef idx="0">
+            <a:schemeClr val="accent1"/>
+          </a:effectRef>
+          <a:fontRef idx="minor">
+            <a:schemeClr val="lt1"/>
+          </a:fontRef>
+        </p:style>
+        <p:txBody>
+          <a:bodyPr rtlCol="0" anchor="ctr"/>
+          <a:lstStyle/>
+          <a:p>
+            <a:pPr algn="ctr"/>
+            <a:r>
+              <a:rPr kumimoji="1" lang="en-US" altLang="ko-Kore-KR" sz="1600" dirty="0">
+                <a:solidFill>
+                  <a:srgbClr val="FF0000"/>
+                </a:solidFill>
+                <a:latin typeface="DM Mono" panose="020B0509040201040103" pitchFamily="49" charset="0"/>
+              </a:rPr>
+              <a:t>100</a:t>
+            </a:r>
+            <a:endParaRPr kumimoji="1" lang="ko-Kore-KR" altLang="en-US" sz="1600" dirty="0">
+              <a:solidFill>
+                <a:srgbClr val="FF0000"/>
+              </a:solidFill>
+              <a:latin typeface="DM Mono" panose="020B0509040201040103" pitchFamily="49" charset="0"/>
+            </a:endParaRPr>
+          </a:p>
+        </p:txBody>
+      </p:sp>
+      <p:sp>
+        <p:nvSpPr>
+          <p:cNvPr id="12" name="TextBox 11">
+            <a:extLst>
+              <a:ext uri="{FF2B5EF4-FFF2-40B4-BE49-F238E27FC236}">
+                <a16:creationId xmlns:a16="http://schemas.microsoft.com/office/drawing/2014/main" id="{571C6FB4-8D9B-CDD6-302D-6601F1F55A87}"/>
+              </a:ext>
+            </a:extLst>
+          </p:cNvPr>
+          <p:cNvSpPr txBox="1"/>
+          <p:nvPr/>
+        </p:nvSpPr>
+        <p:spPr>
+          <a:xfrm>
+            <a:off x="7888942" y="4223815"/>
+            <a:ext cx="351527" cy="369332"/>
+          </a:xfrm>
+          <a:prstGeom prst="rect">
+            <a:avLst/>
+          </a:prstGeom>
+          <a:noFill/>
+        </p:spPr>
+        <p:txBody>
+          <a:bodyPr wrap="square">
+            <a:spAutoFit/>
+          </a:bodyPr>
+          <a:lstStyle/>
+          <a:p>
+            <a:r>
+              <a:rPr lang="en-US" altLang="ko-Kore-KR" dirty="0">
+                <a:latin typeface="DM Mono" panose="020B0509040201040103" pitchFamily="49" charset="0"/>
+              </a:rPr>
+              <a:t>x</a:t>
+            </a:r>
+            <a:endParaRPr lang="ko-Kore-KR" altLang="en-US" dirty="0"/>
+          </a:p>
+        </p:txBody>
+      </p:sp>
+      <p:sp>
+        <p:nvSpPr>
+          <p:cNvPr id="13" name="직사각형 12">
+            <a:extLst>
+              <a:ext uri="{FF2B5EF4-FFF2-40B4-BE49-F238E27FC236}">
+                <a16:creationId xmlns:a16="http://schemas.microsoft.com/office/drawing/2014/main" id="{BB6A63A1-65E7-5A58-0297-08B2FBC00D16}"/>
+              </a:ext>
+            </a:extLst>
+          </p:cNvPr>
+          <p:cNvSpPr/>
+          <p:nvPr/>
+        </p:nvSpPr>
+        <p:spPr>
+          <a:xfrm>
+            <a:off x="8240469" y="4649619"/>
+            <a:ext cx="804912" cy="482277"/>
+          </a:xfrm>
+          <a:prstGeom prst="rect">
+            <a:avLst/>
+          </a:prstGeom>
+          <a:solidFill>
+            <a:srgbClr val="FFFF00"/>
+          </a:solidFill>
+        </p:spPr>
+        <p:style>
+          <a:lnRef idx="2">
+            <a:schemeClr val="accent1">
+              <a:shade val="15000"/>
+            </a:schemeClr>
+          </a:lnRef>
+          <a:fillRef idx="1">
+            <a:schemeClr val="accent1"/>
+          </a:fillRef>
+          <a:effectRef idx="0">
+            <a:schemeClr val="accent1"/>
+          </a:effectRef>
+          <a:fontRef idx="minor">
+            <a:schemeClr val="lt1"/>
+          </a:fontRef>
+        </p:style>
+        <p:txBody>
+          <a:bodyPr rtlCol="0" anchor="ctr"/>
+          <a:lstStyle/>
+          <a:p>
+            <a:pPr algn="ctr"/>
+            <a:r>
+              <a:rPr kumimoji="1" lang="en-US" altLang="ko-Kore-KR" sz="1600" dirty="0">
+                <a:solidFill>
+                  <a:srgbClr val="FF0000"/>
+                </a:solidFill>
+                <a:latin typeface="DM Mono" panose="020B0509040201040103" pitchFamily="49" charset="0"/>
+              </a:rPr>
+              <a:t>200</a:t>
+            </a:r>
+            <a:endParaRPr kumimoji="1" lang="ko-Kore-KR" altLang="en-US" sz="1600" dirty="0">
+              <a:solidFill>
+                <a:srgbClr val="FF0000"/>
+              </a:solidFill>
+              <a:latin typeface="DM Mono" panose="020B0509040201040103" pitchFamily="49" charset="0"/>
+            </a:endParaRPr>
+          </a:p>
+        </p:txBody>
+      </p:sp>
+      <p:sp>
+        <p:nvSpPr>
+          <p:cNvPr id="14" name="TextBox 13">
+            <a:extLst>
+              <a:ext uri="{FF2B5EF4-FFF2-40B4-BE49-F238E27FC236}">
+                <a16:creationId xmlns:a16="http://schemas.microsoft.com/office/drawing/2014/main" id="{DA7331DD-58B7-2926-2986-303FA52A4951}"/>
+              </a:ext>
+            </a:extLst>
+          </p:cNvPr>
+          <p:cNvSpPr txBox="1"/>
+          <p:nvPr/>
+        </p:nvSpPr>
+        <p:spPr>
+          <a:xfrm>
+            <a:off x="7888942" y="4706091"/>
+            <a:ext cx="351527" cy="369332"/>
+          </a:xfrm>
+          <a:prstGeom prst="rect">
+            <a:avLst/>
+          </a:prstGeom>
+          <a:noFill/>
+        </p:spPr>
+        <p:txBody>
+          <a:bodyPr wrap="square">
+            <a:spAutoFit/>
+          </a:bodyPr>
+          <a:lstStyle/>
+          <a:p>
+            <a:r>
+              <a:rPr lang="en-US" altLang="ko-Kore-KR" dirty="0">
+                <a:latin typeface="DM Mono" panose="020B0509040201040103" pitchFamily="49" charset="0"/>
+              </a:rPr>
+              <a:t>y</a:t>
+            </a:r>
+            <a:endParaRPr lang="ko-Kore-KR" altLang="en-US" dirty="0"/>
+          </a:p>
+        </p:txBody>
+      </p:sp>
+      <p:sp>
+        <p:nvSpPr>
+          <p:cNvPr id="15" name="TextBox 14">
+            <a:extLst>
+              <a:ext uri="{FF2B5EF4-FFF2-40B4-BE49-F238E27FC236}">
+                <a16:creationId xmlns:a16="http://schemas.microsoft.com/office/drawing/2014/main" id="{451A592E-BDF8-1925-F06B-0BD18461560F}"/>
+              </a:ext>
+            </a:extLst>
+          </p:cNvPr>
+          <p:cNvSpPr txBox="1"/>
+          <p:nvPr/>
+        </p:nvSpPr>
+        <p:spPr>
+          <a:xfrm>
+            <a:off x="8240469" y="3791350"/>
+            <a:ext cx="804912" cy="369332"/>
+          </a:xfrm>
+          <a:prstGeom prst="rect">
+            <a:avLst/>
+          </a:prstGeom>
+          <a:noFill/>
+        </p:spPr>
+        <p:txBody>
+          <a:bodyPr wrap="square">
+            <a:spAutoFit/>
+          </a:bodyPr>
+          <a:lstStyle/>
+          <a:p>
+            <a:pPr algn="ctr"/>
+            <a:r>
+              <a:rPr lang="en-US" altLang="ko-Kore-KR" dirty="0">
+                <a:latin typeface="DM Mono" panose="020B0509040201040103" pitchFamily="49" charset="0"/>
+              </a:rPr>
+              <a:t>pt2</a:t>
+            </a:r>
+            <a:endParaRPr lang="ko-Kore-KR" altLang="en-US" dirty="0"/>
+          </a:p>
+        </p:txBody>
+      </p:sp>
+      <p:sp>
+        <p:nvSpPr>
+          <p:cNvPr id="17" name="TextBox 16">
+            <a:extLst>
+              <a:ext uri="{FF2B5EF4-FFF2-40B4-BE49-F238E27FC236}">
+                <a16:creationId xmlns:a16="http://schemas.microsoft.com/office/drawing/2014/main" id="{E8A6CA8F-4400-CE04-ED33-65212AC48F44}"/>
+              </a:ext>
+            </a:extLst>
+          </p:cNvPr>
+          <p:cNvSpPr txBox="1"/>
+          <p:nvPr/>
+        </p:nvSpPr>
+        <p:spPr>
+          <a:xfrm>
+            <a:off x="5201434" y="1718045"/>
+            <a:ext cx="6327177" cy="1477328"/>
+          </a:xfrm>
+          <a:prstGeom prst="rect">
+            <a:avLst/>
+          </a:prstGeom>
+          <a:noFill/>
+        </p:spPr>
+        <p:txBody>
+          <a:bodyPr wrap="square">
+            <a:spAutoFit/>
+          </a:bodyPr>
+          <a:lstStyle/>
+          <a:p>
+            <a:r>
+              <a:rPr lang="ko-Kore-KR" altLang="en-US" sz="1800" dirty="0">
+                <a:latin typeface="DM Mono" panose="020B0509040201040103" pitchFamily="49" charset="0"/>
+              </a:rPr>
+              <a:t>void </a:t>
+            </a:r>
+            <a:r>
+              <a:rPr lang="en-US" altLang="ko-Kore-KR" sz="1800" dirty="0">
+                <a:solidFill>
+                  <a:srgbClr val="FF0000"/>
+                </a:solidFill>
+                <a:latin typeface="DM Mono" panose="020B0509040201040103" pitchFamily="49" charset="0"/>
+              </a:rPr>
+              <a:t>Point::</a:t>
+            </a:r>
+            <a:r>
+              <a:rPr lang="ko-Kore-KR" altLang="en-US" sz="1800" dirty="0">
+                <a:solidFill>
+                  <a:srgbClr val="FF0000"/>
+                </a:solidFill>
+                <a:latin typeface="DM Mono" panose="020B0509040201040103" pitchFamily="49" charset="0"/>
+              </a:rPr>
+              <a:t>Set</a:t>
+            </a:r>
+            <a:r>
+              <a:rPr lang="ko-Kore-KR" altLang="en-US" sz="1800" dirty="0">
+                <a:latin typeface="DM Mono" panose="020B0509040201040103" pitchFamily="49" charset="0"/>
+              </a:rPr>
+              <a:t>(</a:t>
+            </a:r>
+            <a:r>
+              <a:rPr lang="en-US" altLang="ko-Kore-KR" sz="1800" dirty="0">
+                <a:solidFill>
+                  <a:srgbClr val="FF0000"/>
+                </a:solidFill>
+                <a:latin typeface="DM Mono" panose="020B0509040201040103" pitchFamily="49" charset="0"/>
+              </a:rPr>
+              <a:t>Point* this</a:t>
+            </a:r>
+            <a:r>
+              <a:rPr lang="en-US" altLang="ko-Kore-KR" sz="1800" dirty="0">
+                <a:latin typeface="DM Mono" panose="020B0509040201040103" pitchFamily="49" charset="0"/>
+              </a:rPr>
+              <a:t>, </a:t>
+            </a:r>
+            <a:r>
+              <a:rPr lang="ko-Kore-KR" altLang="en-US" sz="1800" dirty="0">
+                <a:latin typeface="DM Mono" panose="020B0509040201040103" pitchFamily="49" charset="0"/>
+              </a:rPr>
+              <a:t>int a, int b)</a:t>
+            </a:r>
+          </a:p>
+          <a:p>
+            <a:r>
+              <a:rPr lang="ko-Kore-KR" altLang="en-US" sz="1800" dirty="0">
+                <a:latin typeface="DM Mono" panose="020B0509040201040103" pitchFamily="49" charset="0"/>
+              </a:rPr>
+              <a:t>{</a:t>
+            </a:r>
+          </a:p>
+          <a:p>
+            <a:r>
+              <a:rPr lang="ko-Kore-KR" altLang="en-US" sz="1800" dirty="0">
+                <a:solidFill>
+                  <a:srgbClr val="FF0000"/>
+                </a:solidFill>
+                <a:latin typeface="DM Mono" panose="020B0509040201040103" pitchFamily="49" charset="0"/>
+              </a:rPr>
+              <a:t>    </a:t>
+            </a:r>
+            <a:r>
+              <a:rPr lang="en-US" altLang="ko-Kore-KR" sz="1800" dirty="0">
+                <a:solidFill>
+                  <a:srgbClr val="FF0000"/>
+                </a:solidFill>
+                <a:latin typeface="DM Mono" panose="020B0509040201040103" pitchFamily="49" charset="0"/>
+              </a:rPr>
+              <a:t>this-&gt;</a:t>
+            </a:r>
+            <a:r>
+              <a:rPr lang="ko-Kore-KR" altLang="en-US" sz="1800" dirty="0">
+                <a:solidFill>
+                  <a:srgbClr val="FF0000"/>
+                </a:solidFill>
+                <a:latin typeface="DM Mono" panose="020B0509040201040103" pitchFamily="49" charset="0"/>
+              </a:rPr>
+              <a:t>x</a:t>
+            </a:r>
+            <a:r>
+              <a:rPr lang="ko-Kore-KR" altLang="en-US" sz="1800" dirty="0">
+                <a:latin typeface="DM Mono" panose="020B0509040201040103" pitchFamily="49" charset="0"/>
+              </a:rPr>
+              <a:t> = a;</a:t>
+            </a:r>
+          </a:p>
+          <a:p>
+            <a:r>
+              <a:rPr lang="ko-Kore-KR" altLang="en-US" sz="1800" dirty="0">
+                <a:latin typeface="DM Mono" panose="020B0509040201040103" pitchFamily="49" charset="0"/>
+              </a:rPr>
+              <a:t>    </a:t>
+            </a:r>
+            <a:r>
+              <a:rPr lang="en-US" altLang="ko-Kore-KR" sz="1800" dirty="0">
+                <a:solidFill>
+                  <a:srgbClr val="FF0000"/>
+                </a:solidFill>
+                <a:latin typeface="DM Mono" panose="020B0509040201040103" pitchFamily="49" charset="0"/>
+              </a:rPr>
+              <a:t>this-&gt;</a:t>
+            </a:r>
+            <a:r>
+              <a:rPr lang="ko-Kore-KR" altLang="en-US" sz="1800" dirty="0">
+                <a:solidFill>
+                  <a:srgbClr val="FF0000"/>
+                </a:solidFill>
+                <a:latin typeface="DM Mono" panose="020B0509040201040103" pitchFamily="49" charset="0"/>
+              </a:rPr>
+              <a:t>y</a:t>
+            </a:r>
+            <a:r>
+              <a:rPr lang="ko-Kore-KR" altLang="en-US" sz="1800" dirty="0">
+                <a:latin typeface="DM Mono" panose="020B0509040201040103" pitchFamily="49" charset="0"/>
+              </a:rPr>
+              <a:t> = b;</a:t>
+            </a:r>
+          </a:p>
+          <a:p>
+            <a:r>
+              <a:rPr lang="ko-Kore-KR" altLang="en-US" sz="1800" dirty="0">
+                <a:latin typeface="DM Mono" panose="020B0509040201040103" pitchFamily="49" charset="0"/>
+              </a:rPr>
+              <a:t>}</a:t>
+            </a:r>
+            <a:endParaRPr lang="ko-Kore-KR" altLang="en-US" dirty="0"/>
+          </a:p>
+        </p:txBody>
+      </p:sp>
+      <p:sp>
+        <p:nvSpPr>
+          <p:cNvPr id="2" name="직사각형 1">
+            <a:extLst>
+              <a:ext uri="{FF2B5EF4-FFF2-40B4-BE49-F238E27FC236}">
+                <a16:creationId xmlns:a16="http://schemas.microsoft.com/office/drawing/2014/main" id="{CE3CC2D6-94BF-FA9E-C4E8-A2FF3B88F57D}"/>
+              </a:ext>
+            </a:extLst>
+          </p:cNvPr>
+          <p:cNvSpPr/>
+          <p:nvPr/>
+        </p:nvSpPr>
+        <p:spPr>
+          <a:xfrm>
+            <a:off x="8365022" y="1718045"/>
+            <a:ext cx="680359" cy="326416"/>
+          </a:xfrm>
+          <a:prstGeom prst="rect">
+            <a:avLst/>
+          </a:prstGeom>
+          <a:noFill/>
+        </p:spPr>
+        <p:style>
+          <a:lnRef idx="2">
+            <a:schemeClr val="accent1">
+              <a:shade val="15000"/>
+            </a:schemeClr>
+          </a:lnRef>
+          <a:fillRef idx="1">
+            <a:schemeClr val="accent1"/>
+          </a:fillRef>
+          <a:effectRef idx="0">
+            <a:schemeClr val="accent1"/>
+          </a:effectRef>
+          <a:fontRef idx="minor">
+            <a:schemeClr val="lt1"/>
+          </a:fontRef>
+        </p:style>
+        <p:txBody>
+          <a:bodyPr rtlCol="0" anchor="ctr"/>
+          <a:lstStyle/>
+          <a:p>
+            <a:pPr algn="ctr"/>
+            <a:endParaRPr kumimoji="1" lang="ko-Kore-KR" altLang="en-US" sz="1600" dirty="0">
+              <a:solidFill>
+                <a:schemeClr val="tx1"/>
+              </a:solidFill>
+              <a:latin typeface="DM Mono" panose="020B0509040201040103" pitchFamily="49" charset="0"/>
+            </a:endParaRPr>
+          </a:p>
+        </p:txBody>
+      </p:sp>
+      <p:cxnSp>
+        <p:nvCxnSpPr>
+          <p:cNvPr id="4" name="구부러진 연결선[U] 3">
+            <a:extLst>
+              <a:ext uri="{FF2B5EF4-FFF2-40B4-BE49-F238E27FC236}">
+                <a16:creationId xmlns:a16="http://schemas.microsoft.com/office/drawing/2014/main" id="{28EC9F2E-3EAF-D9A9-1AED-C050D8855A90}"/>
+              </a:ext>
+            </a:extLst>
+          </p:cNvPr>
+          <p:cNvCxnSpPr>
+            <a:cxnSpLocks/>
+            <a:stCxn id="2" idx="2"/>
+            <a:endCxn id="11" idx="0"/>
+          </p:cNvCxnSpPr>
+          <p:nvPr/>
+        </p:nvCxnSpPr>
+        <p:spPr>
+          <a:xfrm rot="5400000">
+            <a:off x="7612623" y="3074764"/>
+            <a:ext cx="2122882" cy="62277"/>
+          </a:xfrm>
+          <a:prstGeom prst="curvedConnector3">
+            <a:avLst/>
+          </a:prstGeom>
+          <a:ln w="12700">
+            <a:tailEnd type="triangle"/>
+          </a:ln>
+        </p:spPr>
+        <p:style>
+          <a:lnRef idx="1">
+            <a:schemeClr val="dk1"/>
+          </a:lnRef>
+          <a:fillRef idx="0">
+            <a:schemeClr val="dk1"/>
+          </a:fillRef>
+          <a:effectRef idx="0">
+            <a:schemeClr val="dk1"/>
+          </a:effectRef>
+          <a:fontRef idx="minor">
+            <a:schemeClr val="tx1"/>
+          </a:fontRef>
+        </p:style>
+      </p:cxnSp>
+    </p:spTree>
+    <p:extLst>
+      <p:ext uri="{BB962C8B-B14F-4D97-AF65-F5344CB8AC3E}">
+        <p14:creationId xmlns:p14="http://schemas.microsoft.com/office/powerpoint/2010/main" val="996829245"/>
+      </p:ext>
+    </p:extLst>
+  </p:cSld>
+  <p:clrMapOvr>
+    <a:masterClrMapping/>
+  </p:clrMapOvr>
+</p:sld>
+</file>
+
 <file path=ppt/slides/slide2.xml><?xml version="1.0" encoding="utf-8"?>
 <p:sld xmlns:a="http://schemas.openxmlformats.org/drawingml/2006/main" xmlns:r="http://schemas.openxmlformats.org/officeDocument/2006/relationships" xmlns:p="http://schemas.openxmlformats.org/presentationml/2006/main">
   <p:cSld>
@@ -7329,58 +10121,76 @@
           <a:p>
             <a:r>
               <a:rPr lang="ko-Kore-KR" altLang="en-US" dirty="0">
+                <a:latin typeface="DM Mono" panose="020B0509040201040103" pitchFamily="49" charset="0"/>
+              </a:rPr>
+              <a:t>    int n = 100;</a:t>
+            </a:r>
+          </a:p>
+          <a:p>
+            <a:endParaRPr lang="ko-Kore-KR" altLang="en-US" dirty="0">
+              <a:latin typeface="DM Mono" panose="020B0509040201040103" pitchFamily="49" charset="0"/>
+            </a:endParaRPr>
+          </a:p>
+          <a:p>
+            <a:r>
+              <a:rPr lang="ko-Kore-KR" altLang="en-US" dirty="0">
                 <a:solidFill>
                   <a:srgbClr val="FF0000"/>
                 </a:solidFill>
                 <a:latin typeface="DM Mono" panose="020B0509040201040103" pitchFamily="49" charset="0"/>
               </a:rPr>
-              <a:t>    int n = 100;</a:t>
-            </a:r>
-          </a:p>
-          <a:p>
-            <a:endParaRPr lang="ko-Kore-KR" altLang="en-US" dirty="0">
-              <a:latin typeface="DM Mono" panose="020B0509040201040103" pitchFamily="49" charset="0"/>
-            </a:endParaRPr>
-          </a:p>
-          <a:p>
-            <a:r>
-              <a:rPr lang="ko-Kore-KR" altLang="en-US" dirty="0">
-                <a:latin typeface="DM Mono" panose="020B0509040201040103" pitchFamily="49" charset="0"/>
-              </a:rPr>
               <a:t>    int</a:t>
             </a:r>
             <a:r>
               <a:rPr lang="en-US" altLang="ko-Kore-KR" dirty="0">
+                <a:solidFill>
+                  <a:srgbClr val="FF0000"/>
+                </a:solidFill>
                 <a:latin typeface="DM Mono" panose="020B0509040201040103" pitchFamily="49" charset="0"/>
               </a:rPr>
               <a:t>*</a:t>
             </a:r>
             <a:r>
               <a:rPr lang="ko-Kore-KR" altLang="en-US" dirty="0">
+                <a:solidFill>
+                  <a:srgbClr val="FF0000"/>
+                </a:solidFill>
                 <a:latin typeface="DM Mono" panose="020B0509040201040103" pitchFamily="49" charset="0"/>
               </a:rPr>
               <a:t> </a:t>
             </a:r>
             <a:r>
               <a:rPr lang="en-US" altLang="ko-Kore-KR" dirty="0">
+                <a:solidFill>
+                  <a:srgbClr val="FF0000"/>
+                </a:solidFill>
                 <a:latin typeface="DM Mono" panose="020B0509040201040103" pitchFamily="49" charset="0"/>
               </a:rPr>
               <a:t>p</a:t>
             </a:r>
             <a:r>
               <a:rPr lang="ko-Kore-KR" altLang="en-US" dirty="0">
+                <a:solidFill>
+                  <a:srgbClr val="FF0000"/>
+                </a:solidFill>
                 <a:latin typeface="DM Mono" panose="020B0509040201040103" pitchFamily="49" charset="0"/>
               </a:rPr>
               <a:t> = </a:t>
             </a:r>
             <a:r>
               <a:rPr lang="en-US" altLang="ko-Kore-KR" dirty="0">
+                <a:solidFill>
+                  <a:srgbClr val="FF0000"/>
+                </a:solidFill>
                 <a:latin typeface="DM Mono" panose="020B0509040201040103" pitchFamily="49" charset="0"/>
               </a:rPr>
               <a:t>&amp;</a:t>
             </a:r>
             <a:r>
               <a:rPr lang="ko-Kore-KR" altLang="en-US" dirty="0">
+                <a:solidFill>
+                  <a:srgbClr val="FF0000"/>
+                </a:solidFill>
                 <a:latin typeface="DM Mono" panose="020B0509040201040103" pitchFamily="49" charset="0"/>
               </a:rPr>
               <a:t>n;</a:t>

--- a/cpp_230824.pptx
+++ b/cpp_230824.pptx
@@ -22,6 +22,11 @@
     <p:sldId id="271" r:id="rId16"/>
     <p:sldId id="272" r:id="rId17"/>
     <p:sldId id="273" r:id="rId18"/>
+    <p:sldId id="274" r:id="rId19"/>
+    <p:sldId id="275" r:id="rId20"/>
+    <p:sldId id="276" r:id="rId21"/>
+    <p:sldId id="277" r:id="rId22"/>
+    <p:sldId id="278" r:id="rId23"/>
   </p:sldIdLst>
   <p:sldSz cx="12192000" cy="6858000"/>
   <p:notesSz cx="6858000" cy="9144000"/>
@@ -9517,6 +9522,1628 @@
 </p:sld>
 </file>
 
+<file path=ppt/slides/slide18.xml><?xml version="1.0" encoding="utf-8"?>
+<p:sld xmlns:a="http://schemas.openxmlformats.org/drawingml/2006/main" xmlns:r="http://schemas.openxmlformats.org/officeDocument/2006/relationships" xmlns:p="http://schemas.openxmlformats.org/presentationml/2006/main">
+  <p:cSld>
+    <p:spTree>
+      <p:nvGrpSpPr>
+        <p:cNvPr id="1" name=""/>
+        <p:cNvGrpSpPr/>
+        <p:nvPr/>
+      </p:nvGrpSpPr>
+      <p:grpSpPr>
+        <a:xfrm>
+          <a:off x="0" y="0"/>
+          <a:ext cx="0" cy="0"/>
+          <a:chOff x="0" y="0"/>
+          <a:chExt cx="0" cy="0"/>
+        </a:xfrm>
+      </p:grpSpPr>
+      <p:sp>
+        <p:nvSpPr>
+          <p:cNvPr id="5" name="TextBox 4">
+            <a:extLst>
+              <a:ext uri="{FF2B5EF4-FFF2-40B4-BE49-F238E27FC236}">
+                <a16:creationId xmlns:a16="http://schemas.microsoft.com/office/drawing/2014/main" id="{88DF2C13-5DDB-31C3-B732-2D9C25519E72}"/>
+              </a:ext>
+            </a:extLst>
+          </p:cNvPr>
+          <p:cNvSpPr txBox="1"/>
+          <p:nvPr/>
+        </p:nvSpPr>
+        <p:spPr>
+          <a:xfrm>
+            <a:off x="459357" y="159027"/>
+            <a:ext cx="4612975" cy="5693866"/>
+          </a:xfrm>
+          <a:prstGeom prst="rect">
+            <a:avLst/>
+          </a:prstGeom>
+          <a:noFill/>
+        </p:spPr>
+        <p:txBody>
+          <a:bodyPr wrap="square">
+            <a:spAutoFit/>
+          </a:bodyPr>
+          <a:lstStyle/>
+          <a:p>
+            <a:r>
+              <a:rPr lang="ko-Kore-KR" altLang="en-US" sz="1400" dirty="0">
+                <a:latin typeface="DM Mono" panose="020B0509040201040103" pitchFamily="49" charset="0"/>
+              </a:rPr>
+              <a:t>class User {</a:t>
+            </a:r>
+          </a:p>
+          <a:p>
+            <a:r>
+              <a:rPr lang="ko-Kore-KR" altLang="en-US" sz="1400" dirty="0">
+                <a:latin typeface="DM Mono" panose="020B0509040201040103" pitchFamily="49" charset="0"/>
+              </a:rPr>
+              <a:t>    char* name;</a:t>
+            </a:r>
+          </a:p>
+          <a:p>
+            <a:r>
+              <a:rPr lang="ko-Kore-KR" altLang="en-US" sz="1400" dirty="0">
+                <a:latin typeface="DM Mono" panose="020B0509040201040103" pitchFamily="49" charset="0"/>
+              </a:rPr>
+              <a:t>    int age;</a:t>
+            </a:r>
+          </a:p>
+          <a:p>
+            <a:endParaRPr lang="ko-Kore-KR" altLang="en-US" sz="1400" dirty="0">
+              <a:latin typeface="DM Mono" panose="020B0509040201040103" pitchFamily="49" charset="0"/>
+            </a:endParaRPr>
+          </a:p>
+          <a:p>
+            <a:r>
+              <a:rPr lang="ko-Kore-KR" altLang="en-US" sz="1400" dirty="0">
+                <a:latin typeface="DM Mono" panose="020B0509040201040103" pitchFamily="49" charset="0"/>
+              </a:rPr>
+              <a:t>public:</a:t>
+            </a:r>
+          </a:p>
+          <a:p>
+            <a:r>
+              <a:rPr lang="ko-Kore-KR" altLang="en-US" sz="1400" dirty="0">
+                <a:solidFill>
+                  <a:srgbClr val="FF0000"/>
+                </a:solidFill>
+                <a:latin typeface="DM Mono" panose="020B0509040201040103" pitchFamily="49" charset="0"/>
+              </a:rPr>
+              <a:t>    User(const char* s, int n)</a:t>
+            </a:r>
+          </a:p>
+          <a:p>
+            <a:r>
+              <a:rPr lang="ko-Kore-KR" altLang="en-US" sz="1400" dirty="0">
+                <a:solidFill>
+                  <a:srgbClr val="FF0000"/>
+                </a:solidFill>
+                <a:latin typeface="DM Mono" panose="020B0509040201040103" pitchFamily="49" charset="0"/>
+              </a:rPr>
+              <a:t>        : age { n }</a:t>
+            </a:r>
+          </a:p>
+          <a:p>
+            <a:r>
+              <a:rPr lang="ko-Kore-KR" altLang="en-US" sz="1400" dirty="0">
+                <a:solidFill>
+                  <a:srgbClr val="FF0000"/>
+                </a:solidFill>
+                <a:latin typeface="DM Mono" panose="020B0509040201040103" pitchFamily="49" charset="0"/>
+              </a:rPr>
+              <a:t>    {</a:t>
+            </a:r>
+          </a:p>
+          <a:p>
+            <a:r>
+              <a:rPr lang="ko-Kore-KR" altLang="en-US" sz="1400" dirty="0">
+                <a:solidFill>
+                  <a:srgbClr val="FF0000"/>
+                </a:solidFill>
+                <a:latin typeface="DM Mono" panose="020B0509040201040103" pitchFamily="49" charset="0"/>
+              </a:rPr>
+              <a:t>        name = new char[strlen(s) + 1];</a:t>
+            </a:r>
+          </a:p>
+          <a:p>
+            <a:r>
+              <a:rPr lang="ko-Kore-KR" altLang="en-US" sz="1400" dirty="0">
+                <a:solidFill>
+                  <a:srgbClr val="FF0000"/>
+                </a:solidFill>
+                <a:latin typeface="DM Mono" panose="020B0509040201040103" pitchFamily="49" charset="0"/>
+              </a:rPr>
+              <a:t>        strcpy(name, s);</a:t>
+            </a:r>
+          </a:p>
+          <a:p>
+            <a:r>
+              <a:rPr lang="ko-Kore-KR" altLang="en-US" sz="1400" dirty="0">
+                <a:solidFill>
+                  <a:srgbClr val="FF0000"/>
+                </a:solidFill>
+                <a:latin typeface="DM Mono" panose="020B0509040201040103" pitchFamily="49" charset="0"/>
+              </a:rPr>
+              <a:t>    }</a:t>
+            </a:r>
+          </a:p>
+          <a:p>
+            <a:endParaRPr lang="ko-Kore-KR" altLang="en-US" sz="1400" dirty="0">
+              <a:latin typeface="DM Mono" panose="020B0509040201040103" pitchFamily="49" charset="0"/>
+            </a:endParaRPr>
+          </a:p>
+          <a:p>
+            <a:r>
+              <a:rPr lang="ko-Kore-KR" altLang="en-US" sz="1400" dirty="0">
+                <a:latin typeface="DM Mono" panose="020B0509040201040103" pitchFamily="49" charset="0"/>
+              </a:rPr>
+              <a:t>    ~User()</a:t>
+            </a:r>
+          </a:p>
+          <a:p>
+            <a:r>
+              <a:rPr lang="ko-Kore-KR" altLang="en-US" sz="1400" dirty="0">
+                <a:latin typeface="DM Mono" panose="020B0509040201040103" pitchFamily="49" charset="0"/>
+              </a:rPr>
+              <a:t>    {</a:t>
+            </a:r>
+          </a:p>
+          <a:p>
+            <a:r>
+              <a:rPr lang="ko-Kore-KR" altLang="en-US" sz="1400" dirty="0">
+                <a:latin typeface="DM Mono" panose="020B0509040201040103" pitchFamily="49" charset="0"/>
+              </a:rPr>
+              <a:t>        delete[] name;</a:t>
+            </a:r>
+          </a:p>
+          <a:p>
+            <a:r>
+              <a:rPr lang="ko-Kore-KR" altLang="en-US" sz="1400" dirty="0">
+                <a:latin typeface="DM Mono" panose="020B0509040201040103" pitchFamily="49" charset="0"/>
+              </a:rPr>
+              <a:t>    }</a:t>
+            </a:r>
+            <a:endParaRPr lang="en-US" altLang="ko-Kore-KR" sz="1400" dirty="0">
+              <a:latin typeface="DM Mono" panose="020B0509040201040103" pitchFamily="49" charset="0"/>
+            </a:endParaRPr>
+          </a:p>
+          <a:p>
+            <a:r>
+              <a:rPr lang="ko-Kore-KR" altLang="en-US" sz="1400" dirty="0">
+                <a:latin typeface="DM Mono" panose="020B0509040201040103" pitchFamily="49" charset="0"/>
+              </a:rPr>
+              <a:t>};</a:t>
+            </a:r>
+          </a:p>
+          <a:p>
+            <a:endParaRPr lang="ko-Kore-KR" altLang="en-US" sz="1400" dirty="0">
+              <a:latin typeface="DM Mono" panose="020B0509040201040103" pitchFamily="49" charset="0"/>
+            </a:endParaRPr>
+          </a:p>
+          <a:p>
+            <a:r>
+              <a:rPr lang="ko-Kore-KR" altLang="en-US" sz="1400" dirty="0">
+                <a:latin typeface="DM Mono" panose="020B0509040201040103" pitchFamily="49" charset="0"/>
+              </a:rPr>
+              <a:t>int main()</a:t>
+            </a:r>
+          </a:p>
+          <a:p>
+            <a:r>
+              <a:rPr lang="ko-Kore-KR" altLang="en-US" sz="1400" dirty="0">
+                <a:latin typeface="DM Mono" panose="020B0509040201040103" pitchFamily="49" charset="0"/>
+              </a:rPr>
+              <a:t>{</a:t>
+            </a:r>
+          </a:p>
+          <a:p>
+            <a:r>
+              <a:rPr lang="ko-Kore-KR" altLang="en-US" sz="1400" dirty="0">
+                <a:solidFill>
+                  <a:srgbClr val="FF0000"/>
+                </a:solidFill>
+                <a:latin typeface="DM Mono" panose="020B0509040201040103" pitchFamily="49" charset="0"/>
+              </a:rPr>
+              <a:t>    User user { "Tom", 42 };</a:t>
+            </a:r>
+          </a:p>
+          <a:p>
+            <a:r>
+              <a:rPr lang="ko-Kore-KR" altLang="en-US" sz="1400" dirty="0">
+                <a:latin typeface="DM Mono" panose="020B0509040201040103" pitchFamily="49" charset="0"/>
+              </a:rPr>
+              <a:t>    user.Print();</a:t>
+            </a:r>
+          </a:p>
+          <a:p>
+            <a:endParaRPr lang="ko-Kore-KR" altLang="en-US" sz="1400" dirty="0">
+              <a:latin typeface="DM Mono" panose="020B0509040201040103" pitchFamily="49" charset="0"/>
+            </a:endParaRPr>
+          </a:p>
+          <a:p>
+            <a:r>
+              <a:rPr lang="ko-Kore-KR" altLang="en-US" sz="1400" dirty="0">
+                <a:latin typeface="DM Mono" panose="020B0509040201040103" pitchFamily="49" charset="0"/>
+              </a:rPr>
+              <a:t>    User other { user };</a:t>
+            </a:r>
+          </a:p>
+          <a:p>
+            <a:r>
+              <a:rPr lang="ko-Kore-KR" altLang="en-US" sz="1400" dirty="0">
+                <a:latin typeface="DM Mono" panose="020B0509040201040103" pitchFamily="49" charset="0"/>
+              </a:rPr>
+              <a:t>    other.Print();</a:t>
+            </a:r>
+          </a:p>
+          <a:p>
+            <a:r>
+              <a:rPr lang="ko-Kore-KR" altLang="en-US" sz="1400" dirty="0">
+                <a:latin typeface="DM Mono" panose="020B0509040201040103" pitchFamily="49" charset="0"/>
+              </a:rPr>
+              <a:t>}</a:t>
+            </a:r>
+          </a:p>
+        </p:txBody>
+      </p:sp>
+      <p:sp>
+        <p:nvSpPr>
+          <p:cNvPr id="6" name="직사각형 5">
+            <a:extLst>
+              <a:ext uri="{FF2B5EF4-FFF2-40B4-BE49-F238E27FC236}">
+                <a16:creationId xmlns:a16="http://schemas.microsoft.com/office/drawing/2014/main" id="{558F7C08-07E2-B90D-71F9-DC5FD5AF3714}"/>
+              </a:ext>
+            </a:extLst>
+          </p:cNvPr>
+          <p:cNvSpPr/>
+          <p:nvPr/>
+        </p:nvSpPr>
+        <p:spPr>
+          <a:xfrm>
+            <a:off x="7119670" y="915185"/>
+            <a:ext cx="804912" cy="482277"/>
+          </a:xfrm>
+          <a:prstGeom prst="rect">
+            <a:avLst/>
+          </a:prstGeom>
+          <a:solidFill>
+            <a:srgbClr val="FFFF00"/>
+          </a:solidFill>
+        </p:spPr>
+        <p:style>
+          <a:lnRef idx="2">
+            <a:schemeClr val="accent1">
+              <a:shade val="15000"/>
+            </a:schemeClr>
+          </a:lnRef>
+          <a:fillRef idx="1">
+            <a:schemeClr val="accent1"/>
+          </a:fillRef>
+          <a:effectRef idx="0">
+            <a:schemeClr val="accent1"/>
+          </a:effectRef>
+          <a:fontRef idx="minor">
+            <a:schemeClr val="lt1"/>
+          </a:fontRef>
+        </p:style>
+        <p:txBody>
+          <a:bodyPr rtlCol="0" anchor="ctr"/>
+          <a:lstStyle/>
+          <a:p>
+            <a:pPr algn="ctr"/>
+            <a:r>
+              <a:rPr kumimoji="1" lang="en-US" altLang="ko-Kore-KR" sz="1600" dirty="0">
+                <a:solidFill>
+                  <a:srgbClr val="FF0000"/>
+                </a:solidFill>
+                <a:latin typeface="DM Mono" panose="020B0509040201040103" pitchFamily="49" charset="0"/>
+              </a:rPr>
+              <a:t>0x100</a:t>
+            </a:r>
+            <a:endParaRPr kumimoji="1" lang="ko-Kore-KR" altLang="en-US" sz="1600" dirty="0">
+              <a:solidFill>
+                <a:srgbClr val="FF0000"/>
+              </a:solidFill>
+              <a:latin typeface="DM Mono" panose="020B0509040201040103" pitchFamily="49" charset="0"/>
+            </a:endParaRPr>
+          </a:p>
+        </p:txBody>
+      </p:sp>
+      <p:sp>
+        <p:nvSpPr>
+          <p:cNvPr id="7" name="TextBox 6">
+            <a:extLst>
+              <a:ext uri="{FF2B5EF4-FFF2-40B4-BE49-F238E27FC236}">
+                <a16:creationId xmlns:a16="http://schemas.microsoft.com/office/drawing/2014/main" id="{42488CB0-6CAC-668D-A778-94ED6CA79F69}"/>
+              </a:ext>
+            </a:extLst>
+          </p:cNvPr>
+          <p:cNvSpPr txBox="1"/>
+          <p:nvPr/>
+        </p:nvSpPr>
+        <p:spPr>
+          <a:xfrm>
+            <a:off x="6327171" y="971657"/>
+            <a:ext cx="792499" cy="369332"/>
+          </a:xfrm>
+          <a:prstGeom prst="rect">
+            <a:avLst/>
+          </a:prstGeom>
+          <a:noFill/>
+        </p:spPr>
+        <p:txBody>
+          <a:bodyPr wrap="square">
+            <a:spAutoFit/>
+          </a:bodyPr>
+          <a:lstStyle/>
+          <a:p>
+            <a:pPr algn="r"/>
+            <a:r>
+              <a:rPr lang="en-US" altLang="ko-Kore-KR" dirty="0">
+                <a:latin typeface="DM Mono" panose="020B0509040201040103" pitchFamily="49" charset="0"/>
+              </a:rPr>
+              <a:t>name</a:t>
+            </a:r>
+            <a:endParaRPr lang="ko-Kore-KR" altLang="en-US" dirty="0"/>
+          </a:p>
+        </p:txBody>
+      </p:sp>
+      <p:sp>
+        <p:nvSpPr>
+          <p:cNvPr id="8" name="직사각형 7">
+            <a:extLst>
+              <a:ext uri="{FF2B5EF4-FFF2-40B4-BE49-F238E27FC236}">
+                <a16:creationId xmlns:a16="http://schemas.microsoft.com/office/drawing/2014/main" id="{246A770D-CBAF-9BFB-CB00-1B9322FF7431}"/>
+              </a:ext>
+            </a:extLst>
+          </p:cNvPr>
+          <p:cNvSpPr/>
+          <p:nvPr/>
+        </p:nvSpPr>
+        <p:spPr>
+          <a:xfrm>
+            <a:off x="7119670" y="1397461"/>
+            <a:ext cx="804912" cy="482277"/>
+          </a:xfrm>
+          <a:prstGeom prst="rect">
+            <a:avLst/>
+          </a:prstGeom>
+          <a:solidFill>
+            <a:srgbClr val="FFFF00"/>
+          </a:solidFill>
+        </p:spPr>
+        <p:style>
+          <a:lnRef idx="2">
+            <a:schemeClr val="accent1">
+              <a:shade val="15000"/>
+            </a:schemeClr>
+          </a:lnRef>
+          <a:fillRef idx="1">
+            <a:schemeClr val="accent1"/>
+          </a:fillRef>
+          <a:effectRef idx="0">
+            <a:schemeClr val="accent1"/>
+          </a:effectRef>
+          <a:fontRef idx="minor">
+            <a:schemeClr val="lt1"/>
+          </a:fontRef>
+        </p:style>
+        <p:txBody>
+          <a:bodyPr rtlCol="0" anchor="ctr"/>
+          <a:lstStyle/>
+          <a:p>
+            <a:pPr algn="ctr"/>
+            <a:r>
+              <a:rPr kumimoji="1" lang="en-US" altLang="ko-Kore-KR" sz="1600" dirty="0">
+                <a:solidFill>
+                  <a:srgbClr val="FF0000"/>
+                </a:solidFill>
+                <a:latin typeface="DM Mono" panose="020B0509040201040103" pitchFamily="49" charset="0"/>
+              </a:rPr>
+              <a:t>42</a:t>
+            </a:r>
+            <a:endParaRPr kumimoji="1" lang="ko-Kore-KR" altLang="en-US" sz="1600" dirty="0">
+              <a:solidFill>
+                <a:srgbClr val="FF0000"/>
+              </a:solidFill>
+              <a:latin typeface="DM Mono" panose="020B0509040201040103" pitchFamily="49" charset="0"/>
+            </a:endParaRPr>
+          </a:p>
+        </p:txBody>
+      </p:sp>
+      <p:sp>
+        <p:nvSpPr>
+          <p:cNvPr id="9" name="TextBox 8">
+            <a:extLst>
+              <a:ext uri="{FF2B5EF4-FFF2-40B4-BE49-F238E27FC236}">
+                <a16:creationId xmlns:a16="http://schemas.microsoft.com/office/drawing/2014/main" id="{4E461239-9BD0-4824-0F8C-6D2EB0165069}"/>
+              </a:ext>
+            </a:extLst>
+          </p:cNvPr>
+          <p:cNvSpPr txBox="1"/>
+          <p:nvPr/>
+        </p:nvSpPr>
+        <p:spPr>
+          <a:xfrm>
+            <a:off x="6396183" y="1453933"/>
+            <a:ext cx="723487" cy="369332"/>
+          </a:xfrm>
+          <a:prstGeom prst="rect">
+            <a:avLst/>
+          </a:prstGeom>
+          <a:noFill/>
+        </p:spPr>
+        <p:txBody>
+          <a:bodyPr wrap="square">
+            <a:spAutoFit/>
+          </a:bodyPr>
+          <a:lstStyle/>
+          <a:p>
+            <a:pPr algn="r"/>
+            <a:r>
+              <a:rPr lang="en-US" altLang="ko-Kore-KR" dirty="0">
+                <a:latin typeface="DM Mono" panose="020B0509040201040103" pitchFamily="49" charset="0"/>
+              </a:rPr>
+              <a:t>age</a:t>
+            </a:r>
+            <a:endParaRPr lang="ko-Kore-KR" altLang="en-US" dirty="0"/>
+          </a:p>
+        </p:txBody>
+      </p:sp>
+      <p:sp>
+        <p:nvSpPr>
+          <p:cNvPr id="10" name="TextBox 9">
+            <a:extLst>
+              <a:ext uri="{FF2B5EF4-FFF2-40B4-BE49-F238E27FC236}">
+                <a16:creationId xmlns:a16="http://schemas.microsoft.com/office/drawing/2014/main" id="{BA97DF8F-FE1C-72EF-8941-D736A8BE1ED0}"/>
+              </a:ext>
+            </a:extLst>
+          </p:cNvPr>
+          <p:cNvSpPr txBox="1"/>
+          <p:nvPr/>
+        </p:nvSpPr>
+        <p:spPr>
+          <a:xfrm>
+            <a:off x="7119670" y="539192"/>
+            <a:ext cx="804912" cy="369332"/>
+          </a:xfrm>
+          <a:prstGeom prst="rect">
+            <a:avLst/>
+          </a:prstGeom>
+          <a:noFill/>
+        </p:spPr>
+        <p:txBody>
+          <a:bodyPr wrap="square">
+            <a:spAutoFit/>
+          </a:bodyPr>
+          <a:lstStyle/>
+          <a:p>
+            <a:pPr algn="ctr"/>
+            <a:r>
+              <a:rPr lang="en-US" altLang="ko-Kore-KR" dirty="0">
+                <a:latin typeface="DM Mono" panose="020B0509040201040103" pitchFamily="49" charset="0"/>
+              </a:rPr>
+              <a:t>user</a:t>
+            </a:r>
+            <a:endParaRPr lang="ko-Kore-KR" altLang="en-US" dirty="0"/>
+          </a:p>
+        </p:txBody>
+      </p:sp>
+      <p:sp>
+        <p:nvSpPr>
+          <p:cNvPr id="11" name="직사각형 10">
+            <a:extLst>
+              <a:ext uri="{FF2B5EF4-FFF2-40B4-BE49-F238E27FC236}">
+                <a16:creationId xmlns:a16="http://schemas.microsoft.com/office/drawing/2014/main" id="{6D56AB7B-3E78-1266-0970-D81BC67B6A6D}"/>
+              </a:ext>
+            </a:extLst>
+          </p:cNvPr>
+          <p:cNvSpPr/>
+          <p:nvPr/>
+        </p:nvSpPr>
+        <p:spPr>
+          <a:xfrm>
+            <a:off x="9971919" y="489380"/>
+            <a:ext cx="1320057" cy="482277"/>
+          </a:xfrm>
+          <a:prstGeom prst="rect">
+            <a:avLst/>
+          </a:prstGeom>
+          <a:solidFill>
+            <a:srgbClr val="FFFF00"/>
+          </a:solidFill>
+        </p:spPr>
+        <p:style>
+          <a:lnRef idx="2">
+            <a:schemeClr val="accent1">
+              <a:shade val="15000"/>
+            </a:schemeClr>
+          </a:lnRef>
+          <a:fillRef idx="1">
+            <a:schemeClr val="accent1"/>
+          </a:fillRef>
+          <a:effectRef idx="0">
+            <a:schemeClr val="accent1"/>
+          </a:effectRef>
+          <a:fontRef idx="minor">
+            <a:schemeClr val="lt1"/>
+          </a:fontRef>
+        </p:style>
+        <p:txBody>
+          <a:bodyPr rtlCol="0" anchor="ctr"/>
+          <a:lstStyle/>
+          <a:p>
+            <a:pPr algn="ctr"/>
+            <a:r>
+              <a:rPr kumimoji="1" lang="en-US" altLang="ko-Kore-KR" sz="1600" dirty="0">
+                <a:solidFill>
+                  <a:srgbClr val="FF0000"/>
+                </a:solidFill>
+                <a:latin typeface="DM Mono" panose="020B0509040201040103" pitchFamily="49" charset="0"/>
+              </a:rPr>
+              <a:t>“Tom”</a:t>
+            </a:r>
+            <a:endParaRPr kumimoji="1" lang="ko-Kore-KR" altLang="en-US" sz="1600" dirty="0">
+              <a:solidFill>
+                <a:srgbClr val="FF0000"/>
+              </a:solidFill>
+              <a:latin typeface="DM Mono" panose="020B0509040201040103" pitchFamily="49" charset="0"/>
+            </a:endParaRPr>
+          </a:p>
+        </p:txBody>
+      </p:sp>
+      <p:cxnSp>
+        <p:nvCxnSpPr>
+          <p:cNvPr id="13" name="구부러진 연결선[U] 12">
+            <a:extLst>
+              <a:ext uri="{FF2B5EF4-FFF2-40B4-BE49-F238E27FC236}">
+                <a16:creationId xmlns:a16="http://schemas.microsoft.com/office/drawing/2014/main" id="{1E512279-978D-F186-EEDA-8D9F499F4D49}"/>
+              </a:ext>
+            </a:extLst>
+          </p:cNvPr>
+          <p:cNvCxnSpPr>
+            <a:cxnSpLocks/>
+            <a:stCxn id="6" idx="3"/>
+            <a:endCxn id="11" idx="1"/>
+          </p:cNvCxnSpPr>
+          <p:nvPr/>
+        </p:nvCxnSpPr>
+        <p:spPr>
+          <a:xfrm flipV="1">
+            <a:off x="7924582" y="730519"/>
+            <a:ext cx="2047337" cy="425805"/>
+          </a:xfrm>
+          <a:prstGeom prst="curvedConnector3">
+            <a:avLst/>
+          </a:prstGeom>
+          <a:ln w="12700">
+            <a:tailEnd type="triangle"/>
+          </a:ln>
+        </p:spPr>
+        <p:style>
+          <a:lnRef idx="1">
+            <a:schemeClr val="dk1"/>
+          </a:lnRef>
+          <a:fillRef idx="0">
+            <a:schemeClr val="dk1"/>
+          </a:fillRef>
+          <a:effectRef idx="0">
+            <a:schemeClr val="dk1"/>
+          </a:effectRef>
+          <a:fontRef idx="minor">
+            <a:schemeClr val="tx1"/>
+          </a:fontRef>
+        </p:style>
+      </p:cxnSp>
+      <p:sp>
+        <p:nvSpPr>
+          <p:cNvPr id="15" name="TextBox 14">
+            <a:extLst>
+              <a:ext uri="{FF2B5EF4-FFF2-40B4-BE49-F238E27FC236}">
+                <a16:creationId xmlns:a16="http://schemas.microsoft.com/office/drawing/2014/main" id="{5524E10B-BE69-053A-9520-6F616822CE27}"/>
+              </a:ext>
+            </a:extLst>
+          </p:cNvPr>
+          <p:cNvSpPr txBox="1"/>
+          <p:nvPr/>
+        </p:nvSpPr>
+        <p:spPr>
+          <a:xfrm>
+            <a:off x="9394167" y="196744"/>
+            <a:ext cx="974002" cy="307777"/>
+          </a:xfrm>
+          <a:prstGeom prst="rect">
+            <a:avLst/>
+          </a:prstGeom>
+          <a:noFill/>
+        </p:spPr>
+        <p:txBody>
+          <a:bodyPr wrap="square">
+            <a:spAutoFit/>
+          </a:bodyPr>
+          <a:lstStyle/>
+          <a:p>
+            <a:pPr algn="ctr"/>
+            <a:r>
+              <a:rPr lang="en-US" altLang="ko-Kore-KR" sz="1400" dirty="0">
+                <a:latin typeface="DM Mono" panose="020B0509040201040103" pitchFamily="49" charset="0"/>
+              </a:rPr>
+              <a:t>0x100</a:t>
+            </a:r>
+            <a:endParaRPr lang="ko-Kore-KR" altLang="en-US" sz="1400" dirty="0"/>
+          </a:p>
+        </p:txBody>
+      </p:sp>
+    </p:spTree>
+    <p:extLst>
+      <p:ext uri="{BB962C8B-B14F-4D97-AF65-F5344CB8AC3E}">
+        <p14:creationId xmlns:p14="http://schemas.microsoft.com/office/powerpoint/2010/main" val="1942417145"/>
+      </p:ext>
+    </p:extLst>
+  </p:cSld>
+  <p:clrMapOvr>
+    <a:masterClrMapping/>
+  </p:clrMapOvr>
+</p:sld>
+</file>
+
+<file path=ppt/slides/slide19.xml><?xml version="1.0" encoding="utf-8"?>
+<p:sld xmlns:a="http://schemas.openxmlformats.org/drawingml/2006/main" xmlns:r="http://schemas.openxmlformats.org/officeDocument/2006/relationships" xmlns:p="http://schemas.openxmlformats.org/presentationml/2006/main">
+  <p:cSld>
+    <p:spTree>
+      <p:nvGrpSpPr>
+        <p:cNvPr id="1" name=""/>
+        <p:cNvGrpSpPr/>
+        <p:nvPr/>
+      </p:nvGrpSpPr>
+      <p:grpSpPr>
+        <a:xfrm>
+          <a:off x="0" y="0"/>
+          <a:ext cx="0" cy="0"/>
+          <a:chOff x="0" y="0"/>
+          <a:chExt cx="0" cy="0"/>
+        </a:xfrm>
+      </p:grpSpPr>
+      <p:sp>
+        <p:nvSpPr>
+          <p:cNvPr id="5" name="TextBox 4">
+            <a:extLst>
+              <a:ext uri="{FF2B5EF4-FFF2-40B4-BE49-F238E27FC236}">
+                <a16:creationId xmlns:a16="http://schemas.microsoft.com/office/drawing/2014/main" id="{88DF2C13-5DDB-31C3-B732-2D9C25519E72}"/>
+              </a:ext>
+            </a:extLst>
+          </p:cNvPr>
+          <p:cNvSpPr txBox="1"/>
+          <p:nvPr/>
+        </p:nvSpPr>
+        <p:spPr>
+          <a:xfrm>
+            <a:off x="459357" y="159027"/>
+            <a:ext cx="4612975" cy="5693866"/>
+          </a:xfrm>
+          <a:prstGeom prst="rect">
+            <a:avLst/>
+          </a:prstGeom>
+          <a:noFill/>
+        </p:spPr>
+        <p:txBody>
+          <a:bodyPr wrap="square">
+            <a:spAutoFit/>
+          </a:bodyPr>
+          <a:lstStyle/>
+          <a:p>
+            <a:r>
+              <a:rPr lang="ko-Kore-KR" altLang="en-US" sz="1400" dirty="0">
+                <a:latin typeface="DM Mono" panose="020B0509040201040103" pitchFamily="49" charset="0"/>
+              </a:rPr>
+              <a:t>class User {</a:t>
+            </a:r>
+          </a:p>
+          <a:p>
+            <a:r>
+              <a:rPr lang="ko-Kore-KR" altLang="en-US" sz="1400" dirty="0">
+                <a:latin typeface="DM Mono" panose="020B0509040201040103" pitchFamily="49" charset="0"/>
+              </a:rPr>
+              <a:t>    char* name;</a:t>
+            </a:r>
+          </a:p>
+          <a:p>
+            <a:r>
+              <a:rPr lang="ko-Kore-KR" altLang="en-US" sz="1400" dirty="0">
+                <a:latin typeface="DM Mono" panose="020B0509040201040103" pitchFamily="49" charset="0"/>
+              </a:rPr>
+              <a:t>    int age;</a:t>
+            </a:r>
+          </a:p>
+          <a:p>
+            <a:endParaRPr lang="ko-Kore-KR" altLang="en-US" sz="1400" dirty="0">
+              <a:latin typeface="DM Mono" panose="020B0509040201040103" pitchFamily="49" charset="0"/>
+            </a:endParaRPr>
+          </a:p>
+          <a:p>
+            <a:r>
+              <a:rPr lang="ko-Kore-KR" altLang="en-US" sz="1400" dirty="0">
+                <a:latin typeface="DM Mono" panose="020B0509040201040103" pitchFamily="49" charset="0"/>
+              </a:rPr>
+              <a:t>public:</a:t>
+            </a:r>
+          </a:p>
+          <a:p>
+            <a:r>
+              <a:rPr lang="ko-Kore-KR" altLang="en-US" sz="1400" dirty="0">
+                <a:solidFill>
+                  <a:srgbClr val="FF0000"/>
+                </a:solidFill>
+                <a:latin typeface="DM Mono" panose="020B0509040201040103" pitchFamily="49" charset="0"/>
+              </a:rPr>
+              <a:t>    User(const char* s, int n)</a:t>
+            </a:r>
+          </a:p>
+          <a:p>
+            <a:r>
+              <a:rPr lang="ko-Kore-KR" altLang="en-US" sz="1400" dirty="0">
+                <a:solidFill>
+                  <a:srgbClr val="FF0000"/>
+                </a:solidFill>
+                <a:latin typeface="DM Mono" panose="020B0509040201040103" pitchFamily="49" charset="0"/>
+              </a:rPr>
+              <a:t>        : age { n }</a:t>
+            </a:r>
+          </a:p>
+          <a:p>
+            <a:r>
+              <a:rPr lang="ko-Kore-KR" altLang="en-US" sz="1400" dirty="0">
+                <a:solidFill>
+                  <a:srgbClr val="FF0000"/>
+                </a:solidFill>
+                <a:latin typeface="DM Mono" panose="020B0509040201040103" pitchFamily="49" charset="0"/>
+              </a:rPr>
+              <a:t>    {</a:t>
+            </a:r>
+          </a:p>
+          <a:p>
+            <a:r>
+              <a:rPr lang="ko-Kore-KR" altLang="en-US" sz="1400" dirty="0">
+                <a:solidFill>
+                  <a:srgbClr val="FF0000"/>
+                </a:solidFill>
+                <a:latin typeface="DM Mono" panose="020B0509040201040103" pitchFamily="49" charset="0"/>
+              </a:rPr>
+              <a:t>        name = new char[strlen(s) + 1];</a:t>
+            </a:r>
+          </a:p>
+          <a:p>
+            <a:r>
+              <a:rPr lang="ko-Kore-KR" altLang="en-US" sz="1400" dirty="0">
+                <a:solidFill>
+                  <a:srgbClr val="FF0000"/>
+                </a:solidFill>
+                <a:latin typeface="DM Mono" panose="020B0509040201040103" pitchFamily="49" charset="0"/>
+              </a:rPr>
+              <a:t>        strcpy(name, s);</a:t>
+            </a:r>
+          </a:p>
+          <a:p>
+            <a:r>
+              <a:rPr lang="ko-Kore-KR" altLang="en-US" sz="1400" dirty="0">
+                <a:solidFill>
+                  <a:srgbClr val="FF0000"/>
+                </a:solidFill>
+                <a:latin typeface="DM Mono" panose="020B0509040201040103" pitchFamily="49" charset="0"/>
+              </a:rPr>
+              <a:t>    }</a:t>
+            </a:r>
+          </a:p>
+          <a:p>
+            <a:endParaRPr lang="ko-Kore-KR" altLang="en-US" sz="1400" dirty="0">
+              <a:latin typeface="DM Mono" panose="020B0509040201040103" pitchFamily="49" charset="0"/>
+            </a:endParaRPr>
+          </a:p>
+          <a:p>
+            <a:r>
+              <a:rPr lang="ko-Kore-KR" altLang="en-US" sz="1400" dirty="0">
+                <a:latin typeface="DM Mono" panose="020B0509040201040103" pitchFamily="49" charset="0"/>
+              </a:rPr>
+              <a:t>    ~User()</a:t>
+            </a:r>
+          </a:p>
+          <a:p>
+            <a:r>
+              <a:rPr lang="ko-Kore-KR" altLang="en-US" sz="1400" dirty="0">
+                <a:latin typeface="DM Mono" panose="020B0509040201040103" pitchFamily="49" charset="0"/>
+              </a:rPr>
+              <a:t>    {</a:t>
+            </a:r>
+          </a:p>
+          <a:p>
+            <a:r>
+              <a:rPr lang="ko-Kore-KR" altLang="en-US" sz="1400" dirty="0">
+                <a:latin typeface="DM Mono" panose="020B0509040201040103" pitchFamily="49" charset="0"/>
+              </a:rPr>
+              <a:t>        delete[] name;</a:t>
+            </a:r>
+          </a:p>
+          <a:p>
+            <a:r>
+              <a:rPr lang="ko-Kore-KR" altLang="en-US" sz="1400" dirty="0">
+                <a:latin typeface="DM Mono" panose="020B0509040201040103" pitchFamily="49" charset="0"/>
+              </a:rPr>
+              <a:t>    }</a:t>
+            </a:r>
+            <a:endParaRPr lang="en-US" altLang="ko-Kore-KR" sz="1400" dirty="0">
+              <a:latin typeface="DM Mono" panose="020B0509040201040103" pitchFamily="49" charset="0"/>
+            </a:endParaRPr>
+          </a:p>
+          <a:p>
+            <a:r>
+              <a:rPr lang="ko-Kore-KR" altLang="en-US" sz="1400" dirty="0">
+                <a:latin typeface="DM Mono" panose="020B0509040201040103" pitchFamily="49" charset="0"/>
+              </a:rPr>
+              <a:t>};</a:t>
+            </a:r>
+          </a:p>
+          <a:p>
+            <a:endParaRPr lang="ko-Kore-KR" altLang="en-US" sz="1400" dirty="0">
+              <a:latin typeface="DM Mono" panose="020B0509040201040103" pitchFamily="49" charset="0"/>
+            </a:endParaRPr>
+          </a:p>
+          <a:p>
+            <a:r>
+              <a:rPr lang="ko-Kore-KR" altLang="en-US" sz="1400" dirty="0">
+                <a:latin typeface="DM Mono" panose="020B0509040201040103" pitchFamily="49" charset="0"/>
+              </a:rPr>
+              <a:t>int main()</a:t>
+            </a:r>
+          </a:p>
+          <a:p>
+            <a:r>
+              <a:rPr lang="ko-Kore-KR" altLang="en-US" sz="1400" dirty="0">
+                <a:latin typeface="DM Mono" panose="020B0509040201040103" pitchFamily="49" charset="0"/>
+              </a:rPr>
+              <a:t>{</a:t>
+            </a:r>
+          </a:p>
+          <a:p>
+            <a:r>
+              <a:rPr lang="ko-Kore-KR" altLang="en-US" sz="1400" dirty="0">
+                <a:latin typeface="DM Mono" panose="020B0509040201040103" pitchFamily="49" charset="0"/>
+              </a:rPr>
+              <a:t>    User user { "Tom", 42 };</a:t>
+            </a:r>
+          </a:p>
+          <a:p>
+            <a:r>
+              <a:rPr lang="ko-Kore-KR" altLang="en-US" sz="1400" dirty="0">
+                <a:latin typeface="DM Mono" panose="020B0509040201040103" pitchFamily="49" charset="0"/>
+              </a:rPr>
+              <a:t>    user.Print();</a:t>
+            </a:r>
+          </a:p>
+          <a:p>
+            <a:endParaRPr lang="ko-Kore-KR" altLang="en-US" sz="1400" dirty="0">
+              <a:latin typeface="DM Mono" panose="020B0509040201040103" pitchFamily="49" charset="0"/>
+            </a:endParaRPr>
+          </a:p>
+          <a:p>
+            <a:r>
+              <a:rPr lang="ko-Kore-KR" altLang="en-US" sz="1400" dirty="0">
+                <a:solidFill>
+                  <a:srgbClr val="FF0000"/>
+                </a:solidFill>
+                <a:latin typeface="DM Mono" panose="020B0509040201040103" pitchFamily="49" charset="0"/>
+              </a:rPr>
+              <a:t>    User other { user };</a:t>
+            </a:r>
+          </a:p>
+          <a:p>
+            <a:r>
+              <a:rPr lang="ko-Kore-KR" altLang="en-US" sz="1400" dirty="0">
+                <a:latin typeface="DM Mono" panose="020B0509040201040103" pitchFamily="49" charset="0"/>
+              </a:rPr>
+              <a:t>    other.Print();</a:t>
+            </a:r>
+          </a:p>
+          <a:p>
+            <a:r>
+              <a:rPr lang="ko-Kore-KR" altLang="en-US" sz="1400" dirty="0">
+                <a:latin typeface="DM Mono" panose="020B0509040201040103" pitchFamily="49" charset="0"/>
+              </a:rPr>
+              <a:t>}</a:t>
+            </a:r>
+          </a:p>
+        </p:txBody>
+      </p:sp>
+      <p:sp>
+        <p:nvSpPr>
+          <p:cNvPr id="6" name="직사각형 5">
+            <a:extLst>
+              <a:ext uri="{FF2B5EF4-FFF2-40B4-BE49-F238E27FC236}">
+                <a16:creationId xmlns:a16="http://schemas.microsoft.com/office/drawing/2014/main" id="{558F7C08-07E2-B90D-71F9-DC5FD5AF3714}"/>
+              </a:ext>
+            </a:extLst>
+          </p:cNvPr>
+          <p:cNvSpPr/>
+          <p:nvPr/>
+        </p:nvSpPr>
+        <p:spPr>
+          <a:xfrm>
+            <a:off x="7119670" y="915185"/>
+            <a:ext cx="804912" cy="482277"/>
+          </a:xfrm>
+          <a:prstGeom prst="rect">
+            <a:avLst/>
+          </a:prstGeom>
+          <a:solidFill>
+            <a:srgbClr val="FFFF00"/>
+          </a:solidFill>
+        </p:spPr>
+        <p:style>
+          <a:lnRef idx="2">
+            <a:schemeClr val="accent1">
+              <a:shade val="15000"/>
+            </a:schemeClr>
+          </a:lnRef>
+          <a:fillRef idx="1">
+            <a:schemeClr val="accent1"/>
+          </a:fillRef>
+          <a:effectRef idx="0">
+            <a:schemeClr val="accent1"/>
+          </a:effectRef>
+          <a:fontRef idx="minor">
+            <a:schemeClr val="lt1"/>
+          </a:fontRef>
+        </p:style>
+        <p:txBody>
+          <a:bodyPr rtlCol="0" anchor="ctr"/>
+          <a:lstStyle/>
+          <a:p>
+            <a:pPr algn="ctr"/>
+            <a:r>
+              <a:rPr kumimoji="1" lang="en-US" altLang="ko-Kore-KR" sz="1600" dirty="0">
+                <a:solidFill>
+                  <a:schemeClr val="tx1"/>
+                </a:solidFill>
+                <a:latin typeface="DM Mono" panose="020B0509040201040103" pitchFamily="49" charset="0"/>
+              </a:rPr>
+              <a:t>0x100</a:t>
+            </a:r>
+            <a:endParaRPr kumimoji="1" lang="ko-Kore-KR" altLang="en-US" sz="1600" dirty="0">
+              <a:solidFill>
+                <a:schemeClr val="tx1"/>
+              </a:solidFill>
+              <a:latin typeface="DM Mono" panose="020B0509040201040103" pitchFamily="49" charset="0"/>
+            </a:endParaRPr>
+          </a:p>
+        </p:txBody>
+      </p:sp>
+      <p:sp>
+        <p:nvSpPr>
+          <p:cNvPr id="7" name="TextBox 6">
+            <a:extLst>
+              <a:ext uri="{FF2B5EF4-FFF2-40B4-BE49-F238E27FC236}">
+                <a16:creationId xmlns:a16="http://schemas.microsoft.com/office/drawing/2014/main" id="{42488CB0-6CAC-668D-A778-94ED6CA79F69}"/>
+              </a:ext>
+            </a:extLst>
+          </p:cNvPr>
+          <p:cNvSpPr txBox="1"/>
+          <p:nvPr/>
+        </p:nvSpPr>
+        <p:spPr>
+          <a:xfrm>
+            <a:off x="6327171" y="971657"/>
+            <a:ext cx="792499" cy="369332"/>
+          </a:xfrm>
+          <a:prstGeom prst="rect">
+            <a:avLst/>
+          </a:prstGeom>
+          <a:noFill/>
+        </p:spPr>
+        <p:txBody>
+          <a:bodyPr wrap="square">
+            <a:spAutoFit/>
+          </a:bodyPr>
+          <a:lstStyle/>
+          <a:p>
+            <a:pPr algn="r"/>
+            <a:r>
+              <a:rPr lang="en-US" altLang="ko-Kore-KR" dirty="0">
+                <a:latin typeface="DM Mono" panose="020B0509040201040103" pitchFamily="49" charset="0"/>
+              </a:rPr>
+              <a:t>name</a:t>
+            </a:r>
+            <a:endParaRPr lang="ko-Kore-KR" altLang="en-US" dirty="0"/>
+          </a:p>
+        </p:txBody>
+      </p:sp>
+      <p:sp>
+        <p:nvSpPr>
+          <p:cNvPr id="8" name="직사각형 7">
+            <a:extLst>
+              <a:ext uri="{FF2B5EF4-FFF2-40B4-BE49-F238E27FC236}">
+                <a16:creationId xmlns:a16="http://schemas.microsoft.com/office/drawing/2014/main" id="{246A770D-CBAF-9BFB-CB00-1B9322FF7431}"/>
+              </a:ext>
+            </a:extLst>
+          </p:cNvPr>
+          <p:cNvSpPr/>
+          <p:nvPr/>
+        </p:nvSpPr>
+        <p:spPr>
+          <a:xfrm>
+            <a:off x="7119670" y="1397461"/>
+            <a:ext cx="804912" cy="482277"/>
+          </a:xfrm>
+          <a:prstGeom prst="rect">
+            <a:avLst/>
+          </a:prstGeom>
+          <a:solidFill>
+            <a:srgbClr val="FFFF00"/>
+          </a:solidFill>
+        </p:spPr>
+        <p:style>
+          <a:lnRef idx="2">
+            <a:schemeClr val="accent1">
+              <a:shade val="15000"/>
+            </a:schemeClr>
+          </a:lnRef>
+          <a:fillRef idx="1">
+            <a:schemeClr val="accent1"/>
+          </a:fillRef>
+          <a:effectRef idx="0">
+            <a:schemeClr val="accent1"/>
+          </a:effectRef>
+          <a:fontRef idx="minor">
+            <a:schemeClr val="lt1"/>
+          </a:fontRef>
+        </p:style>
+        <p:txBody>
+          <a:bodyPr rtlCol="0" anchor="ctr"/>
+          <a:lstStyle/>
+          <a:p>
+            <a:pPr algn="ctr"/>
+            <a:r>
+              <a:rPr kumimoji="1" lang="en-US" altLang="ko-Kore-KR" sz="1600" dirty="0">
+                <a:solidFill>
+                  <a:schemeClr val="tx1"/>
+                </a:solidFill>
+                <a:latin typeface="DM Mono" panose="020B0509040201040103" pitchFamily="49" charset="0"/>
+              </a:rPr>
+              <a:t>42</a:t>
+            </a:r>
+            <a:endParaRPr kumimoji="1" lang="ko-Kore-KR" altLang="en-US" sz="1600" dirty="0">
+              <a:solidFill>
+                <a:schemeClr val="tx1"/>
+              </a:solidFill>
+              <a:latin typeface="DM Mono" panose="020B0509040201040103" pitchFamily="49" charset="0"/>
+            </a:endParaRPr>
+          </a:p>
+        </p:txBody>
+      </p:sp>
+      <p:sp>
+        <p:nvSpPr>
+          <p:cNvPr id="9" name="TextBox 8">
+            <a:extLst>
+              <a:ext uri="{FF2B5EF4-FFF2-40B4-BE49-F238E27FC236}">
+                <a16:creationId xmlns:a16="http://schemas.microsoft.com/office/drawing/2014/main" id="{4E461239-9BD0-4824-0F8C-6D2EB0165069}"/>
+              </a:ext>
+            </a:extLst>
+          </p:cNvPr>
+          <p:cNvSpPr txBox="1"/>
+          <p:nvPr/>
+        </p:nvSpPr>
+        <p:spPr>
+          <a:xfrm>
+            <a:off x="6396183" y="1453933"/>
+            <a:ext cx="723487" cy="369332"/>
+          </a:xfrm>
+          <a:prstGeom prst="rect">
+            <a:avLst/>
+          </a:prstGeom>
+          <a:noFill/>
+        </p:spPr>
+        <p:txBody>
+          <a:bodyPr wrap="square">
+            <a:spAutoFit/>
+          </a:bodyPr>
+          <a:lstStyle/>
+          <a:p>
+            <a:pPr algn="r"/>
+            <a:r>
+              <a:rPr lang="en-US" altLang="ko-Kore-KR" dirty="0">
+                <a:latin typeface="DM Mono" panose="020B0509040201040103" pitchFamily="49" charset="0"/>
+              </a:rPr>
+              <a:t>age</a:t>
+            </a:r>
+            <a:endParaRPr lang="ko-Kore-KR" altLang="en-US" dirty="0"/>
+          </a:p>
+        </p:txBody>
+      </p:sp>
+      <p:sp>
+        <p:nvSpPr>
+          <p:cNvPr id="10" name="TextBox 9">
+            <a:extLst>
+              <a:ext uri="{FF2B5EF4-FFF2-40B4-BE49-F238E27FC236}">
+                <a16:creationId xmlns:a16="http://schemas.microsoft.com/office/drawing/2014/main" id="{BA97DF8F-FE1C-72EF-8941-D736A8BE1ED0}"/>
+              </a:ext>
+            </a:extLst>
+          </p:cNvPr>
+          <p:cNvSpPr txBox="1"/>
+          <p:nvPr/>
+        </p:nvSpPr>
+        <p:spPr>
+          <a:xfrm>
+            <a:off x="7119670" y="539192"/>
+            <a:ext cx="804912" cy="369332"/>
+          </a:xfrm>
+          <a:prstGeom prst="rect">
+            <a:avLst/>
+          </a:prstGeom>
+          <a:noFill/>
+        </p:spPr>
+        <p:txBody>
+          <a:bodyPr wrap="square">
+            <a:spAutoFit/>
+          </a:bodyPr>
+          <a:lstStyle/>
+          <a:p>
+            <a:pPr algn="ctr"/>
+            <a:r>
+              <a:rPr lang="en-US" altLang="ko-Kore-KR" dirty="0">
+                <a:latin typeface="DM Mono" panose="020B0509040201040103" pitchFamily="49" charset="0"/>
+              </a:rPr>
+              <a:t>user</a:t>
+            </a:r>
+            <a:endParaRPr lang="ko-Kore-KR" altLang="en-US" dirty="0"/>
+          </a:p>
+        </p:txBody>
+      </p:sp>
+      <p:sp>
+        <p:nvSpPr>
+          <p:cNvPr id="11" name="직사각형 10">
+            <a:extLst>
+              <a:ext uri="{FF2B5EF4-FFF2-40B4-BE49-F238E27FC236}">
+                <a16:creationId xmlns:a16="http://schemas.microsoft.com/office/drawing/2014/main" id="{6D56AB7B-3E78-1266-0970-D81BC67B6A6D}"/>
+              </a:ext>
+            </a:extLst>
+          </p:cNvPr>
+          <p:cNvSpPr/>
+          <p:nvPr/>
+        </p:nvSpPr>
+        <p:spPr>
+          <a:xfrm>
+            <a:off x="9971919" y="489380"/>
+            <a:ext cx="1320057" cy="482277"/>
+          </a:xfrm>
+          <a:prstGeom prst="rect">
+            <a:avLst/>
+          </a:prstGeom>
+          <a:solidFill>
+            <a:srgbClr val="FFFF00"/>
+          </a:solidFill>
+        </p:spPr>
+        <p:style>
+          <a:lnRef idx="2">
+            <a:schemeClr val="accent1">
+              <a:shade val="15000"/>
+            </a:schemeClr>
+          </a:lnRef>
+          <a:fillRef idx="1">
+            <a:schemeClr val="accent1"/>
+          </a:fillRef>
+          <a:effectRef idx="0">
+            <a:schemeClr val="accent1"/>
+          </a:effectRef>
+          <a:fontRef idx="minor">
+            <a:schemeClr val="lt1"/>
+          </a:fontRef>
+        </p:style>
+        <p:txBody>
+          <a:bodyPr rtlCol="0" anchor="ctr"/>
+          <a:lstStyle/>
+          <a:p>
+            <a:pPr algn="ctr"/>
+            <a:r>
+              <a:rPr kumimoji="1" lang="en-US" altLang="ko-Kore-KR" sz="1600" dirty="0">
+                <a:solidFill>
+                  <a:srgbClr val="FF0000"/>
+                </a:solidFill>
+                <a:latin typeface="DM Mono" panose="020B0509040201040103" pitchFamily="49" charset="0"/>
+              </a:rPr>
+              <a:t>“Tom”</a:t>
+            </a:r>
+            <a:endParaRPr kumimoji="1" lang="ko-Kore-KR" altLang="en-US" sz="1600" dirty="0">
+              <a:solidFill>
+                <a:srgbClr val="FF0000"/>
+              </a:solidFill>
+              <a:latin typeface="DM Mono" panose="020B0509040201040103" pitchFamily="49" charset="0"/>
+            </a:endParaRPr>
+          </a:p>
+        </p:txBody>
+      </p:sp>
+      <p:cxnSp>
+        <p:nvCxnSpPr>
+          <p:cNvPr id="13" name="구부러진 연결선[U] 12">
+            <a:extLst>
+              <a:ext uri="{FF2B5EF4-FFF2-40B4-BE49-F238E27FC236}">
+                <a16:creationId xmlns:a16="http://schemas.microsoft.com/office/drawing/2014/main" id="{1E512279-978D-F186-EEDA-8D9F499F4D49}"/>
+              </a:ext>
+            </a:extLst>
+          </p:cNvPr>
+          <p:cNvCxnSpPr>
+            <a:cxnSpLocks/>
+            <a:stCxn id="6" idx="3"/>
+            <a:endCxn id="11" idx="1"/>
+          </p:cNvCxnSpPr>
+          <p:nvPr/>
+        </p:nvCxnSpPr>
+        <p:spPr>
+          <a:xfrm flipV="1">
+            <a:off x="7924582" y="730519"/>
+            <a:ext cx="2047337" cy="425805"/>
+          </a:xfrm>
+          <a:prstGeom prst="curvedConnector3">
+            <a:avLst/>
+          </a:prstGeom>
+          <a:ln w="12700">
+            <a:tailEnd type="triangle"/>
+          </a:ln>
+        </p:spPr>
+        <p:style>
+          <a:lnRef idx="1">
+            <a:schemeClr val="dk1"/>
+          </a:lnRef>
+          <a:fillRef idx="0">
+            <a:schemeClr val="dk1"/>
+          </a:fillRef>
+          <a:effectRef idx="0">
+            <a:schemeClr val="dk1"/>
+          </a:effectRef>
+          <a:fontRef idx="minor">
+            <a:schemeClr val="tx1"/>
+          </a:fontRef>
+        </p:style>
+      </p:cxnSp>
+      <p:sp>
+        <p:nvSpPr>
+          <p:cNvPr id="15" name="TextBox 14">
+            <a:extLst>
+              <a:ext uri="{FF2B5EF4-FFF2-40B4-BE49-F238E27FC236}">
+                <a16:creationId xmlns:a16="http://schemas.microsoft.com/office/drawing/2014/main" id="{5524E10B-BE69-053A-9520-6F616822CE27}"/>
+              </a:ext>
+            </a:extLst>
+          </p:cNvPr>
+          <p:cNvSpPr txBox="1"/>
+          <p:nvPr/>
+        </p:nvSpPr>
+        <p:spPr>
+          <a:xfrm>
+            <a:off x="9394167" y="196744"/>
+            <a:ext cx="974002" cy="307777"/>
+          </a:xfrm>
+          <a:prstGeom prst="rect">
+            <a:avLst/>
+          </a:prstGeom>
+          <a:noFill/>
+        </p:spPr>
+        <p:txBody>
+          <a:bodyPr wrap="square">
+            <a:spAutoFit/>
+          </a:bodyPr>
+          <a:lstStyle/>
+          <a:p>
+            <a:pPr algn="ctr"/>
+            <a:r>
+              <a:rPr lang="en-US" altLang="ko-Kore-KR" sz="1400" dirty="0">
+                <a:latin typeface="DM Mono" panose="020B0509040201040103" pitchFamily="49" charset="0"/>
+              </a:rPr>
+              <a:t>0x100</a:t>
+            </a:r>
+            <a:endParaRPr lang="ko-Kore-KR" altLang="en-US" sz="1400" dirty="0"/>
+          </a:p>
+        </p:txBody>
+      </p:sp>
+      <p:sp>
+        <p:nvSpPr>
+          <p:cNvPr id="2" name="직사각형 1">
+            <a:extLst>
+              <a:ext uri="{FF2B5EF4-FFF2-40B4-BE49-F238E27FC236}">
+                <a16:creationId xmlns:a16="http://schemas.microsoft.com/office/drawing/2014/main" id="{83A2948B-21B2-0811-5195-0B9D4527748B}"/>
+              </a:ext>
+            </a:extLst>
+          </p:cNvPr>
+          <p:cNvSpPr/>
+          <p:nvPr/>
+        </p:nvSpPr>
+        <p:spPr>
+          <a:xfrm>
+            <a:off x="7180817" y="3250068"/>
+            <a:ext cx="804912" cy="482277"/>
+          </a:xfrm>
+          <a:prstGeom prst="rect">
+            <a:avLst/>
+          </a:prstGeom>
+          <a:solidFill>
+            <a:srgbClr val="FFFF00"/>
+          </a:solidFill>
+        </p:spPr>
+        <p:style>
+          <a:lnRef idx="2">
+            <a:schemeClr val="accent1">
+              <a:shade val="15000"/>
+            </a:schemeClr>
+          </a:lnRef>
+          <a:fillRef idx="1">
+            <a:schemeClr val="accent1"/>
+          </a:fillRef>
+          <a:effectRef idx="0">
+            <a:schemeClr val="accent1"/>
+          </a:effectRef>
+          <a:fontRef idx="minor">
+            <a:schemeClr val="lt1"/>
+          </a:fontRef>
+        </p:style>
+        <p:txBody>
+          <a:bodyPr rtlCol="0" anchor="ctr"/>
+          <a:lstStyle/>
+          <a:p>
+            <a:pPr algn="ctr"/>
+            <a:r>
+              <a:rPr kumimoji="1" lang="en-US" altLang="ko-Kore-KR" sz="1600" dirty="0">
+                <a:solidFill>
+                  <a:srgbClr val="FF0000"/>
+                </a:solidFill>
+                <a:latin typeface="DM Mono" panose="020B0509040201040103" pitchFamily="49" charset="0"/>
+              </a:rPr>
+              <a:t>0x100</a:t>
+            </a:r>
+            <a:endParaRPr kumimoji="1" lang="ko-Kore-KR" altLang="en-US" sz="1600" dirty="0">
+              <a:solidFill>
+                <a:srgbClr val="FF0000"/>
+              </a:solidFill>
+              <a:latin typeface="DM Mono" panose="020B0509040201040103" pitchFamily="49" charset="0"/>
+            </a:endParaRPr>
+          </a:p>
+        </p:txBody>
+      </p:sp>
+      <p:sp>
+        <p:nvSpPr>
+          <p:cNvPr id="3" name="TextBox 2">
+            <a:extLst>
+              <a:ext uri="{FF2B5EF4-FFF2-40B4-BE49-F238E27FC236}">
+                <a16:creationId xmlns:a16="http://schemas.microsoft.com/office/drawing/2014/main" id="{0B0E802A-FE80-668E-2AF9-026CF124E674}"/>
+              </a:ext>
+            </a:extLst>
+          </p:cNvPr>
+          <p:cNvSpPr txBox="1"/>
+          <p:nvPr/>
+        </p:nvSpPr>
+        <p:spPr>
+          <a:xfrm>
+            <a:off x="6388318" y="3306540"/>
+            <a:ext cx="792499" cy="369332"/>
+          </a:xfrm>
+          <a:prstGeom prst="rect">
+            <a:avLst/>
+          </a:prstGeom>
+          <a:noFill/>
+        </p:spPr>
+        <p:txBody>
+          <a:bodyPr wrap="square">
+            <a:spAutoFit/>
+          </a:bodyPr>
+          <a:lstStyle/>
+          <a:p>
+            <a:pPr algn="r"/>
+            <a:r>
+              <a:rPr lang="en-US" altLang="ko-Kore-KR" dirty="0">
+                <a:latin typeface="DM Mono" panose="020B0509040201040103" pitchFamily="49" charset="0"/>
+              </a:rPr>
+              <a:t>name</a:t>
+            </a:r>
+            <a:endParaRPr lang="ko-Kore-KR" altLang="en-US" dirty="0"/>
+          </a:p>
+        </p:txBody>
+      </p:sp>
+      <p:sp>
+        <p:nvSpPr>
+          <p:cNvPr id="4" name="직사각형 3">
+            <a:extLst>
+              <a:ext uri="{FF2B5EF4-FFF2-40B4-BE49-F238E27FC236}">
+                <a16:creationId xmlns:a16="http://schemas.microsoft.com/office/drawing/2014/main" id="{3D908BD8-C111-16BE-05CD-FDE7EADBA31B}"/>
+              </a:ext>
+            </a:extLst>
+          </p:cNvPr>
+          <p:cNvSpPr/>
+          <p:nvPr/>
+        </p:nvSpPr>
+        <p:spPr>
+          <a:xfrm>
+            <a:off x="7180817" y="3732344"/>
+            <a:ext cx="804912" cy="482277"/>
+          </a:xfrm>
+          <a:prstGeom prst="rect">
+            <a:avLst/>
+          </a:prstGeom>
+          <a:solidFill>
+            <a:srgbClr val="FFFF00"/>
+          </a:solidFill>
+        </p:spPr>
+        <p:style>
+          <a:lnRef idx="2">
+            <a:schemeClr val="accent1">
+              <a:shade val="15000"/>
+            </a:schemeClr>
+          </a:lnRef>
+          <a:fillRef idx="1">
+            <a:schemeClr val="accent1"/>
+          </a:fillRef>
+          <a:effectRef idx="0">
+            <a:schemeClr val="accent1"/>
+          </a:effectRef>
+          <a:fontRef idx="minor">
+            <a:schemeClr val="lt1"/>
+          </a:fontRef>
+        </p:style>
+        <p:txBody>
+          <a:bodyPr rtlCol="0" anchor="ctr"/>
+          <a:lstStyle/>
+          <a:p>
+            <a:pPr algn="ctr"/>
+            <a:r>
+              <a:rPr kumimoji="1" lang="en-US" altLang="ko-Kore-KR" sz="1600" dirty="0">
+                <a:solidFill>
+                  <a:srgbClr val="FF0000"/>
+                </a:solidFill>
+                <a:latin typeface="DM Mono" panose="020B0509040201040103" pitchFamily="49" charset="0"/>
+              </a:rPr>
+              <a:t>42</a:t>
+            </a:r>
+            <a:endParaRPr kumimoji="1" lang="ko-Kore-KR" altLang="en-US" sz="1600" dirty="0">
+              <a:solidFill>
+                <a:srgbClr val="FF0000"/>
+              </a:solidFill>
+              <a:latin typeface="DM Mono" panose="020B0509040201040103" pitchFamily="49" charset="0"/>
+            </a:endParaRPr>
+          </a:p>
+        </p:txBody>
+      </p:sp>
+      <p:sp>
+        <p:nvSpPr>
+          <p:cNvPr id="12" name="TextBox 11">
+            <a:extLst>
+              <a:ext uri="{FF2B5EF4-FFF2-40B4-BE49-F238E27FC236}">
+                <a16:creationId xmlns:a16="http://schemas.microsoft.com/office/drawing/2014/main" id="{621EB3E2-1DBE-39C4-D6C6-C2B256BD4530}"/>
+              </a:ext>
+            </a:extLst>
+          </p:cNvPr>
+          <p:cNvSpPr txBox="1"/>
+          <p:nvPr/>
+        </p:nvSpPr>
+        <p:spPr>
+          <a:xfrm>
+            <a:off x="6457330" y="3788816"/>
+            <a:ext cx="723487" cy="369332"/>
+          </a:xfrm>
+          <a:prstGeom prst="rect">
+            <a:avLst/>
+          </a:prstGeom>
+          <a:noFill/>
+        </p:spPr>
+        <p:txBody>
+          <a:bodyPr wrap="square">
+            <a:spAutoFit/>
+          </a:bodyPr>
+          <a:lstStyle/>
+          <a:p>
+            <a:pPr algn="r"/>
+            <a:r>
+              <a:rPr lang="en-US" altLang="ko-Kore-KR" dirty="0">
+                <a:latin typeface="DM Mono" panose="020B0509040201040103" pitchFamily="49" charset="0"/>
+              </a:rPr>
+              <a:t>age</a:t>
+            </a:r>
+            <a:endParaRPr lang="ko-Kore-KR" altLang="en-US" dirty="0"/>
+          </a:p>
+        </p:txBody>
+      </p:sp>
+      <p:sp>
+        <p:nvSpPr>
+          <p:cNvPr id="14" name="TextBox 13">
+            <a:extLst>
+              <a:ext uri="{FF2B5EF4-FFF2-40B4-BE49-F238E27FC236}">
+                <a16:creationId xmlns:a16="http://schemas.microsoft.com/office/drawing/2014/main" id="{DD9EE558-D95E-3DF1-B700-11ADFB0D02E2}"/>
+              </a:ext>
+            </a:extLst>
+          </p:cNvPr>
+          <p:cNvSpPr txBox="1"/>
+          <p:nvPr/>
+        </p:nvSpPr>
+        <p:spPr>
+          <a:xfrm>
+            <a:off x="7075480" y="2880737"/>
+            <a:ext cx="1015586" cy="369332"/>
+          </a:xfrm>
+          <a:prstGeom prst="rect">
+            <a:avLst/>
+          </a:prstGeom>
+          <a:noFill/>
+        </p:spPr>
+        <p:txBody>
+          <a:bodyPr wrap="square">
+            <a:spAutoFit/>
+          </a:bodyPr>
+          <a:lstStyle/>
+          <a:p>
+            <a:pPr algn="ctr"/>
+            <a:r>
+              <a:rPr lang="en-US" altLang="ko-Kore-KR" dirty="0">
+                <a:latin typeface="DM Mono" panose="020B0509040201040103" pitchFamily="49" charset="0"/>
+              </a:rPr>
+              <a:t>other</a:t>
+            </a:r>
+            <a:endParaRPr lang="ko-Kore-KR" altLang="en-US" dirty="0"/>
+          </a:p>
+        </p:txBody>
+      </p:sp>
+      <p:cxnSp>
+        <p:nvCxnSpPr>
+          <p:cNvPr id="16" name="구부러진 연결선[U] 15">
+            <a:extLst>
+              <a:ext uri="{FF2B5EF4-FFF2-40B4-BE49-F238E27FC236}">
+                <a16:creationId xmlns:a16="http://schemas.microsoft.com/office/drawing/2014/main" id="{BC7BC033-0BBE-8B3D-64DE-A7F88481CB5B}"/>
+              </a:ext>
+            </a:extLst>
+          </p:cNvPr>
+          <p:cNvCxnSpPr>
+            <a:cxnSpLocks/>
+            <a:stCxn id="2" idx="3"/>
+            <a:endCxn id="11" idx="1"/>
+          </p:cNvCxnSpPr>
+          <p:nvPr/>
+        </p:nvCxnSpPr>
+        <p:spPr>
+          <a:xfrm flipV="1">
+            <a:off x="7985729" y="730519"/>
+            <a:ext cx="1986190" cy="2760688"/>
+          </a:xfrm>
+          <a:prstGeom prst="curvedConnector3">
+            <a:avLst>
+              <a:gd name="adj1" fmla="val 50000"/>
+            </a:avLst>
+          </a:prstGeom>
+          <a:ln w="12700">
+            <a:tailEnd type="triangle"/>
+          </a:ln>
+        </p:spPr>
+        <p:style>
+          <a:lnRef idx="1">
+            <a:schemeClr val="dk1"/>
+          </a:lnRef>
+          <a:fillRef idx="0">
+            <a:schemeClr val="dk1"/>
+          </a:fillRef>
+          <a:effectRef idx="0">
+            <a:schemeClr val="dk1"/>
+          </a:effectRef>
+          <a:fontRef idx="minor">
+            <a:schemeClr val="tx1"/>
+          </a:fontRef>
+        </p:style>
+      </p:cxnSp>
+    </p:spTree>
+    <p:extLst>
+      <p:ext uri="{BB962C8B-B14F-4D97-AF65-F5344CB8AC3E}">
+        <p14:creationId xmlns:p14="http://schemas.microsoft.com/office/powerpoint/2010/main" val="3032315929"/>
+      </p:ext>
+    </p:extLst>
+  </p:cSld>
+  <p:clrMapOvr>
+    <a:masterClrMapping/>
+  </p:clrMapOvr>
+</p:sld>
+</file>
+
 <file path=ppt/slides/slide2.xml><?xml version="1.0" encoding="utf-8"?>
 <p:sld xmlns:a="http://schemas.openxmlformats.org/drawingml/2006/main" xmlns:r="http://schemas.openxmlformats.org/officeDocument/2006/relationships" xmlns:p="http://schemas.openxmlformats.org/presentationml/2006/main">
   <p:cSld>
@@ -9761,6 +11388,2536 @@
     <p:extLst>
       <p:ext uri="{BB962C8B-B14F-4D97-AF65-F5344CB8AC3E}">
         <p14:creationId xmlns:p14="http://schemas.microsoft.com/office/powerpoint/2010/main" val="1014740057"/>
+      </p:ext>
+    </p:extLst>
+  </p:cSld>
+  <p:clrMapOvr>
+    <a:masterClrMapping/>
+  </p:clrMapOvr>
+</p:sld>
+</file>
+
+<file path=ppt/slides/slide20.xml><?xml version="1.0" encoding="utf-8"?>
+<p:sld xmlns:a="http://schemas.openxmlformats.org/drawingml/2006/main" xmlns:r="http://schemas.openxmlformats.org/officeDocument/2006/relationships" xmlns:p="http://schemas.openxmlformats.org/presentationml/2006/main">
+  <p:cSld>
+    <p:spTree>
+      <p:nvGrpSpPr>
+        <p:cNvPr id="1" name=""/>
+        <p:cNvGrpSpPr/>
+        <p:nvPr/>
+      </p:nvGrpSpPr>
+      <p:grpSpPr>
+        <a:xfrm>
+          <a:off x="0" y="0"/>
+          <a:ext cx="0" cy="0"/>
+          <a:chOff x="0" y="0"/>
+          <a:chExt cx="0" cy="0"/>
+        </a:xfrm>
+      </p:grpSpPr>
+      <p:sp>
+        <p:nvSpPr>
+          <p:cNvPr id="5" name="TextBox 4">
+            <a:extLst>
+              <a:ext uri="{FF2B5EF4-FFF2-40B4-BE49-F238E27FC236}">
+                <a16:creationId xmlns:a16="http://schemas.microsoft.com/office/drawing/2014/main" id="{88DF2C13-5DDB-31C3-B732-2D9C25519E72}"/>
+              </a:ext>
+            </a:extLst>
+          </p:cNvPr>
+          <p:cNvSpPr txBox="1"/>
+          <p:nvPr/>
+        </p:nvSpPr>
+        <p:spPr>
+          <a:xfrm>
+            <a:off x="459357" y="159027"/>
+            <a:ext cx="4612975" cy="5693866"/>
+          </a:xfrm>
+          <a:prstGeom prst="rect">
+            <a:avLst/>
+          </a:prstGeom>
+          <a:noFill/>
+        </p:spPr>
+        <p:txBody>
+          <a:bodyPr wrap="square">
+            <a:spAutoFit/>
+          </a:bodyPr>
+          <a:lstStyle/>
+          <a:p>
+            <a:r>
+              <a:rPr lang="ko-Kore-KR" altLang="en-US" sz="1400" dirty="0">
+                <a:latin typeface="DM Mono" panose="020B0509040201040103" pitchFamily="49" charset="0"/>
+              </a:rPr>
+              <a:t>class User {</a:t>
+            </a:r>
+          </a:p>
+          <a:p>
+            <a:r>
+              <a:rPr lang="ko-Kore-KR" altLang="en-US" sz="1400" dirty="0">
+                <a:latin typeface="DM Mono" panose="020B0509040201040103" pitchFamily="49" charset="0"/>
+              </a:rPr>
+              <a:t>    char* name;</a:t>
+            </a:r>
+          </a:p>
+          <a:p>
+            <a:r>
+              <a:rPr lang="ko-Kore-KR" altLang="en-US" sz="1400" dirty="0">
+                <a:latin typeface="DM Mono" panose="020B0509040201040103" pitchFamily="49" charset="0"/>
+              </a:rPr>
+              <a:t>    int age;</a:t>
+            </a:r>
+          </a:p>
+          <a:p>
+            <a:endParaRPr lang="ko-Kore-KR" altLang="en-US" sz="1400" dirty="0">
+              <a:latin typeface="DM Mono" panose="020B0509040201040103" pitchFamily="49" charset="0"/>
+            </a:endParaRPr>
+          </a:p>
+          <a:p>
+            <a:r>
+              <a:rPr lang="ko-Kore-KR" altLang="en-US" sz="1400" dirty="0">
+                <a:latin typeface="DM Mono" panose="020B0509040201040103" pitchFamily="49" charset="0"/>
+              </a:rPr>
+              <a:t>public:</a:t>
+            </a:r>
+          </a:p>
+          <a:p>
+            <a:r>
+              <a:rPr lang="ko-Kore-KR" altLang="en-US" sz="1400" dirty="0">
+                <a:latin typeface="DM Mono" panose="020B0509040201040103" pitchFamily="49" charset="0"/>
+              </a:rPr>
+              <a:t>    User(const char* s, int n)</a:t>
+            </a:r>
+          </a:p>
+          <a:p>
+            <a:r>
+              <a:rPr lang="ko-Kore-KR" altLang="en-US" sz="1400" dirty="0">
+                <a:latin typeface="DM Mono" panose="020B0509040201040103" pitchFamily="49" charset="0"/>
+              </a:rPr>
+              <a:t>        : age { n }</a:t>
+            </a:r>
+          </a:p>
+          <a:p>
+            <a:r>
+              <a:rPr lang="ko-Kore-KR" altLang="en-US" sz="1400" dirty="0">
+                <a:latin typeface="DM Mono" panose="020B0509040201040103" pitchFamily="49" charset="0"/>
+              </a:rPr>
+              <a:t>    {</a:t>
+            </a:r>
+          </a:p>
+          <a:p>
+            <a:r>
+              <a:rPr lang="ko-Kore-KR" altLang="en-US" sz="1400" dirty="0">
+                <a:latin typeface="DM Mono" panose="020B0509040201040103" pitchFamily="49" charset="0"/>
+              </a:rPr>
+              <a:t>        name = new char[strlen(s) + 1];</a:t>
+            </a:r>
+          </a:p>
+          <a:p>
+            <a:r>
+              <a:rPr lang="ko-Kore-KR" altLang="en-US" sz="1400" dirty="0">
+                <a:latin typeface="DM Mono" panose="020B0509040201040103" pitchFamily="49" charset="0"/>
+              </a:rPr>
+              <a:t>        strcpy(name, s);</a:t>
+            </a:r>
+          </a:p>
+          <a:p>
+            <a:r>
+              <a:rPr lang="ko-Kore-KR" altLang="en-US" sz="1400" dirty="0">
+                <a:latin typeface="DM Mono" panose="020B0509040201040103" pitchFamily="49" charset="0"/>
+              </a:rPr>
+              <a:t>    }</a:t>
+            </a:r>
+          </a:p>
+          <a:p>
+            <a:endParaRPr lang="ko-Kore-KR" altLang="en-US" sz="1400" dirty="0">
+              <a:latin typeface="DM Mono" panose="020B0509040201040103" pitchFamily="49" charset="0"/>
+            </a:endParaRPr>
+          </a:p>
+          <a:p>
+            <a:r>
+              <a:rPr lang="ko-Kore-KR" altLang="en-US" sz="1400" dirty="0">
+                <a:solidFill>
+                  <a:srgbClr val="FF0000"/>
+                </a:solidFill>
+                <a:latin typeface="DM Mono" panose="020B0509040201040103" pitchFamily="49" charset="0"/>
+              </a:rPr>
+              <a:t>    ~User()</a:t>
+            </a:r>
+          </a:p>
+          <a:p>
+            <a:r>
+              <a:rPr lang="ko-Kore-KR" altLang="en-US" sz="1400" dirty="0">
+                <a:solidFill>
+                  <a:srgbClr val="FF0000"/>
+                </a:solidFill>
+                <a:latin typeface="DM Mono" panose="020B0509040201040103" pitchFamily="49" charset="0"/>
+              </a:rPr>
+              <a:t>    {</a:t>
+            </a:r>
+          </a:p>
+          <a:p>
+            <a:r>
+              <a:rPr lang="ko-Kore-KR" altLang="en-US" sz="1400" dirty="0">
+                <a:solidFill>
+                  <a:srgbClr val="FF0000"/>
+                </a:solidFill>
+                <a:latin typeface="DM Mono" panose="020B0509040201040103" pitchFamily="49" charset="0"/>
+              </a:rPr>
+              <a:t>        delete[] name;</a:t>
+            </a:r>
+          </a:p>
+          <a:p>
+            <a:r>
+              <a:rPr lang="ko-Kore-KR" altLang="en-US" sz="1400" dirty="0">
+                <a:solidFill>
+                  <a:srgbClr val="FF0000"/>
+                </a:solidFill>
+                <a:latin typeface="DM Mono" panose="020B0509040201040103" pitchFamily="49" charset="0"/>
+              </a:rPr>
+              <a:t>    }</a:t>
+            </a:r>
+            <a:endParaRPr lang="en-US" altLang="ko-Kore-KR" sz="1400" dirty="0">
+              <a:solidFill>
+                <a:srgbClr val="FF0000"/>
+              </a:solidFill>
+              <a:latin typeface="DM Mono" panose="020B0509040201040103" pitchFamily="49" charset="0"/>
+            </a:endParaRPr>
+          </a:p>
+          <a:p>
+            <a:r>
+              <a:rPr lang="ko-Kore-KR" altLang="en-US" sz="1400" dirty="0">
+                <a:latin typeface="DM Mono" panose="020B0509040201040103" pitchFamily="49" charset="0"/>
+              </a:rPr>
+              <a:t>};</a:t>
+            </a:r>
+          </a:p>
+          <a:p>
+            <a:endParaRPr lang="ko-Kore-KR" altLang="en-US" sz="1400" dirty="0">
+              <a:latin typeface="DM Mono" panose="020B0509040201040103" pitchFamily="49" charset="0"/>
+            </a:endParaRPr>
+          </a:p>
+          <a:p>
+            <a:r>
+              <a:rPr lang="ko-Kore-KR" altLang="en-US" sz="1400" dirty="0">
+                <a:latin typeface="DM Mono" panose="020B0509040201040103" pitchFamily="49" charset="0"/>
+              </a:rPr>
+              <a:t>int main()</a:t>
+            </a:r>
+          </a:p>
+          <a:p>
+            <a:r>
+              <a:rPr lang="ko-Kore-KR" altLang="en-US" sz="1400" dirty="0">
+                <a:latin typeface="DM Mono" panose="020B0509040201040103" pitchFamily="49" charset="0"/>
+              </a:rPr>
+              <a:t>{</a:t>
+            </a:r>
+          </a:p>
+          <a:p>
+            <a:r>
+              <a:rPr lang="ko-Kore-KR" altLang="en-US" sz="1400" dirty="0">
+                <a:latin typeface="DM Mono" panose="020B0509040201040103" pitchFamily="49" charset="0"/>
+              </a:rPr>
+              <a:t>    User user { "Tom", 42 };</a:t>
+            </a:r>
+          </a:p>
+          <a:p>
+            <a:r>
+              <a:rPr lang="ko-Kore-KR" altLang="en-US" sz="1400" dirty="0">
+                <a:latin typeface="DM Mono" panose="020B0509040201040103" pitchFamily="49" charset="0"/>
+              </a:rPr>
+              <a:t>    user.Print();</a:t>
+            </a:r>
+          </a:p>
+          <a:p>
+            <a:endParaRPr lang="ko-Kore-KR" altLang="en-US" sz="1400" dirty="0">
+              <a:latin typeface="DM Mono" panose="020B0509040201040103" pitchFamily="49" charset="0"/>
+            </a:endParaRPr>
+          </a:p>
+          <a:p>
+            <a:r>
+              <a:rPr lang="ko-Kore-KR" altLang="en-US" sz="1400" dirty="0">
+                <a:latin typeface="DM Mono" panose="020B0509040201040103" pitchFamily="49" charset="0"/>
+              </a:rPr>
+              <a:t>    User other { user };</a:t>
+            </a:r>
+          </a:p>
+          <a:p>
+            <a:r>
+              <a:rPr lang="ko-Kore-KR" altLang="en-US" sz="1400" dirty="0">
+                <a:latin typeface="DM Mono" panose="020B0509040201040103" pitchFamily="49" charset="0"/>
+              </a:rPr>
+              <a:t>    other.Print();</a:t>
+            </a:r>
+          </a:p>
+          <a:p>
+            <a:r>
+              <a:rPr lang="ko-Kore-KR" altLang="en-US" sz="1400" dirty="0">
+                <a:latin typeface="DM Mono" panose="020B0509040201040103" pitchFamily="49" charset="0"/>
+              </a:rPr>
+              <a:t>}</a:t>
+            </a:r>
+          </a:p>
+        </p:txBody>
+      </p:sp>
+      <p:sp>
+        <p:nvSpPr>
+          <p:cNvPr id="6" name="직사각형 5">
+            <a:extLst>
+              <a:ext uri="{FF2B5EF4-FFF2-40B4-BE49-F238E27FC236}">
+                <a16:creationId xmlns:a16="http://schemas.microsoft.com/office/drawing/2014/main" id="{558F7C08-07E2-B90D-71F9-DC5FD5AF3714}"/>
+              </a:ext>
+            </a:extLst>
+          </p:cNvPr>
+          <p:cNvSpPr/>
+          <p:nvPr/>
+        </p:nvSpPr>
+        <p:spPr>
+          <a:xfrm>
+            <a:off x="7119670" y="915185"/>
+            <a:ext cx="804912" cy="482277"/>
+          </a:xfrm>
+          <a:prstGeom prst="rect">
+            <a:avLst/>
+          </a:prstGeom>
+          <a:solidFill>
+            <a:srgbClr val="FFFF00"/>
+          </a:solidFill>
+        </p:spPr>
+        <p:style>
+          <a:lnRef idx="2">
+            <a:schemeClr val="accent1">
+              <a:shade val="15000"/>
+            </a:schemeClr>
+          </a:lnRef>
+          <a:fillRef idx="1">
+            <a:schemeClr val="accent1"/>
+          </a:fillRef>
+          <a:effectRef idx="0">
+            <a:schemeClr val="accent1"/>
+          </a:effectRef>
+          <a:fontRef idx="minor">
+            <a:schemeClr val="lt1"/>
+          </a:fontRef>
+        </p:style>
+        <p:txBody>
+          <a:bodyPr rtlCol="0" anchor="ctr"/>
+          <a:lstStyle/>
+          <a:p>
+            <a:pPr algn="ctr"/>
+            <a:r>
+              <a:rPr kumimoji="1" lang="en-US" altLang="ko-Kore-KR" sz="1600" dirty="0">
+                <a:solidFill>
+                  <a:schemeClr val="tx1"/>
+                </a:solidFill>
+                <a:latin typeface="DM Mono" panose="020B0509040201040103" pitchFamily="49" charset="0"/>
+              </a:rPr>
+              <a:t>0x100</a:t>
+            </a:r>
+            <a:endParaRPr kumimoji="1" lang="ko-Kore-KR" altLang="en-US" sz="1600" dirty="0">
+              <a:solidFill>
+                <a:schemeClr val="tx1"/>
+              </a:solidFill>
+              <a:latin typeface="DM Mono" panose="020B0509040201040103" pitchFamily="49" charset="0"/>
+            </a:endParaRPr>
+          </a:p>
+        </p:txBody>
+      </p:sp>
+      <p:sp>
+        <p:nvSpPr>
+          <p:cNvPr id="7" name="TextBox 6">
+            <a:extLst>
+              <a:ext uri="{FF2B5EF4-FFF2-40B4-BE49-F238E27FC236}">
+                <a16:creationId xmlns:a16="http://schemas.microsoft.com/office/drawing/2014/main" id="{42488CB0-6CAC-668D-A778-94ED6CA79F69}"/>
+              </a:ext>
+            </a:extLst>
+          </p:cNvPr>
+          <p:cNvSpPr txBox="1"/>
+          <p:nvPr/>
+        </p:nvSpPr>
+        <p:spPr>
+          <a:xfrm>
+            <a:off x="6327171" y="971657"/>
+            <a:ext cx="792499" cy="369332"/>
+          </a:xfrm>
+          <a:prstGeom prst="rect">
+            <a:avLst/>
+          </a:prstGeom>
+          <a:noFill/>
+        </p:spPr>
+        <p:txBody>
+          <a:bodyPr wrap="square">
+            <a:spAutoFit/>
+          </a:bodyPr>
+          <a:lstStyle/>
+          <a:p>
+            <a:pPr algn="r"/>
+            <a:r>
+              <a:rPr lang="en-US" altLang="ko-Kore-KR" dirty="0">
+                <a:latin typeface="DM Mono" panose="020B0509040201040103" pitchFamily="49" charset="0"/>
+              </a:rPr>
+              <a:t>name</a:t>
+            </a:r>
+            <a:endParaRPr lang="ko-Kore-KR" altLang="en-US" dirty="0"/>
+          </a:p>
+        </p:txBody>
+      </p:sp>
+      <p:sp>
+        <p:nvSpPr>
+          <p:cNvPr id="8" name="직사각형 7">
+            <a:extLst>
+              <a:ext uri="{FF2B5EF4-FFF2-40B4-BE49-F238E27FC236}">
+                <a16:creationId xmlns:a16="http://schemas.microsoft.com/office/drawing/2014/main" id="{246A770D-CBAF-9BFB-CB00-1B9322FF7431}"/>
+              </a:ext>
+            </a:extLst>
+          </p:cNvPr>
+          <p:cNvSpPr/>
+          <p:nvPr/>
+        </p:nvSpPr>
+        <p:spPr>
+          <a:xfrm>
+            <a:off x="7119670" y="1397461"/>
+            <a:ext cx="804912" cy="482277"/>
+          </a:xfrm>
+          <a:prstGeom prst="rect">
+            <a:avLst/>
+          </a:prstGeom>
+          <a:solidFill>
+            <a:srgbClr val="FFFF00"/>
+          </a:solidFill>
+        </p:spPr>
+        <p:style>
+          <a:lnRef idx="2">
+            <a:schemeClr val="accent1">
+              <a:shade val="15000"/>
+            </a:schemeClr>
+          </a:lnRef>
+          <a:fillRef idx="1">
+            <a:schemeClr val="accent1"/>
+          </a:fillRef>
+          <a:effectRef idx="0">
+            <a:schemeClr val="accent1"/>
+          </a:effectRef>
+          <a:fontRef idx="minor">
+            <a:schemeClr val="lt1"/>
+          </a:fontRef>
+        </p:style>
+        <p:txBody>
+          <a:bodyPr rtlCol="0" anchor="ctr"/>
+          <a:lstStyle/>
+          <a:p>
+            <a:pPr algn="ctr"/>
+            <a:r>
+              <a:rPr kumimoji="1" lang="en-US" altLang="ko-Kore-KR" sz="1600" dirty="0">
+                <a:solidFill>
+                  <a:schemeClr val="tx1"/>
+                </a:solidFill>
+                <a:latin typeface="DM Mono" panose="020B0509040201040103" pitchFamily="49" charset="0"/>
+              </a:rPr>
+              <a:t>42</a:t>
+            </a:r>
+            <a:endParaRPr kumimoji="1" lang="ko-Kore-KR" altLang="en-US" sz="1600" dirty="0">
+              <a:solidFill>
+                <a:schemeClr val="tx1"/>
+              </a:solidFill>
+              <a:latin typeface="DM Mono" panose="020B0509040201040103" pitchFamily="49" charset="0"/>
+            </a:endParaRPr>
+          </a:p>
+        </p:txBody>
+      </p:sp>
+      <p:sp>
+        <p:nvSpPr>
+          <p:cNvPr id="9" name="TextBox 8">
+            <a:extLst>
+              <a:ext uri="{FF2B5EF4-FFF2-40B4-BE49-F238E27FC236}">
+                <a16:creationId xmlns:a16="http://schemas.microsoft.com/office/drawing/2014/main" id="{4E461239-9BD0-4824-0F8C-6D2EB0165069}"/>
+              </a:ext>
+            </a:extLst>
+          </p:cNvPr>
+          <p:cNvSpPr txBox="1"/>
+          <p:nvPr/>
+        </p:nvSpPr>
+        <p:spPr>
+          <a:xfrm>
+            <a:off x="6396183" y="1453933"/>
+            <a:ext cx="723487" cy="369332"/>
+          </a:xfrm>
+          <a:prstGeom prst="rect">
+            <a:avLst/>
+          </a:prstGeom>
+          <a:noFill/>
+        </p:spPr>
+        <p:txBody>
+          <a:bodyPr wrap="square">
+            <a:spAutoFit/>
+          </a:bodyPr>
+          <a:lstStyle/>
+          <a:p>
+            <a:pPr algn="r"/>
+            <a:r>
+              <a:rPr lang="en-US" altLang="ko-Kore-KR" dirty="0">
+                <a:latin typeface="DM Mono" panose="020B0509040201040103" pitchFamily="49" charset="0"/>
+              </a:rPr>
+              <a:t>age</a:t>
+            </a:r>
+            <a:endParaRPr lang="ko-Kore-KR" altLang="en-US" dirty="0"/>
+          </a:p>
+        </p:txBody>
+      </p:sp>
+      <p:sp>
+        <p:nvSpPr>
+          <p:cNvPr id="10" name="TextBox 9">
+            <a:extLst>
+              <a:ext uri="{FF2B5EF4-FFF2-40B4-BE49-F238E27FC236}">
+                <a16:creationId xmlns:a16="http://schemas.microsoft.com/office/drawing/2014/main" id="{BA97DF8F-FE1C-72EF-8941-D736A8BE1ED0}"/>
+              </a:ext>
+            </a:extLst>
+          </p:cNvPr>
+          <p:cNvSpPr txBox="1"/>
+          <p:nvPr/>
+        </p:nvSpPr>
+        <p:spPr>
+          <a:xfrm>
+            <a:off x="7119670" y="539192"/>
+            <a:ext cx="804912" cy="369332"/>
+          </a:xfrm>
+          <a:prstGeom prst="rect">
+            <a:avLst/>
+          </a:prstGeom>
+          <a:noFill/>
+        </p:spPr>
+        <p:txBody>
+          <a:bodyPr wrap="square">
+            <a:spAutoFit/>
+          </a:bodyPr>
+          <a:lstStyle/>
+          <a:p>
+            <a:pPr algn="ctr"/>
+            <a:r>
+              <a:rPr lang="en-US" altLang="ko-Kore-KR" dirty="0">
+                <a:latin typeface="DM Mono" panose="020B0509040201040103" pitchFamily="49" charset="0"/>
+              </a:rPr>
+              <a:t>user</a:t>
+            </a:r>
+            <a:endParaRPr lang="ko-Kore-KR" altLang="en-US" dirty="0"/>
+          </a:p>
+        </p:txBody>
+      </p:sp>
+      <p:sp>
+        <p:nvSpPr>
+          <p:cNvPr id="11" name="직사각형 10">
+            <a:extLst>
+              <a:ext uri="{FF2B5EF4-FFF2-40B4-BE49-F238E27FC236}">
+                <a16:creationId xmlns:a16="http://schemas.microsoft.com/office/drawing/2014/main" id="{6D56AB7B-3E78-1266-0970-D81BC67B6A6D}"/>
+              </a:ext>
+            </a:extLst>
+          </p:cNvPr>
+          <p:cNvSpPr/>
+          <p:nvPr/>
+        </p:nvSpPr>
+        <p:spPr>
+          <a:xfrm>
+            <a:off x="9971919" y="489380"/>
+            <a:ext cx="1320057" cy="482277"/>
+          </a:xfrm>
+          <a:prstGeom prst="rect">
+            <a:avLst/>
+          </a:prstGeom>
+          <a:solidFill>
+            <a:srgbClr val="FFFF00"/>
+          </a:solidFill>
+          <a:ln w="28575">
+            <a:solidFill>
+              <a:srgbClr val="FF0000"/>
+            </a:solidFill>
+          </a:ln>
+        </p:spPr>
+        <p:style>
+          <a:lnRef idx="2">
+            <a:schemeClr val="accent1">
+              <a:shade val="15000"/>
+            </a:schemeClr>
+          </a:lnRef>
+          <a:fillRef idx="1">
+            <a:schemeClr val="accent1"/>
+          </a:fillRef>
+          <a:effectRef idx="0">
+            <a:schemeClr val="accent1"/>
+          </a:effectRef>
+          <a:fontRef idx="minor">
+            <a:schemeClr val="lt1"/>
+          </a:fontRef>
+        </p:style>
+        <p:txBody>
+          <a:bodyPr rtlCol="0" anchor="ctr"/>
+          <a:lstStyle/>
+          <a:p>
+            <a:pPr algn="ctr"/>
+            <a:r>
+              <a:rPr kumimoji="1" lang="en-US" altLang="ko-Kore-KR" sz="1600" dirty="0">
+                <a:solidFill>
+                  <a:srgbClr val="FF0000"/>
+                </a:solidFill>
+                <a:latin typeface="DM Mono" panose="020B0509040201040103" pitchFamily="49" charset="0"/>
+              </a:rPr>
+              <a:t>“Tom”</a:t>
+            </a:r>
+            <a:endParaRPr kumimoji="1" lang="ko-Kore-KR" altLang="en-US" sz="1600" dirty="0">
+              <a:solidFill>
+                <a:srgbClr val="FF0000"/>
+              </a:solidFill>
+              <a:latin typeface="DM Mono" panose="020B0509040201040103" pitchFamily="49" charset="0"/>
+            </a:endParaRPr>
+          </a:p>
+        </p:txBody>
+      </p:sp>
+      <p:cxnSp>
+        <p:nvCxnSpPr>
+          <p:cNvPr id="13" name="구부러진 연결선[U] 12">
+            <a:extLst>
+              <a:ext uri="{FF2B5EF4-FFF2-40B4-BE49-F238E27FC236}">
+                <a16:creationId xmlns:a16="http://schemas.microsoft.com/office/drawing/2014/main" id="{1E512279-978D-F186-EEDA-8D9F499F4D49}"/>
+              </a:ext>
+            </a:extLst>
+          </p:cNvPr>
+          <p:cNvCxnSpPr>
+            <a:cxnSpLocks/>
+            <a:stCxn id="6" idx="3"/>
+            <a:endCxn id="11" idx="1"/>
+          </p:cNvCxnSpPr>
+          <p:nvPr/>
+        </p:nvCxnSpPr>
+        <p:spPr>
+          <a:xfrm flipV="1">
+            <a:off x="7924582" y="730519"/>
+            <a:ext cx="2047337" cy="425805"/>
+          </a:xfrm>
+          <a:prstGeom prst="curvedConnector3">
+            <a:avLst/>
+          </a:prstGeom>
+          <a:ln w="12700">
+            <a:tailEnd type="triangle"/>
+          </a:ln>
+        </p:spPr>
+        <p:style>
+          <a:lnRef idx="1">
+            <a:schemeClr val="dk1"/>
+          </a:lnRef>
+          <a:fillRef idx="0">
+            <a:schemeClr val="dk1"/>
+          </a:fillRef>
+          <a:effectRef idx="0">
+            <a:schemeClr val="dk1"/>
+          </a:effectRef>
+          <a:fontRef idx="minor">
+            <a:schemeClr val="tx1"/>
+          </a:fontRef>
+        </p:style>
+      </p:cxnSp>
+      <p:sp>
+        <p:nvSpPr>
+          <p:cNvPr id="15" name="TextBox 14">
+            <a:extLst>
+              <a:ext uri="{FF2B5EF4-FFF2-40B4-BE49-F238E27FC236}">
+                <a16:creationId xmlns:a16="http://schemas.microsoft.com/office/drawing/2014/main" id="{5524E10B-BE69-053A-9520-6F616822CE27}"/>
+              </a:ext>
+            </a:extLst>
+          </p:cNvPr>
+          <p:cNvSpPr txBox="1"/>
+          <p:nvPr/>
+        </p:nvSpPr>
+        <p:spPr>
+          <a:xfrm>
+            <a:off x="9394167" y="196744"/>
+            <a:ext cx="974002" cy="307777"/>
+          </a:xfrm>
+          <a:prstGeom prst="rect">
+            <a:avLst/>
+          </a:prstGeom>
+          <a:noFill/>
+        </p:spPr>
+        <p:txBody>
+          <a:bodyPr wrap="square">
+            <a:spAutoFit/>
+          </a:bodyPr>
+          <a:lstStyle/>
+          <a:p>
+            <a:pPr algn="ctr"/>
+            <a:r>
+              <a:rPr lang="en-US" altLang="ko-Kore-KR" sz="1400" dirty="0">
+                <a:latin typeface="DM Mono" panose="020B0509040201040103" pitchFamily="49" charset="0"/>
+              </a:rPr>
+              <a:t>0x100</a:t>
+            </a:r>
+            <a:endParaRPr lang="ko-Kore-KR" altLang="en-US" sz="1400" dirty="0"/>
+          </a:p>
+        </p:txBody>
+      </p:sp>
+      <p:sp>
+        <p:nvSpPr>
+          <p:cNvPr id="2" name="직사각형 1">
+            <a:extLst>
+              <a:ext uri="{FF2B5EF4-FFF2-40B4-BE49-F238E27FC236}">
+                <a16:creationId xmlns:a16="http://schemas.microsoft.com/office/drawing/2014/main" id="{83A2948B-21B2-0811-5195-0B9D4527748B}"/>
+              </a:ext>
+            </a:extLst>
+          </p:cNvPr>
+          <p:cNvSpPr/>
+          <p:nvPr/>
+        </p:nvSpPr>
+        <p:spPr>
+          <a:xfrm>
+            <a:off x="7180817" y="3250068"/>
+            <a:ext cx="804912" cy="482277"/>
+          </a:xfrm>
+          <a:prstGeom prst="rect">
+            <a:avLst/>
+          </a:prstGeom>
+          <a:solidFill>
+            <a:srgbClr val="FFFF00"/>
+          </a:solidFill>
+          <a:ln w="28575">
+            <a:solidFill>
+              <a:srgbClr val="FF0000"/>
+            </a:solidFill>
+          </a:ln>
+        </p:spPr>
+        <p:style>
+          <a:lnRef idx="2">
+            <a:schemeClr val="accent1">
+              <a:shade val="15000"/>
+            </a:schemeClr>
+          </a:lnRef>
+          <a:fillRef idx="1">
+            <a:schemeClr val="accent1"/>
+          </a:fillRef>
+          <a:effectRef idx="0">
+            <a:schemeClr val="accent1"/>
+          </a:effectRef>
+          <a:fontRef idx="minor">
+            <a:schemeClr val="lt1"/>
+          </a:fontRef>
+        </p:style>
+        <p:txBody>
+          <a:bodyPr rtlCol="0" anchor="ctr"/>
+          <a:lstStyle/>
+          <a:p>
+            <a:pPr algn="ctr"/>
+            <a:r>
+              <a:rPr kumimoji="1" lang="en-US" altLang="ko-Kore-KR" sz="1600" dirty="0">
+                <a:solidFill>
+                  <a:srgbClr val="FF0000"/>
+                </a:solidFill>
+                <a:latin typeface="DM Mono" panose="020B0509040201040103" pitchFamily="49" charset="0"/>
+              </a:rPr>
+              <a:t>0x100</a:t>
+            </a:r>
+            <a:endParaRPr kumimoji="1" lang="ko-Kore-KR" altLang="en-US" sz="1600" dirty="0">
+              <a:solidFill>
+                <a:srgbClr val="FF0000"/>
+              </a:solidFill>
+              <a:latin typeface="DM Mono" panose="020B0509040201040103" pitchFamily="49" charset="0"/>
+            </a:endParaRPr>
+          </a:p>
+        </p:txBody>
+      </p:sp>
+      <p:sp>
+        <p:nvSpPr>
+          <p:cNvPr id="3" name="TextBox 2">
+            <a:extLst>
+              <a:ext uri="{FF2B5EF4-FFF2-40B4-BE49-F238E27FC236}">
+                <a16:creationId xmlns:a16="http://schemas.microsoft.com/office/drawing/2014/main" id="{0B0E802A-FE80-668E-2AF9-026CF124E674}"/>
+              </a:ext>
+            </a:extLst>
+          </p:cNvPr>
+          <p:cNvSpPr txBox="1"/>
+          <p:nvPr/>
+        </p:nvSpPr>
+        <p:spPr>
+          <a:xfrm>
+            <a:off x="6388318" y="3306540"/>
+            <a:ext cx="792499" cy="369332"/>
+          </a:xfrm>
+          <a:prstGeom prst="rect">
+            <a:avLst/>
+          </a:prstGeom>
+          <a:noFill/>
+        </p:spPr>
+        <p:txBody>
+          <a:bodyPr wrap="square">
+            <a:spAutoFit/>
+          </a:bodyPr>
+          <a:lstStyle/>
+          <a:p>
+            <a:pPr algn="r"/>
+            <a:r>
+              <a:rPr lang="en-US" altLang="ko-Kore-KR" dirty="0">
+                <a:latin typeface="DM Mono" panose="020B0509040201040103" pitchFamily="49" charset="0"/>
+              </a:rPr>
+              <a:t>name</a:t>
+            </a:r>
+            <a:endParaRPr lang="ko-Kore-KR" altLang="en-US" dirty="0"/>
+          </a:p>
+        </p:txBody>
+      </p:sp>
+      <p:sp>
+        <p:nvSpPr>
+          <p:cNvPr id="4" name="직사각형 3">
+            <a:extLst>
+              <a:ext uri="{FF2B5EF4-FFF2-40B4-BE49-F238E27FC236}">
+                <a16:creationId xmlns:a16="http://schemas.microsoft.com/office/drawing/2014/main" id="{3D908BD8-C111-16BE-05CD-FDE7EADBA31B}"/>
+              </a:ext>
+            </a:extLst>
+          </p:cNvPr>
+          <p:cNvSpPr/>
+          <p:nvPr/>
+        </p:nvSpPr>
+        <p:spPr>
+          <a:xfrm>
+            <a:off x="7180817" y="3732344"/>
+            <a:ext cx="804912" cy="482277"/>
+          </a:xfrm>
+          <a:prstGeom prst="rect">
+            <a:avLst/>
+          </a:prstGeom>
+          <a:solidFill>
+            <a:srgbClr val="FFFF00"/>
+          </a:solidFill>
+          <a:ln w="28575">
+            <a:solidFill>
+              <a:srgbClr val="FF0000"/>
+            </a:solidFill>
+          </a:ln>
+        </p:spPr>
+        <p:style>
+          <a:lnRef idx="2">
+            <a:schemeClr val="accent1">
+              <a:shade val="15000"/>
+            </a:schemeClr>
+          </a:lnRef>
+          <a:fillRef idx="1">
+            <a:schemeClr val="accent1"/>
+          </a:fillRef>
+          <a:effectRef idx="0">
+            <a:schemeClr val="accent1"/>
+          </a:effectRef>
+          <a:fontRef idx="minor">
+            <a:schemeClr val="lt1"/>
+          </a:fontRef>
+        </p:style>
+        <p:txBody>
+          <a:bodyPr rtlCol="0" anchor="ctr"/>
+          <a:lstStyle/>
+          <a:p>
+            <a:pPr algn="ctr"/>
+            <a:r>
+              <a:rPr kumimoji="1" lang="en-US" altLang="ko-Kore-KR" sz="1600" dirty="0">
+                <a:solidFill>
+                  <a:srgbClr val="FF0000"/>
+                </a:solidFill>
+                <a:latin typeface="DM Mono" panose="020B0509040201040103" pitchFamily="49" charset="0"/>
+              </a:rPr>
+              <a:t>42</a:t>
+            </a:r>
+            <a:endParaRPr kumimoji="1" lang="ko-Kore-KR" altLang="en-US" sz="1600" dirty="0">
+              <a:solidFill>
+                <a:srgbClr val="FF0000"/>
+              </a:solidFill>
+              <a:latin typeface="DM Mono" panose="020B0509040201040103" pitchFamily="49" charset="0"/>
+            </a:endParaRPr>
+          </a:p>
+        </p:txBody>
+      </p:sp>
+      <p:sp>
+        <p:nvSpPr>
+          <p:cNvPr id="12" name="TextBox 11">
+            <a:extLst>
+              <a:ext uri="{FF2B5EF4-FFF2-40B4-BE49-F238E27FC236}">
+                <a16:creationId xmlns:a16="http://schemas.microsoft.com/office/drawing/2014/main" id="{621EB3E2-1DBE-39C4-D6C6-C2B256BD4530}"/>
+              </a:ext>
+            </a:extLst>
+          </p:cNvPr>
+          <p:cNvSpPr txBox="1"/>
+          <p:nvPr/>
+        </p:nvSpPr>
+        <p:spPr>
+          <a:xfrm>
+            <a:off x="6457330" y="3788816"/>
+            <a:ext cx="723487" cy="369332"/>
+          </a:xfrm>
+          <a:prstGeom prst="rect">
+            <a:avLst/>
+          </a:prstGeom>
+          <a:noFill/>
+        </p:spPr>
+        <p:txBody>
+          <a:bodyPr wrap="square">
+            <a:spAutoFit/>
+          </a:bodyPr>
+          <a:lstStyle/>
+          <a:p>
+            <a:pPr algn="r"/>
+            <a:r>
+              <a:rPr lang="en-US" altLang="ko-Kore-KR" dirty="0">
+                <a:latin typeface="DM Mono" panose="020B0509040201040103" pitchFamily="49" charset="0"/>
+              </a:rPr>
+              <a:t>age</a:t>
+            </a:r>
+            <a:endParaRPr lang="ko-Kore-KR" altLang="en-US" dirty="0"/>
+          </a:p>
+        </p:txBody>
+      </p:sp>
+      <p:sp>
+        <p:nvSpPr>
+          <p:cNvPr id="14" name="TextBox 13">
+            <a:extLst>
+              <a:ext uri="{FF2B5EF4-FFF2-40B4-BE49-F238E27FC236}">
+                <a16:creationId xmlns:a16="http://schemas.microsoft.com/office/drawing/2014/main" id="{DD9EE558-D95E-3DF1-B700-11ADFB0D02E2}"/>
+              </a:ext>
+            </a:extLst>
+          </p:cNvPr>
+          <p:cNvSpPr txBox="1"/>
+          <p:nvPr/>
+        </p:nvSpPr>
+        <p:spPr>
+          <a:xfrm>
+            <a:off x="7075480" y="2880737"/>
+            <a:ext cx="1015586" cy="369332"/>
+          </a:xfrm>
+          <a:prstGeom prst="rect">
+            <a:avLst/>
+          </a:prstGeom>
+          <a:noFill/>
+        </p:spPr>
+        <p:txBody>
+          <a:bodyPr wrap="square">
+            <a:spAutoFit/>
+          </a:bodyPr>
+          <a:lstStyle/>
+          <a:p>
+            <a:pPr algn="ctr"/>
+            <a:r>
+              <a:rPr lang="en-US" altLang="ko-Kore-KR" dirty="0">
+                <a:latin typeface="DM Mono" panose="020B0509040201040103" pitchFamily="49" charset="0"/>
+              </a:rPr>
+              <a:t>other</a:t>
+            </a:r>
+            <a:endParaRPr lang="ko-Kore-KR" altLang="en-US" dirty="0"/>
+          </a:p>
+        </p:txBody>
+      </p:sp>
+      <p:cxnSp>
+        <p:nvCxnSpPr>
+          <p:cNvPr id="17" name="구부러진 연결선[U] 16">
+            <a:extLst>
+              <a:ext uri="{FF2B5EF4-FFF2-40B4-BE49-F238E27FC236}">
+                <a16:creationId xmlns:a16="http://schemas.microsoft.com/office/drawing/2014/main" id="{DF31B2A1-6FE0-21A9-4232-18AA97D563C3}"/>
+              </a:ext>
+            </a:extLst>
+          </p:cNvPr>
+          <p:cNvCxnSpPr>
+            <a:cxnSpLocks/>
+            <a:stCxn id="2" idx="3"/>
+            <a:endCxn id="11" idx="1"/>
+          </p:cNvCxnSpPr>
+          <p:nvPr/>
+        </p:nvCxnSpPr>
+        <p:spPr>
+          <a:xfrm flipV="1">
+            <a:off x="7985729" y="730519"/>
+            <a:ext cx="1986190" cy="2760688"/>
+          </a:xfrm>
+          <a:prstGeom prst="curvedConnector3">
+            <a:avLst>
+              <a:gd name="adj1" fmla="val 50000"/>
+            </a:avLst>
+          </a:prstGeom>
+          <a:ln w="12700">
+            <a:solidFill>
+              <a:srgbClr val="FF0000"/>
+            </a:solidFill>
+            <a:tailEnd type="triangle"/>
+          </a:ln>
+        </p:spPr>
+        <p:style>
+          <a:lnRef idx="1">
+            <a:schemeClr val="dk1"/>
+          </a:lnRef>
+          <a:fillRef idx="0">
+            <a:schemeClr val="dk1"/>
+          </a:fillRef>
+          <a:effectRef idx="0">
+            <a:schemeClr val="dk1"/>
+          </a:effectRef>
+          <a:fontRef idx="minor">
+            <a:schemeClr val="tx1"/>
+          </a:fontRef>
+        </p:style>
+      </p:cxnSp>
+    </p:spTree>
+    <p:extLst>
+      <p:ext uri="{BB962C8B-B14F-4D97-AF65-F5344CB8AC3E}">
+        <p14:creationId xmlns:p14="http://schemas.microsoft.com/office/powerpoint/2010/main" val="733344795"/>
+      </p:ext>
+    </p:extLst>
+  </p:cSld>
+  <p:clrMapOvr>
+    <a:masterClrMapping/>
+  </p:clrMapOvr>
+</p:sld>
+</file>
+
+<file path=ppt/slides/slide21.xml><?xml version="1.0" encoding="utf-8"?>
+<p:sld xmlns:a="http://schemas.openxmlformats.org/drawingml/2006/main" xmlns:r="http://schemas.openxmlformats.org/officeDocument/2006/relationships" xmlns:p="http://schemas.openxmlformats.org/presentationml/2006/main">
+  <p:cSld>
+    <p:spTree>
+      <p:nvGrpSpPr>
+        <p:cNvPr id="1" name=""/>
+        <p:cNvGrpSpPr/>
+        <p:nvPr/>
+      </p:nvGrpSpPr>
+      <p:grpSpPr>
+        <a:xfrm>
+          <a:off x="0" y="0"/>
+          <a:ext cx="0" cy="0"/>
+          <a:chOff x="0" y="0"/>
+          <a:chExt cx="0" cy="0"/>
+        </a:xfrm>
+      </p:grpSpPr>
+      <p:sp>
+        <p:nvSpPr>
+          <p:cNvPr id="5" name="TextBox 4">
+            <a:extLst>
+              <a:ext uri="{FF2B5EF4-FFF2-40B4-BE49-F238E27FC236}">
+                <a16:creationId xmlns:a16="http://schemas.microsoft.com/office/drawing/2014/main" id="{88DF2C13-5DDB-31C3-B732-2D9C25519E72}"/>
+              </a:ext>
+            </a:extLst>
+          </p:cNvPr>
+          <p:cNvSpPr txBox="1"/>
+          <p:nvPr/>
+        </p:nvSpPr>
+        <p:spPr>
+          <a:xfrm>
+            <a:off x="459357" y="159027"/>
+            <a:ext cx="4612975" cy="5693866"/>
+          </a:xfrm>
+          <a:prstGeom prst="rect">
+            <a:avLst/>
+          </a:prstGeom>
+          <a:noFill/>
+        </p:spPr>
+        <p:txBody>
+          <a:bodyPr wrap="square">
+            <a:spAutoFit/>
+          </a:bodyPr>
+          <a:lstStyle/>
+          <a:p>
+            <a:r>
+              <a:rPr lang="ko-Kore-KR" altLang="en-US" sz="1400" dirty="0">
+                <a:latin typeface="DM Mono" panose="020B0509040201040103" pitchFamily="49" charset="0"/>
+              </a:rPr>
+              <a:t>class User {</a:t>
+            </a:r>
+          </a:p>
+          <a:p>
+            <a:r>
+              <a:rPr lang="ko-Kore-KR" altLang="en-US" sz="1400" dirty="0">
+                <a:latin typeface="DM Mono" panose="020B0509040201040103" pitchFamily="49" charset="0"/>
+              </a:rPr>
+              <a:t>    char* name;</a:t>
+            </a:r>
+          </a:p>
+          <a:p>
+            <a:r>
+              <a:rPr lang="ko-Kore-KR" altLang="en-US" sz="1400" dirty="0">
+                <a:latin typeface="DM Mono" panose="020B0509040201040103" pitchFamily="49" charset="0"/>
+              </a:rPr>
+              <a:t>    int age;</a:t>
+            </a:r>
+          </a:p>
+          <a:p>
+            <a:endParaRPr lang="ko-Kore-KR" altLang="en-US" sz="1400" dirty="0">
+              <a:latin typeface="DM Mono" panose="020B0509040201040103" pitchFamily="49" charset="0"/>
+            </a:endParaRPr>
+          </a:p>
+          <a:p>
+            <a:r>
+              <a:rPr lang="ko-Kore-KR" altLang="en-US" sz="1400" dirty="0">
+                <a:latin typeface="DM Mono" panose="020B0509040201040103" pitchFamily="49" charset="0"/>
+              </a:rPr>
+              <a:t>public:</a:t>
+            </a:r>
+          </a:p>
+          <a:p>
+            <a:r>
+              <a:rPr lang="ko-Kore-KR" altLang="en-US" sz="1400" dirty="0">
+                <a:latin typeface="DM Mono" panose="020B0509040201040103" pitchFamily="49" charset="0"/>
+              </a:rPr>
+              <a:t>    User(const char* s, int n)</a:t>
+            </a:r>
+          </a:p>
+          <a:p>
+            <a:r>
+              <a:rPr lang="ko-Kore-KR" altLang="en-US" sz="1400" dirty="0">
+                <a:latin typeface="DM Mono" panose="020B0509040201040103" pitchFamily="49" charset="0"/>
+              </a:rPr>
+              <a:t>        : age { n }</a:t>
+            </a:r>
+          </a:p>
+          <a:p>
+            <a:r>
+              <a:rPr lang="ko-Kore-KR" altLang="en-US" sz="1400" dirty="0">
+                <a:latin typeface="DM Mono" panose="020B0509040201040103" pitchFamily="49" charset="0"/>
+              </a:rPr>
+              <a:t>    {</a:t>
+            </a:r>
+          </a:p>
+          <a:p>
+            <a:r>
+              <a:rPr lang="ko-Kore-KR" altLang="en-US" sz="1400" dirty="0">
+                <a:latin typeface="DM Mono" panose="020B0509040201040103" pitchFamily="49" charset="0"/>
+              </a:rPr>
+              <a:t>        name = new char[strlen(s) + 1];</a:t>
+            </a:r>
+          </a:p>
+          <a:p>
+            <a:r>
+              <a:rPr lang="ko-Kore-KR" altLang="en-US" sz="1400" dirty="0">
+                <a:latin typeface="DM Mono" panose="020B0509040201040103" pitchFamily="49" charset="0"/>
+              </a:rPr>
+              <a:t>        strcpy(name, s);</a:t>
+            </a:r>
+          </a:p>
+          <a:p>
+            <a:r>
+              <a:rPr lang="ko-Kore-KR" altLang="en-US" sz="1400" dirty="0">
+                <a:latin typeface="DM Mono" panose="020B0509040201040103" pitchFamily="49" charset="0"/>
+              </a:rPr>
+              <a:t>    }</a:t>
+            </a:r>
+          </a:p>
+          <a:p>
+            <a:endParaRPr lang="ko-Kore-KR" altLang="en-US" sz="1400" dirty="0">
+              <a:latin typeface="DM Mono" panose="020B0509040201040103" pitchFamily="49" charset="0"/>
+            </a:endParaRPr>
+          </a:p>
+          <a:p>
+            <a:r>
+              <a:rPr lang="ko-Kore-KR" altLang="en-US" sz="1400" dirty="0">
+                <a:solidFill>
+                  <a:srgbClr val="FF0000"/>
+                </a:solidFill>
+                <a:latin typeface="DM Mono" panose="020B0509040201040103" pitchFamily="49" charset="0"/>
+              </a:rPr>
+              <a:t>    ~User()</a:t>
+            </a:r>
+          </a:p>
+          <a:p>
+            <a:r>
+              <a:rPr lang="ko-Kore-KR" altLang="en-US" sz="1400" dirty="0">
+                <a:solidFill>
+                  <a:srgbClr val="FF0000"/>
+                </a:solidFill>
+                <a:latin typeface="DM Mono" panose="020B0509040201040103" pitchFamily="49" charset="0"/>
+              </a:rPr>
+              <a:t>    {</a:t>
+            </a:r>
+          </a:p>
+          <a:p>
+            <a:r>
+              <a:rPr lang="ko-Kore-KR" altLang="en-US" sz="1400" dirty="0">
+                <a:solidFill>
+                  <a:srgbClr val="FF0000"/>
+                </a:solidFill>
+                <a:latin typeface="DM Mono" panose="020B0509040201040103" pitchFamily="49" charset="0"/>
+              </a:rPr>
+              <a:t>        delete[] name;</a:t>
+            </a:r>
+          </a:p>
+          <a:p>
+            <a:r>
+              <a:rPr lang="ko-Kore-KR" altLang="en-US" sz="1400" dirty="0">
+                <a:solidFill>
+                  <a:srgbClr val="FF0000"/>
+                </a:solidFill>
+                <a:latin typeface="DM Mono" panose="020B0509040201040103" pitchFamily="49" charset="0"/>
+              </a:rPr>
+              <a:t>    }</a:t>
+            </a:r>
+            <a:endParaRPr lang="en-US" altLang="ko-Kore-KR" sz="1400" dirty="0">
+              <a:solidFill>
+                <a:srgbClr val="FF0000"/>
+              </a:solidFill>
+              <a:latin typeface="DM Mono" panose="020B0509040201040103" pitchFamily="49" charset="0"/>
+            </a:endParaRPr>
+          </a:p>
+          <a:p>
+            <a:r>
+              <a:rPr lang="ko-Kore-KR" altLang="en-US" sz="1400" dirty="0">
+                <a:latin typeface="DM Mono" panose="020B0509040201040103" pitchFamily="49" charset="0"/>
+              </a:rPr>
+              <a:t>};</a:t>
+            </a:r>
+          </a:p>
+          <a:p>
+            <a:endParaRPr lang="ko-Kore-KR" altLang="en-US" sz="1400" dirty="0">
+              <a:latin typeface="DM Mono" panose="020B0509040201040103" pitchFamily="49" charset="0"/>
+            </a:endParaRPr>
+          </a:p>
+          <a:p>
+            <a:r>
+              <a:rPr lang="ko-Kore-KR" altLang="en-US" sz="1400" dirty="0">
+                <a:latin typeface="DM Mono" panose="020B0509040201040103" pitchFamily="49" charset="0"/>
+              </a:rPr>
+              <a:t>int main()</a:t>
+            </a:r>
+          </a:p>
+          <a:p>
+            <a:r>
+              <a:rPr lang="ko-Kore-KR" altLang="en-US" sz="1400" dirty="0">
+                <a:latin typeface="DM Mono" panose="020B0509040201040103" pitchFamily="49" charset="0"/>
+              </a:rPr>
+              <a:t>{</a:t>
+            </a:r>
+          </a:p>
+          <a:p>
+            <a:r>
+              <a:rPr lang="ko-Kore-KR" altLang="en-US" sz="1400" dirty="0">
+                <a:latin typeface="DM Mono" panose="020B0509040201040103" pitchFamily="49" charset="0"/>
+              </a:rPr>
+              <a:t>    User user { "Tom", 42 };</a:t>
+            </a:r>
+          </a:p>
+          <a:p>
+            <a:r>
+              <a:rPr lang="ko-Kore-KR" altLang="en-US" sz="1400" dirty="0">
+                <a:latin typeface="DM Mono" panose="020B0509040201040103" pitchFamily="49" charset="0"/>
+              </a:rPr>
+              <a:t>    user.Print();</a:t>
+            </a:r>
+          </a:p>
+          <a:p>
+            <a:endParaRPr lang="ko-Kore-KR" altLang="en-US" sz="1400" dirty="0">
+              <a:latin typeface="DM Mono" panose="020B0509040201040103" pitchFamily="49" charset="0"/>
+            </a:endParaRPr>
+          </a:p>
+          <a:p>
+            <a:r>
+              <a:rPr lang="ko-Kore-KR" altLang="en-US" sz="1400" dirty="0">
+                <a:latin typeface="DM Mono" panose="020B0509040201040103" pitchFamily="49" charset="0"/>
+              </a:rPr>
+              <a:t>    User other { user };</a:t>
+            </a:r>
+          </a:p>
+          <a:p>
+            <a:r>
+              <a:rPr lang="ko-Kore-KR" altLang="en-US" sz="1400" dirty="0">
+                <a:latin typeface="DM Mono" panose="020B0509040201040103" pitchFamily="49" charset="0"/>
+              </a:rPr>
+              <a:t>    other.Print();</a:t>
+            </a:r>
+          </a:p>
+          <a:p>
+            <a:r>
+              <a:rPr lang="ko-Kore-KR" altLang="en-US" sz="1400" dirty="0">
+                <a:latin typeface="DM Mono" panose="020B0509040201040103" pitchFamily="49" charset="0"/>
+              </a:rPr>
+              <a:t>}</a:t>
+            </a:r>
+          </a:p>
+        </p:txBody>
+      </p:sp>
+      <p:sp>
+        <p:nvSpPr>
+          <p:cNvPr id="6" name="직사각형 5">
+            <a:extLst>
+              <a:ext uri="{FF2B5EF4-FFF2-40B4-BE49-F238E27FC236}">
+                <a16:creationId xmlns:a16="http://schemas.microsoft.com/office/drawing/2014/main" id="{558F7C08-07E2-B90D-71F9-DC5FD5AF3714}"/>
+              </a:ext>
+            </a:extLst>
+          </p:cNvPr>
+          <p:cNvSpPr/>
+          <p:nvPr/>
+        </p:nvSpPr>
+        <p:spPr>
+          <a:xfrm>
+            <a:off x="7119670" y="915185"/>
+            <a:ext cx="804912" cy="482277"/>
+          </a:xfrm>
+          <a:prstGeom prst="rect">
+            <a:avLst/>
+          </a:prstGeom>
+          <a:solidFill>
+            <a:srgbClr val="FFFF00"/>
+          </a:solidFill>
+        </p:spPr>
+        <p:style>
+          <a:lnRef idx="2">
+            <a:schemeClr val="accent1">
+              <a:shade val="15000"/>
+            </a:schemeClr>
+          </a:lnRef>
+          <a:fillRef idx="1">
+            <a:schemeClr val="accent1"/>
+          </a:fillRef>
+          <a:effectRef idx="0">
+            <a:schemeClr val="accent1"/>
+          </a:effectRef>
+          <a:fontRef idx="minor">
+            <a:schemeClr val="lt1"/>
+          </a:fontRef>
+        </p:style>
+        <p:txBody>
+          <a:bodyPr rtlCol="0" anchor="ctr"/>
+          <a:lstStyle/>
+          <a:p>
+            <a:pPr algn="ctr"/>
+            <a:r>
+              <a:rPr kumimoji="1" lang="en-US" altLang="ko-Kore-KR" sz="1600" dirty="0">
+                <a:solidFill>
+                  <a:srgbClr val="FF0000"/>
+                </a:solidFill>
+                <a:latin typeface="DM Mono" panose="020B0509040201040103" pitchFamily="49" charset="0"/>
+              </a:rPr>
+              <a:t>0x100</a:t>
+            </a:r>
+            <a:endParaRPr kumimoji="1" lang="ko-Kore-KR" altLang="en-US" sz="1600" dirty="0">
+              <a:solidFill>
+                <a:srgbClr val="FF0000"/>
+              </a:solidFill>
+              <a:latin typeface="DM Mono" panose="020B0509040201040103" pitchFamily="49" charset="0"/>
+            </a:endParaRPr>
+          </a:p>
+        </p:txBody>
+      </p:sp>
+      <p:sp>
+        <p:nvSpPr>
+          <p:cNvPr id="7" name="TextBox 6">
+            <a:extLst>
+              <a:ext uri="{FF2B5EF4-FFF2-40B4-BE49-F238E27FC236}">
+                <a16:creationId xmlns:a16="http://schemas.microsoft.com/office/drawing/2014/main" id="{42488CB0-6CAC-668D-A778-94ED6CA79F69}"/>
+              </a:ext>
+            </a:extLst>
+          </p:cNvPr>
+          <p:cNvSpPr txBox="1"/>
+          <p:nvPr/>
+        </p:nvSpPr>
+        <p:spPr>
+          <a:xfrm>
+            <a:off x="6327171" y="971657"/>
+            <a:ext cx="792499" cy="369332"/>
+          </a:xfrm>
+          <a:prstGeom prst="rect">
+            <a:avLst/>
+          </a:prstGeom>
+          <a:noFill/>
+        </p:spPr>
+        <p:txBody>
+          <a:bodyPr wrap="square">
+            <a:spAutoFit/>
+          </a:bodyPr>
+          <a:lstStyle/>
+          <a:p>
+            <a:pPr algn="r"/>
+            <a:r>
+              <a:rPr lang="en-US" altLang="ko-Kore-KR" dirty="0">
+                <a:latin typeface="DM Mono" panose="020B0509040201040103" pitchFamily="49" charset="0"/>
+              </a:rPr>
+              <a:t>name</a:t>
+            </a:r>
+            <a:endParaRPr lang="ko-Kore-KR" altLang="en-US" dirty="0"/>
+          </a:p>
+        </p:txBody>
+      </p:sp>
+      <p:sp>
+        <p:nvSpPr>
+          <p:cNvPr id="8" name="직사각형 7">
+            <a:extLst>
+              <a:ext uri="{FF2B5EF4-FFF2-40B4-BE49-F238E27FC236}">
+                <a16:creationId xmlns:a16="http://schemas.microsoft.com/office/drawing/2014/main" id="{246A770D-CBAF-9BFB-CB00-1B9322FF7431}"/>
+              </a:ext>
+            </a:extLst>
+          </p:cNvPr>
+          <p:cNvSpPr/>
+          <p:nvPr/>
+        </p:nvSpPr>
+        <p:spPr>
+          <a:xfrm>
+            <a:off x="7119670" y="1397461"/>
+            <a:ext cx="804912" cy="482277"/>
+          </a:xfrm>
+          <a:prstGeom prst="rect">
+            <a:avLst/>
+          </a:prstGeom>
+          <a:solidFill>
+            <a:srgbClr val="FFFF00"/>
+          </a:solidFill>
+        </p:spPr>
+        <p:style>
+          <a:lnRef idx="2">
+            <a:schemeClr val="accent1">
+              <a:shade val="15000"/>
+            </a:schemeClr>
+          </a:lnRef>
+          <a:fillRef idx="1">
+            <a:schemeClr val="accent1"/>
+          </a:fillRef>
+          <a:effectRef idx="0">
+            <a:schemeClr val="accent1"/>
+          </a:effectRef>
+          <a:fontRef idx="minor">
+            <a:schemeClr val="lt1"/>
+          </a:fontRef>
+        </p:style>
+        <p:txBody>
+          <a:bodyPr rtlCol="0" anchor="ctr"/>
+          <a:lstStyle/>
+          <a:p>
+            <a:pPr algn="ctr"/>
+            <a:r>
+              <a:rPr kumimoji="1" lang="en-US" altLang="ko-Kore-KR" sz="1600" dirty="0">
+                <a:solidFill>
+                  <a:srgbClr val="FF0000"/>
+                </a:solidFill>
+                <a:latin typeface="DM Mono" panose="020B0509040201040103" pitchFamily="49" charset="0"/>
+              </a:rPr>
+              <a:t>42</a:t>
+            </a:r>
+            <a:endParaRPr kumimoji="1" lang="ko-Kore-KR" altLang="en-US" sz="1600" dirty="0">
+              <a:solidFill>
+                <a:srgbClr val="FF0000"/>
+              </a:solidFill>
+              <a:latin typeface="DM Mono" panose="020B0509040201040103" pitchFamily="49" charset="0"/>
+            </a:endParaRPr>
+          </a:p>
+        </p:txBody>
+      </p:sp>
+      <p:sp>
+        <p:nvSpPr>
+          <p:cNvPr id="9" name="TextBox 8">
+            <a:extLst>
+              <a:ext uri="{FF2B5EF4-FFF2-40B4-BE49-F238E27FC236}">
+                <a16:creationId xmlns:a16="http://schemas.microsoft.com/office/drawing/2014/main" id="{4E461239-9BD0-4824-0F8C-6D2EB0165069}"/>
+              </a:ext>
+            </a:extLst>
+          </p:cNvPr>
+          <p:cNvSpPr txBox="1"/>
+          <p:nvPr/>
+        </p:nvSpPr>
+        <p:spPr>
+          <a:xfrm>
+            <a:off x="6396183" y="1453933"/>
+            <a:ext cx="723487" cy="369332"/>
+          </a:xfrm>
+          <a:prstGeom prst="rect">
+            <a:avLst/>
+          </a:prstGeom>
+          <a:noFill/>
+        </p:spPr>
+        <p:txBody>
+          <a:bodyPr wrap="square">
+            <a:spAutoFit/>
+          </a:bodyPr>
+          <a:lstStyle/>
+          <a:p>
+            <a:pPr algn="r"/>
+            <a:r>
+              <a:rPr lang="en-US" altLang="ko-Kore-KR" dirty="0">
+                <a:latin typeface="DM Mono" panose="020B0509040201040103" pitchFamily="49" charset="0"/>
+              </a:rPr>
+              <a:t>age</a:t>
+            </a:r>
+            <a:endParaRPr lang="ko-Kore-KR" altLang="en-US" dirty="0"/>
+          </a:p>
+        </p:txBody>
+      </p:sp>
+      <p:sp>
+        <p:nvSpPr>
+          <p:cNvPr id="10" name="TextBox 9">
+            <a:extLst>
+              <a:ext uri="{FF2B5EF4-FFF2-40B4-BE49-F238E27FC236}">
+                <a16:creationId xmlns:a16="http://schemas.microsoft.com/office/drawing/2014/main" id="{BA97DF8F-FE1C-72EF-8941-D736A8BE1ED0}"/>
+              </a:ext>
+            </a:extLst>
+          </p:cNvPr>
+          <p:cNvSpPr txBox="1"/>
+          <p:nvPr/>
+        </p:nvSpPr>
+        <p:spPr>
+          <a:xfrm>
+            <a:off x="7119670" y="539192"/>
+            <a:ext cx="804912" cy="369332"/>
+          </a:xfrm>
+          <a:prstGeom prst="rect">
+            <a:avLst/>
+          </a:prstGeom>
+          <a:noFill/>
+        </p:spPr>
+        <p:txBody>
+          <a:bodyPr wrap="square">
+            <a:spAutoFit/>
+          </a:bodyPr>
+          <a:lstStyle/>
+          <a:p>
+            <a:pPr algn="ctr"/>
+            <a:r>
+              <a:rPr lang="en-US" altLang="ko-Kore-KR" dirty="0">
+                <a:latin typeface="DM Mono" panose="020B0509040201040103" pitchFamily="49" charset="0"/>
+              </a:rPr>
+              <a:t>user</a:t>
+            </a:r>
+            <a:endParaRPr lang="ko-Kore-KR" altLang="en-US" dirty="0"/>
+          </a:p>
+        </p:txBody>
+      </p:sp>
+      <p:sp>
+        <p:nvSpPr>
+          <p:cNvPr id="11" name="직사각형 10">
+            <a:extLst>
+              <a:ext uri="{FF2B5EF4-FFF2-40B4-BE49-F238E27FC236}">
+                <a16:creationId xmlns:a16="http://schemas.microsoft.com/office/drawing/2014/main" id="{6D56AB7B-3E78-1266-0970-D81BC67B6A6D}"/>
+              </a:ext>
+            </a:extLst>
+          </p:cNvPr>
+          <p:cNvSpPr/>
+          <p:nvPr/>
+        </p:nvSpPr>
+        <p:spPr>
+          <a:xfrm>
+            <a:off x="9971919" y="489380"/>
+            <a:ext cx="1320057" cy="482277"/>
+          </a:xfrm>
+          <a:prstGeom prst="rect">
+            <a:avLst/>
+          </a:prstGeom>
+          <a:solidFill>
+            <a:srgbClr val="FFFF00"/>
+          </a:solidFill>
+          <a:ln w="28575">
+            <a:solidFill>
+              <a:srgbClr val="FF0000"/>
+            </a:solidFill>
+          </a:ln>
+        </p:spPr>
+        <p:style>
+          <a:lnRef idx="2">
+            <a:schemeClr val="accent1">
+              <a:shade val="15000"/>
+            </a:schemeClr>
+          </a:lnRef>
+          <a:fillRef idx="1">
+            <a:schemeClr val="accent1"/>
+          </a:fillRef>
+          <a:effectRef idx="0">
+            <a:schemeClr val="accent1"/>
+          </a:effectRef>
+          <a:fontRef idx="minor">
+            <a:schemeClr val="lt1"/>
+          </a:fontRef>
+        </p:style>
+        <p:txBody>
+          <a:bodyPr rtlCol="0" anchor="ctr"/>
+          <a:lstStyle/>
+          <a:p>
+            <a:pPr algn="ctr"/>
+            <a:r>
+              <a:rPr kumimoji="1" lang="en-US" altLang="ko-Kore-KR" sz="1600" dirty="0">
+                <a:solidFill>
+                  <a:srgbClr val="FF0000"/>
+                </a:solidFill>
+                <a:latin typeface="DM Mono" panose="020B0509040201040103" pitchFamily="49" charset="0"/>
+              </a:rPr>
+              <a:t>“Tom”</a:t>
+            </a:r>
+            <a:endParaRPr kumimoji="1" lang="ko-Kore-KR" altLang="en-US" sz="1600" dirty="0">
+              <a:solidFill>
+                <a:srgbClr val="FF0000"/>
+              </a:solidFill>
+              <a:latin typeface="DM Mono" panose="020B0509040201040103" pitchFamily="49" charset="0"/>
+            </a:endParaRPr>
+          </a:p>
+        </p:txBody>
+      </p:sp>
+      <p:cxnSp>
+        <p:nvCxnSpPr>
+          <p:cNvPr id="13" name="구부러진 연결선[U] 12">
+            <a:extLst>
+              <a:ext uri="{FF2B5EF4-FFF2-40B4-BE49-F238E27FC236}">
+                <a16:creationId xmlns:a16="http://schemas.microsoft.com/office/drawing/2014/main" id="{1E512279-978D-F186-EEDA-8D9F499F4D49}"/>
+              </a:ext>
+            </a:extLst>
+          </p:cNvPr>
+          <p:cNvCxnSpPr>
+            <a:cxnSpLocks/>
+            <a:stCxn id="6" idx="3"/>
+            <a:endCxn id="11" idx="1"/>
+          </p:cNvCxnSpPr>
+          <p:nvPr/>
+        </p:nvCxnSpPr>
+        <p:spPr>
+          <a:xfrm flipV="1">
+            <a:off x="7924582" y="730519"/>
+            <a:ext cx="2047337" cy="425805"/>
+          </a:xfrm>
+          <a:prstGeom prst="curvedConnector3">
+            <a:avLst/>
+          </a:prstGeom>
+          <a:ln w="12700">
+            <a:tailEnd type="triangle"/>
+          </a:ln>
+        </p:spPr>
+        <p:style>
+          <a:lnRef idx="1">
+            <a:schemeClr val="dk1"/>
+          </a:lnRef>
+          <a:fillRef idx="0">
+            <a:schemeClr val="dk1"/>
+          </a:fillRef>
+          <a:effectRef idx="0">
+            <a:schemeClr val="dk1"/>
+          </a:effectRef>
+          <a:fontRef idx="minor">
+            <a:schemeClr val="tx1"/>
+          </a:fontRef>
+        </p:style>
+      </p:cxnSp>
+      <p:sp>
+        <p:nvSpPr>
+          <p:cNvPr id="15" name="TextBox 14">
+            <a:extLst>
+              <a:ext uri="{FF2B5EF4-FFF2-40B4-BE49-F238E27FC236}">
+                <a16:creationId xmlns:a16="http://schemas.microsoft.com/office/drawing/2014/main" id="{5524E10B-BE69-053A-9520-6F616822CE27}"/>
+              </a:ext>
+            </a:extLst>
+          </p:cNvPr>
+          <p:cNvSpPr txBox="1"/>
+          <p:nvPr/>
+        </p:nvSpPr>
+        <p:spPr>
+          <a:xfrm>
+            <a:off x="9394167" y="196744"/>
+            <a:ext cx="974002" cy="307777"/>
+          </a:xfrm>
+          <a:prstGeom prst="rect">
+            <a:avLst/>
+          </a:prstGeom>
+          <a:noFill/>
+        </p:spPr>
+        <p:txBody>
+          <a:bodyPr wrap="square">
+            <a:spAutoFit/>
+          </a:bodyPr>
+          <a:lstStyle/>
+          <a:p>
+            <a:pPr algn="ctr"/>
+            <a:r>
+              <a:rPr lang="en-US" altLang="ko-Kore-KR" sz="1400" dirty="0">
+                <a:latin typeface="DM Mono" panose="020B0509040201040103" pitchFamily="49" charset="0"/>
+              </a:rPr>
+              <a:t>0x100</a:t>
+            </a:r>
+            <a:endParaRPr lang="ko-Kore-KR" altLang="en-US" sz="1400" dirty="0"/>
+          </a:p>
+        </p:txBody>
+      </p:sp>
+    </p:spTree>
+    <p:extLst>
+      <p:ext uri="{BB962C8B-B14F-4D97-AF65-F5344CB8AC3E}">
+        <p14:creationId xmlns:p14="http://schemas.microsoft.com/office/powerpoint/2010/main" val="3165454823"/>
+      </p:ext>
+    </p:extLst>
+  </p:cSld>
+  <p:clrMapOvr>
+    <a:masterClrMapping/>
+  </p:clrMapOvr>
+</p:sld>
+</file>
+
+<file path=ppt/slides/slide22.xml><?xml version="1.0" encoding="utf-8"?>
+<p:sld xmlns:a="http://schemas.openxmlformats.org/drawingml/2006/main" xmlns:r="http://schemas.openxmlformats.org/officeDocument/2006/relationships" xmlns:p="http://schemas.openxmlformats.org/presentationml/2006/main">
+  <p:cSld>
+    <p:spTree>
+      <p:nvGrpSpPr>
+        <p:cNvPr id="1" name=""/>
+        <p:cNvGrpSpPr/>
+        <p:nvPr/>
+      </p:nvGrpSpPr>
+      <p:grpSpPr>
+        <a:xfrm>
+          <a:off x="0" y="0"/>
+          <a:ext cx="0" cy="0"/>
+          <a:chOff x="0" y="0"/>
+          <a:chExt cx="0" cy="0"/>
+        </a:xfrm>
+      </p:grpSpPr>
+      <p:sp>
+        <p:nvSpPr>
+          <p:cNvPr id="6" name="직사각형 5">
+            <a:extLst>
+              <a:ext uri="{FF2B5EF4-FFF2-40B4-BE49-F238E27FC236}">
+                <a16:creationId xmlns:a16="http://schemas.microsoft.com/office/drawing/2014/main" id="{558F7C08-07E2-B90D-71F9-DC5FD5AF3714}"/>
+              </a:ext>
+            </a:extLst>
+          </p:cNvPr>
+          <p:cNvSpPr/>
+          <p:nvPr/>
+        </p:nvSpPr>
+        <p:spPr>
+          <a:xfrm>
+            <a:off x="7119670" y="915185"/>
+            <a:ext cx="804912" cy="482277"/>
+          </a:xfrm>
+          <a:prstGeom prst="rect">
+            <a:avLst/>
+          </a:prstGeom>
+          <a:solidFill>
+            <a:srgbClr val="FFFF00"/>
+          </a:solidFill>
+        </p:spPr>
+        <p:style>
+          <a:lnRef idx="2">
+            <a:schemeClr val="accent1">
+              <a:shade val="15000"/>
+            </a:schemeClr>
+          </a:lnRef>
+          <a:fillRef idx="1">
+            <a:schemeClr val="accent1"/>
+          </a:fillRef>
+          <a:effectRef idx="0">
+            <a:schemeClr val="accent1"/>
+          </a:effectRef>
+          <a:fontRef idx="minor">
+            <a:schemeClr val="lt1"/>
+          </a:fontRef>
+        </p:style>
+        <p:txBody>
+          <a:bodyPr rtlCol="0" anchor="ctr"/>
+          <a:lstStyle/>
+          <a:p>
+            <a:pPr algn="ctr"/>
+            <a:r>
+              <a:rPr kumimoji="1" lang="en-US" altLang="ko-Kore-KR" sz="1600" dirty="0">
+                <a:solidFill>
+                  <a:schemeClr val="tx1"/>
+                </a:solidFill>
+                <a:latin typeface="DM Mono" panose="020B0509040201040103" pitchFamily="49" charset="0"/>
+              </a:rPr>
+              <a:t>0x100</a:t>
+            </a:r>
+            <a:endParaRPr kumimoji="1" lang="ko-Kore-KR" altLang="en-US" sz="1600" dirty="0">
+              <a:solidFill>
+                <a:schemeClr val="tx1"/>
+              </a:solidFill>
+              <a:latin typeface="DM Mono" panose="020B0509040201040103" pitchFamily="49" charset="0"/>
+            </a:endParaRPr>
+          </a:p>
+        </p:txBody>
+      </p:sp>
+      <p:sp>
+        <p:nvSpPr>
+          <p:cNvPr id="7" name="TextBox 6">
+            <a:extLst>
+              <a:ext uri="{FF2B5EF4-FFF2-40B4-BE49-F238E27FC236}">
+                <a16:creationId xmlns:a16="http://schemas.microsoft.com/office/drawing/2014/main" id="{42488CB0-6CAC-668D-A778-94ED6CA79F69}"/>
+              </a:ext>
+            </a:extLst>
+          </p:cNvPr>
+          <p:cNvSpPr txBox="1"/>
+          <p:nvPr/>
+        </p:nvSpPr>
+        <p:spPr>
+          <a:xfrm>
+            <a:off x="6327171" y="971657"/>
+            <a:ext cx="792499" cy="369332"/>
+          </a:xfrm>
+          <a:prstGeom prst="rect">
+            <a:avLst/>
+          </a:prstGeom>
+          <a:noFill/>
+        </p:spPr>
+        <p:txBody>
+          <a:bodyPr wrap="square">
+            <a:spAutoFit/>
+          </a:bodyPr>
+          <a:lstStyle/>
+          <a:p>
+            <a:pPr algn="r"/>
+            <a:r>
+              <a:rPr lang="en-US" altLang="ko-Kore-KR" dirty="0">
+                <a:latin typeface="DM Mono" panose="020B0509040201040103" pitchFamily="49" charset="0"/>
+              </a:rPr>
+              <a:t>name</a:t>
+            </a:r>
+            <a:endParaRPr lang="ko-Kore-KR" altLang="en-US" dirty="0"/>
+          </a:p>
+        </p:txBody>
+      </p:sp>
+      <p:sp>
+        <p:nvSpPr>
+          <p:cNvPr id="8" name="직사각형 7">
+            <a:extLst>
+              <a:ext uri="{FF2B5EF4-FFF2-40B4-BE49-F238E27FC236}">
+                <a16:creationId xmlns:a16="http://schemas.microsoft.com/office/drawing/2014/main" id="{246A770D-CBAF-9BFB-CB00-1B9322FF7431}"/>
+              </a:ext>
+            </a:extLst>
+          </p:cNvPr>
+          <p:cNvSpPr/>
+          <p:nvPr/>
+        </p:nvSpPr>
+        <p:spPr>
+          <a:xfrm>
+            <a:off x="7119670" y="1397461"/>
+            <a:ext cx="804912" cy="482277"/>
+          </a:xfrm>
+          <a:prstGeom prst="rect">
+            <a:avLst/>
+          </a:prstGeom>
+          <a:solidFill>
+            <a:srgbClr val="FFFF00"/>
+          </a:solidFill>
+        </p:spPr>
+        <p:style>
+          <a:lnRef idx="2">
+            <a:schemeClr val="accent1">
+              <a:shade val="15000"/>
+            </a:schemeClr>
+          </a:lnRef>
+          <a:fillRef idx="1">
+            <a:schemeClr val="accent1"/>
+          </a:fillRef>
+          <a:effectRef idx="0">
+            <a:schemeClr val="accent1"/>
+          </a:effectRef>
+          <a:fontRef idx="minor">
+            <a:schemeClr val="lt1"/>
+          </a:fontRef>
+        </p:style>
+        <p:txBody>
+          <a:bodyPr rtlCol="0" anchor="ctr"/>
+          <a:lstStyle/>
+          <a:p>
+            <a:pPr algn="ctr"/>
+            <a:r>
+              <a:rPr kumimoji="1" lang="en-US" altLang="ko-Kore-KR" sz="1600" dirty="0">
+                <a:solidFill>
+                  <a:schemeClr val="tx1"/>
+                </a:solidFill>
+                <a:latin typeface="DM Mono" panose="020B0509040201040103" pitchFamily="49" charset="0"/>
+              </a:rPr>
+              <a:t>42</a:t>
+            </a:r>
+            <a:endParaRPr kumimoji="1" lang="ko-Kore-KR" altLang="en-US" sz="1600" dirty="0">
+              <a:solidFill>
+                <a:schemeClr val="tx1"/>
+              </a:solidFill>
+              <a:latin typeface="DM Mono" panose="020B0509040201040103" pitchFamily="49" charset="0"/>
+            </a:endParaRPr>
+          </a:p>
+        </p:txBody>
+      </p:sp>
+      <p:sp>
+        <p:nvSpPr>
+          <p:cNvPr id="9" name="TextBox 8">
+            <a:extLst>
+              <a:ext uri="{FF2B5EF4-FFF2-40B4-BE49-F238E27FC236}">
+                <a16:creationId xmlns:a16="http://schemas.microsoft.com/office/drawing/2014/main" id="{4E461239-9BD0-4824-0F8C-6D2EB0165069}"/>
+              </a:ext>
+            </a:extLst>
+          </p:cNvPr>
+          <p:cNvSpPr txBox="1"/>
+          <p:nvPr/>
+        </p:nvSpPr>
+        <p:spPr>
+          <a:xfrm>
+            <a:off x="6396183" y="1453933"/>
+            <a:ext cx="723487" cy="369332"/>
+          </a:xfrm>
+          <a:prstGeom prst="rect">
+            <a:avLst/>
+          </a:prstGeom>
+          <a:noFill/>
+        </p:spPr>
+        <p:txBody>
+          <a:bodyPr wrap="square">
+            <a:spAutoFit/>
+          </a:bodyPr>
+          <a:lstStyle/>
+          <a:p>
+            <a:pPr algn="r"/>
+            <a:r>
+              <a:rPr lang="en-US" altLang="ko-Kore-KR" dirty="0">
+                <a:latin typeface="DM Mono" panose="020B0509040201040103" pitchFamily="49" charset="0"/>
+              </a:rPr>
+              <a:t>age</a:t>
+            </a:r>
+            <a:endParaRPr lang="ko-Kore-KR" altLang="en-US" dirty="0"/>
+          </a:p>
+        </p:txBody>
+      </p:sp>
+      <p:sp>
+        <p:nvSpPr>
+          <p:cNvPr id="10" name="TextBox 9">
+            <a:extLst>
+              <a:ext uri="{FF2B5EF4-FFF2-40B4-BE49-F238E27FC236}">
+                <a16:creationId xmlns:a16="http://schemas.microsoft.com/office/drawing/2014/main" id="{BA97DF8F-FE1C-72EF-8941-D736A8BE1ED0}"/>
+              </a:ext>
+            </a:extLst>
+          </p:cNvPr>
+          <p:cNvSpPr txBox="1"/>
+          <p:nvPr/>
+        </p:nvSpPr>
+        <p:spPr>
+          <a:xfrm>
+            <a:off x="7119670" y="539192"/>
+            <a:ext cx="804912" cy="369332"/>
+          </a:xfrm>
+          <a:prstGeom prst="rect">
+            <a:avLst/>
+          </a:prstGeom>
+          <a:noFill/>
+        </p:spPr>
+        <p:txBody>
+          <a:bodyPr wrap="square">
+            <a:spAutoFit/>
+          </a:bodyPr>
+          <a:lstStyle/>
+          <a:p>
+            <a:pPr algn="ctr"/>
+            <a:r>
+              <a:rPr lang="en-US" altLang="ko-Kore-KR" dirty="0">
+                <a:latin typeface="DM Mono" panose="020B0509040201040103" pitchFamily="49" charset="0"/>
+              </a:rPr>
+              <a:t>user</a:t>
+            </a:r>
+            <a:endParaRPr lang="ko-Kore-KR" altLang="en-US" dirty="0"/>
+          </a:p>
+        </p:txBody>
+      </p:sp>
+      <p:sp>
+        <p:nvSpPr>
+          <p:cNvPr id="11" name="직사각형 10">
+            <a:extLst>
+              <a:ext uri="{FF2B5EF4-FFF2-40B4-BE49-F238E27FC236}">
+                <a16:creationId xmlns:a16="http://schemas.microsoft.com/office/drawing/2014/main" id="{6D56AB7B-3E78-1266-0970-D81BC67B6A6D}"/>
+              </a:ext>
+            </a:extLst>
+          </p:cNvPr>
+          <p:cNvSpPr/>
+          <p:nvPr/>
+        </p:nvSpPr>
+        <p:spPr>
+          <a:xfrm>
+            <a:off x="9971919" y="489380"/>
+            <a:ext cx="1320057" cy="482277"/>
+          </a:xfrm>
+          <a:prstGeom prst="rect">
+            <a:avLst/>
+          </a:prstGeom>
+          <a:solidFill>
+            <a:srgbClr val="FFFF00"/>
+          </a:solidFill>
+        </p:spPr>
+        <p:style>
+          <a:lnRef idx="2">
+            <a:schemeClr val="accent1">
+              <a:shade val="15000"/>
+            </a:schemeClr>
+          </a:lnRef>
+          <a:fillRef idx="1">
+            <a:schemeClr val="accent1"/>
+          </a:fillRef>
+          <a:effectRef idx="0">
+            <a:schemeClr val="accent1"/>
+          </a:effectRef>
+          <a:fontRef idx="minor">
+            <a:schemeClr val="lt1"/>
+          </a:fontRef>
+        </p:style>
+        <p:txBody>
+          <a:bodyPr rtlCol="0" anchor="ctr"/>
+          <a:lstStyle/>
+          <a:p>
+            <a:pPr algn="ctr"/>
+            <a:r>
+              <a:rPr kumimoji="1" lang="en-US" altLang="ko-Kore-KR" sz="1600" dirty="0">
+                <a:solidFill>
+                  <a:schemeClr val="tx1"/>
+                </a:solidFill>
+                <a:latin typeface="DM Mono" panose="020B0509040201040103" pitchFamily="49" charset="0"/>
+              </a:rPr>
+              <a:t>“Tom”</a:t>
+            </a:r>
+            <a:endParaRPr kumimoji="1" lang="ko-Kore-KR" altLang="en-US" sz="1600" dirty="0">
+              <a:solidFill>
+                <a:schemeClr val="tx1"/>
+              </a:solidFill>
+              <a:latin typeface="DM Mono" panose="020B0509040201040103" pitchFamily="49" charset="0"/>
+            </a:endParaRPr>
+          </a:p>
+        </p:txBody>
+      </p:sp>
+      <p:cxnSp>
+        <p:nvCxnSpPr>
+          <p:cNvPr id="13" name="구부러진 연결선[U] 12">
+            <a:extLst>
+              <a:ext uri="{FF2B5EF4-FFF2-40B4-BE49-F238E27FC236}">
+                <a16:creationId xmlns:a16="http://schemas.microsoft.com/office/drawing/2014/main" id="{1E512279-978D-F186-EEDA-8D9F499F4D49}"/>
+              </a:ext>
+            </a:extLst>
+          </p:cNvPr>
+          <p:cNvCxnSpPr>
+            <a:cxnSpLocks/>
+            <a:stCxn id="6" idx="3"/>
+            <a:endCxn id="11" idx="1"/>
+          </p:cNvCxnSpPr>
+          <p:nvPr/>
+        </p:nvCxnSpPr>
+        <p:spPr>
+          <a:xfrm flipV="1">
+            <a:off x="7924582" y="730519"/>
+            <a:ext cx="2047337" cy="425805"/>
+          </a:xfrm>
+          <a:prstGeom prst="curvedConnector3">
+            <a:avLst/>
+          </a:prstGeom>
+          <a:ln w="12700">
+            <a:tailEnd type="triangle"/>
+          </a:ln>
+        </p:spPr>
+        <p:style>
+          <a:lnRef idx="1">
+            <a:schemeClr val="dk1"/>
+          </a:lnRef>
+          <a:fillRef idx="0">
+            <a:schemeClr val="dk1"/>
+          </a:fillRef>
+          <a:effectRef idx="0">
+            <a:schemeClr val="dk1"/>
+          </a:effectRef>
+          <a:fontRef idx="minor">
+            <a:schemeClr val="tx1"/>
+          </a:fontRef>
+        </p:style>
+      </p:cxnSp>
+      <p:sp>
+        <p:nvSpPr>
+          <p:cNvPr id="15" name="TextBox 14">
+            <a:extLst>
+              <a:ext uri="{FF2B5EF4-FFF2-40B4-BE49-F238E27FC236}">
+                <a16:creationId xmlns:a16="http://schemas.microsoft.com/office/drawing/2014/main" id="{5524E10B-BE69-053A-9520-6F616822CE27}"/>
+              </a:ext>
+            </a:extLst>
+          </p:cNvPr>
+          <p:cNvSpPr txBox="1"/>
+          <p:nvPr/>
+        </p:nvSpPr>
+        <p:spPr>
+          <a:xfrm>
+            <a:off x="9394167" y="196744"/>
+            <a:ext cx="974002" cy="307777"/>
+          </a:xfrm>
+          <a:prstGeom prst="rect">
+            <a:avLst/>
+          </a:prstGeom>
+          <a:noFill/>
+        </p:spPr>
+        <p:txBody>
+          <a:bodyPr wrap="square">
+            <a:spAutoFit/>
+          </a:bodyPr>
+          <a:lstStyle/>
+          <a:p>
+            <a:pPr algn="ctr"/>
+            <a:r>
+              <a:rPr lang="en-US" altLang="ko-Kore-KR" sz="1400" dirty="0">
+                <a:latin typeface="DM Mono" panose="020B0509040201040103" pitchFamily="49" charset="0"/>
+              </a:rPr>
+              <a:t>0x100</a:t>
+            </a:r>
+            <a:endParaRPr lang="ko-Kore-KR" altLang="en-US" sz="1400" dirty="0"/>
+          </a:p>
+        </p:txBody>
+      </p:sp>
+      <p:sp>
+        <p:nvSpPr>
+          <p:cNvPr id="2" name="직사각형 1">
+            <a:extLst>
+              <a:ext uri="{FF2B5EF4-FFF2-40B4-BE49-F238E27FC236}">
+                <a16:creationId xmlns:a16="http://schemas.microsoft.com/office/drawing/2014/main" id="{2EE952E2-8639-7B74-EC74-EF907489ECE1}"/>
+              </a:ext>
+            </a:extLst>
+          </p:cNvPr>
+          <p:cNvSpPr/>
+          <p:nvPr/>
+        </p:nvSpPr>
+        <p:spPr>
+          <a:xfrm>
+            <a:off x="7197700" y="2813258"/>
+            <a:ext cx="804912" cy="482277"/>
+          </a:xfrm>
+          <a:prstGeom prst="rect">
+            <a:avLst/>
+          </a:prstGeom>
+          <a:solidFill>
+            <a:srgbClr val="FFFF00"/>
+          </a:solidFill>
+        </p:spPr>
+        <p:style>
+          <a:lnRef idx="2">
+            <a:schemeClr val="accent1">
+              <a:shade val="15000"/>
+            </a:schemeClr>
+          </a:lnRef>
+          <a:fillRef idx="1">
+            <a:schemeClr val="accent1"/>
+          </a:fillRef>
+          <a:effectRef idx="0">
+            <a:schemeClr val="accent1"/>
+          </a:effectRef>
+          <a:fontRef idx="minor">
+            <a:schemeClr val="lt1"/>
+          </a:fontRef>
+        </p:style>
+        <p:txBody>
+          <a:bodyPr rtlCol="0" anchor="ctr"/>
+          <a:lstStyle/>
+          <a:p>
+            <a:pPr algn="ctr"/>
+            <a:r>
+              <a:rPr kumimoji="1" lang="en-US" altLang="ko-Kore-KR" sz="1600" dirty="0">
+                <a:solidFill>
+                  <a:srgbClr val="FF0000"/>
+                </a:solidFill>
+                <a:latin typeface="DM Mono" panose="020B0509040201040103" pitchFamily="49" charset="0"/>
+              </a:rPr>
+              <a:t>0x200</a:t>
+            </a:r>
+            <a:endParaRPr kumimoji="1" lang="ko-Kore-KR" altLang="en-US" sz="1600" dirty="0">
+              <a:solidFill>
+                <a:srgbClr val="FF0000"/>
+              </a:solidFill>
+              <a:latin typeface="DM Mono" panose="020B0509040201040103" pitchFamily="49" charset="0"/>
+            </a:endParaRPr>
+          </a:p>
+        </p:txBody>
+      </p:sp>
+      <p:sp>
+        <p:nvSpPr>
+          <p:cNvPr id="3" name="TextBox 2">
+            <a:extLst>
+              <a:ext uri="{FF2B5EF4-FFF2-40B4-BE49-F238E27FC236}">
+                <a16:creationId xmlns:a16="http://schemas.microsoft.com/office/drawing/2014/main" id="{227B9573-C6CB-7E37-44AE-6CA12B38A994}"/>
+              </a:ext>
+            </a:extLst>
+          </p:cNvPr>
+          <p:cNvSpPr txBox="1"/>
+          <p:nvPr/>
+        </p:nvSpPr>
+        <p:spPr>
+          <a:xfrm>
+            <a:off x="6405201" y="2869730"/>
+            <a:ext cx="792499" cy="369332"/>
+          </a:xfrm>
+          <a:prstGeom prst="rect">
+            <a:avLst/>
+          </a:prstGeom>
+          <a:noFill/>
+        </p:spPr>
+        <p:txBody>
+          <a:bodyPr wrap="square">
+            <a:spAutoFit/>
+          </a:bodyPr>
+          <a:lstStyle/>
+          <a:p>
+            <a:pPr algn="r"/>
+            <a:r>
+              <a:rPr lang="en-US" altLang="ko-Kore-KR" dirty="0">
+                <a:latin typeface="DM Mono" panose="020B0509040201040103" pitchFamily="49" charset="0"/>
+              </a:rPr>
+              <a:t>name</a:t>
+            </a:r>
+            <a:endParaRPr lang="ko-Kore-KR" altLang="en-US" dirty="0"/>
+          </a:p>
+        </p:txBody>
+      </p:sp>
+      <p:sp>
+        <p:nvSpPr>
+          <p:cNvPr id="4" name="직사각형 3">
+            <a:extLst>
+              <a:ext uri="{FF2B5EF4-FFF2-40B4-BE49-F238E27FC236}">
+                <a16:creationId xmlns:a16="http://schemas.microsoft.com/office/drawing/2014/main" id="{FC1DA562-A6B6-39F5-CC8C-EEC433AE9B4F}"/>
+              </a:ext>
+            </a:extLst>
+          </p:cNvPr>
+          <p:cNvSpPr/>
+          <p:nvPr/>
+        </p:nvSpPr>
+        <p:spPr>
+          <a:xfrm>
+            <a:off x="7197700" y="3295534"/>
+            <a:ext cx="804912" cy="482277"/>
+          </a:xfrm>
+          <a:prstGeom prst="rect">
+            <a:avLst/>
+          </a:prstGeom>
+          <a:solidFill>
+            <a:srgbClr val="FFFF00"/>
+          </a:solidFill>
+        </p:spPr>
+        <p:style>
+          <a:lnRef idx="2">
+            <a:schemeClr val="accent1">
+              <a:shade val="15000"/>
+            </a:schemeClr>
+          </a:lnRef>
+          <a:fillRef idx="1">
+            <a:schemeClr val="accent1"/>
+          </a:fillRef>
+          <a:effectRef idx="0">
+            <a:schemeClr val="accent1"/>
+          </a:effectRef>
+          <a:fontRef idx="minor">
+            <a:schemeClr val="lt1"/>
+          </a:fontRef>
+        </p:style>
+        <p:txBody>
+          <a:bodyPr rtlCol="0" anchor="ctr"/>
+          <a:lstStyle/>
+          <a:p>
+            <a:pPr algn="ctr"/>
+            <a:r>
+              <a:rPr kumimoji="1" lang="en-US" altLang="ko-Kore-KR" sz="1600" dirty="0">
+                <a:solidFill>
+                  <a:srgbClr val="FF0000"/>
+                </a:solidFill>
+                <a:latin typeface="DM Mono" panose="020B0509040201040103" pitchFamily="49" charset="0"/>
+              </a:rPr>
+              <a:t>42</a:t>
+            </a:r>
+            <a:endParaRPr kumimoji="1" lang="ko-Kore-KR" altLang="en-US" sz="1600" dirty="0">
+              <a:solidFill>
+                <a:srgbClr val="FF0000"/>
+              </a:solidFill>
+              <a:latin typeface="DM Mono" panose="020B0509040201040103" pitchFamily="49" charset="0"/>
+            </a:endParaRPr>
+          </a:p>
+        </p:txBody>
+      </p:sp>
+      <p:sp>
+        <p:nvSpPr>
+          <p:cNvPr id="12" name="TextBox 11">
+            <a:extLst>
+              <a:ext uri="{FF2B5EF4-FFF2-40B4-BE49-F238E27FC236}">
+                <a16:creationId xmlns:a16="http://schemas.microsoft.com/office/drawing/2014/main" id="{7F15DC94-4940-7D53-AFD0-D292D1159204}"/>
+              </a:ext>
+            </a:extLst>
+          </p:cNvPr>
+          <p:cNvSpPr txBox="1"/>
+          <p:nvPr/>
+        </p:nvSpPr>
+        <p:spPr>
+          <a:xfrm>
+            <a:off x="6474213" y="3352006"/>
+            <a:ext cx="723487" cy="369332"/>
+          </a:xfrm>
+          <a:prstGeom prst="rect">
+            <a:avLst/>
+          </a:prstGeom>
+          <a:noFill/>
+        </p:spPr>
+        <p:txBody>
+          <a:bodyPr wrap="square">
+            <a:spAutoFit/>
+          </a:bodyPr>
+          <a:lstStyle/>
+          <a:p>
+            <a:pPr algn="r"/>
+            <a:r>
+              <a:rPr lang="en-US" altLang="ko-Kore-KR" dirty="0">
+                <a:latin typeface="DM Mono" panose="020B0509040201040103" pitchFamily="49" charset="0"/>
+              </a:rPr>
+              <a:t>age</a:t>
+            </a:r>
+            <a:endParaRPr lang="ko-Kore-KR" altLang="en-US" dirty="0"/>
+          </a:p>
+        </p:txBody>
+      </p:sp>
+      <p:sp>
+        <p:nvSpPr>
+          <p:cNvPr id="14" name="TextBox 13">
+            <a:extLst>
+              <a:ext uri="{FF2B5EF4-FFF2-40B4-BE49-F238E27FC236}">
+                <a16:creationId xmlns:a16="http://schemas.microsoft.com/office/drawing/2014/main" id="{00634217-C46E-B1EB-4B16-AC7E79641C7D}"/>
+              </a:ext>
+            </a:extLst>
+          </p:cNvPr>
+          <p:cNvSpPr txBox="1"/>
+          <p:nvPr/>
+        </p:nvSpPr>
+        <p:spPr>
+          <a:xfrm>
+            <a:off x="7197700" y="2443927"/>
+            <a:ext cx="882942" cy="369332"/>
+          </a:xfrm>
+          <a:prstGeom prst="rect">
+            <a:avLst/>
+          </a:prstGeom>
+          <a:noFill/>
+        </p:spPr>
+        <p:txBody>
+          <a:bodyPr wrap="square">
+            <a:spAutoFit/>
+          </a:bodyPr>
+          <a:lstStyle/>
+          <a:p>
+            <a:pPr algn="ctr"/>
+            <a:r>
+              <a:rPr lang="en-US" altLang="ko-Kore-KR" dirty="0">
+                <a:latin typeface="DM Mono" panose="020B0509040201040103" pitchFamily="49" charset="0"/>
+              </a:rPr>
+              <a:t>other</a:t>
+            </a:r>
+            <a:endParaRPr lang="ko-Kore-KR" altLang="en-US" dirty="0"/>
+          </a:p>
+        </p:txBody>
+      </p:sp>
+      <p:sp>
+        <p:nvSpPr>
+          <p:cNvPr id="16" name="직사각형 15">
+            <a:extLst>
+              <a:ext uri="{FF2B5EF4-FFF2-40B4-BE49-F238E27FC236}">
+                <a16:creationId xmlns:a16="http://schemas.microsoft.com/office/drawing/2014/main" id="{E808C8E2-85C7-DE35-5B8C-E71D39FAA768}"/>
+              </a:ext>
+            </a:extLst>
+          </p:cNvPr>
+          <p:cNvSpPr/>
+          <p:nvPr/>
+        </p:nvSpPr>
+        <p:spPr>
+          <a:xfrm>
+            <a:off x="9971919" y="2443927"/>
+            <a:ext cx="1320057" cy="482277"/>
+          </a:xfrm>
+          <a:prstGeom prst="rect">
+            <a:avLst/>
+          </a:prstGeom>
+          <a:solidFill>
+            <a:srgbClr val="FFFF00"/>
+          </a:solidFill>
+        </p:spPr>
+        <p:style>
+          <a:lnRef idx="2">
+            <a:schemeClr val="accent1">
+              <a:shade val="15000"/>
+            </a:schemeClr>
+          </a:lnRef>
+          <a:fillRef idx="1">
+            <a:schemeClr val="accent1"/>
+          </a:fillRef>
+          <a:effectRef idx="0">
+            <a:schemeClr val="accent1"/>
+          </a:effectRef>
+          <a:fontRef idx="minor">
+            <a:schemeClr val="lt1"/>
+          </a:fontRef>
+        </p:style>
+        <p:txBody>
+          <a:bodyPr rtlCol="0" anchor="ctr"/>
+          <a:lstStyle/>
+          <a:p>
+            <a:pPr algn="ctr"/>
+            <a:r>
+              <a:rPr kumimoji="1" lang="en-US" altLang="ko-Kore-KR" sz="1600" dirty="0">
+                <a:solidFill>
+                  <a:srgbClr val="FF0000"/>
+                </a:solidFill>
+                <a:latin typeface="DM Mono" panose="020B0509040201040103" pitchFamily="49" charset="0"/>
+              </a:rPr>
+              <a:t>“Tom”</a:t>
+            </a:r>
+            <a:endParaRPr kumimoji="1" lang="ko-Kore-KR" altLang="en-US" sz="1600" dirty="0">
+              <a:solidFill>
+                <a:srgbClr val="FF0000"/>
+              </a:solidFill>
+              <a:latin typeface="DM Mono" panose="020B0509040201040103" pitchFamily="49" charset="0"/>
+            </a:endParaRPr>
+          </a:p>
+        </p:txBody>
+      </p:sp>
+      <p:cxnSp>
+        <p:nvCxnSpPr>
+          <p:cNvPr id="17" name="구부러진 연결선[U] 16">
+            <a:extLst>
+              <a:ext uri="{FF2B5EF4-FFF2-40B4-BE49-F238E27FC236}">
+                <a16:creationId xmlns:a16="http://schemas.microsoft.com/office/drawing/2014/main" id="{1055EA8A-5CBC-6A64-F7E5-18FFF6D30576}"/>
+              </a:ext>
+            </a:extLst>
+          </p:cNvPr>
+          <p:cNvCxnSpPr>
+            <a:cxnSpLocks/>
+            <a:stCxn id="2" idx="3"/>
+            <a:endCxn id="16" idx="1"/>
+          </p:cNvCxnSpPr>
+          <p:nvPr/>
+        </p:nvCxnSpPr>
+        <p:spPr>
+          <a:xfrm flipV="1">
+            <a:off x="8002612" y="2685066"/>
+            <a:ext cx="1969307" cy="369331"/>
+          </a:xfrm>
+          <a:prstGeom prst="curvedConnector3">
+            <a:avLst>
+              <a:gd name="adj1" fmla="val 50000"/>
+            </a:avLst>
+          </a:prstGeom>
+          <a:ln w="12700">
+            <a:tailEnd type="triangle"/>
+          </a:ln>
+        </p:spPr>
+        <p:style>
+          <a:lnRef idx="1">
+            <a:schemeClr val="dk1"/>
+          </a:lnRef>
+          <a:fillRef idx="0">
+            <a:schemeClr val="dk1"/>
+          </a:fillRef>
+          <a:effectRef idx="0">
+            <a:schemeClr val="dk1"/>
+          </a:effectRef>
+          <a:fontRef idx="minor">
+            <a:schemeClr val="tx1"/>
+          </a:fontRef>
+        </p:style>
+      </p:cxnSp>
+      <p:sp>
+        <p:nvSpPr>
+          <p:cNvPr id="20" name="TextBox 19">
+            <a:extLst>
+              <a:ext uri="{FF2B5EF4-FFF2-40B4-BE49-F238E27FC236}">
+                <a16:creationId xmlns:a16="http://schemas.microsoft.com/office/drawing/2014/main" id="{DE02DFE4-9877-353F-E927-64EBF2315500}"/>
+              </a:ext>
+            </a:extLst>
+          </p:cNvPr>
+          <p:cNvSpPr txBox="1"/>
+          <p:nvPr/>
+        </p:nvSpPr>
+        <p:spPr>
+          <a:xfrm>
+            <a:off x="9484918" y="2109410"/>
+            <a:ext cx="974002" cy="307777"/>
+          </a:xfrm>
+          <a:prstGeom prst="rect">
+            <a:avLst/>
+          </a:prstGeom>
+          <a:noFill/>
+        </p:spPr>
+        <p:txBody>
+          <a:bodyPr wrap="square">
+            <a:spAutoFit/>
+          </a:bodyPr>
+          <a:lstStyle/>
+          <a:p>
+            <a:pPr algn="ctr"/>
+            <a:r>
+              <a:rPr lang="en-US" altLang="ko-Kore-KR" sz="1400" dirty="0">
+                <a:latin typeface="DM Mono" panose="020B0509040201040103" pitchFamily="49" charset="0"/>
+              </a:rPr>
+              <a:t>0x200</a:t>
+            </a:r>
+            <a:endParaRPr lang="ko-Kore-KR" altLang="en-US" sz="1400" dirty="0"/>
+          </a:p>
+        </p:txBody>
+      </p:sp>
+      <p:sp>
+        <p:nvSpPr>
+          <p:cNvPr id="22" name="TextBox 21">
+            <a:extLst>
+              <a:ext uri="{FF2B5EF4-FFF2-40B4-BE49-F238E27FC236}">
+                <a16:creationId xmlns:a16="http://schemas.microsoft.com/office/drawing/2014/main" id="{756CE86F-C5D6-7377-A175-7A58747EBDF1}"/>
+              </a:ext>
+            </a:extLst>
+          </p:cNvPr>
+          <p:cNvSpPr txBox="1"/>
+          <p:nvPr/>
+        </p:nvSpPr>
+        <p:spPr>
+          <a:xfrm>
+            <a:off x="100082" y="310078"/>
+            <a:ext cx="6096000" cy="1569660"/>
+          </a:xfrm>
+          <a:prstGeom prst="rect">
+            <a:avLst/>
+          </a:prstGeom>
+          <a:noFill/>
+        </p:spPr>
+        <p:txBody>
+          <a:bodyPr wrap="square">
+            <a:spAutoFit/>
+          </a:bodyPr>
+          <a:lstStyle/>
+          <a:p>
+            <a:r>
+              <a:rPr lang="ko-Kore-KR" altLang="en-US" sz="1600" dirty="0">
+                <a:latin typeface="DM Mono" panose="020B0509040201040103" pitchFamily="49" charset="0"/>
+              </a:rPr>
+              <a:t> </a:t>
+            </a:r>
+            <a:r>
+              <a:rPr lang="en-US" altLang="ko-Kore-KR" sz="1600" dirty="0">
+                <a:latin typeface="DM Mono" panose="020B0509040201040103" pitchFamily="49" charset="0"/>
+              </a:rPr>
+              <a:t>   </a:t>
+            </a:r>
+            <a:r>
+              <a:rPr lang="ko-Kore-KR" altLang="en-US" sz="1600" dirty="0">
+                <a:latin typeface="DM Mono" panose="020B0509040201040103" pitchFamily="49" charset="0"/>
+              </a:rPr>
+              <a:t>User(const User&amp; rhs)</a:t>
+            </a:r>
+          </a:p>
+          <a:p>
+            <a:r>
+              <a:rPr lang="ko-Kore-KR" altLang="en-US" sz="1600" dirty="0">
+                <a:latin typeface="DM Mono" panose="020B0509040201040103" pitchFamily="49" charset="0"/>
+              </a:rPr>
+              <a:t>        : age { rhs.age }</a:t>
+            </a:r>
+          </a:p>
+          <a:p>
+            <a:r>
+              <a:rPr lang="ko-Kore-KR" altLang="en-US" sz="1600" dirty="0">
+                <a:latin typeface="DM Mono" panose="020B0509040201040103" pitchFamily="49" charset="0"/>
+              </a:rPr>
+              <a:t>    {</a:t>
+            </a:r>
+          </a:p>
+          <a:p>
+            <a:r>
+              <a:rPr lang="ko-Kore-KR" altLang="en-US" sz="1600" dirty="0">
+                <a:latin typeface="DM Mono" panose="020B0509040201040103" pitchFamily="49" charset="0"/>
+              </a:rPr>
+              <a:t>        name = new char[strlen(rhs.name) + 1];</a:t>
+            </a:r>
+          </a:p>
+          <a:p>
+            <a:r>
+              <a:rPr lang="ko-Kore-KR" altLang="en-US" sz="1600" dirty="0">
+                <a:latin typeface="DM Mono" panose="020B0509040201040103" pitchFamily="49" charset="0"/>
+              </a:rPr>
+              <a:t>        strcpy(name, rhs.name);</a:t>
+            </a:r>
+          </a:p>
+          <a:p>
+            <a:r>
+              <a:rPr lang="ko-Kore-KR" altLang="en-US" sz="1600" dirty="0">
+                <a:latin typeface="DM Mono" panose="020B0509040201040103" pitchFamily="49" charset="0"/>
+              </a:rPr>
+              <a:t>    }</a:t>
+            </a:r>
+          </a:p>
+        </p:txBody>
+      </p:sp>
+    </p:spTree>
+    <p:extLst>
+      <p:ext uri="{BB962C8B-B14F-4D97-AF65-F5344CB8AC3E}">
+        <p14:creationId xmlns:p14="http://schemas.microsoft.com/office/powerpoint/2010/main" val="1858666692"/>
       </p:ext>
     </p:extLst>
   </p:cSld>

--- a/cpp_230824.pptx
+++ b/cpp_230824.pptx
@@ -27,6 +27,12 @@
     <p:sldId id="276" r:id="rId21"/>
     <p:sldId id="277" r:id="rId22"/>
     <p:sldId id="278" r:id="rId23"/>
+    <p:sldId id="279" r:id="rId24"/>
+    <p:sldId id="280" r:id="rId25"/>
+    <p:sldId id="281" r:id="rId26"/>
+    <p:sldId id="282" r:id="rId27"/>
+    <p:sldId id="283" r:id="rId28"/>
+    <p:sldId id="284" r:id="rId29"/>
   </p:sldIdLst>
   <p:sldSz cx="12192000" cy="6858000"/>
   <p:notesSz cx="6858000" cy="9144000"/>
@@ -13918,6 +13924,6774 @@
     <p:extLst>
       <p:ext uri="{BB962C8B-B14F-4D97-AF65-F5344CB8AC3E}">
         <p14:creationId xmlns:p14="http://schemas.microsoft.com/office/powerpoint/2010/main" val="1858666692"/>
+      </p:ext>
+    </p:extLst>
+  </p:cSld>
+  <p:clrMapOvr>
+    <a:masterClrMapping/>
+  </p:clrMapOvr>
+</p:sld>
+</file>
+
+<file path=ppt/slides/slide23.xml><?xml version="1.0" encoding="utf-8"?>
+<p:sld xmlns:a="http://schemas.openxmlformats.org/drawingml/2006/main" xmlns:r="http://schemas.openxmlformats.org/officeDocument/2006/relationships" xmlns:p="http://schemas.openxmlformats.org/presentationml/2006/main">
+  <p:cSld>
+    <p:spTree>
+      <p:nvGrpSpPr>
+        <p:cNvPr id="1" name=""/>
+        <p:cNvGrpSpPr/>
+        <p:nvPr/>
+      </p:nvGrpSpPr>
+      <p:grpSpPr>
+        <a:xfrm>
+          <a:off x="0" y="0"/>
+          <a:ext cx="0" cy="0"/>
+          <a:chOff x="0" y="0"/>
+          <a:chExt cx="0" cy="0"/>
+        </a:xfrm>
+      </p:grpSpPr>
+      <p:sp>
+        <p:nvSpPr>
+          <p:cNvPr id="4" name="직사각형 3">
+            <a:extLst>
+              <a:ext uri="{FF2B5EF4-FFF2-40B4-BE49-F238E27FC236}">
+                <a16:creationId xmlns:a16="http://schemas.microsoft.com/office/drawing/2014/main" id="{371E8C1A-DB2C-1E2D-2C20-2C5F82F71FCA}"/>
+              </a:ext>
+            </a:extLst>
+          </p:cNvPr>
+          <p:cNvSpPr/>
+          <p:nvPr/>
+        </p:nvSpPr>
+        <p:spPr>
+          <a:xfrm>
+            <a:off x="7119670" y="915185"/>
+            <a:ext cx="804912" cy="482277"/>
+          </a:xfrm>
+          <a:prstGeom prst="rect">
+            <a:avLst/>
+          </a:prstGeom>
+          <a:solidFill>
+            <a:srgbClr val="FFFF00"/>
+          </a:solidFill>
+        </p:spPr>
+        <p:style>
+          <a:lnRef idx="2">
+            <a:schemeClr val="accent1">
+              <a:shade val="15000"/>
+            </a:schemeClr>
+          </a:lnRef>
+          <a:fillRef idx="1">
+            <a:schemeClr val="accent1"/>
+          </a:fillRef>
+          <a:effectRef idx="0">
+            <a:schemeClr val="accent1"/>
+          </a:effectRef>
+          <a:fontRef idx="minor">
+            <a:schemeClr val="lt1"/>
+          </a:fontRef>
+        </p:style>
+        <p:txBody>
+          <a:bodyPr rtlCol="0" anchor="ctr"/>
+          <a:lstStyle/>
+          <a:p>
+            <a:pPr algn="ctr"/>
+            <a:r>
+              <a:rPr kumimoji="1" lang="en-US" altLang="ko-Kore-KR" sz="1600" dirty="0">
+                <a:solidFill>
+                  <a:srgbClr val="FF0000"/>
+                </a:solidFill>
+                <a:latin typeface="DM Mono" panose="020B0509040201040103" pitchFamily="49" charset="0"/>
+              </a:rPr>
+              <a:t>0x100</a:t>
+            </a:r>
+            <a:endParaRPr kumimoji="1" lang="ko-Kore-KR" altLang="en-US" sz="1600" dirty="0">
+              <a:solidFill>
+                <a:srgbClr val="FF0000"/>
+              </a:solidFill>
+              <a:latin typeface="DM Mono" panose="020B0509040201040103" pitchFamily="49" charset="0"/>
+            </a:endParaRPr>
+          </a:p>
+        </p:txBody>
+      </p:sp>
+      <p:sp>
+        <p:nvSpPr>
+          <p:cNvPr id="5" name="TextBox 4">
+            <a:extLst>
+              <a:ext uri="{FF2B5EF4-FFF2-40B4-BE49-F238E27FC236}">
+                <a16:creationId xmlns:a16="http://schemas.microsoft.com/office/drawing/2014/main" id="{93DB06CF-9A86-DB9B-1A48-9A74E07AB7ED}"/>
+              </a:ext>
+            </a:extLst>
+          </p:cNvPr>
+          <p:cNvSpPr txBox="1"/>
+          <p:nvPr/>
+        </p:nvSpPr>
+        <p:spPr>
+          <a:xfrm>
+            <a:off x="6327171" y="971657"/>
+            <a:ext cx="792499" cy="369332"/>
+          </a:xfrm>
+          <a:prstGeom prst="rect">
+            <a:avLst/>
+          </a:prstGeom>
+          <a:noFill/>
+        </p:spPr>
+        <p:txBody>
+          <a:bodyPr wrap="square">
+            <a:spAutoFit/>
+          </a:bodyPr>
+          <a:lstStyle/>
+          <a:p>
+            <a:pPr algn="r"/>
+            <a:r>
+              <a:rPr lang="en-US" altLang="ko-Kore-KR" dirty="0">
+                <a:latin typeface="DM Mono" panose="020B0509040201040103" pitchFamily="49" charset="0"/>
+              </a:rPr>
+              <a:t>name</a:t>
+            </a:r>
+            <a:endParaRPr lang="ko-Kore-KR" altLang="en-US" dirty="0"/>
+          </a:p>
+        </p:txBody>
+      </p:sp>
+      <p:sp>
+        <p:nvSpPr>
+          <p:cNvPr id="6" name="직사각형 5">
+            <a:extLst>
+              <a:ext uri="{FF2B5EF4-FFF2-40B4-BE49-F238E27FC236}">
+                <a16:creationId xmlns:a16="http://schemas.microsoft.com/office/drawing/2014/main" id="{EF845C24-5BCC-702C-2576-D6AB1A2C28E6}"/>
+              </a:ext>
+            </a:extLst>
+          </p:cNvPr>
+          <p:cNvSpPr/>
+          <p:nvPr/>
+        </p:nvSpPr>
+        <p:spPr>
+          <a:xfrm>
+            <a:off x="7119670" y="1397461"/>
+            <a:ext cx="804912" cy="482277"/>
+          </a:xfrm>
+          <a:prstGeom prst="rect">
+            <a:avLst/>
+          </a:prstGeom>
+          <a:solidFill>
+            <a:srgbClr val="FFFF00"/>
+          </a:solidFill>
+        </p:spPr>
+        <p:style>
+          <a:lnRef idx="2">
+            <a:schemeClr val="accent1">
+              <a:shade val="15000"/>
+            </a:schemeClr>
+          </a:lnRef>
+          <a:fillRef idx="1">
+            <a:schemeClr val="accent1"/>
+          </a:fillRef>
+          <a:effectRef idx="0">
+            <a:schemeClr val="accent1"/>
+          </a:effectRef>
+          <a:fontRef idx="minor">
+            <a:schemeClr val="lt1"/>
+          </a:fontRef>
+        </p:style>
+        <p:txBody>
+          <a:bodyPr rtlCol="0" anchor="ctr"/>
+          <a:lstStyle/>
+          <a:p>
+            <a:pPr algn="ctr"/>
+            <a:r>
+              <a:rPr kumimoji="1" lang="en-US" altLang="ko-Kore-KR" sz="1600" dirty="0">
+                <a:solidFill>
+                  <a:srgbClr val="FF0000"/>
+                </a:solidFill>
+                <a:latin typeface="DM Mono" panose="020B0509040201040103" pitchFamily="49" charset="0"/>
+              </a:rPr>
+              <a:t>42</a:t>
+            </a:r>
+            <a:endParaRPr kumimoji="1" lang="ko-Kore-KR" altLang="en-US" sz="1600" dirty="0">
+              <a:solidFill>
+                <a:srgbClr val="FF0000"/>
+              </a:solidFill>
+              <a:latin typeface="DM Mono" panose="020B0509040201040103" pitchFamily="49" charset="0"/>
+            </a:endParaRPr>
+          </a:p>
+        </p:txBody>
+      </p:sp>
+      <p:sp>
+        <p:nvSpPr>
+          <p:cNvPr id="7" name="TextBox 6">
+            <a:extLst>
+              <a:ext uri="{FF2B5EF4-FFF2-40B4-BE49-F238E27FC236}">
+                <a16:creationId xmlns:a16="http://schemas.microsoft.com/office/drawing/2014/main" id="{9FDDA326-0ED3-D508-02F7-706D12ADA8F0}"/>
+              </a:ext>
+            </a:extLst>
+          </p:cNvPr>
+          <p:cNvSpPr txBox="1"/>
+          <p:nvPr/>
+        </p:nvSpPr>
+        <p:spPr>
+          <a:xfrm>
+            <a:off x="6396183" y="1453933"/>
+            <a:ext cx="723487" cy="369332"/>
+          </a:xfrm>
+          <a:prstGeom prst="rect">
+            <a:avLst/>
+          </a:prstGeom>
+          <a:noFill/>
+        </p:spPr>
+        <p:txBody>
+          <a:bodyPr wrap="square">
+            <a:spAutoFit/>
+          </a:bodyPr>
+          <a:lstStyle/>
+          <a:p>
+            <a:pPr algn="r"/>
+            <a:r>
+              <a:rPr lang="en-US" altLang="ko-Kore-KR" dirty="0">
+                <a:latin typeface="DM Mono" panose="020B0509040201040103" pitchFamily="49" charset="0"/>
+              </a:rPr>
+              <a:t>age</a:t>
+            </a:r>
+            <a:endParaRPr lang="ko-Kore-KR" altLang="en-US" dirty="0"/>
+          </a:p>
+        </p:txBody>
+      </p:sp>
+      <p:sp>
+        <p:nvSpPr>
+          <p:cNvPr id="8" name="TextBox 7">
+            <a:extLst>
+              <a:ext uri="{FF2B5EF4-FFF2-40B4-BE49-F238E27FC236}">
+                <a16:creationId xmlns:a16="http://schemas.microsoft.com/office/drawing/2014/main" id="{29FD4298-8ED9-0A30-EF66-1F5F478DA0E6}"/>
+              </a:ext>
+            </a:extLst>
+          </p:cNvPr>
+          <p:cNvSpPr txBox="1"/>
+          <p:nvPr/>
+        </p:nvSpPr>
+        <p:spPr>
+          <a:xfrm>
+            <a:off x="6950819" y="545852"/>
+            <a:ext cx="1052946" cy="369332"/>
+          </a:xfrm>
+          <a:prstGeom prst="rect">
+            <a:avLst/>
+          </a:prstGeom>
+          <a:noFill/>
+        </p:spPr>
+        <p:txBody>
+          <a:bodyPr wrap="square">
+            <a:spAutoFit/>
+          </a:bodyPr>
+          <a:lstStyle/>
+          <a:p>
+            <a:pPr algn="ctr"/>
+            <a:r>
+              <a:rPr lang="en-US" altLang="ko-Kore-KR" dirty="0">
+                <a:latin typeface="DM Mono" panose="020B0509040201040103" pitchFamily="49" charset="0"/>
+              </a:rPr>
+              <a:t>user</a:t>
+            </a:r>
+            <a:endParaRPr lang="ko-Kore-KR" altLang="en-US" dirty="0"/>
+          </a:p>
+        </p:txBody>
+      </p:sp>
+      <p:sp>
+        <p:nvSpPr>
+          <p:cNvPr id="9" name="직사각형 8">
+            <a:extLst>
+              <a:ext uri="{FF2B5EF4-FFF2-40B4-BE49-F238E27FC236}">
+                <a16:creationId xmlns:a16="http://schemas.microsoft.com/office/drawing/2014/main" id="{A386C38F-0F2E-7FB4-2C45-DE7A915F25D4}"/>
+              </a:ext>
+            </a:extLst>
+          </p:cNvPr>
+          <p:cNvSpPr/>
+          <p:nvPr/>
+        </p:nvSpPr>
+        <p:spPr>
+          <a:xfrm>
+            <a:off x="9971919" y="489380"/>
+            <a:ext cx="1320057" cy="482277"/>
+          </a:xfrm>
+          <a:prstGeom prst="rect">
+            <a:avLst/>
+          </a:prstGeom>
+          <a:solidFill>
+            <a:srgbClr val="FFFF00"/>
+          </a:solidFill>
+        </p:spPr>
+        <p:style>
+          <a:lnRef idx="2">
+            <a:schemeClr val="accent1">
+              <a:shade val="15000"/>
+            </a:schemeClr>
+          </a:lnRef>
+          <a:fillRef idx="1">
+            <a:schemeClr val="accent1"/>
+          </a:fillRef>
+          <a:effectRef idx="0">
+            <a:schemeClr val="accent1"/>
+          </a:effectRef>
+          <a:fontRef idx="minor">
+            <a:schemeClr val="lt1"/>
+          </a:fontRef>
+        </p:style>
+        <p:txBody>
+          <a:bodyPr rtlCol="0" anchor="ctr"/>
+          <a:lstStyle/>
+          <a:p>
+            <a:pPr algn="ctr"/>
+            <a:r>
+              <a:rPr kumimoji="1" lang="en-US" altLang="ko-Kore-KR" sz="1600" dirty="0">
+                <a:solidFill>
+                  <a:srgbClr val="FF0000"/>
+                </a:solidFill>
+                <a:latin typeface="DM Mono" panose="020B0509040201040103" pitchFamily="49" charset="0"/>
+              </a:rPr>
+              <a:t>“Tom”</a:t>
+            </a:r>
+            <a:endParaRPr kumimoji="1" lang="ko-Kore-KR" altLang="en-US" sz="1600" dirty="0">
+              <a:solidFill>
+                <a:srgbClr val="FF0000"/>
+              </a:solidFill>
+              <a:latin typeface="DM Mono" panose="020B0509040201040103" pitchFamily="49" charset="0"/>
+            </a:endParaRPr>
+          </a:p>
+        </p:txBody>
+      </p:sp>
+      <p:cxnSp>
+        <p:nvCxnSpPr>
+          <p:cNvPr id="10" name="구부러진 연결선[U] 9">
+            <a:extLst>
+              <a:ext uri="{FF2B5EF4-FFF2-40B4-BE49-F238E27FC236}">
+                <a16:creationId xmlns:a16="http://schemas.microsoft.com/office/drawing/2014/main" id="{8EC5FFE6-2255-C13F-707E-49689FB3BDF5}"/>
+              </a:ext>
+            </a:extLst>
+          </p:cNvPr>
+          <p:cNvCxnSpPr>
+            <a:cxnSpLocks/>
+            <a:stCxn id="4" idx="3"/>
+            <a:endCxn id="9" idx="1"/>
+          </p:cNvCxnSpPr>
+          <p:nvPr/>
+        </p:nvCxnSpPr>
+        <p:spPr>
+          <a:xfrm flipV="1">
+            <a:off x="7924582" y="730519"/>
+            <a:ext cx="2047337" cy="425805"/>
+          </a:xfrm>
+          <a:prstGeom prst="curvedConnector3">
+            <a:avLst/>
+          </a:prstGeom>
+          <a:ln w="12700">
+            <a:tailEnd type="triangle"/>
+          </a:ln>
+        </p:spPr>
+        <p:style>
+          <a:lnRef idx="1">
+            <a:schemeClr val="dk1"/>
+          </a:lnRef>
+          <a:fillRef idx="0">
+            <a:schemeClr val="dk1"/>
+          </a:fillRef>
+          <a:effectRef idx="0">
+            <a:schemeClr val="dk1"/>
+          </a:effectRef>
+          <a:fontRef idx="minor">
+            <a:schemeClr val="tx1"/>
+          </a:fontRef>
+        </p:style>
+      </p:cxnSp>
+      <p:sp>
+        <p:nvSpPr>
+          <p:cNvPr id="11" name="TextBox 10">
+            <a:extLst>
+              <a:ext uri="{FF2B5EF4-FFF2-40B4-BE49-F238E27FC236}">
+                <a16:creationId xmlns:a16="http://schemas.microsoft.com/office/drawing/2014/main" id="{BEBFA68C-CB5C-BECA-5C2C-93B44F9E95F6}"/>
+              </a:ext>
+            </a:extLst>
+          </p:cNvPr>
+          <p:cNvSpPr txBox="1"/>
+          <p:nvPr/>
+        </p:nvSpPr>
+        <p:spPr>
+          <a:xfrm>
+            <a:off x="9394167" y="196744"/>
+            <a:ext cx="974002" cy="307777"/>
+          </a:xfrm>
+          <a:prstGeom prst="rect">
+            <a:avLst/>
+          </a:prstGeom>
+          <a:noFill/>
+        </p:spPr>
+        <p:txBody>
+          <a:bodyPr wrap="square">
+            <a:spAutoFit/>
+          </a:bodyPr>
+          <a:lstStyle/>
+          <a:p>
+            <a:pPr algn="ctr"/>
+            <a:r>
+              <a:rPr lang="en-US" altLang="ko-Kore-KR" sz="1400" dirty="0">
+                <a:latin typeface="DM Mono" panose="020B0509040201040103" pitchFamily="49" charset="0"/>
+              </a:rPr>
+              <a:t>0x100</a:t>
+            </a:r>
+            <a:endParaRPr lang="ko-Kore-KR" altLang="en-US" sz="1400" dirty="0"/>
+          </a:p>
+        </p:txBody>
+      </p:sp>
+      <p:sp>
+        <p:nvSpPr>
+          <p:cNvPr id="20" name="직사각형 19">
+            <a:extLst>
+              <a:ext uri="{FF2B5EF4-FFF2-40B4-BE49-F238E27FC236}">
+                <a16:creationId xmlns:a16="http://schemas.microsoft.com/office/drawing/2014/main" id="{997FFED2-7C11-B3B7-AF67-EB309155FA97}"/>
+              </a:ext>
+            </a:extLst>
+          </p:cNvPr>
+          <p:cNvSpPr/>
+          <p:nvPr/>
+        </p:nvSpPr>
+        <p:spPr>
+          <a:xfrm>
+            <a:off x="7124744" y="1857836"/>
+            <a:ext cx="804912" cy="482277"/>
+          </a:xfrm>
+          <a:prstGeom prst="rect">
+            <a:avLst/>
+          </a:prstGeom>
+          <a:solidFill>
+            <a:srgbClr val="FFFF00"/>
+          </a:solidFill>
+        </p:spPr>
+        <p:style>
+          <a:lnRef idx="2">
+            <a:schemeClr val="accent1">
+              <a:shade val="15000"/>
+            </a:schemeClr>
+          </a:lnRef>
+          <a:fillRef idx="1">
+            <a:schemeClr val="accent1"/>
+          </a:fillRef>
+          <a:effectRef idx="0">
+            <a:schemeClr val="accent1"/>
+          </a:effectRef>
+          <a:fontRef idx="minor">
+            <a:schemeClr val="lt1"/>
+          </a:fontRef>
+        </p:style>
+        <p:txBody>
+          <a:bodyPr rtlCol="0" anchor="ctr"/>
+          <a:lstStyle/>
+          <a:p>
+            <a:pPr algn="ctr"/>
+            <a:endParaRPr kumimoji="1" lang="ko-Kore-KR" altLang="en-US" sz="1600" dirty="0">
+              <a:solidFill>
+                <a:srgbClr val="FF0000"/>
+              </a:solidFill>
+              <a:latin typeface="DM Mono" panose="020B0509040201040103" pitchFamily="49" charset="0"/>
+            </a:endParaRPr>
+          </a:p>
+        </p:txBody>
+      </p:sp>
+      <p:sp>
+        <p:nvSpPr>
+          <p:cNvPr id="21" name="TextBox 20">
+            <a:extLst>
+              <a:ext uri="{FF2B5EF4-FFF2-40B4-BE49-F238E27FC236}">
+                <a16:creationId xmlns:a16="http://schemas.microsoft.com/office/drawing/2014/main" id="{153F2C61-BA50-30F4-DF62-8FE96E00BC32}"/>
+              </a:ext>
+            </a:extLst>
+          </p:cNvPr>
+          <p:cNvSpPr txBox="1"/>
+          <p:nvPr/>
+        </p:nvSpPr>
+        <p:spPr>
+          <a:xfrm>
+            <a:off x="6401257" y="1914308"/>
+            <a:ext cx="723487" cy="369332"/>
+          </a:xfrm>
+          <a:prstGeom prst="rect">
+            <a:avLst/>
+          </a:prstGeom>
+          <a:noFill/>
+        </p:spPr>
+        <p:txBody>
+          <a:bodyPr wrap="square">
+            <a:spAutoFit/>
+          </a:bodyPr>
+          <a:lstStyle/>
+          <a:p>
+            <a:pPr algn="r"/>
+            <a:r>
+              <a:rPr lang="en-US" altLang="ko-Kore-KR" dirty="0">
+                <a:latin typeface="DM Mono" panose="020B0509040201040103" pitchFamily="49" charset="0"/>
+              </a:rPr>
+              <a:t>ref</a:t>
+            </a:r>
+            <a:endParaRPr lang="ko-Kore-KR" altLang="en-US" dirty="0"/>
+          </a:p>
+        </p:txBody>
+      </p:sp>
+      <p:sp>
+        <p:nvSpPr>
+          <p:cNvPr id="22" name="직사각형 21">
+            <a:extLst>
+              <a:ext uri="{FF2B5EF4-FFF2-40B4-BE49-F238E27FC236}">
+                <a16:creationId xmlns:a16="http://schemas.microsoft.com/office/drawing/2014/main" id="{90C3E178-8F40-B2F1-5CF3-7764B3F4317C}"/>
+              </a:ext>
+            </a:extLst>
+          </p:cNvPr>
+          <p:cNvSpPr/>
+          <p:nvPr/>
+        </p:nvSpPr>
+        <p:spPr>
+          <a:xfrm>
+            <a:off x="10018693" y="1582126"/>
+            <a:ext cx="804912" cy="482277"/>
+          </a:xfrm>
+          <a:prstGeom prst="rect">
+            <a:avLst/>
+          </a:prstGeom>
+          <a:solidFill>
+            <a:srgbClr val="FFFF00"/>
+          </a:solidFill>
+        </p:spPr>
+        <p:style>
+          <a:lnRef idx="2">
+            <a:schemeClr val="accent1">
+              <a:shade val="15000"/>
+            </a:schemeClr>
+          </a:lnRef>
+          <a:fillRef idx="1">
+            <a:schemeClr val="accent1"/>
+          </a:fillRef>
+          <a:effectRef idx="0">
+            <a:schemeClr val="accent1"/>
+          </a:effectRef>
+          <a:fontRef idx="minor">
+            <a:schemeClr val="lt1"/>
+          </a:fontRef>
+        </p:style>
+        <p:txBody>
+          <a:bodyPr rtlCol="0" anchor="ctr"/>
+          <a:lstStyle/>
+          <a:p>
+            <a:pPr algn="ctr"/>
+            <a:r>
+              <a:rPr kumimoji="1" lang="en-US" altLang="ko-Kore-KR" sz="1600" dirty="0">
+                <a:solidFill>
+                  <a:srgbClr val="FF0000"/>
+                </a:solidFill>
+                <a:latin typeface="DM Mono" panose="020B0509040201040103" pitchFamily="49" charset="0"/>
+              </a:rPr>
+              <a:t>1</a:t>
+            </a:r>
+            <a:endParaRPr kumimoji="1" lang="ko-Kore-KR" altLang="en-US" sz="1600" dirty="0">
+              <a:solidFill>
+                <a:srgbClr val="FF0000"/>
+              </a:solidFill>
+              <a:latin typeface="DM Mono" panose="020B0509040201040103" pitchFamily="49" charset="0"/>
+            </a:endParaRPr>
+          </a:p>
+        </p:txBody>
+      </p:sp>
+      <p:cxnSp>
+        <p:nvCxnSpPr>
+          <p:cNvPr id="23" name="구부러진 연결선[U] 22">
+            <a:extLst>
+              <a:ext uri="{FF2B5EF4-FFF2-40B4-BE49-F238E27FC236}">
+                <a16:creationId xmlns:a16="http://schemas.microsoft.com/office/drawing/2014/main" id="{C8F01D09-549C-2F0A-95FB-3D90992D4478}"/>
+              </a:ext>
+            </a:extLst>
+          </p:cNvPr>
+          <p:cNvCxnSpPr>
+            <a:cxnSpLocks/>
+            <a:stCxn id="20" idx="3"/>
+            <a:endCxn id="22" idx="1"/>
+          </p:cNvCxnSpPr>
+          <p:nvPr/>
+        </p:nvCxnSpPr>
+        <p:spPr>
+          <a:xfrm flipV="1">
+            <a:off x="7929656" y="1823265"/>
+            <a:ext cx="2089037" cy="275710"/>
+          </a:xfrm>
+          <a:prstGeom prst="curvedConnector3">
+            <a:avLst/>
+          </a:prstGeom>
+          <a:ln w="12700">
+            <a:tailEnd type="triangle"/>
+          </a:ln>
+        </p:spPr>
+        <p:style>
+          <a:lnRef idx="1">
+            <a:schemeClr val="dk1"/>
+          </a:lnRef>
+          <a:fillRef idx="0">
+            <a:schemeClr val="dk1"/>
+          </a:fillRef>
+          <a:effectRef idx="0">
+            <a:schemeClr val="dk1"/>
+          </a:effectRef>
+          <a:fontRef idx="minor">
+            <a:schemeClr val="tx1"/>
+          </a:fontRef>
+        </p:style>
+      </p:cxnSp>
+      <p:sp>
+        <p:nvSpPr>
+          <p:cNvPr id="27" name="TextBox 26">
+            <a:extLst>
+              <a:ext uri="{FF2B5EF4-FFF2-40B4-BE49-F238E27FC236}">
+                <a16:creationId xmlns:a16="http://schemas.microsoft.com/office/drawing/2014/main" id="{6B6CCC69-85AC-1434-7B9E-E00AC68AD109}"/>
+              </a:ext>
+            </a:extLst>
+          </p:cNvPr>
+          <p:cNvSpPr txBox="1"/>
+          <p:nvPr/>
+        </p:nvSpPr>
+        <p:spPr>
+          <a:xfrm>
+            <a:off x="-306875" y="243299"/>
+            <a:ext cx="6096000" cy="2308324"/>
+          </a:xfrm>
+          <a:prstGeom prst="rect">
+            <a:avLst/>
+          </a:prstGeom>
+          <a:noFill/>
+        </p:spPr>
+        <p:txBody>
+          <a:bodyPr wrap="square">
+            <a:spAutoFit/>
+          </a:bodyPr>
+          <a:lstStyle/>
+          <a:p>
+            <a:r>
+              <a:rPr lang="ko-Kore-KR" altLang="en-US" dirty="0">
+                <a:latin typeface="DM Mono" panose="020B0509040201040103" pitchFamily="49" charset="0"/>
+              </a:rPr>
+              <a:t> </a:t>
+            </a:r>
+            <a:r>
+              <a:rPr lang="en-US" altLang="ko-Kore-KR" dirty="0">
+                <a:latin typeface="DM Mono" panose="020B0509040201040103" pitchFamily="49" charset="0"/>
+              </a:rPr>
+              <a:t>   </a:t>
+            </a:r>
+            <a:r>
+              <a:rPr lang="ko-Kore-KR" altLang="en-US" dirty="0">
+                <a:latin typeface="DM Mono" panose="020B0509040201040103" pitchFamily="49" charset="0"/>
+              </a:rPr>
+              <a:t>User(const char* s, int n)</a:t>
+            </a:r>
+          </a:p>
+          <a:p>
+            <a:r>
+              <a:rPr lang="ko-Kore-KR" altLang="en-US" dirty="0">
+                <a:latin typeface="DM Mono" panose="020B0509040201040103" pitchFamily="49" charset="0"/>
+              </a:rPr>
+              <a:t>        : age { n }</a:t>
+            </a:r>
+          </a:p>
+          <a:p>
+            <a:r>
+              <a:rPr lang="ko-Kore-KR" altLang="en-US" dirty="0">
+                <a:latin typeface="DM Mono" panose="020B0509040201040103" pitchFamily="49" charset="0"/>
+              </a:rPr>
+              <a:t>    {</a:t>
+            </a:r>
+          </a:p>
+          <a:p>
+            <a:r>
+              <a:rPr lang="ko-Kore-KR" altLang="en-US" dirty="0">
+                <a:latin typeface="DM Mono" panose="020B0509040201040103" pitchFamily="49" charset="0"/>
+              </a:rPr>
+              <a:t>        name = new char[strlen(s) + 1];</a:t>
+            </a:r>
+          </a:p>
+          <a:p>
+            <a:r>
+              <a:rPr lang="ko-Kore-KR" altLang="en-US" dirty="0">
+                <a:latin typeface="DM Mono" panose="020B0509040201040103" pitchFamily="49" charset="0"/>
+              </a:rPr>
+              <a:t>        strcpy(name, s);</a:t>
+            </a:r>
+          </a:p>
+          <a:p>
+            <a:endParaRPr lang="ko-Kore-KR" altLang="en-US" dirty="0">
+              <a:latin typeface="DM Mono" panose="020B0509040201040103" pitchFamily="49" charset="0"/>
+            </a:endParaRPr>
+          </a:p>
+          <a:p>
+            <a:r>
+              <a:rPr lang="ko-Kore-KR" altLang="en-US" dirty="0">
+                <a:latin typeface="DM Mono" panose="020B0509040201040103" pitchFamily="49" charset="0"/>
+              </a:rPr>
+              <a:t>        ref = new int { 1 };</a:t>
+            </a:r>
+          </a:p>
+          <a:p>
+            <a:r>
+              <a:rPr lang="ko-Kore-KR" altLang="en-US" dirty="0">
+                <a:latin typeface="DM Mono" panose="020B0509040201040103" pitchFamily="49" charset="0"/>
+              </a:rPr>
+              <a:t>    }</a:t>
+            </a:r>
+          </a:p>
+        </p:txBody>
+      </p:sp>
+    </p:spTree>
+    <p:extLst>
+      <p:ext uri="{BB962C8B-B14F-4D97-AF65-F5344CB8AC3E}">
+        <p14:creationId xmlns:p14="http://schemas.microsoft.com/office/powerpoint/2010/main" val="154305290"/>
+      </p:ext>
+    </p:extLst>
+  </p:cSld>
+  <p:clrMapOvr>
+    <a:masterClrMapping/>
+  </p:clrMapOvr>
+</p:sld>
+</file>
+
+<file path=ppt/slides/slide24.xml><?xml version="1.0" encoding="utf-8"?>
+<p:sld xmlns:a="http://schemas.openxmlformats.org/drawingml/2006/main" xmlns:r="http://schemas.openxmlformats.org/officeDocument/2006/relationships" xmlns:p="http://schemas.openxmlformats.org/presentationml/2006/main">
+  <p:cSld>
+    <p:spTree>
+      <p:nvGrpSpPr>
+        <p:cNvPr id="1" name=""/>
+        <p:cNvGrpSpPr/>
+        <p:nvPr/>
+      </p:nvGrpSpPr>
+      <p:grpSpPr>
+        <a:xfrm>
+          <a:off x="0" y="0"/>
+          <a:ext cx="0" cy="0"/>
+          <a:chOff x="0" y="0"/>
+          <a:chExt cx="0" cy="0"/>
+        </a:xfrm>
+      </p:grpSpPr>
+      <p:sp>
+        <p:nvSpPr>
+          <p:cNvPr id="4" name="직사각형 3">
+            <a:extLst>
+              <a:ext uri="{FF2B5EF4-FFF2-40B4-BE49-F238E27FC236}">
+                <a16:creationId xmlns:a16="http://schemas.microsoft.com/office/drawing/2014/main" id="{371E8C1A-DB2C-1E2D-2C20-2C5F82F71FCA}"/>
+              </a:ext>
+            </a:extLst>
+          </p:cNvPr>
+          <p:cNvSpPr/>
+          <p:nvPr/>
+        </p:nvSpPr>
+        <p:spPr>
+          <a:xfrm>
+            <a:off x="7119670" y="915185"/>
+            <a:ext cx="804912" cy="482277"/>
+          </a:xfrm>
+          <a:prstGeom prst="rect">
+            <a:avLst/>
+          </a:prstGeom>
+          <a:solidFill>
+            <a:srgbClr val="FFFF00"/>
+          </a:solidFill>
+        </p:spPr>
+        <p:style>
+          <a:lnRef idx="2">
+            <a:schemeClr val="accent1">
+              <a:shade val="15000"/>
+            </a:schemeClr>
+          </a:lnRef>
+          <a:fillRef idx="1">
+            <a:schemeClr val="accent1"/>
+          </a:fillRef>
+          <a:effectRef idx="0">
+            <a:schemeClr val="accent1"/>
+          </a:effectRef>
+          <a:fontRef idx="minor">
+            <a:schemeClr val="lt1"/>
+          </a:fontRef>
+        </p:style>
+        <p:txBody>
+          <a:bodyPr rtlCol="0" anchor="ctr"/>
+          <a:lstStyle/>
+          <a:p>
+            <a:pPr algn="ctr"/>
+            <a:r>
+              <a:rPr kumimoji="1" lang="en-US" altLang="ko-Kore-KR" sz="1600" dirty="0">
+                <a:solidFill>
+                  <a:schemeClr val="tx1"/>
+                </a:solidFill>
+                <a:latin typeface="DM Mono" panose="020B0509040201040103" pitchFamily="49" charset="0"/>
+              </a:rPr>
+              <a:t>0x100</a:t>
+            </a:r>
+            <a:endParaRPr kumimoji="1" lang="ko-Kore-KR" altLang="en-US" sz="1600" dirty="0">
+              <a:solidFill>
+                <a:schemeClr val="tx1"/>
+              </a:solidFill>
+              <a:latin typeface="DM Mono" panose="020B0509040201040103" pitchFamily="49" charset="0"/>
+            </a:endParaRPr>
+          </a:p>
+        </p:txBody>
+      </p:sp>
+      <p:sp>
+        <p:nvSpPr>
+          <p:cNvPr id="5" name="TextBox 4">
+            <a:extLst>
+              <a:ext uri="{FF2B5EF4-FFF2-40B4-BE49-F238E27FC236}">
+                <a16:creationId xmlns:a16="http://schemas.microsoft.com/office/drawing/2014/main" id="{93DB06CF-9A86-DB9B-1A48-9A74E07AB7ED}"/>
+              </a:ext>
+            </a:extLst>
+          </p:cNvPr>
+          <p:cNvSpPr txBox="1"/>
+          <p:nvPr/>
+        </p:nvSpPr>
+        <p:spPr>
+          <a:xfrm>
+            <a:off x="6327171" y="971657"/>
+            <a:ext cx="792499" cy="369332"/>
+          </a:xfrm>
+          <a:prstGeom prst="rect">
+            <a:avLst/>
+          </a:prstGeom>
+          <a:noFill/>
+        </p:spPr>
+        <p:txBody>
+          <a:bodyPr wrap="square">
+            <a:spAutoFit/>
+          </a:bodyPr>
+          <a:lstStyle/>
+          <a:p>
+            <a:pPr algn="r"/>
+            <a:r>
+              <a:rPr lang="en-US" altLang="ko-Kore-KR" dirty="0">
+                <a:latin typeface="DM Mono" panose="020B0509040201040103" pitchFamily="49" charset="0"/>
+              </a:rPr>
+              <a:t>name</a:t>
+            </a:r>
+            <a:endParaRPr lang="ko-Kore-KR" altLang="en-US" dirty="0"/>
+          </a:p>
+        </p:txBody>
+      </p:sp>
+      <p:sp>
+        <p:nvSpPr>
+          <p:cNvPr id="6" name="직사각형 5">
+            <a:extLst>
+              <a:ext uri="{FF2B5EF4-FFF2-40B4-BE49-F238E27FC236}">
+                <a16:creationId xmlns:a16="http://schemas.microsoft.com/office/drawing/2014/main" id="{EF845C24-5BCC-702C-2576-D6AB1A2C28E6}"/>
+              </a:ext>
+            </a:extLst>
+          </p:cNvPr>
+          <p:cNvSpPr/>
+          <p:nvPr/>
+        </p:nvSpPr>
+        <p:spPr>
+          <a:xfrm>
+            <a:off x="7119670" y="1397461"/>
+            <a:ext cx="804912" cy="482277"/>
+          </a:xfrm>
+          <a:prstGeom prst="rect">
+            <a:avLst/>
+          </a:prstGeom>
+          <a:solidFill>
+            <a:srgbClr val="FFFF00"/>
+          </a:solidFill>
+        </p:spPr>
+        <p:style>
+          <a:lnRef idx="2">
+            <a:schemeClr val="accent1">
+              <a:shade val="15000"/>
+            </a:schemeClr>
+          </a:lnRef>
+          <a:fillRef idx="1">
+            <a:schemeClr val="accent1"/>
+          </a:fillRef>
+          <a:effectRef idx="0">
+            <a:schemeClr val="accent1"/>
+          </a:effectRef>
+          <a:fontRef idx="minor">
+            <a:schemeClr val="lt1"/>
+          </a:fontRef>
+        </p:style>
+        <p:txBody>
+          <a:bodyPr rtlCol="0" anchor="ctr"/>
+          <a:lstStyle/>
+          <a:p>
+            <a:pPr algn="ctr"/>
+            <a:r>
+              <a:rPr kumimoji="1" lang="en-US" altLang="ko-Kore-KR" sz="1600" dirty="0">
+                <a:solidFill>
+                  <a:schemeClr val="tx1"/>
+                </a:solidFill>
+                <a:latin typeface="DM Mono" panose="020B0509040201040103" pitchFamily="49" charset="0"/>
+              </a:rPr>
+              <a:t>42</a:t>
+            </a:r>
+            <a:endParaRPr kumimoji="1" lang="ko-Kore-KR" altLang="en-US" sz="1600" dirty="0">
+              <a:solidFill>
+                <a:schemeClr val="tx1"/>
+              </a:solidFill>
+              <a:latin typeface="DM Mono" panose="020B0509040201040103" pitchFamily="49" charset="0"/>
+            </a:endParaRPr>
+          </a:p>
+        </p:txBody>
+      </p:sp>
+      <p:sp>
+        <p:nvSpPr>
+          <p:cNvPr id="7" name="TextBox 6">
+            <a:extLst>
+              <a:ext uri="{FF2B5EF4-FFF2-40B4-BE49-F238E27FC236}">
+                <a16:creationId xmlns:a16="http://schemas.microsoft.com/office/drawing/2014/main" id="{9FDDA326-0ED3-D508-02F7-706D12ADA8F0}"/>
+              </a:ext>
+            </a:extLst>
+          </p:cNvPr>
+          <p:cNvSpPr txBox="1"/>
+          <p:nvPr/>
+        </p:nvSpPr>
+        <p:spPr>
+          <a:xfrm>
+            <a:off x="6396183" y="1453933"/>
+            <a:ext cx="723487" cy="369332"/>
+          </a:xfrm>
+          <a:prstGeom prst="rect">
+            <a:avLst/>
+          </a:prstGeom>
+          <a:noFill/>
+        </p:spPr>
+        <p:txBody>
+          <a:bodyPr wrap="square">
+            <a:spAutoFit/>
+          </a:bodyPr>
+          <a:lstStyle/>
+          <a:p>
+            <a:pPr algn="r"/>
+            <a:r>
+              <a:rPr lang="en-US" altLang="ko-Kore-KR" dirty="0">
+                <a:latin typeface="DM Mono" panose="020B0509040201040103" pitchFamily="49" charset="0"/>
+              </a:rPr>
+              <a:t>age</a:t>
+            </a:r>
+            <a:endParaRPr lang="ko-Kore-KR" altLang="en-US" dirty="0"/>
+          </a:p>
+        </p:txBody>
+      </p:sp>
+      <p:sp>
+        <p:nvSpPr>
+          <p:cNvPr id="8" name="TextBox 7">
+            <a:extLst>
+              <a:ext uri="{FF2B5EF4-FFF2-40B4-BE49-F238E27FC236}">
+                <a16:creationId xmlns:a16="http://schemas.microsoft.com/office/drawing/2014/main" id="{29FD4298-8ED9-0A30-EF66-1F5F478DA0E6}"/>
+              </a:ext>
+            </a:extLst>
+          </p:cNvPr>
+          <p:cNvSpPr txBox="1"/>
+          <p:nvPr/>
+        </p:nvSpPr>
+        <p:spPr>
+          <a:xfrm>
+            <a:off x="6950819" y="545852"/>
+            <a:ext cx="1052946" cy="369332"/>
+          </a:xfrm>
+          <a:prstGeom prst="rect">
+            <a:avLst/>
+          </a:prstGeom>
+          <a:noFill/>
+        </p:spPr>
+        <p:txBody>
+          <a:bodyPr wrap="square">
+            <a:spAutoFit/>
+          </a:bodyPr>
+          <a:lstStyle/>
+          <a:p>
+            <a:pPr algn="ctr"/>
+            <a:r>
+              <a:rPr lang="en-US" altLang="ko-Kore-KR" dirty="0">
+                <a:latin typeface="DM Mono" panose="020B0509040201040103" pitchFamily="49" charset="0"/>
+              </a:rPr>
+              <a:t>user</a:t>
+            </a:r>
+            <a:endParaRPr lang="ko-Kore-KR" altLang="en-US" dirty="0"/>
+          </a:p>
+        </p:txBody>
+      </p:sp>
+      <p:sp>
+        <p:nvSpPr>
+          <p:cNvPr id="9" name="직사각형 8">
+            <a:extLst>
+              <a:ext uri="{FF2B5EF4-FFF2-40B4-BE49-F238E27FC236}">
+                <a16:creationId xmlns:a16="http://schemas.microsoft.com/office/drawing/2014/main" id="{A386C38F-0F2E-7FB4-2C45-DE7A915F25D4}"/>
+              </a:ext>
+            </a:extLst>
+          </p:cNvPr>
+          <p:cNvSpPr/>
+          <p:nvPr/>
+        </p:nvSpPr>
+        <p:spPr>
+          <a:xfrm>
+            <a:off x="9971919" y="489380"/>
+            <a:ext cx="1320057" cy="482277"/>
+          </a:xfrm>
+          <a:prstGeom prst="rect">
+            <a:avLst/>
+          </a:prstGeom>
+          <a:solidFill>
+            <a:srgbClr val="FFFF00"/>
+          </a:solidFill>
+        </p:spPr>
+        <p:style>
+          <a:lnRef idx="2">
+            <a:schemeClr val="accent1">
+              <a:shade val="15000"/>
+            </a:schemeClr>
+          </a:lnRef>
+          <a:fillRef idx="1">
+            <a:schemeClr val="accent1"/>
+          </a:fillRef>
+          <a:effectRef idx="0">
+            <a:schemeClr val="accent1"/>
+          </a:effectRef>
+          <a:fontRef idx="minor">
+            <a:schemeClr val="lt1"/>
+          </a:fontRef>
+        </p:style>
+        <p:txBody>
+          <a:bodyPr rtlCol="0" anchor="ctr"/>
+          <a:lstStyle/>
+          <a:p>
+            <a:pPr algn="ctr"/>
+            <a:r>
+              <a:rPr kumimoji="1" lang="en-US" altLang="ko-Kore-KR" sz="1600" dirty="0">
+                <a:solidFill>
+                  <a:schemeClr val="tx1"/>
+                </a:solidFill>
+                <a:latin typeface="DM Mono" panose="020B0509040201040103" pitchFamily="49" charset="0"/>
+              </a:rPr>
+              <a:t>“Tom”</a:t>
+            </a:r>
+            <a:endParaRPr kumimoji="1" lang="ko-Kore-KR" altLang="en-US" sz="1600" dirty="0">
+              <a:solidFill>
+                <a:schemeClr val="tx1"/>
+              </a:solidFill>
+              <a:latin typeface="DM Mono" panose="020B0509040201040103" pitchFamily="49" charset="0"/>
+            </a:endParaRPr>
+          </a:p>
+        </p:txBody>
+      </p:sp>
+      <p:cxnSp>
+        <p:nvCxnSpPr>
+          <p:cNvPr id="10" name="구부러진 연결선[U] 9">
+            <a:extLst>
+              <a:ext uri="{FF2B5EF4-FFF2-40B4-BE49-F238E27FC236}">
+                <a16:creationId xmlns:a16="http://schemas.microsoft.com/office/drawing/2014/main" id="{8EC5FFE6-2255-C13F-707E-49689FB3BDF5}"/>
+              </a:ext>
+            </a:extLst>
+          </p:cNvPr>
+          <p:cNvCxnSpPr>
+            <a:cxnSpLocks/>
+            <a:stCxn id="4" idx="3"/>
+            <a:endCxn id="9" idx="1"/>
+          </p:cNvCxnSpPr>
+          <p:nvPr/>
+        </p:nvCxnSpPr>
+        <p:spPr>
+          <a:xfrm flipV="1">
+            <a:off x="7924582" y="730519"/>
+            <a:ext cx="2047337" cy="425805"/>
+          </a:xfrm>
+          <a:prstGeom prst="curvedConnector3">
+            <a:avLst/>
+          </a:prstGeom>
+          <a:ln w="12700">
+            <a:tailEnd type="triangle"/>
+          </a:ln>
+        </p:spPr>
+        <p:style>
+          <a:lnRef idx="1">
+            <a:schemeClr val="dk1"/>
+          </a:lnRef>
+          <a:fillRef idx="0">
+            <a:schemeClr val="dk1"/>
+          </a:fillRef>
+          <a:effectRef idx="0">
+            <a:schemeClr val="dk1"/>
+          </a:effectRef>
+          <a:fontRef idx="minor">
+            <a:schemeClr val="tx1"/>
+          </a:fontRef>
+        </p:style>
+      </p:cxnSp>
+      <p:sp>
+        <p:nvSpPr>
+          <p:cNvPr id="11" name="TextBox 10">
+            <a:extLst>
+              <a:ext uri="{FF2B5EF4-FFF2-40B4-BE49-F238E27FC236}">
+                <a16:creationId xmlns:a16="http://schemas.microsoft.com/office/drawing/2014/main" id="{BEBFA68C-CB5C-BECA-5C2C-93B44F9E95F6}"/>
+              </a:ext>
+            </a:extLst>
+          </p:cNvPr>
+          <p:cNvSpPr txBox="1"/>
+          <p:nvPr/>
+        </p:nvSpPr>
+        <p:spPr>
+          <a:xfrm>
+            <a:off x="9394167" y="196744"/>
+            <a:ext cx="974002" cy="307777"/>
+          </a:xfrm>
+          <a:prstGeom prst="rect">
+            <a:avLst/>
+          </a:prstGeom>
+          <a:noFill/>
+        </p:spPr>
+        <p:txBody>
+          <a:bodyPr wrap="square">
+            <a:spAutoFit/>
+          </a:bodyPr>
+          <a:lstStyle/>
+          <a:p>
+            <a:pPr algn="ctr"/>
+            <a:r>
+              <a:rPr lang="en-US" altLang="ko-Kore-KR" sz="1400" dirty="0">
+                <a:latin typeface="DM Mono" panose="020B0509040201040103" pitchFamily="49" charset="0"/>
+              </a:rPr>
+              <a:t>0x100</a:t>
+            </a:r>
+            <a:endParaRPr lang="ko-Kore-KR" altLang="en-US" sz="1400" dirty="0"/>
+          </a:p>
+        </p:txBody>
+      </p:sp>
+      <p:sp>
+        <p:nvSpPr>
+          <p:cNvPr id="20" name="직사각형 19">
+            <a:extLst>
+              <a:ext uri="{FF2B5EF4-FFF2-40B4-BE49-F238E27FC236}">
+                <a16:creationId xmlns:a16="http://schemas.microsoft.com/office/drawing/2014/main" id="{997FFED2-7C11-B3B7-AF67-EB309155FA97}"/>
+              </a:ext>
+            </a:extLst>
+          </p:cNvPr>
+          <p:cNvSpPr/>
+          <p:nvPr/>
+        </p:nvSpPr>
+        <p:spPr>
+          <a:xfrm>
+            <a:off x="7124744" y="1857836"/>
+            <a:ext cx="804912" cy="482277"/>
+          </a:xfrm>
+          <a:prstGeom prst="rect">
+            <a:avLst/>
+          </a:prstGeom>
+          <a:solidFill>
+            <a:srgbClr val="FFFF00"/>
+          </a:solidFill>
+        </p:spPr>
+        <p:style>
+          <a:lnRef idx="2">
+            <a:schemeClr val="accent1">
+              <a:shade val="15000"/>
+            </a:schemeClr>
+          </a:lnRef>
+          <a:fillRef idx="1">
+            <a:schemeClr val="accent1"/>
+          </a:fillRef>
+          <a:effectRef idx="0">
+            <a:schemeClr val="accent1"/>
+          </a:effectRef>
+          <a:fontRef idx="minor">
+            <a:schemeClr val="lt1"/>
+          </a:fontRef>
+        </p:style>
+        <p:txBody>
+          <a:bodyPr rtlCol="0" anchor="ctr"/>
+          <a:lstStyle/>
+          <a:p>
+            <a:pPr algn="ctr"/>
+            <a:endParaRPr kumimoji="1" lang="ko-Kore-KR" altLang="en-US" sz="1600" dirty="0">
+              <a:solidFill>
+                <a:schemeClr val="tx1"/>
+              </a:solidFill>
+              <a:latin typeface="DM Mono" panose="020B0509040201040103" pitchFamily="49" charset="0"/>
+            </a:endParaRPr>
+          </a:p>
+        </p:txBody>
+      </p:sp>
+      <p:sp>
+        <p:nvSpPr>
+          <p:cNvPr id="21" name="TextBox 20">
+            <a:extLst>
+              <a:ext uri="{FF2B5EF4-FFF2-40B4-BE49-F238E27FC236}">
+                <a16:creationId xmlns:a16="http://schemas.microsoft.com/office/drawing/2014/main" id="{153F2C61-BA50-30F4-DF62-8FE96E00BC32}"/>
+              </a:ext>
+            </a:extLst>
+          </p:cNvPr>
+          <p:cNvSpPr txBox="1"/>
+          <p:nvPr/>
+        </p:nvSpPr>
+        <p:spPr>
+          <a:xfrm>
+            <a:off x="6401257" y="1914308"/>
+            <a:ext cx="723487" cy="369332"/>
+          </a:xfrm>
+          <a:prstGeom prst="rect">
+            <a:avLst/>
+          </a:prstGeom>
+          <a:noFill/>
+        </p:spPr>
+        <p:txBody>
+          <a:bodyPr wrap="square">
+            <a:spAutoFit/>
+          </a:bodyPr>
+          <a:lstStyle/>
+          <a:p>
+            <a:pPr algn="r"/>
+            <a:r>
+              <a:rPr lang="en-US" altLang="ko-Kore-KR" dirty="0">
+                <a:latin typeface="DM Mono" panose="020B0509040201040103" pitchFamily="49" charset="0"/>
+              </a:rPr>
+              <a:t>ref</a:t>
+            </a:r>
+            <a:endParaRPr lang="ko-Kore-KR" altLang="en-US" dirty="0"/>
+          </a:p>
+        </p:txBody>
+      </p:sp>
+      <p:sp>
+        <p:nvSpPr>
+          <p:cNvPr id="22" name="직사각형 21">
+            <a:extLst>
+              <a:ext uri="{FF2B5EF4-FFF2-40B4-BE49-F238E27FC236}">
+                <a16:creationId xmlns:a16="http://schemas.microsoft.com/office/drawing/2014/main" id="{90C3E178-8F40-B2F1-5CF3-7764B3F4317C}"/>
+              </a:ext>
+            </a:extLst>
+          </p:cNvPr>
+          <p:cNvSpPr/>
+          <p:nvPr/>
+        </p:nvSpPr>
+        <p:spPr>
+          <a:xfrm>
+            <a:off x="10018693" y="1582126"/>
+            <a:ext cx="804912" cy="482277"/>
+          </a:xfrm>
+          <a:prstGeom prst="rect">
+            <a:avLst/>
+          </a:prstGeom>
+          <a:solidFill>
+            <a:srgbClr val="FFFF00"/>
+          </a:solidFill>
+        </p:spPr>
+        <p:style>
+          <a:lnRef idx="2">
+            <a:schemeClr val="accent1">
+              <a:shade val="15000"/>
+            </a:schemeClr>
+          </a:lnRef>
+          <a:fillRef idx="1">
+            <a:schemeClr val="accent1"/>
+          </a:fillRef>
+          <a:effectRef idx="0">
+            <a:schemeClr val="accent1"/>
+          </a:effectRef>
+          <a:fontRef idx="minor">
+            <a:schemeClr val="lt1"/>
+          </a:fontRef>
+        </p:style>
+        <p:txBody>
+          <a:bodyPr rtlCol="0" anchor="ctr"/>
+          <a:lstStyle/>
+          <a:p>
+            <a:pPr algn="ctr"/>
+            <a:r>
+              <a:rPr kumimoji="1" lang="en-US" altLang="ko-Kore-KR" sz="1600" dirty="0">
+                <a:solidFill>
+                  <a:srgbClr val="FF0000"/>
+                </a:solidFill>
+                <a:latin typeface="DM Mono" panose="020B0509040201040103" pitchFamily="49" charset="0"/>
+              </a:rPr>
+              <a:t>2</a:t>
+            </a:r>
+            <a:endParaRPr kumimoji="1" lang="ko-Kore-KR" altLang="en-US" sz="1600" dirty="0">
+              <a:solidFill>
+                <a:srgbClr val="FF0000"/>
+              </a:solidFill>
+              <a:latin typeface="DM Mono" panose="020B0509040201040103" pitchFamily="49" charset="0"/>
+            </a:endParaRPr>
+          </a:p>
+        </p:txBody>
+      </p:sp>
+      <p:cxnSp>
+        <p:nvCxnSpPr>
+          <p:cNvPr id="23" name="구부러진 연결선[U] 22">
+            <a:extLst>
+              <a:ext uri="{FF2B5EF4-FFF2-40B4-BE49-F238E27FC236}">
+                <a16:creationId xmlns:a16="http://schemas.microsoft.com/office/drawing/2014/main" id="{C8F01D09-549C-2F0A-95FB-3D90992D4478}"/>
+              </a:ext>
+            </a:extLst>
+          </p:cNvPr>
+          <p:cNvCxnSpPr>
+            <a:cxnSpLocks/>
+            <a:stCxn id="20" idx="3"/>
+            <a:endCxn id="22" idx="1"/>
+          </p:cNvCxnSpPr>
+          <p:nvPr/>
+        </p:nvCxnSpPr>
+        <p:spPr>
+          <a:xfrm flipV="1">
+            <a:off x="7929656" y="1823265"/>
+            <a:ext cx="2089037" cy="275710"/>
+          </a:xfrm>
+          <a:prstGeom prst="curvedConnector3">
+            <a:avLst/>
+          </a:prstGeom>
+          <a:ln w="12700">
+            <a:tailEnd type="triangle"/>
+          </a:ln>
+        </p:spPr>
+        <p:style>
+          <a:lnRef idx="1">
+            <a:schemeClr val="dk1"/>
+          </a:lnRef>
+          <a:fillRef idx="0">
+            <a:schemeClr val="dk1"/>
+          </a:fillRef>
+          <a:effectRef idx="0">
+            <a:schemeClr val="dk1"/>
+          </a:effectRef>
+          <a:fontRef idx="minor">
+            <a:schemeClr val="tx1"/>
+          </a:fontRef>
+        </p:style>
+      </p:cxnSp>
+      <p:sp>
+        <p:nvSpPr>
+          <p:cNvPr id="2" name="직사각형 1">
+            <a:extLst>
+              <a:ext uri="{FF2B5EF4-FFF2-40B4-BE49-F238E27FC236}">
+                <a16:creationId xmlns:a16="http://schemas.microsoft.com/office/drawing/2014/main" id="{EF0C0639-2EB6-68F0-F451-E8DFC8868E7B}"/>
+              </a:ext>
+            </a:extLst>
+          </p:cNvPr>
+          <p:cNvSpPr/>
+          <p:nvPr/>
+        </p:nvSpPr>
+        <p:spPr>
+          <a:xfrm>
+            <a:off x="7198853" y="2940299"/>
+            <a:ext cx="804912" cy="482277"/>
+          </a:xfrm>
+          <a:prstGeom prst="rect">
+            <a:avLst/>
+          </a:prstGeom>
+          <a:solidFill>
+            <a:srgbClr val="FFFF00"/>
+          </a:solidFill>
+        </p:spPr>
+        <p:style>
+          <a:lnRef idx="2">
+            <a:schemeClr val="accent1">
+              <a:shade val="15000"/>
+            </a:schemeClr>
+          </a:lnRef>
+          <a:fillRef idx="1">
+            <a:schemeClr val="accent1"/>
+          </a:fillRef>
+          <a:effectRef idx="0">
+            <a:schemeClr val="accent1"/>
+          </a:effectRef>
+          <a:fontRef idx="minor">
+            <a:schemeClr val="lt1"/>
+          </a:fontRef>
+        </p:style>
+        <p:txBody>
+          <a:bodyPr rtlCol="0" anchor="ctr"/>
+          <a:lstStyle/>
+          <a:p>
+            <a:pPr algn="ctr"/>
+            <a:r>
+              <a:rPr kumimoji="1" lang="en-US" altLang="ko-Kore-KR" sz="1600" dirty="0">
+                <a:solidFill>
+                  <a:srgbClr val="FF0000"/>
+                </a:solidFill>
+                <a:latin typeface="DM Mono" panose="020B0509040201040103" pitchFamily="49" charset="0"/>
+              </a:rPr>
+              <a:t>0x100</a:t>
+            </a:r>
+            <a:endParaRPr kumimoji="1" lang="ko-Kore-KR" altLang="en-US" sz="1600" dirty="0">
+              <a:solidFill>
+                <a:srgbClr val="FF0000"/>
+              </a:solidFill>
+              <a:latin typeface="DM Mono" panose="020B0509040201040103" pitchFamily="49" charset="0"/>
+            </a:endParaRPr>
+          </a:p>
+        </p:txBody>
+      </p:sp>
+      <p:sp>
+        <p:nvSpPr>
+          <p:cNvPr id="3" name="TextBox 2">
+            <a:extLst>
+              <a:ext uri="{FF2B5EF4-FFF2-40B4-BE49-F238E27FC236}">
+                <a16:creationId xmlns:a16="http://schemas.microsoft.com/office/drawing/2014/main" id="{863C8BAF-6337-387D-F4FC-840A1D18E472}"/>
+              </a:ext>
+            </a:extLst>
+          </p:cNvPr>
+          <p:cNvSpPr txBox="1"/>
+          <p:nvPr/>
+        </p:nvSpPr>
+        <p:spPr>
+          <a:xfrm>
+            <a:off x="6406354" y="2996771"/>
+            <a:ext cx="792499" cy="369332"/>
+          </a:xfrm>
+          <a:prstGeom prst="rect">
+            <a:avLst/>
+          </a:prstGeom>
+          <a:noFill/>
+        </p:spPr>
+        <p:txBody>
+          <a:bodyPr wrap="square">
+            <a:spAutoFit/>
+          </a:bodyPr>
+          <a:lstStyle/>
+          <a:p>
+            <a:pPr algn="r"/>
+            <a:r>
+              <a:rPr lang="en-US" altLang="ko-Kore-KR" dirty="0">
+                <a:latin typeface="DM Mono" panose="020B0509040201040103" pitchFamily="49" charset="0"/>
+              </a:rPr>
+              <a:t>name</a:t>
+            </a:r>
+            <a:endParaRPr lang="ko-Kore-KR" altLang="en-US" dirty="0"/>
+          </a:p>
+        </p:txBody>
+      </p:sp>
+      <p:sp>
+        <p:nvSpPr>
+          <p:cNvPr id="12" name="직사각형 11">
+            <a:extLst>
+              <a:ext uri="{FF2B5EF4-FFF2-40B4-BE49-F238E27FC236}">
+                <a16:creationId xmlns:a16="http://schemas.microsoft.com/office/drawing/2014/main" id="{82D44A1A-653E-65EF-FD8E-5B808527F8B0}"/>
+              </a:ext>
+            </a:extLst>
+          </p:cNvPr>
+          <p:cNvSpPr/>
+          <p:nvPr/>
+        </p:nvSpPr>
+        <p:spPr>
+          <a:xfrm>
+            <a:off x="7198853" y="3422575"/>
+            <a:ext cx="804912" cy="482277"/>
+          </a:xfrm>
+          <a:prstGeom prst="rect">
+            <a:avLst/>
+          </a:prstGeom>
+          <a:solidFill>
+            <a:srgbClr val="FFFF00"/>
+          </a:solidFill>
+        </p:spPr>
+        <p:style>
+          <a:lnRef idx="2">
+            <a:schemeClr val="accent1">
+              <a:shade val="15000"/>
+            </a:schemeClr>
+          </a:lnRef>
+          <a:fillRef idx="1">
+            <a:schemeClr val="accent1"/>
+          </a:fillRef>
+          <a:effectRef idx="0">
+            <a:schemeClr val="accent1"/>
+          </a:effectRef>
+          <a:fontRef idx="minor">
+            <a:schemeClr val="lt1"/>
+          </a:fontRef>
+        </p:style>
+        <p:txBody>
+          <a:bodyPr rtlCol="0" anchor="ctr"/>
+          <a:lstStyle/>
+          <a:p>
+            <a:pPr algn="ctr"/>
+            <a:r>
+              <a:rPr kumimoji="1" lang="en-US" altLang="ko-Kore-KR" sz="1600" dirty="0">
+                <a:solidFill>
+                  <a:srgbClr val="FF0000"/>
+                </a:solidFill>
+                <a:latin typeface="DM Mono" panose="020B0509040201040103" pitchFamily="49" charset="0"/>
+              </a:rPr>
+              <a:t>42</a:t>
+            </a:r>
+            <a:endParaRPr kumimoji="1" lang="ko-Kore-KR" altLang="en-US" sz="1600" dirty="0">
+              <a:solidFill>
+                <a:srgbClr val="FF0000"/>
+              </a:solidFill>
+              <a:latin typeface="DM Mono" panose="020B0509040201040103" pitchFamily="49" charset="0"/>
+            </a:endParaRPr>
+          </a:p>
+        </p:txBody>
+      </p:sp>
+      <p:sp>
+        <p:nvSpPr>
+          <p:cNvPr id="13" name="TextBox 12">
+            <a:extLst>
+              <a:ext uri="{FF2B5EF4-FFF2-40B4-BE49-F238E27FC236}">
+                <a16:creationId xmlns:a16="http://schemas.microsoft.com/office/drawing/2014/main" id="{D7967835-D726-195C-8EBA-C72D393B26E1}"/>
+              </a:ext>
+            </a:extLst>
+          </p:cNvPr>
+          <p:cNvSpPr txBox="1"/>
+          <p:nvPr/>
+        </p:nvSpPr>
+        <p:spPr>
+          <a:xfrm>
+            <a:off x="6475366" y="3479047"/>
+            <a:ext cx="723487" cy="369332"/>
+          </a:xfrm>
+          <a:prstGeom prst="rect">
+            <a:avLst/>
+          </a:prstGeom>
+          <a:noFill/>
+        </p:spPr>
+        <p:txBody>
+          <a:bodyPr wrap="square">
+            <a:spAutoFit/>
+          </a:bodyPr>
+          <a:lstStyle/>
+          <a:p>
+            <a:pPr algn="r"/>
+            <a:r>
+              <a:rPr lang="en-US" altLang="ko-Kore-KR" dirty="0">
+                <a:latin typeface="DM Mono" panose="020B0509040201040103" pitchFamily="49" charset="0"/>
+              </a:rPr>
+              <a:t>age</a:t>
+            </a:r>
+            <a:endParaRPr lang="ko-Kore-KR" altLang="en-US" dirty="0"/>
+          </a:p>
+        </p:txBody>
+      </p:sp>
+      <p:sp>
+        <p:nvSpPr>
+          <p:cNvPr id="14" name="TextBox 13">
+            <a:extLst>
+              <a:ext uri="{FF2B5EF4-FFF2-40B4-BE49-F238E27FC236}">
+                <a16:creationId xmlns:a16="http://schemas.microsoft.com/office/drawing/2014/main" id="{54FB6AB6-4DBF-5BA8-26D8-C6525C7DCFA5}"/>
+              </a:ext>
+            </a:extLst>
+          </p:cNvPr>
+          <p:cNvSpPr txBox="1"/>
+          <p:nvPr/>
+        </p:nvSpPr>
+        <p:spPr>
+          <a:xfrm>
+            <a:off x="7030002" y="2570966"/>
+            <a:ext cx="1052946" cy="369332"/>
+          </a:xfrm>
+          <a:prstGeom prst="rect">
+            <a:avLst/>
+          </a:prstGeom>
+          <a:noFill/>
+        </p:spPr>
+        <p:txBody>
+          <a:bodyPr wrap="square">
+            <a:spAutoFit/>
+          </a:bodyPr>
+          <a:lstStyle/>
+          <a:p>
+            <a:pPr algn="ctr"/>
+            <a:r>
+              <a:rPr lang="en-US" altLang="ko-Kore-KR" dirty="0">
+                <a:latin typeface="DM Mono" panose="020B0509040201040103" pitchFamily="49" charset="0"/>
+              </a:rPr>
+              <a:t>other</a:t>
+            </a:r>
+            <a:endParaRPr lang="ko-Kore-KR" altLang="en-US" dirty="0"/>
+          </a:p>
+        </p:txBody>
+      </p:sp>
+      <p:sp>
+        <p:nvSpPr>
+          <p:cNvPr id="15" name="직사각형 14">
+            <a:extLst>
+              <a:ext uri="{FF2B5EF4-FFF2-40B4-BE49-F238E27FC236}">
+                <a16:creationId xmlns:a16="http://schemas.microsoft.com/office/drawing/2014/main" id="{B4523B53-004B-20E3-AA06-BD9B17ED1C09}"/>
+              </a:ext>
+            </a:extLst>
+          </p:cNvPr>
+          <p:cNvSpPr/>
+          <p:nvPr/>
+        </p:nvSpPr>
+        <p:spPr>
+          <a:xfrm>
+            <a:off x="7194691" y="3882950"/>
+            <a:ext cx="804912" cy="482277"/>
+          </a:xfrm>
+          <a:prstGeom prst="rect">
+            <a:avLst/>
+          </a:prstGeom>
+          <a:solidFill>
+            <a:srgbClr val="FFFF00"/>
+          </a:solidFill>
+        </p:spPr>
+        <p:style>
+          <a:lnRef idx="2">
+            <a:schemeClr val="accent1">
+              <a:shade val="15000"/>
+            </a:schemeClr>
+          </a:lnRef>
+          <a:fillRef idx="1">
+            <a:schemeClr val="accent1"/>
+          </a:fillRef>
+          <a:effectRef idx="0">
+            <a:schemeClr val="accent1"/>
+          </a:effectRef>
+          <a:fontRef idx="minor">
+            <a:schemeClr val="lt1"/>
+          </a:fontRef>
+        </p:style>
+        <p:txBody>
+          <a:bodyPr rtlCol="0" anchor="ctr"/>
+          <a:lstStyle/>
+          <a:p>
+            <a:pPr algn="ctr"/>
+            <a:endParaRPr kumimoji="1" lang="ko-Kore-KR" altLang="en-US" sz="1600" dirty="0">
+              <a:solidFill>
+                <a:srgbClr val="FF0000"/>
+              </a:solidFill>
+              <a:latin typeface="DM Mono" panose="020B0509040201040103" pitchFamily="49" charset="0"/>
+            </a:endParaRPr>
+          </a:p>
+        </p:txBody>
+      </p:sp>
+      <p:sp>
+        <p:nvSpPr>
+          <p:cNvPr id="16" name="TextBox 15">
+            <a:extLst>
+              <a:ext uri="{FF2B5EF4-FFF2-40B4-BE49-F238E27FC236}">
+                <a16:creationId xmlns:a16="http://schemas.microsoft.com/office/drawing/2014/main" id="{D31030F1-CAF8-D881-2D56-CC54F7117ACB}"/>
+              </a:ext>
+            </a:extLst>
+          </p:cNvPr>
+          <p:cNvSpPr txBox="1"/>
+          <p:nvPr/>
+        </p:nvSpPr>
+        <p:spPr>
+          <a:xfrm>
+            <a:off x="6480440" y="3939422"/>
+            <a:ext cx="723487" cy="369332"/>
+          </a:xfrm>
+          <a:prstGeom prst="rect">
+            <a:avLst/>
+          </a:prstGeom>
+          <a:noFill/>
+        </p:spPr>
+        <p:txBody>
+          <a:bodyPr wrap="square">
+            <a:spAutoFit/>
+          </a:bodyPr>
+          <a:lstStyle/>
+          <a:p>
+            <a:pPr algn="r"/>
+            <a:r>
+              <a:rPr lang="en-US" altLang="ko-Kore-KR" dirty="0">
+                <a:latin typeface="DM Mono" panose="020B0509040201040103" pitchFamily="49" charset="0"/>
+              </a:rPr>
+              <a:t>ref</a:t>
+            </a:r>
+            <a:endParaRPr lang="ko-Kore-KR" altLang="en-US" dirty="0"/>
+          </a:p>
+        </p:txBody>
+      </p:sp>
+      <p:cxnSp>
+        <p:nvCxnSpPr>
+          <p:cNvPr id="17" name="구부러진 연결선[U] 16">
+            <a:extLst>
+              <a:ext uri="{FF2B5EF4-FFF2-40B4-BE49-F238E27FC236}">
+                <a16:creationId xmlns:a16="http://schemas.microsoft.com/office/drawing/2014/main" id="{9A35F261-B6F7-1B7E-AD2F-691C62F23038}"/>
+              </a:ext>
+            </a:extLst>
+          </p:cNvPr>
+          <p:cNvCxnSpPr>
+            <a:cxnSpLocks/>
+            <a:stCxn id="2" idx="3"/>
+            <a:endCxn id="9" idx="1"/>
+          </p:cNvCxnSpPr>
+          <p:nvPr/>
+        </p:nvCxnSpPr>
+        <p:spPr>
+          <a:xfrm flipV="1">
+            <a:off x="8003765" y="730519"/>
+            <a:ext cx="1968154" cy="2450919"/>
+          </a:xfrm>
+          <a:prstGeom prst="curvedConnector3">
+            <a:avLst>
+              <a:gd name="adj1" fmla="val 50000"/>
+            </a:avLst>
+          </a:prstGeom>
+          <a:ln w="12700">
+            <a:tailEnd type="triangle"/>
+          </a:ln>
+        </p:spPr>
+        <p:style>
+          <a:lnRef idx="1">
+            <a:schemeClr val="dk1"/>
+          </a:lnRef>
+          <a:fillRef idx="0">
+            <a:schemeClr val="dk1"/>
+          </a:fillRef>
+          <a:effectRef idx="0">
+            <a:schemeClr val="dk1"/>
+          </a:effectRef>
+          <a:fontRef idx="minor">
+            <a:schemeClr val="tx1"/>
+          </a:fontRef>
+        </p:style>
+      </p:cxnSp>
+      <p:cxnSp>
+        <p:nvCxnSpPr>
+          <p:cNvPr id="24" name="구부러진 연결선[U] 23">
+            <a:extLst>
+              <a:ext uri="{FF2B5EF4-FFF2-40B4-BE49-F238E27FC236}">
+                <a16:creationId xmlns:a16="http://schemas.microsoft.com/office/drawing/2014/main" id="{B69F1EF3-6215-9DF5-055C-1B3CB0B551A4}"/>
+              </a:ext>
+            </a:extLst>
+          </p:cNvPr>
+          <p:cNvCxnSpPr>
+            <a:cxnSpLocks/>
+            <a:stCxn id="15" idx="3"/>
+            <a:endCxn id="22" idx="1"/>
+          </p:cNvCxnSpPr>
+          <p:nvPr/>
+        </p:nvCxnSpPr>
+        <p:spPr>
+          <a:xfrm flipV="1">
+            <a:off x="7999603" y="1823265"/>
+            <a:ext cx="2019090" cy="2300824"/>
+          </a:xfrm>
+          <a:prstGeom prst="curvedConnector3">
+            <a:avLst/>
+          </a:prstGeom>
+          <a:ln w="12700">
+            <a:tailEnd type="triangle"/>
+          </a:ln>
+        </p:spPr>
+        <p:style>
+          <a:lnRef idx="1">
+            <a:schemeClr val="dk1"/>
+          </a:lnRef>
+          <a:fillRef idx="0">
+            <a:schemeClr val="dk1"/>
+          </a:fillRef>
+          <a:effectRef idx="0">
+            <a:schemeClr val="dk1"/>
+          </a:effectRef>
+          <a:fontRef idx="minor">
+            <a:schemeClr val="tx1"/>
+          </a:fontRef>
+        </p:style>
+      </p:cxnSp>
+      <p:sp>
+        <p:nvSpPr>
+          <p:cNvPr id="35" name="TextBox 34">
+            <a:extLst>
+              <a:ext uri="{FF2B5EF4-FFF2-40B4-BE49-F238E27FC236}">
+                <a16:creationId xmlns:a16="http://schemas.microsoft.com/office/drawing/2014/main" id="{82925F17-DA6B-488F-3E5B-47FAFD7ADA2D}"/>
+              </a:ext>
+            </a:extLst>
+          </p:cNvPr>
+          <p:cNvSpPr txBox="1"/>
+          <p:nvPr/>
+        </p:nvSpPr>
+        <p:spPr>
+          <a:xfrm>
+            <a:off x="379366" y="545852"/>
+            <a:ext cx="6096000" cy="2031325"/>
+          </a:xfrm>
+          <a:prstGeom prst="rect">
+            <a:avLst/>
+          </a:prstGeom>
+          <a:noFill/>
+        </p:spPr>
+        <p:txBody>
+          <a:bodyPr wrap="square">
+            <a:spAutoFit/>
+          </a:bodyPr>
+          <a:lstStyle/>
+          <a:p>
+            <a:r>
+              <a:rPr lang="ko-Kore-KR" altLang="en-US" dirty="0">
+                <a:latin typeface="DM Mono" panose="020B0509040201040103" pitchFamily="49" charset="0"/>
+              </a:rPr>
+              <a:t> </a:t>
+            </a:r>
+            <a:r>
+              <a:rPr lang="en-US" altLang="ko-Kore-KR" dirty="0">
+                <a:latin typeface="DM Mono" panose="020B0509040201040103" pitchFamily="49" charset="0"/>
+              </a:rPr>
+              <a:t>   </a:t>
+            </a:r>
+            <a:r>
+              <a:rPr lang="ko-Kore-KR" altLang="en-US" dirty="0">
+                <a:latin typeface="DM Mono" panose="020B0509040201040103" pitchFamily="49" charset="0"/>
+              </a:rPr>
+              <a:t>User(const User&amp; rhs)</a:t>
+            </a:r>
+          </a:p>
+          <a:p>
+            <a:r>
+              <a:rPr lang="ko-Kore-KR" altLang="en-US" dirty="0">
+                <a:latin typeface="DM Mono" panose="020B0509040201040103" pitchFamily="49" charset="0"/>
+              </a:rPr>
+              <a:t>        : name { rhs.name }</a:t>
+            </a:r>
+          </a:p>
+          <a:p>
+            <a:r>
+              <a:rPr lang="ko-Kore-KR" altLang="en-US" dirty="0">
+                <a:latin typeface="DM Mono" panose="020B0509040201040103" pitchFamily="49" charset="0"/>
+              </a:rPr>
+              <a:t>        , age { rhs.age }</a:t>
+            </a:r>
+          </a:p>
+          <a:p>
+            <a:r>
+              <a:rPr lang="ko-Kore-KR" altLang="en-US" dirty="0">
+                <a:latin typeface="DM Mono" panose="020B0509040201040103" pitchFamily="49" charset="0"/>
+              </a:rPr>
+              <a:t>        , ref { rhs.ref }</a:t>
+            </a:r>
+          </a:p>
+          <a:p>
+            <a:r>
+              <a:rPr lang="ko-Kore-KR" altLang="en-US" dirty="0">
+                <a:latin typeface="DM Mono" panose="020B0509040201040103" pitchFamily="49" charset="0"/>
+              </a:rPr>
+              <a:t>    {</a:t>
+            </a:r>
+          </a:p>
+          <a:p>
+            <a:r>
+              <a:rPr lang="ko-Kore-KR" altLang="en-US" dirty="0">
+                <a:solidFill>
+                  <a:srgbClr val="FF0000"/>
+                </a:solidFill>
+                <a:latin typeface="DM Mono" panose="020B0509040201040103" pitchFamily="49" charset="0"/>
+              </a:rPr>
+              <a:t>        ++(*ref);</a:t>
+            </a:r>
+          </a:p>
+          <a:p>
+            <a:r>
+              <a:rPr lang="ko-Kore-KR" altLang="en-US" dirty="0">
+                <a:latin typeface="DM Mono" panose="020B0509040201040103" pitchFamily="49" charset="0"/>
+              </a:rPr>
+              <a:t>    }</a:t>
+            </a:r>
+          </a:p>
+        </p:txBody>
+      </p:sp>
+    </p:spTree>
+    <p:extLst>
+      <p:ext uri="{BB962C8B-B14F-4D97-AF65-F5344CB8AC3E}">
+        <p14:creationId xmlns:p14="http://schemas.microsoft.com/office/powerpoint/2010/main" val="2194773000"/>
+      </p:ext>
+    </p:extLst>
+  </p:cSld>
+  <p:clrMapOvr>
+    <a:masterClrMapping/>
+  </p:clrMapOvr>
+</p:sld>
+</file>
+
+<file path=ppt/slides/slide25.xml><?xml version="1.0" encoding="utf-8"?>
+<p:sld xmlns:a="http://schemas.openxmlformats.org/drawingml/2006/main" xmlns:r="http://schemas.openxmlformats.org/officeDocument/2006/relationships" xmlns:p="http://schemas.openxmlformats.org/presentationml/2006/main">
+  <p:cSld>
+    <p:spTree>
+      <p:nvGrpSpPr>
+        <p:cNvPr id="1" name=""/>
+        <p:cNvGrpSpPr/>
+        <p:nvPr/>
+      </p:nvGrpSpPr>
+      <p:grpSpPr>
+        <a:xfrm>
+          <a:off x="0" y="0"/>
+          <a:ext cx="0" cy="0"/>
+          <a:chOff x="0" y="0"/>
+          <a:chExt cx="0" cy="0"/>
+        </a:xfrm>
+      </p:grpSpPr>
+      <p:sp>
+        <p:nvSpPr>
+          <p:cNvPr id="4" name="직사각형 3">
+            <a:extLst>
+              <a:ext uri="{FF2B5EF4-FFF2-40B4-BE49-F238E27FC236}">
+                <a16:creationId xmlns:a16="http://schemas.microsoft.com/office/drawing/2014/main" id="{371E8C1A-DB2C-1E2D-2C20-2C5F82F71FCA}"/>
+              </a:ext>
+            </a:extLst>
+          </p:cNvPr>
+          <p:cNvSpPr/>
+          <p:nvPr/>
+        </p:nvSpPr>
+        <p:spPr>
+          <a:xfrm>
+            <a:off x="7119670" y="915185"/>
+            <a:ext cx="804912" cy="482277"/>
+          </a:xfrm>
+          <a:prstGeom prst="rect">
+            <a:avLst/>
+          </a:prstGeom>
+          <a:solidFill>
+            <a:srgbClr val="FFFF00"/>
+          </a:solidFill>
+        </p:spPr>
+        <p:style>
+          <a:lnRef idx="2">
+            <a:schemeClr val="accent1">
+              <a:shade val="15000"/>
+            </a:schemeClr>
+          </a:lnRef>
+          <a:fillRef idx="1">
+            <a:schemeClr val="accent1"/>
+          </a:fillRef>
+          <a:effectRef idx="0">
+            <a:schemeClr val="accent1"/>
+          </a:effectRef>
+          <a:fontRef idx="minor">
+            <a:schemeClr val="lt1"/>
+          </a:fontRef>
+        </p:style>
+        <p:txBody>
+          <a:bodyPr rtlCol="0" anchor="ctr"/>
+          <a:lstStyle/>
+          <a:p>
+            <a:pPr algn="ctr"/>
+            <a:r>
+              <a:rPr kumimoji="1" lang="en-US" altLang="ko-Kore-KR" sz="1600" dirty="0">
+                <a:solidFill>
+                  <a:schemeClr val="tx1"/>
+                </a:solidFill>
+                <a:latin typeface="DM Mono" panose="020B0509040201040103" pitchFamily="49" charset="0"/>
+              </a:rPr>
+              <a:t>0x100</a:t>
+            </a:r>
+            <a:endParaRPr kumimoji="1" lang="ko-Kore-KR" altLang="en-US" sz="1600" dirty="0">
+              <a:solidFill>
+                <a:schemeClr val="tx1"/>
+              </a:solidFill>
+              <a:latin typeface="DM Mono" panose="020B0509040201040103" pitchFamily="49" charset="0"/>
+            </a:endParaRPr>
+          </a:p>
+        </p:txBody>
+      </p:sp>
+      <p:sp>
+        <p:nvSpPr>
+          <p:cNvPr id="5" name="TextBox 4">
+            <a:extLst>
+              <a:ext uri="{FF2B5EF4-FFF2-40B4-BE49-F238E27FC236}">
+                <a16:creationId xmlns:a16="http://schemas.microsoft.com/office/drawing/2014/main" id="{93DB06CF-9A86-DB9B-1A48-9A74E07AB7ED}"/>
+              </a:ext>
+            </a:extLst>
+          </p:cNvPr>
+          <p:cNvSpPr txBox="1"/>
+          <p:nvPr/>
+        </p:nvSpPr>
+        <p:spPr>
+          <a:xfrm>
+            <a:off x="6327171" y="971657"/>
+            <a:ext cx="792499" cy="369332"/>
+          </a:xfrm>
+          <a:prstGeom prst="rect">
+            <a:avLst/>
+          </a:prstGeom>
+          <a:noFill/>
+        </p:spPr>
+        <p:txBody>
+          <a:bodyPr wrap="square">
+            <a:spAutoFit/>
+          </a:bodyPr>
+          <a:lstStyle/>
+          <a:p>
+            <a:pPr algn="r"/>
+            <a:r>
+              <a:rPr lang="en-US" altLang="ko-Kore-KR" dirty="0">
+                <a:latin typeface="DM Mono" panose="020B0509040201040103" pitchFamily="49" charset="0"/>
+              </a:rPr>
+              <a:t>name</a:t>
+            </a:r>
+            <a:endParaRPr lang="ko-Kore-KR" altLang="en-US" dirty="0"/>
+          </a:p>
+        </p:txBody>
+      </p:sp>
+      <p:sp>
+        <p:nvSpPr>
+          <p:cNvPr id="6" name="직사각형 5">
+            <a:extLst>
+              <a:ext uri="{FF2B5EF4-FFF2-40B4-BE49-F238E27FC236}">
+                <a16:creationId xmlns:a16="http://schemas.microsoft.com/office/drawing/2014/main" id="{EF845C24-5BCC-702C-2576-D6AB1A2C28E6}"/>
+              </a:ext>
+            </a:extLst>
+          </p:cNvPr>
+          <p:cNvSpPr/>
+          <p:nvPr/>
+        </p:nvSpPr>
+        <p:spPr>
+          <a:xfrm>
+            <a:off x="7119670" y="1397461"/>
+            <a:ext cx="804912" cy="482277"/>
+          </a:xfrm>
+          <a:prstGeom prst="rect">
+            <a:avLst/>
+          </a:prstGeom>
+          <a:solidFill>
+            <a:srgbClr val="FFFF00"/>
+          </a:solidFill>
+        </p:spPr>
+        <p:style>
+          <a:lnRef idx="2">
+            <a:schemeClr val="accent1">
+              <a:shade val="15000"/>
+            </a:schemeClr>
+          </a:lnRef>
+          <a:fillRef idx="1">
+            <a:schemeClr val="accent1"/>
+          </a:fillRef>
+          <a:effectRef idx="0">
+            <a:schemeClr val="accent1"/>
+          </a:effectRef>
+          <a:fontRef idx="minor">
+            <a:schemeClr val="lt1"/>
+          </a:fontRef>
+        </p:style>
+        <p:txBody>
+          <a:bodyPr rtlCol="0" anchor="ctr"/>
+          <a:lstStyle/>
+          <a:p>
+            <a:pPr algn="ctr"/>
+            <a:r>
+              <a:rPr kumimoji="1" lang="en-US" altLang="ko-Kore-KR" sz="1600" dirty="0">
+                <a:solidFill>
+                  <a:schemeClr val="tx1"/>
+                </a:solidFill>
+                <a:latin typeface="DM Mono" panose="020B0509040201040103" pitchFamily="49" charset="0"/>
+              </a:rPr>
+              <a:t>42</a:t>
+            </a:r>
+            <a:endParaRPr kumimoji="1" lang="ko-Kore-KR" altLang="en-US" sz="1600" dirty="0">
+              <a:solidFill>
+                <a:schemeClr val="tx1"/>
+              </a:solidFill>
+              <a:latin typeface="DM Mono" panose="020B0509040201040103" pitchFamily="49" charset="0"/>
+            </a:endParaRPr>
+          </a:p>
+        </p:txBody>
+      </p:sp>
+      <p:sp>
+        <p:nvSpPr>
+          <p:cNvPr id="7" name="TextBox 6">
+            <a:extLst>
+              <a:ext uri="{FF2B5EF4-FFF2-40B4-BE49-F238E27FC236}">
+                <a16:creationId xmlns:a16="http://schemas.microsoft.com/office/drawing/2014/main" id="{9FDDA326-0ED3-D508-02F7-706D12ADA8F0}"/>
+              </a:ext>
+            </a:extLst>
+          </p:cNvPr>
+          <p:cNvSpPr txBox="1"/>
+          <p:nvPr/>
+        </p:nvSpPr>
+        <p:spPr>
+          <a:xfrm>
+            <a:off x="6396183" y="1453933"/>
+            <a:ext cx="723487" cy="369332"/>
+          </a:xfrm>
+          <a:prstGeom prst="rect">
+            <a:avLst/>
+          </a:prstGeom>
+          <a:noFill/>
+        </p:spPr>
+        <p:txBody>
+          <a:bodyPr wrap="square">
+            <a:spAutoFit/>
+          </a:bodyPr>
+          <a:lstStyle/>
+          <a:p>
+            <a:pPr algn="r"/>
+            <a:r>
+              <a:rPr lang="en-US" altLang="ko-Kore-KR" dirty="0">
+                <a:latin typeface="DM Mono" panose="020B0509040201040103" pitchFamily="49" charset="0"/>
+              </a:rPr>
+              <a:t>age</a:t>
+            </a:r>
+            <a:endParaRPr lang="ko-Kore-KR" altLang="en-US" dirty="0"/>
+          </a:p>
+        </p:txBody>
+      </p:sp>
+      <p:sp>
+        <p:nvSpPr>
+          <p:cNvPr id="8" name="TextBox 7">
+            <a:extLst>
+              <a:ext uri="{FF2B5EF4-FFF2-40B4-BE49-F238E27FC236}">
+                <a16:creationId xmlns:a16="http://schemas.microsoft.com/office/drawing/2014/main" id="{29FD4298-8ED9-0A30-EF66-1F5F478DA0E6}"/>
+              </a:ext>
+            </a:extLst>
+          </p:cNvPr>
+          <p:cNvSpPr txBox="1"/>
+          <p:nvPr/>
+        </p:nvSpPr>
+        <p:spPr>
+          <a:xfrm>
+            <a:off x="6950819" y="545852"/>
+            <a:ext cx="1052946" cy="369332"/>
+          </a:xfrm>
+          <a:prstGeom prst="rect">
+            <a:avLst/>
+          </a:prstGeom>
+          <a:noFill/>
+        </p:spPr>
+        <p:txBody>
+          <a:bodyPr wrap="square">
+            <a:spAutoFit/>
+          </a:bodyPr>
+          <a:lstStyle/>
+          <a:p>
+            <a:pPr algn="ctr"/>
+            <a:r>
+              <a:rPr lang="en-US" altLang="ko-Kore-KR" dirty="0">
+                <a:latin typeface="DM Mono" panose="020B0509040201040103" pitchFamily="49" charset="0"/>
+              </a:rPr>
+              <a:t>user</a:t>
+            </a:r>
+            <a:endParaRPr lang="ko-Kore-KR" altLang="en-US" dirty="0"/>
+          </a:p>
+        </p:txBody>
+      </p:sp>
+      <p:sp>
+        <p:nvSpPr>
+          <p:cNvPr id="9" name="직사각형 8">
+            <a:extLst>
+              <a:ext uri="{FF2B5EF4-FFF2-40B4-BE49-F238E27FC236}">
+                <a16:creationId xmlns:a16="http://schemas.microsoft.com/office/drawing/2014/main" id="{A386C38F-0F2E-7FB4-2C45-DE7A915F25D4}"/>
+              </a:ext>
+            </a:extLst>
+          </p:cNvPr>
+          <p:cNvSpPr/>
+          <p:nvPr/>
+        </p:nvSpPr>
+        <p:spPr>
+          <a:xfrm>
+            <a:off x="10267482" y="1236313"/>
+            <a:ext cx="1320057" cy="482277"/>
+          </a:xfrm>
+          <a:prstGeom prst="rect">
+            <a:avLst/>
+          </a:prstGeom>
+          <a:solidFill>
+            <a:srgbClr val="FFFF00"/>
+          </a:solidFill>
+        </p:spPr>
+        <p:style>
+          <a:lnRef idx="2">
+            <a:schemeClr val="accent1">
+              <a:shade val="15000"/>
+            </a:schemeClr>
+          </a:lnRef>
+          <a:fillRef idx="1">
+            <a:schemeClr val="accent1"/>
+          </a:fillRef>
+          <a:effectRef idx="0">
+            <a:schemeClr val="accent1"/>
+          </a:effectRef>
+          <a:fontRef idx="minor">
+            <a:schemeClr val="lt1"/>
+          </a:fontRef>
+        </p:style>
+        <p:txBody>
+          <a:bodyPr rtlCol="0" anchor="ctr"/>
+          <a:lstStyle/>
+          <a:p>
+            <a:pPr algn="ctr"/>
+            <a:r>
+              <a:rPr kumimoji="1" lang="en-US" altLang="ko-Kore-KR" sz="1600" dirty="0">
+                <a:solidFill>
+                  <a:schemeClr val="tx1"/>
+                </a:solidFill>
+                <a:latin typeface="DM Mono" panose="020B0509040201040103" pitchFamily="49" charset="0"/>
+              </a:rPr>
+              <a:t>“Tom”</a:t>
+            </a:r>
+            <a:endParaRPr kumimoji="1" lang="ko-Kore-KR" altLang="en-US" sz="1600" dirty="0">
+              <a:solidFill>
+                <a:schemeClr val="tx1"/>
+              </a:solidFill>
+              <a:latin typeface="DM Mono" panose="020B0509040201040103" pitchFamily="49" charset="0"/>
+            </a:endParaRPr>
+          </a:p>
+        </p:txBody>
+      </p:sp>
+      <p:cxnSp>
+        <p:nvCxnSpPr>
+          <p:cNvPr id="10" name="구부러진 연결선[U] 9">
+            <a:extLst>
+              <a:ext uri="{FF2B5EF4-FFF2-40B4-BE49-F238E27FC236}">
+                <a16:creationId xmlns:a16="http://schemas.microsoft.com/office/drawing/2014/main" id="{8EC5FFE6-2255-C13F-707E-49689FB3BDF5}"/>
+              </a:ext>
+            </a:extLst>
+          </p:cNvPr>
+          <p:cNvCxnSpPr>
+            <a:cxnSpLocks/>
+            <a:stCxn id="4" idx="3"/>
+            <a:endCxn id="9" idx="1"/>
+          </p:cNvCxnSpPr>
+          <p:nvPr/>
+        </p:nvCxnSpPr>
+        <p:spPr>
+          <a:xfrm>
+            <a:off x="7924582" y="1156324"/>
+            <a:ext cx="2342900" cy="321128"/>
+          </a:xfrm>
+          <a:prstGeom prst="curvedConnector3">
+            <a:avLst/>
+          </a:prstGeom>
+          <a:ln w="12700">
+            <a:tailEnd type="triangle"/>
+          </a:ln>
+        </p:spPr>
+        <p:style>
+          <a:lnRef idx="1">
+            <a:schemeClr val="dk1"/>
+          </a:lnRef>
+          <a:fillRef idx="0">
+            <a:schemeClr val="dk1"/>
+          </a:fillRef>
+          <a:effectRef idx="0">
+            <a:schemeClr val="dk1"/>
+          </a:effectRef>
+          <a:fontRef idx="minor">
+            <a:schemeClr val="tx1"/>
+          </a:fontRef>
+        </p:style>
+      </p:cxnSp>
+      <p:sp>
+        <p:nvSpPr>
+          <p:cNvPr id="11" name="TextBox 10">
+            <a:extLst>
+              <a:ext uri="{FF2B5EF4-FFF2-40B4-BE49-F238E27FC236}">
+                <a16:creationId xmlns:a16="http://schemas.microsoft.com/office/drawing/2014/main" id="{BEBFA68C-CB5C-BECA-5C2C-93B44F9E95F6}"/>
+              </a:ext>
+            </a:extLst>
+          </p:cNvPr>
+          <p:cNvSpPr txBox="1"/>
+          <p:nvPr/>
+        </p:nvSpPr>
+        <p:spPr>
+          <a:xfrm>
+            <a:off x="9689730" y="943677"/>
+            <a:ext cx="974002" cy="307777"/>
+          </a:xfrm>
+          <a:prstGeom prst="rect">
+            <a:avLst/>
+          </a:prstGeom>
+          <a:noFill/>
+        </p:spPr>
+        <p:txBody>
+          <a:bodyPr wrap="square">
+            <a:spAutoFit/>
+          </a:bodyPr>
+          <a:lstStyle/>
+          <a:p>
+            <a:pPr algn="ctr"/>
+            <a:r>
+              <a:rPr lang="en-US" altLang="ko-Kore-KR" sz="1400" dirty="0">
+                <a:latin typeface="DM Mono" panose="020B0509040201040103" pitchFamily="49" charset="0"/>
+              </a:rPr>
+              <a:t>0x100</a:t>
+            </a:r>
+            <a:endParaRPr lang="ko-Kore-KR" altLang="en-US" sz="1400" dirty="0"/>
+          </a:p>
+        </p:txBody>
+      </p:sp>
+      <p:sp>
+        <p:nvSpPr>
+          <p:cNvPr id="20" name="직사각형 19">
+            <a:extLst>
+              <a:ext uri="{FF2B5EF4-FFF2-40B4-BE49-F238E27FC236}">
+                <a16:creationId xmlns:a16="http://schemas.microsoft.com/office/drawing/2014/main" id="{997FFED2-7C11-B3B7-AF67-EB309155FA97}"/>
+              </a:ext>
+            </a:extLst>
+          </p:cNvPr>
+          <p:cNvSpPr/>
+          <p:nvPr/>
+        </p:nvSpPr>
+        <p:spPr>
+          <a:xfrm>
+            <a:off x="7124744" y="1857836"/>
+            <a:ext cx="804912" cy="482277"/>
+          </a:xfrm>
+          <a:prstGeom prst="rect">
+            <a:avLst/>
+          </a:prstGeom>
+          <a:solidFill>
+            <a:srgbClr val="FFFF00"/>
+          </a:solidFill>
+        </p:spPr>
+        <p:style>
+          <a:lnRef idx="2">
+            <a:schemeClr val="accent1">
+              <a:shade val="15000"/>
+            </a:schemeClr>
+          </a:lnRef>
+          <a:fillRef idx="1">
+            <a:schemeClr val="accent1"/>
+          </a:fillRef>
+          <a:effectRef idx="0">
+            <a:schemeClr val="accent1"/>
+          </a:effectRef>
+          <a:fontRef idx="minor">
+            <a:schemeClr val="lt1"/>
+          </a:fontRef>
+        </p:style>
+        <p:txBody>
+          <a:bodyPr rtlCol="0" anchor="ctr"/>
+          <a:lstStyle/>
+          <a:p>
+            <a:pPr algn="ctr"/>
+            <a:endParaRPr kumimoji="1" lang="ko-Kore-KR" altLang="en-US" sz="1600" dirty="0">
+              <a:solidFill>
+                <a:schemeClr val="tx1"/>
+              </a:solidFill>
+              <a:latin typeface="DM Mono" panose="020B0509040201040103" pitchFamily="49" charset="0"/>
+            </a:endParaRPr>
+          </a:p>
+        </p:txBody>
+      </p:sp>
+      <p:sp>
+        <p:nvSpPr>
+          <p:cNvPr id="21" name="TextBox 20">
+            <a:extLst>
+              <a:ext uri="{FF2B5EF4-FFF2-40B4-BE49-F238E27FC236}">
+                <a16:creationId xmlns:a16="http://schemas.microsoft.com/office/drawing/2014/main" id="{153F2C61-BA50-30F4-DF62-8FE96E00BC32}"/>
+              </a:ext>
+            </a:extLst>
+          </p:cNvPr>
+          <p:cNvSpPr txBox="1"/>
+          <p:nvPr/>
+        </p:nvSpPr>
+        <p:spPr>
+          <a:xfrm>
+            <a:off x="6401257" y="1914308"/>
+            <a:ext cx="723487" cy="369332"/>
+          </a:xfrm>
+          <a:prstGeom prst="rect">
+            <a:avLst/>
+          </a:prstGeom>
+          <a:noFill/>
+        </p:spPr>
+        <p:txBody>
+          <a:bodyPr wrap="square">
+            <a:spAutoFit/>
+          </a:bodyPr>
+          <a:lstStyle/>
+          <a:p>
+            <a:pPr algn="r"/>
+            <a:r>
+              <a:rPr lang="en-US" altLang="ko-Kore-KR" dirty="0">
+                <a:latin typeface="DM Mono" panose="020B0509040201040103" pitchFamily="49" charset="0"/>
+              </a:rPr>
+              <a:t>ref</a:t>
+            </a:r>
+            <a:endParaRPr lang="ko-Kore-KR" altLang="en-US" dirty="0"/>
+          </a:p>
+        </p:txBody>
+      </p:sp>
+      <p:sp>
+        <p:nvSpPr>
+          <p:cNvPr id="22" name="직사각형 21">
+            <a:extLst>
+              <a:ext uri="{FF2B5EF4-FFF2-40B4-BE49-F238E27FC236}">
+                <a16:creationId xmlns:a16="http://schemas.microsoft.com/office/drawing/2014/main" id="{90C3E178-8F40-B2F1-5CF3-7764B3F4317C}"/>
+              </a:ext>
+            </a:extLst>
+          </p:cNvPr>
+          <p:cNvSpPr/>
+          <p:nvPr/>
+        </p:nvSpPr>
+        <p:spPr>
+          <a:xfrm>
+            <a:off x="10314256" y="2329059"/>
+            <a:ext cx="804912" cy="482277"/>
+          </a:xfrm>
+          <a:prstGeom prst="rect">
+            <a:avLst/>
+          </a:prstGeom>
+          <a:solidFill>
+            <a:srgbClr val="FFFF00"/>
+          </a:solidFill>
+        </p:spPr>
+        <p:style>
+          <a:lnRef idx="2">
+            <a:schemeClr val="accent1">
+              <a:shade val="15000"/>
+            </a:schemeClr>
+          </a:lnRef>
+          <a:fillRef idx="1">
+            <a:schemeClr val="accent1"/>
+          </a:fillRef>
+          <a:effectRef idx="0">
+            <a:schemeClr val="accent1"/>
+          </a:effectRef>
+          <a:fontRef idx="minor">
+            <a:schemeClr val="lt1"/>
+          </a:fontRef>
+        </p:style>
+        <p:txBody>
+          <a:bodyPr rtlCol="0" anchor="ctr"/>
+          <a:lstStyle/>
+          <a:p>
+            <a:pPr algn="ctr"/>
+            <a:r>
+              <a:rPr kumimoji="1" lang="en-US" altLang="ko-Kore-KR" sz="1600" dirty="0">
+                <a:solidFill>
+                  <a:srgbClr val="FF0000"/>
+                </a:solidFill>
+                <a:latin typeface="DM Mono" panose="020B0509040201040103" pitchFamily="49" charset="0"/>
+              </a:rPr>
+              <a:t>3</a:t>
+            </a:r>
+            <a:endParaRPr kumimoji="1" lang="ko-Kore-KR" altLang="en-US" sz="1600" dirty="0">
+              <a:solidFill>
+                <a:srgbClr val="FF0000"/>
+              </a:solidFill>
+              <a:latin typeface="DM Mono" panose="020B0509040201040103" pitchFamily="49" charset="0"/>
+            </a:endParaRPr>
+          </a:p>
+        </p:txBody>
+      </p:sp>
+      <p:cxnSp>
+        <p:nvCxnSpPr>
+          <p:cNvPr id="23" name="구부러진 연결선[U] 22">
+            <a:extLst>
+              <a:ext uri="{FF2B5EF4-FFF2-40B4-BE49-F238E27FC236}">
+                <a16:creationId xmlns:a16="http://schemas.microsoft.com/office/drawing/2014/main" id="{C8F01D09-549C-2F0A-95FB-3D90992D4478}"/>
+              </a:ext>
+            </a:extLst>
+          </p:cNvPr>
+          <p:cNvCxnSpPr>
+            <a:cxnSpLocks/>
+            <a:stCxn id="20" idx="3"/>
+            <a:endCxn id="22" idx="1"/>
+          </p:cNvCxnSpPr>
+          <p:nvPr/>
+        </p:nvCxnSpPr>
+        <p:spPr>
+          <a:xfrm>
+            <a:off x="7929656" y="2098975"/>
+            <a:ext cx="2384600" cy="471223"/>
+          </a:xfrm>
+          <a:prstGeom prst="curvedConnector3">
+            <a:avLst/>
+          </a:prstGeom>
+          <a:ln w="12700">
+            <a:tailEnd type="triangle"/>
+          </a:ln>
+        </p:spPr>
+        <p:style>
+          <a:lnRef idx="1">
+            <a:schemeClr val="dk1"/>
+          </a:lnRef>
+          <a:fillRef idx="0">
+            <a:schemeClr val="dk1"/>
+          </a:fillRef>
+          <a:effectRef idx="0">
+            <a:schemeClr val="dk1"/>
+          </a:effectRef>
+          <a:fontRef idx="minor">
+            <a:schemeClr val="tx1"/>
+          </a:fontRef>
+        </p:style>
+      </p:cxnSp>
+      <p:sp>
+        <p:nvSpPr>
+          <p:cNvPr id="2" name="직사각형 1">
+            <a:extLst>
+              <a:ext uri="{FF2B5EF4-FFF2-40B4-BE49-F238E27FC236}">
+                <a16:creationId xmlns:a16="http://schemas.microsoft.com/office/drawing/2014/main" id="{EF0C0639-2EB6-68F0-F451-E8DFC8868E7B}"/>
+              </a:ext>
+            </a:extLst>
+          </p:cNvPr>
+          <p:cNvSpPr/>
+          <p:nvPr/>
+        </p:nvSpPr>
+        <p:spPr>
+          <a:xfrm>
+            <a:off x="7198853" y="2940299"/>
+            <a:ext cx="804912" cy="482277"/>
+          </a:xfrm>
+          <a:prstGeom prst="rect">
+            <a:avLst/>
+          </a:prstGeom>
+          <a:solidFill>
+            <a:srgbClr val="FFFF00"/>
+          </a:solidFill>
+        </p:spPr>
+        <p:style>
+          <a:lnRef idx="2">
+            <a:schemeClr val="accent1">
+              <a:shade val="15000"/>
+            </a:schemeClr>
+          </a:lnRef>
+          <a:fillRef idx="1">
+            <a:schemeClr val="accent1"/>
+          </a:fillRef>
+          <a:effectRef idx="0">
+            <a:schemeClr val="accent1"/>
+          </a:effectRef>
+          <a:fontRef idx="minor">
+            <a:schemeClr val="lt1"/>
+          </a:fontRef>
+        </p:style>
+        <p:txBody>
+          <a:bodyPr rtlCol="0" anchor="ctr"/>
+          <a:lstStyle/>
+          <a:p>
+            <a:pPr algn="ctr"/>
+            <a:r>
+              <a:rPr kumimoji="1" lang="en-US" altLang="ko-Kore-KR" sz="1600" dirty="0">
+                <a:solidFill>
+                  <a:schemeClr val="tx1"/>
+                </a:solidFill>
+                <a:latin typeface="DM Mono" panose="020B0509040201040103" pitchFamily="49" charset="0"/>
+              </a:rPr>
+              <a:t>0x100</a:t>
+            </a:r>
+            <a:endParaRPr kumimoji="1" lang="ko-Kore-KR" altLang="en-US" sz="1600" dirty="0">
+              <a:solidFill>
+                <a:schemeClr val="tx1"/>
+              </a:solidFill>
+              <a:latin typeface="DM Mono" panose="020B0509040201040103" pitchFamily="49" charset="0"/>
+            </a:endParaRPr>
+          </a:p>
+        </p:txBody>
+      </p:sp>
+      <p:sp>
+        <p:nvSpPr>
+          <p:cNvPr id="3" name="TextBox 2">
+            <a:extLst>
+              <a:ext uri="{FF2B5EF4-FFF2-40B4-BE49-F238E27FC236}">
+                <a16:creationId xmlns:a16="http://schemas.microsoft.com/office/drawing/2014/main" id="{863C8BAF-6337-387D-F4FC-840A1D18E472}"/>
+              </a:ext>
+            </a:extLst>
+          </p:cNvPr>
+          <p:cNvSpPr txBox="1"/>
+          <p:nvPr/>
+        </p:nvSpPr>
+        <p:spPr>
+          <a:xfrm>
+            <a:off x="6406354" y="2996771"/>
+            <a:ext cx="792499" cy="369332"/>
+          </a:xfrm>
+          <a:prstGeom prst="rect">
+            <a:avLst/>
+          </a:prstGeom>
+          <a:noFill/>
+        </p:spPr>
+        <p:txBody>
+          <a:bodyPr wrap="square">
+            <a:spAutoFit/>
+          </a:bodyPr>
+          <a:lstStyle/>
+          <a:p>
+            <a:pPr algn="r"/>
+            <a:r>
+              <a:rPr lang="en-US" altLang="ko-Kore-KR" dirty="0">
+                <a:latin typeface="DM Mono" panose="020B0509040201040103" pitchFamily="49" charset="0"/>
+              </a:rPr>
+              <a:t>name</a:t>
+            </a:r>
+            <a:endParaRPr lang="ko-Kore-KR" altLang="en-US" dirty="0"/>
+          </a:p>
+        </p:txBody>
+      </p:sp>
+      <p:sp>
+        <p:nvSpPr>
+          <p:cNvPr id="12" name="직사각형 11">
+            <a:extLst>
+              <a:ext uri="{FF2B5EF4-FFF2-40B4-BE49-F238E27FC236}">
+                <a16:creationId xmlns:a16="http://schemas.microsoft.com/office/drawing/2014/main" id="{82D44A1A-653E-65EF-FD8E-5B808527F8B0}"/>
+              </a:ext>
+            </a:extLst>
+          </p:cNvPr>
+          <p:cNvSpPr/>
+          <p:nvPr/>
+        </p:nvSpPr>
+        <p:spPr>
+          <a:xfrm>
+            <a:off x="7198853" y="3422575"/>
+            <a:ext cx="804912" cy="482277"/>
+          </a:xfrm>
+          <a:prstGeom prst="rect">
+            <a:avLst/>
+          </a:prstGeom>
+          <a:solidFill>
+            <a:srgbClr val="FFFF00"/>
+          </a:solidFill>
+        </p:spPr>
+        <p:style>
+          <a:lnRef idx="2">
+            <a:schemeClr val="accent1">
+              <a:shade val="15000"/>
+            </a:schemeClr>
+          </a:lnRef>
+          <a:fillRef idx="1">
+            <a:schemeClr val="accent1"/>
+          </a:fillRef>
+          <a:effectRef idx="0">
+            <a:schemeClr val="accent1"/>
+          </a:effectRef>
+          <a:fontRef idx="minor">
+            <a:schemeClr val="lt1"/>
+          </a:fontRef>
+        </p:style>
+        <p:txBody>
+          <a:bodyPr rtlCol="0" anchor="ctr"/>
+          <a:lstStyle/>
+          <a:p>
+            <a:pPr algn="ctr"/>
+            <a:r>
+              <a:rPr kumimoji="1" lang="en-US" altLang="ko-Kore-KR" sz="1600" dirty="0">
+                <a:solidFill>
+                  <a:schemeClr val="tx1"/>
+                </a:solidFill>
+                <a:latin typeface="DM Mono" panose="020B0509040201040103" pitchFamily="49" charset="0"/>
+              </a:rPr>
+              <a:t>42</a:t>
+            </a:r>
+            <a:endParaRPr kumimoji="1" lang="ko-Kore-KR" altLang="en-US" sz="1600" dirty="0">
+              <a:solidFill>
+                <a:schemeClr val="tx1"/>
+              </a:solidFill>
+              <a:latin typeface="DM Mono" panose="020B0509040201040103" pitchFamily="49" charset="0"/>
+            </a:endParaRPr>
+          </a:p>
+        </p:txBody>
+      </p:sp>
+      <p:sp>
+        <p:nvSpPr>
+          <p:cNvPr id="13" name="TextBox 12">
+            <a:extLst>
+              <a:ext uri="{FF2B5EF4-FFF2-40B4-BE49-F238E27FC236}">
+                <a16:creationId xmlns:a16="http://schemas.microsoft.com/office/drawing/2014/main" id="{D7967835-D726-195C-8EBA-C72D393B26E1}"/>
+              </a:ext>
+            </a:extLst>
+          </p:cNvPr>
+          <p:cNvSpPr txBox="1"/>
+          <p:nvPr/>
+        </p:nvSpPr>
+        <p:spPr>
+          <a:xfrm>
+            <a:off x="6475366" y="3479047"/>
+            <a:ext cx="723487" cy="369332"/>
+          </a:xfrm>
+          <a:prstGeom prst="rect">
+            <a:avLst/>
+          </a:prstGeom>
+          <a:noFill/>
+        </p:spPr>
+        <p:txBody>
+          <a:bodyPr wrap="square">
+            <a:spAutoFit/>
+          </a:bodyPr>
+          <a:lstStyle/>
+          <a:p>
+            <a:pPr algn="r"/>
+            <a:r>
+              <a:rPr lang="en-US" altLang="ko-Kore-KR" dirty="0">
+                <a:latin typeface="DM Mono" panose="020B0509040201040103" pitchFamily="49" charset="0"/>
+              </a:rPr>
+              <a:t>age</a:t>
+            </a:r>
+            <a:endParaRPr lang="ko-Kore-KR" altLang="en-US" dirty="0"/>
+          </a:p>
+        </p:txBody>
+      </p:sp>
+      <p:sp>
+        <p:nvSpPr>
+          <p:cNvPr id="14" name="TextBox 13">
+            <a:extLst>
+              <a:ext uri="{FF2B5EF4-FFF2-40B4-BE49-F238E27FC236}">
+                <a16:creationId xmlns:a16="http://schemas.microsoft.com/office/drawing/2014/main" id="{54FB6AB6-4DBF-5BA8-26D8-C6525C7DCFA5}"/>
+              </a:ext>
+            </a:extLst>
+          </p:cNvPr>
+          <p:cNvSpPr txBox="1"/>
+          <p:nvPr/>
+        </p:nvSpPr>
+        <p:spPr>
+          <a:xfrm>
+            <a:off x="7030002" y="2570966"/>
+            <a:ext cx="1052946" cy="369332"/>
+          </a:xfrm>
+          <a:prstGeom prst="rect">
+            <a:avLst/>
+          </a:prstGeom>
+          <a:noFill/>
+        </p:spPr>
+        <p:txBody>
+          <a:bodyPr wrap="square">
+            <a:spAutoFit/>
+          </a:bodyPr>
+          <a:lstStyle/>
+          <a:p>
+            <a:pPr algn="ctr"/>
+            <a:r>
+              <a:rPr lang="en-US" altLang="ko-Kore-KR" dirty="0">
+                <a:latin typeface="DM Mono" panose="020B0509040201040103" pitchFamily="49" charset="0"/>
+              </a:rPr>
+              <a:t>other</a:t>
+            </a:r>
+            <a:endParaRPr lang="ko-Kore-KR" altLang="en-US" dirty="0"/>
+          </a:p>
+        </p:txBody>
+      </p:sp>
+      <p:sp>
+        <p:nvSpPr>
+          <p:cNvPr id="15" name="직사각형 14">
+            <a:extLst>
+              <a:ext uri="{FF2B5EF4-FFF2-40B4-BE49-F238E27FC236}">
+                <a16:creationId xmlns:a16="http://schemas.microsoft.com/office/drawing/2014/main" id="{B4523B53-004B-20E3-AA06-BD9B17ED1C09}"/>
+              </a:ext>
+            </a:extLst>
+          </p:cNvPr>
+          <p:cNvSpPr/>
+          <p:nvPr/>
+        </p:nvSpPr>
+        <p:spPr>
+          <a:xfrm>
+            <a:off x="7194691" y="3882950"/>
+            <a:ext cx="804912" cy="482277"/>
+          </a:xfrm>
+          <a:prstGeom prst="rect">
+            <a:avLst/>
+          </a:prstGeom>
+          <a:solidFill>
+            <a:srgbClr val="FFFF00"/>
+          </a:solidFill>
+        </p:spPr>
+        <p:style>
+          <a:lnRef idx="2">
+            <a:schemeClr val="accent1">
+              <a:shade val="15000"/>
+            </a:schemeClr>
+          </a:lnRef>
+          <a:fillRef idx="1">
+            <a:schemeClr val="accent1"/>
+          </a:fillRef>
+          <a:effectRef idx="0">
+            <a:schemeClr val="accent1"/>
+          </a:effectRef>
+          <a:fontRef idx="minor">
+            <a:schemeClr val="lt1"/>
+          </a:fontRef>
+        </p:style>
+        <p:txBody>
+          <a:bodyPr rtlCol="0" anchor="ctr"/>
+          <a:lstStyle/>
+          <a:p>
+            <a:pPr algn="ctr"/>
+            <a:endParaRPr kumimoji="1" lang="ko-Kore-KR" altLang="en-US" sz="1600" dirty="0">
+              <a:solidFill>
+                <a:schemeClr val="tx1"/>
+              </a:solidFill>
+              <a:latin typeface="DM Mono" panose="020B0509040201040103" pitchFamily="49" charset="0"/>
+            </a:endParaRPr>
+          </a:p>
+        </p:txBody>
+      </p:sp>
+      <p:sp>
+        <p:nvSpPr>
+          <p:cNvPr id="16" name="TextBox 15">
+            <a:extLst>
+              <a:ext uri="{FF2B5EF4-FFF2-40B4-BE49-F238E27FC236}">
+                <a16:creationId xmlns:a16="http://schemas.microsoft.com/office/drawing/2014/main" id="{D31030F1-CAF8-D881-2D56-CC54F7117ACB}"/>
+              </a:ext>
+            </a:extLst>
+          </p:cNvPr>
+          <p:cNvSpPr txBox="1"/>
+          <p:nvPr/>
+        </p:nvSpPr>
+        <p:spPr>
+          <a:xfrm>
+            <a:off x="6480440" y="3939422"/>
+            <a:ext cx="723487" cy="369332"/>
+          </a:xfrm>
+          <a:prstGeom prst="rect">
+            <a:avLst/>
+          </a:prstGeom>
+          <a:noFill/>
+        </p:spPr>
+        <p:txBody>
+          <a:bodyPr wrap="square">
+            <a:spAutoFit/>
+          </a:bodyPr>
+          <a:lstStyle/>
+          <a:p>
+            <a:pPr algn="r"/>
+            <a:r>
+              <a:rPr lang="en-US" altLang="ko-Kore-KR" dirty="0">
+                <a:latin typeface="DM Mono" panose="020B0509040201040103" pitchFamily="49" charset="0"/>
+              </a:rPr>
+              <a:t>ref</a:t>
+            </a:r>
+            <a:endParaRPr lang="ko-Kore-KR" altLang="en-US" dirty="0"/>
+          </a:p>
+        </p:txBody>
+      </p:sp>
+      <p:cxnSp>
+        <p:nvCxnSpPr>
+          <p:cNvPr id="17" name="구부러진 연결선[U] 16">
+            <a:extLst>
+              <a:ext uri="{FF2B5EF4-FFF2-40B4-BE49-F238E27FC236}">
+                <a16:creationId xmlns:a16="http://schemas.microsoft.com/office/drawing/2014/main" id="{9A35F261-B6F7-1B7E-AD2F-691C62F23038}"/>
+              </a:ext>
+            </a:extLst>
+          </p:cNvPr>
+          <p:cNvCxnSpPr>
+            <a:cxnSpLocks/>
+            <a:stCxn id="2" idx="3"/>
+            <a:endCxn id="9" idx="1"/>
+          </p:cNvCxnSpPr>
+          <p:nvPr/>
+        </p:nvCxnSpPr>
+        <p:spPr>
+          <a:xfrm flipV="1">
+            <a:off x="8003765" y="1477452"/>
+            <a:ext cx="2263717" cy="1703986"/>
+          </a:xfrm>
+          <a:prstGeom prst="curvedConnector3">
+            <a:avLst>
+              <a:gd name="adj1" fmla="val 50000"/>
+            </a:avLst>
+          </a:prstGeom>
+          <a:ln w="12700">
+            <a:tailEnd type="triangle"/>
+          </a:ln>
+        </p:spPr>
+        <p:style>
+          <a:lnRef idx="1">
+            <a:schemeClr val="dk1"/>
+          </a:lnRef>
+          <a:fillRef idx="0">
+            <a:schemeClr val="dk1"/>
+          </a:fillRef>
+          <a:effectRef idx="0">
+            <a:schemeClr val="dk1"/>
+          </a:effectRef>
+          <a:fontRef idx="minor">
+            <a:schemeClr val="tx1"/>
+          </a:fontRef>
+        </p:style>
+      </p:cxnSp>
+      <p:cxnSp>
+        <p:nvCxnSpPr>
+          <p:cNvPr id="24" name="구부러진 연결선[U] 23">
+            <a:extLst>
+              <a:ext uri="{FF2B5EF4-FFF2-40B4-BE49-F238E27FC236}">
+                <a16:creationId xmlns:a16="http://schemas.microsoft.com/office/drawing/2014/main" id="{B69F1EF3-6215-9DF5-055C-1B3CB0B551A4}"/>
+              </a:ext>
+            </a:extLst>
+          </p:cNvPr>
+          <p:cNvCxnSpPr>
+            <a:cxnSpLocks/>
+            <a:stCxn id="15" idx="3"/>
+            <a:endCxn id="22" idx="1"/>
+          </p:cNvCxnSpPr>
+          <p:nvPr/>
+        </p:nvCxnSpPr>
+        <p:spPr>
+          <a:xfrm flipV="1">
+            <a:off x="7999603" y="2570198"/>
+            <a:ext cx="2314653" cy="1553891"/>
+          </a:xfrm>
+          <a:prstGeom prst="curvedConnector3">
+            <a:avLst/>
+          </a:prstGeom>
+          <a:ln w="12700">
+            <a:tailEnd type="triangle"/>
+          </a:ln>
+        </p:spPr>
+        <p:style>
+          <a:lnRef idx="1">
+            <a:schemeClr val="dk1"/>
+          </a:lnRef>
+          <a:fillRef idx="0">
+            <a:schemeClr val="dk1"/>
+          </a:fillRef>
+          <a:effectRef idx="0">
+            <a:schemeClr val="dk1"/>
+          </a:effectRef>
+          <a:fontRef idx="minor">
+            <a:schemeClr val="tx1"/>
+          </a:fontRef>
+        </p:style>
+      </p:cxnSp>
+      <p:sp>
+        <p:nvSpPr>
+          <p:cNvPr id="18" name="직사각형 17">
+            <a:extLst>
+              <a:ext uri="{FF2B5EF4-FFF2-40B4-BE49-F238E27FC236}">
+                <a16:creationId xmlns:a16="http://schemas.microsoft.com/office/drawing/2014/main" id="{D45F5139-377D-93DB-70A1-CA45360E54FC}"/>
+              </a:ext>
+            </a:extLst>
+          </p:cNvPr>
+          <p:cNvSpPr/>
+          <p:nvPr/>
+        </p:nvSpPr>
+        <p:spPr>
+          <a:xfrm>
+            <a:off x="7226344" y="5007083"/>
+            <a:ext cx="804912" cy="482277"/>
+          </a:xfrm>
+          <a:prstGeom prst="rect">
+            <a:avLst/>
+          </a:prstGeom>
+          <a:solidFill>
+            <a:srgbClr val="FFFF00"/>
+          </a:solidFill>
+        </p:spPr>
+        <p:style>
+          <a:lnRef idx="2">
+            <a:schemeClr val="accent1">
+              <a:shade val="15000"/>
+            </a:schemeClr>
+          </a:lnRef>
+          <a:fillRef idx="1">
+            <a:schemeClr val="accent1"/>
+          </a:fillRef>
+          <a:effectRef idx="0">
+            <a:schemeClr val="accent1"/>
+          </a:effectRef>
+          <a:fontRef idx="minor">
+            <a:schemeClr val="lt1"/>
+          </a:fontRef>
+        </p:style>
+        <p:txBody>
+          <a:bodyPr rtlCol="0" anchor="ctr"/>
+          <a:lstStyle/>
+          <a:p>
+            <a:pPr algn="ctr"/>
+            <a:r>
+              <a:rPr kumimoji="1" lang="en-US" altLang="ko-Kore-KR" sz="1600" dirty="0">
+                <a:solidFill>
+                  <a:srgbClr val="FF0000"/>
+                </a:solidFill>
+                <a:latin typeface="DM Mono" panose="020B0509040201040103" pitchFamily="49" charset="0"/>
+              </a:rPr>
+              <a:t>0x100</a:t>
+            </a:r>
+            <a:endParaRPr kumimoji="1" lang="ko-Kore-KR" altLang="en-US" sz="1600" dirty="0">
+              <a:solidFill>
+                <a:srgbClr val="FF0000"/>
+              </a:solidFill>
+              <a:latin typeface="DM Mono" panose="020B0509040201040103" pitchFamily="49" charset="0"/>
+            </a:endParaRPr>
+          </a:p>
+        </p:txBody>
+      </p:sp>
+      <p:sp>
+        <p:nvSpPr>
+          <p:cNvPr id="19" name="TextBox 18">
+            <a:extLst>
+              <a:ext uri="{FF2B5EF4-FFF2-40B4-BE49-F238E27FC236}">
+                <a16:creationId xmlns:a16="http://schemas.microsoft.com/office/drawing/2014/main" id="{3A1184AF-074A-7E81-9795-2F23F2631735}"/>
+              </a:ext>
+            </a:extLst>
+          </p:cNvPr>
+          <p:cNvSpPr txBox="1"/>
+          <p:nvPr/>
+        </p:nvSpPr>
+        <p:spPr>
+          <a:xfrm>
+            <a:off x="6433845" y="5063555"/>
+            <a:ext cx="792499" cy="369332"/>
+          </a:xfrm>
+          <a:prstGeom prst="rect">
+            <a:avLst/>
+          </a:prstGeom>
+          <a:noFill/>
+        </p:spPr>
+        <p:txBody>
+          <a:bodyPr wrap="square">
+            <a:spAutoFit/>
+          </a:bodyPr>
+          <a:lstStyle/>
+          <a:p>
+            <a:pPr algn="r"/>
+            <a:r>
+              <a:rPr lang="en-US" altLang="ko-Kore-KR" dirty="0">
+                <a:latin typeface="DM Mono" panose="020B0509040201040103" pitchFamily="49" charset="0"/>
+              </a:rPr>
+              <a:t>name</a:t>
+            </a:r>
+            <a:endParaRPr lang="ko-Kore-KR" altLang="en-US" dirty="0"/>
+          </a:p>
+        </p:txBody>
+      </p:sp>
+      <p:sp>
+        <p:nvSpPr>
+          <p:cNvPr id="25" name="직사각형 24">
+            <a:extLst>
+              <a:ext uri="{FF2B5EF4-FFF2-40B4-BE49-F238E27FC236}">
+                <a16:creationId xmlns:a16="http://schemas.microsoft.com/office/drawing/2014/main" id="{C28B2999-BD67-DCBE-799E-BAA5211A0294}"/>
+              </a:ext>
+            </a:extLst>
+          </p:cNvPr>
+          <p:cNvSpPr/>
+          <p:nvPr/>
+        </p:nvSpPr>
+        <p:spPr>
+          <a:xfrm>
+            <a:off x="7226344" y="5489359"/>
+            <a:ext cx="804912" cy="482277"/>
+          </a:xfrm>
+          <a:prstGeom prst="rect">
+            <a:avLst/>
+          </a:prstGeom>
+          <a:solidFill>
+            <a:srgbClr val="FFFF00"/>
+          </a:solidFill>
+        </p:spPr>
+        <p:style>
+          <a:lnRef idx="2">
+            <a:schemeClr val="accent1">
+              <a:shade val="15000"/>
+            </a:schemeClr>
+          </a:lnRef>
+          <a:fillRef idx="1">
+            <a:schemeClr val="accent1"/>
+          </a:fillRef>
+          <a:effectRef idx="0">
+            <a:schemeClr val="accent1"/>
+          </a:effectRef>
+          <a:fontRef idx="minor">
+            <a:schemeClr val="lt1"/>
+          </a:fontRef>
+        </p:style>
+        <p:txBody>
+          <a:bodyPr rtlCol="0" anchor="ctr"/>
+          <a:lstStyle/>
+          <a:p>
+            <a:pPr algn="ctr"/>
+            <a:r>
+              <a:rPr kumimoji="1" lang="en-US" altLang="ko-Kore-KR" sz="1600" dirty="0">
+                <a:solidFill>
+                  <a:srgbClr val="FF0000"/>
+                </a:solidFill>
+                <a:latin typeface="DM Mono" panose="020B0509040201040103" pitchFamily="49" charset="0"/>
+              </a:rPr>
+              <a:t>42</a:t>
+            </a:r>
+            <a:endParaRPr kumimoji="1" lang="ko-Kore-KR" altLang="en-US" sz="1600" dirty="0">
+              <a:solidFill>
+                <a:srgbClr val="FF0000"/>
+              </a:solidFill>
+              <a:latin typeface="DM Mono" panose="020B0509040201040103" pitchFamily="49" charset="0"/>
+            </a:endParaRPr>
+          </a:p>
+        </p:txBody>
+      </p:sp>
+      <p:sp>
+        <p:nvSpPr>
+          <p:cNvPr id="26" name="TextBox 25">
+            <a:extLst>
+              <a:ext uri="{FF2B5EF4-FFF2-40B4-BE49-F238E27FC236}">
+                <a16:creationId xmlns:a16="http://schemas.microsoft.com/office/drawing/2014/main" id="{6D7AD5F1-DA5E-31B7-6E96-85155B8EE50E}"/>
+              </a:ext>
+            </a:extLst>
+          </p:cNvPr>
+          <p:cNvSpPr txBox="1"/>
+          <p:nvPr/>
+        </p:nvSpPr>
+        <p:spPr>
+          <a:xfrm>
+            <a:off x="6502857" y="5545831"/>
+            <a:ext cx="723487" cy="369332"/>
+          </a:xfrm>
+          <a:prstGeom prst="rect">
+            <a:avLst/>
+          </a:prstGeom>
+          <a:noFill/>
+        </p:spPr>
+        <p:txBody>
+          <a:bodyPr wrap="square">
+            <a:spAutoFit/>
+          </a:bodyPr>
+          <a:lstStyle/>
+          <a:p>
+            <a:pPr algn="r"/>
+            <a:r>
+              <a:rPr lang="en-US" altLang="ko-Kore-KR" dirty="0">
+                <a:latin typeface="DM Mono" panose="020B0509040201040103" pitchFamily="49" charset="0"/>
+              </a:rPr>
+              <a:t>age</a:t>
+            </a:r>
+            <a:endParaRPr lang="ko-Kore-KR" altLang="en-US" dirty="0"/>
+          </a:p>
+        </p:txBody>
+      </p:sp>
+      <p:sp>
+        <p:nvSpPr>
+          <p:cNvPr id="27" name="TextBox 26">
+            <a:extLst>
+              <a:ext uri="{FF2B5EF4-FFF2-40B4-BE49-F238E27FC236}">
+                <a16:creationId xmlns:a16="http://schemas.microsoft.com/office/drawing/2014/main" id="{21750B01-09EF-E1CA-5FE2-0FAE29466EA4}"/>
+              </a:ext>
+            </a:extLst>
+          </p:cNvPr>
+          <p:cNvSpPr txBox="1"/>
+          <p:nvPr/>
+        </p:nvSpPr>
+        <p:spPr>
+          <a:xfrm>
+            <a:off x="7057493" y="4637750"/>
+            <a:ext cx="1052946" cy="369332"/>
+          </a:xfrm>
+          <a:prstGeom prst="rect">
+            <a:avLst/>
+          </a:prstGeom>
+          <a:noFill/>
+        </p:spPr>
+        <p:txBody>
+          <a:bodyPr wrap="square">
+            <a:spAutoFit/>
+          </a:bodyPr>
+          <a:lstStyle/>
+          <a:p>
+            <a:pPr algn="ctr"/>
+            <a:r>
+              <a:rPr lang="en-US" altLang="ko-Kore-KR" dirty="0">
+                <a:latin typeface="DM Mono" panose="020B0509040201040103" pitchFamily="49" charset="0"/>
+              </a:rPr>
+              <a:t>other</a:t>
+            </a:r>
+            <a:endParaRPr lang="ko-Kore-KR" altLang="en-US" dirty="0"/>
+          </a:p>
+        </p:txBody>
+      </p:sp>
+      <p:sp>
+        <p:nvSpPr>
+          <p:cNvPr id="28" name="직사각형 27">
+            <a:extLst>
+              <a:ext uri="{FF2B5EF4-FFF2-40B4-BE49-F238E27FC236}">
+                <a16:creationId xmlns:a16="http://schemas.microsoft.com/office/drawing/2014/main" id="{D0349845-30CD-D2D6-C451-8C82F3ACF009}"/>
+              </a:ext>
+            </a:extLst>
+          </p:cNvPr>
+          <p:cNvSpPr/>
+          <p:nvPr/>
+        </p:nvSpPr>
+        <p:spPr>
+          <a:xfrm>
+            <a:off x="7222182" y="5949734"/>
+            <a:ext cx="804912" cy="482277"/>
+          </a:xfrm>
+          <a:prstGeom prst="rect">
+            <a:avLst/>
+          </a:prstGeom>
+          <a:solidFill>
+            <a:srgbClr val="FFFF00"/>
+          </a:solidFill>
+        </p:spPr>
+        <p:style>
+          <a:lnRef idx="2">
+            <a:schemeClr val="accent1">
+              <a:shade val="15000"/>
+            </a:schemeClr>
+          </a:lnRef>
+          <a:fillRef idx="1">
+            <a:schemeClr val="accent1"/>
+          </a:fillRef>
+          <a:effectRef idx="0">
+            <a:schemeClr val="accent1"/>
+          </a:effectRef>
+          <a:fontRef idx="minor">
+            <a:schemeClr val="lt1"/>
+          </a:fontRef>
+        </p:style>
+        <p:txBody>
+          <a:bodyPr rtlCol="0" anchor="ctr"/>
+          <a:lstStyle/>
+          <a:p>
+            <a:pPr algn="ctr"/>
+            <a:endParaRPr kumimoji="1" lang="ko-Kore-KR" altLang="en-US" sz="1600" dirty="0">
+              <a:solidFill>
+                <a:srgbClr val="FF0000"/>
+              </a:solidFill>
+              <a:latin typeface="DM Mono" panose="020B0509040201040103" pitchFamily="49" charset="0"/>
+            </a:endParaRPr>
+          </a:p>
+        </p:txBody>
+      </p:sp>
+      <p:sp>
+        <p:nvSpPr>
+          <p:cNvPr id="29" name="TextBox 28">
+            <a:extLst>
+              <a:ext uri="{FF2B5EF4-FFF2-40B4-BE49-F238E27FC236}">
+                <a16:creationId xmlns:a16="http://schemas.microsoft.com/office/drawing/2014/main" id="{B9464F26-11C2-487D-729A-148206FA29FF}"/>
+              </a:ext>
+            </a:extLst>
+          </p:cNvPr>
+          <p:cNvSpPr txBox="1"/>
+          <p:nvPr/>
+        </p:nvSpPr>
+        <p:spPr>
+          <a:xfrm>
+            <a:off x="6507931" y="6006206"/>
+            <a:ext cx="723487" cy="369332"/>
+          </a:xfrm>
+          <a:prstGeom prst="rect">
+            <a:avLst/>
+          </a:prstGeom>
+          <a:noFill/>
+        </p:spPr>
+        <p:txBody>
+          <a:bodyPr wrap="square">
+            <a:spAutoFit/>
+          </a:bodyPr>
+          <a:lstStyle/>
+          <a:p>
+            <a:pPr algn="r"/>
+            <a:r>
+              <a:rPr lang="en-US" altLang="ko-Kore-KR" dirty="0">
+                <a:latin typeface="DM Mono" panose="020B0509040201040103" pitchFamily="49" charset="0"/>
+              </a:rPr>
+              <a:t>ref</a:t>
+            </a:r>
+            <a:endParaRPr lang="ko-Kore-KR" altLang="en-US" dirty="0"/>
+          </a:p>
+        </p:txBody>
+      </p:sp>
+      <p:cxnSp>
+        <p:nvCxnSpPr>
+          <p:cNvPr id="30" name="구부러진 연결선[U] 29">
+            <a:extLst>
+              <a:ext uri="{FF2B5EF4-FFF2-40B4-BE49-F238E27FC236}">
+                <a16:creationId xmlns:a16="http://schemas.microsoft.com/office/drawing/2014/main" id="{CDF81A2F-EEBB-6E8D-A447-81CDDE987321}"/>
+              </a:ext>
+            </a:extLst>
+          </p:cNvPr>
+          <p:cNvCxnSpPr>
+            <a:cxnSpLocks/>
+            <a:stCxn id="18" idx="3"/>
+            <a:endCxn id="9" idx="1"/>
+          </p:cNvCxnSpPr>
+          <p:nvPr/>
+        </p:nvCxnSpPr>
+        <p:spPr>
+          <a:xfrm flipV="1">
+            <a:off x="8031256" y="1477452"/>
+            <a:ext cx="2236226" cy="3770770"/>
+          </a:xfrm>
+          <a:prstGeom prst="curvedConnector3">
+            <a:avLst>
+              <a:gd name="adj1" fmla="val 50000"/>
+            </a:avLst>
+          </a:prstGeom>
+          <a:ln w="12700">
+            <a:tailEnd type="triangle"/>
+          </a:ln>
+        </p:spPr>
+        <p:style>
+          <a:lnRef idx="1">
+            <a:schemeClr val="dk1"/>
+          </a:lnRef>
+          <a:fillRef idx="0">
+            <a:schemeClr val="dk1"/>
+          </a:fillRef>
+          <a:effectRef idx="0">
+            <a:schemeClr val="dk1"/>
+          </a:effectRef>
+          <a:fontRef idx="minor">
+            <a:schemeClr val="tx1"/>
+          </a:fontRef>
+        </p:style>
+      </p:cxnSp>
+      <p:cxnSp>
+        <p:nvCxnSpPr>
+          <p:cNvPr id="33" name="구부러진 연결선[U] 32">
+            <a:extLst>
+              <a:ext uri="{FF2B5EF4-FFF2-40B4-BE49-F238E27FC236}">
+                <a16:creationId xmlns:a16="http://schemas.microsoft.com/office/drawing/2014/main" id="{F683FD88-6B0B-2C57-501A-BB88658C5425}"/>
+              </a:ext>
+            </a:extLst>
+          </p:cNvPr>
+          <p:cNvCxnSpPr>
+            <a:cxnSpLocks/>
+            <a:stCxn id="28" idx="3"/>
+            <a:endCxn id="22" idx="1"/>
+          </p:cNvCxnSpPr>
+          <p:nvPr/>
+        </p:nvCxnSpPr>
+        <p:spPr>
+          <a:xfrm flipV="1">
+            <a:off x="8027094" y="2570198"/>
+            <a:ext cx="2287162" cy="3620675"/>
+          </a:xfrm>
+          <a:prstGeom prst="curvedConnector3">
+            <a:avLst>
+              <a:gd name="adj1" fmla="val 50000"/>
+            </a:avLst>
+          </a:prstGeom>
+          <a:ln w="12700">
+            <a:tailEnd type="triangle"/>
+          </a:ln>
+        </p:spPr>
+        <p:style>
+          <a:lnRef idx="1">
+            <a:schemeClr val="dk1"/>
+          </a:lnRef>
+          <a:fillRef idx="0">
+            <a:schemeClr val="dk1"/>
+          </a:fillRef>
+          <a:effectRef idx="0">
+            <a:schemeClr val="dk1"/>
+          </a:effectRef>
+          <a:fontRef idx="minor">
+            <a:schemeClr val="tx1"/>
+          </a:fontRef>
+        </p:style>
+      </p:cxnSp>
+      <p:sp>
+        <p:nvSpPr>
+          <p:cNvPr id="44" name="TextBox 43">
+            <a:extLst>
+              <a:ext uri="{FF2B5EF4-FFF2-40B4-BE49-F238E27FC236}">
+                <a16:creationId xmlns:a16="http://schemas.microsoft.com/office/drawing/2014/main" id="{6D9FCB70-2B90-1791-B0B8-46277FED13DF}"/>
+              </a:ext>
+            </a:extLst>
+          </p:cNvPr>
+          <p:cNvSpPr txBox="1"/>
+          <p:nvPr/>
+        </p:nvSpPr>
+        <p:spPr>
+          <a:xfrm>
+            <a:off x="379366" y="545852"/>
+            <a:ext cx="6096000" cy="2031325"/>
+          </a:xfrm>
+          <a:prstGeom prst="rect">
+            <a:avLst/>
+          </a:prstGeom>
+          <a:noFill/>
+        </p:spPr>
+        <p:txBody>
+          <a:bodyPr wrap="square">
+            <a:spAutoFit/>
+          </a:bodyPr>
+          <a:lstStyle/>
+          <a:p>
+            <a:r>
+              <a:rPr lang="ko-Kore-KR" altLang="en-US" dirty="0">
+                <a:latin typeface="DM Mono" panose="020B0509040201040103" pitchFamily="49" charset="0"/>
+              </a:rPr>
+              <a:t> </a:t>
+            </a:r>
+            <a:r>
+              <a:rPr lang="en-US" altLang="ko-Kore-KR" dirty="0">
+                <a:latin typeface="DM Mono" panose="020B0509040201040103" pitchFamily="49" charset="0"/>
+              </a:rPr>
+              <a:t>   </a:t>
+            </a:r>
+            <a:r>
+              <a:rPr lang="ko-Kore-KR" altLang="en-US" dirty="0">
+                <a:latin typeface="DM Mono" panose="020B0509040201040103" pitchFamily="49" charset="0"/>
+              </a:rPr>
+              <a:t>User(const User&amp; rhs)</a:t>
+            </a:r>
+          </a:p>
+          <a:p>
+            <a:r>
+              <a:rPr lang="ko-Kore-KR" altLang="en-US" dirty="0">
+                <a:latin typeface="DM Mono" panose="020B0509040201040103" pitchFamily="49" charset="0"/>
+              </a:rPr>
+              <a:t>        : name { rhs.name }</a:t>
+            </a:r>
+          </a:p>
+          <a:p>
+            <a:r>
+              <a:rPr lang="ko-Kore-KR" altLang="en-US" dirty="0">
+                <a:latin typeface="DM Mono" panose="020B0509040201040103" pitchFamily="49" charset="0"/>
+              </a:rPr>
+              <a:t>        , age { rhs.age }</a:t>
+            </a:r>
+          </a:p>
+          <a:p>
+            <a:r>
+              <a:rPr lang="ko-Kore-KR" altLang="en-US" dirty="0">
+                <a:latin typeface="DM Mono" panose="020B0509040201040103" pitchFamily="49" charset="0"/>
+              </a:rPr>
+              <a:t>        , ref { rhs.ref }</a:t>
+            </a:r>
+          </a:p>
+          <a:p>
+            <a:r>
+              <a:rPr lang="ko-Kore-KR" altLang="en-US" dirty="0">
+                <a:latin typeface="DM Mono" panose="020B0509040201040103" pitchFamily="49" charset="0"/>
+              </a:rPr>
+              <a:t>    {</a:t>
+            </a:r>
+          </a:p>
+          <a:p>
+            <a:r>
+              <a:rPr lang="ko-Kore-KR" altLang="en-US" dirty="0">
+                <a:solidFill>
+                  <a:srgbClr val="FF0000"/>
+                </a:solidFill>
+                <a:latin typeface="DM Mono" panose="020B0509040201040103" pitchFamily="49" charset="0"/>
+              </a:rPr>
+              <a:t>        ++(*ref);</a:t>
+            </a:r>
+          </a:p>
+          <a:p>
+            <a:r>
+              <a:rPr lang="ko-Kore-KR" altLang="en-US" dirty="0">
+                <a:latin typeface="DM Mono" panose="020B0509040201040103" pitchFamily="49" charset="0"/>
+              </a:rPr>
+              <a:t>    }</a:t>
+            </a:r>
+          </a:p>
+        </p:txBody>
+      </p:sp>
+    </p:spTree>
+    <p:extLst>
+      <p:ext uri="{BB962C8B-B14F-4D97-AF65-F5344CB8AC3E}">
+        <p14:creationId xmlns:p14="http://schemas.microsoft.com/office/powerpoint/2010/main" val="471362152"/>
+      </p:ext>
+    </p:extLst>
+  </p:cSld>
+  <p:clrMapOvr>
+    <a:masterClrMapping/>
+  </p:clrMapOvr>
+</p:sld>
+</file>
+
+<file path=ppt/slides/slide26.xml><?xml version="1.0" encoding="utf-8"?>
+<p:sld xmlns:a="http://schemas.openxmlformats.org/drawingml/2006/main" xmlns:r="http://schemas.openxmlformats.org/officeDocument/2006/relationships" xmlns:p="http://schemas.openxmlformats.org/presentationml/2006/main">
+  <p:cSld>
+    <p:spTree>
+      <p:nvGrpSpPr>
+        <p:cNvPr id="1" name=""/>
+        <p:cNvGrpSpPr/>
+        <p:nvPr/>
+      </p:nvGrpSpPr>
+      <p:grpSpPr>
+        <a:xfrm>
+          <a:off x="0" y="0"/>
+          <a:ext cx="0" cy="0"/>
+          <a:chOff x="0" y="0"/>
+          <a:chExt cx="0" cy="0"/>
+        </a:xfrm>
+      </p:grpSpPr>
+      <p:sp>
+        <p:nvSpPr>
+          <p:cNvPr id="4" name="직사각형 3">
+            <a:extLst>
+              <a:ext uri="{FF2B5EF4-FFF2-40B4-BE49-F238E27FC236}">
+                <a16:creationId xmlns:a16="http://schemas.microsoft.com/office/drawing/2014/main" id="{371E8C1A-DB2C-1E2D-2C20-2C5F82F71FCA}"/>
+              </a:ext>
+            </a:extLst>
+          </p:cNvPr>
+          <p:cNvSpPr/>
+          <p:nvPr/>
+        </p:nvSpPr>
+        <p:spPr>
+          <a:xfrm>
+            <a:off x="7119670" y="915185"/>
+            <a:ext cx="804912" cy="482277"/>
+          </a:xfrm>
+          <a:prstGeom prst="rect">
+            <a:avLst/>
+          </a:prstGeom>
+          <a:solidFill>
+            <a:srgbClr val="FFFF00"/>
+          </a:solidFill>
+        </p:spPr>
+        <p:style>
+          <a:lnRef idx="2">
+            <a:schemeClr val="accent1">
+              <a:shade val="15000"/>
+            </a:schemeClr>
+          </a:lnRef>
+          <a:fillRef idx="1">
+            <a:schemeClr val="accent1"/>
+          </a:fillRef>
+          <a:effectRef idx="0">
+            <a:schemeClr val="accent1"/>
+          </a:effectRef>
+          <a:fontRef idx="minor">
+            <a:schemeClr val="lt1"/>
+          </a:fontRef>
+        </p:style>
+        <p:txBody>
+          <a:bodyPr rtlCol="0" anchor="ctr"/>
+          <a:lstStyle/>
+          <a:p>
+            <a:pPr algn="ctr"/>
+            <a:r>
+              <a:rPr kumimoji="1" lang="en-US" altLang="ko-Kore-KR" sz="1600" dirty="0">
+                <a:solidFill>
+                  <a:schemeClr val="tx1"/>
+                </a:solidFill>
+                <a:latin typeface="DM Mono" panose="020B0509040201040103" pitchFamily="49" charset="0"/>
+              </a:rPr>
+              <a:t>0x100</a:t>
+            </a:r>
+            <a:endParaRPr kumimoji="1" lang="ko-Kore-KR" altLang="en-US" sz="1600" dirty="0">
+              <a:solidFill>
+                <a:schemeClr val="tx1"/>
+              </a:solidFill>
+              <a:latin typeface="DM Mono" panose="020B0509040201040103" pitchFamily="49" charset="0"/>
+            </a:endParaRPr>
+          </a:p>
+        </p:txBody>
+      </p:sp>
+      <p:sp>
+        <p:nvSpPr>
+          <p:cNvPr id="5" name="TextBox 4">
+            <a:extLst>
+              <a:ext uri="{FF2B5EF4-FFF2-40B4-BE49-F238E27FC236}">
+                <a16:creationId xmlns:a16="http://schemas.microsoft.com/office/drawing/2014/main" id="{93DB06CF-9A86-DB9B-1A48-9A74E07AB7ED}"/>
+              </a:ext>
+            </a:extLst>
+          </p:cNvPr>
+          <p:cNvSpPr txBox="1"/>
+          <p:nvPr/>
+        </p:nvSpPr>
+        <p:spPr>
+          <a:xfrm>
+            <a:off x="6327171" y="971657"/>
+            <a:ext cx="792499" cy="369332"/>
+          </a:xfrm>
+          <a:prstGeom prst="rect">
+            <a:avLst/>
+          </a:prstGeom>
+          <a:noFill/>
+        </p:spPr>
+        <p:txBody>
+          <a:bodyPr wrap="square">
+            <a:spAutoFit/>
+          </a:bodyPr>
+          <a:lstStyle/>
+          <a:p>
+            <a:pPr algn="r"/>
+            <a:r>
+              <a:rPr lang="en-US" altLang="ko-Kore-KR" dirty="0">
+                <a:latin typeface="DM Mono" panose="020B0509040201040103" pitchFamily="49" charset="0"/>
+              </a:rPr>
+              <a:t>name</a:t>
+            </a:r>
+            <a:endParaRPr lang="ko-Kore-KR" altLang="en-US" dirty="0"/>
+          </a:p>
+        </p:txBody>
+      </p:sp>
+      <p:sp>
+        <p:nvSpPr>
+          <p:cNvPr id="6" name="직사각형 5">
+            <a:extLst>
+              <a:ext uri="{FF2B5EF4-FFF2-40B4-BE49-F238E27FC236}">
+                <a16:creationId xmlns:a16="http://schemas.microsoft.com/office/drawing/2014/main" id="{EF845C24-5BCC-702C-2576-D6AB1A2C28E6}"/>
+              </a:ext>
+            </a:extLst>
+          </p:cNvPr>
+          <p:cNvSpPr/>
+          <p:nvPr/>
+        </p:nvSpPr>
+        <p:spPr>
+          <a:xfrm>
+            <a:off x="7119670" y="1397461"/>
+            <a:ext cx="804912" cy="482277"/>
+          </a:xfrm>
+          <a:prstGeom prst="rect">
+            <a:avLst/>
+          </a:prstGeom>
+          <a:solidFill>
+            <a:srgbClr val="FFFF00"/>
+          </a:solidFill>
+        </p:spPr>
+        <p:style>
+          <a:lnRef idx="2">
+            <a:schemeClr val="accent1">
+              <a:shade val="15000"/>
+            </a:schemeClr>
+          </a:lnRef>
+          <a:fillRef idx="1">
+            <a:schemeClr val="accent1"/>
+          </a:fillRef>
+          <a:effectRef idx="0">
+            <a:schemeClr val="accent1"/>
+          </a:effectRef>
+          <a:fontRef idx="minor">
+            <a:schemeClr val="lt1"/>
+          </a:fontRef>
+        </p:style>
+        <p:txBody>
+          <a:bodyPr rtlCol="0" anchor="ctr"/>
+          <a:lstStyle/>
+          <a:p>
+            <a:pPr algn="ctr"/>
+            <a:r>
+              <a:rPr kumimoji="1" lang="en-US" altLang="ko-Kore-KR" sz="1600" dirty="0">
+                <a:solidFill>
+                  <a:schemeClr val="tx1"/>
+                </a:solidFill>
+                <a:latin typeface="DM Mono" panose="020B0509040201040103" pitchFamily="49" charset="0"/>
+              </a:rPr>
+              <a:t>42</a:t>
+            </a:r>
+            <a:endParaRPr kumimoji="1" lang="ko-Kore-KR" altLang="en-US" sz="1600" dirty="0">
+              <a:solidFill>
+                <a:schemeClr val="tx1"/>
+              </a:solidFill>
+              <a:latin typeface="DM Mono" panose="020B0509040201040103" pitchFamily="49" charset="0"/>
+            </a:endParaRPr>
+          </a:p>
+        </p:txBody>
+      </p:sp>
+      <p:sp>
+        <p:nvSpPr>
+          <p:cNvPr id="7" name="TextBox 6">
+            <a:extLst>
+              <a:ext uri="{FF2B5EF4-FFF2-40B4-BE49-F238E27FC236}">
+                <a16:creationId xmlns:a16="http://schemas.microsoft.com/office/drawing/2014/main" id="{9FDDA326-0ED3-D508-02F7-706D12ADA8F0}"/>
+              </a:ext>
+            </a:extLst>
+          </p:cNvPr>
+          <p:cNvSpPr txBox="1"/>
+          <p:nvPr/>
+        </p:nvSpPr>
+        <p:spPr>
+          <a:xfrm>
+            <a:off x="6396183" y="1453933"/>
+            <a:ext cx="723487" cy="369332"/>
+          </a:xfrm>
+          <a:prstGeom prst="rect">
+            <a:avLst/>
+          </a:prstGeom>
+          <a:noFill/>
+        </p:spPr>
+        <p:txBody>
+          <a:bodyPr wrap="square">
+            <a:spAutoFit/>
+          </a:bodyPr>
+          <a:lstStyle/>
+          <a:p>
+            <a:pPr algn="r"/>
+            <a:r>
+              <a:rPr lang="en-US" altLang="ko-Kore-KR" dirty="0">
+                <a:latin typeface="DM Mono" panose="020B0509040201040103" pitchFamily="49" charset="0"/>
+              </a:rPr>
+              <a:t>age</a:t>
+            </a:r>
+            <a:endParaRPr lang="ko-Kore-KR" altLang="en-US" dirty="0"/>
+          </a:p>
+        </p:txBody>
+      </p:sp>
+      <p:sp>
+        <p:nvSpPr>
+          <p:cNvPr id="8" name="TextBox 7">
+            <a:extLst>
+              <a:ext uri="{FF2B5EF4-FFF2-40B4-BE49-F238E27FC236}">
+                <a16:creationId xmlns:a16="http://schemas.microsoft.com/office/drawing/2014/main" id="{29FD4298-8ED9-0A30-EF66-1F5F478DA0E6}"/>
+              </a:ext>
+            </a:extLst>
+          </p:cNvPr>
+          <p:cNvSpPr txBox="1"/>
+          <p:nvPr/>
+        </p:nvSpPr>
+        <p:spPr>
+          <a:xfrm>
+            <a:off x="6950819" y="545852"/>
+            <a:ext cx="1052946" cy="369332"/>
+          </a:xfrm>
+          <a:prstGeom prst="rect">
+            <a:avLst/>
+          </a:prstGeom>
+          <a:noFill/>
+        </p:spPr>
+        <p:txBody>
+          <a:bodyPr wrap="square">
+            <a:spAutoFit/>
+          </a:bodyPr>
+          <a:lstStyle/>
+          <a:p>
+            <a:pPr algn="ctr"/>
+            <a:r>
+              <a:rPr lang="en-US" altLang="ko-Kore-KR" dirty="0">
+                <a:latin typeface="DM Mono" panose="020B0509040201040103" pitchFamily="49" charset="0"/>
+              </a:rPr>
+              <a:t>user</a:t>
+            </a:r>
+            <a:endParaRPr lang="ko-Kore-KR" altLang="en-US" dirty="0"/>
+          </a:p>
+        </p:txBody>
+      </p:sp>
+      <p:sp>
+        <p:nvSpPr>
+          <p:cNvPr id="9" name="직사각형 8">
+            <a:extLst>
+              <a:ext uri="{FF2B5EF4-FFF2-40B4-BE49-F238E27FC236}">
+                <a16:creationId xmlns:a16="http://schemas.microsoft.com/office/drawing/2014/main" id="{A386C38F-0F2E-7FB4-2C45-DE7A915F25D4}"/>
+              </a:ext>
+            </a:extLst>
+          </p:cNvPr>
+          <p:cNvSpPr/>
+          <p:nvPr/>
+        </p:nvSpPr>
+        <p:spPr>
+          <a:xfrm>
+            <a:off x="10267482" y="1236313"/>
+            <a:ext cx="1320057" cy="482277"/>
+          </a:xfrm>
+          <a:prstGeom prst="rect">
+            <a:avLst/>
+          </a:prstGeom>
+          <a:solidFill>
+            <a:srgbClr val="FFFF00"/>
+          </a:solidFill>
+        </p:spPr>
+        <p:style>
+          <a:lnRef idx="2">
+            <a:schemeClr val="accent1">
+              <a:shade val="15000"/>
+            </a:schemeClr>
+          </a:lnRef>
+          <a:fillRef idx="1">
+            <a:schemeClr val="accent1"/>
+          </a:fillRef>
+          <a:effectRef idx="0">
+            <a:schemeClr val="accent1"/>
+          </a:effectRef>
+          <a:fontRef idx="minor">
+            <a:schemeClr val="lt1"/>
+          </a:fontRef>
+        </p:style>
+        <p:txBody>
+          <a:bodyPr rtlCol="0" anchor="ctr"/>
+          <a:lstStyle/>
+          <a:p>
+            <a:pPr algn="ctr"/>
+            <a:r>
+              <a:rPr kumimoji="1" lang="en-US" altLang="ko-Kore-KR" sz="1600" dirty="0">
+                <a:solidFill>
+                  <a:schemeClr val="tx1"/>
+                </a:solidFill>
+                <a:latin typeface="DM Mono" panose="020B0509040201040103" pitchFamily="49" charset="0"/>
+              </a:rPr>
+              <a:t>“Tom”</a:t>
+            </a:r>
+            <a:endParaRPr kumimoji="1" lang="ko-Kore-KR" altLang="en-US" sz="1600" dirty="0">
+              <a:solidFill>
+                <a:schemeClr val="tx1"/>
+              </a:solidFill>
+              <a:latin typeface="DM Mono" panose="020B0509040201040103" pitchFamily="49" charset="0"/>
+            </a:endParaRPr>
+          </a:p>
+        </p:txBody>
+      </p:sp>
+      <p:cxnSp>
+        <p:nvCxnSpPr>
+          <p:cNvPr id="10" name="구부러진 연결선[U] 9">
+            <a:extLst>
+              <a:ext uri="{FF2B5EF4-FFF2-40B4-BE49-F238E27FC236}">
+                <a16:creationId xmlns:a16="http://schemas.microsoft.com/office/drawing/2014/main" id="{8EC5FFE6-2255-C13F-707E-49689FB3BDF5}"/>
+              </a:ext>
+            </a:extLst>
+          </p:cNvPr>
+          <p:cNvCxnSpPr>
+            <a:cxnSpLocks/>
+            <a:stCxn id="4" idx="3"/>
+            <a:endCxn id="9" idx="1"/>
+          </p:cNvCxnSpPr>
+          <p:nvPr/>
+        </p:nvCxnSpPr>
+        <p:spPr>
+          <a:xfrm>
+            <a:off x="7924582" y="1156324"/>
+            <a:ext cx="2342900" cy="321128"/>
+          </a:xfrm>
+          <a:prstGeom prst="curvedConnector3">
+            <a:avLst/>
+          </a:prstGeom>
+          <a:ln w="12700">
+            <a:tailEnd type="triangle"/>
+          </a:ln>
+        </p:spPr>
+        <p:style>
+          <a:lnRef idx="1">
+            <a:schemeClr val="dk1"/>
+          </a:lnRef>
+          <a:fillRef idx="0">
+            <a:schemeClr val="dk1"/>
+          </a:fillRef>
+          <a:effectRef idx="0">
+            <a:schemeClr val="dk1"/>
+          </a:effectRef>
+          <a:fontRef idx="minor">
+            <a:schemeClr val="tx1"/>
+          </a:fontRef>
+        </p:style>
+      </p:cxnSp>
+      <p:sp>
+        <p:nvSpPr>
+          <p:cNvPr id="11" name="TextBox 10">
+            <a:extLst>
+              <a:ext uri="{FF2B5EF4-FFF2-40B4-BE49-F238E27FC236}">
+                <a16:creationId xmlns:a16="http://schemas.microsoft.com/office/drawing/2014/main" id="{BEBFA68C-CB5C-BECA-5C2C-93B44F9E95F6}"/>
+              </a:ext>
+            </a:extLst>
+          </p:cNvPr>
+          <p:cNvSpPr txBox="1"/>
+          <p:nvPr/>
+        </p:nvSpPr>
+        <p:spPr>
+          <a:xfrm>
+            <a:off x="9689730" y="943677"/>
+            <a:ext cx="974002" cy="307777"/>
+          </a:xfrm>
+          <a:prstGeom prst="rect">
+            <a:avLst/>
+          </a:prstGeom>
+          <a:noFill/>
+        </p:spPr>
+        <p:txBody>
+          <a:bodyPr wrap="square">
+            <a:spAutoFit/>
+          </a:bodyPr>
+          <a:lstStyle/>
+          <a:p>
+            <a:pPr algn="ctr"/>
+            <a:r>
+              <a:rPr lang="en-US" altLang="ko-Kore-KR" sz="1400" dirty="0">
+                <a:latin typeface="DM Mono" panose="020B0509040201040103" pitchFamily="49" charset="0"/>
+              </a:rPr>
+              <a:t>0x100</a:t>
+            </a:r>
+            <a:endParaRPr lang="ko-Kore-KR" altLang="en-US" sz="1400" dirty="0"/>
+          </a:p>
+        </p:txBody>
+      </p:sp>
+      <p:sp>
+        <p:nvSpPr>
+          <p:cNvPr id="20" name="직사각형 19">
+            <a:extLst>
+              <a:ext uri="{FF2B5EF4-FFF2-40B4-BE49-F238E27FC236}">
+                <a16:creationId xmlns:a16="http://schemas.microsoft.com/office/drawing/2014/main" id="{997FFED2-7C11-B3B7-AF67-EB309155FA97}"/>
+              </a:ext>
+            </a:extLst>
+          </p:cNvPr>
+          <p:cNvSpPr/>
+          <p:nvPr/>
+        </p:nvSpPr>
+        <p:spPr>
+          <a:xfrm>
+            <a:off x="7124744" y="1857836"/>
+            <a:ext cx="804912" cy="482277"/>
+          </a:xfrm>
+          <a:prstGeom prst="rect">
+            <a:avLst/>
+          </a:prstGeom>
+          <a:solidFill>
+            <a:srgbClr val="FFFF00"/>
+          </a:solidFill>
+        </p:spPr>
+        <p:style>
+          <a:lnRef idx="2">
+            <a:schemeClr val="accent1">
+              <a:shade val="15000"/>
+            </a:schemeClr>
+          </a:lnRef>
+          <a:fillRef idx="1">
+            <a:schemeClr val="accent1"/>
+          </a:fillRef>
+          <a:effectRef idx="0">
+            <a:schemeClr val="accent1"/>
+          </a:effectRef>
+          <a:fontRef idx="minor">
+            <a:schemeClr val="lt1"/>
+          </a:fontRef>
+        </p:style>
+        <p:txBody>
+          <a:bodyPr rtlCol="0" anchor="ctr"/>
+          <a:lstStyle/>
+          <a:p>
+            <a:pPr algn="ctr"/>
+            <a:endParaRPr kumimoji="1" lang="ko-Kore-KR" altLang="en-US" sz="1600" dirty="0">
+              <a:solidFill>
+                <a:schemeClr val="tx1"/>
+              </a:solidFill>
+              <a:latin typeface="DM Mono" panose="020B0509040201040103" pitchFamily="49" charset="0"/>
+            </a:endParaRPr>
+          </a:p>
+        </p:txBody>
+      </p:sp>
+      <p:sp>
+        <p:nvSpPr>
+          <p:cNvPr id="21" name="TextBox 20">
+            <a:extLst>
+              <a:ext uri="{FF2B5EF4-FFF2-40B4-BE49-F238E27FC236}">
+                <a16:creationId xmlns:a16="http://schemas.microsoft.com/office/drawing/2014/main" id="{153F2C61-BA50-30F4-DF62-8FE96E00BC32}"/>
+              </a:ext>
+            </a:extLst>
+          </p:cNvPr>
+          <p:cNvSpPr txBox="1"/>
+          <p:nvPr/>
+        </p:nvSpPr>
+        <p:spPr>
+          <a:xfrm>
+            <a:off x="6401257" y="1914308"/>
+            <a:ext cx="723487" cy="369332"/>
+          </a:xfrm>
+          <a:prstGeom prst="rect">
+            <a:avLst/>
+          </a:prstGeom>
+          <a:noFill/>
+        </p:spPr>
+        <p:txBody>
+          <a:bodyPr wrap="square">
+            <a:spAutoFit/>
+          </a:bodyPr>
+          <a:lstStyle/>
+          <a:p>
+            <a:pPr algn="r"/>
+            <a:r>
+              <a:rPr lang="en-US" altLang="ko-Kore-KR" dirty="0">
+                <a:latin typeface="DM Mono" panose="020B0509040201040103" pitchFamily="49" charset="0"/>
+              </a:rPr>
+              <a:t>ref</a:t>
+            </a:r>
+            <a:endParaRPr lang="ko-Kore-KR" altLang="en-US" dirty="0"/>
+          </a:p>
+        </p:txBody>
+      </p:sp>
+      <p:sp>
+        <p:nvSpPr>
+          <p:cNvPr id="22" name="직사각형 21">
+            <a:extLst>
+              <a:ext uri="{FF2B5EF4-FFF2-40B4-BE49-F238E27FC236}">
+                <a16:creationId xmlns:a16="http://schemas.microsoft.com/office/drawing/2014/main" id="{90C3E178-8F40-B2F1-5CF3-7764B3F4317C}"/>
+              </a:ext>
+            </a:extLst>
+          </p:cNvPr>
+          <p:cNvSpPr/>
+          <p:nvPr/>
+        </p:nvSpPr>
+        <p:spPr>
+          <a:xfrm>
+            <a:off x="10314256" y="2329059"/>
+            <a:ext cx="804912" cy="482277"/>
+          </a:xfrm>
+          <a:prstGeom prst="rect">
+            <a:avLst/>
+          </a:prstGeom>
+          <a:solidFill>
+            <a:srgbClr val="FFFF00"/>
+          </a:solidFill>
+        </p:spPr>
+        <p:style>
+          <a:lnRef idx="2">
+            <a:schemeClr val="accent1">
+              <a:shade val="15000"/>
+            </a:schemeClr>
+          </a:lnRef>
+          <a:fillRef idx="1">
+            <a:schemeClr val="accent1"/>
+          </a:fillRef>
+          <a:effectRef idx="0">
+            <a:schemeClr val="accent1"/>
+          </a:effectRef>
+          <a:fontRef idx="minor">
+            <a:schemeClr val="lt1"/>
+          </a:fontRef>
+        </p:style>
+        <p:txBody>
+          <a:bodyPr rtlCol="0" anchor="ctr"/>
+          <a:lstStyle/>
+          <a:p>
+            <a:pPr algn="ctr"/>
+            <a:r>
+              <a:rPr kumimoji="1" lang="en-US" altLang="ko-Kore-KR" sz="1600" dirty="0">
+                <a:solidFill>
+                  <a:srgbClr val="FF0000"/>
+                </a:solidFill>
+                <a:latin typeface="DM Mono" panose="020B0509040201040103" pitchFamily="49" charset="0"/>
+              </a:rPr>
+              <a:t>2</a:t>
+            </a:r>
+            <a:endParaRPr kumimoji="1" lang="ko-Kore-KR" altLang="en-US" sz="1600" dirty="0">
+              <a:solidFill>
+                <a:srgbClr val="FF0000"/>
+              </a:solidFill>
+              <a:latin typeface="DM Mono" panose="020B0509040201040103" pitchFamily="49" charset="0"/>
+            </a:endParaRPr>
+          </a:p>
+        </p:txBody>
+      </p:sp>
+      <p:cxnSp>
+        <p:nvCxnSpPr>
+          <p:cNvPr id="23" name="구부러진 연결선[U] 22">
+            <a:extLst>
+              <a:ext uri="{FF2B5EF4-FFF2-40B4-BE49-F238E27FC236}">
+                <a16:creationId xmlns:a16="http://schemas.microsoft.com/office/drawing/2014/main" id="{C8F01D09-549C-2F0A-95FB-3D90992D4478}"/>
+              </a:ext>
+            </a:extLst>
+          </p:cNvPr>
+          <p:cNvCxnSpPr>
+            <a:cxnSpLocks/>
+            <a:stCxn id="20" idx="3"/>
+            <a:endCxn id="22" idx="1"/>
+          </p:cNvCxnSpPr>
+          <p:nvPr/>
+        </p:nvCxnSpPr>
+        <p:spPr>
+          <a:xfrm>
+            <a:off x="7929656" y="2098975"/>
+            <a:ext cx="2384600" cy="471223"/>
+          </a:xfrm>
+          <a:prstGeom prst="curvedConnector3">
+            <a:avLst/>
+          </a:prstGeom>
+          <a:ln w="12700">
+            <a:tailEnd type="triangle"/>
+          </a:ln>
+        </p:spPr>
+        <p:style>
+          <a:lnRef idx="1">
+            <a:schemeClr val="dk1"/>
+          </a:lnRef>
+          <a:fillRef idx="0">
+            <a:schemeClr val="dk1"/>
+          </a:fillRef>
+          <a:effectRef idx="0">
+            <a:schemeClr val="dk1"/>
+          </a:effectRef>
+          <a:fontRef idx="minor">
+            <a:schemeClr val="tx1"/>
+          </a:fontRef>
+        </p:style>
+      </p:cxnSp>
+      <p:sp>
+        <p:nvSpPr>
+          <p:cNvPr id="2" name="직사각형 1">
+            <a:extLst>
+              <a:ext uri="{FF2B5EF4-FFF2-40B4-BE49-F238E27FC236}">
+                <a16:creationId xmlns:a16="http://schemas.microsoft.com/office/drawing/2014/main" id="{EF0C0639-2EB6-68F0-F451-E8DFC8868E7B}"/>
+              </a:ext>
+            </a:extLst>
+          </p:cNvPr>
+          <p:cNvSpPr/>
+          <p:nvPr/>
+        </p:nvSpPr>
+        <p:spPr>
+          <a:xfrm>
+            <a:off x="7198853" y="2940299"/>
+            <a:ext cx="804912" cy="482277"/>
+          </a:xfrm>
+          <a:prstGeom prst="rect">
+            <a:avLst/>
+          </a:prstGeom>
+          <a:solidFill>
+            <a:srgbClr val="FFFF00"/>
+          </a:solidFill>
+        </p:spPr>
+        <p:style>
+          <a:lnRef idx="2">
+            <a:schemeClr val="accent1">
+              <a:shade val="15000"/>
+            </a:schemeClr>
+          </a:lnRef>
+          <a:fillRef idx="1">
+            <a:schemeClr val="accent1"/>
+          </a:fillRef>
+          <a:effectRef idx="0">
+            <a:schemeClr val="accent1"/>
+          </a:effectRef>
+          <a:fontRef idx="minor">
+            <a:schemeClr val="lt1"/>
+          </a:fontRef>
+        </p:style>
+        <p:txBody>
+          <a:bodyPr rtlCol="0" anchor="ctr"/>
+          <a:lstStyle/>
+          <a:p>
+            <a:pPr algn="ctr"/>
+            <a:r>
+              <a:rPr kumimoji="1" lang="en-US" altLang="ko-Kore-KR" sz="1600" dirty="0">
+                <a:solidFill>
+                  <a:schemeClr val="tx1"/>
+                </a:solidFill>
+                <a:latin typeface="DM Mono" panose="020B0509040201040103" pitchFamily="49" charset="0"/>
+              </a:rPr>
+              <a:t>0x100</a:t>
+            </a:r>
+            <a:endParaRPr kumimoji="1" lang="ko-Kore-KR" altLang="en-US" sz="1600" dirty="0">
+              <a:solidFill>
+                <a:schemeClr val="tx1"/>
+              </a:solidFill>
+              <a:latin typeface="DM Mono" panose="020B0509040201040103" pitchFamily="49" charset="0"/>
+            </a:endParaRPr>
+          </a:p>
+        </p:txBody>
+      </p:sp>
+      <p:sp>
+        <p:nvSpPr>
+          <p:cNvPr id="3" name="TextBox 2">
+            <a:extLst>
+              <a:ext uri="{FF2B5EF4-FFF2-40B4-BE49-F238E27FC236}">
+                <a16:creationId xmlns:a16="http://schemas.microsoft.com/office/drawing/2014/main" id="{863C8BAF-6337-387D-F4FC-840A1D18E472}"/>
+              </a:ext>
+            </a:extLst>
+          </p:cNvPr>
+          <p:cNvSpPr txBox="1"/>
+          <p:nvPr/>
+        </p:nvSpPr>
+        <p:spPr>
+          <a:xfrm>
+            <a:off x="6406354" y="2996771"/>
+            <a:ext cx="792499" cy="369332"/>
+          </a:xfrm>
+          <a:prstGeom prst="rect">
+            <a:avLst/>
+          </a:prstGeom>
+          <a:noFill/>
+        </p:spPr>
+        <p:txBody>
+          <a:bodyPr wrap="square">
+            <a:spAutoFit/>
+          </a:bodyPr>
+          <a:lstStyle/>
+          <a:p>
+            <a:pPr algn="r"/>
+            <a:r>
+              <a:rPr lang="en-US" altLang="ko-Kore-KR" dirty="0">
+                <a:latin typeface="DM Mono" panose="020B0509040201040103" pitchFamily="49" charset="0"/>
+              </a:rPr>
+              <a:t>name</a:t>
+            </a:r>
+            <a:endParaRPr lang="ko-Kore-KR" altLang="en-US" dirty="0"/>
+          </a:p>
+        </p:txBody>
+      </p:sp>
+      <p:sp>
+        <p:nvSpPr>
+          <p:cNvPr id="12" name="직사각형 11">
+            <a:extLst>
+              <a:ext uri="{FF2B5EF4-FFF2-40B4-BE49-F238E27FC236}">
+                <a16:creationId xmlns:a16="http://schemas.microsoft.com/office/drawing/2014/main" id="{82D44A1A-653E-65EF-FD8E-5B808527F8B0}"/>
+              </a:ext>
+            </a:extLst>
+          </p:cNvPr>
+          <p:cNvSpPr/>
+          <p:nvPr/>
+        </p:nvSpPr>
+        <p:spPr>
+          <a:xfrm>
+            <a:off x="7198853" y="3422575"/>
+            <a:ext cx="804912" cy="482277"/>
+          </a:xfrm>
+          <a:prstGeom prst="rect">
+            <a:avLst/>
+          </a:prstGeom>
+          <a:solidFill>
+            <a:srgbClr val="FFFF00"/>
+          </a:solidFill>
+        </p:spPr>
+        <p:style>
+          <a:lnRef idx="2">
+            <a:schemeClr val="accent1">
+              <a:shade val="15000"/>
+            </a:schemeClr>
+          </a:lnRef>
+          <a:fillRef idx="1">
+            <a:schemeClr val="accent1"/>
+          </a:fillRef>
+          <a:effectRef idx="0">
+            <a:schemeClr val="accent1"/>
+          </a:effectRef>
+          <a:fontRef idx="minor">
+            <a:schemeClr val="lt1"/>
+          </a:fontRef>
+        </p:style>
+        <p:txBody>
+          <a:bodyPr rtlCol="0" anchor="ctr"/>
+          <a:lstStyle/>
+          <a:p>
+            <a:pPr algn="ctr"/>
+            <a:r>
+              <a:rPr kumimoji="1" lang="en-US" altLang="ko-Kore-KR" sz="1600" dirty="0">
+                <a:solidFill>
+                  <a:schemeClr val="tx1"/>
+                </a:solidFill>
+                <a:latin typeface="DM Mono" panose="020B0509040201040103" pitchFamily="49" charset="0"/>
+              </a:rPr>
+              <a:t>42</a:t>
+            </a:r>
+            <a:endParaRPr kumimoji="1" lang="ko-Kore-KR" altLang="en-US" sz="1600" dirty="0">
+              <a:solidFill>
+                <a:schemeClr val="tx1"/>
+              </a:solidFill>
+              <a:latin typeface="DM Mono" panose="020B0509040201040103" pitchFamily="49" charset="0"/>
+            </a:endParaRPr>
+          </a:p>
+        </p:txBody>
+      </p:sp>
+      <p:sp>
+        <p:nvSpPr>
+          <p:cNvPr id="13" name="TextBox 12">
+            <a:extLst>
+              <a:ext uri="{FF2B5EF4-FFF2-40B4-BE49-F238E27FC236}">
+                <a16:creationId xmlns:a16="http://schemas.microsoft.com/office/drawing/2014/main" id="{D7967835-D726-195C-8EBA-C72D393B26E1}"/>
+              </a:ext>
+            </a:extLst>
+          </p:cNvPr>
+          <p:cNvSpPr txBox="1"/>
+          <p:nvPr/>
+        </p:nvSpPr>
+        <p:spPr>
+          <a:xfrm>
+            <a:off x="6475366" y="3479047"/>
+            <a:ext cx="723487" cy="369332"/>
+          </a:xfrm>
+          <a:prstGeom prst="rect">
+            <a:avLst/>
+          </a:prstGeom>
+          <a:noFill/>
+        </p:spPr>
+        <p:txBody>
+          <a:bodyPr wrap="square">
+            <a:spAutoFit/>
+          </a:bodyPr>
+          <a:lstStyle/>
+          <a:p>
+            <a:pPr algn="r"/>
+            <a:r>
+              <a:rPr lang="en-US" altLang="ko-Kore-KR" dirty="0">
+                <a:latin typeface="DM Mono" panose="020B0509040201040103" pitchFamily="49" charset="0"/>
+              </a:rPr>
+              <a:t>age</a:t>
+            </a:r>
+            <a:endParaRPr lang="ko-Kore-KR" altLang="en-US" dirty="0"/>
+          </a:p>
+        </p:txBody>
+      </p:sp>
+      <p:sp>
+        <p:nvSpPr>
+          <p:cNvPr id="14" name="TextBox 13">
+            <a:extLst>
+              <a:ext uri="{FF2B5EF4-FFF2-40B4-BE49-F238E27FC236}">
+                <a16:creationId xmlns:a16="http://schemas.microsoft.com/office/drawing/2014/main" id="{54FB6AB6-4DBF-5BA8-26D8-C6525C7DCFA5}"/>
+              </a:ext>
+            </a:extLst>
+          </p:cNvPr>
+          <p:cNvSpPr txBox="1"/>
+          <p:nvPr/>
+        </p:nvSpPr>
+        <p:spPr>
+          <a:xfrm>
+            <a:off x="7030002" y="2570966"/>
+            <a:ext cx="1052946" cy="369332"/>
+          </a:xfrm>
+          <a:prstGeom prst="rect">
+            <a:avLst/>
+          </a:prstGeom>
+          <a:noFill/>
+        </p:spPr>
+        <p:txBody>
+          <a:bodyPr wrap="square">
+            <a:spAutoFit/>
+          </a:bodyPr>
+          <a:lstStyle/>
+          <a:p>
+            <a:pPr algn="ctr"/>
+            <a:r>
+              <a:rPr lang="en-US" altLang="ko-Kore-KR" dirty="0">
+                <a:latin typeface="DM Mono" panose="020B0509040201040103" pitchFamily="49" charset="0"/>
+              </a:rPr>
+              <a:t>other</a:t>
+            </a:r>
+            <a:endParaRPr lang="ko-Kore-KR" altLang="en-US" dirty="0"/>
+          </a:p>
+        </p:txBody>
+      </p:sp>
+      <p:sp>
+        <p:nvSpPr>
+          <p:cNvPr id="15" name="직사각형 14">
+            <a:extLst>
+              <a:ext uri="{FF2B5EF4-FFF2-40B4-BE49-F238E27FC236}">
+                <a16:creationId xmlns:a16="http://schemas.microsoft.com/office/drawing/2014/main" id="{B4523B53-004B-20E3-AA06-BD9B17ED1C09}"/>
+              </a:ext>
+            </a:extLst>
+          </p:cNvPr>
+          <p:cNvSpPr/>
+          <p:nvPr/>
+        </p:nvSpPr>
+        <p:spPr>
+          <a:xfrm>
+            <a:off x="7194691" y="3882950"/>
+            <a:ext cx="804912" cy="482277"/>
+          </a:xfrm>
+          <a:prstGeom prst="rect">
+            <a:avLst/>
+          </a:prstGeom>
+          <a:solidFill>
+            <a:srgbClr val="FFFF00"/>
+          </a:solidFill>
+        </p:spPr>
+        <p:style>
+          <a:lnRef idx="2">
+            <a:schemeClr val="accent1">
+              <a:shade val="15000"/>
+            </a:schemeClr>
+          </a:lnRef>
+          <a:fillRef idx="1">
+            <a:schemeClr val="accent1"/>
+          </a:fillRef>
+          <a:effectRef idx="0">
+            <a:schemeClr val="accent1"/>
+          </a:effectRef>
+          <a:fontRef idx="minor">
+            <a:schemeClr val="lt1"/>
+          </a:fontRef>
+        </p:style>
+        <p:txBody>
+          <a:bodyPr rtlCol="0" anchor="ctr"/>
+          <a:lstStyle/>
+          <a:p>
+            <a:pPr algn="ctr"/>
+            <a:endParaRPr kumimoji="1" lang="ko-Kore-KR" altLang="en-US" sz="1600" dirty="0">
+              <a:solidFill>
+                <a:schemeClr val="tx1"/>
+              </a:solidFill>
+              <a:latin typeface="DM Mono" panose="020B0509040201040103" pitchFamily="49" charset="0"/>
+            </a:endParaRPr>
+          </a:p>
+        </p:txBody>
+      </p:sp>
+      <p:sp>
+        <p:nvSpPr>
+          <p:cNvPr id="16" name="TextBox 15">
+            <a:extLst>
+              <a:ext uri="{FF2B5EF4-FFF2-40B4-BE49-F238E27FC236}">
+                <a16:creationId xmlns:a16="http://schemas.microsoft.com/office/drawing/2014/main" id="{D31030F1-CAF8-D881-2D56-CC54F7117ACB}"/>
+              </a:ext>
+            </a:extLst>
+          </p:cNvPr>
+          <p:cNvSpPr txBox="1"/>
+          <p:nvPr/>
+        </p:nvSpPr>
+        <p:spPr>
+          <a:xfrm>
+            <a:off x="6480440" y="3939422"/>
+            <a:ext cx="723487" cy="369332"/>
+          </a:xfrm>
+          <a:prstGeom prst="rect">
+            <a:avLst/>
+          </a:prstGeom>
+          <a:noFill/>
+        </p:spPr>
+        <p:txBody>
+          <a:bodyPr wrap="square">
+            <a:spAutoFit/>
+          </a:bodyPr>
+          <a:lstStyle/>
+          <a:p>
+            <a:pPr algn="r"/>
+            <a:r>
+              <a:rPr lang="en-US" altLang="ko-Kore-KR" dirty="0">
+                <a:latin typeface="DM Mono" panose="020B0509040201040103" pitchFamily="49" charset="0"/>
+              </a:rPr>
+              <a:t>ref</a:t>
+            </a:r>
+            <a:endParaRPr lang="ko-Kore-KR" altLang="en-US" dirty="0"/>
+          </a:p>
+        </p:txBody>
+      </p:sp>
+      <p:cxnSp>
+        <p:nvCxnSpPr>
+          <p:cNvPr id="17" name="구부러진 연결선[U] 16">
+            <a:extLst>
+              <a:ext uri="{FF2B5EF4-FFF2-40B4-BE49-F238E27FC236}">
+                <a16:creationId xmlns:a16="http://schemas.microsoft.com/office/drawing/2014/main" id="{9A35F261-B6F7-1B7E-AD2F-691C62F23038}"/>
+              </a:ext>
+            </a:extLst>
+          </p:cNvPr>
+          <p:cNvCxnSpPr>
+            <a:cxnSpLocks/>
+            <a:stCxn id="2" idx="3"/>
+            <a:endCxn id="9" idx="1"/>
+          </p:cNvCxnSpPr>
+          <p:nvPr/>
+        </p:nvCxnSpPr>
+        <p:spPr>
+          <a:xfrm flipV="1">
+            <a:off x="8003765" y="1477452"/>
+            <a:ext cx="2263717" cy="1703986"/>
+          </a:xfrm>
+          <a:prstGeom prst="curvedConnector3">
+            <a:avLst>
+              <a:gd name="adj1" fmla="val 50000"/>
+            </a:avLst>
+          </a:prstGeom>
+          <a:ln w="12700">
+            <a:tailEnd type="triangle"/>
+          </a:ln>
+        </p:spPr>
+        <p:style>
+          <a:lnRef idx="1">
+            <a:schemeClr val="dk1"/>
+          </a:lnRef>
+          <a:fillRef idx="0">
+            <a:schemeClr val="dk1"/>
+          </a:fillRef>
+          <a:effectRef idx="0">
+            <a:schemeClr val="dk1"/>
+          </a:effectRef>
+          <a:fontRef idx="minor">
+            <a:schemeClr val="tx1"/>
+          </a:fontRef>
+        </p:style>
+      </p:cxnSp>
+      <p:cxnSp>
+        <p:nvCxnSpPr>
+          <p:cNvPr id="24" name="구부러진 연결선[U] 23">
+            <a:extLst>
+              <a:ext uri="{FF2B5EF4-FFF2-40B4-BE49-F238E27FC236}">
+                <a16:creationId xmlns:a16="http://schemas.microsoft.com/office/drawing/2014/main" id="{B69F1EF3-6215-9DF5-055C-1B3CB0B551A4}"/>
+              </a:ext>
+            </a:extLst>
+          </p:cNvPr>
+          <p:cNvCxnSpPr>
+            <a:cxnSpLocks/>
+            <a:stCxn id="15" idx="3"/>
+            <a:endCxn id="22" idx="1"/>
+          </p:cNvCxnSpPr>
+          <p:nvPr/>
+        </p:nvCxnSpPr>
+        <p:spPr>
+          <a:xfrm flipV="1">
+            <a:off x="7999603" y="2570198"/>
+            <a:ext cx="2314653" cy="1553891"/>
+          </a:xfrm>
+          <a:prstGeom prst="curvedConnector3">
+            <a:avLst/>
+          </a:prstGeom>
+          <a:ln w="12700">
+            <a:tailEnd type="triangle"/>
+          </a:ln>
+        </p:spPr>
+        <p:style>
+          <a:lnRef idx="1">
+            <a:schemeClr val="dk1"/>
+          </a:lnRef>
+          <a:fillRef idx="0">
+            <a:schemeClr val="dk1"/>
+          </a:fillRef>
+          <a:effectRef idx="0">
+            <a:schemeClr val="dk1"/>
+          </a:effectRef>
+          <a:fontRef idx="minor">
+            <a:schemeClr val="tx1"/>
+          </a:fontRef>
+        </p:style>
+      </p:cxnSp>
+      <p:sp>
+        <p:nvSpPr>
+          <p:cNvPr id="18" name="직사각형 17">
+            <a:extLst>
+              <a:ext uri="{FF2B5EF4-FFF2-40B4-BE49-F238E27FC236}">
+                <a16:creationId xmlns:a16="http://schemas.microsoft.com/office/drawing/2014/main" id="{D45F5139-377D-93DB-70A1-CA45360E54FC}"/>
+              </a:ext>
+            </a:extLst>
+          </p:cNvPr>
+          <p:cNvSpPr/>
+          <p:nvPr/>
+        </p:nvSpPr>
+        <p:spPr>
+          <a:xfrm>
+            <a:off x="7226344" y="5007083"/>
+            <a:ext cx="804912" cy="482277"/>
+          </a:xfrm>
+          <a:prstGeom prst="rect">
+            <a:avLst/>
+          </a:prstGeom>
+          <a:solidFill>
+            <a:srgbClr val="FFFF00"/>
+          </a:solidFill>
+          <a:ln w="28575">
+            <a:solidFill>
+              <a:srgbClr val="FF0000"/>
+            </a:solidFill>
+          </a:ln>
+        </p:spPr>
+        <p:style>
+          <a:lnRef idx="2">
+            <a:schemeClr val="accent1">
+              <a:shade val="15000"/>
+            </a:schemeClr>
+          </a:lnRef>
+          <a:fillRef idx="1">
+            <a:schemeClr val="accent1"/>
+          </a:fillRef>
+          <a:effectRef idx="0">
+            <a:schemeClr val="accent1"/>
+          </a:effectRef>
+          <a:fontRef idx="minor">
+            <a:schemeClr val="lt1"/>
+          </a:fontRef>
+        </p:style>
+        <p:txBody>
+          <a:bodyPr rtlCol="0" anchor="ctr"/>
+          <a:lstStyle/>
+          <a:p>
+            <a:pPr algn="ctr"/>
+            <a:r>
+              <a:rPr kumimoji="1" lang="en-US" altLang="ko-Kore-KR" sz="1600" dirty="0">
+                <a:solidFill>
+                  <a:schemeClr val="tx1"/>
+                </a:solidFill>
+                <a:latin typeface="DM Mono" panose="020B0509040201040103" pitchFamily="49" charset="0"/>
+              </a:rPr>
+              <a:t>0x100</a:t>
+            </a:r>
+            <a:endParaRPr kumimoji="1" lang="ko-Kore-KR" altLang="en-US" sz="1600" dirty="0">
+              <a:solidFill>
+                <a:schemeClr val="tx1"/>
+              </a:solidFill>
+              <a:latin typeface="DM Mono" panose="020B0509040201040103" pitchFamily="49" charset="0"/>
+            </a:endParaRPr>
+          </a:p>
+        </p:txBody>
+      </p:sp>
+      <p:sp>
+        <p:nvSpPr>
+          <p:cNvPr id="19" name="TextBox 18">
+            <a:extLst>
+              <a:ext uri="{FF2B5EF4-FFF2-40B4-BE49-F238E27FC236}">
+                <a16:creationId xmlns:a16="http://schemas.microsoft.com/office/drawing/2014/main" id="{3A1184AF-074A-7E81-9795-2F23F2631735}"/>
+              </a:ext>
+            </a:extLst>
+          </p:cNvPr>
+          <p:cNvSpPr txBox="1"/>
+          <p:nvPr/>
+        </p:nvSpPr>
+        <p:spPr>
+          <a:xfrm>
+            <a:off x="6433845" y="5063555"/>
+            <a:ext cx="792499" cy="369332"/>
+          </a:xfrm>
+          <a:prstGeom prst="rect">
+            <a:avLst/>
+          </a:prstGeom>
+          <a:noFill/>
+        </p:spPr>
+        <p:txBody>
+          <a:bodyPr wrap="square">
+            <a:spAutoFit/>
+          </a:bodyPr>
+          <a:lstStyle/>
+          <a:p>
+            <a:pPr algn="r"/>
+            <a:r>
+              <a:rPr lang="en-US" altLang="ko-Kore-KR" dirty="0">
+                <a:latin typeface="DM Mono" panose="020B0509040201040103" pitchFamily="49" charset="0"/>
+              </a:rPr>
+              <a:t>name</a:t>
+            </a:r>
+            <a:endParaRPr lang="ko-Kore-KR" altLang="en-US" dirty="0"/>
+          </a:p>
+        </p:txBody>
+      </p:sp>
+      <p:sp>
+        <p:nvSpPr>
+          <p:cNvPr id="25" name="직사각형 24">
+            <a:extLst>
+              <a:ext uri="{FF2B5EF4-FFF2-40B4-BE49-F238E27FC236}">
+                <a16:creationId xmlns:a16="http://schemas.microsoft.com/office/drawing/2014/main" id="{C28B2999-BD67-DCBE-799E-BAA5211A0294}"/>
+              </a:ext>
+            </a:extLst>
+          </p:cNvPr>
+          <p:cNvSpPr/>
+          <p:nvPr/>
+        </p:nvSpPr>
+        <p:spPr>
+          <a:xfrm>
+            <a:off x="7226344" y="5489359"/>
+            <a:ext cx="804912" cy="482277"/>
+          </a:xfrm>
+          <a:prstGeom prst="rect">
+            <a:avLst/>
+          </a:prstGeom>
+          <a:solidFill>
+            <a:srgbClr val="FFFF00"/>
+          </a:solidFill>
+          <a:ln w="28575">
+            <a:solidFill>
+              <a:srgbClr val="FF0000"/>
+            </a:solidFill>
+          </a:ln>
+        </p:spPr>
+        <p:style>
+          <a:lnRef idx="2">
+            <a:schemeClr val="accent1">
+              <a:shade val="15000"/>
+            </a:schemeClr>
+          </a:lnRef>
+          <a:fillRef idx="1">
+            <a:schemeClr val="accent1"/>
+          </a:fillRef>
+          <a:effectRef idx="0">
+            <a:schemeClr val="accent1"/>
+          </a:effectRef>
+          <a:fontRef idx="minor">
+            <a:schemeClr val="lt1"/>
+          </a:fontRef>
+        </p:style>
+        <p:txBody>
+          <a:bodyPr rtlCol="0" anchor="ctr"/>
+          <a:lstStyle/>
+          <a:p>
+            <a:pPr algn="ctr"/>
+            <a:r>
+              <a:rPr kumimoji="1" lang="en-US" altLang="ko-Kore-KR" sz="1600" dirty="0">
+                <a:solidFill>
+                  <a:schemeClr val="tx1"/>
+                </a:solidFill>
+                <a:latin typeface="DM Mono" panose="020B0509040201040103" pitchFamily="49" charset="0"/>
+              </a:rPr>
+              <a:t>42</a:t>
+            </a:r>
+            <a:endParaRPr kumimoji="1" lang="ko-Kore-KR" altLang="en-US" sz="1600" dirty="0">
+              <a:solidFill>
+                <a:schemeClr val="tx1"/>
+              </a:solidFill>
+              <a:latin typeface="DM Mono" panose="020B0509040201040103" pitchFamily="49" charset="0"/>
+            </a:endParaRPr>
+          </a:p>
+        </p:txBody>
+      </p:sp>
+      <p:sp>
+        <p:nvSpPr>
+          <p:cNvPr id="26" name="TextBox 25">
+            <a:extLst>
+              <a:ext uri="{FF2B5EF4-FFF2-40B4-BE49-F238E27FC236}">
+                <a16:creationId xmlns:a16="http://schemas.microsoft.com/office/drawing/2014/main" id="{6D7AD5F1-DA5E-31B7-6E96-85155B8EE50E}"/>
+              </a:ext>
+            </a:extLst>
+          </p:cNvPr>
+          <p:cNvSpPr txBox="1"/>
+          <p:nvPr/>
+        </p:nvSpPr>
+        <p:spPr>
+          <a:xfrm>
+            <a:off x="6502857" y="5545831"/>
+            <a:ext cx="723487" cy="369332"/>
+          </a:xfrm>
+          <a:prstGeom prst="rect">
+            <a:avLst/>
+          </a:prstGeom>
+          <a:noFill/>
+        </p:spPr>
+        <p:txBody>
+          <a:bodyPr wrap="square">
+            <a:spAutoFit/>
+          </a:bodyPr>
+          <a:lstStyle/>
+          <a:p>
+            <a:pPr algn="r"/>
+            <a:r>
+              <a:rPr lang="en-US" altLang="ko-Kore-KR" dirty="0">
+                <a:latin typeface="DM Mono" panose="020B0509040201040103" pitchFamily="49" charset="0"/>
+              </a:rPr>
+              <a:t>age</a:t>
+            </a:r>
+            <a:endParaRPr lang="ko-Kore-KR" altLang="en-US" dirty="0"/>
+          </a:p>
+        </p:txBody>
+      </p:sp>
+      <p:sp>
+        <p:nvSpPr>
+          <p:cNvPr id="27" name="TextBox 26">
+            <a:extLst>
+              <a:ext uri="{FF2B5EF4-FFF2-40B4-BE49-F238E27FC236}">
+                <a16:creationId xmlns:a16="http://schemas.microsoft.com/office/drawing/2014/main" id="{21750B01-09EF-E1CA-5FE2-0FAE29466EA4}"/>
+              </a:ext>
+            </a:extLst>
+          </p:cNvPr>
+          <p:cNvSpPr txBox="1"/>
+          <p:nvPr/>
+        </p:nvSpPr>
+        <p:spPr>
+          <a:xfrm>
+            <a:off x="7057493" y="4637750"/>
+            <a:ext cx="1052946" cy="369332"/>
+          </a:xfrm>
+          <a:prstGeom prst="rect">
+            <a:avLst/>
+          </a:prstGeom>
+          <a:noFill/>
+        </p:spPr>
+        <p:txBody>
+          <a:bodyPr wrap="square">
+            <a:spAutoFit/>
+          </a:bodyPr>
+          <a:lstStyle/>
+          <a:p>
+            <a:pPr algn="ctr"/>
+            <a:r>
+              <a:rPr lang="en-US" altLang="ko-Kore-KR" dirty="0">
+                <a:latin typeface="DM Mono" panose="020B0509040201040103" pitchFamily="49" charset="0"/>
+              </a:rPr>
+              <a:t>other</a:t>
+            </a:r>
+            <a:endParaRPr lang="ko-Kore-KR" altLang="en-US" dirty="0"/>
+          </a:p>
+        </p:txBody>
+      </p:sp>
+      <p:sp>
+        <p:nvSpPr>
+          <p:cNvPr id="28" name="직사각형 27">
+            <a:extLst>
+              <a:ext uri="{FF2B5EF4-FFF2-40B4-BE49-F238E27FC236}">
+                <a16:creationId xmlns:a16="http://schemas.microsoft.com/office/drawing/2014/main" id="{D0349845-30CD-D2D6-C451-8C82F3ACF009}"/>
+              </a:ext>
+            </a:extLst>
+          </p:cNvPr>
+          <p:cNvSpPr/>
+          <p:nvPr/>
+        </p:nvSpPr>
+        <p:spPr>
+          <a:xfrm>
+            <a:off x="7222182" y="5949734"/>
+            <a:ext cx="804912" cy="482277"/>
+          </a:xfrm>
+          <a:prstGeom prst="rect">
+            <a:avLst/>
+          </a:prstGeom>
+          <a:solidFill>
+            <a:srgbClr val="FFFF00"/>
+          </a:solidFill>
+          <a:ln w="28575">
+            <a:solidFill>
+              <a:srgbClr val="FF0000"/>
+            </a:solidFill>
+          </a:ln>
+        </p:spPr>
+        <p:style>
+          <a:lnRef idx="2">
+            <a:schemeClr val="accent1">
+              <a:shade val="15000"/>
+            </a:schemeClr>
+          </a:lnRef>
+          <a:fillRef idx="1">
+            <a:schemeClr val="accent1"/>
+          </a:fillRef>
+          <a:effectRef idx="0">
+            <a:schemeClr val="accent1"/>
+          </a:effectRef>
+          <a:fontRef idx="minor">
+            <a:schemeClr val="lt1"/>
+          </a:fontRef>
+        </p:style>
+        <p:txBody>
+          <a:bodyPr rtlCol="0" anchor="ctr"/>
+          <a:lstStyle/>
+          <a:p>
+            <a:pPr algn="ctr"/>
+            <a:endParaRPr kumimoji="1" lang="ko-Kore-KR" altLang="en-US" sz="1600" dirty="0">
+              <a:solidFill>
+                <a:schemeClr val="tx1"/>
+              </a:solidFill>
+              <a:latin typeface="DM Mono" panose="020B0509040201040103" pitchFamily="49" charset="0"/>
+            </a:endParaRPr>
+          </a:p>
+        </p:txBody>
+      </p:sp>
+      <p:sp>
+        <p:nvSpPr>
+          <p:cNvPr id="29" name="TextBox 28">
+            <a:extLst>
+              <a:ext uri="{FF2B5EF4-FFF2-40B4-BE49-F238E27FC236}">
+                <a16:creationId xmlns:a16="http://schemas.microsoft.com/office/drawing/2014/main" id="{B9464F26-11C2-487D-729A-148206FA29FF}"/>
+              </a:ext>
+            </a:extLst>
+          </p:cNvPr>
+          <p:cNvSpPr txBox="1"/>
+          <p:nvPr/>
+        </p:nvSpPr>
+        <p:spPr>
+          <a:xfrm>
+            <a:off x="6507931" y="6006206"/>
+            <a:ext cx="723487" cy="369332"/>
+          </a:xfrm>
+          <a:prstGeom prst="rect">
+            <a:avLst/>
+          </a:prstGeom>
+          <a:noFill/>
+        </p:spPr>
+        <p:txBody>
+          <a:bodyPr wrap="square">
+            <a:spAutoFit/>
+          </a:bodyPr>
+          <a:lstStyle/>
+          <a:p>
+            <a:pPr algn="r"/>
+            <a:r>
+              <a:rPr lang="en-US" altLang="ko-Kore-KR" dirty="0">
+                <a:latin typeface="DM Mono" panose="020B0509040201040103" pitchFamily="49" charset="0"/>
+              </a:rPr>
+              <a:t>ref</a:t>
+            </a:r>
+            <a:endParaRPr lang="ko-Kore-KR" altLang="en-US" dirty="0"/>
+          </a:p>
+        </p:txBody>
+      </p:sp>
+      <p:sp>
+        <p:nvSpPr>
+          <p:cNvPr id="32" name="TextBox 31">
+            <a:extLst>
+              <a:ext uri="{FF2B5EF4-FFF2-40B4-BE49-F238E27FC236}">
+                <a16:creationId xmlns:a16="http://schemas.microsoft.com/office/drawing/2014/main" id="{472EB590-C202-E261-ACA2-F2910BD703E8}"/>
+              </a:ext>
+            </a:extLst>
+          </p:cNvPr>
+          <p:cNvSpPr txBox="1"/>
+          <p:nvPr/>
+        </p:nvSpPr>
+        <p:spPr>
+          <a:xfrm>
+            <a:off x="485197" y="308788"/>
+            <a:ext cx="4700474" cy="2031325"/>
+          </a:xfrm>
+          <a:prstGeom prst="rect">
+            <a:avLst/>
+          </a:prstGeom>
+          <a:noFill/>
+        </p:spPr>
+        <p:txBody>
+          <a:bodyPr wrap="square">
+            <a:spAutoFit/>
+          </a:bodyPr>
+          <a:lstStyle/>
+          <a:p>
+            <a:r>
+              <a:rPr lang="ko-Kore-KR" altLang="en-US" dirty="0">
+                <a:latin typeface="DM Mono" panose="020B0509040201040103" pitchFamily="49" charset="0"/>
+              </a:rPr>
+              <a:t> </a:t>
+            </a:r>
+            <a:r>
+              <a:rPr lang="en-US" altLang="ko-Kore-KR" dirty="0">
+                <a:latin typeface="DM Mono" panose="020B0509040201040103" pitchFamily="49" charset="0"/>
+              </a:rPr>
+              <a:t>   </a:t>
+            </a:r>
+            <a:r>
+              <a:rPr lang="ko-Kore-KR" altLang="en-US" dirty="0">
+                <a:latin typeface="DM Mono" panose="020B0509040201040103" pitchFamily="49" charset="0"/>
+              </a:rPr>
+              <a:t>~User()</a:t>
+            </a:r>
+          </a:p>
+          <a:p>
+            <a:r>
+              <a:rPr lang="ko-Kore-KR" altLang="en-US" dirty="0">
+                <a:latin typeface="DM Mono" panose="020B0509040201040103" pitchFamily="49" charset="0"/>
+              </a:rPr>
+              <a:t>    {</a:t>
+            </a:r>
+          </a:p>
+          <a:p>
+            <a:r>
+              <a:rPr lang="ko-Kore-KR" altLang="en-US" dirty="0">
+                <a:latin typeface="DM Mono" panose="020B0509040201040103" pitchFamily="49" charset="0"/>
+              </a:rPr>
+              <a:t>        </a:t>
+            </a:r>
+            <a:r>
+              <a:rPr lang="ko-Kore-KR" altLang="en-US" dirty="0">
+                <a:solidFill>
+                  <a:srgbClr val="FF0000"/>
+                </a:solidFill>
+                <a:latin typeface="DM Mono" panose="020B0509040201040103" pitchFamily="49" charset="0"/>
+              </a:rPr>
+              <a:t>if (--(*ref) == 0) </a:t>
+            </a:r>
+            <a:r>
+              <a:rPr lang="ko-Kore-KR" altLang="en-US" dirty="0">
+                <a:latin typeface="DM Mono" panose="020B0509040201040103" pitchFamily="49" charset="0"/>
+              </a:rPr>
+              <a:t>{</a:t>
+            </a:r>
+          </a:p>
+          <a:p>
+            <a:r>
+              <a:rPr lang="ko-Kore-KR" altLang="en-US" dirty="0">
+                <a:latin typeface="DM Mono" panose="020B0509040201040103" pitchFamily="49" charset="0"/>
+              </a:rPr>
+              <a:t>            delete[] name;</a:t>
+            </a:r>
+          </a:p>
+          <a:p>
+            <a:r>
+              <a:rPr lang="ko-Kore-KR" altLang="en-US" dirty="0">
+                <a:latin typeface="DM Mono" panose="020B0509040201040103" pitchFamily="49" charset="0"/>
+              </a:rPr>
+              <a:t>            delete ref;</a:t>
+            </a:r>
+          </a:p>
+          <a:p>
+            <a:r>
+              <a:rPr lang="ko-Kore-KR" altLang="en-US" dirty="0">
+                <a:latin typeface="DM Mono" panose="020B0509040201040103" pitchFamily="49" charset="0"/>
+              </a:rPr>
+              <a:t>        }</a:t>
+            </a:r>
+          </a:p>
+          <a:p>
+            <a:r>
+              <a:rPr lang="ko-Kore-KR" altLang="en-US" dirty="0">
+                <a:latin typeface="DM Mono" panose="020B0509040201040103" pitchFamily="49" charset="0"/>
+              </a:rPr>
+              <a:t>    }</a:t>
+            </a:r>
+          </a:p>
+        </p:txBody>
+      </p:sp>
+    </p:spTree>
+    <p:extLst>
+      <p:ext uri="{BB962C8B-B14F-4D97-AF65-F5344CB8AC3E}">
+        <p14:creationId xmlns:p14="http://schemas.microsoft.com/office/powerpoint/2010/main" val="3103402171"/>
+      </p:ext>
+    </p:extLst>
+  </p:cSld>
+  <p:clrMapOvr>
+    <a:masterClrMapping/>
+  </p:clrMapOvr>
+</p:sld>
+</file>
+
+<file path=ppt/slides/slide27.xml><?xml version="1.0" encoding="utf-8"?>
+<p:sld xmlns:a="http://schemas.openxmlformats.org/drawingml/2006/main" xmlns:r="http://schemas.openxmlformats.org/officeDocument/2006/relationships" xmlns:p="http://schemas.openxmlformats.org/presentationml/2006/main">
+  <p:cSld>
+    <p:spTree>
+      <p:nvGrpSpPr>
+        <p:cNvPr id="1" name=""/>
+        <p:cNvGrpSpPr/>
+        <p:nvPr/>
+      </p:nvGrpSpPr>
+      <p:grpSpPr>
+        <a:xfrm>
+          <a:off x="0" y="0"/>
+          <a:ext cx="0" cy="0"/>
+          <a:chOff x="0" y="0"/>
+          <a:chExt cx="0" cy="0"/>
+        </a:xfrm>
+      </p:grpSpPr>
+      <p:sp>
+        <p:nvSpPr>
+          <p:cNvPr id="4" name="직사각형 3">
+            <a:extLst>
+              <a:ext uri="{FF2B5EF4-FFF2-40B4-BE49-F238E27FC236}">
+                <a16:creationId xmlns:a16="http://schemas.microsoft.com/office/drawing/2014/main" id="{371E8C1A-DB2C-1E2D-2C20-2C5F82F71FCA}"/>
+              </a:ext>
+            </a:extLst>
+          </p:cNvPr>
+          <p:cNvSpPr/>
+          <p:nvPr/>
+        </p:nvSpPr>
+        <p:spPr>
+          <a:xfrm>
+            <a:off x="7119670" y="915185"/>
+            <a:ext cx="804912" cy="482277"/>
+          </a:xfrm>
+          <a:prstGeom prst="rect">
+            <a:avLst/>
+          </a:prstGeom>
+          <a:solidFill>
+            <a:srgbClr val="FFFF00"/>
+          </a:solidFill>
+        </p:spPr>
+        <p:style>
+          <a:lnRef idx="2">
+            <a:schemeClr val="accent1">
+              <a:shade val="15000"/>
+            </a:schemeClr>
+          </a:lnRef>
+          <a:fillRef idx="1">
+            <a:schemeClr val="accent1"/>
+          </a:fillRef>
+          <a:effectRef idx="0">
+            <a:schemeClr val="accent1"/>
+          </a:effectRef>
+          <a:fontRef idx="minor">
+            <a:schemeClr val="lt1"/>
+          </a:fontRef>
+        </p:style>
+        <p:txBody>
+          <a:bodyPr rtlCol="0" anchor="ctr"/>
+          <a:lstStyle/>
+          <a:p>
+            <a:pPr algn="ctr"/>
+            <a:r>
+              <a:rPr kumimoji="1" lang="en-US" altLang="ko-Kore-KR" sz="1600" dirty="0">
+                <a:solidFill>
+                  <a:schemeClr val="tx1"/>
+                </a:solidFill>
+                <a:latin typeface="DM Mono" panose="020B0509040201040103" pitchFamily="49" charset="0"/>
+              </a:rPr>
+              <a:t>0x100</a:t>
+            </a:r>
+            <a:endParaRPr kumimoji="1" lang="ko-Kore-KR" altLang="en-US" sz="1600" dirty="0">
+              <a:solidFill>
+                <a:schemeClr val="tx1"/>
+              </a:solidFill>
+              <a:latin typeface="DM Mono" panose="020B0509040201040103" pitchFamily="49" charset="0"/>
+            </a:endParaRPr>
+          </a:p>
+        </p:txBody>
+      </p:sp>
+      <p:sp>
+        <p:nvSpPr>
+          <p:cNvPr id="5" name="TextBox 4">
+            <a:extLst>
+              <a:ext uri="{FF2B5EF4-FFF2-40B4-BE49-F238E27FC236}">
+                <a16:creationId xmlns:a16="http://schemas.microsoft.com/office/drawing/2014/main" id="{93DB06CF-9A86-DB9B-1A48-9A74E07AB7ED}"/>
+              </a:ext>
+            </a:extLst>
+          </p:cNvPr>
+          <p:cNvSpPr txBox="1"/>
+          <p:nvPr/>
+        </p:nvSpPr>
+        <p:spPr>
+          <a:xfrm>
+            <a:off x="6327171" y="971657"/>
+            <a:ext cx="792499" cy="369332"/>
+          </a:xfrm>
+          <a:prstGeom prst="rect">
+            <a:avLst/>
+          </a:prstGeom>
+          <a:noFill/>
+        </p:spPr>
+        <p:txBody>
+          <a:bodyPr wrap="square">
+            <a:spAutoFit/>
+          </a:bodyPr>
+          <a:lstStyle/>
+          <a:p>
+            <a:pPr algn="r"/>
+            <a:r>
+              <a:rPr lang="en-US" altLang="ko-Kore-KR" dirty="0">
+                <a:latin typeface="DM Mono" panose="020B0509040201040103" pitchFamily="49" charset="0"/>
+              </a:rPr>
+              <a:t>name</a:t>
+            </a:r>
+            <a:endParaRPr lang="ko-Kore-KR" altLang="en-US" dirty="0"/>
+          </a:p>
+        </p:txBody>
+      </p:sp>
+      <p:sp>
+        <p:nvSpPr>
+          <p:cNvPr id="6" name="직사각형 5">
+            <a:extLst>
+              <a:ext uri="{FF2B5EF4-FFF2-40B4-BE49-F238E27FC236}">
+                <a16:creationId xmlns:a16="http://schemas.microsoft.com/office/drawing/2014/main" id="{EF845C24-5BCC-702C-2576-D6AB1A2C28E6}"/>
+              </a:ext>
+            </a:extLst>
+          </p:cNvPr>
+          <p:cNvSpPr/>
+          <p:nvPr/>
+        </p:nvSpPr>
+        <p:spPr>
+          <a:xfrm>
+            <a:off x="7119670" y="1397461"/>
+            <a:ext cx="804912" cy="482277"/>
+          </a:xfrm>
+          <a:prstGeom prst="rect">
+            <a:avLst/>
+          </a:prstGeom>
+          <a:solidFill>
+            <a:srgbClr val="FFFF00"/>
+          </a:solidFill>
+        </p:spPr>
+        <p:style>
+          <a:lnRef idx="2">
+            <a:schemeClr val="accent1">
+              <a:shade val="15000"/>
+            </a:schemeClr>
+          </a:lnRef>
+          <a:fillRef idx="1">
+            <a:schemeClr val="accent1"/>
+          </a:fillRef>
+          <a:effectRef idx="0">
+            <a:schemeClr val="accent1"/>
+          </a:effectRef>
+          <a:fontRef idx="minor">
+            <a:schemeClr val="lt1"/>
+          </a:fontRef>
+        </p:style>
+        <p:txBody>
+          <a:bodyPr rtlCol="0" anchor="ctr"/>
+          <a:lstStyle/>
+          <a:p>
+            <a:pPr algn="ctr"/>
+            <a:r>
+              <a:rPr kumimoji="1" lang="en-US" altLang="ko-Kore-KR" sz="1600" dirty="0">
+                <a:solidFill>
+                  <a:schemeClr val="tx1"/>
+                </a:solidFill>
+                <a:latin typeface="DM Mono" panose="020B0509040201040103" pitchFamily="49" charset="0"/>
+              </a:rPr>
+              <a:t>42</a:t>
+            </a:r>
+            <a:endParaRPr kumimoji="1" lang="ko-Kore-KR" altLang="en-US" sz="1600" dirty="0">
+              <a:solidFill>
+                <a:schemeClr val="tx1"/>
+              </a:solidFill>
+              <a:latin typeface="DM Mono" panose="020B0509040201040103" pitchFamily="49" charset="0"/>
+            </a:endParaRPr>
+          </a:p>
+        </p:txBody>
+      </p:sp>
+      <p:sp>
+        <p:nvSpPr>
+          <p:cNvPr id="7" name="TextBox 6">
+            <a:extLst>
+              <a:ext uri="{FF2B5EF4-FFF2-40B4-BE49-F238E27FC236}">
+                <a16:creationId xmlns:a16="http://schemas.microsoft.com/office/drawing/2014/main" id="{9FDDA326-0ED3-D508-02F7-706D12ADA8F0}"/>
+              </a:ext>
+            </a:extLst>
+          </p:cNvPr>
+          <p:cNvSpPr txBox="1"/>
+          <p:nvPr/>
+        </p:nvSpPr>
+        <p:spPr>
+          <a:xfrm>
+            <a:off x="6396183" y="1453933"/>
+            <a:ext cx="723487" cy="369332"/>
+          </a:xfrm>
+          <a:prstGeom prst="rect">
+            <a:avLst/>
+          </a:prstGeom>
+          <a:noFill/>
+        </p:spPr>
+        <p:txBody>
+          <a:bodyPr wrap="square">
+            <a:spAutoFit/>
+          </a:bodyPr>
+          <a:lstStyle/>
+          <a:p>
+            <a:pPr algn="r"/>
+            <a:r>
+              <a:rPr lang="en-US" altLang="ko-Kore-KR" dirty="0">
+                <a:latin typeface="DM Mono" panose="020B0509040201040103" pitchFamily="49" charset="0"/>
+              </a:rPr>
+              <a:t>age</a:t>
+            </a:r>
+            <a:endParaRPr lang="ko-Kore-KR" altLang="en-US" dirty="0"/>
+          </a:p>
+        </p:txBody>
+      </p:sp>
+      <p:sp>
+        <p:nvSpPr>
+          <p:cNvPr id="8" name="TextBox 7">
+            <a:extLst>
+              <a:ext uri="{FF2B5EF4-FFF2-40B4-BE49-F238E27FC236}">
+                <a16:creationId xmlns:a16="http://schemas.microsoft.com/office/drawing/2014/main" id="{29FD4298-8ED9-0A30-EF66-1F5F478DA0E6}"/>
+              </a:ext>
+            </a:extLst>
+          </p:cNvPr>
+          <p:cNvSpPr txBox="1"/>
+          <p:nvPr/>
+        </p:nvSpPr>
+        <p:spPr>
+          <a:xfrm>
+            <a:off x="6950819" y="545852"/>
+            <a:ext cx="1052946" cy="369332"/>
+          </a:xfrm>
+          <a:prstGeom prst="rect">
+            <a:avLst/>
+          </a:prstGeom>
+          <a:noFill/>
+        </p:spPr>
+        <p:txBody>
+          <a:bodyPr wrap="square">
+            <a:spAutoFit/>
+          </a:bodyPr>
+          <a:lstStyle/>
+          <a:p>
+            <a:pPr algn="ctr"/>
+            <a:r>
+              <a:rPr lang="en-US" altLang="ko-Kore-KR" dirty="0">
+                <a:latin typeface="DM Mono" panose="020B0509040201040103" pitchFamily="49" charset="0"/>
+              </a:rPr>
+              <a:t>user</a:t>
+            </a:r>
+            <a:endParaRPr lang="ko-Kore-KR" altLang="en-US" dirty="0"/>
+          </a:p>
+        </p:txBody>
+      </p:sp>
+      <p:sp>
+        <p:nvSpPr>
+          <p:cNvPr id="9" name="직사각형 8">
+            <a:extLst>
+              <a:ext uri="{FF2B5EF4-FFF2-40B4-BE49-F238E27FC236}">
+                <a16:creationId xmlns:a16="http://schemas.microsoft.com/office/drawing/2014/main" id="{A386C38F-0F2E-7FB4-2C45-DE7A915F25D4}"/>
+              </a:ext>
+            </a:extLst>
+          </p:cNvPr>
+          <p:cNvSpPr/>
+          <p:nvPr/>
+        </p:nvSpPr>
+        <p:spPr>
+          <a:xfrm>
+            <a:off x="10267482" y="1236313"/>
+            <a:ext cx="1320057" cy="482277"/>
+          </a:xfrm>
+          <a:prstGeom prst="rect">
+            <a:avLst/>
+          </a:prstGeom>
+          <a:solidFill>
+            <a:srgbClr val="FFFF00"/>
+          </a:solidFill>
+        </p:spPr>
+        <p:style>
+          <a:lnRef idx="2">
+            <a:schemeClr val="accent1">
+              <a:shade val="15000"/>
+            </a:schemeClr>
+          </a:lnRef>
+          <a:fillRef idx="1">
+            <a:schemeClr val="accent1"/>
+          </a:fillRef>
+          <a:effectRef idx="0">
+            <a:schemeClr val="accent1"/>
+          </a:effectRef>
+          <a:fontRef idx="minor">
+            <a:schemeClr val="lt1"/>
+          </a:fontRef>
+        </p:style>
+        <p:txBody>
+          <a:bodyPr rtlCol="0" anchor="ctr"/>
+          <a:lstStyle/>
+          <a:p>
+            <a:pPr algn="ctr"/>
+            <a:r>
+              <a:rPr kumimoji="1" lang="en-US" altLang="ko-Kore-KR" sz="1600" dirty="0">
+                <a:solidFill>
+                  <a:schemeClr val="tx1"/>
+                </a:solidFill>
+                <a:latin typeface="DM Mono" panose="020B0509040201040103" pitchFamily="49" charset="0"/>
+              </a:rPr>
+              <a:t>“Tom”</a:t>
+            </a:r>
+            <a:endParaRPr kumimoji="1" lang="ko-Kore-KR" altLang="en-US" sz="1600" dirty="0">
+              <a:solidFill>
+                <a:schemeClr val="tx1"/>
+              </a:solidFill>
+              <a:latin typeface="DM Mono" panose="020B0509040201040103" pitchFamily="49" charset="0"/>
+            </a:endParaRPr>
+          </a:p>
+        </p:txBody>
+      </p:sp>
+      <p:cxnSp>
+        <p:nvCxnSpPr>
+          <p:cNvPr id="10" name="구부러진 연결선[U] 9">
+            <a:extLst>
+              <a:ext uri="{FF2B5EF4-FFF2-40B4-BE49-F238E27FC236}">
+                <a16:creationId xmlns:a16="http://schemas.microsoft.com/office/drawing/2014/main" id="{8EC5FFE6-2255-C13F-707E-49689FB3BDF5}"/>
+              </a:ext>
+            </a:extLst>
+          </p:cNvPr>
+          <p:cNvCxnSpPr>
+            <a:cxnSpLocks/>
+            <a:stCxn id="4" idx="3"/>
+            <a:endCxn id="9" idx="1"/>
+          </p:cNvCxnSpPr>
+          <p:nvPr/>
+        </p:nvCxnSpPr>
+        <p:spPr>
+          <a:xfrm>
+            <a:off x="7924582" y="1156324"/>
+            <a:ext cx="2342900" cy="321128"/>
+          </a:xfrm>
+          <a:prstGeom prst="curvedConnector3">
+            <a:avLst/>
+          </a:prstGeom>
+          <a:ln w="12700">
+            <a:tailEnd type="triangle"/>
+          </a:ln>
+        </p:spPr>
+        <p:style>
+          <a:lnRef idx="1">
+            <a:schemeClr val="dk1"/>
+          </a:lnRef>
+          <a:fillRef idx="0">
+            <a:schemeClr val="dk1"/>
+          </a:fillRef>
+          <a:effectRef idx="0">
+            <a:schemeClr val="dk1"/>
+          </a:effectRef>
+          <a:fontRef idx="minor">
+            <a:schemeClr val="tx1"/>
+          </a:fontRef>
+        </p:style>
+      </p:cxnSp>
+      <p:sp>
+        <p:nvSpPr>
+          <p:cNvPr id="11" name="TextBox 10">
+            <a:extLst>
+              <a:ext uri="{FF2B5EF4-FFF2-40B4-BE49-F238E27FC236}">
+                <a16:creationId xmlns:a16="http://schemas.microsoft.com/office/drawing/2014/main" id="{BEBFA68C-CB5C-BECA-5C2C-93B44F9E95F6}"/>
+              </a:ext>
+            </a:extLst>
+          </p:cNvPr>
+          <p:cNvSpPr txBox="1"/>
+          <p:nvPr/>
+        </p:nvSpPr>
+        <p:spPr>
+          <a:xfrm>
+            <a:off x="9689730" y="943677"/>
+            <a:ext cx="974002" cy="307777"/>
+          </a:xfrm>
+          <a:prstGeom prst="rect">
+            <a:avLst/>
+          </a:prstGeom>
+          <a:noFill/>
+        </p:spPr>
+        <p:txBody>
+          <a:bodyPr wrap="square">
+            <a:spAutoFit/>
+          </a:bodyPr>
+          <a:lstStyle/>
+          <a:p>
+            <a:pPr algn="ctr"/>
+            <a:r>
+              <a:rPr lang="en-US" altLang="ko-Kore-KR" sz="1400" dirty="0">
+                <a:latin typeface="DM Mono" panose="020B0509040201040103" pitchFamily="49" charset="0"/>
+              </a:rPr>
+              <a:t>0x100</a:t>
+            </a:r>
+            <a:endParaRPr lang="ko-Kore-KR" altLang="en-US" sz="1400" dirty="0"/>
+          </a:p>
+        </p:txBody>
+      </p:sp>
+      <p:sp>
+        <p:nvSpPr>
+          <p:cNvPr id="20" name="직사각형 19">
+            <a:extLst>
+              <a:ext uri="{FF2B5EF4-FFF2-40B4-BE49-F238E27FC236}">
+                <a16:creationId xmlns:a16="http://schemas.microsoft.com/office/drawing/2014/main" id="{997FFED2-7C11-B3B7-AF67-EB309155FA97}"/>
+              </a:ext>
+            </a:extLst>
+          </p:cNvPr>
+          <p:cNvSpPr/>
+          <p:nvPr/>
+        </p:nvSpPr>
+        <p:spPr>
+          <a:xfrm>
+            <a:off x="7124744" y="1857836"/>
+            <a:ext cx="804912" cy="482277"/>
+          </a:xfrm>
+          <a:prstGeom prst="rect">
+            <a:avLst/>
+          </a:prstGeom>
+          <a:solidFill>
+            <a:srgbClr val="FFFF00"/>
+          </a:solidFill>
+        </p:spPr>
+        <p:style>
+          <a:lnRef idx="2">
+            <a:schemeClr val="accent1">
+              <a:shade val="15000"/>
+            </a:schemeClr>
+          </a:lnRef>
+          <a:fillRef idx="1">
+            <a:schemeClr val="accent1"/>
+          </a:fillRef>
+          <a:effectRef idx="0">
+            <a:schemeClr val="accent1"/>
+          </a:effectRef>
+          <a:fontRef idx="minor">
+            <a:schemeClr val="lt1"/>
+          </a:fontRef>
+        </p:style>
+        <p:txBody>
+          <a:bodyPr rtlCol="0" anchor="ctr"/>
+          <a:lstStyle/>
+          <a:p>
+            <a:pPr algn="ctr"/>
+            <a:endParaRPr kumimoji="1" lang="ko-Kore-KR" altLang="en-US" sz="1600" dirty="0">
+              <a:solidFill>
+                <a:schemeClr val="tx1"/>
+              </a:solidFill>
+              <a:latin typeface="DM Mono" panose="020B0509040201040103" pitchFamily="49" charset="0"/>
+            </a:endParaRPr>
+          </a:p>
+        </p:txBody>
+      </p:sp>
+      <p:sp>
+        <p:nvSpPr>
+          <p:cNvPr id="21" name="TextBox 20">
+            <a:extLst>
+              <a:ext uri="{FF2B5EF4-FFF2-40B4-BE49-F238E27FC236}">
+                <a16:creationId xmlns:a16="http://schemas.microsoft.com/office/drawing/2014/main" id="{153F2C61-BA50-30F4-DF62-8FE96E00BC32}"/>
+              </a:ext>
+            </a:extLst>
+          </p:cNvPr>
+          <p:cNvSpPr txBox="1"/>
+          <p:nvPr/>
+        </p:nvSpPr>
+        <p:spPr>
+          <a:xfrm>
+            <a:off x="6401257" y="1914308"/>
+            <a:ext cx="723487" cy="369332"/>
+          </a:xfrm>
+          <a:prstGeom prst="rect">
+            <a:avLst/>
+          </a:prstGeom>
+          <a:noFill/>
+        </p:spPr>
+        <p:txBody>
+          <a:bodyPr wrap="square">
+            <a:spAutoFit/>
+          </a:bodyPr>
+          <a:lstStyle/>
+          <a:p>
+            <a:pPr algn="r"/>
+            <a:r>
+              <a:rPr lang="en-US" altLang="ko-Kore-KR" dirty="0">
+                <a:latin typeface="DM Mono" panose="020B0509040201040103" pitchFamily="49" charset="0"/>
+              </a:rPr>
+              <a:t>ref</a:t>
+            </a:r>
+            <a:endParaRPr lang="ko-Kore-KR" altLang="en-US" dirty="0"/>
+          </a:p>
+        </p:txBody>
+      </p:sp>
+      <p:sp>
+        <p:nvSpPr>
+          <p:cNvPr id="22" name="직사각형 21">
+            <a:extLst>
+              <a:ext uri="{FF2B5EF4-FFF2-40B4-BE49-F238E27FC236}">
+                <a16:creationId xmlns:a16="http://schemas.microsoft.com/office/drawing/2014/main" id="{90C3E178-8F40-B2F1-5CF3-7764B3F4317C}"/>
+              </a:ext>
+            </a:extLst>
+          </p:cNvPr>
+          <p:cNvSpPr/>
+          <p:nvPr/>
+        </p:nvSpPr>
+        <p:spPr>
+          <a:xfrm>
+            <a:off x="10314256" y="2329059"/>
+            <a:ext cx="804912" cy="482277"/>
+          </a:xfrm>
+          <a:prstGeom prst="rect">
+            <a:avLst/>
+          </a:prstGeom>
+          <a:solidFill>
+            <a:srgbClr val="FFFF00"/>
+          </a:solidFill>
+        </p:spPr>
+        <p:style>
+          <a:lnRef idx="2">
+            <a:schemeClr val="accent1">
+              <a:shade val="15000"/>
+            </a:schemeClr>
+          </a:lnRef>
+          <a:fillRef idx="1">
+            <a:schemeClr val="accent1"/>
+          </a:fillRef>
+          <a:effectRef idx="0">
+            <a:schemeClr val="accent1"/>
+          </a:effectRef>
+          <a:fontRef idx="minor">
+            <a:schemeClr val="lt1"/>
+          </a:fontRef>
+        </p:style>
+        <p:txBody>
+          <a:bodyPr rtlCol="0" anchor="ctr"/>
+          <a:lstStyle/>
+          <a:p>
+            <a:pPr algn="ctr"/>
+            <a:r>
+              <a:rPr kumimoji="1" lang="en-US" altLang="ko-Kore-KR" sz="1600" dirty="0">
+                <a:solidFill>
+                  <a:srgbClr val="FF0000"/>
+                </a:solidFill>
+                <a:latin typeface="DM Mono" panose="020B0509040201040103" pitchFamily="49" charset="0"/>
+              </a:rPr>
+              <a:t>1</a:t>
+            </a:r>
+            <a:endParaRPr kumimoji="1" lang="ko-Kore-KR" altLang="en-US" sz="1600" dirty="0">
+              <a:solidFill>
+                <a:srgbClr val="FF0000"/>
+              </a:solidFill>
+              <a:latin typeface="DM Mono" panose="020B0509040201040103" pitchFamily="49" charset="0"/>
+            </a:endParaRPr>
+          </a:p>
+        </p:txBody>
+      </p:sp>
+      <p:cxnSp>
+        <p:nvCxnSpPr>
+          <p:cNvPr id="23" name="구부러진 연결선[U] 22">
+            <a:extLst>
+              <a:ext uri="{FF2B5EF4-FFF2-40B4-BE49-F238E27FC236}">
+                <a16:creationId xmlns:a16="http://schemas.microsoft.com/office/drawing/2014/main" id="{C8F01D09-549C-2F0A-95FB-3D90992D4478}"/>
+              </a:ext>
+            </a:extLst>
+          </p:cNvPr>
+          <p:cNvCxnSpPr>
+            <a:cxnSpLocks/>
+            <a:stCxn id="20" idx="3"/>
+            <a:endCxn id="22" idx="1"/>
+          </p:cNvCxnSpPr>
+          <p:nvPr/>
+        </p:nvCxnSpPr>
+        <p:spPr>
+          <a:xfrm>
+            <a:off x="7929656" y="2098975"/>
+            <a:ext cx="2384600" cy="471223"/>
+          </a:xfrm>
+          <a:prstGeom prst="curvedConnector3">
+            <a:avLst/>
+          </a:prstGeom>
+          <a:ln w="12700">
+            <a:tailEnd type="triangle"/>
+          </a:ln>
+        </p:spPr>
+        <p:style>
+          <a:lnRef idx="1">
+            <a:schemeClr val="dk1"/>
+          </a:lnRef>
+          <a:fillRef idx="0">
+            <a:schemeClr val="dk1"/>
+          </a:fillRef>
+          <a:effectRef idx="0">
+            <a:schemeClr val="dk1"/>
+          </a:effectRef>
+          <a:fontRef idx="minor">
+            <a:schemeClr val="tx1"/>
+          </a:fontRef>
+        </p:style>
+      </p:cxnSp>
+      <p:sp>
+        <p:nvSpPr>
+          <p:cNvPr id="2" name="직사각형 1">
+            <a:extLst>
+              <a:ext uri="{FF2B5EF4-FFF2-40B4-BE49-F238E27FC236}">
+                <a16:creationId xmlns:a16="http://schemas.microsoft.com/office/drawing/2014/main" id="{EF0C0639-2EB6-68F0-F451-E8DFC8868E7B}"/>
+              </a:ext>
+            </a:extLst>
+          </p:cNvPr>
+          <p:cNvSpPr/>
+          <p:nvPr/>
+        </p:nvSpPr>
+        <p:spPr>
+          <a:xfrm>
+            <a:off x="7198853" y="2940299"/>
+            <a:ext cx="804912" cy="482277"/>
+          </a:xfrm>
+          <a:prstGeom prst="rect">
+            <a:avLst/>
+          </a:prstGeom>
+          <a:solidFill>
+            <a:srgbClr val="FFFF00"/>
+          </a:solidFill>
+          <a:ln w="28575">
+            <a:solidFill>
+              <a:srgbClr val="FF0000"/>
+            </a:solidFill>
+          </a:ln>
+        </p:spPr>
+        <p:style>
+          <a:lnRef idx="2">
+            <a:schemeClr val="accent1">
+              <a:shade val="15000"/>
+            </a:schemeClr>
+          </a:lnRef>
+          <a:fillRef idx="1">
+            <a:schemeClr val="accent1"/>
+          </a:fillRef>
+          <a:effectRef idx="0">
+            <a:schemeClr val="accent1"/>
+          </a:effectRef>
+          <a:fontRef idx="minor">
+            <a:schemeClr val="lt1"/>
+          </a:fontRef>
+        </p:style>
+        <p:txBody>
+          <a:bodyPr rtlCol="0" anchor="ctr"/>
+          <a:lstStyle/>
+          <a:p>
+            <a:pPr algn="ctr"/>
+            <a:r>
+              <a:rPr kumimoji="1" lang="en-US" altLang="ko-Kore-KR" sz="1600" dirty="0">
+                <a:solidFill>
+                  <a:schemeClr val="tx1"/>
+                </a:solidFill>
+                <a:latin typeface="DM Mono" panose="020B0509040201040103" pitchFamily="49" charset="0"/>
+              </a:rPr>
+              <a:t>0x100</a:t>
+            </a:r>
+            <a:endParaRPr kumimoji="1" lang="ko-Kore-KR" altLang="en-US" sz="1600" dirty="0">
+              <a:solidFill>
+                <a:schemeClr val="tx1"/>
+              </a:solidFill>
+              <a:latin typeface="DM Mono" panose="020B0509040201040103" pitchFamily="49" charset="0"/>
+            </a:endParaRPr>
+          </a:p>
+        </p:txBody>
+      </p:sp>
+      <p:sp>
+        <p:nvSpPr>
+          <p:cNvPr id="3" name="TextBox 2">
+            <a:extLst>
+              <a:ext uri="{FF2B5EF4-FFF2-40B4-BE49-F238E27FC236}">
+                <a16:creationId xmlns:a16="http://schemas.microsoft.com/office/drawing/2014/main" id="{863C8BAF-6337-387D-F4FC-840A1D18E472}"/>
+              </a:ext>
+            </a:extLst>
+          </p:cNvPr>
+          <p:cNvSpPr txBox="1"/>
+          <p:nvPr/>
+        </p:nvSpPr>
+        <p:spPr>
+          <a:xfrm>
+            <a:off x="6406354" y="2996771"/>
+            <a:ext cx="792499" cy="369332"/>
+          </a:xfrm>
+          <a:prstGeom prst="rect">
+            <a:avLst/>
+          </a:prstGeom>
+          <a:noFill/>
+        </p:spPr>
+        <p:txBody>
+          <a:bodyPr wrap="square">
+            <a:spAutoFit/>
+          </a:bodyPr>
+          <a:lstStyle/>
+          <a:p>
+            <a:pPr algn="r"/>
+            <a:r>
+              <a:rPr lang="en-US" altLang="ko-Kore-KR" dirty="0">
+                <a:latin typeface="DM Mono" panose="020B0509040201040103" pitchFamily="49" charset="0"/>
+              </a:rPr>
+              <a:t>name</a:t>
+            </a:r>
+            <a:endParaRPr lang="ko-Kore-KR" altLang="en-US" dirty="0"/>
+          </a:p>
+        </p:txBody>
+      </p:sp>
+      <p:sp>
+        <p:nvSpPr>
+          <p:cNvPr id="12" name="직사각형 11">
+            <a:extLst>
+              <a:ext uri="{FF2B5EF4-FFF2-40B4-BE49-F238E27FC236}">
+                <a16:creationId xmlns:a16="http://schemas.microsoft.com/office/drawing/2014/main" id="{82D44A1A-653E-65EF-FD8E-5B808527F8B0}"/>
+              </a:ext>
+            </a:extLst>
+          </p:cNvPr>
+          <p:cNvSpPr/>
+          <p:nvPr/>
+        </p:nvSpPr>
+        <p:spPr>
+          <a:xfrm>
+            <a:off x="7198853" y="3422575"/>
+            <a:ext cx="804912" cy="482277"/>
+          </a:xfrm>
+          <a:prstGeom prst="rect">
+            <a:avLst/>
+          </a:prstGeom>
+          <a:solidFill>
+            <a:srgbClr val="FFFF00"/>
+          </a:solidFill>
+          <a:ln w="28575">
+            <a:solidFill>
+              <a:srgbClr val="FF0000"/>
+            </a:solidFill>
+          </a:ln>
+        </p:spPr>
+        <p:style>
+          <a:lnRef idx="2">
+            <a:schemeClr val="accent1">
+              <a:shade val="15000"/>
+            </a:schemeClr>
+          </a:lnRef>
+          <a:fillRef idx="1">
+            <a:schemeClr val="accent1"/>
+          </a:fillRef>
+          <a:effectRef idx="0">
+            <a:schemeClr val="accent1"/>
+          </a:effectRef>
+          <a:fontRef idx="minor">
+            <a:schemeClr val="lt1"/>
+          </a:fontRef>
+        </p:style>
+        <p:txBody>
+          <a:bodyPr rtlCol="0" anchor="ctr"/>
+          <a:lstStyle/>
+          <a:p>
+            <a:pPr algn="ctr"/>
+            <a:r>
+              <a:rPr kumimoji="1" lang="en-US" altLang="ko-Kore-KR" sz="1600" dirty="0">
+                <a:solidFill>
+                  <a:schemeClr val="tx1"/>
+                </a:solidFill>
+                <a:latin typeface="DM Mono" panose="020B0509040201040103" pitchFamily="49" charset="0"/>
+              </a:rPr>
+              <a:t>42</a:t>
+            </a:r>
+            <a:endParaRPr kumimoji="1" lang="ko-Kore-KR" altLang="en-US" sz="1600" dirty="0">
+              <a:solidFill>
+                <a:schemeClr val="tx1"/>
+              </a:solidFill>
+              <a:latin typeface="DM Mono" panose="020B0509040201040103" pitchFamily="49" charset="0"/>
+            </a:endParaRPr>
+          </a:p>
+        </p:txBody>
+      </p:sp>
+      <p:sp>
+        <p:nvSpPr>
+          <p:cNvPr id="13" name="TextBox 12">
+            <a:extLst>
+              <a:ext uri="{FF2B5EF4-FFF2-40B4-BE49-F238E27FC236}">
+                <a16:creationId xmlns:a16="http://schemas.microsoft.com/office/drawing/2014/main" id="{D7967835-D726-195C-8EBA-C72D393B26E1}"/>
+              </a:ext>
+            </a:extLst>
+          </p:cNvPr>
+          <p:cNvSpPr txBox="1"/>
+          <p:nvPr/>
+        </p:nvSpPr>
+        <p:spPr>
+          <a:xfrm>
+            <a:off x="6475366" y="3479047"/>
+            <a:ext cx="723487" cy="369332"/>
+          </a:xfrm>
+          <a:prstGeom prst="rect">
+            <a:avLst/>
+          </a:prstGeom>
+          <a:noFill/>
+        </p:spPr>
+        <p:txBody>
+          <a:bodyPr wrap="square">
+            <a:spAutoFit/>
+          </a:bodyPr>
+          <a:lstStyle/>
+          <a:p>
+            <a:pPr algn="r"/>
+            <a:r>
+              <a:rPr lang="en-US" altLang="ko-Kore-KR" dirty="0">
+                <a:latin typeface="DM Mono" panose="020B0509040201040103" pitchFamily="49" charset="0"/>
+              </a:rPr>
+              <a:t>age</a:t>
+            </a:r>
+            <a:endParaRPr lang="ko-Kore-KR" altLang="en-US" dirty="0"/>
+          </a:p>
+        </p:txBody>
+      </p:sp>
+      <p:sp>
+        <p:nvSpPr>
+          <p:cNvPr id="14" name="TextBox 13">
+            <a:extLst>
+              <a:ext uri="{FF2B5EF4-FFF2-40B4-BE49-F238E27FC236}">
+                <a16:creationId xmlns:a16="http://schemas.microsoft.com/office/drawing/2014/main" id="{54FB6AB6-4DBF-5BA8-26D8-C6525C7DCFA5}"/>
+              </a:ext>
+            </a:extLst>
+          </p:cNvPr>
+          <p:cNvSpPr txBox="1"/>
+          <p:nvPr/>
+        </p:nvSpPr>
+        <p:spPr>
+          <a:xfrm>
+            <a:off x="7030002" y="2570966"/>
+            <a:ext cx="1052946" cy="369332"/>
+          </a:xfrm>
+          <a:prstGeom prst="rect">
+            <a:avLst/>
+          </a:prstGeom>
+          <a:noFill/>
+        </p:spPr>
+        <p:txBody>
+          <a:bodyPr wrap="square">
+            <a:spAutoFit/>
+          </a:bodyPr>
+          <a:lstStyle/>
+          <a:p>
+            <a:pPr algn="ctr"/>
+            <a:r>
+              <a:rPr lang="en-US" altLang="ko-Kore-KR" dirty="0">
+                <a:latin typeface="DM Mono" panose="020B0509040201040103" pitchFamily="49" charset="0"/>
+              </a:rPr>
+              <a:t>other</a:t>
+            </a:r>
+            <a:endParaRPr lang="ko-Kore-KR" altLang="en-US" dirty="0"/>
+          </a:p>
+        </p:txBody>
+      </p:sp>
+      <p:sp>
+        <p:nvSpPr>
+          <p:cNvPr id="15" name="직사각형 14">
+            <a:extLst>
+              <a:ext uri="{FF2B5EF4-FFF2-40B4-BE49-F238E27FC236}">
+                <a16:creationId xmlns:a16="http://schemas.microsoft.com/office/drawing/2014/main" id="{B4523B53-004B-20E3-AA06-BD9B17ED1C09}"/>
+              </a:ext>
+            </a:extLst>
+          </p:cNvPr>
+          <p:cNvSpPr/>
+          <p:nvPr/>
+        </p:nvSpPr>
+        <p:spPr>
+          <a:xfrm>
+            <a:off x="7194691" y="3882950"/>
+            <a:ext cx="804912" cy="482277"/>
+          </a:xfrm>
+          <a:prstGeom prst="rect">
+            <a:avLst/>
+          </a:prstGeom>
+          <a:solidFill>
+            <a:srgbClr val="FFFF00"/>
+          </a:solidFill>
+          <a:ln w="28575">
+            <a:solidFill>
+              <a:srgbClr val="FF0000"/>
+            </a:solidFill>
+          </a:ln>
+        </p:spPr>
+        <p:style>
+          <a:lnRef idx="2">
+            <a:schemeClr val="accent1">
+              <a:shade val="15000"/>
+            </a:schemeClr>
+          </a:lnRef>
+          <a:fillRef idx="1">
+            <a:schemeClr val="accent1"/>
+          </a:fillRef>
+          <a:effectRef idx="0">
+            <a:schemeClr val="accent1"/>
+          </a:effectRef>
+          <a:fontRef idx="minor">
+            <a:schemeClr val="lt1"/>
+          </a:fontRef>
+        </p:style>
+        <p:txBody>
+          <a:bodyPr rtlCol="0" anchor="ctr"/>
+          <a:lstStyle/>
+          <a:p>
+            <a:pPr algn="ctr"/>
+            <a:endParaRPr kumimoji="1" lang="ko-Kore-KR" altLang="en-US" sz="1600" dirty="0">
+              <a:solidFill>
+                <a:schemeClr val="tx1"/>
+              </a:solidFill>
+              <a:latin typeface="DM Mono" panose="020B0509040201040103" pitchFamily="49" charset="0"/>
+            </a:endParaRPr>
+          </a:p>
+        </p:txBody>
+      </p:sp>
+      <p:sp>
+        <p:nvSpPr>
+          <p:cNvPr id="16" name="TextBox 15">
+            <a:extLst>
+              <a:ext uri="{FF2B5EF4-FFF2-40B4-BE49-F238E27FC236}">
+                <a16:creationId xmlns:a16="http://schemas.microsoft.com/office/drawing/2014/main" id="{D31030F1-CAF8-D881-2D56-CC54F7117ACB}"/>
+              </a:ext>
+            </a:extLst>
+          </p:cNvPr>
+          <p:cNvSpPr txBox="1"/>
+          <p:nvPr/>
+        </p:nvSpPr>
+        <p:spPr>
+          <a:xfrm>
+            <a:off x="6480440" y="3939422"/>
+            <a:ext cx="723487" cy="369332"/>
+          </a:xfrm>
+          <a:prstGeom prst="rect">
+            <a:avLst/>
+          </a:prstGeom>
+          <a:noFill/>
+        </p:spPr>
+        <p:txBody>
+          <a:bodyPr wrap="square">
+            <a:spAutoFit/>
+          </a:bodyPr>
+          <a:lstStyle/>
+          <a:p>
+            <a:pPr algn="r"/>
+            <a:r>
+              <a:rPr lang="en-US" altLang="ko-Kore-KR" dirty="0">
+                <a:latin typeface="DM Mono" panose="020B0509040201040103" pitchFamily="49" charset="0"/>
+              </a:rPr>
+              <a:t>ref</a:t>
+            </a:r>
+            <a:endParaRPr lang="ko-Kore-KR" altLang="en-US" dirty="0"/>
+          </a:p>
+        </p:txBody>
+      </p:sp>
+      <p:sp>
+        <p:nvSpPr>
+          <p:cNvPr id="30" name="TextBox 29">
+            <a:extLst>
+              <a:ext uri="{FF2B5EF4-FFF2-40B4-BE49-F238E27FC236}">
+                <a16:creationId xmlns:a16="http://schemas.microsoft.com/office/drawing/2014/main" id="{E67A413A-B645-829B-CF0F-A8989CE5C331}"/>
+              </a:ext>
+            </a:extLst>
+          </p:cNvPr>
+          <p:cNvSpPr txBox="1"/>
+          <p:nvPr/>
+        </p:nvSpPr>
+        <p:spPr>
+          <a:xfrm>
+            <a:off x="485197" y="308788"/>
+            <a:ext cx="4700474" cy="2031325"/>
+          </a:xfrm>
+          <a:prstGeom prst="rect">
+            <a:avLst/>
+          </a:prstGeom>
+          <a:noFill/>
+        </p:spPr>
+        <p:txBody>
+          <a:bodyPr wrap="square">
+            <a:spAutoFit/>
+          </a:bodyPr>
+          <a:lstStyle/>
+          <a:p>
+            <a:r>
+              <a:rPr lang="ko-Kore-KR" altLang="en-US" dirty="0">
+                <a:latin typeface="DM Mono" panose="020B0509040201040103" pitchFamily="49" charset="0"/>
+              </a:rPr>
+              <a:t> </a:t>
+            </a:r>
+            <a:r>
+              <a:rPr lang="en-US" altLang="ko-Kore-KR" dirty="0">
+                <a:latin typeface="DM Mono" panose="020B0509040201040103" pitchFamily="49" charset="0"/>
+              </a:rPr>
+              <a:t>   </a:t>
+            </a:r>
+            <a:r>
+              <a:rPr lang="ko-Kore-KR" altLang="en-US" dirty="0">
+                <a:latin typeface="DM Mono" panose="020B0509040201040103" pitchFamily="49" charset="0"/>
+              </a:rPr>
+              <a:t>~User()</a:t>
+            </a:r>
+          </a:p>
+          <a:p>
+            <a:r>
+              <a:rPr lang="ko-Kore-KR" altLang="en-US" dirty="0">
+                <a:latin typeface="DM Mono" panose="020B0509040201040103" pitchFamily="49" charset="0"/>
+              </a:rPr>
+              <a:t>    {</a:t>
+            </a:r>
+          </a:p>
+          <a:p>
+            <a:r>
+              <a:rPr lang="ko-Kore-KR" altLang="en-US" dirty="0">
+                <a:latin typeface="DM Mono" panose="020B0509040201040103" pitchFamily="49" charset="0"/>
+              </a:rPr>
+              <a:t>        </a:t>
+            </a:r>
+            <a:r>
+              <a:rPr lang="ko-Kore-KR" altLang="en-US" dirty="0">
+                <a:solidFill>
+                  <a:srgbClr val="FF0000"/>
+                </a:solidFill>
+                <a:latin typeface="DM Mono" panose="020B0509040201040103" pitchFamily="49" charset="0"/>
+              </a:rPr>
+              <a:t>if (--(*ref) == 0) </a:t>
+            </a:r>
+            <a:r>
+              <a:rPr lang="ko-Kore-KR" altLang="en-US" dirty="0">
+                <a:latin typeface="DM Mono" panose="020B0509040201040103" pitchFamily="49" charset="0"/>
+              </a:rPr>
+              <a:t>{</a:t>
+            </a:r>
+          </a:p>
+          <a:p>
+            <a:r>
+              <a:rPr lang="ko-Kore-KR" altLang="en-US" dirty="0">
+                <a:latin typeface="DM Mono" panose="020B0509040201040103" pitchFamily="49" charset="0"/>
+              </a:rPr>
+              <a:t>            delete[] name;</a:t>
+            </a:r>
+          </a:p>
+          <a:p>
+            <a:r>
+              <a:rPr lang="ko-Kore-KR" altLang="en-US" dirty="0">
+                <a:latin typeface="DM Mono" panose="020B0509040201040103" pitchFamily="49" charset="0"/>
+              </a:rPr>
+              <a:t>            delete ref;</a:t>
+            </a:r>
+          </a:p>
+          <a:p>
+            <a:r>
+              <a:rPr lang="ko-Kore-KR" altLang="en-US" dirty="0">
+                <a:latin typeface="DM Mono" panose="020B0509040201040103" pitchFamily="49" charset="0"/>
+              </a:rPr>
+              <a:t>        }</a:t>
+            </a:r>
+          </a:p>
+          <a:p>
+            <a:r>
+              <a:rPr lang="ko-Kore-KR" altLang="en-US" dirty="0">
+                <a:latin typeface="DM Mono" panose="020B0509040201040103" pitchFamily="49" charset="0"/>
+              </a:rPr>
+              <a:t>    }</a:t>
+            </a:r>
+          </a:p>
+        </p:txBody>
+      </p:sp>
+    </p:spTree>
+    <p:extLst>
+      <p:ext uri="{BB962C8B-B14F-4D97-AF65-F5344CB8AC3E}">
+        <p14:creationId xmlns:p14="http://schemas.microsoft.com/office/powerpoint/2010/main" val="3512278890"/>
+      </p:ext>
+    </p:extLst>
+  </p:cSld>
+  <p:clrMapOvr>
+    <a:masterClrMapping/>
+  </p:clrMapOvr>
+</p:sld>
+</file>
+
+<file path=ppt/slides/slide28.xml><?xml version="1.0" encoding="utf-8"?>
+<p:sld xmlns:a="http://schemas.openxmlformats.org/drawingml/2006/main" xmlns:r="http://schemas.openxmlformats.org/officeDocument/2006/relationships" xmlns:p="http://schemas.openxmlformats.org/presentationml/2006/main">
+  <p:cSld>
+    <p:spTree>
+      <p:nvGrpSpPr>
+        <p:cNvPr id="1" name=""/>
+        <p:cNvGrpSpPr/>
+        <p:nvPr/>
+      </p:nvGrpSpPr>
+      <p:grpSpPr>
+        <a:xfrm>
+          <a:off x="0" y="0"/>
+          <a:ext cx="0" cy="0"/>
+          <a:chOff x="0" y="0"/>
+          <a:chExt cx="0" cy="0"/>
+        </a:xfrm>
+      </p:grpSpPr>
+      <p:sp>
+        <p:nvSpPr>
+          <p:cNvPr id="4" name="직사각형 3">
+            <a:extLst>
+              <a:ext uri="{FF2B5EF4-FFF2-40B4-BE49-F238E27FC236}">
+                <a16:creationId xmlns:a16="http://schemas.microsoft.com/office/drawing/2014/main" id="{371E8C1A-DB2C-1E2D-2C20-2C5F82F71FCA}"/>
+              </a:ext>
+            </a:extLst>
+          </p:cNvPr>
+          <p:cNvSpPr/>
+          <p:nvPr/>
+        </p:nvSpPr>
+        <p:spPr>
+          <a:xfrm>
+            <a:off x="7119670" y="915185"/>
+            <a:ext cx="804912" cy="482277"/>
+          </a:xfrm>
+          <a:prstGeom prst="rect">
+            <a:avLst/>
+          </a:prstGeom>
+          <a:solidFill>
+            <a:srgbClr val="FFFF00"/>
+          </a:solidFill>
+          <a:ln w="28575">
+            <a:solidFill>
+              <a:srgbClr val="FF0000"/>
+            </a:solidFill>
+          </a:ln>
+        </p:spPr>
+        <p:style>
+          <a:lnRef idx="2">
+            <a:schemeClr val="accent1">
+              <a:shade val="15000"/>
+            </a:schemeClr>
+          </a:lnRef>
+          <a:fillRef idx="1">
+            <a:schemeClr val="accent1"/>
+          </a:fillRef>
+          <a:effectRef idx="0">
+            <a:schemeClr val="accent1"/>
+          </a:effectRef>
+          <a:fontRef idx="minor">
+            <a:schemeClr val="lt1"/>
+          </a:fontRef>
+        </p:style>
+        <p:txBody>
+          <a:bodyPr rtlCol="0" anchor="ctr"/>
+          <a:lstStyle/>
+          <a:p>
+            <a:pPr algn="ctr"/>
+            <a:r>
+              <a:rPr kumimoji="1" lang="en-US" altLang="ko-Kore-KR" sz="1600" dirty="0">
+                <a:solidFill>
+                  <a:schemeClr val="tx1"/>
+                </a:solidFill>
+                <a:latin typeface="DM Mono" panose="020B0509040201040103" pitchFamily="49" charset="0"/>
+              </a:rPr>
+              <a:t>0x100</a:t>
+            </a:r>
+            <a:endParaRPr kumimoji="1" lang="ko-Kore-KR" altLang="en-US" sz="1600" dirty="0">
+              <a:solidFill>
+                <a:schemeClr val="tx1"/>
+              </a:solidFill>
+              <a:latin typeface="DM Mono" panose="020B0509040201040103" pitchFamily="49" charset="0"/>
+            </a:endParaRPr>
+          </a:p>
+        </p:txBody>
+      </p:sp>
+      <p:sp>
+        <p:nvSpPr>
+          <p:cNvPr id="5" name="TextBox 4">
+            <a:extLst>
+              <a:ext uri="{FF2B5EF4-FFF2-40B4-BE49-F238E27FC236}">
+                <a16:creationId xmlns:a16="http://schemas.microsoft.com/office/drawing/2014/main" id="{93DB06CF-9A86-DB9B-1A48-9A74E07AB7ED}"/>
+              </a:ext>
+            </a:extLst>
+          </p:cNvPr>
+          <p:cNvSpPr txBox="1"/>
+          <p:nvPr/>
+        </p:nvSpPr>
+        <p:spPr>
+          <a:xfrm>
+            <a:off x="6327171" y="971657"/>
+            <a:ext cx="792499" cy="369332"/>
+          </a:xfrm>
+          <a:prstGeom prst="rect">
+            <a:avLst/>
+          </a:prstGeom>
+          <a:noFill/>
+        </p:spPr>
+        <p:txBody>
+          <a:bodyPr wrap="square">
+            <a:spAutoFit/>
+          </a:bodyPr>
+          <a:lstStyle/>
+          <a:p>
+            <a:pPr algn="r"/>
+            <a:r>
+              <a:rPr lang="en-US" altLang="ko-Kore-KR" dirty="0">
+                <a:latin typeface="DM Mono" panose="020B0509040201040103" pitchFamily="49" charset="0"/>
+              </a:rPr>
+              <a:t>name</a:t>
+            </a:r>
+            <a:endParaRPr lang="ko-Kore-KR" altLang="en-US" dirty="0"/>
+          </a:p>
+        </p:txBody>
+      </p:sp>
+      <p:sp>
+        <p:nvSpPr>
+          <p:cNvPr id="6" name="직사각형 5">
+            <a:extLst>
+              <a:ext uri="{FF2B5EF4-FFF2-40B4-BE49-F238E27FC236}">
+                <a16:creationId xmlns:a16="http://schemas.microsoft.com/office/drawing/2014/main" id="{EF845C24-5BCC-702C-2576-D6AB1A2C28E6}"/>
+              </a:ext>
+            </a:extLst>
+          </p:cNvPr>
+          <p:cNvSpPr/>
+          <p:nvPr/>
+        </p:nvSpPr>
+        <p:spPr>
+          <a:xfrm>
+            <a:off x="7119670" y="1397461"/>
+            <a:ext cx="804912" cy="482277"/>
+          </a:xfrm>
+          <a:prstGeom prst="rect">
+            <a:avLst/>
+          </a:prstGeom>
+          <a:solidFill>
+            <a:srgbClr val="FFFF00"/>
+          </a:solidFill>
+          <a:ln w="28575">
+            <a:solidFill>
+              <a:srgbClr val="FF0000"/>
+            </a:solidFill>
+          </a:ln>
+        </p:spPr>
+        <p:style>
+          <a:lnRef idx="2">
+            <a:schemeClr val="accent1">
+              <a:shade val="15000"/>
+            </a:schemeClr>
+          </a:lnRef>
+          <a:fillRef idx="1">
+            <a:schemeClr val="accent1"/>
+          </a:fillRef>
+          <a:effectRef idx="0">
+            <a:schemeClr val="accent1"/>
+          </a:effectRef>
+          <a:fontRef idx="minor">
+            <a:schemeClr val="lt1"/>
+          </a:fontRef>
+        </p:style>
+        <p:txBody>
+          <a:bodyPr rtlCol="0" anchor="ctr"/>
+          <a:lstStyle/>
+          <a:p>
+            <a:pPr algn="ctr"/>
+            <a:r>
+              <a:rPr kumimoji="1" lang="en-US" altLang="ko-Kore-KR" sz="1600" dirty="0">
+                <a:solidFill>
+                  <a:schemeClr val="tx1"/>
+                </a:solidFill>
+                <a:latin typeface="DM Mono" panose="020B0509040201040103" pitchFamily="49" charset="0"/>
+              </a:rPr>
+              <a:t>42</a:t>
+            </a:r>
+            <a:endParaRPr kumimoji="1" lang="ko-Kore-KR" altLang="en-US" sz="1600" dirty="0">
+              <a:solidFill>
+                <a:schemeClr val="tx1"/>
+              </a:solidFill>
+              <a:latin typeface="DM Mono" panose="020B0509040201040103" pitchFamily="49" charset="0"/>
+            </a:endParaRPr>
+          </a:p>
+        </p:txBody>
+      </p:sp>
+      <p:sp>
+        <p:nvSpPr>
+          <p:cNvPr id="7" name="TextBox 6">
+            <a:extLst>
+              <a:ext uri="{FF2B5EF4-FFF2-40B4-BE49-F238E27FC236}">
+                <a16:creationId xmlns:a16="http://schemas.microsoft.com/office/drawing/2014/main" id="{9FDDA326-0ED3-D508-02F7-706D12ADA8F0}"/>
+              </a:ext>
+            </a:extLst>
+          </p:cNvPr>
+          <p:cNvSpPr txBox="1"/>
+          <p:nvPr/>
+        </p:nvSpPr>
+        <p:spPr>
+          <a:xfrm>
+            <a:off x="6396183" y="1453933"/>
+            <a:ext cx="723487" cy="369332"/>
+          </a:xfrm>
+          <a:prstGeom prst="rect">
+            <a:avLst/>
+          </a:prstGeom>
+          <a:noFill/>
+        </p:spPr>
+        <p:txBody>
+          <a:bodyPr wrap="square">
+            <a:spAutoFit/>
+          </a:bodyPr>
+          <a:lstStyle/>
+          <a:p>
+            <a:pPr algn="r"/>
+            <a:r>
+              <a:rPr lang="en-US" altLang="ko-Kore-KR" dirty="0">
+                <a:latin typeface="DM Mono" panose="020B0509040201040103" pitchFamily="49" charset="0"/>
+              </a:rPr>
+              <a:t>age</a:t>
+            </a:r>
+            <a:endParaRPr lang="ko-Kore-KR" altLang="en-US" dirty="0"/>
+          </a:p>
+        </p:txBody>
+      </p:sp>
+      <p:sp>
+        <p:nvSpPr>
+          <p:cNvPr id="8" name="TextBox 7">
+            <a:extLst>
+              <a:ext uri="{FF2B5EF4-FFF2-40B4-BE49-F238E27FC236}">
+                <a16:creationId xmlns:a16="http://schemas.microsoft.com/office/drawing/2014/main" id="{29FD4298-8ED9-0A30-EF66-1F5F478DA0E6}"/>
+              </a:ext>
+            </a:extLst>
+          </p:cNvPr>
+          <p:cNvSpPr txBox="1"/>
+          <p:nvPr/>
+        </p:nvSpPr>
+        <p:spPr>
+          <a:xfrm>
+            <a:off x="6950819" y="545852"/>
+            <a:ext cx="1052946" cy="369332"/>
+          </a:xfrm>
+          <a:prstGeom prst="rect">
+            <a:avLst/>
+          </a:prstGeom>
+          <a:noFill/>
+        </p:spPr>
+        <p:txBody>
+          <a:bodyPr wrap="square">
+            <a:spAutoFit/>
+          </a:bodyPr>
+          <a:lstStyle/>
+          <a:p>
+            <a:pPr algn="ctr"/>
+            <a:r>
+              <a:rPr lang="en-US" altLang="ko-Kore-KR" dirty="0">
+                <a:latin typeface="DM Mono" panose="020B0509040201040103" pitchFamily="49" charset="0"/>
+              </a:rPr>
+              <a:t>user</a:t>
+            </a:r>
+            <a:endParaRPr lang="ko-Kore-KR" altLang="en-US" dirty="0"/>
+          </a:p>
+        </p:txBody>
+      </p:sp>
+      <p:sp>
+        <p:nvSpPr>
+          <p:cNvPr id="9" name="직사각형 8">
+            <a:extLst>
+              <a:ext uri="{FF2B5EF4-FFF2-40B4-BE49-F238E27FC236}">
+                <a16:creationId xmlns:a16="http://schemas.microsoft.com/office/drawing/2014/main" id="{A386C38F-0F2E-7FB4-2C45-DE7A915F25D4}"/>
+              </a:ext>
+            </a:extLst>
+          </p:cNvPr>
+          <p:cNvSpPr/>
+          <p:nvPr/>
+        </p:nvSpPr>
+        <p:spPr>
+          <a:xfrm>
+            <a:off x="10267482" y="1236313"/>
+            <a:ext cx="1320057" cy="482277"/>
+          </a:xfrm>
+          <a:prstGeom prst="rect">
+            <a:avLst/>
+          </a:prstGeom>
+          <a:solidFill>
+            <a:srgbClr val="FFFF00"/>
+          </a:solidFill>
+          <a:ln w="28575">
+            <a:solidFill>
+              <a:srgbClr val="FF0000"/>
+            </a:solidFill>
+          </a:ln>
+        </p:spPr>
+        <p:style>
+          <a:lnRef idx="2">
+            <a:schemeClr val="accent1">
+              <a:shade val="15000"/>
+            </a:schemeClr>
+          </a:lnRef>
+          <a:fillRef idx="1">
+            <a:schemeClr val="accent1"/>
+          </a:fillRef>
+          <a:effectRef idx="0">
+            <a:schemeClr val="accent1"/>
+          </a:effectRef>
+          <a:fontRef idx="minor">
+            <a:schemeClr val="lt1"/>
+          </a:fontRef>
+        </p:style>
+        <p:txBody>
+          <a:bodyPr rtlCol="0" anchor="ctr"/>
+          <a:lstStyle/>
+          <a:p>
+            <a:pPr algn="ctr"/>
+            <a:r>
+              <a:rPr kumimoji="1" lang="en-US" altLang="ko-Kore-KR" sz="1600" dirty="0">
+                <a:solidFill>
+                  <a:schemeClr val="tx1"/>
+                </a:solidFill>
+                <a:latin typeface="DM Mono" panose="020B0509040201040103" pitchFamily="49" charset="0"/>
+              </a:rPr>
+              <a:t>“Tom”</a:t>
+            </a:r>
+            <a:endParaRPr kumimoji="1" lang="ko-Kore-KR" altLang="en-US" sz="1600" dirty="0">
+              <a:solidFill>
+                <a:schemeClr val="tx1"/>
+              </a:solidFill>
+              <a:latin typeface="DM Mono" panose="020B0509040201040103" pitchFamily="49" charset="0"/>
+            </a:endParaRPr>
+          </a:p>
+        </p:txBody>
+      </p:sp>
+      <p:cxnSp>
+        <p:nvCxnSpPr>
+          <p:cNvPr id="10" name="구부러진 연결선[U] 9">
+            <a:extLst>
+              <a:ext uri="{FF2B5EF4-FFF2-40B4-BE49-F238E27FC236}">
+                <a16:creationId xmlns:a16="http://schemas.microsoft.com/office/drawing/2014/main" id="{8EC5FFE6-2255-C13F-707E-49689FB3BDF5}"/>
+              </a:ext>
+            </a:extLst>
+          </p:cNvPr>
+          <p:cNvCxnSpPr>
+            <a:cxnSpLocks/>
+            <a:stCxn id="4" idx="3"/>
+            <a:endCxn id="9" idx="1"/>
+          </p:cNvCxnSpPr>
+          <p:nvPr/>
+        </p:nvCxnSpPr>
+        <p:spPr>
+          <a:xfrm>
+            <a:off x="7924582" y="1156324"/>
+            <a:ext cx="2342900" cy="321128"/>
+          </a:xfrm>
+          <a:prstGeom prst="curvedConnector3">
+            <a:avLst/>
+          </a:prstGeom>
+          <a:ln w="12700">
+            <a:tailEnd type="triangle"/>
+          </a:ln>
+        </p:spPr>
+        <p:style>
+          <a:lnRef idx="1">
+            <a:schemeClr val="dk1"/>
+          </a:lnRef>
+          <a:fillRef idx="0">
+            <a:schemeClr val="dk1"/>
+          </a:fillRef>
+          <a:effectRef idx="0">
+            <a:schemeClr val="dk1"/>
+          </a:effectRef>
+          <a:fontRef idx="minor">
+            <a:schemeClr val="tx1"/>
+          </a:fontRef>
+        </p:style>
+      </p:cxnSp>
+      <p:sp>
+        <p:nvSpPr>
+          <p:cNvPr id="11" name="TextBox 10">
+            <a:extLst>
+              <a:ext uri="{FF2B5EF4-FFF2-40B4-BE49-F238E27FC236}">
+                <a16:creationId xmlns:a16="http://schemas.microsoft.com/office/drawing/2014/main" id="{BEBFA68C-CB5C-BECA-5C2C-93B44F9E95F6}"/>
+              </a:ext>
+            </a:extLst>
+          </p:cNvPr>
+          <p:cNvSpPr txBox="1"/>
+          <p:nvPr/>
+        </p:nvSpPr>
+        <p:spPr>
+          <a:xfrm>
+            <a:off x="9689730" y="943677"/>
+            <a:ext cx="974002" cy="307777"/>
+          </a:xfrm>
+          <a:prstGeom prst="rect">
+            <a:avLst/>
+          </a:prstGeom>
+          <a:noFill/>
+        </p:spPr>
+        <p:txBody>
+          <a:bodyPr wrap="square">
+            <a:spAutoFit/>
+          </a:bodyPr>
+          <a:lstStyle/>
+          <a:p>
+            <a:pPr algn="ctr"/>
+            <a:r>
+              <a:rPr lang="en-US" altLang="ko-Kore-KR" sz="1400" dirty="0">
+                <a:latin typeface="DM Mono" panose="020B0509040201040103" pitchFamily="49" charset="0"/>
+              </a:rPr>
+              <a:t>0x100</a:t>
+            </a:r>
+            <a:endParaRPr lang="ko-Kore-KR" altLang="en-US" sz="1400" dirty="0"/>
+          </a:p>
+        </p:txBody>
+      </p:sp>
+      <p:sp>
+        <p:nvSpPr>
+          <p:cNvPr id="20" name="직사각형 19">
+            <a:extLst>
+              <a:ext uri="{FF2B5EF4-FFF2-40B4-BE49-F238E27FC236}">
+                <a16:creationId xmlns:a16="http://schemas.microsoft.com/office/drawing/2014/main" id="{997FFED2-7C11-B3B7-AF67-EB309155FA97}"/>
+              </a:ext>
+            </a:extLst>
+          </p:cNvPr>
+          <p:cNvSpPr/>
+          <p:nvPr/>
+        </p:nvSpPr>
+        <p:spPr>
+          <a:xfrm>
+            <a:off x="7124744" y="1857836"/>
+            <a:ext cx="804912" cy="482277"/>
+          </a:xfrm>
+          <a:prstGeom prst="rect">
+            <a:avLst/>
+          </a:prstGeom>
+          <a:solidFill>
+            <a:srgbClr val="FFFF00"/>
+          </a:solidFill>
+          <a:ln w="28575">
+            <a:solidFill>
+              <a:srgbClr val="FF0000"/>
+            </a:solidFill>
+          </a:ln>
+        </p:spPr>
+        <p:style>
+          <a:lnRef idx="2">
+            <a:schemeClr val="accent1">
+              <a:shade val="15000"/>
+            </a:schemeClr>
+          </a:lnRef>
+          <a:fillRef idx="1">
+            <a:schemeClr val="accent1"/>
+          </a:fillRef>
+          <a:effectRef idx="0">
+            <a:schemeClr val="accent1"/>
+          </a:effectRef>
+          <a:fontRef idx="minor">
+            <a:schemeClr val="lt1"/>
+          </a:fontRef>
+        </p:style>
+        <p:txBody>
+          <a:bodyPr rtlCol="0" anchor="ctr"/>
+          <a:lstStyle/>
+          <a:p>
+            <a:pPr algn="ctr"/>
+            <a:endParaRPr kumimoji="1" lang="ko-Kore-KR" altLang="en-US" sz="1600" dirty="0">
+              <a:solidFill>
+                <a:schemeClr val="tx1"/>
+              </a:solidFill>
+              <a:latin typeface="DM Mono" panose="020B0509040201040103" pitchFamily="49" charset="0"/>
+            </a:endParaRPr>
+          </a:p>
+        </p:txBody>
+      </p:sp>
+      <p:sp>
+        <p:nvSpPr>
+          <p:cNvPr id="21" name="TextBox 20">
+            <a:extLst>
+              <a:ext uri="{FF2B5EF4-FFF2-40B4-BE49-F238E27FC236}">
+                <a16:creationId xmlns:a16="http://schemas.microsoft.com/office/drawing/2014/main" id="{153F2C61-BA50-30F4-DF62-8FE96E00BC32}"/>
+              </a:ext>
+            </a:extLst>
+          </p:cNvPr>
+          <p:cNvSpPr txBox="1"/>
+          <p:nvPr/>
+        </p:nvSpPr>
+        <p:spPr>
+          <a:xfrm>
+            <a:off x="6401257" y="1914308"/>
+            <a:ext cx="723487" cy="369332"/>
+          </a:xfrm>
+          <a:prstGeom prst="rect">
+            <a:avLst/>
+          </a:prstGeom>
+          <a:noFill/>
+        </p:spPr>
+        <p:txBody>
+          <a:bodyPr wrap="square">
+            <a:spAutoFit/>
+          </a:bodyPr>
+          <a:lstStyle/>
+          <a:p>
+            <a:pPr algn="r"/>
+            <a:r>
+              <a:rPr lang="en-US" altLang="ko-Kore-KR" dirty="0">
+                <a:latin typeface="DM Mono" panose="020B0509040201040103" pitchFamily="49" charset="0"/>
+              </a:rPr>
+              <a:t>ref</a:t>
+            </a:r>
+            <a:endParaRPr lang="ko-Kore-KR" altLang="en-US" dirty="0"/>
+          </a:p>
+        </p:txBody>
+      </p:sp>
+      <p:sp>
+        <p:nvSpPr>
+          <p:cNvPr id="22" name="직사각형 21">
+            <a:extLst>
+              <a:ext uri="{FF2B5EF4-FFF2-40B4-BE49-F238E27FC236}">
+                <a16:creationId xmlns:a16="http://schemas.microsoft.com/office/drawing/2014/main" id="{90C3E178-8F40-B2F1-5CF3-7764B3F4317C}"/>
+              </a:ext>
+            </a:extLst>
+          </p:cNvPr>
+          <p:cNvSpPr/>
+          <p:nvPr/>
+        </p:nvSpPr>
+        <p:spPr>
+          <a:xfrm>
+            <a:off x="10314256" y="2329059"/>
+            <a:ext cx="804912" cy="482277"/>
+          </a:xfrm>
+          <a:prstGeom prst="rect">
+            <a:avLst/>
+          </a:prstGeom>
+          <a:solidFill>
+            <a:srgbClr val="FFFF00"/>
+          </a:solidFill>
+          <a:ln w="28575">
+            <a:solidFill>
+              <a:srgbClr val="FF0000"/>
+            </a:solidFill>
+          </a:ln>
+        </p:spPr>
+        <p:style>
+          <a:lnRef idx="2">
+            <a:schemeClr val="accent1">
+              <a:shade val="15000"/>
+            </a:schemeClr>
+          </a:lnRef>
+          <a:fillRef idx="1">
+            <a:schemeClr val="accent1"/>
+          </a:fillRef>
+          <a:effectRef idx="0">
+            <a:schemeClr val="accent1"/>
+          </a:effectRef>
+          <a:fontRef idx="minor">
+            <a:schemeClr val="lt1"/>
+          </a:fontRef>
+        </p:style>
+        <p:txBody>
+          <a:bodyPr rtlCol="0" anchor="ctr"/>
+          <a:lstStyle/>
+          <a:p>
+            <a:pPr algn="ctr"/>
+            <a:r>
+              <a:rPr kumimoji="1" lang="en-US" altLang="ko-Kore-KR" sz="1600" dirty="0">
+                <a:solidFill>
+                  <a:srgbClr val="FF0000"/>
+                </a:solidFill>
+                <a:latin typeface="DM Mono" panose="020B0509040201040103" pitchFamily="49" charset="0"/>
+              </a:rPr>
+              <a:t>0</a:t>
+            </a:r>
+            <a:endParaRPr kumimoji="1" lang="ko-Kore-KR" altLang="en-US" sz="1600" dirty="0">
+              <a:solidFill>
+                <a:srgbClr val="FF0000"/>
+              </a:solidFill>
+              <a:latin typeface="DM Mono" panose="020B0509040201040103" pitchFamily="49" charset="0"/>
+            </a:endParaRPr>
+          </a:p>
+        </p:txBody>
+      </p:sp>
+      <p:cxnSp>
+        <p:nvCxnSpPr>
+          <p:cNvPr id="23" name="구부러진 연결선[U] 22">
+            <a:extLst>
+              <a:ext uri="{FF2B5EF4-FFF2-40B4-BE49-F238E27FC236}">
+                <a16:creationId xmlns:a16="http://schemas.microsoft.com/office/drawing/2014/main" id="{C8F01D09-549C-2F0A-95FB-3D90992D4478}"/>
+              </a:ext>
+            </a:extLst>
+          </p:cNvPr>
+          <p:cNvCxnSpPr>
+            <a:cxnSpLocks/>
+            <a:stCxn id="20" idx="3"/>
+            <a:endCxn id="22" idx="1"/>
+          </p:cNvCxnSpPr>
+          <p:nvPr/>
+        </p:nvCxnSpPr>
+        <p:spPr>
+          <a:xfrm>
+            <a:off x="7929656" y="2098975"/>
+            <a:ext cx="2384600" cy="471223"/>
+          </a:xfrm>
+          <a:prstGeom prst="curvedConnector3">
+            <a:avLst/>
+          </a:prstGeom>
+          <a:ln w="12700">
+            <a:tailEnd type="triangle"/>
+          </a:ln>
+        </p:spPr>
+        <p:style>
+          <a:lnRef idx="1">
+            <a:schemeClr val="dk1"/>
+          </a:lnRef>
+          <a:fillRef idx="0">
+            <a:schemeClr val="dk1"/>
+          </a:fillRef>
+          <a:effectRef idx="0">
+            <a:schemeClr val="dk1"/>
+          </a:effectRef>
+          <a:fontRef idx="minor">
+            <a:schemeClr val="tx1"/>
+          </a:fontRef>
+        </p:style>
+      </p:cxnSp>
+      <p:sp>
+        <p:nvSpPr>
+          <p:cNvPr id="17" name="TextBox 16">
+            <a:extLst>
+              <a:ext uri="{FF2B5EF4-FFF2-40B4-BE49-F238E27FC236}">
+                <a16:creationId xmlns:a16="http://schemas.microsoft.com/office/drawing/2014/main" id="{34CEE2C5-B363-5BCC-1EDE-0C5A42C68E58}"/>
+              </a:ext>
+            </a:extLst>
+          </p:cNvPr>
+          <p:cNvSpPr txBox="1"/>
+          <p:nvPr/>
+        </p:nvSpPr>
+        <p:spPr>
+          <a:xfrm>
+            <a:off x="485197" y="308788"/>
+            <a:ext cx="4700474" cy="2031325"/>
+          </a:xfrm>
+          <a:prstGeom prst="rect">
+            <a:avLst/>
+          </a:prstGeom>
+          <a:noFill/>
+        </p:spPr>
+        <p:txBody>
+          <a:bodyPr wrap="square">
+            <a:spAutoFit/>
+          </a:bodyPr>
+          <a:lstStyle/>
+          <a:p>
+            <a:r>
+              <a:rPr lang="ko-Kore-KR" altLang="en-US" dirty="0">
+                <a:latin typeface="DM Mono" panose="020B0509040201040103" pitchFamily="49" charset="0"/>
+              </a:rPr>
+              <a:t> </a:t>
+            </a:r>
+            <a:r>
+              <a:rPr lang="en-US" altLang="ko-Kore-KR" dirty="0">
+                <a:latin typeface="DM Mono" panose="020B0509040201040103" pitchFamily="49" charset="0"/>
+              </a:rPr>
+              <a:t>   </a:t>
+            </a:r>
+            <a:r>
+              <a:rPr lang="ko-Kore-KR" altLang="en-US" dirty="0">
+                <a:latin typeface="DM Mono" panose="020B0509040201040103" pitchFamily="49" charset="0"/>
+              </a:rPr>
+              <a:t>~User()</a:t>
+            </a:r>
+          </a:p>
+          <a:p>
+            <a:r>
+              <a:rPr lang="ko-Kore-KR" altLang="en-US" dirty="0">
+                <a:latin typeface="DM Mono" panose="020B0509040201040103" pitchFamily="49" charset="0"/>
+              </a:rPr>
+              <a:t>    {</a:t>
+            </a:r>
+          </a:p>
+          <a:p>
+            <a:r>
+              <a:rPr lang="ko-Kore-KR" altLang="en-US" dirty="0">
+                <a:latin typeface="DM Mono" panose="020B0509040201040103" pitchFamily="49" charset="0"/>
+              </a:rPr>
+              <a:t>        </a:t>
+            </a:r>
+            <a:r>
+              <a:rPr lang="ko-Kore-KR" altLang="en-US" dirty="0">
+                <a:solidFill>
+                  <a:srgbClr val="FF0000"/>
+                </a:solidFill>
+                <a:latin typeface="DM Mono" panose="020B0509040201040103" pitchFamily="49" charset="0"/>
+              </a:rPr>
+              <a:t>if (--(*ref) == 0) {</a:t>
+            </a:r>
+          </a:p>
+          <a:p>
+            <a:r>
+              <a:rPr lang="ko-Kore-KR" altLang="en-US" dirty="0">
+                <a:solidFill>
+                  <a:srgbClr val="FF0000"/>
+                </a:solidFill>
+                <a:latin typeface="DM Mono" panose="020B0509040201040103" pitchFamily="49" charset="0"/>
+              </a:rPr>
+              <a:t>            delete[] name;</a:t>
+            </a:r>
+          </a:p>
+          <a:p>
+            <a:r>
+              <a:rPr lang="ko-Kore-KR" altLang="en-US" dirty="0">
+                <a:solidFill>
+                  <a:srgbClr val="FF0000"/>
+                </a:solidFill>
+                <a:latin typeface="DM Mono" panose="020B0509040201040103" pitchFamily="49" charset="0"/>
+              </a:rPr>
+              <a:t>            delete ref;</a:t>
+            </a:r>
+          </a:p>
+          <a:p>
+            <a:r>
+              <a:rPr lang="ko-Kore-KR" altLang="en-US" dirty="0">
+                <a:solidFill>
+                  <a:srgbClr val="FF0000"/>
+                </a:solidFill>
+                <a:latin typeface="DM Mono" panose="020B0509040201040103" pitchFamily="49" charset="0"/>
+              </a:rPr>
+              <a:t>        }</a:t>
+            </a:r>
+          </a:p>
+          <a:p>
+            <a:r>
+              <a:rPr lang="ko-Kore-KR" altLang="en-US" dirty="0">
+                <a:latin typeface="DM Mono" panose="020B0509040201040103" pitchFamily="49" charset="0"/>
+              </a:rPr>
+              <a:t>    }</a:t>
+            </a:r>
+          </a:p>
+        </p:txBody>
+      </p:sp>
+    </p:spTree>
+    <p:extLst>
+      <p:ext uri="{BB962C8B-B14F-4D97-AF65-F5344CB8AC3E}">
+        <p14:creationId xmlns:p14="http://schemas.microsoft.com/office/powerpoint/2010/main" val="2797086879"/>
       </p:ext>
     </p:extLst>
   </p:cSld>

--- a/cpp_230824.pptx
+++ b/cpp_230824.pptx
@@ -33,6 +33,9 @@
     <p:sldId id="282" r:id="rId27"/>
     <p:sldId id="283" r:id="rId28"/>
     <p:sldId id="284" r:id="rId29"/>
+    <p:sldId id="285" r:id="rId30"/>
+    <p:sldId id="286" r:id="rId31"/>
+    <p:sldId id="287" r:id="rId32"/>
   </p:sldIdLst>
   <p:sldSz cx="12192000" cy="6858000"/>
   <p:notesSz cx="6858000" cy="9144000"/>
@@ -20701,6 +20704,903 @@
 </p:sld>
 </file>
 
+<file path=ppt/slides/slide29.xml><?xml version="1.0" encoding="utf-8"?>
+<p:sld xmlns:a="http://schemas.openxmlformats.org/drawingml/2006/main" xmlns:r="http://schemas.openxmlformats.org/officeDocument/2006/relationships" xmlns:p="http://schemas.openxmlformats.org/presentationml/2006/main">
+  <p:cSld>
+    <p:spTree>
+      <p:nvGrpSpPr>
+        <p:cNvPr id="1" name=""/>
+        <p:cNvGrpSpPr/>
+        <p:nvPr/>
+      </p:nvGrpSpPr>
+      <p:grpSpPr>
+        <a:xfrm>
+          <a:off x="0" y="0"/>
+          <a:ext cx="0" cy="0"/>
+          <a:chOff x="0" y="0"/>
+          <a:chExt cx="0" cy="0"/>
+        </a:xfrm>
+      </p:grpSpPr>
+      <p:sp>
+        <p:nvSpPr>
+          <p:cNvPr id="4" name="직사각형 3">
+            <a:extLst>
+              <a:ext uri="{FF2B5EF4-FFF2-40B4-BE49-F238E27FC236}">
+                <a16:creationId xmlns:a16="http://schemas.microsoft.com/office/drawing/2014/main" id="{A4F7BA68-9AB9-DF57-6F28-6E25575F4CD6}"/>
+              </a:ext>
+            </a:extLst>
+          </p:cNvPr>
+          <p:cNvSpPr/>
+          <p:nvPr/>
+        </p:nvSpPr>
+        <p:spPr>
+          <a:xfrm>
+            <a:off x="7119670" y="915185"/>
+            <a:ext cx="804912" cy="482277"/>
+          </a:xfrm>
+          <a:prstGeom prst="rect">
+            <a:avLst/>
+          </a:prstGeom>
+          <a:solidFill>
+            <a:srgbClr val="FFFF00"/>
+          </a:solidFill>
+        </p:spPr>
+        <p:style>
+          <a:lnRef idx="2">
+            <a:schemeClr val="accent1">
+              <a:shade val="15000"/>
+            </a:schemeClr>
+          </a:lnRef>
+          <a:fillRef idx="1">
+            <a:schemeClr val="accent1"/>
+          </a:fillRef>
+          <a:effectRef idx="0">
+            <a:schemeClr val="accent1"/>
+          </a:effectRef>
+          <a:fontRef idx="minor">
+            <a:schemeClr val="lt1"/>
+          </a:fontRef>
+        </p:style>
+        <p:txBody>
+          <a:bodyPr rtlCol="0" anchor="ctr"/>
+          <a:lstStyle/>
+          <a:p>
+            <a:pPr algn="ctr"/>
+            <a:r>
+              <a:rPr kumimoji="1" lang="en-US" altLang="ko-Kore-KR" sz="1600" dirty="0">
+                <a:solidFill>
+                  <a:schemeClr val="tx1"/>
+                </a:solidFill>
+                <a:latin typeface="DM Mono" panose="020B0509040201040103" pitchFamily="49" charset="0"/>
+              </a:rPr>
+              <a:t>0x100</a:t>
+            </a:r>
+            <a:endParaRPr kumimoji="1" lang="ko-Kore-KR" altLang="en-US" sz="1600" dirty="0">
+              <a:solidFill>
+                <a:schemeClr val="tx1"/>
+              </a:solidFill>
+              <a:latin typeface="DM Mono" panose="020B0509040201040103" pitchFamily="49" charset="0"/>
+            </a:endParaRPr>
+          </a:p>
+        </p:txBody>
+      </p:sp>
+      <p:sp>
+        <p:nvSpPr>
+          <p:cNvPr id="5" name="TextBox 4">
+            <a:extLst>
+              <a:ext uri="{FF2B5EF4-FFF2-40B4-BE49-F238E27FC236}">
+                <a16:creationId xmlns:a16="http://schemas.microsoft.com/office/drawing/2014/main" id="{226ED89B-35D1-901E-7EE2-62FCC07FE3F5}"/>
+              </a:ext>
+            </a:extLst>
+          </p:cNvPr>
+          <p:cNvSpPr txBox="1"/>
+          <p:nvPr/>
+        </p:nvSpPr>
+        <p:spPr>
+          <a:xfrm>
+            <a:off x="6327171" y="971657"/>
+            <a:ext cx="792499" cy="369332"/>
+          </a:xfrm>
+          <a:prstGeom prst="rect">
+            <a:avLst/>
+          </a:prstGeom>
+          <a:noFill/>
+        </p:spPr>
+        <p:txBody>
+          <a:bodyPr wrap="square">
+            <a:spAutoFit/>
+          </a:bodyPr>
+          <a:lstStyle/>
+          <a:p>
+            <a:pPr algn="r"/>
+            <a:r>
+              <a:rPr lang="en-US" altLang="ko-Kore-KR" dirty="0">
+                <a:latin typeface="DM Mono" panose="020B0509040201040103" pitchFamily="49" charset="0"/>
+              </a:rPr>
+              <a:t>name</a:t>
+            </a:r>
+            <a:endParaRPr lang="ko-Kore-KR" altLang="en-US" dirty="0"/>
+          </a:p>
+        </p:txBody>
+      </p:sp>
+      <p:sp>
+        <p:nvSpPr>
+          <p:cNvPr id="6" name="직사각형 5">
+            <a:extLst>
+              <a:ext uri="{FF2B5EF4-FFF2-40B4-BE49-F238E27FC236}">
+                <a16:creationId xmlns:a16="http://schemas.microsoft.com/office/drawing/2014/main" id="{E4FFCAC9-1CD9-90FF-D208-459BA9865F7B}"/>
+              </a:ext>
+            </a:extLst>
+          </p:cNvPr>
+          <p:cNvSpPr/>
+          <p:nvPr/>
+        </p:nvSpPr>
+        <p:spPr>
+          <a:xfrm>
+            <a:off x="7119670" y="1397461"/>
+            <a:ext cx="804912" cy="482277"/>
+          </a:xfrm>
+          <a:prstGeom prst="rect">
+            <a:avLst/>
+          </a:prstGeom>
+          <a:solidFill>
+            <a:srgbClr val="FFFF00"/>
+          </a:solidFill>
+        </p:spPr>
+        <p:style>
+          <a:lnRef idx="2">
+            <a:schemeClr val="accent1">
+              <a:shade val="15000"/>
+            </a:schemeClr>
+          </a:lnRef>
+          <a:fillRef idx="1">
+            <a:schemeClr val="accent1"/>
+          </a:fillRef>
+          <a:effectRef idx="0">
+            <a:schemeClr val="accent1"/>
+          </a:effectRef>
+          <a:fontRef idx="minor">
+            <a:schemeClr val="lt1"/>
+          </a:fontRef>
+        </p:style>
+        <p:txBody>
+          <a:bodyPr rtlCol="0" anchor="ctr"/>
+          <a:lstStyle/>
+          <a:p>
+            <a:pPr algn="ctr"/>
+            <a:r>
+              <a:rPr kumimoji="1" lang="en-US" altLang="ko-Kore-KR" sz="1600" dirty="0">
+                <a:solidFill>
+                  <a:schemeClr val="tx1"/>
+                </a:solidFill>
+                <a:latin typeface="DM Mono" panose="020B0509040201040103" pitchFamily="49" charset="0"/>
+              </a:rPr>
+              <a:t>42</a:t>
+            </a:r>
+            <a:endParaRPr kumimoji="1" lang="ko-Kore-KR" altLang="en-US" sz="1600" dirty="0">
+              <a:solidFill>
+                <a:schemeClr val="tx1"/>
+              </a:solidFill>
+              <a:latin typeface="DM Mono" panose="020B0509040201040103" pitchFamily="49" charset="0"/>
+            </a:endParaRPr>
+          </a:p>
+        </p:txBody>
+      </p:sp>
+      <p:sp>
+        <p:nvSpPr>
+          <p:cNvPr id="7" name="TextBox 6">
+            <a:extLst>
+              <a:ext uri="{FF2B5EF4-FFF2-40B4-BE49-F238E27FC236}">
+                <a16:creationId xmlns:a16="http://schemas.microsoft.com/office/drawing/2014/main" id="{AD36B65D-8439-5AB1-F96E-A9A2DDBEC8BE}"/>
+              </a:ext>
+            </a:extLst>
+          </p:cNvPr>
+          <p:cNvSpPr txBox="1"/>
+          <p:nvPr/>
+        </p:nvSpPr>
+        <p:spPr>
+          <a:xfrm>
+            <a:off x="6396183" y="1453933"/>
+            <a:ext cx="723487" cy="369332"/>
+          </a:xfrm>
+          <a:prstGeom prst="rect">
+            <a:avLst/>
+          </a:prstGeom>
+          <a:noFill/>
+        </p:spPr>
+        <p:txBody>
+          <a:bodyPr wrap="square">
+            <a:spAutoFit/>
+          </a:bodyPr>
+          <a:lstStyle/>
+          <a:p>
+            <a:pPr algn="r"/>
+            <a:r>
+              <a:rPr lang="en-US" altLang="ko-Kore-KR" dirty="0">
+                <a:latin typeface="DM Mono" panose="020B0509040201040103" pitchFamily="49" charset="0"/>
+              </a:rPr>
+              <a:t>age</a:t>
+            </a:r>
+            <a:endParaRPr lang="ko-Kore-KR" altLang="en-US" dirty="0"/>
+          </a:p>
+        </p:txBody>
+      </p:sp>
+      <p:sp>
+        <p:nvSpPr>
+          <p:cNvPr id="8" name="TextBox 7">
+            <a:extLst>
+              <a:ext uri="{FF2B5EF4-FFF2-40B4-BE49-F238E27FC236}">
+                <a16:creationId xmlns:a16="http://schemas.microsoft.com/office/drawing/2014/main" id="{7D3A0BEB-A556-769B-D620-F5DEC7DBAA92}"/>
+              </a:ext>
+            </a:extLst>
+          </p:cNvPr>
+          <p:cNvSpPr txBox="1"/>
+          <p:nvPr/>
+        </p:nvSpPr>
+        <p:spPr>
+          <a:xfrm>
+            <a:off x="7119670" y="539192"/>
+            <a:ext cx="804912" cy="369332"/>
+          </a:xfrm>
+          <a:prstGeom prst="rect">
+            <a:avLst/>
+          </a:prstGeom>
+          <a:noFill/>
+        </p:spPr>
+        <p:txBody>
+          <a:bodyPr wrap="square">
+            <a:spAutoFit/>
+          </a:bodyPr>
+          <a:lstStyle/>
+          <a:p>
+            <a:pPr algn="ctr"/>
+            <a:r>
+              <a:rPr lang="en-US" altLang="ko-Kore-KR" dirty="0">
+                <a:latin typeface="DM Mono" panose="020B0509040201040103" pitchFamily="49" charset="0"/>
+              </a:rPr>
+              <a:t>user</a:t>
+            </a:r>
+            <a:endParaRPr lang="ko-Kore-KR" altLang="en-US" dirty="0"/>
+          </a:p>
+        </p:txBody>
+      </p:sp>
+      <p:sp>
+        <p:nvSpPr>
+          <p:cNvPr id="9" name="직사각형 8">
+            <a:extLst>
+              <a:ext uri="{FF2B5EF4-FFF2-40B4-BE49-F238E27FC236}">
+                <a16:creationId xmlns:a16="http://schemas.microsoft.com/office/drawing/2014/main" id="{906AE92D-8AC4-B421-8F0F-7AA114039D58}"/>
+              </a:ext>
+            </a:extLst>
+          </p:cNvPr>
+          <p:cNvSpPr/>
+          <p:nvPr/>
+        </p:nvSpPr>
+        <p:spPr>
+          <a:xfrm>
+            <a:off x="9971919" y="489380"/>
+            <a:ext cx="1320057" cy="482277"/>
+          </a:xfrm>
+          <a:prstGeom prst="rect">
+            <a:avLst/>
+          </a:prstGeom>
+          <a:solidFill>
+            <a:srgbClr val="FFFF00"/>
+          </a:solidFill>
+        </p:spPr>
+        <p:style>
+          <a:lnRef idx="2">
+            <a:schemeClr val="accent1">
+              <a:shade val="15000"/>
+            </a:schemeClr>
+          </a:lnRef>
+          <a:fillRef idx="1">
+            <a:schemeClr val="accent1"/>
+          </a:fillRef>
+          <a:effectRef idx="0">
+            <a:schemeClr val="accent1"/>
+          </a:effectRef>
+          <a:fontRef idx="minor">
+            <a:schemeClr val="lt1"/>
+          </a:fontRef>
+        </p:style>
+        <p:txBody>
+          <a:bodyPr rtlCol="0" anchor="ctr"/>
+          <a:lstStyle/>
+          <a:p>
+            <a:pPr algn="ctr"/>
+            <a:r>
+              <a:rPr kumimoji="1" lang="en-US" altLang="ko-Kore-KR" sz="1600" dirty="0">
+                <a:solidFill>
+                  <a:schemeClr val="tx1"/>
+                </a:solidFill>
+                <a:latin typeface="DM Mono" panose="020B0509040201040103" pitchFamily="49" charset="0"/>
+              </a:rPr>
+              <a:t>“Tom”</a:t>
+            </a:r>
+            <a:endParaRPr kumimoji="1" lang="ko-Kore-KR" altLang="en-US" sz="1600" dirty="0">
+              <a:solidFill>
+                <a:schemeClr val="tx1"/>
+              </a:solidFill>
+              <a:latin typeface="DM Mono" panose="020B0509040201040103" pitchFamily="49" charset="0"/>
+            </a:endParaRPr>
+          </a:p>
+        </p:txBody>
+      </p:sp>
+      <p:cxnSp>
+        <p:nvCxnSpPr>
+          <p:cNvPr id="10" name="구부러진 연결선[U] 9">
+            <a:extLst>
+              <a:ext uri="{FF2B5EF4-FFF2-40B4-BE49-F238E27FC236}">
+                <a16:creationId xmlns:a16="http://schemas.microsoft.com/office/drawing/2014/main" id="{9F165631-3C12-0667-54DE-8434033314C1}"/>
+              </a:ext>
+            </a:extLst>
+          </p:cNvPr>
+          <p:cNvCxnSpPr>
+            <a:cxnSpLocks/>
+            <a:stCxn id="4" idx="3"/>
+            <a:endCxn id="9" idx="1"/>
+          </p:cNvCxnSpPr>
+          <p:nvPr/>
+        </p:nvCxnSpPr>
+        <p:spPr>
+          <a:xfrm flipV="1">
+            <a:off x="7924582" y="730519"/>
+            <a:ext cx="2047337" cy="425805"/>
+          </a:xfrm>
+          <a:prstGeom prst="curvedConnector3">
+            <a:avLst/>
+          </a:prstGeom>
+          <a:ln w="12700">
+            <a:tailEnd type="triangle"/>
+          </a:ln>
+        </p:spPr>
+        <p:style>
+          <a:lnRef idx="1">
+            <a:schemeClr val="dk1"/>
+          </a:lnRef>
+          <a:fillRef idx="0">
+            <a:schemeClr val="dk1"/>
+          </a:fillRef>
+          <a:effectRef idx="0">
+            <a:schemeClr val="dk1"/>
+          </a:effectRef>
+          <a:fontRef idx="minor">
+            <a:schemeClr val="tx1"/>
+          </a:fontRef>
+        </p:style>
+      </p:cxnSp>
+      <p:sp>
+        <p:nvSpPr>
+          <p:cNvPr id="11" name="TextBox 10">
+            <a:extLst>
+              <a:ext uri="{FF2B5EF4-FFF2-40B4-BE49-F238E27FC236}">
+                <a16:creationId xmlns:a16="http://schemas.microsoft.com/office/drawing/2014/main" id="{F5A2CEF5-2A54-4A6C-E467-68311376D5F8}"/>
+              </a:ext>
+            </a:extLst>
+          </p:cNvPr>
+          <p:cNvSpPr txBox="1"/>
+          <p:nvPr/>
+        </p:nvSpPr>
+        <p:spPr>
+          <a:xfrm>
+            <a:off x="9394167" y="196744"/>
+            <a:ext cx="974002" cy="307777"/>
+          </a:xfrm>
+          <a:prstGeom prst="rect">
+            <a:avLst/>
+          </a:prstGeom>
+          <a:noFill/>
+        </p:spPr>
+        <p:txBody>
+          <a:bodyPr wrap="square">
+            <a:spAutoFit/>
+          </a:bodyPr>
+          <a:lstStyle/>
+          <a:p>
+            <a:pPr algn="ctr"/>
+            <a:r>
+              <a:rPr lang="en-US" altLang="ko-Kore-KR" sz="1400" dirty="0">
+                <a:latin typeface="DM Mono" panose="020B0509040201040103" pitchFamily="49" charset="0"/>
+              </a:rPr>
+              <a:t>0x100</a:t>
+            </a:r>
+            <a:endParaRPr lang="ko-Kore-KR" altLang="en-US" sz="1400" dirty="0"/>
+          </a:p>
+        </p:txBody>
+      </p:sp>
+      <p:sp>
+        <p:nvSpPr>
+          <p:cNvPr id="12" name="직사각형 11">
+            <a:extLst>
+              <a:ext uri="{FF2B5EF4-FFF2-40B4-BE49-F238E27FC236}">
+                <a16:creationId xmlns:a16="http://schemas.microsoft.com/office/drawing/2014/main" id="{9DE3272F-1A8D-498A-A35A-3B08300D1DD1}"/>
+              </a:ext>
+            </a:extLst>
+          </p:cNvPr>
+          <p:cNvSpPr/>
+          <p:nvPr/>
+        </p:nvSpPr>
+        <p:spPr>
+          <a:xfrm>
+            <a:off x="7197700" y="2813258"/>
+            <a:ext cx="804912" cy="482277"/>
+          </a:xfrm>
+          <a:prstGeom prst="rect">
+            <a:avLst/>
+          </a:prstGeom>
+          <a:solidFill>
+            <a:srgbClr val="FFFF00"/>
+          </a:solidFill>
+        </p:spPr>
+        <p:style>
+          <a:lnRef idx="2">
+            <a:schemeClr val="accent1">
+              <a:shade val="15000"/>
+            </a:schemeClr>
+          </a:lnRef>
+          <a:fillRef idx="1">
+            <a:schemeClr val="accent1"/>
+          </a:fillRef>
+          <a:effectRef idx="0">
+            <a:schemeClr val="accent1"/>
+          </a:effectRef>
+          <a:fontRef idx="minor">
+            <a:schemeClr val="lt1"/>
+          </a:fontRef>
+        </p:style>
+        <p:txBody>
+          <a:bodyPr rtlCol="0" anchor="ctr"/>
+          <a:lstStyle/>
+          <a:p>
+            <a:pPr algn="ctr"/>
+            <a:r>
+              <a:rPr kumimoji="1" lang="en-US" altLang="ko-Kore-KR" sz="1600" dirty="0">
+                <a:solidFill>
+                  <a:srgbClr val="FF0000"/>
+                </a:solidFill>
+                <a:latin typeface="DM Mono" panose="020B0509040201040103" pitchFamily="49" charset="0"/>
+              </a:rPr>
+              <a:t>0x200</a:t>
+            </a:r>
+            <a:endParaRPr kumimoji="1" lang="ko-Kore-KR" altLang="en-US" sz="1600" dirty="0">
+              <a:solidFill>
+                <a:srgbClr val="FF0000"/>
+              </a:solidFill>
+              <a:latin typeface="DM Mono" panose="020B0509040201040103" pitchFamily="49" charset="0"/>
+            </a:endParaRPr>
+          </a:p>
+        </p:txBody>
+      </p:sp>
+      <p:sp>
+        <p:nvSpPr>
+          <p:cNvPr id="13" name="TextBox 12">
+            <a:extLst>
+              <a:ext uri="{FF2B5EF4-FFF2-40B4-BE49-F238E27FC236}">
+                <a16:creationId xmlns:a16="http://schemas.microsoft.com/office/drawing/2014/main" id="{139268FF-6EB2-7DB4-445D-0E62FE65F8CF}"/>
+              </a:ext>
+            </a:extLst>
+          </p:cNvPr>
+          <p:cNvSpPr txBox="1"/>
+          <p:nvPr/>
+        </p:nvSpPr>
+        <p:spPr>
+          <a:xfrm>
+            <a:off x="6405201" y="2869730"/>
+            <a:ext cx="792499" cy="369332"/>
+          </a:xfrm>
+          <a:prstGeom prst="rect">
+            <a:avLst/>
+          </a:prstGeom>
+          <a:noFill/>
+        </p:spPr>
+        <p:txBody>
+          <a:bodyPr wrap="square">
+            <a:spAutoFit/>
+          </a:bodyPr>
+          <a:lstStyle/>
+          <a:p>
+            <a:pPr algn="r"/>
+            <a:r>
+              <a:rPr lang="en-US" altLang="ko-Kore-KR" dirty="0">
+                <a:latin typeface="DM Mono" panose="020B0509040201040103" pitchFamily="49" charset="0"/>
+              </a:rPr>
+              <a:t>name</a:t>
+            </a:r>
+            <a:endParaRPr lang="ko-Kore-KR" altLang="en-US" dirty="0"/>
+          </a:p>
+        </p:txBody>
+      </p:sp>
+      <p:sp>
+        <p:nvSpPr>
+          <p:cNvPr id="14" name="직사각형 13">
+            <a:extLst>
+              <a:ext uri="{FF2B5EF4-FFF2-40B4-BE49-F238E27FC236}">
+                <a16:creationId xmlns:a16="http://schemas.microsoft.com/office/drawing/2014/main" id="{A6BD244C-2DC6-025B-8340-503C2E8E41E6}"/>
+              </a:ext>
+            </a:extLst>
+          </p:cNvPr>
+          <p:cNvSpPr/>
+          <p:nvPr/>
+        </p:nvSpPr>
+        <p:spPr>
+          <a:xfrm>
+            <a:off x="7197700" y="3295534"/>
+            <a:ext cx="804912" cy="482277"/>
+          </a:xfrm>
+          <a:prstGeom prst="rect">
+            <a:avLst/>
+          </a:prstGeom>
+          <a:solidFill>
+            <a:srgbClr val="FFFF00"/>
+          </a:solidFill>
+        </p:spPr>
+        <p:style>
+          <a:lnRef idx="2">
+            <a:schemeClr val="accent1">
+              <a:shade val="15000"/>
+            </a:schemeClr>
+          </a:lnRef>
+          <a:fillRef idx="1">
+            <a:schemeClr val="accent1"/>
+          </a:fillRef>
+          <a:effectRef idx="0">
+            <a:schemeClr val="accent1"/>
+          </a:effectRef>
+          <a:fontRef idx="minor">
+            <a:schemeClr val="lt1"/>
+          </a:fontRef>
+        </p:style>
+        <p:txBody>
+          <a:bodyPr rtlCol="0" anchor="ctr"/>
+          <a:lstStyle/>
+          <a:p>
+            <a:pPr algn="ctr"/>
+            <a:r>
+              <a:rPr kumimoji="1" lang="en-US" altLang="ko-Kore-KR" sz="1600" dirty="0">
+                <a:solidFill>
+                  <a:srgbClr val="FF0000"/>
+                </a:solidFill>
+                <a:latin typeface="DM Mono" panose="020B0509040201040103" pitchFamily="49" charset="0"/>
+              </a:rPr>
+              <a:t>42</a:t>
+            </a:r>
+            <a:endParaRPr kumimoji="1" lang="ko-Kore-KR" altLang="en-US" sz="1600" dirty="0">
+              <a:solidFill>
+                <a:srgbClr val="FF0000"/>
+              </a:solidFill>
+              <a:latin typeface="DM Mono" panose="020B0509040201040103" pitchFamily="49" charset="0"/>
+            </a:endParaRPr>
+          </a:p>
+        </p:txBody>
+      </p:sp>
+      <p:sp>
+        <p:nvSpPr>
+          <p:cNvPr id="15" name="TextBox 14">
+            <a:extLst>
+              <a:ext uri="{FF2B5EF4-FFF2-40B4-BE49-F238E27FC236}">
+                <a16:creationId xmlns:a16="http://schemas.microsoft.com/office/drawing/2014/main" id="{749F77EC-1A5D-C3D8-AA7E-4CEDF2996FFF}"/>
+              </a:ext>
+            </a:extLst>
+          </p:cNvPr>
+          <p:cNvSpPr txBox="1"/>
+          <p:nvPr/>
+        </p:nvSpPr>
+        <p:spPr>
+          <a:xfrm>
+            <a:off x="6474213" y="3352006"/>
+            <a:ext cx="723487" cy="369332"/>
+          </a:xfrm>
+          <a:prstGeom prst="rect">
+            <a:avLst/>
+          </a:prstGeom>
+          <a:noFill/>
+        </p:spPr>
+        <p:txBody>
+          <a:bodyPr wrap="square">
+            <a:spAutoFit/>
+          </a:bodyPr>
+          <a:lstStyle/>
+          <a:p>
+            <a:pPr algn="r"/>
+            <a:r>
+              <a:rPr lang="en-US" altLang="ko-Kore-KR" dirty="0">
+                <a:latin typeface="DM Mono" panose="020B0509040201040103" pitchFamily="49" charset="0"/>
+              </a:rPr>
+              <a:t>age</a:t>
+            </a:r>
+            <a:endParaRPr lang="ko-Kore-KR" altLang="en-US" dirty="0"/>
+          </a:p>
+        </p:txBody>
+      </p:sp>
+      <p:sp>
+        <p:nvSpPr>
+          <p:cNvPr id="16" name="TextBox 15">
+            <a:extLst>
+              <a:ext uri="{FF2B5EF4-FFF2-40B4-BE49-F238E27FC236}">
+                <a16:creationId xmlns:a16="http://schemas.microsoft.com/office/drawing/2014/main" id="{9E5DAB33-CEED-B158-2609-7402C8F35811}"/>
+              </a:ext>
+            </a:extLst>
+          </p:cNvPr>
+          <p:cNvSpPr txBox="1"/>
+          <p:nvPr/>
+        </p:nvSpPr>
+        <p:spPr>
+          <a:xfrm>
+            <a:off x="7197700" y="2443927"/>
+            <a:ext cx="882942" cy="369332"/>
+          </a:xfrm>
+          <a:prstGeom prst="rect">
+            <a:avLst/>
+          </a:prstGeom>
+          <a:noFill/>
+        </p:spPr>
+        <p:txBody>
+          <a:bodyPr wrap="square">
+            <a:spAutoFit/>
+          </a:bodyPr>
+          <a:lstStyle/>
+          <a:p>
+            <a:pPr algn="ctr"/>
+            <a:r>
+              <a:rPr lang="en-US" altLang="ko-Kore-KR" dirty="0">
+                <a:latin typeface="DM Mono" panose="020B0509040201040103" pitchFamily="49" charset="0"/>
+              </a:rPr>
+              <a:t>other</a:t>
+            </a:r>
+            <a:endParaRPr lang="ko-Kore-KR" altLang="en-US" dirty="0"/>
+          </a:p>
+        </p:txBody>
+      </p:sp>
+      <p:sp>
+        <p:nvSpPr>
+          <p:cNvPr id="17" name="직사각형 16">
+            <a:extLst>
+              <a:ext uri="{FF2B5EF4-FFF2-40B4-BE49-F238E27FC236}">
+                <a16:creationId xmlns:a16="http://schemas.microsoft.com/office/drawing/2014/main" id="{3A606036-E13E-58E2-4988-A1A5E9CB7ACA}"/>
+              </a:ext>
+            </a:extLst>
+          </p:cNvPr>
+          <p:cNvSpPr/>
+          <p:nvPr/>
+        </p:nvSpPr>
+        <p:spPr>
+          <a:xfrm>
+            <a:off x="9971919" y="2443927"/>
+            <a:ext cx="1320057" cy="482277"/>
+          </a:xfrm>
+          <a:prstGeom prst="rect">
+            <a:avLst/>
+          </a:prstGeom>
+          <a:solidFill>
+            <a:srgbClr val="FFFF00"/>
+          </a:solidFill>
+        </p:spPr>
+        <p:style>
+          <a:lnRef idx="2">
+            <a:schemeClr val="accent1">
+              <a:shade val="15000"/>
+            </a:schemeClr>
+          </a:lnRef>
+          <a:fillRef idx="1">
+            <a:schemeClr val="accent1"/>
+          </a:fillRef>
+          <a:effectRef idx="0">
+            <a:schemeClr val="accent1"/>
+          </a:effectRef>
+          <a:fontRef idx="minor">
+            <a:schemeClr val="lt1"/>
+          </a:fontRef>
+        </p:style>
+        <p:txBody>
+          <a:bodyPr rtlCol="0" anchor="ctr"/>
+          <a:lstStyle/>
+          <a:p>
+            <a:pPr algn="ctr"/>
+            <a:r>
+              <a:rPr kumimoji="1" lang="en-US" altLang="ko-Kore-KR" sz="1600" dirty="0">
+                <a:solidFill>
+                  <a:srgbClr val="FF0000"/>
+                </a:solidFill>
+                <a:latin typeface="DM Mono" panose="020B0509040201040103" pitchFamily="49" charset="0"/>
+              </a:rPr>
+              <a:t>“Tom”</a:t>
+            </a:r>
+            <a:endParaRPr kumimoji="1" lang="ko-Kore-KR" altLang="en-US" sz="1600" dirty="0">
+              <a:solidFill>
+                <a:srgbClr val="FF0000"/>
+              </a:solidFill>
+              <a:latin typeface="DM Mono" panose="020B0509040201040103" pitchFamily="49" charset="0"/>
+            </a:endParaRPr>
+          </a:p>
+        </p:txBody>
+      </p:sp>
+      <p:cxnSp>
+        <p:nvCxnSpPr>
+          <p:cNvPr id="18" name="구부러진 연결선[U] 17">
+            <a:extLst>
+              <a:ext uri="{FF2B5EF4-FFF2-40B4-BE49-F238E27FC236}">
+                <a16:creationId xmlns:a16="http://schemas.microsoft.com/office/drawing/2014/main" id="{86AF2516-8E0A-CDF2-662D-DC332EAF253B}"/>
+              </a:ext>
+            </a:extLst>
+          </p:cNvPr>
+          <p:cNvCxnSpPr>
+            <a:cxnSpLocks/>
+            <a:stCxn id="12" idx="3"/>
+            <a:endCxn id="17" idx="1"/>
+          </p:cNvCxnSpPr>
+          <p:nvPr/>
+        </p:nvCxnSpPr>
+        <p:spPr>
+          <a:xfrm flipV="1">
+            <a:off x="8002612" y="2685066"/>
+            <a:ext cx="1969307" cy="369331"/>
+          </a:xfrm>
+          <a:prstGeom prst="curvedConnector3">
+            <a:avLst>
+              <a:gd name="adj1" fmla="val 50000"/>
+            </a:avLst>
+          </a:prstGeom>
+          <a:ln w="12700">
+            <a:tailEnd type="triangle"/>
+          </a:ln>
+        </p:spPr>
+        <p:style>
+          <a:lnRef idx="1">
+            <a:schemeClr val="dk1"/>
+          </a:lnRef>
+          <a:fillRef idx="0">
+            <a:schemeClr val="dk1"/>
+          </a:fillRef>
+          <a:effectRef idx="0">
+            <a:schemeClr val="dk1"/>
+          </a:effectRef>
+          <a:fontRef idx="minor">
+            <a:schemeClr val="tx1"/>
+          </a:fontRef>
+        </p:style>
+      </p:cxnSp>
+      <p:sp>
+        <p:nvSpPr>
+          <p:cNvPr id="19" name="TextBox 18">
+            <a:extLst>
+              <a:ext uri="{FF2B5EF4-FFF2-40B4-BE49-F238E27FC236}">
+                <a16:creationId xmlns:a16="http://schemas.microsoft.com/office/drawing/2014/main" id="{B3B20195-9B94-1C7C-6BE8-F783035B2FA8}"/>
+              </a:ext>
+            </a:extLst>
+          </p:cNvPr>
+          <p:cNvSpPr txBox="1"/>
+          <p:nvPr/>
+        </p:nvSpPr>
+        <p:spPr>
+          <a:xfrm>
+            <a:off x="9484918" y="2109410"/>
+            <a:ext cx="974002" cy="307777"/>
+          </a:xfrm>
+          <a:prstGeom prst="rect">
+            <a:avLst/>
+          </a:prstGeom>
+          <a:noFill/>
+        </p:spPr>
+        <p:txBody>
+          <a:bodyPr wrap="square">
+            <a:spAutoFit/>
+          </a:bodyPr>
+          <a:lstStyle/>
+          <a:p>
+            <a:pPr algn="ctr"/>
+            <a:r>
+              <a:rPr lang="en-US" altLang="ko-Kore-KR" sz="1400" dirty="0">
+                <a:latin typeface="DM Mono" panose="020B0509040201040103" pitchFamily="49" charset="0"/>
+              </a:rPr>
+              <a:t>0x200</a:t>
+            </a:r>
+            <a:endParaRPr lang="ko-Kore-KR" altLang="en-US" sz="1400" dirty="0"/>
+          </a:p>
+        </p:txBody>
+      </p:sp>
+      <p:sp>
+        <p:nvSpPr>
+          <p:cNvPr id="20" name="TextBox 19">
+            <a:extLst>
+              <a:ext uri="{FF2B5EF4-FFF2-40B4-BE49-F238E27FC236}">
+                <a16:creationId xmlns:a16="http://schemas.microsoft.com/office/drawing/2014/main" id="{3D61AD14-5956-4577-938C-E07A2AF41D2F}"/>
+              </a:ext>
+            </a:extLst>
+          </p:cNvPr>
+          <p:cNvSpPr txBox="1"/>
+          <p:nvPr/>
+        </p:nvSpPr>
+        <p:spPr>
+          <a:xfrm>
+            <a:off x="100082" y="310078"/>
+            <a:ext cx="6096000" cy="1569660"/>
+          </a:xfrm>
+          <a:prstGeom prst="rect">
+            <a:avLst/>
+          </a:prstGeom>
+          <a:noFill/>
+        </p:spPr>
+        <p:txBody>
+          <a:bodyPr wrap="square">
+            <a:spAutoFit/>
+          </a:bodyPr>
+          <a:lstStyle/>
+          <a:p>
+            <a:r>
+              <a:rPr lang="ko-Kore-KR" altLang="en-US" sz="1600" dirty="0">
+                <a:latin typeface="DM Mono" panose="020B0509040201040103" pitchFamily="49" charset="0"/>
+              </a:rPr>
+              <a:t> </a:t>
+            </a:r>
+            <a:r>
+              <a:rPr lang="en-US" altLang="ko-Kore-KR" sz="1600" dirty="0">
+                <a:latin typeface="DM Mono" panose="020B0509040201040103" pitchFamily="49" charset="0"/>
+              </a:rPr>
+              <a:t>   </a:t>
+            </a:r>
+            <a:r>
+              <a:rPr lang="ko-Kore-KR" altLang="en-US" sz="1600" dirty="0">
+                <a:latin typeface="DM Mono" panose="020B0509040201040103" pitchFamily="49" charset="0"/>
+              </a:rPr>
+              <a:t>User(const User&amp; rhs)</a:t>
+            </a:r>
+          </a:p>
+          <a:p>
+            <a:r>
+              <a:rPr lang="ko-Kore-KR" altLang="en-US" sz="1600" dirty="0">
+                <a:latin typeface="DM Mono" panose="020B0509040201040103" pitchFamily="49" charset="0"/>
+              </a:rPr>
+              <a:t>        : age { rhs.age }</a:t>
+            </a:r>
+          </a:p>
+          <a:p>
+            <a:r>
+              <a:rPr lang="ko-Kore-KR" altLang="en-US" sz="1600" dirty="0">
+                <a:latin typeface="DM Mono" panose="020B0509040201040103" pitchFamily="49" charset="0"/>
+              </a:rPr>
+              <a:t>    {</a:t>
+            </a:r>
+          </a:p>
+          <a:p>
+            <a:r>
+              <a:rPr lang="ko-Kore-KR" altLang="en-US" sz="1600" dirty="0">
+                <a:latin typeface="DM Mono" panose="020B0509040201040103" pitchFamily="49" charset="0"/>
+              </a:rPr>
+              <a:t>        name = new char[strlen(rhs.name) + 1];</a:t>
+            </a:r>
+          </a:p>
+          <a:p>
+            <a:r>
+              <a:rPr lang="ko-Kore-KR" altLang="en-US" sz="1600" dirty="0">
+                <a:latin typeface="DM Mono" panose="020B0509040201040103" pitchFamily="49" charset="0"/>
+              </a:rPr>
+              <a:t>        strcpy(name, rhs.name);</a:t>
+            </a:r>
+          </a:p>
+          <a:p>
+            <a:r>
+              <a:rPr lang="ko-Kore-KR" altLang="en-US" sz="1600" dirty="0">
+                <a:latin typeface="DM Mono" panose="020B0509040201040103" pitchFamily="49" charset="0"/>
+              </a:rPr>
+              <a:t>    }</a:t>
+            </a:r>
+          </a:p>
+        </p:txBody>
+      </p:sp>
+    </p:spTree>
+    <p:extLst>
+      <p:ext uri="{BB962C8B-B14F-4D97-AF65-F5344CB8AC3E}">
+        <p14:creationId xmlns:p14="http://schemas.microsoft.com/office/powerpoint/2010/main" val="3056881113"/>
+      </p:ext>
+    </p:extLst>
+  </p:cSld>
+  <p:clrMapOvr>
+    <a:masterClrMapping/>
+  </p:clrMapOvr>
+</p:sld>
+</file>
+
 <file path=ppt/slides/slide3.xml><?xml version="1.0" encoding="utf-8"?>
 <p:sld xmlns:a="http://schemas.openxmlformats.org/drawingml/2006/main" xmlns:r="http://schemas.openxmlformats.org/officeDocument/2006/relationships" xmlns:p="http://schemas.openxmlformats.org/presentationml/2006/main">
   <p:cSld>
@@ -20980,6 +21880,1242 @@
     <p:extLst>
       <p:ext uri="{BB962C8B-B14F-4D97-AF65-F5344CB8AC3E}">
         <p14:creationId xmlns:p14="http://schemas.microsoft.com/office/powerpoint/2010/main" val="1960560919"/>
+      </p:ext>
+    </p:extLst>
+  </p:cSld>
+  <p:clrMapOvr>
+    <a:masterClrMapping/>
+  </p:clrMapOvr>
+</p:sld>
+</file>
+
+<file path=ppt/slides/slide30.xml><?xml version="1.0" encoding="utf-8"?>
+<p:sld xmlns:a="http://schemas.openxmlformats.org/drawingml/2006/main" xmlns:r="http://schemas.openxmlformats.org/officeDocument/2006/relationships" xmlns:p="http://schemas.openxmlformats.org/presentationml/2006/main">
+  <p:cSld>
+    <p:spTree>
+      <p:nvGrpSpPr>
+        <p:cNvPr id="1" name=""/>
+        <p:cNvGrpSpPr/>
+        <p:nvPr/>
+      </p:nvGrpSpPr>
+      <p:grpSpPr>
+        <a:xfrm>
+          <a:off x="0" y="0"/>
+          <a:ext cx="0" cy="0"/>
+          <a:chOff x="0" y="0"/>
+          <a:chExt cx="0" cy="0"/>
+        </a:xfrm>
+      </p:grpSpPr>
+      <p:sp>
+        <p:nvSpPr>
+          <p:cNvPr id="4" name="직사각형 3">
+            <a:extLst>
+              <a:ext uri="{FF2B5EF4-FFF2-40B4-BE49-F238E27FC236}">
+                <a16:creationId xmlns:a16="http://schemas.microsoft.com/office/drawing/2014/main" id="{A4F7BA68-9AB9-DF57-6F28-6E25575F4CD6}"/>
+              </a:ext>
+            </a:extLst>
+          </p:cNvPr>
+          <p:cNvSpPr/>
+          <p:nvPr/>
+        </p:nvSpPr>
+        <p:spPr>
+          <a:xfrm>
+            <a:off x="7119670" y="915185"/>
+            <a:ext cx="804912" cy="482277"/>
+          </a:xfrm>
+          <a:prstGeom prst="rect">
+            <a:avLst/>
+          </a:prstGeom>
+          <a:solidFill>
+            <a:srgbClr val="FFFF00"/>
+          </a:solidFill>
+        </p:spPr>
+        <p:style>
+          <a:lnRef idx="2">
+            <a:schemeClr val="accent1">
+              <a:shade val="15000"/>
+            </a:schemeClr>
+          </a:lnRef>
+          <a:fillRef idx="1">
+            <a:schemeClr val="accent1"/>
+          </a:fillRef>
+          <a:effectRef idx="0">
+            <a:schemeClr val="accent1"/>
+          </a:effectRef>
+          <a:fontRef idx="minor">
+            <a:schemeClr val="lt1"/>
+          </a:fontRef>
+        </p:style>
+        <p:txBody>
+          <a:bodyPr rtlCol="0" anchor="ctr"/>
+          <a:lstStyle/>
+          <a:p>
+            <a:pPr algn="ctr"/>
+            <a:r>
+              <a:rPr kumimoji="1" lang="en-US" altLang="ko-Kore-KR" sz="1600" dirty="0" err="1">
+                <a:solidFill>
+                  <a:srgbClr val="FF0000"/>
+                </a:solidFill>
+                <a:latin typeface="DM Mono" panose="020B0509040201040103" pitchFamily="49" charset="0"/>
+              </a:rPr>
+              <a:t>nullptr</a:t>
+            </a:r>
+            <a:endParaRPr kumimoji="1" lang="ko-Kore-KR" altLang="en-US" sz="1600" dirty="0">
+              <a:solidFill>
+                <a:srgbClr val="FF0000"/>
+              </a:solidFill>
+              <a:latin typeface="DM Mono" panose="020B0509040201040103" pitchFamily="49" charset="0"/>
+            </a:endParaRPr>
+          </a:p>
+        </p:txBody>
+      </p:sp>
+      <p:sp>
+        <p:nvSpPr>
+          <p:cNvPr id="5" name="TextBox 4">
+            <a:extLst>
+              <a:ext uri="{FF2B5EF4-FFF2-40B4-BE49-F238E27FC236}">
+                <a16:creationId xmlns:a16="http://schemas.microsoft.com/office/drawing/2014/main" id="{226ED89B-35D1-901E-7EE2-62FCC07FE3F5}"/>
+              </a:ext>
+            </a:extLst>
+          </p:cNvPr>
+          <p:cNvSpPr txBox="1"/>
+          <p:nvPr/>
+        </p:nvSpPr>
+        <p:spPr>
+          <a:xfrm>
+            <a:off x="6327171" y="971657"/>
+            <a:ext cx="792499" cy="369332"/>
+          </a:xfrm>
+          <a:prstGeom prst="rect">
+            <a:avLst/>
+          </a:prstGeom>
+          <a:noFill/>
+        </p:spPr>
+        <p:txBody>
+          <a:bodyPr wrap="square">
+            <a:spAutoFit/>
+          </a:bodyPr>
+          <a:lstStyle/>
+          <a:p>
+            <a:pPr algn="r"/>
+            <a:r>
+              <a:rPr lang="en-US" altLang="ko-Kore-KR" dirty="0">
+                <a:latin typeface="DM Mono" panose="020B0509040201040103" pitchFamily="49" charset="0"/>
+              </a:rPr>
+              <a:t>name</a:t>
+            </a:r>
+            <a:endParaRPr lang="ko-Kore-KR" altLang="en-US" dirty="0"/>
+          </a:p>
+        </p:txBody>
+      </p:sp>
+      <p:sp>
+        <p:nvSpPr>
+          <p:cNvPr id="6" name="직사각형 5">
+            <a:extLst>
+              <a:ext uri="{FF2B5EF4-FFF2-40B4-BE49-F238E27FC236}">
+                <a16:creationId xmlns:a16="http://schemas.microsoft.com/office/drawing/2014/main" id="{E4FFCAC9-1CD9-90FF-D208-459BA9865F7B}"/>
+              </a:ext>
+            </a:extLst>
+          </p:cNvPr>
+          <p:cNvSpPr/>
+          <p:nvPr/>
+        </p:nvSpPr>
+        <p:spPr>
+          <a:xfrm>
+            <a:off x="7119670" y="1397461"/>
+            <a:ext cx="804912" cy="482277"/>
+          </a:xfrm>
+          <a:prstGeom prst="rect">
+            <a:avLst/>
+          </a:prstGeom>
+          <a:solidFill>
+            <a:srgbClr val="FFFF00"/>
+          </a:solidFill>
+        </p:spPr>
+        <p:style>
+          <a:lnRef idx="2">
+            <a:schemeClr val="accent1">
+              <a:shade val="15000"/>
+            </a:schemeClr>
+          </a:lnRef>
+          <a:fillRef idx="1">
+            <a:schemeClr val="accent1"/>
+          </a:fillRef>
+          <a:effectRef idx="0">
+            <a:schemeClr val="accent1"/>
+          </a:effectRef>
+          <a:fontRef idx="minor">
+            <a:schemeClr val="lt1"/>
+          </a:fontRef>
+        </p:style>
+        <p:txBody>
+          <a:bodyPr rtlCol="0" anchor="ctr"/>
+          <a:lstStyle/>
+          <a:p>
+            <a:pPr algn="ctr"/>
+            <a:r>
+              <a:rPr kumimoji="1" lang="en-US" altLang="ko-Kore-KR" sz="1600" dirty="0">
+                <a:solidFill>
+                  <a:schemeClr val="tx1"/>
+                </a:solidFill>
+                <a:latin typeface="DM Mono" panose="020B0509040201040103" pitchFamily="49" charset="0"/>
+              </a:rPr>
+              <a:t>42</a:t>
+            </a:r>
+            <a:endParaRPr kumimoji="1" lang="ko-Kore-KR" altLang="en-US" sz="1600" dirty="0">
+              <a:solidFill>
+                <a:schemeClr val="tx1"/>
+              </a:solidFill>
+              <a:latin typeface="DM Mono" panose="020B0509040201040103" pitchFamily="49" charset="0"/>
+            </a:endParaRPr>
+          </a:p>
+        </p:txBody>
+      </p:sp>
+      <p:sp>
+        <p:nvSpPr>
+          <p:cNvPr id="7" name="TextBox 6">
+            <a:extLst>
+              <a:ext uri="{FF2B5EF4-FFF2-40B4-BE49-F238E27FC236}">
+                <a16:creationId xmlns:a16="http://schemas.microsoft.com/office/drawing/2014/main" id="{AD36B65D-8439-5AB1-F96E-A9A2DDBEC8BE}"/>
+              </a:ext>
+            </a:extLst>
+          </p:cNvPr>
+          <p:cNvSpPr txBox="1"/>
+          <p:nvPr/>
+        </p:nvSpPr>
+        <p:spPr>
+          <a:xfrm>
+            <a:off x="6396183" y="1453933"/>
+            <a:ext cx="723487" cy="369332"/>
+          </a:xfrm>
+          <a:prstGeom prst="rect">
+            <a:avLst/>
+          </a:prstGeom>
+          <a:noFill/>
+        </p:spPr>
+        <p:txBody>
+          <a:bodyPr wrap="square">
+            <a:spAutoFit/>
+          </a:bodyPr>
+          <a:lstStyle/>
+          <a:p>
+            <a:pPr algn="r"/>
+            <a:r>
+              <a:rPr lang="en-US" altLang="ko-Kore-KR" dirty="0">
+                <a:latin typeface="DM Mono" panose="020B0509040201040103" pitchFamily="49" charset="0"/>
+              </a:rPr>
+              <a:t>age</a:t>
+            </a:r>
+            <a:endParaRPr lang="ko-Kore-KR" altLang="en-US" dirty="0"/>
+          </a:p>
+        </p:txBody>
+      </p:sp>
+      <p:sp>
+        <p:nvSpPr>
+          <p:cNvPr id="8" name="TextBox 7">
+            <a:extLst>
+              <a:ext uri="{FF2B5EF4-FFF2-40B4-BE49-F238E27FC236}">
+                <a16:creationId xmlns:a16="http://schemas.microsoft.com/office/drawing/2014/main" id="{7D3A0BEB-A556-769B-D620-F5DEC7DBAA92}"/>
+              </a:ext>
+            </a:extLst>
+          </p:cNvPr>
+          <p:cNvSpPr txBox="1"/>
+          <p:nvPr/>
+        </p:nvSpPr>
+        <p:spPr>
+          <a:xfrm>
+            <a:off x="7119670" y="539192"/>
+            <a:ext cx="804912" cy="369332"/>
+          </a:xfrm>
+          <a:prstGeom prst="rect">
+            <a:avLst/>
+          </a:prstGeom>
+          <a:noFill/>
+        </p:spPr>
+        <p:txBody>
+          <a:bodyPr wrap="square">
+            <a:spAutoFit/>
+          </a:bodyPr>
+          <a:lstStyle/>
+          <a:p>
+            <a:pPr algn="ctr"/>
+            <a:r>
+              <a:rPr lang="en-US" altLang="ko-Kore-KR" dirty="0">
+                <a:latin typeface="DM Mono" panose="020B0509040201040103" pitchFamily="49" charset="0"/>
+              </a:rPr>
+              <a:t>user</a:t>
+            </a:r>
+            <a:endParaRPr lang="ko-Kore-KR" altLang="en-US" dirty="0"/>
+          </a:p>
+        </p:txBody>
+      </p:sp>
+      <p:sp>
+        <p:nvSpPr>
+          <p:cNvPr id="9" name="직사각형 8">
+            <a:extLst>
+              <a:ext uri="{FF2B5EF4-FFF2-40B4-BE49-F238E27FC236}">
+                <a16:creationId xmlns:a16="http://schemas.microsoft.com/office/drawing/2014/main" id="{906AE92D-8AC4-B421-8F0F-7AA114039D58}"/>
+              </a:ext>
+            </a:extLst>
+          </p:cNvPr>
+          <p:cNvSpPr/>
+          <p:nvPr/>
+        </p:nvSpPr>
+        <p:spPr>
+          <a:xfrm>
+            <a:off x="9971919" y="489380"/>
+            <a:ext cx="1320057" cy="482277"/>
+          </a:xfrm>
+          <a:prstGeom prst="rect">
+            <a:avLst/>
+          </a:prstGeom>
+          <a:solidFill>
+            <a:srgbClr val="FFFF00"/>
+          </a:solidFill>
+        </p:spPr>
+        <p:style>
+          <a:lnRef idx="2">
+            <a:schemeClr val="accent1">
+              <a:shade val="15000"/>
+            </a:schemeClr>
+          </a:lnRef>
+          <a:fillRef idx="1">
+            <a:schemeClr val="accent1"/>
+          </a:fillRef>
+          <a:effectRef idx="0">
+            <a:schemeClr val="accent1"/>
+          </a:effectRef>
+          <a:fontRef idx="minor">
+            <a:schemeClr val="lt1"/>
+          </a:fontRef>
+        </p:style>
+        <p:txBody>
+          <a:bodyPr rtlCol="0" anchor="ctr"/>
+          <a:lstStyle/>
+          <a:p>
+            <a:pPr algn="ctr"/>
+            <a:r>
+              <a:rPr kumimoji="1" lang="en-US" altLang="ko-Kore-KR" sz="1600" dirty="0">
+                <a:solidFill>
+                  <a:schemeClr val="tx1"/>
+                </a:solidFill>
+                <a:latin typeface="DM Mono" panose="020B0509040201040103" pitchFamily="49" charset="0"/>
+              </a:rPr>
+              <a:t>“Tom”</a:t>
+            </a:r>
+            <a:endParaRPr kumimoji="1" lang="ko-Kore-KR" altLang="en-US" sz="1600" dirty="0">
+              <a:solidFill>
+                <a:schemeClr val="tx1"/>
+              </a:solidFill>
+              <a:latin typeface="DM Mono" panose="020B0509040201040103" pitchFamily="49" charset="0"/>
+            </a:endParaRPr>
+          </a:p>
+        </p:txBody>
+      </p:sp>
+      <p:sp>
+        <p:nvSpPr>
+          <p:cNvPr id="11" name="TextBox 10">
+            <a:extLst>
+              <a:ext uri="{FF2B5EF4-FFF2-40B4-BE49-F238E27FC236}">
+                <a16:creationId xmlns:a16="http://schemas.microsoft.com/office/drawing/2014/main" id="{F5A2CEF5-2A54-4A6C-E467-68311376D5F8}"/>
+              </a:ext>
+            </a:extLst>
+          </p:cNvPr>
+          <p:cNvSpPr txBox="1"/>
+          <p:nvPr/>
+        </p:nvSpPr>
+        <p:spPr>
+          <a:xfrm>
+            <a:off x="9394167" y="196744"/>
+            <a:ext cx="974002" cy="307777"/>
+          </a:xfrm>
+          <a:prstGeom prst="rect">
+            <a:avLst/>
+          </a:prstGeom>
+          <a:noFill/>
+        </p:spPr>
+        <p:txBody>
+          <a:bodyPr wrap="square">
+            <a:spAutoFit/>
+          </a:bodyPr>
+          <a:lstStyle/>
+          <a:p>
+            <a:pPr algn="ctr"/>
+            <a:r>
+              <a:rPr lang="en-US" altLang="ko-Kore-KR" sz="1400" dirty="0">
+                <a:latin typeface="DM Mono" panose="020B0509040201040103" pitchFamily="49" charset="0"/>
+              </a:rPr>
+              <a:t>0x100</a:t>
+            </a:r>
+            <a:endParaRPr lang="ko-Kore-KR" altLang="en-US" sz="1400" dirty="0"/>
+          </a:p>
+        </p:txBody>
+      </p:sp>
+      <p:sp>
+        <p:nvSpPr>
+          <p:cNvPr id="12" name="직사각형 11">
+            <a:extLst>
+              <a:ext uri="{FF2B5EF4-FFF2-40B4-BE49-F238E27FC236}">
+                <a16:creationId xmlns:a16="http://schemas.microsoft.com/office/drawing/2014/main" id="{9DE3272F-1A8D-498A-A35A-3B08300D1DD1}"/>
+              </a:ext>
+            </a:extLst>
+          </p:cNvPr>
+          <p:cNvSpPr/>
+          <p:nvPr/>
+        </p:nvSpPr>
+        <p:spPr>
+          <a:xfrm>
+            <a:off x="7197700" y="2813258"/>
+            <a:ext cx="804912" cy="482277"/>
+          </a:xfrm>
+          <a:prstGeom prst="rect">
+            <a:avLst/>
+          </a:prstGeom>
+          <a:solidFill>
+            <a:srgbClr val="FFFF00"/>
+          </a:solidFill>
+        </p:spPr>
+        <p:style>
+          <a:lnRef idx="2">
+            <a:schemeClr val="accent1">
+              <a:shade val="15000"/>
+            </a:schemeClr>
+          </a:lnRef>
+          <a:fillRef idx="1">
+            <a:schemeClr val="accent1"/>
+          </a:fillRef>
+          <a:effectRef idx="0">
+            <a:schemeClr val="accent1"/>
+          </a:effectRef>
+          <a:fontRef idx="minor">
+            <a:schemeClr val="lt1"/>
+          </a:fontRef>
+        </p:style>
+        <p:txBody>
+          <a:bodyPr rtlCol="0" anchor="ctr"/>
+          <a:lstStyle/>
+          <a:p>
+            <a:pPr algn="ctr"/>
+            <a:r>
+              <a:rPr kumimoji="1" lang="en-US" altLang="ko-Kore-KR" sz="1600" dirty="0">
+                <a:solidFill>
+                  <a:srgbClr val="FF0000"/>
+                </a:solidFill>
+                <a:latin typeface="DM Mono" panose="020B0509040201040103" pitchFamily="49" charset="0"/>
+              </a:rPr>
+              <a:t>0x200</a:t>
+            </a:r>
+            <a:endParaRPr kumimoji="1" lang="ko-Kore-KR" altLang="en-US" sz="1600" dirty="0">
+              <a:solidFill>
+                <a:srgbClr val="FF0000"/>
+              </a:solidFill>
+              <a:latin typeface="DM Mono" panose="020B0509040201040103" pitchFamily="49" charset="0"/>
+            </a:endParaRPr>
+          </a:p>
+        </p:txBody>
+      </p:sp>
+      <p:sp>
+        <p:nvSpPr>
+          <p:cNvPr id="13" name="TextBox 12">
+            <a:extLst>
+              <a:ext uri="{FF2B5EF4-FFF2-40B4-BE49-F238E27FC236}">
+                <a16:creationId xmlns:a16="http://schemas.microsoft.com/office/drawing/2014/main" id="{139268FF-6EB2-7DB4-445D-0E62FE65F8CF}"/>
+              </a:ext>
+            </a:extLst>
+          </p:cNvPr>
+          <p:cNvSpPr txBox="1"/>
+          <p:nvPr/>
+        </p:nvSpPr>
+        <p:spPr>
+          <a:xfrm>
+            <a:off x="6405201" y="2869730"/>
+            <a:ext cx="792499" cy="369332"/>
+          </a:xfrm>
+          <a:prstGeom prst="rect">
+            <a:avLst/>
+          </a:prstGeom>
+          <a:noFill/>
+        </p:spPr>
+        <p:txBody>
+          <a:bodyPr wrap="square">
+            <a:spAutoFit/>
+          </a:bodyPr>
+          <a:lstStyle/>
+          <a:p>
+            <a:pPr algn="r"/>
+            <a:r>
+              <a:rPr lang="en-US" altLang="ko-Kore-KR" dirty="0">
+                <a:latin typeface="DM Mono" panose="020B0509040201040103" pitchFamily="49" charset="0"/>
+              </a:rPr>
+              <a:t>name</a:t>
+            </a:r>
+            <a:endParaRPr lang="ko-Kore-KR" altLang="en-US" dirty="0"/>
+          </a:p>
+        </p:txBody>
+      </p:sp>
+      <p:sp>
+        <p:nvSpPr>
+          <p:cNvPr id="14" name="직사각형 13">
+            <a:extLst>
+              <a:ext uri="{FF2B5EF4-FFF2-40B4-BE49-F238E27FC236}">
+                <a16:creationId xmlns:a16="http://schemas.microsoft.com/office/drawing/2014/main" id="{A6BD244C-2DC6-025B-8340-503C2E8E41E6}"/>
+              </a:ext>
+            </a:extLst>
+          </p:cNvPr>
+          <p:cNvSpPr/>
+          <p:nvPr/>
+        </p:nvSpPr>
+        <p:spPr>
+          <a:xfrm>
+            <a:off x="7197700" y="3295534"/>
+            <a:ext cx="804912" cy="482277"/>
+          </a:xfrm>
+          <a:prstGeom prst="rect">
+            <a:avLst/>
+          </a:prstGeom>
+          <a:solidFill>
+            <a:srgbClr val="FFFF00"/>
+          </a:solidFill>
+        </p:spPr>
+        <p:style>
+          <a:lnRef idx="2">
+            <a:schemeClr val="accent1">
+              <a:shade val="15000"/>
+            </a:schemeClr>
+          </a:lnRef>
+          <a:fillRef idx="1">
+            <a:schemeClr val="accent1"/>
+          </a:fillRef>
+          <a:effectRef idx="0">
+            <a:schemeClr val="accent1"/>
+          </a:effectRef>
+          <a:fontRef idx="minor">
+            <a:schemeClr val="lt1"/>
+          </a:fontRef>
+        </p:style>
+        <p:txBody>
+          <a:bodyPr rtlCol="0" anchor="ctr"/>
+          <a:lstStyle/>
+          <a:p>
+            <a:pPr algn="ctr"/>
+            <a:r>
+              <a:rPr kumimoji="1" lang="en-US" altLang="ko-Kore-KR" sz="1600" dirty="0">
+                <a:solidFill>
+                  <a:srgbClr val="FF0000"/>
+                </a:solidFill>
+                <a:latin typeface="DM Mono" panose="020B0509040201040103" pitchFamily="49" charset="0"/>
+              </a:rPr>
+              <a:t>42</a:t>
+            </a:r>
+            <a:endParaRPr kumimoji="1" lang="ko-Kore-KR" altLang="en-US" sz="1600" dirty="0">
+              <a:solidFill>
+                <a:srgbClr val="FF0000"/>
+              </a:solidFill>
+              <a:latin typeface="DM Mono" panose="020B0509040201040103" pitchFamily="49" charset="0"/>
+            </a:endParaRPr>
+          </a:p>
+        </p:txBody>
+      </p:sp>
+      <p:sp>
+        <p:nvSpPr>
+          <p:cNvPr id="15" name="TextBox 14">
+            <a:extLst>
+              <a:ext uri="{FF2B5EF4-FFF2-40B4-BE49-F238E27FC236}">
+                <a16:creationId xmlns:a16="http://schemas.microsoft.com/office/drawing/2014/main" id="{749F77EC-1A5D-C3D8-AA7E-4CEDF2996FFF}"/>
+              </a:ext>
+            </a:extLst>
+          </p:cNvPr>
+          <p:cNvSpPr txBox="1"/>
+          <p:nvPr/>
+        </p:nvSpPr>
+        <p:spPr>
+          <a:xfrm>
+            <a:off x="6474213" y="3352006"/>
+            <a:ext cx="723487" cy="369332"/>
+          </a:xfrm>
+          <a:prstGeom prst="rect">
+            <a:avLst/>
+          </a:prstGeom>
+          <a:noFill/>
+        </p:spPr>
+        <p:txBody>
+          <a:bodyPr wrap="square">
+            <a:spAutoFit/>
+          </a:bodyPr>
+          <a:lstStyle/>
+          <a:p>
+            <a:pPr algn="r"/>
+            <a:r>
+              <a:rPr lang="en-US" altLang="ko-Kore-KR" dirty="0">
+                <a:latin typeface="DM Mono" panose="020B0509040201040103" pitchFamily="49" charset="0"/>
+              </a:rPr>
+              <a:t>age</a:t>
+            </a:r>
+            <a:endParaRPr lang="ko-Kore-KR" altLang="en-US" dirty="0"/>
+          </a:p>
+        </p:txBody>
+      </p:sp>
+      <p:sp>
+        <p:nvSpPr>
+          <p:cNvPr id="16" name="TextBox 15">
+            <a:extLst>
+              <a:ext uri="{FF2B5EF4-FFF2-40B4-BE49-F238E27FC236}">
+                <a16:creationId xmlns:a16="http://schemas.microsoft.com/office/drawing/2014/main" id="{9E5DAB33-CEED-B158-2609-7402C8F35811}"/>
+              </a:ext>
+            </a:extLst>
+          </p:cNvPr>
+          <p:cNvSpPr txBox="1"/>
+          <p:nvPr/>
+        </p:nvSpPr>
+        <p:spPr>
+          <a:xfrm>
+            <a:off x="7197700" y="2443927"/>
+            <a:ext cx="882942" cy="369332"/>
+          </a:xfrm>
+          <a:prstGeom prst="rect">
+            <a:avLst/>
+          </a:prstGeom>
+          <a:noFill/>
+        </p:spPr>
+        <p:txBody>
+          <a:bodyPr wrap="square">
+            <a:spAutoFit/>
+          </a:bodyPr>
+          <a:lstStyle/>
+          <a:p>
+            <a:pPr algn="ctr"/>
+            <a:r>
+              <a:rPr lang="en-US" altLang="ko-Kore-KR" dirty="0">
+                <a:latin typeface="DM Mono" panose="020B0509040201040103" pitchFamily="49" charset="0"/>
+              </a:rPr>
+              <a:t>other</a:t>
+            </a:r>
+            <a:endParaRPr lang="ko-Kore-KR" altLang="en-US" dirty="0"/>
+          </a:p>
+        </p:txBody>
+      </p:sp>
+      <p:cxnSp>
+        <p:nvCxnSpPr>
+          <p:cNvPr id="18" name="구부러진 연결선[U] 17">
+            <a:extLst>
+              <a:ext uri="{FF2B5EF4-FFF2-40B4-BE49-F238E27FC236}">
+                <a16:creationId xmlns:a16="http://schemas.microsoft.com/office/drawing/2014/main" id="{86AF2516-8E0A-CDF2-662D-DC332EAF253B}"/>
+              </a:ext>
+            </a:extLst>
+          </p:cNvPr>
+          <p:cNvCxnSpPr>
+            <a:cxnSpLocks/>
+            <a:stCxn id="12" idx="3"/>
+            <a:endCxn id="9" idx="1"/>
+          </p:cNvCxnSpPr>
+          <p:nvPr/>
+        </p:nvCxnSpPr>
+        <p:spPr>
+          <a:xfrm flipV="1">
+            <a:off x="8002612" y="730519"/>
+            <a:ext cx="1969307" cy="2323878"/>
+          </a:xfrm>
+          <a:prstGeom prst="curvedConnector3">
+            <a:avLst>
+              <a:gd name="adj1" fmla="val 50000"/>
+            </a:avLst>
+          </a:prstGeom>
+          <a:ln w="12700">
+            <a:tailEnd type="triangle"/>
+          </a:ln>
+        </p:spPr>
+        <p:style>
+          <a:lnRef idx="1">
+            <a:schemeClr val="dk1"/>
+          </a:lnRef>
+          <a:fillRef idx="0">
+            <a:schemeClr val="dk1"/>
+          </a:fillRef>
+          <a:effectRef idx="0">
+            <a:schemeClr val="dk1"/>
+          </a:effectRef>
+          <a:fontRef idx="minor">
+            <a:schemeClr val="tx1"/>
+          </a:fontRef>
+        </p:style>
+      </p:cxnSp>
+      <p:sp>
+        <p:nvSpPr>
+          <p:cNvPr id="20" name="TextBox 19">
+            <a:extLst>
+              <a:ext uri="{FF2B5EF4-FFF2-40B4-BE49-F238E27FC236}">
+                <a16:creationId xmlns:a16="http://schemas.microsoft.com/office/drawing/2014/main" id="{3D61AD14-5956-4577-938C-E07A2AF41D2F}"/>
+              </a:ext>
+            </a:extLst>
+          </p:cNvPr>
+          <p:cNvSpPr txBox="1"/>
+          <p:nvPr/>
+        </p:nvSpPr>
+        <p:spPr>
+          <a:xfrm>
+            <a:off x="100082" y="310078"/>
+            <a:ext cx="6096000" cy="1569660"/>
+          </a:xfrm>
+          <a:prstGeom prst="rect">
+            <a:avLst/>
+          </a:prstGeom>
+          <a:noFill/>
+        </p:spPr>
+        <p:txBody>
+          <a:bodyPr wrap="square">
+            <a:spAutoFit/>
+          </a:bodyPr>
+          <a:lstStyle/>
+          <a:p>
+            <a:r>
+              <a:rPr lang="ko-Kore-KR" altLang="en-US" sz="1600" dirty="0">
+                <a:latin typeface="DM Mono" panose="020B0509040201040103" pitchFamily="49" charset="0"/>
+              </a:rPr>
+              <a:t> </a:t>
+            </a:r>
+            <a:r>
+              <a:rPr lang="en-US" altLang="ko-Kore-KR" sz="1600" dirty="0">
+                <a:latin typeface="DM Mono" panose="020B0509040201040103" pitchFamily="49" charset="0"/>
+              </a:rPr>
+              <a:t>   </a:t>
+            </a:r>
+            <a:r>
+              <a:rPr lang="ko-Kore-KR" altLang="en-US" sz="1600" dirty="0">
+                <a:latin typeface="DM Mono" panose="020B0509040201040103" pitchFamily="49" charset="0"/>
+              </a:rPr>
+              <a:t>User(const User&amp; rhs)</a:t>
+            </a:r>
+          </a:p>
+          <a:p>
+            <a:r>
+              <a:rPr lang="ko-Kore-KR" altLang="en-US" sz="1600" dirty="0">
+                <a:latin typeface="DM Mono" panose="020B0509040201040103" pitchFamily="49" charset="0"/>
+              </a:rPr>
+              <a:t>        : age { rhs.age }</a:t>
+            </a:r>
+          </a:p>
+          <a:p>
+            <a:r>
+              <a:rPr lang="ko-Kore-KR" altLang="en-US" sz="1600" dirty="0">
+                <a:latin typeface="DM Mono" panose="020B0509040201040103" pitchFamily="49" charset="0"/>
+              </a:rPr>
+              <a:t>    {</a:t>
+            </a:r>
+          </a:p>
+          <a:p>
+            <a:r>
+              <a:rPr lang="ko-Kore-KR" altLang="en-US" sz="1600" dirty="0">
+                <a:latin typeface="DM Mono" panose="020B0509040201040103" pitchFamily="49" charset="0"/>
+              </a:rPr>
+              <a:t>        name = new char[strlen(rhs.name) + 1];</a:t>
+            </a:r>
+          </a:p>
+          <a:p>
+            <a:r>
+              <a:rPr lang="ko-Kore-KR" altLang="en-US" sz="1600" dirty="0">
+                <a:latin typeface="DM Mono" panose="020B0509040201040103" pitchFamily="49" charset="0"/>
+              </a:rPr>
+              <a:t>        strcpy(name, rhs.name);</a:t>
+            </a:r>
+          </a:p>
+          <a:p>
+            <a:r>
+              <a:rPr lang="ko-Kore-KR" altLang="en-US" sz="1600" dirty="0">
+                <a:latin typeface="DM Mono" panose="020B0509040201040103" pitchFamily="49" charset="0"/>
+              </a:rPr>
+              <a:t>    }</a:t>
+            </a:r>
+          </a:p>
+        </p:txBody>
+      </p:sp>
+    </p:spTree>
+    <p:extLst>
+      <p:ext uri="{BB962C8B-B14F-4D97-AF65-F5344CB8AC3E}">
+        <p14:creationId xmlns:p14="http://schemas.microsoft.com/office/powerpoint/2010/main" val="1420309684"/>
+      </p:ext>
+    </p:extLst>
+  </p:cSld>
+  <p:clrMapOvr>
+    <a:masterClrMapping/>
+  </p:clrMapOvr>
+</p:sld>
+</file>
+
+<file path=ppt/slides/slide31.xml><?xml version="1.0" encoding="utf-8"?>
+<p:sld xmlns:a="http://schemas.openxmlformats.org/drawingml/2006/main" xmlns:r="http://schemas.openxmlformats.org/officeDocument/2006/relationships" xmlns:p="http://schemas.openxmlformats.org/presentationml/2006/main">
+  <p:cSld>
+    <p:spTree>
+      <p:nvGrpSpPr>
+        <p:cNvPr id="1" name=""/>
+        <p:cNvGrpSpPr/>
+        <p:nvPr/>
+      </p:nvGrpSpPr>
+      <p:grpSpPr>
+        <a:xfrm>
+          <a:off x="0" y="0"/>
+          <a:ext cx="0" cy="0"/>
+          <a:chOff x="0" y="0"/>
+          <a:chExt cx="0" cy="0"/>
+        </a:xfrm>
+      </p:grpSpPr>
+      <p:sp>
+        <p:nvSpPr>
+          <p:cNvPr id="5" name="TextBox 4">
+            <a:extLst>
+              <a:ext uri="{FF2B5EF4-FFF2-40B4-BE49-F238E27FC236}">
+                <a16:creationId xmlns:a16="http://schemas.microsoft.com/office/drawing/2014/main" id="{366C0606-FF46-7C74-265F-4ACA1396A207}"/>
+              </a:ext>
+            </a:extLst>
+          </p:cNvPr>
+          <p:cNvSpPr txBox="1"/>
+          <p:nvPr/>
+        </p:nvSpPr>
+        <p:spPr>
+          <a:xfrm>
+            <a:off x="314037" y="152876"/>
+            <a:ext cx="6096000" cy="1200329"/>
+          </a:xfrm>
+          <a:prstGeom prst="rect">
+            <a:avLst/>
+          </a:prstGeom>
+          <a:noFill/>
+        </p:spPr>
+        <p:txBody>
+          <a:bodyPr wrap="square">
+            <a:spAutoFit/>
+          </a:bodyPr>
+          <a:lstStyle/>
+          <a:p>
+            <a:r>
+              <a:rPr lang="ko-Kore-KR" altLang="en-US" dirty="0">
+                <a:latin typeface="DM Mono" panose="020B0509040201040103" pitchFamily="49" charset="0"/>
+              </a:rPr>
+              <a:t>class Car {</a:t>
+            </a:r>
+          </a:p>
+          <a:p>
+            <a:r>
+              <a:rPr lang="ko-Kore-KR" altLang="en-US" dirty="0">
+                <a:solidFill>
+                  <a:srgbClr val="FF0000"/>
+                </a:solidFill>
+                <a:latin typeface="DM Mono" panose="020B0509040201040103" pitchFamily="49" charset="0"/>
+              </a:rPr>
+              <a:t>    static int cnt;</a:t>
+            </a:r>
+            <a:endParaRPr lang="en-US" altLang="ko-Kore-KR" dirty="0">
+              <a:solidFill>
+                <a:srgbClr val="FF0000"/>
+              </a:solidFill>
+              <a:latin typeface="DM Mono" panose="020B0509040201040103" pitchFamily="49" charset="0"/>
+            </a:endParaRPr>
+          </a:p>
+          <a:p>
+            <a:r>
+              <a:rPr lang="en-US" altLang="ko-Kore-KR" dirty="0">
+                <a:latin typeface="DM Mono" panose="020B0509040201040103" pitchFamily="49" charset="0"/>
+              </a:rPr>
+              <a:t>   </a:t>
+            </a:r>
+            <a:r>
+              <a:rPr lang="ko-Kore-KR" altLang="en-US" dirty="0">
+                <a:latin typeface="DM Mono" panose="020B0509040201040103" pitchFamily="49" charset="0"/>
+              </a:rPr>
+              <a:t> int color;</a:t>
+            </a:r>
+            <a:endParaRPr lang="en-US" altLang="ko-Kore-KR" dirty="0">
+              <a:latin typeface="DM Mono" panose="020B0509040201040103" pitchFamily="49" charset="0"/>
+            </a:endParaRPr>
+          </a:p>
+          <a:p>
+            <a:r>
+              <a:rPr lang="en-US" altLang="ko-Kore-KR" dirty="0">
+                <a:latin typeface="DM Mono" panose="020B0509040201040103" pitchFamily="49" charset="0"/>
+              </a:rPr>
+              <a:t>};</a:t>
+            </a:r>
+            <a:endParaRPr lang="ko-Kore-KR" altLang="en-US" dirty="0">
+              <a:latin typeface="DM Mono" panose="020B0509040201040103" pitchFamily="49" charset="0"/>
+            </a:endParaRPr>
+          </a:p>
+        </p:txBody>
+      </p:sp>
+      <p:sp>
+        <p:nvSpPr>
+          <p:cNvPr id="6" name="직사각형 5">
+            <a:extLst>
+              <a:ext uri="{FF2B5EF4-FFF2-40B4-BE49-F238E27FC236}">
+                <a16:creationId xmlns:a16="http://schemas.microsoft.com/office/drawing/2014/main" id="{E8E37A48-5EF8-C51F-3787-BA102852C78C}"/>
+              </a:ext>
+            </a:extLst>
+          </p:cNvPr>
+          <p:cNvSpPr/>
+          <p:nvPr/>
+        </p:nvSpPr>
+        <p:spPr>
+          <a:xfrm>
+            <a:off x="3835663" y="3681476"/>
+            <a:ext cx="804912" cy="482277"/>
+          </a:xfrm>
+          <a:prstGeom prst="rect">
+            <a:avLst/>
+          </a:prstGeom>
+          <a:solidFill>
+            <a:srgbClr val="FFFF00"/>
+          </a:solidFill>
+        </p:spPr>
+        <p:style>
+          <a:lnRef idx="2">
+            <a:schemeClr val="accent1">
+              <a:shade val="15000"/>
+            </a:schemeClr>
+          </a:lnRef>
+          <a:fillRef idx="1">
+            <a:schemeClr val="accent1"/>
+          </a:fillRef>
+          <a:effectRef idx="0">
+            <a:schemeClr val="accent1"/>
+          </a:effectRef>
+          <a:fontRef idx="minor">
+            <a:schemeClr val="lt1"/>
+          </a:fontRef>
+        </p:style>
+        <p:txBody>
+          <a:bodyPr rtlCol="0" anchor="ctr"/>
+          <a:lstStyle/>
+          <a:p>
+            <a:pPr algn="ctr"/>
+            <a:endParaRPr kumimoji="1" lang="ko-Kore-KR" altLang="en-US" sz="1600" dirty="0">
+              <a:solidFill>
+                <a:srgbClr val="FF0000"/>
+              </a:solidFill>
+              <a:latin typeface="DM Mono" panose="020B0509040201040103" pitchFamily="49" charset="0"/>
+            </a:endParaRPr>
+          </a:p>
+        </p:txBody>
+      </p:sp>
+      <p:sp>
+        <p:nvSpPr>
+          <p:cNvPr id="7" name="TextBox 6">
+            <a:extLst>
+              <a:ext uri="{FF2B5EF4-FFF2-40B4-BE49-F238E27FC236}">
+                <a16:creationId xmlns:a16="http://schemas.microsoft.com/office/drawing/2014/main" id="{EAB58405-7D58-A214-8655-FE9D0C1B49C8}"/>
+              </a:ext>
+            </a:extLst>
+          </p:cNvPr>
+          <p:cNvSpPr txBox="1"/>
+          <p:nvPr/>
+        </p:nvSpPr>
+        <p:spPr>
+          <a:xfrm>
+            <a:off x="2503056" y="3737948"/>
+            <a:ext cx="1332608" cy="369332"/>
+          </a:xfrm>
+          <a:prstGeom prst="rect">
+            <a:avLst/>
+          </a:prstGeom>
+          <a:noFill/>
+        </p:spPr>
+        <p:txBody>
+          <a:bodyPr wrap="square">
+            <a:spAutoFit/>
+          </a:bodyPr>
+          <a:lstStyle/>
+          <a:p>
+            <a:pPr algn="r"/>
+            <a:r>
+              <a:rPr lang="en-US" altLang="ko-Kore-KR" dirty="0">
+                <a:latin typeface="DM Mono" panose="020B0509040201040103" pitchFamily="49" charset="0"/>
+              </a:rPr>
+              <a:t>color</a:t>
+            </a:r>
+            <a:endParaRPr lang="ko-Kore-KR" altLang="en-US" dirty="0"/>
+          </a:p>
+        </p:txBody>
+      </p:sp>
+      <p:sp>
+        <p:nvSpPr>
+          <p:cNvPr id="8" name="TextBox 7">
+            <a:extLst>
+              <a:ext uri="{FF2B5EF4-FFF2-40B4-BE49-F238E27FC236}">
+                <a16:creationId xmlns:a16="http://schemas.microsoft.com/office/drawing/2014/main" id="{8E3C2D36-1080-F7D6-34EC-4CDC80F5FF6E}"/>
+              </a:ext>
+            </a:extLst>
+          </p:cNvPr>
+          <p:cNvSpPr txBox="1"/>
+          <p:nvPr/>
+        </p:nvSpPr>
+        <p:spPr>
+          <a:xfrm>
+            <a:off x="3835663" y="3312145"/>
+            <a:ext cx="882942" cy="369332"/>
+          </a:xfrm>
+          <a:prstGeom prst="rect">
+            <a:avLst/>
+          </a:prstGeom>
+          <a:noFill/>
+        </p:spPr>
+        <p:txBody>
+          <a:bodyPr wrap="square">
+            <a:spAutoFit/>
+          </a:bodyPr>
+          <a:lstStyle/>
+          <a:p>
+            <a:pPr algn="ctr"/>
+            <a:r>
+              <a:rPr lang="en-US" altLang="ko-Kore-KR" dirty="0">
+                <a:latin typeface="DM Mono" panose="020B0509040201040103" pitchFamily="49" charset="0"/>
+              </a:rPr>
+              <a:t>c1</a:t>
+            </a:r>
+            <a:endParaRPr lang="ko-Kore-KR" altLang="en-US" dirty="0"/>
+          </a:p>
+        </p:txBody>
+      </p:sp>
+      <p:sp>
+        <p:nvSpPr>
+          <p:cNvPr id="9" name="직사각형 8">
+            <a:extLst>
+              <a:ext uri="{FF2B5EF4-FFF2-40B4-BE49-F238E27FC236}">
+                <a16:creationId xmlns:a16="http://schemas.microsoft.com/office/drawing/2014/main" id="{2B332E3A-2CEE-D694-4A18-27E051E999E4}"/>
+              </a:ext>
+            </a:extLst>
+          </p:cNvPr>
+          <p:cNvSpPr/>
+          <p:nvPr/>
+        </p:nvSpPr>
+        <p:spPr>
+          <a:xfrm>
+            <a:off x="6096000" y="3681476"/>
+            <a:ext cx="804912" cy="482277"/>
+          </a:xfrm>
+          <a:prstGeom prst="rect">
+            <a:avLst/>
+          </a:prstGeom>
+          <a:solidFill>
+            <a:srgbClr val="FFFF00"/>
+          </a:solidFill>
+        </p:spPr>
+        <p:style>
+          <a:lnRef idx="2">
+            <a:schemeClr val="accent1">
+              <a:shade val="15000"/>
+            </a:schemeClr>
+          </a:lnRef>
+          <a:fillRef idx="1">
+            <a:schemeClr val="accent1"/>
+          </a:fillRef>
+          <a:effectRef idx="0">
+            <a:schemeClr val="accent1"/>
+          </a:effectRef>
+          <a:fontRef idx="minor">
+            <a:schemeClr val="lt1"/>
+          </a:fontRef>
+        </p:style>
+        <p:txBody>
+          <a:bodyPr rtlCol="0" anchor="ctr"/>
+          <a:lstStyle/>
+          <a:p>
+            <a:pPr algn="ctr"/>
+            <a:endParaRPr kumimoji="1" lang="ko-Kore-KR" altLang="en-US" sz="1600" dirty="0">
+              <a:solidFill>
+                <a:srgbClr val="FF0000"/>
+              </a:solidFill>
+              <a:latin typeface="DM Mono" panose="020B0509040201040103" pitchFamily="49" charset="0"/>
+            </a:endParaRPr>
+          </a:p>
+        </p:txBody>
+      </p:sp>
+      <p:sp>
+        <p:nvSpPr>
+          <p:cNvPr id="10" name="TextBox 9">
+            <a:extLst>
+              <a:ext uri="{FF2B5EF4-FFF2-40B4-BE49-F238E27FC236}">
+                <a16:creationId xmlns:a16="http://schemas.microsoft.com/office/drawing/2014/main" id="{C5AD2175-5FD9-FD01-B9A8-F7B2A0962F07}"/>
+              </a:ext>
+            </a:extLst>
+          </p:cNvPr>
+          <p:cNvSpPr txBox="1"/>
+          <p:nvPr/>
+        </p:nvSpPr>
+        <p:spPr>
+          <a:xfrm>
+            <a:off x="4763393" y="3737948"/>
+            <a:ext cx="1332608" cy="369332"/>
+          </a:xfrm>
+          <a:prstGeom prst="rect">
+            <a:avLst/>
+          </a:prstGeom>
+          <a:noFill/>
+        </p:spPr>
+        <p:txBody>
+          <a:bodyPr wrap="square">
+            <a:spAutoFit/>
+          </a:bodyPr>
+          <a:lstStyle/>
+          <a:p>
+            <a:pPr algn="r"/>
+            <a:r>
+              <a:rPr lang="en-US" altLang="ko-Kore-KR" dirty="0">
+                <a:latin typeface="DM Mono" panose="020B0509040201040103" pitchFamily="49" charset="0"/>
+              </a:rPr>
+              <a:t>color</a:t>
+            </a:r>
+            <a:endParaRPr lang="ko-Kore-KR" altLang="en-US" dirty="0"/>
+          </a:p>
+        </p:txBody>
+      </p:sp>
+      <p:sp>
+        <p:nvSpPr>
+          <p:cNvPr id="11" name="TextBox 10">
+            <a:extLst>
+              <a:ext uri="{FF2B5EF4-FFF2-40B4-BE49-F238E27FC236}">
+                <a16:creationId xmlns:a16="http://schemas.microsoft.com/office/drawing/2014/main" id="{C14A23BF-07C0-A36D-F30E-A3D6521E6B98}"/>
+              </a:ext>
+            </a:extLst>
+          </p:cNvPr>
+          <p:cNvSpPr txBox="1"/>
+          <p:nvPr/>
+        </p:nvSpPr>
+        <p:spPr>
+          <a:xfrm>
+            <a:off x="6096000" y="3312145"/>
+            <a:ext cx="882942" cy="369332"/>
+          </a:xfrm>
+          <a:prstGeom prst="rect">
+            <a:avLst/>
+          </a:prstGeom>
+          <a:noFill/>
+        </p:spPr>
+        <p:txBody>
+          <a:bodyPr wrap="square">
+            <a:spAutoFit/>
+          </a:bodyPr>
+          <a:lstStyle/>
+          <a:p>
+            <a:pPr algn="ctr"/>
+            <a:r>
+              <a:rPr lang="en-US" altLang="ko-Kore-KR" dirty="0">
+                <a:latin typeface="DM Mono" panose="020B0509040201040103" pitchFamily="49" charset="0"/>
+              </a:rPr>
+              <a:t>c2</a:t>
+            </a:r>
+            <a:endParaRPr lang="ko-Kore-KR" altLang="en-US" dirty="0"/>
+          </a:p>
+        </p:txBody>
+      </p:sp>
+      <p:sp>
+        <p:nvSpPr>
+          <p:cNvPr id="12" name="직사각형 11">
+            <a:extLst>
+              <a:ext uri="{FF2B5EF4-FFF2-40B4-BE49-F238E27FC236}">
+                <a16:creationId xmlns:a16="http://schemas.microsoft.com/office/drawing/2014/main" id="{2B365B87-9480-B258-B229-7D1E37A506B8}"/>
+              </a:ext>
+            </a:extLst>
+          </p:cNvPr>
+          <p:cNvSpPr/>
+          <p:nvPr/>
+        </p:nvSpPr>
+        <p:spPr>
+          <a:xfrm>
+            <a:off x="10571018" y="342531"/>
+            <a:ext cx="804912" cy="482277"/>
+          </a:xfrm>
+          <a:prstGeom prst="rect">
+            <a:avLst/>
+          </a:prstGeom>
+          <a:solidFill>
+            <a:srgbClr val="FFFF00"/>
+          </a:solidFill>
+        </p:spPr>
+        <p:style>
+          <a:lnRef idx="2">
+            <a:schemeClr val="accent1">
+              <a:shade val="15000"/>
+            </a:schemeClr>
+          </a:lnRef>
+          <a:fillRef idx="1">
+            <a:schemeClr val="accent1"/>
+          </a:fillRef>
+          <a:effectRef idx="0">
+            <a:schemeClr val="accent1"/>
+          </a:effectRef>
+          <a:fontRef idx="minor">
+            <a:schemeClr val="lt1"/>
+          </a:fontRef>
+        </p:style>
+        <p:txBody>
+          <a:bodyPr rtlCol="0" anchor="ctr"/>
+          <a:lstStyle/>
+          <a:p>
+            <a:pPr algn="ctr"/>
+            <a:r>
+              <a:rPr kumimoji="1" lang="en-US" altLang="ko-Kore-KR" sz="1600" dirty="0">
+                <a:solidFill>
+                  <a:srgbClr val="FF0000"/>
+                </a:solidFill>
+                <a:latin typeface="DM Mono" panose="020B0509040201040103" pitchFamily="49" charset="0"/>
+              </a:rPr>
+              <a:t>0</a:t>
+            </a:r>
+            <a:endParaRPr kumimoji="1" lang="ko-Kore-KR" altLang="en-US" sz="1600" dirty="0">
+              <a:solidFill>
+                <a:srgbClr val="FF0000"/>
+              </a:solidFill>
+              <a:latin typeface="DM Mono" panose="020B0509040201040103" pitchFamily="49" charset="0"/>
+            </a:endParaRPr>
+          </a:p>
+        </p:txBody>
+      </p:sp>
+      <p:sp>
+        <p:nvSpPr>
+          <p:cNvPr id="13" name="TextBox 12">
+            <a:extLst>
+              <a:ext uri="{FF2B5EF4-FFF2-40B4-BE49-F238E27FC236}">
+                <a16:creationId xmlns:a16="http://schemas.microsoft.com/office/drawing/2014/main" id="{A56F8615-A103-636D-CAA7-76954DE0034C}"/>
+              </a:ext>
+            </a:extLst>
+          </p:cNvPr>
+          <p:cNvSpPr txBox="1"/>
+          <p:nvPr/>
+        </p:nvSpPr>
+        <p:spPr>
+          <a:xfrm>
+            <a:off x="8793018" y="399003"/>
+            <a:ext cx="1778001" cy="369332"/>
+          </a:xfrm>
+          <a:prstGeom prst="rect">
+            <a:avLst/>
+          </a:prstGeom>
+          <a:noFill/>
+        </p:spPr>
+        <p:txBody>
+          <a:bodyPr wrap="square">
+            <a:spAutoFit/>
+          </a:bodyPr>
+          <a:lstStyle/>
+          <a:p>
+            <a:pPr algn="r"/>
+            <a:r>
+              <a:rPr lang="en-US" altLang="ko-Kore-KR" dirty="0">
+                <a:latin typeface="DM Mono" panose="020B0509040201040103" pitchFamily="49" charset="0"/>
+              </a:rPr>
+              <a:t>Car::</a:t>
+            </a:r>
+            <a:r>
+              <a:rPr lang="en-US" altLang="ko-Kore-KR" dirty="0" err="1">
+                <a:latin typeface="DM Mono" panose="020B0509040201040103" pitchFamily="49" charset="0"/>
+              </a:rPr>
+              <a:t>cnt</a:t>
+            </a:r>
+            <a:endParaRPr lang="ko-Kore-KR" altLang="en-US" dirty="0"/>
+          </a:p>
+        </p:txBody>
+      </p:sp>
+    </p:spTree>
+    <p:extLst>
+      <p:ext uri="{BB962C8B-B14F-4D97-AF65-F5344CB8AC3E}">
+        <p14:creationId xmlns:p14="http://schemas.microsoft.com/office/powerpoint/2010/main" val="3492744382"/>
       </p:ext>
     </p:extLst>
   </p:cSld>

--- a/cpp_230824.pptx
+++ b/cpp_230824.pptx
@@ -36,6 +36,8 @@
     <p:sldId id="285" r:id="rId30"/>
     <p:sldId id="286" r:id="rId31"/>
     <p:sldId id="287" r:id="rId32"/>
+    <p:sldId id="288" r:id="rId33"/>
+    <p:sldId id="289" r:id="rId34"/>
   </p:sldIdLst>
   <p:sldSz cx="12192000" cy="6858000"/>
   <p:notesSz cx="6858000" cy="9144000"/>
@@ -23116,6 +23118,1397 @@
     <p:extLst>
       <p:ext uri="{BB962C8B-B14F-4D97-AF65-F5344CB8AC3E}">
         <p14:creationId xmlns:p14="http://schemas.microsoft.com/office/powerpoint/2010/main" val="3492744382"/>
+      </p:ext>
+    </p:extLst>
+  </p:cSld>
+  <p:clrMapOvr>
+    <a:masterClrMapping/>
+  </p:clrMapOvr>
+</p:sld>
+</file>
+
+<file path=ppt/slides/slide32.xml><?xml version="1.0" encoding="utf-8"?>
+<p:sld xmlns:a="http://schemas.openxmlformats.org/drawingml/2006/main" xmlns:r="http://schemas.openxmlformats.org/officeDocument/2006/relationships" xmlns:p="http://schemas.openxmlformats.org/presentationml/2006/main">
+  <p:cSld>
+    <p:spTree>
+      <p:nvGrpSpPr>
+        <p:cNvPr id="1" name=""/>
+        <p:cNvGrpSpPr/>
+        <p:nvPr/>
+      </p:nvGrpSpPr>
+      <p:grpSpPr>
+        <a:xfrm>
+          <a:off x="0" y="0"/>
+          <a:ext cx="0" cy="0"/>
+          <a:chOff x="0" y="0"/>
+          <a:chExt cx="0" cy="0"/>
+        </a:xfrm>
+      </p:grpSpPr>
+      <p:sp>
+        <p:nvSpPr>
+          <p:cNvPr id="5" name="TextBox 4">
+            <a:extLst>
+              <a:ext uri="{FF2B5EF4-FFF2-40B4-BE49-F238E27FC236}">
+                <a16:creationId xmlns:a16="http://schemas.microsoft.com/office/drawing/2014/main" id="{5CE7837A-3B10-367A-4DA2-9669F8683BE0}"/>
+              </a:ext>
+            </a:extLst>
+          </p:cNvPr>
+          <p:cNvSpPr txBox="1"/>
+          <p:nvPr/>
+        </p:nvSpPr>
+        <p:spPr>
+          <a:xfrm>
+            <a:off x="674255" y="217484"/>
+            <a:ext cx="6096000" cy="2585323"/>
+          </a:xfrm>
+          <a:prstGeom prst="rect">
+            <a:avLst/>
+          </a:prstGeom>
+          <a:noFill/>
+        </p:spPr>
+        <p:txBody>
+          <a:bodyPr wrap="square">
+            <a:spAutoFit/>
+          </a:bodyPr>
+          <a:lstStyle/>
+          <a:p>
+            <a:r>
+              <a:rPr lang="ko-Kore-KR" altLang="en-US" dirty="0">
+                <a:latin typeface="DM Mono" panose="020B0509040201040103" pitchFamily="49" charset="0"/>
+              </a:rPr>
+              <a:t>class Dog {</a:t>
+            </a:r>
+          </a:p>
+          <a:p>
+            <a:r>
+              <a:rPr lang="ko-Kore-KR" altLang="en-US" dirty="0">
+                <a:latin typeface="DM Mono" panose="020B0509040201040103" pitchFamily="49" charset="0"/>
+              </a:rPr>
+              <a:t>    int age;</a:t>
+            </a:r>
+          </a:p>
+          <a:p>
+            <a:r>
+              <a:rPr lang="ko-Kore-KR" altLang="en-US" dirty="0">
+                <a:latin typeface="DM Mono" panose="020B0509040201040103" pitchFamily="49" charset="0"/>
+              </a:rPr>
+              <a:t>    int color;</a:t>
+            </a:r>
+          </a:p>
+          <a:p>
+            <a:r>
+              <a:rPr lang="ko-Kore-KR" altLang="en-US" dirty="0">
+                <a:latin typeface="DM Mono" panose="020B0509040201040103" pitchFamily="49" charset="0"/>
+              </a:rPr>
+              <a:t>};</a:t>
+            </a:r>
+          </a:p>
+          <a:p>
+            <a:endParaRPr lang="ko-Kore-KR" altLang="en-US" dirty="0">
+              <a:latin typeface="DM Mono" panose="020B0509040201040103" pitchFamily="49" charset="0"/>
+            </a:endParaRPr>
+          </a:p>
+          <a:p>
+            <a:r>
+              <a:rPr lang="ko-Kore-KR" altLang="en-US" dirty="0">
+                <a:latin typeface="DM Mono" panose="020B0509040201040103" pitchFamily="49" charset="0"/>
+              </a:rPr>
+              <a:t>class Cat {</a:t>
+            </a:r>
+          </a:p>
+          <a:p>
+            <a:r>
+              <a:rPr lang="ko-Kore-KR" altLang="en-US" dirty="0">
+                <a:latin typeface="DM Mono" panose="020B0509040201040103" pitchFamily="49" charset="0"/>
+              </a:rPr>
+              <a:t>    int age;</a:t>
+            </a:r>
+          </a:p>
+          <a:p>
+            <a:r>
+              <a:rPr lang="ko-Kore-KR" altLang="en-US" dirty="0">
+                <a:latin typeface="DM Mono" panose="020B0509040201040103" pitchFamily="49" charset="0"/>
+              </a:rPr>
+              <a:t>    double speed;</a:t>
+            </a:r>
+          </a:p>
+          <a:p>
+            <a:r>
+              <a:rPr lang="ko-Kore-KR" altLang="en-US" dirty="0">
+                <a:latin typeface="DM Mono" panose="020B0509040201040103" pitchFamily="49" charset="0"/>
+              </a:rPr>
+              <a:t>};</a:t>
+            </a:r>
+          </a:p>
+        </p:txBody>
+      </p:sp>
+      <p:sp>
+        <p:nvSpPr>
+          <p:cNvPr id="6" name="직사각형 5">
+            <a:extLst>
+              <a:ext uri="{FF2B5EF4-FFF2-40B4-BE49-F238E27FC236}">
+                <a16:creationId xmlns:a16="http://schemas.microsoft.com/office/drawing/2014/main" id="{64DDFBAB-CD97-7D26-B4B0-480924F7E1DC}"/>
+              </a:ext>
+            </a:extLst>
+          </p:cNvPr>
+          <p:cNvSpPr/>
+          <p:nvPr/>
+        </p:nvSpPr>
+        <p:spPr>
+          <a:xfrm>
+            <a:off x="3835663" y="3681476"/>
+            <a:ext cx="804912" cy="482277"/>
+          </a:xfrm>
+          <a:prstGeom prst="rect">
+            <a:avLst/>
+          </a:prstGeom>
+          <a:solidFill>
+            <a:srgbClr val="FFFF00"/>
+          </a:solidFill>
+        </p:spPr>
+        <p:style>
+          <a:lnRef idx="2">
+            <a:schemeClr val="accent1">
+              <a:shade val="15000"/>
+            </a:schemeClr>
+          </a:lnRef>
+          <a:fillRef idx="1">
+            <a:schemeClr val="accent1"/>
+          </a:fillRef>
+          <a:effectRef idx="0">
+            <a:schemeClr val="accent1"/>
+          </a:effectRef>
+          <a:fontRef idx="minor">
+            <a:schemeClr val="lt1"/>
+          </a:fontRef>
+        </p:style>
+        <p:txBody>
+          <a:bodyPr rtlCol="0" anchor="ctr"/>
+          <a:lstStyle/>
+          <a:p>
+            <a:pPr algn="ctr"/>
+            <a:endParaRPr kumimoji="1" lang="ko-Kore-KR" altLang="en-US" sz="1600" dirty="0">
+              <a:solidFill>
+                <a:srgbClr val="FF0000"/>
+              </a:solidFill>
+              <a:latin typeface="DM Mono" panose="020B0509040201040103" pitchFamily="49" charset="0"/>
+            </a:endParaRPr>
+          </a:p>
+        </p:txBody>
+      </p:sp>
+      <p:sp>
+        <p:nvSpPr>
+          <p:cNvPr id="7" name="TextBox 6">
+            <a:extLst>
+              <a:ext uri="{FF2B5EF4-FFF2-40B4-BE49-F238E27FC236}">
+                <a16:creationId xmlns:a16="http://schemas.microsoft.com/office/drawing/2014/main" id="{3014B137-7480-0FF1-E036-12376464D51E}"/>
+              </a:ext>
+            </a:extLst>
+          </p:cNvPr>
+          <p:cNvSpPr txBox="1"/>
+          <p:nvPr/>
+        </p:nvSpPr>
+        <p:spPr>
+          <a:xfrm>
+            <a:off x="2503056" y="3737948"/>
+            <a:ext cx="1332608" cy="369332"/>
+          </a:xfrm>
+          <a:prstGeom prst="rect">
+            <a:avLst/>
+          </a:prstGeom>
+          <a:noFill/>
+        </p:spPr>
+        <p:txBody>
+          <a:bodyPr wrap="square">
+            <a:spAutoFit/>
+          </a:bodyPr>
+          <a:lstStyle/>
+          <a:p>
+            <a:pPr algn="r"/>
+            <a:r>
+              <a:rPr lang="en-US" altLang="ko-Kore-KR" dirty="0">
+                <a:latin typeface="DM Mono" panose="020B0509040201040103" pitchFamily="49" charset="0"/>
+              </a:rPr>
+              <a:t>age</a:t>
+            </a:r>
+            <a:endParaRPr lang="ko-Kore-KR" altLang="en-US" dirty="0"/>
+          </a:p>
+        </p:txBody>
+      </p:sp>
+      <p:sp>
+        <p:nvSpPr>
+          <p:cNvPr id="8" name="TextBox 7">
+            <a:extLst>
+              <a:ext uri="{FF2B5EF4-FFF2-40B4-BE49-F238E27FC236}">
+                <a16:creationId xmlns:a16="http://schemas.microsoft.com/office/drawing/2014/main" id="{2A2CB204-CC16-AE7F-A5FE-A4FC645F5402}"/>
+              </a:ext>
+            </a:extLst>
+          </p:cNvPr>
+          <p:cNvSpPr txBox="1"/>
+          <p:nvPr/>
+        </p:nvSpPr>
+        <p:spPr>
+          <a:xfrm>
+            <a:off x="3835663" y="3312145"/>
+            <a:ext cx="882942" cy="369332"/>
+          </a:xfrm>
+          <a:prstGeom prst="rect">
+            <a:avLst/>
+          </a:prstGeom>
+          <a:noFill/>
+        </p:spPr>
+        <p:txBody>
+          <a:bodyPr wrap="square">
+            <a:spAutoFit/>
+          </a:bodyPr>
+          <a:lstStyle/>
+          <a:p>
+            <a:pPr algn="ctr"/>
+            <a:r>
+              <a:rPr lang="en-US" altLang="ko-Kore-KR" dirty="0">
+                <a:latin typeface="DM Mono" panose="020B0509040201040103" pitchFamily="49" charset="0"/>
+              </a:rPr>
+              <a:t>dog</a:t>
+            </a:r>
+            <a:endParaRPr lang="ko-Kore-KR" altLang="en-US" dirty="0"/>
+          </a:p>
+        </p:txBody>
+      </p:sp>
+      <p:sp>
+        <p:nvSpPr>
+          <p:cNvPr id="9" name="직사각형 8">
+            <a:extLst>
+              <a:ext uri="{FF2B5EF4-FFF2-40B4-BE49-F238E27FC236}">
+                <a16:creationId xmlns:a16="http://schemas.microsoft.com/office/drawing/2014/main" id="{C2DBA4B7-FE0A-65EA-E496-C22581628FEA}"/>
+              </a:ext>
+            </a:extLst>
+          </p:cNvPr>
+          <p:cNvSpPr/>
+          <p:nvPr/>
+        </p:nvSpPr>
+        <p:spPr>
+          <a:xfrm>
+            <a:off x="6096000" y="3681476"/>
+            <a:ext cx="804912" cy="482277"/>
+          </a:xfrm>
+          <a:prstGeom prst="rect">
+            <a:avLst/>
+          </a:prstGeom>
+          <a:solidFill>
+            <a:srgbClr val="FFFF00"/>
+          </a:solidFill>
+        </p:spPr>
+        <p:style>
+          <a:lnRef idx="2">
+            <a:schemeClr val="accent1">
+              <a:shade val="15000"/>
+            </a:schemeClr>
+          </a:lnRef>
+          <a:fillRef idx="1">
+            <a:schemeClr val="accent1"/>
+          </a:fillRef>
+          <a:effectRef idx="0">
+            <a:schemeClr val="accent1"/>
+          </a:effectRef>
+          <a:fontRef idx="minor">
+            <a:schemeClr val="lt1"/>
+          </a:fontRef>
+        </p:style>
+        <p:txBody>
+          <a:bodyPr rtlCol="0" anchor="ctr"/>
+          <a:lstStyle/>
+          <a:p>
+            <a:pPr algn="ctr"/>
+            <a:endParaRPr kumimoji="1" lang="ko-Kore-KR" altLang="en-US" sz="1600" dirty="0">
+              <a:solidFill>
+                <a:srgbClr val="FF0000"/>
+              </a:solidFill>
+              <a:latin typeface="DM Mono" panose="020B0509040201040103" pitchFamily="49" charset="0"/>
+            </a:endParaRPr>
+          </a:p>
+        </p:txBody>
+      </p:sp>
+      <p:sp>
+        <p:nvSpPr>
+          <p:cNvPr id="10" name="TextBox 9">
+            <a:extLst>
+              <a:ext uri="{FF2B5EF4-FFF2-40B4-BE49-F238E27FC236}">
+                <a16:creationId xmlns:a16="http://schemas.microsoft.com/office/drawing/2014/main" id="{95CC3EC8-F8A9-C3CD-E2C8-7325D23BED69}"/>
+              </a:ext>
+            </a:extLst>
+          </p:cNvPr>
+          <p:cNvSpPr txBox="1"/>
+          <p:nvPr/>
+        </p:nvSpPr>
+        <p:spPr>
+          <a:xfrm>
+            <a:off x="4763393" y="3737948"/>
+            <a:ext cx="1332608" cy="369332"/>
+          </a:xfrm>
+          <a:prstGeom prst="rect">
+            <a:avLst/>
+          </a:prstGeom>
+          <a:noFill/>
+        </p:spPr>
+        <p:txBody>
+          <a:bodyPr wrap="square">
+            <a:spAutoFit/>
+          </a:bodyPr>
+          <a:lstStyle/>
+          <a:p>
+            <a:pPr algn="r"/>
+            <a:r>
+              <a:rPr lang="en-US" altLang="ko-Kore-KR" dirty="0">
+                <a:latin typeface="DM Mono" panose="020B0509040201040103" pitchFamily="49" charset="0"/>
+              </a:rPr>
+              <a:t>age</a:t>
+            </a:r>
+            <a:endParaRPr lang="ko-Kore-KR" altLang="en-US" dirty="0"/>
+          </a:p>
+        </p:txBody>
+      </p:sp>
+      <p:sp>
+        <p:nvSpPr>
+          <p:cNvPr id="11" name="TextBox 10">
+            <a:extLst>
+              <a:ext uri="{FF2B5EF4-FFF2-40B4-BE49-F238E27FC236}">
+                <a16:creationId xmlns:a16="http://schemas.microsoft.com/office/drawing/2014/main" id="{9778AE51-2571-5D68-FB44-17E79396E7E4}"/>
+              </a:ext>
+            </a:extLst>
+          </p:cNvPr>
+          <p:cNvSpPr txBox="1"/>
+          <p:nvPr/>
+        </p:nvSpPr>
+        <p:spPr>
+          <a:xfrm>
+            <a:off x="6096000" y="3312145"/>
+            <a:ext cx="882942" cy="369332"/>
+          </a:xfrm>
+          <a:prstGeom prst="rect">
+            <a:avLst/>
+          </a:prstGeom>
+          <a:noFill/>
+        </p:spPr>
+        <p:txBody>
+          <a:bodyPr wrap="square">
+            <a:spAutoFit/>
+          </a:bodyPr>
+          <a:lstStyle/>
+          <a:p>
+            <a:pPr algn="ctr"/>
+            <a:r>
+              <a:rPr lang="en-US" altLang="ko-Kore-KR" dirty="0">
+                <a:latin typeface="DM Mono" panose="020B0509040201040103" pitchFamily="49" charset="0"/>
+              </a:rPr>
+              <a:t>cat</a:t>
+            </a:r>
+            <a:endParaRPr lang="ko-Kore-KR" altLang="en-US" dirty="0"/>
+          </a:p>
+        </p:txBody>
+      </p:sp>
+      <p:sp>
+        <p:nvSpPr>
+          <p:cNvPr id="12" name="직사각형 11">
+            <a:extLst>
+              <a:ext uri="{FF2B5EF4-FFF2-40B4-BE49-F238E27FC236}">
+                <a16:creationId xmlns:a16="http://schemas.microsoft.com/office/drawing/2014/main" id="{40B25CEF-C0D4-6608-18F8-7A358B8F7B1F}"/>
+              </a:ext>
+            </a:extLst>
+          </p:cNvPr>
+          <p:cNvSpPr/>
+          <p:nvPr/>
+        </p:nvSpPr>
+        <p:spPr>
+          <a:xfrm>
+            <a:off x="3835663" y="4163751"/>
+            <a:ext cx="804912" cy="482277"/>
+          </a:xfrm>
+          <a:prstGeom prst="rect">
+            <a:avLst/>
+          </a:prstGeom>
+          <a:solidFill>
+            <a:srgbClr val="FFFF00"/>
+          </a:solidFill>
+        </p:spPr>
+        <p:style>
+          <a:lnRef idx="2">
+            <a:schemeClr val="accent1">
+              <a:shade val="15000"/>
+            </a:schemeClr>
+          </a:lnRef>
+          <a:fillRef idx="1">
+            <a:schemeClr val="accent1"/>
+          </a:fillRef>
+          <a:effectRef idx="0">
+            <a:schemeClr val="accent1"/>
+          </a:effectRef>
+          <a:fontRef idx="minor">
+            <a:schemeClr val="lt1"/>
+          </a:fontRef>
+        </p:style>
+        <p:txBody>
+          <a:bodyPr rtlCol="0" anchor="ctr"/>
+          <a:lstStyle/>
+          <a:p>
+            <a:pPr algn="ctr"/>
+            <a:endParaRPr kumimoji="1" lang="ko-Kore-KR" altLang="en-US" sz="1600" dirty="0">
+              <a:solidFill>
+                <a:srgbClr val="FF0000"/>
+              </a:solidFill>
+              <a:latin typeface="DM Mono" panose="020B0509040201040103" pitchFamily="49" charset="0"/>
+            </a:endParaRPr>
+          </a:p>
+        </p:txBody>
+      </p:sp>
+      <p:sp>
+        <p:nvSpPr>
+          <p:cNvPr id="13" name="TextBox 12">
+            <a:extLst>
+              <a:ext uri="{FF2B5EF4-FFF2-40B4-BE49-F238E27FC236}">
+                <a16:creationId xmlns:a16="http://schemas.microsoft.com/office/drawing/2014/main" id="{472DB373-89E1-232E-630F-CE54CED7882B}"/>
+              </a:ext>
+            </a:extLst>
+          </p:cNvPr>
+          <p:cNvSpPr txBox="1"/>
+          <p:nvPr/>
+        </p:nvSpPr>
+        <p:spPr>
+          <a:xfrm>
+            <a:off x="2503056" y="4220223"/>
+            <a:ext cx="1332608" cy="369332"/>
+          </a:xfrm>
+          <a:prstGeom prst="rect">
+            <a:avLst/>
+          </a:prstGeom>
+          <a:noFill/>
+        </p:spPr>
+        <p:txBody>
+          <a:bodyPr wrap="square">
+            <a:spAutoFit/>
+          </a:bodyPr>
+          <a:lstStyle/>
+          <a:p>
+            <a:pPr algn="r"/>
+            <a:r>
+              <a:rPr lang="en-US" altLang="ko-Kore-KR" dirty="0">
+                <a:latin typeface="DM Mono" panose="020B0509040201040103" pitchFamily="49" charset="0"/>
+              </a:rPr>
+              <a:t>color</a:t>
+            </a:r>
+            <a:endParaRPr lang="ko-Kore-KR" altLang="en-US" dirty="0"/>
+          </a:p>
+        </p:txBody>
+      </p:sp>
+      <p:sp>
+        <p:nvSpPr>
+          <p:cNvPr id="14" name="직사각형 13">
+            <a:extLst>
+              <a:ext uri="{FF2B5EF4-FFF2-40B4-BE49-F238E27FC236}">
+                <a16:creationId xmlns:a16="http://schemas.microsoft.com/office/drawing/2014/main" id="{55CBC268-82E7-E31F-0F78-F2F256C70CBB}"/>
+              </a:ext>
+            </a:extLst>
+          </p:cNvPr>
+          <p:cNvSpPr/>
+          <p:nvPr/>
+        </p:nvSpPr>
+        <p:spPr>
+          <a:xfrm>
+            <a:off x="6096000" y="4163751"/>
+            <a:ext cx="804912" cy="935143"/>
+          </a:xfrm>
+          <a:prstGeom prst="rect">
+            <a:avLst/>
+          </a:prstGeom>
+          <a:solidFill>
+            <a:srgbClr val="FFFF00"/>
+          </a:solidFill>
+        </p:spPr>
+        <p:style>
+          <a:lnRef idx="2">
+            <a:schemeClr val="accent1">
+              <a:shade val="15000"/>
+            </a:schemeClr>
+          </a:lnRef>
+          <a:fillRef idx="1">
+            <a:schemeClr val="accent1"/>
+          </a:fillRef>
+          <a:effectRef idx="0">
+            <a:schemeClr val="accent1"/>
+          </a:effectRef>
+          <a:fontRef idx="minor">
+            <a:schemeClr val="lt1"/>
+          </a:fontRef>
+        </p:style>
+        <p:txBody>
+          <a:bodyPr rtlCol="0" anchor="ctr"/>
+          <a:lstStyle/>
+          <a:p>
+            <a:pPr algn="ctr"/>
+            <a:endParaRPr kumimoji="1" lang="ko-Kore-KR" altLang="en-US" sz="1600" dirty="0">
+              <a:solidFill>
+                <a:srgbClr val="FF0000"/>
+              </a:solidFill>
+              <a:latin typeface="DM Mono" panose="020B0509040201040103" pitchFamily="49" charset="0"/>
+            </a:endParaRPr>
+          </a:p>
+        </p:txBody>
+      </p:sp>
+      <p:sp>
+        <p:nvSpPr>
+          <p:cNvPr id="15" name="TextBox 14">
+            <a:extLst>
+              <a:ext uri="{FF2B5EF4-FFF2-40B4-BE49-F238E27FC236}">
+                <a16:creationId xmlns:a16="http://schemas.microsoft.com/office/drawing/2014/main" id="{B839E282-142B-0E02-E877-38D7F057C30B}"/>
+              </a:ext>
+            </a:extLst>
+          </p:cNvPr>
+          <p:cNvSpPr txBox="1"/>
+          <p:nvPr/>
+        </p:nvSpPr>
+        <p:spPr>
+          <a:xfrm>
+            <a:off x="4763393" y="4220223"/>
+            <a:ext cx="1332608" cy="369332"/>
+          </a:xfrm>
+          <a:prstGeom prst="rect">
+            <a:avLst/>
+          </a:prstGeom>
+          <a:noFill/>
+        </p:spPr>
+        <p:txBody>
+          <a:bodyPr wrap="square">
+            <a:spAutoFit/>
+          </a:bodyPr>
+          <a:lstStyle/>
+          <a:p>
+            <a:pPr algn="r"/>
+            <a:r>
+              <a:rPr lang="en-US" altLang="ko-Kore-KR" dirty="0">
+                <a:latin typeface="DM Mono" panose="020B0509040201040103" pitchFamily="49" charset="0"/>
+              </a:rPr>
+              <a:t>speed</a:t>
+            </a:r>
+            <a:endParaRPr lang="ko-Kore-KR" altLang="en-US" dirty="0"/>
+          </a:p>
+        </p:txBody>
+      </p:sp>
+    </p:spTree>
+    <p:extLst>
+      <p:ext uri="{BB962C8B-B14F-4D97-AF65-F5344CB8AC3E}">
+        <p14:creationId xmlns:p14="http://schemas.microsoft.com/office/powerpoint/2010/main" val="2792496485"/>
+      </p:ext>
+    </p:extLst>
+  </p:cSld>
+  <p:clrMapOvr>
+    <a:masterClrMapping/>
+  </p:clrMapOvr>
+</p:sld>
+</file>
+
+<file path=ppt/slides/slide33.xml><?xml version="1.0" encoding="utf-8"?>
+<p:sld xmlns:a="http://schemas.openxmlformats.org/drawingml/2006/main" xmlns:r="http://schemas.openxmlformats.org/officeDocument/2006/relationships" xmlns:p="http://schemas.openxmlformats.org/presentationml/2006/main">
+  <p:cSld>
+    <p:spTree>
+      <p:nvGrpSpPr>
+        <p:cNvPr id="1" name=""/>
+        <p:cNvGrpSpPr/>
+        <p:nvPr/>
+      </p:nvGrpSpPr>
+      <p:grpSpPr>
+        <a:xfrm>
+          <a:off x="0" y="0"/>
+          <a:ext cx="0" cy="0"/>
+          <a:chOff x="0" y="0"/>
+          <a:chExt cx="0" cy="0"/>
+        </a:xfrm>
+      </p:grpSpPr>
+      <p:sp>
+        <p:nvSpPr>
+          <p:cNvPr id="5" name="TextBox 4">
+            <a:extLst>
+              <a:ext uri="{FF2B5EF4-FFF2-40B4-BE49-F238E27FC236}">
+                <a16:creationId xmlns:a16="http://schemas.microsoft.com/office/drawing/2014/main" id="{5CE7837A-3B10-367A-4DA2-9669F8683BE0}"/>
+              </a:ext>
+            </a:extLst>
+          </p:cNvPr>
+          <p:cNvSpPr txBox="1"/>
+          <p:nvPr/>
+        </p:nvSpPr>
+        <p:spPr>
+          <a:xfrm>
+            <a:off x="674255" y="217484"/>
+            <a:ext cx="6096000" cy="3139321"/>
+          </a:xfrm>
+          <a:prstGeom prst="rect">
+            <a:avLst/>
+          </a:prstGeom>
+          <a:noFill/>
+        </p:spPr>
+        <p:txBody>
+          <a:bodyPr wrap="square">
+            <a:spAutoFit/>
+          </a:bodyPr>
+          <a:lstStyle/>
+          <a:p>
+            <a:r>
+              <a:rPr lang="en-US" altLang="ko-Kore-KR" dirty="0">
+                <a:latin typeface="DM Mono" panose="020B0509040201040103" pitchFamily="49" charset="0"/>
+              </a:rPr>
+              <a:t>class Animal {</a:t>
+            </a:r>
+          </a:p>
+          <a:p>
+            <a:r>
+              <a:rPr lang="en-US" altLang="ko-Kore-KR" dirty="0">
+                <a:latin typeface="DM Mono" panose="020B0509040201040103" pitchFamily="49" charset="0"/>
+              </a:rPr>
+              <a:t>    int age;</a:t>
+            </a:r>
+          </a:p>
+          <a:p>
+            <a:r>
+              <a:rPr lang="en-US" altLang="ko-Kore-KR" dirty="0">
+                <a:latin typeface="DM Mono" panose="020B0509040201040103" pitchFamily="49" charset="0"/>
+              </a:rPr>
+              <a:t>};</a:t>
+            </a:r>
+          </a:p>
+          <a:p>
+            <a:endParaRPr lang="en-US" altLang="ko-Kore-KR" dirty="0">
+              <a:latin typeface="DM Mono" panose="020B0509040201040103" pitchFamily="49" charset="0"/>
+            </a:endParaRPr>
+          </a:p>
+          <a:p>
+            <a:r>
+              <a:rPr lang="en-US" altLang="ko-Kore-KR" dirty="0">
+                <a:latin typeface="DM Mono" panose="020B0509040201040103" pitchFamily="49" charset="0"/>
+              </a:rPr>
+              <a:t>class Dog </a:t>
+            </a:r>
+            <a:r>
+              <a:rPr lang="en-US" altLang="ko-Kore-KR" dirty="0">
+                <a:solidFill>
+                  <a:srgbClr val="FF0000"/>
+                </a:solidFill>
+                <a:latin typeface="DM Mono" panose="020B0509040201040103" pitchFamily="49" charset="0"/>
+              </a:rPr>
+              <a:t>: public Animal</a:t>
+            </a:r>
+            <a:r>
+              <a:rPr lang="en-US" altLang="ko-Kore-KR" dirty="0">
+                <a:latin typeface="DM Mono" panose="020B0509040201040103" pitchFamily="49" charset="0"/>
+              </a:rPr>
+              <a:t> {</a:t>
+            </a:r>
+          </a:p>
+          <a:p>
+            <a:r>
+              <a:rPr lang="en-US" altLang="ko-Kore-KR" dirty="0">
+                <a:latin typeface="DM Mono" panose="020B0509040201040103" pitchFamily="49" charset="0"/>
+              </a:rPr>
+              <a:t>    int color;</a:t>
+            </a:r>
+          </a:p>
+          <a:p>
+            <a:r>
+              <a:rPr lang="en-US" altLang="ko-Kore-KR" dirty="0">
+                <a:latin typeface="DM Mono" panose="020B0509040201040103" pitchFamily="49" charset="0"/>
+              </a:rPr>
+              <a:t>};</a:t>
+            </a:r>
+          </a:p>
+          <a:p>
+            <a:endParaRPr lang="en-US" altLang="ko-Kore-KR" dirty="0">
+              <a:latin typeface="DM Mono" panose="020B0509040201040103" pitchFamily="49" charset="0"/>
+            </a:endParaRPr>
+          </a:p>
+          <a:p>
+            <a:r>
+              <a:rPr lang="en-US" altLang="ko-Kore-KR" dirty="0">
+                <a:latin typeface="DM Mono" panose="020B0509040201040103" pitchFamily="49" charset="0"/>
+              </a:rPr>
+              <a:t>class Cat </a:t>
+            </a:r>
+            <a:r>
+              <a:rPr lang="en-US" altLang="ko-Kore-KR" dirty="0">
+                <a:solidFill>
+                  <a:srgbClr val="FF0000"/>
+                </a:solidFill>
+                <a:latin typeface="DM Mono" panose="020B0509040201040103" pitchFamily="49" charset="0"/>
+              </a:rPr>
+              <a:t>: public Animal </a:t>
+            </a:r>
+            <a:r>
+              <a:rPr lang="en-US" altLang="ko-Kore-KR" dirty="0">
+                <a:latin typeface="DM Mono" panose="020B0509040201040103" pitchFamily="49" charset="0"/>
+              </a:rPr>
+              <a:t>{</a:t>
+            </a:r>
+          </a:p>
+          <a:p>
+            <a:r>
+              <a:rPr lang="en-US" altLang="ko-Kore-KR" dirty="0">
+                <a:latin typeface="DM Mono" panose="020B0509040201040103" pitchFamily="49" charset="0"/>
+              </a:rPr>
+              <a:t>    double speed;</a:t>
+            </a:r>
+          </a:p>
+          <a:p>
+            <a:r>
+              <a:rPr lang="en-US" altLang="ko-Kore-KR" dirty="0">
+                <a:latin typeface="DM Mono" panose="020B0509040201040103" pitchFamily="49" charset="0"/>
+              </a:rPr>
+              <a:t>};</a:t>
+            </a:r>
+          </a:p>
+        </p:txBody>
+      </p:sp>
+      <p:sp>
+        <p:nvSpPr>
+          <p:cNvPr id="6" name="직사각형 5">
+            <a:extLst>
+              <a:ext uri="{FF2B5EF4-FFF2-40B4-BE49-F238E27FC236}">
+                <a16:creationId xmlns:a16="http://schemas.microsoft.com/office/drawing/2014/main" id="{64DDFBAB-CD97-7D26-B4B0-480924F7E1DC}"/>
+              </a:ext>
+            </a:extLst>
+          </p:cNvPr>
+          <p:cNvSpPr/>
+          <p:nvPr/>
+        </p:nvSpPr>
+        <p:spPr>
+          <a:xfrm>
+            <a:off x="4334427" y="4143295"/>
+            <a:ext cx="804912" cy="482277"/>
+          </a:xfrm>
+          <a:prstGeom prst="rect">
+            <a:avLst/>
+          </a:prstGeom>
+          <a:solidFill>
+            <a:srgbClr val="92D050"/>
+          </a:solidFill>
+          <a:ln>
+            <a:solidFill>
+              <a:schemeClr val="tx1"/>
+            </a:solidFill>
+          </a:ln>
+        </p:spPr>
+        <p:style>
+          <a:lnRef idx="2">
+            <a:schemeClr val="accent1">
+              <a:shade val="15000"/>
+            </a:schemeClr>
+          </a:lnRef>
+          <a:fillRef idx="1">
+            <a:schemeClr val="accent1"/>
+          </a:fillRef>
+          <a:effectRef idx="0">
+            <a:schemeClr val="accent1"/>
+          </a:effectRef>
+          <a:fontRef idx="minor">
+            <a:schemeClr val="lt1"/>
+          </a:fontRef>
+        </p:style>
+        <p:txBody>
+          <a:bodyPr rtlCol="0" anchor="ctr"/>
+          <a:lstStyle/>
+          <a:p>
+            <a:pPr algn="ctr"/>
+            <a:endParaRPr kumimoji="1" lang="ko-Kore-KR" altLang="en-US" sz="1600" dirty="0">
+              <a:solidFill>
+                <a:srgbClr val="FF0000"/>
+              </a:solidFill>
+              <a:latin typeface="DM Mono" panose="020B0509040201040103" pitchFamily="49" charset="0"/>
+            </a:endParaRPr>
+          </a:p>
+        </p:txBody>
+      </p:sp>
+      <p:sp>
+        <p:nvSpPr>
+          <p:cNvPr id="7" name="TextBox 6">
+            <a:extLst>
+              <a:ext uri="{FF2B5EF4-FFF2-40B4-BE49-F238E27FC236}">
+                <a16:creationId xmlns:a16="http://schemas.microsoft.com/office/drawing/2014/main" id="{3014B137-7480-0FF1-E036-12376464D51E}"/>
+              </a:ext>
+            </a:extLst>
+          </p:cNvPr>
+          <p:cNvSpPr txBox="1"/>
+          <p:nvPr/>
+        </p:nvSpPr>
+        <p:spPr>
+          <a:xfrm>
+            <a:off x="3001820" y="4199767"/>
+            <a:ext cx="1332608" cy="369332"/>
+          </a:xfrm>
+          <a:prstGeom prst="rect">
+            <a:avLst/>
+          </a:prstGeom>
+          <a:noFill/>
+        </p:spPr>
+        <p:txBody>
+          <a:bodyPr wrap="square">
+            <a:spAutoFit/>
+          </a:bodyPr>
+          <a:lstStyle/>
+          <a:p>
+            <a:pPr algn="r"/>
+            <a:r>
+              <a:rPr lang="en-US" altLang="ko-Kore-KR" dirty="0">
+                <a:latin typeface="DM Mono" panose="020B0509040201040103" pitchFamily="49" charset="0"/>
+              </a:rPr>
+              <a:t>age</a:t>
+            </a:r>
+            <a:endParaRPr lang="ko-Kore-KR" altLang="en-US" dirty="0"/>
+          </a:p>
+        </p:txBody>
+      </p:sp>
+      <p:sp>
+        <p:nvSpPr>
+          <p:cNvPr id="8" name="TextBox 7">
+            <a:extLst>
+              <a:ext uri="{FF2B5EF4-FFF2-40B4-BE49-F238E27FC236}">
+                <a16:creationId xmlns:a16="http://schemas.microsoft.com/office/drawing/2014/main" id="{2A2CB204-CC16-AE7F-A5FE-A4FC645F5402}"/>
+              </a:ext>
+            </a:extLst>
+          </p:cNvPr>
+          <p:cNvSpPr txBox="1"/>
+          <p:nvPr/>
+        </p:nvSpPr>
+        <p:spPr>
+          <a:xfrm>
+            <a:off x="4334427" y="3773964"/>
+            <a:ext cx="882942" cy="369332"/>
+          </a:xfrm>
+          <a:prstGeom prst="rect">
+            <a:avLst/>
+          </a:prstGeom>
+          <a:noFill/>
+        </p:spPr>
+        <p:txBody>
+          <a:bodyPr wrap="square">
+            <a:spAutoFit/>
+          </a:bodyPr>
+          <a:lstStyle/>
+          <a:p>
+            <a:pPr algn="ctr"/>
+            <a:r>
+              <a:rPr lang="en-US" altLang="ko-Kore-KR" dirty="0">
+                <a:latin typeface="DM Mono" panose="020B0509040201040103" pitchFamily="49" charset="0"/>
+              </a:rPr>
+              <a:t>dog</a:t>
+            </a:r>
+            <a:endParaRPr lang="ko-Kore-KR" altLang="en-US" dirty="0"/>
+          </a:p>
+        </p:txBody>
+      </p:sp>
+      <p:sp>
+        <p:nvSpPr>
+          <p:cNvPr id="9" name="직사각형 8">
+            <a:extLst>
+              <a:ext uri="{FF2B5EF4-FFF2-40B4-BE49-F238E27FC236}">
+                <a16:creationId xmlns:a16="http://schemas.microsoft.com/office/drawing/2014/main" id="{C2DBA4B7-FE0A-65EA-E496-C22581628FEA}"/>
+              </a:ext>
+            </a:extLst>
+          </p:cNvPr>
+          <p:cNvSpPr/>
+          <p:nvPr/>
+        </p:nvSpPr>
+        <p:spPr>
+          <a:xfrm>
+            <a:off x="8478982" y="4134318"/>
+            <a:ext cx="804912" cy="482277"/>
+          </a:xfrm>
+          <a:prstGeom prst="rect">
+            <a:avLst/>
+          </a:prstGeom>
+          <a:solidFill>
+            <a:srgbClr val="92D050"/>
+          </a:solidFill>
+          <a:ln>
+            <a:solidFill>
+              <a:schemeClr val="tx1"/>
+            </a:solidFill>
+          </a:ln>
+        </p:spPr>
+        <p:style>
+          <a:lnRef idx="2">
+            <a:schemeClr val="accent1">
+              <a:shade val="15000"/>
+            </a:schemeClr>
+          </a:lnRef>
+          <a:fillRef idx="1">
+            <a:schemeClr val="accent1"/>
+          </a:fillRef>
+          <a:effectRef idx="0">
+            <a:schemeClr val="accent1"/>
+          </a:effectRef>
+          <a:fontRef idx="minor">
+            <a:schemeClr val="lt1"/>
+          </a:fontRef>
+        </p:style>
+        <p:txBody>
+          <a:bodyPr rtlCol="0" anchor="ctr"/>
+          <a:lstStyle/>
+          <a:p>
+            <a:pPr algn="ctr"/>
+            <a:endParaRPr kumimoji="1" lang="ko-Kore-KR" altLang="en-US" sz="1600" dirty="0">
+              <a:solidFill>
+                <a:srgbClr val="FF0000"/>
+              </a:solidFill>
+              <a:latin typeface="DM Mono" panose="020B0509040201040103" pitchFamily="49" charset="0"/>
+            </a:endParaRPr>
+          </a:p>
+        </p:txBody>
+      </p:sp>
+      <p:sp>
+        <p:nvSpPr>
+          <p:cNvPr id="10" name="TextBox 9">
+            <a:extLst>
+              <a:ext uri="{FF2B5EF4-FFF2-40B4-BE49-F238E27FC236}">
+                <a16:creationId xmlns:a16="http://schemas.microsoft.com/office/drawing/2014/main" id="{95CC3EC8-F8A9-C3CD-E2C8-7325D23BED69}"/>
+              </a:ext>
+            </a:extLst>
+          </p:cNvPr>
+          <p:cNvSpPr txBox="1"/>
+          <p:nvPr/>
+        </p:nvSpPr>
+        <p:spPr>
+          <a:xfrm>
+            <a:off x="7146375" y="4199767"/>
+            <a:ext cx="1332608" cy="369332"/>
+          </a:xfrm>
+          <a:prstGeom prst="rect">
+            <a:avLst/>
+          </a:prstGeom>
+          <a:noFill/>
+        </p:spPr>
+        <p:txBody>
+          <a:bodyPr wrap="square">
+            <a:spAutoFit/>
+          </a:bodyPr>
+          <a:lstStyle/>
+          <a:p>
+            <a:pPr algn="r"/>
+            <a:r>
+              <a:rPr lang="en-US" altLang="ko-Kore-KR" dirty="0">
+                <a:latin typeface="DM Mono" panose="020B0509040201040103" pitchFamily="49" charset="0"/>
+              </a:rPr>
+              <a:t>age</a:t>
+            </a:r>
+            <a:endParaRPr lang="ko-Kore-KR" altLang="en-US" dirty="0"/>
+          </a:p>
+        </p:txBody>
+      </p:sp>
+      <p:sp>
+        <p:nvSpPr>
+          <p:cNvPr id="11" name="TextBox 10">
+            <a:extLst>
+              <a:ext uri="{FF2B5EF4-FFF2-40B4-BE49-F238E27FC236}">
+                <a16:creationId xmlns:a16="http://schemas.microsoft.com/office/drawing/2014/main" id="{9778AE51-2571-5D68-FB44-17E79396E7E4}"/>
+              </a:ext>
+            </a:extLst>
+          </p:cNvPr>
+          <p:cNvSpPr txBox="1"/>
+          <p:nvPr/>
+        </p:nvSpPr>
+        <p:spPr>
+          <a:xfrm>
+            <a:off x="8478982" y="3773964"/>
+            <a:ext cx="882942" cy="369332"/>
+          </a:xfrm>
+          <a:prstGeom prst="rect">
+            <a:avLst/>
+          </a:prstGeom>
+          <a:noFill/>
+        </p:spPr>
+        <p:txBody>
+          <a:bodyPr wrap="square">
+            <a:spAutoFit/>
+          </a:bodyPr>
+          <a:lstStyle/>
+          <a:p>
+            <a:pPr algn="ctr"/>
+            <a:r>
+              <a:rPr lang="en-US" altLang="ko-Kore-KR" dirty="0">
+                <a:latin typeface="DM Mono" panose="020B0509040201040103" pitchFamily="49" charset="0"/>
+              </a:rPr>
+              <a:t>cat</a:t>
+            </a:r>
+            <a:endParaRPr lang="ko-Kore-KR" altLang="en-US" dirty="0"/>
+          </a:p>
+        </p:txBody>
+      </p:sp>
+      <p:sp>
+        <p:nvSpPr>
+          <p:cNvPr id="12" name="직사각형 11">
+            <a:extLst>
+              <a:ext uri="{FF2B5EF4-FFF2-40B4-BE49-F238E27FC236}">
+                <a16:creationId xmlns:a16="http://schemas.microsoft.com/office/drawing/2014/main" id="{40B25CEF-C0D4-6608-18F8-7A358B8F7B1F}"/>
+              </a:ext>
+            </a:extLst>
+          </p:cNvPr>
+          <p:cNvSpPr/>
+          <p:nvPr/>
+        </p:nvSpPr>
+        <p:spPr>
+          <a:xfrm>
+            <a:off x="4334427" y="4625570"/>
+            <a:ext cx="804912" cy="482277"/>
+          </a:xfrm>
+          <a:prstGeom prst="rect">
+            <a:avLst/>
+          </a:prstGeom>
+          <a:solidFill>
+            <a:srgbClr val="FFFF00"/>
+          </a:solidFill>
+          <a:ln>
+            <a:solidFill>
+              <a:schemeClr val="tx1"/>
+            </a:solidFill>
+          </a:ln>
+        </p:spPr>
+        <p:style>
+          <a:lnRef idx="2">
+            <a:schemeClr val="accent1">
+              <a:shade val="15000"/>
+            </a:schemeClr>
+          </a:lnRef>
+          <a:fillRef idx="1">
+            <a:schemeClr val="accent1"/>
+          </a:fillRef>
+          <a:effectRef idx="0">
+            <a:schemeClr val="accent1"/>
+          </a:effectRef>
+          <a:fontRef idx="minor">
+            <a:schemeClr val="lt1"/>
+          </a:fontRef>
+        </p:style>
+        <p:txBody>
+          <a:bodyPr rtlCol="0" anchor="ctr"/>
+          <a:lstStyle/>
+          <a:p>
+            <a:pPr algn="ctr"/>
+            <a:endParaRPr kumimoji="1" lang="ko-Kore-KR" altLang="en-US" sz="1600" dirty="0">
+              <a:solidFill>
+                <a:srgbClr val="FF0000"/>
+              </a:solidFill>
+              <a:latin typeface="DM Mono" panose="020B0509040201040103" pitchFamily="49" charset="0"/>
+            </a:endParaRPr>
+          </a:p>
+        </p:txBody>
+      </p:sp>
+      <p:sp>
+        <p:nvSpPr>
+          <p:cNvPr id="13" name="TextBox 12">
+            <a:extLst>
+              <a:ext uri="{FF2B5EF4-FFF2-40B4-BE49-F238E27FC236}">
+                <a16:creationId xmlns:a16="http://schemas.microsoft.com/office/drawing/2014/main" id="{472DB373-89E1-232E-630F-CE54CED7882B}"/>
+              </a:ext>
+            </a:extLst>
+          </p:cNvPr>
+          <p:cNvSpPr txBox="1"/>
+          <p:nvPr/>
+        </p:nvSpPr>
+        <p:spPr>
+          <a:xfrm>
+            <a:off x="3001820" y="4682042"/>
+            <a:ext cx="1332608" cy="369332"/>
+          </a:xfrm>
+          <a:prstGeom prst="rect">
+            <a:avLst/>
+          </a:prstGeom>
+          <a:noFill/>
+        </p:spPr>
+        <p:txBody>
+          <a:bodyPr wrap="square">
+            <a:spAutoFit/>
+          </a:bodyPr>
+          <a:lstStyle/>
+          <a:p>
+            <a:pPr algn="r"/>
+            <a:r>
+              <a:rPr lang="en-US" altLang="ko-Kore-KR" dirty="0">
+                <a:latin typeface="DM Mono" panose="020B0509040201040103" pitchFamily="49" charset="0"/>
+              </a:rPr>
+              <a:t>color</a:t>
+            </a:r>
+            <a:endParaRPr lang="ko-Kore-KR" altLang="en-US" dirty="0"/>
+          </a:p>
+        </p:txBody>
+      </p:sp>
+      <p:sp>
+        <p:nvSpPr>
+          <p:cNvPr id="14" name="직사각형 13">
+            <a:extLst>
+              <a:ext uri="{FF2B5EF4-FFF2-40B4-BE49-F238E27FC236}">
+                <a16:creationId xmlns:a16="http://schemas.microsoft.com/office/drawing/2014/main" id="{55CBC268-82E7-E31F-0F78-F2F256C70CBB}"/>
+              </a:ext>
+            </a:extLst>
+          </p:cNvPr>
+          <p:cNvSpPr/>
+          <p:nvPr/>
+        </p:nvSpPr>
+        <p:spPr>
+          <a:xfrm>
+            <a:off x="8478982" y="4616595"/>
+            <a:ext cx="804912" cy="935143"/>
+          </a:xfrm>
+          <a:prstGeom prst="rect">
+            <a:avLst/>
+          </a:prstGeom>
+          <a:solidFill>
+            <a:srgbClr val="FFFF00"/>
+          </a:solidFill>
+          <a:ln>
+            <a:solidFill>
+              <a:schemeClr val="tx1"/>
+            </a:solidFill>
+          </a:ln>
+        </p:spPr>
+        <p:style>
+          <a:lnRef idx="2">
+            <a:schemeClr val="accent1">
+              <a:shade val="15000"/>
+            </a:schemeClr>
+          </a:lnRef>
+          <a:fillRef idx="1">
+            <a:schemeClr val="accent1"/>
+          </a:fillRef>
+          <a:effectRef idx="0">
+            <a:schemeClr val="accent1"/>
+          </a:effectRef>
+          <a:fontRef idx="minor">
+            <a:schemeClr val="lt1"/>
+          </a:fontRef>
+        </p:style>
+        <p:txBody>
+          <a:bodyPr rtlCol="0" anchor="ctr"/>
+          <a:lstStyle/>
+          <a:p>
+            <a:pPr algn="ctr"/>
+            <a:endParaRPr kumimoji="1" lang="ko-Kore-KR" altLang="en-US" sz="1600" dirty="0">
+              <a:solidFill>
+                <a:srgbClr val="FF0000"/>
+              </a:solidFill>
+              <a:latin typeface="DM Mono" panose="020B0509040201040103" pitchFamily="49" charset="0"/>
+            </a:endParaRPr>
+          </a:p>
+        </p:txBody>
+      </p:sp>
+      <p:sp>
+        <p:nvSpPr>
+          <p:cNvPr id="15" name="TextBox 14">
+            <a:extLst>
+              <a:ext uri="{FF2B5EF4-FFF2-40B4-BE49-F238E27FC236}">
+                <a16:creationId xmlns:a16="http://schemas.microsoft.com/office/drawing/2014/main" id="{B839E282-142B-0E02-E877-38D7F057C30B}"/>
+              </a:ext>
+            </a:extLst>
+          </p:cNvPr>
+          <p:cNvSpPr txBox="1"/>
+          <p:nvPr/>
+        </p:nvSpPr>
+        <p:spPr>
+          <a:xfrm>
+            <a:off x="7146375" y="4682042"/>
+            <a:ext cx="1332608" cy="369332"/>
+          </a:xfrm>
+          <a:prstGeom prst="rect">
+            <a:avLst/>
+          </a:prstGeom>
+          <a:noFill/>
+        </p:spPr>
+        <p:txBody>
+          <a:bodyPr wrap="square">
+            <a:spAutoFit/>
+          </a:bodyPr>
+          <a:lstStyle/>
+          <a:p>
+            <a:pPr algn="r"/>
+            <a:r>
+              <a:rPr lang="en-US" altLang="ko-Kore-KR" dirty="0">
+                <a:latin typeface="DM Mono" panose="020B0509040201040103" pitchFamily="49" charset="0"/>
+              </a:rPr>
+              <a:t>speed</a:t>
+            </a:r>
+            <a:endParaRPr lang="ko-Kore-KR" altLang="en-US" dirty="0"/>
+          </a:p>
+        </p:txBody>
+      </p:sp>
+      <p:sp>
+        <p:nvSpPr>
+          <p:cNvPr id="2" name="왼쪽 중괄호[L] 1">
+            <a:extLst>
+              <a:ext uri="{FF2B5EF4-FFF2-40B4-BE49-F238E27FC236}">
+                <a16:creationId xmlns:a16="http://schemas.microsoft.com/office/drawing/2014/main" id="{4130FDC1-1A65-A49C-621D-894B0C766FA7}"/>
+              </a:ext>
+            </a:extLst>
+          </p:cNvPr>
+          <p:cNvSpPr/>
+          <p:nvPr/>
+        </p:nvSpPr>
+        <p:spPr>
+          <a:xfrm rot="10800000">
+            <a:off x="5264118" y="4143295"/>
+            <a:ext cx="424872" cy="538747"/>
+          </a:xfrm>
+          <a:prstGeom prst="leftBrace">
+            <a:avLst/>
+          </a:prstGeom>
+          <a:ln w="12700">
+            <a:tailEnd type="triangle"/>
+          </a:ln>
+        </p:spPr>
+        <p:style>
+          <a:lnRef idx="1">
+            <a:schemeClr val="dk1"/>
+          </a:lnRef>
+          <a:fillRef idx="0">
+            <a:schemeClr val="dk1"/>
+          </a:fillRef>
+          <a:effectRef idx="0">
+            <a:schemeClr val="dk1"/>
+          </a:effectRef>
+          <a:fontRef idx="minor">
+            <a:schemeClr val="tx1"/>
+          </a:fontRef>
+        </p:style>
+        <p:txBody>
+          <a:bodyPr rtlCol="0" anchor="ctr"/>
+          <a:lstStyle/>
+          <a:p>
+            <a:pPr algn="ctr"/>
+            <a:endParaRPr kumimoji="1" lang="ko-Kore-KR" altLang="en-US"/>
+          </a:p>
+        </p:txBody>
+      </p:sp>
+      <p:sp>
+        <p:nvSpPr>
+          <p:cNvPr id="3" name="TextBox 2">
+            <a:extLst>
+              <a:ext uri="{FF2B5EF4-FFF2-40B4-BE49-F238E27FC236}">
+                <a16:creationId xmlns:a16="http://schemas.microsoft.com/office/drawing/2014/main" id="{A2EFC968-4E1C-A718-69D1-133CB39003EA}"/>
+              </a:ext>
+            </a:extLst>
+          </p:cNvPr>
+          <p:cNvSpPr txBox="1"/>
+          <p:nvPr/>
+        </p:nvSpPr>
+        <p:spPr>
+          <a:xfrm>
+            <a:off x="5359838" y="4228002"/>
+            <a:ext cx="1332608" cy="369332"/>
+          </a:xfrm>
+          <a:prstGeom prst="rect">
+            <a:avLst/>
+          </a:prstGeom>
+          <a:noFill/>
+        </p:spPr>
+        <p:txBody>
+          <a:bodyPr wrap="square">
+            <a:spAutoFit/>
+          </a:bodyPr>
+          <a:lstStyle/>
+          <a:p>
+            <a:pPr algn="r"/>
+            <a:r>
+              <a:rPr lang="en-US" altLang="ko-Kore-KR" dirty="0">
+                <a:latin typeface="DM Mono" panose="020B0509040201040103" pitchFamily="49" charset="0"/>
+              </a:rPr>
+              <a:t>Animal</a:t>
+            </a:r>
+            <a:endParaRPr lang="ko-Kore-KR" altLang="en-US" dirty="0"/>
+          </a:p>
+        </p:txBody>
+      </p:sp>
+      <p:sp>
+        <p:nvSpPr>
+          <p:cNvPr id="4" name="왼쪽 중괄호[L] 3">
+            <a:extLst>
+              <a:ext uri="{FF2B5EF4-FFF2-40B4-BE49-F238E27FC236}">
+                <a16:creationId xmlns:a16="http://schemas.microsoft.com/office/drawing/2014/main" id="{BC9127BB-081F-1BF2-22E9-47EDED45D179}"/>
+              </a:ext>
+            </a:extLst>
+          </p:cNvPr>
+          <p:cNvSpPr/>
+          <p:nvPr/>
+        </p:nvSpPr>
+        <p:spPr>
+          <a:xfrm rot="10800000">
+            <a:off x="9307685" y="4134318"/>
+            <a:ext cx="424872" cy="538747"/>
+          </a:xfrm>
+          <a:prstGeom prst="leftBrace">
+            <a:avLst/>
+          </a:prstGeom>
+          <a:ln w="12700">
+            <a:tailEnd type="triangle"/>
+          </a:ln>
+        </p:spPr>
+        <p:style>
+          <a:lnRef idx="1">
+            <a:schemeClr val="dk1"/>
+          </a:lnRef>
+          <a:fillRef idx="0">
+            <a:schemeClr val="dk1"/>
+          </a:fillRef>
+          <a:effectRef idx="0">
+            <a:schemeClr val="dk1"/>
+          </a:effectRef>
+          <a:fontRef idx="minor">
+            <a:schemeClr val="tx1"/>
+          </a:fontRef>
+        </p:style>
+        <p:txBody>
+          <a:bodyPr rtlCol="0" anchor="ctr"/>
+          <a:lstStyle/>
+          <a:p>
+            <a:pPr algn="ctr"/>
+            <a:endParaRPr kumimoji="1" lang="ko-Kore-KR" altLang="en-US"/>
+          </a:p>
+        </p:txBody>
+      </p:sp>
+      <p:sp>
+        <p:nvSpPr>
+          <p:cNvPr id="16" name="TextBox 15">
+            <a:extLst>
+              <a:ext uri="{FF2B5EF4-FFF2-40B4-BE49-F238E27FC236}">
+                <a16:creationId xmlns:a16="http://schemas.microsoft.com/office/drawing/2014/main" id="{253AA205-9C02-B1EB-8B01-6CDA572558C4}"/>
+              </a:ext>
+            </a:extLst>
+          </p:cNvPr>
+          <p:cNvSpPr txBox="1"/>
+          <p:nvPr/>
+        </p:nvSpPr>
+        <p:spPr>
+          <a:xfrm>
+            <a:off x="9403405" y="4219025"/>
+            <a:ext cx="1332608" cy="369332"/>
+          </a:xfrm>
+          <a:prstGeom prst="rect">
+            <a:avLst/>
+          </a:prstGeom>
+          <a:noFill/>
+        </p:spPr>
+        <p:txBody>
+          <a:bodyPr wrap="square">
+            <a:spAutoFit/>
+          </a:bodyPr>
+          <a:lstStyle/>
+          <a:p>
+            <a:pPr algn="r"/>
+            <a:r>
+              <a:rPr lang="en-US" altLang="ko-Kore-KR" dirty="0">
+                <a:latin typeface="DM Mono" panose="020B0509040201040103" pitchFamily="49" charset="0"/>
+              </a:rPr>
+              <a:t>Animal</a:t>
+            </a:r>
+            <a:endParaRPr lang="ko-Kore-KR" altLang="en-US" dirty="0"/>
+          </a:p>
+        </p:txBody>
+      </p:sp>
+    </p:spTree>
+    <p:extLst>
+      <p:ext uri="{BB962C8B-B14F-4D97-AF65-F5344CB8AC3E}">
+        <p14:creationId xmlns:p14="http://schemas.microsoft.com/office/powerpoint/2010/main" val="2032900159"/>
       </p:ext>
     </p:extLst>
   </p:cSld>

--- a/cpp_230824.pptx
+++ b/cpp_230824.pptx
@@ -38,6 +38,8 @@
     <p:sldId id="287" r:id="rId32"/>
     <p:sldId id="288" r:id="rId33"/>
     <p:sldId id="289" r:id="rId34"/>
+    <p:sldId id="290" r:id="rId35"/>
+    <p:sldId id="291" r:id="rId36"/>
   </p:sldIdLst>
   <p:sldSz cx="12192000" cy="6858000"/>
   <p:notesSz cx="6858000" cy="9144000"/>
@@ -293,7 +295,7 @@
           <a:p>
             <a:fld id="{5833EE27-F847-E545-85F6-516A570BCF7E}" type="datetimeFigureOut">
               <a:rPr kumimoji="1" lang="ko-Kore-KR" altLang="en-US" smtClean="0"/>
-              <a:t>2023. 8. 28.</a:t>
+              <a:t>2023. 8. 29.</a:t>
             </a:fld>
             <a:endParaRPr kumimoji="1" lang="ko-Kore-KR" altLang="en-US"/>
           </a:p>
@@ -493,7 +495,7 @@
           <a:p>
             <a:fld id="{5833EE27-F847-E545-85F6-516A570BCF7E}" type="datetimeFigureOut">
               <a:rPr kumimoji="1" lang="ko-Kore-KR" altLang="en-US" smtClean="0"/>
-              <a:t>2023. 8. 28.</a:t>
+              <a:t>2023. 8. 29.</a:t>
             </a:fld>
             <a:endParaRPr kumimoji="1" lang="ko-Kore-KR" altLang="en-US"/>
           </a:p>
@@ -703,7 +705,7 @@
           <a:p>
             <a:fld id="{5833EE27-F847-E545-85F6-516A570BCF7E}" type="datetimeFigureOut">
               <a:rPr kumimoji="1" lang="ko-Kore-KR" altLang="en-US" smtClean="0"/>
-              <a:t>2023. 8. 28.</a:t>
+              <a:t>2023. 8. 29.</a:t>
             </a:fld>
             <a:endParaRPr kumimoji="1" lang="ko-Kore-KR" altLang="en-US"/>
           </a:p>
@@ -903,7 +905,7 @@
           <a:p>
             <a:fld id="{5833EE27-F847-E545-85F6-516A570BCF7E}" type="datetimeFigureOut">
               <a:rPr kumimoji="1" lang="ko-Kore-KR" altLang="en-US" smtClean="0"/>
-              <a:t>2023. 8. 28.</a:t>
+              <a:t>2023. 8. 29.</a:t>
             </a:fld>
             <a:endParaRPr kumimoji="1" lang="ko-Kore-KR" altLang="en-US"/>
           </a:p>
@@ -1179,7 +1181,7 @@
           <a:p>
             <a:fld id="{5833EE27-F847-E545-85F6-516A570BCF7E}" type="datetimeFigureOut">
               <a:rPr kumimoji="1" lang="ko-Kore-KR" altLang="en-US" smtClean="0"/>
-              <a:t>2023. 8. 28.</a:t>
+              <a:t>2023. 8. 29.</a:t>
             </a:fld>
             <a:endParaRPr kumimoji="1" lang="ko-Kore-KR" altLang="en-US"/>
           </a:p>
@@ -1447,7 +1449,7 @@
           <a:p>
             <a:fld id="{5833EE27-F847-E545-85F6-516A570BCF7E}" type="datetimeFigureOut">
               <a:rPr kumimoji="1" lang="ko-Kore-KR" altLang="en-US" smtClean="0"/>
-              <a:t>2023. 8. 28.</a:t>
+              <a:t>2023. 8. 29.</a:t>
             </a:fld>
             <a:endParaRPr kumimoji="1" lang="ko-Kore-KR" altLang="en-US"/>
           </a:p>
@@ -1862,7 +1864,7 @@
           <a:p>
             <a:fld id="{5833EE27-F847-E545-85F6-516A570BCF7E}" type="datetimeFigureOut">
               <a:rPr kumimoji="1" lang="ko-Kore-KR" altLang="en-US" smtClean="0"/>
-              <a:t>2023. 8. 28.</a:t>
+              <a:t>2023. 8. 29.</a:t>
             </a:fld>
             <a:endParaRPr kumimoji="1" lang="ko-Kore-KR" altLang="en-US"/>
           </a:p>
@@ -2004,7 +2006,7 @@
           <a:p>
             <a:fld id="{5833EE27-F847-E545-85F6-516A570BCF7E}" type="datetimeFigureOut">
               <a:rPr kumimoji="1" lang="ko-Kore-KR" altLang="en-US" smtClean="0"/>
-              <a:t>2023. 8. 28.</a:t>
+              <a:t>2023. 8. 29.</a:t>
             </a:fld>
             <a:endParaRPr kumimoji="1" lang="ko-Kore-KR" altLang="en-US"/>
           </a:p>
@@ -2117,7 +2119,7 @@
           <a:p>
             <a:fld id="{5833EE27-F847-E545-85F6-516A570BCF7E}" type="datetimeFigureOut">
               <a:rPr kumimoji="1" lang="ko-Kore-KR" altLang="en-US" smtClean="0"/>
-              <a:t>2023. 8. 28.</a:t>
+              <a:t>2023. 8. 29.</a:t>
             </a:fld>
             <a:endParaRPr kumimoji="1" lang="ko-Kore-KR" altLang="en-US"/>
           </a:p>
@@ -2430,7 +2432,7 @@
           <a:p>
             <a:fld id="{5833EE27-F847-E545-85F6-516A570BCF7E}" type="datetimeFigureOut">
               <a:rPr kumimoji="1" lang="ko-Kore-KR" altLang="en-US" smtClean="0"/>
-              <a:t>2023. 8. 28.</a:t>
+              <a:t>2023. 8. 29.</a:t>
             </a:fld>
             <a:endParaRPr kumimoji="1" lang="ko-Kore-KR" altLang="en-US"/>
           </a:p>
@@ -2719,7 +2721,7 @@
           <a:p>
             <a:fld id="{5833EE27-F847-E545-85F6-516A570BCF7E}" type="datetimeFigureOut">
               <a:rPr kumimoji="1" lang="ko-Kore-KR" altLang="en-US" smtClean="0"/>
-              <a:t>2023. 8. 28.</a:t>
+              <a:t>2023. 8. 29.</a:t>
             </a:fld>
             <a:endParaRPr kumimoji="1" lang="ko-Kore-KR" altLang="en-US"/>
           </a:p>
@@ -2962,7 +2964,7 @@
           <a:p>
             <a:fld id="{5833EE27-F847-E545-85F6-516A570BCF7E}" type="datetimeFigureOut">
               <a:rPr kumimoji="1" lang="ko-Kore-KR" altLang="en-US" smtClean="0"/>
-              <a:t>2023. 8. 28.</a:t>
+              <a:t>2023. 8. 29.</a:t>
             </a:fld>
             <a:endParaRPr kumimoji="1" lang="ko-Kore-KR" altLang="en-US"/>
           </a:p>
@@ -22556,7 +22558,7 @@
         <p:spPr>
           <a:xfrm>
             <a:off x="100082" y="310078"/>
-            <a:ext cx="6096000" cy="1569660"/>
+            <a:ext cx="6096000" cy="3293209"/>
           </a:xfrm>
           <a:prstGeom prst="rect">
             <a:avLst/>
@@ -22627,6 +22629,140 @@
               </a:rPr>
               <a:t>    }</a:t>
             </a:r>
+            <a:endParaRPr lang="en-US" altLang="ko-Kore-KR" sz="1600" dirty="0">
+              <a:latin typeface="DM Mono" panose="020B0509040201040103" pitchFamily="49" charset="0"/>
+            </a:endParaRPr>
+          </a:p>
+          <a:p>
+            <a:endParaRPr lang="en-US" altLang="ko-Kore-KR" sz="1600" dirty="0">
+              <a:latin typeface="DM Mono" panose="020B0509040201040103" pitchFamily="49" charset="0"/>
+            </a:endParaRPr>
+          </a:p>
+          <a:p>
+            <a:r>
+              <a:rPr lang="en-US" altLang="ko-Kore-KR" sz="1600" dirty="0">
+                <a:latin typeface="DM Mono" panose="020B0509040201040103" pitchFamily="49" charset="0"/>
+              </a:rPr>
+              <a:t>    User(User&amp;&amp; </a:t>
+            </a:r>
+            <a:r>
+              <a:rPr lang="en-US" altLang="ko-Kore-KR" sz="1600" dirty="0" err="1">
+                <a:latin typeface="DM Mono" panose="020B0509040201040103" pitchFamily="49" charset="0"/>
+              </a:rPr>
+              <a:t>rhs</a:t>
+            </a:r>
+            <a:r>
+              <a:rPr lang="en-US" altLang="ko-Kore-KR" sz="1600" dirty="0">
+                <a:latin typeface="DM Mono" panose="020B0509040201040103" pitchFamily="49" charset="0"/>
+              </a:rPr>
+              <a:t>)</a:t>
+            </a:r>
+          </a:p>
+          <a:p>
+            <a:r>
+              <a:rPr lang="en-US" altLang="ko-Kore-KR" sz="1600" dirty="0">
+                <a:latin typeface="DM Mono" panose="020B0509040201040103" pitchFamily="49" charset="0"/>
+              </a:rPr>
+              <a:t>        : name { </a:t>
+            </a:r>
+            <a:r>
+              <a:rPr lang="en-US" altLang="ko-Kore-KR" sz="1600" dirty="0" err="1">
+                <a:latin typeface="DM Mono" panose="020B0509040201040103" pitchFamily="49" charset="0"/>
+              </a:rPr>
+              <a:t>rhs.name</a:t>
+            </a:r>
+            <a:r>
+              <a:rPr lang="en-US" altLang="ko-Kore-KR" sz="1600" dirty="0">
+                <a:latin typeface="DM Mono" panose="020B0509040201040103" pitchFamily="49" charset="0"/>
+              </a:rPr>
+              <a:t> }</a:t>
+            </a:r>
+          </a:p>
+          <a:p>
+            <a:r>
+              <a:rPr lang="en-US" altLang="ko-Kore-KR" sz="1600" dirty="0">
+                <a:latin typeface="DM Mono" panose="020B0509040201040103" pitchFamily="49" charset="0"/>
+              </a:rPr>
+              <a:t>        , age { </a:t>
+            </a:r>
+            <a:r>
+              <a:rPr lang="en-US" altLang="ko-Kore-KR" sz="1600" dirty="0" err="1">
+                <a:latin typeface="DM Mono" panose="020B0509040201040103" pitchFamily="49" charset="0"/>
+              </a:rPr>
+              <a:t>rhs.age</a:t>
+            </a:r>
+            <a:r>
+              <a:rPr lang="en-US" altLang="ko-Kore-KR" sz="1600" dirty="0">
+                <a:latin typeface="DM Mono" panose="020B0509040201040103" pitchFamily="49" charset="0"/>
+              </a:rPr>
+              <a:t> }</a:t>
+            </a:r>
+          </a:p>
+          <a:p>
+            <a:r>
+              <a:rPr lang="en-US" altLang="ko-Kore-KR" sz="1600" dirty="0">
+                <a:latin typeface="DM Mono" panose="020B0509040201040103" pitchFamily="49" charset="0"/>
+              </a:rPr>
+              <a:t>    {</a:t>
+            </a:r>
+          </a:p>
+          <a:p>
+            <a:r>
+              <a:rPr lang="en-US" altLang="ko-Kore-KR" sz="1600" dirty="0">
+                <a:solidFill>
+                  <a:srgbClr val="FF0000"/>
+                </a:solidFill>
+                <a:latin typeface="DM Mono" panose="020B0509040201040103" pitchFamily="49" charset="0"/>
+              </a:rPr>
+              <a:t>        </a:t>
+            </a:r>
+            <a:r>
+              <a:rPr lang="en-US" altLang="ko-Kore-KR" sz="1600" dirty="0" err="1">
+                <a:solidFill>
+                  <a:srgbClr val="FF0000"/>
+                </a:solidFill>
+                <a:latin typeface="DM Mono" panose="020B0509040201040103" pitchFamily="49" charset="0"/>
+              </a:rPr>
+              <a:t>rhs.name</a:t>
+            </a:r>
+            <a:r>
+              <a:rPr lang="en-US" altLang="ko-Kore-KR" sz="1600" dirty="0">
+                <a:solidFill>
+                  <a:srgbClr val="FF0000"/>
+                </a:solidFill>
+                <a:latin typeface="DM Mono" panose="020B0509040201040103" pitchFamily="49" charset="0"/>
+              </a:rPr>
+              <a:t> = </a:t>
+            </a:r>
+            <a:r>
+              <a:rPr lang="en-US" altLang="ko-Kore-KR" sz="1600" dirty="0" err="1">
+                <a:solidFill>
+                  <a:srgbClr val="FF0000"/>
+                </a:solidFill>
+                <a:latin typeface="DM Mono" panose="020B0509040201040103" pitchFamily="49" charset="0"/>
+              </a:rPr>
+              <a:t>nullptr</a:t>
+            </a:r>
+            <a:r>
+              <a:rPr lang="en-US" altLang="ko-Kore-KR" sz="1600" dirty="0">
+                <a:solidFill>
+                  <a:srgbClr val="FF0000"/>
+                </a:solidFill>
+                <a:latin typeface="DM Mono" panose="020B0509040201040103" pitchFamily="49" charset="0"/>
+              </a:rPr>
+              <a:t>;</a:t>
+            </a:r>
+          </a:p>
+          <a:p>
+            <a:r>
+              <a:rPr lang="en-US" altLang="ko-Kore-KR" sz="1600" dirty="0">
+                <a:latin typeface="DM Mono" panose="020B0509040201040103" pitchFamily="49" charset="0"/>
+              </a:rPr>
+              <a:t>    }</a:t>
+            </a:r>
+            <a:endParaRPr lang="ko-Kore-KR" altLang="en-US" sz="1600" dirty="0">
+              <a:latin typeface="DM Mono" panose="020B0509040201040103" pitchFamily="49" charset="0"/>
+            </a:endParaRPr>
           </a:p>
         </p:txBody>
       </p:sp>
@@ -24509,6 +24645,2395 @@
     <p:extLst>
       <p:ext uri="{BB962C8B-B14F-4D97-AF65-F5344CB8AC3E}">
         <p14:creationId xmlns:p14="http://schemas.microsoft.com/office/powerpoint/2010/main" val="2032900159"/>
+      </p:ext>
+    </p:extLst>
+  </p:cSld>
+  <p:clrMapOvr>
+    <a:masterClrMapping/>
+  </p:clrMapOvr>
+</p:sld>
+</file>
+
+<file path=ppt/slides/slide34.xml><?xml version="1.0" encoding="utf-8"?>
+<p:sld xmlns:a="http://schemas.openxmlformats.org/drawingml/2006/main" xmlns:r="http://schemas.openxmlformats.org/officeDocument/2006/relationships" xmlns:p="http://schemas.openxmlformats.org/presentationml/2006/main">
+  <p:cSld>
+    <p:spTree>
+      <p:nvGrpSpPr>
+        <p:cNvPr id="1" name=""/>
+        <p:cNvGrpSpPr/>
+        <p:nvPr/>
+      </p:nvGrpSpPr>
+      <p:grpSpPr>
+        <a:xfrm>
+          <a:off x="0" y="0"/>
+          <a:ext cx="0" cy="0"/>
+          <a:chOff x="0" y="0"/>
+          <a:chExt cx="0" cy="0"/>
+        </a:xfrm>
+      </p:grpSpPr>
+      <p:sp>
+        <p:nvSpPr>
+          <p:cNvPr id="11" name="TextBox 10">
+            <a:extLst>
+              <a:ext uri="{FF2B5EF4-FFF2-40B4-BE49-F238E27FC236}">
+                <a16:creationId xmlns:a16="http://schemas.microsoft.com/office/drawing/2014/main" id="{309311D2-1E40-F268-F0EC-D943828E315A}"/>
+              </a:ext>
+            </a:extLst>
+          </p:cNvPr>
+          <p:cNvSpPr txBox="1"/>
+          <p:nvPr/>
+        </p:nvSpPr>
+        <p:spPr>
+          <a:xfrm>
+            <a:off x="390344" y="293668"/>
+            <a:ext cx="6094562" cy="5016758"/>
+          </a:xfrm>
+          <a:prstGeom prst="rect">
+            <a:avLst/>
+          </a:prstGeom>
+          <a:noFill/>
+        </p:spPr>
+        <p:txBody>
+          <a:bodyPr wrap="square">
+            <a:spAutoFit/>
+          </a:bodyPr>
+          <a:lstStyle/>
+          <a:p>
+            <a:r>
+              <a:rPr lang="ko-Kore-KR" altLang="en-US" sz="1600" dirty="0">
+                <a:latin typeface="DM Mono" panose="020B0509040201040103" pitchFamily="49" charset="0"/>
+              </a:rPr>
+              <a:t>class Shape {</a:t>
+            </a:r>
+          </a:p>
+          <a:p>
+            <a:r>
+              <a:rPr lang="ko-Kore-KR" altLang="en-US" sz="1600" dirty="0">
+                <a:latin typeface="DM Mono" panose="020B0509040201040103" pitchFamily="49" charset="0"/>
+              </a:rPr>
+              <a:t>    int x;</a:t>
+            </a:r>
+          </a:p>
+          <a:p>
+            <a:r>
+              <a:rPr lang="ko-Kore-KR" altLang="en-US" sz="1600" dirty="0">
+                <a:latin typeface="DM Mono" panose="020B0509040201040103" pitchFamily="49" charset="0"/>
+              </a:rPr>
+              <a:t>    int y;</a:t>
+            </a:r>
+          </a:p>
+          <a:p>
+            <a:endParaRPr lang="ko-Kore-KR" altLang="en-US" sz="1600" dirty="0">
+              <a:latin typeface="DM Mono" panose="020B0509040201040103" pitchFamily="49" charset="0"/>
+            </a:endParaRPr>
+          </a:p>
+          <a:p>
+            <a:r>
+              <a:rPr lang="ko-Kore-KR" altLang="en-US" sz="1600" dirty="0">
+                <a:latin typeface="DM Mono" panose="020B0509040201040103" pitchFamily="49" charset="0"/>
+              </a:rPr>
+              <a:t>public:</a:t>
+            </a:r>
+          </a:p>
+          <a:p>
+            <a:r>
+              <a:rPr lang="ko-Kore-KR" altLang="en-US" sz="1600" dirty="0">
+                <a:latin typeface="DM Mono" panose="020B0509040201040103" pitchFamily="49" charset="0"/>
+              </a:rPr>
+              <a:t>    void Draw() const { }</a:t>
+            </a:r>
+          </a:p>
+          <a:p>
+            <a:r>
+              <a:rPr lang="ko-Kore-KR" altLang="en-US" sz="1600" dirty="0">
+                <a:latin typeface="DM Mono" panose="020B0509040201040103" pitchFamily="49" charset="0"/>
+              </a:rPr>
+              <a:t>};</a:t>
+            </a:r>
+          </a:p>
+          <a:p>
+            <a:endParaRPr lang="ko-Kore-KR" altLang="en-US" sz="1600" dirty="0">
+              <a:latin typeface="DM Mono" panose="020B0509040201040103" pitchFamily="49" charset="0"/>
+            </a:endParaRPr>
+          </a:p>
+          <a:p>
+            <a:r>
+              <a:rPr lang="ko-Kore-KR" altLang="en-US" sz="1600" dirty="0">
+                <a:latin typeface="DM Mono" panose="020B0509040201040103" pitchFamily="49" charset="0"/>
+              </a:rPr>
+              <a:t>class Rect : public Shape {</a:t>
+            </a:r>
+          </a:p>
+          <a:p>
+            <a:r>
+              <a:rPr lang="ko-Kore-KR" altLang="en-US" sz="1600" dirty="0">
+                <a:latin typeface="DM Mono" panose="020B0509040201040103" pitchFamily="49" charset="0"/>
+              </a:rPr>
+              <a:t>    int width;</a:t>
+            </a:r>
+          </a:p>
+          <a:p>
+            <a:r>
+              <a:rPr lang="ko-Kore-KR" altLang="en-US" sz="1600" dirty="0">
+                <a:latin typeface="DM Mono" panose="020B0509040201040103" pitchFamily="49" charset="0"/>
+              </a:rPr>
+              <a:t>};</a:t>
+            </a:r>
+          </a:p>
+          <a:p>
+            <a:endParaRPr lang="ko-Kore-KR" altLang="en-US" sz="1600" dirty="0">
+              <a:latin typeface="DM Mono" panose="020B0509040201040103" pitchFamily="49" charset="0"/>
+            </a:endParaRPr>
+          </a:p>
+          <a:p>
+            <a:r>
+              <a:rPr lang="ko-Kore-KR" altLang="en-US" sz="1600" dirty="0">
+                <a:latin typeface="DM Mono" panose="020B0509040201040103" pitchFamily="49" charset="0"/>
+              </a:rPr>
+              <a:t>int main()</a:t>
+            </a:r>
+          </a:p>
+          <a:p>
+            <a:r>
+              <a:rPr lang="ko-Kore-KR" altLang="en-US" sz="1600" dirty="0">
+                <a:latin typeface="DM Mono" panose="020B0509040201040103" pitchFamily="49" charset="0"/>
+              </a:rPr>
+              <a:t>{</a:t>
+            </a:r>
+          </a:p>
+          <a:p>
+            <a:r>
+              <a:rPr lang="ko-Kore-KR" altLang="en-US" sz="1600" dirty="0">
+                <a:latin typeface="DM Mono" panose="020B0509040201040103" pitchFamily="49" charset="0"/>
+              </a:rPr>
+              <a:t>    Shape s;</a:t>
+            </a:r>
+          </a:p>
+          <a:p>
+            <a:r>
+              <a:rPr lang="ko-Kore-KR" altLang="en-US" sz="1600" dirty="0">
+                <a:latin typeface="DM Mono" panose="020B0509040201040103" pitchFamily="49" charset="0"/>
+              </a:rPr>
+              <a:t>    cout &lt;&lt; sizeof(s) &lt;&lt; endl;</a:t>
+            </a:r>
+          </a:p>
+          <a:p>
+            <a:endParaRPr lang="ko-Kore-KR" altLang="en-US" sz="1600" dirty="0">
+              <a:latin typeface="DM Mono" panose="020B0509040201040103" pitchFamily="49" charset="0"/>
+            </a:endParaRPr>
+          </a:p>
+          <a:p>
+            <a:r>
+              <a:rPr lang="ko-Kore-KR" altLang="en-US" sz="1600" dirty="0">
+                <a:latin typeface="DM Mono" panose="020B0509040201040103" pitchFamily="49" charset="0"/>
+              </a:rPr>
+              <a:t>    Rect r;</a:t>
+            </a:r>
+          </a:p>
+          <a:p>
+            <a:r>
+              <a:rPr lang="ko-Kore-KR" altLang="en-US" sz="1600" dirty="0">
+                <a:latin typeface="DM Mono" panose="020B0509040201040103" pitchFamily="49" charset="0"/>
+              </a:rPr>
+              <a:t>    cout &lt;&lt; sizeof(r) &lt;&lt; endl;</a:t>
+            </a:r>
+          </a:p>
+          <a:p>
+            <a:r>
+              <a:rPr lang="ko-Kore-KR" altLang="en-US" sz="1600" dirty="0">
+                <a:latin typeface="DM Mono" panose="020B0509040201040103" pitchFamily="49" charset="0"/>
+              </a:rPr>
+              <a:t>}</a:t>
+            </a:r>
+          </a:p>
+        </p:txBody>
+      </p:sp>
+      <p:sp>
+        <p:nvSpPr>
+          <p:cNvPr id="12" name="직사각형 11">
+            <a:extLst>
+              <a:ext uri="{FF2B5EF4-FFF2-40B4-BE49-F238E27FC236}">
+                <a16:creationId xmlns:a16="http://schemas.microsoft.com/office/drawing/2014/main" id="{668BD4A2-2F07-7284-FF95-013966ED3855}"/>
+              </a:ext>
+            </a:extLst>
+          </p:cNvPr>
+          <p:cNvSpPr/>
+          <p:nvPr/>
+        </p:nvSpPr>
+        <p:spPr>
+          <a:xfrm>
+            <a:off x="6492599" y="955529"/>
+            <a:ext cx="804912" cy="482277"/>
+          </a:xfrm>
+          <a:prstGeom prst="rect">
+            <a:avLst/>
+          </a:prstGeom>
+          <a:solidFill>
+            <a:srgbClr val="FFFF00"/>
+          </a:solidFill>
+        </p:spPr>
+        <p:style>
+          <a:lnRef idx="2">
+            <a:schemeClr val="accent1">
+              <a:shade val="15000"/>
+            </a:schemeClr>
+          </a:lnRef>
+          <a:fillRef idx="1">
+            <a:schemeClr val="accent1"/>
+          </a:fillRef>
+          <a:effectRef idx="0">
+            <a:schemeClr val="accent1"/>
+          </a:effectRef>
+          <a:fontRef idx="minor">
+            <a:schemeClr val="lt1"/>
+          </a:fontRef>
+        </p:style>
+        <p:txBody>
+          <a:bodyPr rtlCol="0" anchor="ctr"/>
+          <a:lstStyle/>
+          <a:p>
+            <a:pPr algn="ctr"/>
+            <a:endParaRPr kumimoji="1" lang="ko-Kore-KR" altLang="en-US" sz="1600" dirty="0">
+              <a:solidFill>
+                <a:srgbClr val="FF0000"/>
+              </a:solidFill>
+              <a:latin typeface="DM Mono" panose="020B0509040201040103" pitchFamily="49" charset="0"/>
+            </a:endParaRPr>
+          </a:p>
+        </p:txBody>
+      </p:sp>
+      <p:sp>
+        <p:nvSpPr>
+          <p:cNvPr id="13" name="TextBox 12">
+            <a:extLst>
+              <a:ext uri="{FF2B5EF4-FFF2-40B4-BE49-F238E27FC236}">
+                <a16:creationId xmlns:a16="http://schemas.microsoft.com/office/drawing/2014/main" id="{9042DBAE-6C4A-974D-FF27-DAD3002C1A8F}"/>
+              </a:ext>
+            </a:extLst>
+          </p:cNvPr>
+          <p:cNvSpPr txBox="1"/>
+          <p:nvPr/>
+        </p:nvSpPr>
+        <p:spPr>
+          <a:xfrm>
+            <a:off x="5159992" y="1012001"/>
+            <a:ext cx="1332608" cy="369332"/>
+          </a:xfrm>
+          <a:prstGeom prst="rect">
+            <a:avLst/>
+          </a:prstGeom>
+          <a:noFill/>
+        </p:spPr>
+        <p:txBody>
+          <a:bodyPr wrap="square">
+            <a:spAutoFit/>
+          </a:bodyPr>
+          <a:lstStyle/>
+          <a:p>
+            <a:pPr algn="r"/>
+            <a:r>
+              <a:rPr lang="en-US" altLang="ko-Kore-KR" dirty="0">
+                <a:latin typeface="DM Mono" panose="020B0509040201040103" pitchFamily="49" charset="0"/>
+              </a:rPr>
+              <a:t>x</a:t>
+            </a:r>
+            <a:endParaRPr lang="ko-Kore-KR" altLang="en-US" dirty="0"/>
+          </a:p>
+        </p:txBody>
+      </p:sp>
+      <p:sp>
+        <p:nvSpPr>
+          <p:cNvPr id="14" name="TextBox 13">
+            <a:extLst>
+              <a:ext uri="{FF2B5EF4-FFF2-40B4-BE49-F238E27FC236}">
+                <a16:creationId xmlns:a16="http://schemas.microsoft.com/office/drawing/2014/main" id="{278ECADC-890F-E502-8A7B-9B16D926A6E1}"/>
+              </a:ext>
+            </a:extLst>
+          </p:cNvPr>
+          <p:cNvSpPr txBox="1"/>
+          <p:nvPr/>
+        </p:nvSpPr>
+        <p:spPr>
+          <a:xfrm>
+            <a:off x="6002243" y="586198"/>
+            <a:ext cx="1785624" cy="369332"/>
+          </a:xfrm>
+          <a:prstGeom prst="rect">
+            <a:avLst/>
+          </a:prstGeom>
+          <a:noFill/>
+        </p:spPr>
+        <p:txBody>
+          <a:bodyPr wrap="square">
+            <a:spAutoFit/>
+          </a:bodyPr>
+          <a:lstStyle/>
+          <a:p>
+            <a:pPr algn="ctr"/>
+            <a:r>
+              <a:rPr lang="en-US" altLang="ko-Kore-KR" dirty="0">
+                <a:latin typeface="DM Mono" panose="020B0509040201040103" pitchFamily="49" charset="0"/>
+              </a:rPr>
+              <a:t>Shape s</a:t>
+            </a:r>
+            <a:endParaRPr lang="ko-Kore-KR" altLang="en-US" dirty="0"/>
+          </a:p>
+        </p:txBody>
+      </p:sp>
+      <p:sp>
+        <p:nvSpPr>
+          <p:cNvPr id="18" name="직사각형 17">
+            <a:extLst>
+              <a:ext uri="{FF2B5EF4-FFF2-40B4-BE49-F238E27FC236}">
+                <a16:creationId xmlns:a16="http://schemas.microsoft.com/office/drawing/2014/main" id="{173593CC-A733-FFBB-50F4-38FCFDCA6663}"/>
+              </a:ext>
+            </a:extLst>
+          </p:cNvPr>
+          <p:cNvSpPr/>
+          <p:nvPr/>
+        </p:nvSpPr>
+        <p:spPr>
+          <a:xfrm>
+            <a:off x="6492599" y="1437804"/>
+            <a:ext cx="804912" cy="482277"/>
+          </a:xfrm>
+          <a:prstGeom prst="rect">
+            <a:avLst/>
+          </a:prstGeom>
+          <a:solidFill>
+            <a:srgbClr val="FFFF00"/>
+          </a:solidFill>
+        </p:spPr>
+        <p:style>
+          <a:lnRef idx="2">
+            <a:schemeClr val="accent1">
+              <a:shade val="15000"/>
+            </a:schemeClr>
+          </a:lnRef>
+          <a:fillRef idx="1">
+            <a:schemeClr val="accent1"/>
+          </a:fillRef>
+          <a:effectRef idx="0">
+            <a:schemeClr val="accent1"/>
+          </a:effectRef>
+          <a:fontRef idx="minor">
+            <a:schemeClr val="lt1"/>
+          </a:fontRef>
+        </p:style>
+        <p:txBody>
+          <a:bodyPr rtlCol="0" anchor="ctr"/>
+          <a:lstStyle/>
+          <a:p>
+            <a:pPr algn="ctr"/>
+            <a:endParaRPr kumimoji="1" lang="ko-Kore-KR" altLang="en-US" sz="1600" dirty="0">
+              <a:solidFill>
+                <a:srgbClr val="FF0000"/>
+              </a:solidFill>
+              <a:latin typeface="DM Mono" panose="020B0509040201040103" pitchFamily="49" charset="0"/>
+            </a:endParaRPr>
+          </a:p>
+        </p:txBody>
+      </p:sp>
+      <p:sp>
+        <p:nvSpPr>
+          <p:cNvPr id="19" name="TextBox 18">
+            <a:extLst>
+              <a:ext uri="{FF2B5EF4-FFF2-40B4-BE49-F238E27FC236}">
+                <a16:creationId xmlns:a16="http://schemas.microsoft.com/office/drawing/2014/main" id="{8FDFD367-26B7-EF3D-1B2F-F5B193225391}"/>
+              </a:ext>
+            </a:extLst>
+          </p:cNvPr>
+          <p:cNvSpPr txBox="1"/>
+          <p:nvPr/>
+        </p:nvSpPr>
+        <p:spPr>
+          <a:xfrm>
+            <a:off x="5159992" y="1494276"/>
+            <a:ext cx="1332608" cy="369332"/>
+          </a:xfrm>
+          <a:prstGeom prst="rect">
+            <a:avLst/>
+          </a:prstGeom>
+          <a:noFill/>
+        </p:spPr>
+        <p:txBody>
+          <a:bodyPr wrap="square">
+            <a:spAutoFit/>
+          </a:bodyPr>
+          <a:lstStyle/>
+          <a:p>
+            <a:pPr algn="r"/>
+            <a:r>
+              <a:rPr lang="en-US" altLang="ko-Kore-KR" dirty="0">
+                <a:latin typeface="DM Mono" panose="020B0509040201040103" pitchFamily="49" charset="0"/>
+              </a:rPr>
+              <a:t>y</a:t>
+            </a:r>
+            <a:endParaRPr lang="ko-Kore-KR" altLang="en-US" dirty="0"/>
+          </a:p>
+        </p:txBody>
+      </p:sp>
+      <p:sp>
+        <p:nvSpPr>
+          <p:cNvPr id="22" name="직사각형 21">
+            <a:extLst>
+              <a:ext uri="{FF2B5EF4-FFF2-40B4-BE49-F238E27FC236}">
+                <a16:creationId xmlns:a16="http://schemas.microsoft.com/office/drawing/2014/main" id="{81F06E6E-DE14-2DB5-CF08-BFE5C10BFB72}"/>
+              </a:ext>
+            </a:extLst>
+          </p:cNvPr>
+          <p:cNvSpPr/>
+          <p:nvPr/>
+        </p:nvSpPr>
+        <p:spPr>
+          <a:xfrm>
+            <a:off x="6567371" y="3117884"/>
+            <a:ext cx="804912" cy="482277"/>
+          </a:xfrm>
+          <a:prstGeom prst="rect">
+            <a:avLst/>
+          </a:prstGeom>
+          <a:solidFill>
+            <a:srgbClr val="FFFF00"/>
+          </a:solidFill>
+        </p:spPr>
+        <p:style>
+          <a:lnRef idx="2">
+            <a:schemeClr val="accent1">
+              <a:shade val="15000"/>
+            </a:schemeClr>
+          </a:lnRef>
+          <a:fillRef idx="1">
+            <a:schemeClr val="accent1"/>
+          </a:fillRef>
+          <a:effectRef idx="0">
+            <a:schemeClr val="accent1"/>
+          </a:effectRef>
+          <a:fontRef idx="minor">
+            <a:schemeClr val="lt1"/>
+          </a:fontRef>
+        </p:style>
+        <p:txBody>
+          <a:bodyPr rtlCol="0" anchor="ctr"/>
+          <a:lstStyle/>
+          <a:p>
+            <a:pPr algn="ctr"/>
+            <a:endParaRPr kumimoji="1" lang="ko-Kore-KR" altLang="en-US" sz="1600" dirty="0">
+              <a:solidFill>
+                <a:srgbClr val="FF0000"/>
+              </a:solidFill>
+              <a:latin typeface="DM Mono" panose="020B0509040201040103" pitchFamily="49" charset="0"/>
+            </a:endParaRPr>
+          </a:p>
+        </p:txBody>
+      </p:sp>
+      <p:sp>
+        <p:nvSpPr>
+          <p:cNvPr id="23" name="TextBox 22">
+            <a:extLst>
+              <a:ext uri="{FF2B5EF4-FFF2-40B4-BE49-F238E27FC236}">
+                <a16:creationId xmlns:a16="http://schemas.microsoft.com/office/drawing/2014/main" id="{8BEF1601-6BF9-52E9-2375-6A44D8F572C6}"/>
+              </a:ext>
+            </a:extLst>
+          </p:cNvPr>
+          <p:cNvSpPr txBox="1"/>
+          <p:nvPr/>
+        </p:nvSpPr>
+        <p:spPr>
+          <a:xfrm>
+            <a:off x="5234764" y="3174356"/>
+            <a:ext cx="1332608" cy="369332"/>
+          </a:xfrm>
+          <a:prstGeom prst="rect">
+            <a:avLst/>
+          </a:prstGeom>
+          <a:noFill/>
+        </p:spPr>
+        <p:txBody>
+          <a:bodyPr wrap="square">
+            <a:spAutoFit/>
+          </a:bodyPr>
+          <a:lstStyle/>
+          <a:p>
+            <a:pPr algn="r"/>
+            <a:r>
+              <a:rPr lang="en-US" altLang="ko-Kore-KR" dirty="0">
+                <a:latin typeface="DM Mono" panose="020B0509040201040103" pitchFamily="49" charset="0"/>
+              </a:rPr>
+              <a:t>x</a:t>
+            </a:r>
+            <a:endParaRPr lang="ko-Kore-KR" altLang="en-US" dirty="0"/>
+          </a:p>
+        </p:txBody>
+      </p:sp>
+      <p:sp>
+        <p:nvSpPr>
+          <p:cNvPr id="24" name="TextBox 23">
+            <a:extLst>
+              <a:ext uri="{FF2B5EF4-FFF2-40B4-BE49-F238E27FC236}">
+                <a16:creationId xmlns:a16="http://schemas.microsoft.com/office/drawing/2014/main" id="{035ECE70-839E-7031-B873-C4C697AED6DB}"/>
+              </a:ext>
+            </a:extLst>
+          </p:cNvPr>
+          <p:cNvSpPr txBox="1"/>
+          <p:nvPr/>
+        </p:nvSpPr>
+        <p:spPr>
+          <a:xfrm>
+            <a:off x="6077015" y="2748553"/>
+            <a:ext cx="1785624" cy="369332"/>
+          </a:xfrm>
+          <a:prstGeom prst="rect">
+            <a:avLst/>
+          </a:prstGeom>
+          <a:noFill/>
+        </p:spPr>
+        <p:txBody>
+          <a:bodyPr wrap="square">
+            <a:spAutoFit/>
+          </a:bodyPr>
+          <a:lstStyle/>
+          <a:p>
+            <a:pPr algn="ctr"/>
+            <a:r>
+              <a:rPr lang="en-US" altLang="ko-Kore-KR" dirty="0" err="1">
+                <a:latin typeface="DM Mono" panose="020B0509040201040103" pitchFamily="49" charset="0"/>
+              </a:rPr>
+              <a:t>Rect</a:t>
+            </a:r>
+            <a:r>
+              <a:rPr lang="en-US" altLang="ko-Kore-KR" dirty="0">
+                <a:latin typeface="DM Mono" panose="020B0509040201040103" pitchFamily="49" charset="0"/>
+              </a:rPr>
+              <a:t> r</a:t>
+            </a:r>
+            <a:endParaRPr lang="ko-Kore-KR" altLang="en-US" dirty="0"/>
+          </a:p>
+        </p:txBody>
+      </p:sp>
+      <p:sp>
+        <p:nvSpPr>
+          <p:cNvPr id="25" name="직사각형 24">
+            <a:extLst>
+              <a:ext uri="{FF2B5EF4-FFF2-40B4-BE49-F238E27FC236}">
+                <a16:creationId xmlns:a16="http://schemas.microsoft.com/office/drawing/2014/main" id="{68D61A49-AEDE-1F0A-E61C-3CA7A4BD911A}"/>
+              </a:ext>
+            </a:extLst>
+          </p:cNvPr>
+          <p:cNvSpPr/>
+          <p:nvPr/>
+        </p:nvSpPr>
+        <p:spPr>
+          <a:xfrm>
+            <a:off x="6567371" y="3600159"/>
+            <a:ext cx="804912" cy="482277"/>
+          </a:xfrm>
+          <a:prstGeom prst="rect">
+            <a:avLst/>
+          </a:prstGeom>
+          <a:solidFill>
+            <a:srgbClr val="FFFF00"/>
+          </a:solidFill>
+        </p:spPr>
+        <p:style>
+          <a:lnRef idx="2">
+            <a:schemeClr val="accent1">
+              <a:shade val="15000"/>
+            </a:schemeClr>
+          </a:lnRef>
+          <a:fillRef idx="1">
+            <a:schemeClr val="accent1"/>
+          </a:fillRef>
+          <a:effectRef idx="0">
+            <a:schemeClr val="accent1"/>
+          </a:effectRef>
+          <a:fontRef idx="minor">
+            <a:schemeClr val="lt1"/>
+          </a:fontRef>
+        </p:style>
+        <p:txBody>
+          <a:bodyPr rtlCol="0" anchor="ctr"/>
+          <a:lstStyle/>
+          <a:p>
+            <a:pPr algn="ctr"/>
+            <a:endParaRPr kumimoji="1" lang="ko-Kore-KR" altLang="en-US" sz="1600" dirty="0">
+              <a:solidFill>
+                <a:srgbClr val="FF0000"/>
+              </a:solidFill>
+              <a:latin typeface="DM Mono" panose="020B0509040201040103" pitchFamily="49" charset="0"/>
+            </a:endParaRPr>
+          </a:p>
+        </p:txBody>
+      </p:sp>
+      <p:sp>
+        <p:nvSpPr>
+          <p:cNvPr id="26" name="TextBox 25">
+            <a:extLst>
+              <a:ext uri="{FF2B5EF4-FFF2-40B4-BE49-F238E27FC236}">
+                <a16:creationId xmlns:a16="http://schemas.microsoft.com/office/drawing/2014/main" id="{FDBEB276-77B9-7514-0B80-601EDA76515C}"/>
+              </a:ext>
+            </a:extLst>
+          </p:cNvPr>
+          <p:cNvSpPr txBox="1"/>
+          <p:nvPr/>
+        </p:nvSpPr>
+        <p:spPr>
+          <a:xfrm>
+            <a:off x="5234764" y="3656631"/>
+            <a:ext cx="1332608" cy="369332"/>
+          </a:xfrm>
+          <a:prstGeom prst="rect">
+            <a:avLst/>
+          </a:prstGeom>
+          <a:noFill/>
+        </p:spPr>
+        <p:txBody>
+          <a:bodyPr wrap="square">
+            <a:spAutoFit/>
+          </a:bodyPr>
+          <a:lstStyle/>
+          <a:p>
+            <a:pPr algn="r"/>
+            <a:r>
+              <a:rPr lang="en-US" altLang="ko-Kore-KR" dirty="0">
+                <a:latin typeface="DM Mono" panose="020B0509040201040103" pitchFamily="49" charset="0"/>
+              </a:rPr>
+              <a:t>y</a:t>
+            </a:r>
+            <a:endParaRPr lang="ko-Kore-KR" altLang="en-US" dirty="0"/>
+          </a:p>
+        </p:txBody>
+      </p:sp>
+      <p:sp>
+        <p:nvSpPr>
+          <p:cNvPr id="27" name="직사각형 26">
+            <a:extLst>
+              <a:ext uri="{FF2B5EF4-FFF2-40B4-BE49-F238E27FC236}">
+                <a16:creationId xmlns:a16="http://schemas.microsoft.com/office/drawing/2014/main" id="{A197CF1D-876A-4993-E649-EC228CEF54C8}"/>
+              </a:ext>
+            </a:extLst>
+          </p:cNvPr>
+          <p:cNvSpPr/>
+          <p:nvPr/>
+        </p:nvSpPr>
+        <p:spPr>
+          <a:xfrm>
+            <a:off x="6567371" y="4052827"/>
+            <a:ext cx="804912" cy="482277"/>
+          </a:xfrm>
+          <a:prstGeom prst="rect">
+            <a:avLst/>
+          </a:prstGeom>
+          <a:solidFill>
+            <a:srgbClr val="FFFF00"/>
+          </a:solidFill>
+        </p:spPr>
+        <p:style>
+          <a:lnRef idx="2">
+            <a:schemeClr val="accent1">
+              <a:shade val="15000"/>
+            </a:schemeClr>
+          </a:lnRef>
+          <a:fillRef idx="1">
+            <a:schemeClr val="accent1"/>
+          </a:fillRef>
+          <a:effectRef idx="0">
+            <a:schemeClr val="accent1"/>
+          </a:effectRef>
+          <a:fontRef idx="minor">
+            <a:schemeClr val="lt1"/>
+          </a:fontRef>
+        </p:style>
+        <p:txBody>
+          <a:bodyPr rtlCol="0" anchor="ctr"/>
+          <a:lstStyle/>
+          <a:p>
+            <a:pPr algn="ctr"/>
+            <a:endParaRPr kumimoji="1" lang="ko-Kore-KR" altLang="en-US" sz="1600" dirty="0">
+              <a:solidFill>
+                <a:srgbClr val="FF0000"/>
+              </a:solidFill>
+              <a:latin typeface="DM Mono" panose="020B0509040201040103" pitchFamily="49" charset="0"/>
+            </a:endParaRPr>
+          </a:p>
+        </p:txBody>
+      </p:sp>
+      <p:sp>
+        <p:nvSpPr>
+          <p:cNvPr id="28" name="TextBox 27">
+            <a:extLst>
+              <a:ext uri="{FF2B5EF4-FFF2-40B4-BE49-F238E27FC236}">
+                <a16:creationId xmlns:a16="http://schemas.microsoft.com/office/drawing/2014/main" id="{A4DC667B-6709-FECC-2427-6DFD8F3A71F3}"/>
+              </a:ext>
+            </a:extLst>
+          </p:cNvPr>
+          <p:cNvSpPr txBox="1"/>
+          <p:nvPr/>
+        </p:nvSpPr>
+        <p:spPr>
+          <a:xfrm>
+            <a:off x="5234764" y="4109299"/>
+            <a:ext cx="1332608" cy="369332"/>
+          </a:xfrm>
+          <a:prstGeom prst="rect">
+            <a:avLst/>
+          </a:prstGeom>
+          <a:noFill/>
+        </p:spPr>
+        <p:txBody>
+          <a:bodyPr wrap="square">
+            <a:spAutoFit/>
+          </a:bodyPr>
+          <a:lstStyle/>
+          <a:p>
+            <a:pPr algn="r"/>
+            <a:r>
+              <a:rPr lang="en-US" altLang="ko-Kore-KR" dirty="0">
+                <a:latin typeface="DM Mono" panose="020B0509040201040103" pitchFamily="49" charset="0"/>
+              </a:rPr>
+              <a:t>width</a:t>
+            </a:r>
+            <a:endParaRPr lang="ko-Kore-KR" altLang="en-US" dirty="0"/>
+          </a:p>
+        </p:txBody>
+      </p:sp>
+    </p:spTree>
+    <p:extLst>
+      <p:ext uri="{BB962C8B-B14F-4D97-AF65-F5344CB8AC3E}">
+        <p14:creationId xmlns:p14="http://schemas.microsoft.com/office/powerpoint/2010/main" val="261009142"/>
+      </p:ext>
+    </p:extLst>
+  </p:cSld>
+  <p:clrMapOvr>
+    <a:masterClrMapping/>
+  </p:clrMapOvr>
+</p:sld>
+</file>
+
+<file path=ppt/slides/slide35.xml><?xml version="1.0" encoding="utf-8"?>
+<p:sld xmlns:a="http://schemas.openxmlformats.org/drawingml/2006/main" xmlns:r="http://schemas.openxmlformats.org/officeDocument/2006/relationships" xmlns:p="http://schemas.openxmlformats.org/presentationml/2006/main">
+  <p:cSld>
+    <p:spTree>
+      <p:nvGrpSpPr>
+        <p:cNvPr id="1" name=""/>
+        <p:cNvGrpSpPr/>
+        <p:nvPr/>
+      </p:nvGrpSpPr>
+      <p:grpSpPr>
+        <a:xfrm>
+          <a:off x="0" y="0"/>
+          <a:ext cx="0" cy="0"/>
+          <a:chOff x="0" y="0"/>
+          <a:chExt cx="0" cy="0"/>
+        </a:xfrm>
+      </p:grpSpPr>
+      <p:sp>
+        <p:nvSpPr>
+          <p:cNvPr id="11" name="TextBox 10">
+            <a:extLst>
+              <a:ext uri="{FF2B5EF4-FFF2-40B4-BE49-F238E27FC236}">
+                <a16:creationId xmlns:a16="http://schemas.microsoft.com/office/drawing/2014/main" id="{309311D2-1E40-F268-F0EC-D943828E315A}"/>
+              </a:ext>
+            </a:extLst>
+          </p:cNvPr>
+          <p:cNvSpPr txBox="1"/>
+          <p:nvPr/>
+        </p:nvSpPr>
+        <p:spPr>
+          <a:xfrm>
+            <a:off x="390344" y="293668"/>
+            <a:ext cx="4983913" cy="5016758"/>
+          </a:xfrm>
+          <a:prstGeom prst="rect">
+            <a:avLst/>
+          </a:prstGeom>
+          <a:noFill/>
+        </p:spPr>
+        <p:txBody>
+          <a:bodyPr wrap="square">
+            <a:spAutoFit/>
+          </a:bodyPr>
+          <a:lstStyle/>
+          <a:p>
+            <a:r>
+              <a:rPr lang="ko-Kore-KR" altLang="en-US" sz="1600" dirty="0">
+                <a:latin typeface="DM Mono" panose="020B0509040201040103" pitchFamily="49" charset="0"/>
+              </a:rPr>
+              <a:t>class Shape {</a:t>
+            </a:r>
+          </a:p>
+          <a:p>
+            <a:r>
+              <a:rPr lang="ko-Kore-KR" altLang="en-US" sz="1600" dirty="0">
+                <a:latin typeface="DM Mono" panose="020B0509040201040103" pitchFamily="49" charset="0"/>
+              </a:rPr>
+              <a:t>    int x;</a:t>
+            </a:r>
+          </a:p>
+          <a:p>
+            <a:r>
+              <a:rPr lang="ko-Kore-KR" altLang="en-US" sz="1600" dirty="0">
+                <a:latin typeface="DM Mono" panose="020B0509040201040103" pitchFamily="49" charset="0"/>
+              </a:rPr>
+              <a:t>    int y;</a:t>
+            </a:r>
+          </a:p>
+          <a:p>
+            <a:endParaRPr lang="ko-Kore-KR" altLang="en-US" sz="1600" dirty="0">
+              <a:latin typeface="DM Mono" panose="020B0509040201040103" pitchFamily="49" charset="0"/>
+            </a:endParaRPr>
+          </a:p>
+          <a:p>
+            <a:r>
+              <a:rPr lang="ko-Kore-KR" altLang="en-US" sz="1600" dirty="0">
+                <a:latin typeface="DM Mono" panose="020B0509040201040103" pitchFamily="49" charset="0"/>
+              </a:rPr>
+              <a:t>public:</a:t>
+            </a:r>
+          </a:p>
+          <a:p>
+            <a:r>
+              <a:rPr lang="ko-Kore-KR" altLang="en-US" sz="1600" dirty="0">
+                <a:solidFill>
+                  <a:srgbClr val="FF0000"/>
+                </a:solidFill>
+                <a:latin typeface="DM Mono" panose="020B0509040201040103" pitchFamily="49" charset="0"/>
+              </a:rPr>
+              <a:t>    </a:t>
+            </a:r>
+            <a:r>
+              <a:rPr lang="en-US" altLang="ko-Kore-KR" sz="1600" dirty="0">
+                <a:solidFill>
+                  <a:srgbClr val="FF0000"/>
+                </a:solidFill>
+                <a:latin typeface="DM Mono" panose="020B0509040201040103" pitchFamily="49" charset="0"/>
+              </a:rPr>
+              <a:t>virtual </a:t>
+            </a:r>
+            <a:r>
+              <a:rPr lang="ko-Kore-KR" altLang="en-US" sz="1600" dirty="0">
+                <a:solidFill>
+                  <a:srgbClr val="FF0000"/>
+                </a:solidFill>
+                <a:latin typeface="DM Mono" panose="020B0509040201040103" pitchFamily="49" charset="0"/>
+              </a:rPr>
+              <a:t>void Draw() const { }</a:t>
+            </a:r>
+          </a:p>
+          <a:p>
+            <a:r>
+              <a:rPr lang="ko-Kore-KR" altLang="en-US" sz="1600" dirty="0">
+                <a:latin typeface="DM Mono" panose="020B0509040201040103" pitchFamily="49" charset="0"/>
+              </a:rPr>
+              <a:t>};</a:t>
+            </a:r>
+          </a:p>
+          <a:p>
+            <a:endParaRPr lang="ko-Kore-KR" altLang="en-US" sz="1600" dirty="0">
+              <a:latin typeface="DM Mono" panose="020B0509040201040103" pitchFamily="49" charset="0"/>
+            </a:endParaRPr>
+          </a:p>
+          <a:p>
+            <a:r>
+              <a:rPr lang="ko-Kore-KR" altLang="en-US" sz="1600" dirty="0">
+                <a:latin typeface="DM Mono" panose="020B0509040201040103" pitchFamily="49" charset="0"/>
+              </a:rPr>
+              <a:t>class Rect : public Shape {</a:t>
+            </a:r>
+          </a:p>
+          <a:p>
+            <a:r>
+              <a:rPr lang="ko-Kore-KR" altLang="en-US" sz="1600" dirty="0">
+                <a:latin typeface="DM Mono" panose="020B0509040201040103" pitchFamily="49" charset="0"/>
+              </a:rPr>
+              <a:t>    int width;</a:t>
+            </a:r>
+          </a:p>
+          <a:p>
+            <a:r>
+              <a:rPr lang="ko-Kore-KR" altLang="en-US" sz="1600" dirty="0">
+                <a:latin typeface="DM Mono" panose="020B0509040201040103" pitchFamily="49" charset="0"/>
+              </a:rPr>
+              <a:t>};</a:t>
+            </a:r>
+          </a:p>
+          <a:p>
+            <a:endParaRPr lang="ko-Kore-KR" altLang="en-US" sz="1600" dirty="0">
+              <a:latin typeface="DM Mono" panose="020B0509040201040103" pitchFamily="49" charset="0"/>
+            </a:endParaRPr>
+          </a:p>
+          <a:p>
+            <a:r>
+              <a:rPr lang="ko-Kore-KR" altLang="en-US" sz="1600" dirty="0">
+                <a:latin typeface="DM Mono" panose="020B0509040201040103" pitchFamily="49" charset="0"/>
+              </a:rPr>
+              <a:t>int main()</a:t>
+            </a:r>
+          </a:p>
+          <a:p>
+            <a:r>
+              <a:rPr lang="ko-Kore-KR" altLang="en-US" sz="1600" dirty="0">
+                <a:latin typeface="DM Mono" panose="020B0509040201040103" pitchFamily="49" charset="0"/>
+              </a:rPr>
+              <a:t>{</a:t>
+            </a:r>
+          </a:p>
+          <a:p>
+            <a:r>
+              <a:rPr lang="ko-Kore-KR" altLang="en-US" sz="1600" dirty="0">
+                <a:latin typeface="DM Mono" panose="020B0509040201040103" pitchFamily="49" charset="0"/>
+              </a:rPr>
+              <a:t>    Shape s;</a:t>
+            </a:r>
+          </a:p>
+          <a:p>
+            <a:r>
+              <a:rPr lang="ko-Kore-KR" altLang="en-US" sz="1600" dirty="0">
+                <a:latin typeface="DM Mono" panose="020B0509040201040103" pitchFamily="49" charset="0"/>
+              </a:rPr>
+              <a:t>    cout &lt;&lt; sizeof(s) &lt;&lt; endl;</a:t>
+            </a:r>
+          </a:p>
+          <a:p>
+            <a:endParaRPr lang="ko-Kore-KR" altLang="en-US" sz="1600" dirty="0">
+              <a:latin typeface="DM Mono" panose="020B0509040201040103" pitchFamily="49" charset="0"/>
+            </a:endParaRPr>
+          </a:p>
+          <a:p>
+            <a:r>
+              <a:rPr lang="ko-Kore-KR" altLang="en-US" sz="1600" dirty="0">
+                <a:latin typeface="DM Mono" panose="020B0509040201040103" pitchFamily="49" charset="0"/>
+              </a:rPr>
+              <a:t>    Rect r;</a:t>
+            </a:r>
+          </a:p>
+          <a:p>
+            <a:r>
+              <a:rPr lang="ko-Kore-KR" altLang="en-US" sz="1600" dirty="0">
+                <a:latin typeface="DM Mono" panose="020B0509040201040103" pitchFamily="49" charset="0"/>
+              </a:rPr>
+              <a:t>    cout &lt;&lt; sizeof(r) &lt;&lt; endl;</a:t>
+            </a:r>
+          </a:p>
+          <a:p>
+            <a:r>
+              <a:rPr lang="ko-Kore-KR" altLang="en-US" sz="1600" dirty="0">
+                <a:latin typeface="DM Mono" panose="020B0509040201040103" pitchFamily="49" charset="0"/>
+              </a:rPr>
+              <a:t>}</a:t>
+            </a:r>
+          </a:p>
+        </p:txBody>
+      </p:sp>
+      <p:sp>
+        <p:nvSpPr>
+          <p:cNvPr id="12" name="직사각형 11">
+            <a:extLst>
+              <a:ext uri="{FF2B5EF4-FFF2-40B4-BE49-F238E27FC236}">
+                <a16:creationId xmlns:a16="http://schemas.microsoft.com/office/drawing/2014/main" id="{668BD4A2-2F07-7284-FF95-013966ED3855}"/>
+              </a:ext>
+            </a:extLst>
+          </p:cNvPr>
+          <p:cNvSpPr/>
+          <p:nvPr/>
+        </p:nvSpPr>
+        <p:spPr>
+          <a:xfrm>
+            <a:off x="6492600" y="1424587"/>
+            <a:ext cx="804912" cy="482277"/>
+          </a:xfrm>
+          <a:prstGeom prst="rect">
+            <a:avLst/>
+          </a:prstGeom>
+          <a:solidFill>
+            <a:srgbClr val="FFFF00"/>
+          </a:solidFill>
+        </p:spPr>
+        <p:style>
+          <a:lnRef idx="2">
+            <a:schemeClr val="accent1">
+              <a:shade val="15000"/>
+            </a:schemeClr>
+          </a:lnRef>
+          <a:fillRef idx="1">
+            <a:schemeClr val="accent1"/>
+          </a:fillRef>
+          <a:effectRef idx="0">
+            <a:schemeClr val="accent1"/>
+          </a:effectRef>
+          <a:fontRef idx="minor">
+            <a:schemeClr val="lt1"/>
+          </a:fontRef>
+        </p:style>
+        <p:txBody>
+          <a:bodyPr rtlCol="0" anchor="ctr"/>
+          <a:lstStyle/>
+          <a:p>
+            <a:pPr algn="ctr"/>
+            <a:endParaRPr kumimoji="1" lang="ko-Kore-KR" altLang="en-US" sz="1600" dirty="0">
+              <a:solidFill>
+                <a:srgbClr val="FF0000"/>
+              </a:solidFill>
+              <a:latin typeface="DM Mono" panose="020B0509040201040103" pitchFamily="49" charset="0"/>
+            </a:endParaRPr>
+          </a:p>
+        </p:txBody>
+      </p:sp>
+      <p:sp>
+        <p:nvSpPr>
+          <p:cNvPr id="13" name="TextBox 12">
+            <a:extLst>
+              <a:ext uri="{FF2B5EF4-FFF2-40B4-BE49-F238E27FC236}">
+                <a16:creationId xmlns:a16="http://schemas.microsoft.com/office/drawing/2014/main" id="{9042DBAE-6C4A-974D-FF27-DAD3002C1A8F}"/>
+              </a:ext>
+            </a:extLst>
+          </p:cNvPr>
+          <p:cNvSpPr txBox="1"/>
+          <p:nvPr/>
+        </p:nvSpPr>
+        <p:spPr>
+          <a:xfrm>
+            <a:off x="5159993" y="1481059"/>
+            <a:ext cx="1332608" cy="369332"/>
+          </a:xfrm>
+          <a:prstGeom prst="rect">
+            <a:avLst/>
+          </a:prstGeom>
+          <a:noFill/>
+        </p:spPr>
+        <p:txBody>
+          <a:bodyPr wrap="square">
+            <a:spAutoFit/>
+          </a:bodyPr>
+          <a:lstStyle/>
+          <a:p>
+            <a:pPr algn="r"/>
+            <a:r>
+              <a:rPr lang="en-US" altLang="ko-Kore-KR" dirty="0">
+                <a:latin typeface="DM Mono" panose="020B0509040201040103" pitchFamily="49" charset="0"/>
+              </a:rPr>
+              <a:t>x</a:t>
+            </a:r>
+            <a:endParaRPr lang="ko-Kore-KR" altLang="en-US" dirty="0"/>
+          </a:p>
+        </p:txBody>
+      </p:sp>
+      <p:sp>
+        <p:nvSpPr>
+          <p:cNvPr id="14" name="TextBox 13">
+            <a:extLst>
+              <a:ext uri="{FF2B5EF4-FFF2-40B4-BE49-F238E27FC236}">
+                <a16:creationId xmlns:a16="http://schemas.microsoft.com/office/drawing/2014/main" id="{278ECADC-890F-E502-8A7B-9B16D926A6E1}"/>
+              </a:ext>
+            </a:extLst>
+          </p:cNvPr>
+          <p:cNvSpPr txBox="1"/>
+          <p:nvPr/>
+        </p:nvSpPr>
+        <p:spPr>
+          <a:xfrm>
+            <a:off x="6002243" y="586198"/>
+            <a:ext cx="1785624" cy="369332"/>
+          </a:xfrm>
+          <a:prstGeom prst="rect">
+            <a:avLst/>
+          </a:prstGeom>
+          <a:noFill/>
+        </p:spPr>
+        <p:txBody>
+          <a:bodyPr wrap="square">
+            <a:spAutoFit/>
+          </a:bodyPr>
+          <a:lstStyle/>
+          <a:p>
+            <a:pPr algn="ctr"/>
+            <a:r>
+              <a:rPr lang="en-US" altLang="ko-Kore-KR" dirty="0">
+                <a:latin typeface="DM Mono" panose="020B0509040201040103" pitchFamily="49" charset="0"/>
+              </a:rPr>
+              <a:t>Shape s</a:t>
+            </a:r>
+            <a:endParaRPr lang="ko-Kore-KR" altLang="en-US" dirty="0"/>
+          </a:p>
+        </p:txBody>
+      </p:sp>
+      <p:sp>
+        <p:nvSpPr>
+          <p:cNvPr id="18" name="직사각형 17">
+            <a:extLst>
+              <a:ext uri="{FF2B5EF4-FFF2-40B4-BE49-F238E27FC236}">
+                <a16:creationId xmlns:a16="http://schemas.microsoft.com/office/drawing/2014/main" id="{173593CC-A733-FFBB-50F4-38FCFDCA6663}"/>
+              </a:ext>
+            </a:extLst>
+          </p:cNvPr>
+          <p:cNvSpPr/>
+          <p:nvPr/>
+        </p:nvSpPr>
+        <p:spPr>
+          <a:xfrm>
+            <a:off x="6492600" y="1906862"/>
+            <a:ext cx="804912" cy="482277"/>
+          </a:xfrm>
+          <a:prstGeom prst="rect">
+            <a:avLst/>
+          </a:prstGeom>
+          <a:solidFill>
+            <a:srgbClr val="FFFF00"/>
+          </a:solidFill>
+        </p:spPr>
+        <p:style>
+          <a:lnRef idx="2">
+            <a:schemeClr val="accent1">
+              <a:shade val="15000"/>
+            </a:schemeClr>
+          </a:lnRef>
+          <a:fillRef idx="1">
+            <a:schemeClr val="accent1"/>
+          </a:fillRef>
+          <a:effectRef idx="0">
+            <a:schemeClr val="accent1"/>
+          </a:effectRef>
+          <a:fontRef idx="minor">
+            <a:schemeClr val="lt1"/>
+          </a:fontRef>
+        </p:style>
+        <p:txBody>
+          <a:bodyPr rtlCol="0" anchor="ctr"/>
+          <a:lstStyle/>
+          <a:p>
+            <a:pPr algn="ctr"/>
+            <a:endParaRPr kumimoji="1" lang="ko-Kore-KR" altLang="en-US" sz="1600" dirty="0">
+              <a:solidFill>
+                <a:srgbClr val="FF0000"/>
+              </a:solidFill>
+              <a:latin typeface="DM Mono" panose="020B0509040201040103" pitchFamily="49" charset="0"/>
+            </a:endParaRPr>
+          </a:p>
+        </p:txBody>
+      </p:sp>
+      <p:sp>
+        <p:nvSpPr>
+          <p:cNvPr id="19" name="TextBox 18">
+            <a:extLst>
+              <a:ext uri="{FF2B5EF4-FFF2-40B4-BE49-F238E27FC236}">
+                <a16:creationId xmlns:a16="http://schemas.microsoft.com/office/drawing/2014/main" id="{8FDFD367-26B7-EF3D-1B2F-F5B193225391}"/>
+              </a:ext>
+            </a:extLst>
+          </p:cNvPr>
+          <p:cNvSpPr txBox="1"/>
+          <p:nvPr/>
+        </p:nvSpPr>
+        <p:spPr>
+          <a:xfrm>
+            <a:off x="5159993" y="1963334"/>
+            <a:ext cx="1332608" cy="369332"/>
+          </a:xfrm>
+          <a:prstGeom prst="rect">
+            <a:avLst/>
+          </a:prstGeom>
+          <a:noFill/>
+        </p:spPr>
+        <p:txBody>
+          <a:bodyPr wrap="square">
+            <a:spAutoFit/>
+          </a:bodyPr>
+          <a:lstStyle/>
+          <a:p>
+            <a:pPr algn="r"/>
+            <a:r>
+              <a:rPr lang="en-US" altLang="ko-Kore-KR" dirty="0">
+                <a:latin typeface="DM Mono" panose="020B0509040201040103" pitchFamily="49" charset="0"/>
+              </a:rPr>
+              <a:t>y</a:t>
+            </a:r>
+            <a:endParaRPr lang="ko-Kore-KR" altLang="en-US" dirty="0"/>
+          </a:p>
+        </p:txBody>
+      </p:sp>
+      <p:sp>
+        <p:nvSpPr>
+          <p:cNvPr id="24" name="TextBox 23">
+            <a:extLst>
+              <a:ext uri="{FF2B5EF4-FFF2-40B4-BE49-F238E27FC236}">
+                <a16:creationId xmlns:a16="http://schemas.microsoft.com/office/drawing/2014/main" id="{035ECE70-839E-7031-B873-C4C697AED6DB}"/>
+              </a:ext>
+            </a:extLst>
+          </p:cNvPr>
+          <p:cNvSpPr txBox="1"/>
+          <p:nvPr/>
+        </p:nvSpPr>
+        <p:spPr>
+          <a:xfrm>
+            <a:off x="6085642" y="3124936"/>
+            <a:ext cx="1785624" cy="369332"/>
+          </a:xfrm>
+          <a:prstGeom prst="rect">
+            <a:avLst/>
+          </a:prstGeom>
+          <a:noFill/>
+        </p:spPr>
+        <p:txBody>
+          <a:bodyPr wrap="square">
+            <a:spAutoFit/>
+          </a:bodyPr>
+          <a:lstStyle/>
+          <a:p>
+            <a:pPr algn="ctr"/>
+            <a:r>
+              <a:rPr lang="en-US" altLang="ko-Kore-KR" dirty="0" err="1">
+                <a:latin typeface="DM Mono" panose="020B0509040201040103" pitchFamily="49" charset="0"/>
+              </a:rPr>
+              <a:t>Rect</a:t>
+            </a:r>
+            <a:r>
+              <a:rPr lang="en-US" altLang="ko-Kore-KR" dirty="0">
+                <a:latin typeface="DM Mono" panose="020B0509040201040103" pitchFamily="49" charset="0"/>
+              </a:rPr>
+              <a:t> r</a:t>
+            </a:r>
+            <a:endParaRPr lang="ko-Kore-KR" altLang="en-US" dirty="0"/>
+          </a:p>
+        </p:txBody>
+      </p:sp>
+      <p:sp>
+        <p:nvSpPr>
+          <p:cNvPr id="27" name="직사각형 26">
+            <a:extLst>
+              <a:ext uri="{FF2B5EF4-FFF2-40B4-BE49-F238E27FC236}">
+                <a16:creationId xmlns:a16="http://schemas.microsoft.com/office/drawing/2014/main" id="{A197CF1D-876A-4993-E649-EC228CEF54C8}"/>
+              </a:ext>
+            </a:extLst>
+          </p:cNvPr>
+          <p:cNvSpPr/>
+          <p:nvPr/>
+        </p:nvSpPr>
+        <p:spPr>
+          <a:xfrm>
+            <a:off x="6572695" y="4915293"/>
+            <a:ext cx="804912" cy="482277"/>
+          </a:xfrm>
+          <a:prstGeom prst="rect">
+            <a:avLst/>
+          </a:prstGeom>
+          <a:solidFill>
+            <a:srgbClr val="FFFF00"/>
+          </a:solidFill>
+        </p:spPr>
+        <p:style>
+          <a:lnRef idx="2">
+            <a:schemeClr val="accent1">
+              <a:shade val="15000"/>
+            </a:schemeClr>
+          </a:lnRef>
+          <a:fillRef idx="1">
+            <a:schemeClr val="accent1"/>
+          </a:fillRef>
+          <a:effectRef idx="0">
+            <a:schemeClr val="accent1"/>
+          </a:effectRef>
+          <a:fontRef idx="minor">
+            <a:schemeClr val="lt1"/>
+          </a:fontRef>
+        </p:style>
+        <p:txBody>
+          <a:bodyPr rtlCol="0" anchor="ctr"/>
+          <a:lstStyle/>
+          <a:p>
+            <a:pPr algn="ctr"/>
+            <a:endParaRPr kumimoji="1" lang="ko-Kore-KR" altLang="en-US" sz="1600" dirty="0">
+              <a:solidFill>
+                <a:srgbClr val="FF0000"/>
+              </a:solidFill>
+              <a:latin typeface="DM Mono" panose="020B0509040201040103" pitchFamily="49" charset="0"/>
+            </a:endParaRPr>
+          </a:p>
+        </p:txBody>
+      </p:sp>
+      <p:sp>
+        <p:nvSpPr>
+          <p:cNvPr id="28" name="TextBox 27">
+            <a:extLst>
+              <a:ext uri="{FF2B5EF4-FFF2-40B4-BE49-F238E27FC236}">
+                <a16:creationId xmlns:a16="http://schemas.microsoft.com/office/drawing/2014/main" id="{A4DC667B-6709-FECC-2427-6DFD8F3A71F3}"/>
+              </a:ext>
+            </a:extLst>
+          </p:cNvPr>
+          <p:cNvSpPr txBox="1"/>
+          <p:nvPr/>
+        </p:nvSpPr>
+        <p:spPr>
+          <a:xfrm>
+            <a:off x="5240088" y="4971765"/>
+            <a:ext cx="1332608" cy="369332"/>
+          </a:xfrm>
+          <a:prstGeom prst="rect">
+            <a:avLst/>
+          </a:prstGeom>
+          <a:noFill/>
+        </p:spPr>
+        <p:txBody>
+          <a:bodyPr wrap="square">
+            <a:spAutoFit/>
+          </a:bodyPr>
+          <a:lstStyle/>
+          <a:p>
+            <a:pPr algn="r"/>
+            <a:r>
+              <a:rPr lang="en-US" altLang="ko-Kore-KR" dirty="0">
+                <a:latin typeface="DM Mono" panose="020B0509040201040103" pitchFamily="49" charset="0"/>
+              </a:rPr>
+              <a:t>width</a:t>
+            </a:r>
+            <a:endParaRPr lang="ko-Kore-KR" altLang="en-US" dirty="0"/>
+          </a:p>
+        </p:txBody>
+      </p:sp>
+      <p:sp>
+        <p:nvSpPr>
+          <p:cNvPr id="2" name="직사각형 1">
+            <a:extLst>
+              <a:ext uri="{FF2B5EF4-FFF2-40B4-BE49-F238E27FC236}">
+                <a16:creationId xmlns:a16="http://schemas.microsoft.com/office/drawing/2014/main" id="{10619A8F-C357-BE42-BC5D-2BE2CA9A8E40}"/>
+              </a:ext>
+            </a:extLst>
+          </p:cNvPr>
+          <p:cNvSpPr/>
+          <p:nvPr/>
+        </p:nvSpPr>
+        <p:spPr>
+          <a:xfrm>
+            <a:off x="6492600" y="968111"/>
+            <a:ext cx="804912" cy="482277"/>
+          </a:xfrm>
+          <a:prstGeom prst="rect">
+            <a:avLst/>
+          </a:prstGeom>
+          <a:solidFill>
+            <a:srgbClr val="92D050"/>
+          </a:solidFill>
+        </p:spPr>
+        <p:style>
+          <a:lnRef idx="2">
+            <a:schemeClr val="accent1">
+              <a:shade val="15000"/>
+            </a:schemeClr>
+          </a:lnRef>
+          <a:fillRef idx="1">
+            <a:schemeClr val="accent1"/>
+          </a:fillRef>
+          <a:effectRef idx="0">
+            <a:schemeClr val="accent1"/>
+          </a:effectRef>
+          <a:fontRef idx="minor">
+            <a:schemeClr val="lt1"/>
+          </a:fontRef>
+        </p:style>
+        <p:txBody>
+          <a:bodyPr rtlCol="0" anchor="ctr"/>
+          <a:lstStyle/>
+          <a:p>
+            <a:pPr algn="ctr"/>
+            <a:endParaRPr kumimoji="1" lang="ko-Kore-KR" altLang="en-US" sz="1600" dirty="0">
+              <a:solidFill>
+                <a:srgbClr val="FF0000"/>
+              </a:solidFill>
+              <a:latin typeface="DM Mono" panose="020B0509040201040103" pitchFamily="49" charset="0"/>
+            </a:endParaRPr>
+          </a:p>
+        </p:txBody>
+      </p:sp>
+      <p:sp>
+        <p:nvSpPr>
+          <p:cNvPr id="3" name="TextBox 2">
+            <a:extLst>
+              <a:ext uri="{FF2B5EF4-FFF2-40B4-BE49-F238E27FC236}">
+                <a16:creationId xmlns:a16="http://schemas.microsoft.com/office/drawing/2014/main" id="{82B825F6-DE14-B024-8E5F-0A21775C361F}"/>
+              </a:ext>
+            </a:extLst>
+          </p:cNvPr>
+          <p:cNvSpPr txBox="1"/>
+          <p:nvPr/>
+        </p:nvSpPr>
+        <p:spPr>
+          <a:xfrm>
+            <a:off x="5159993" y="1024583"/>
+            <a:ext cx="1332608" cy="369332"/>
+          </a:xfrm>
+          <a:prstGeom prst="rect">
+            <a:avLst/>
+          </a:prstGeom>
+          <a:noFill/>
+        </p:spPr>
+        <p:txBody>
+          <a:bodyPr wrap="square">
+            <a:spAutoFit/>
+          </a:bodyPr>
+          <a:lstStyle/>
+          <a:p>
+            <a:pPr algn="r"/>
+            <a:r>
+              <a:rPr lang="en-US" altLang="ko-Kore-KR" dirty="0" err="1">
+                <a:latin typeface="DM Mono" panose="020B0509040201040103" pitchFamily="49" charset="0"/>
+              </a:rPr>
+              <a:t>vfptr</a:t>
+            </a:r>
+            <a:endParaRPr lang="ko-Kore-KR" altLang="en-US" dirty="0"/>
+          </a:p>
+        </p:txBody>
+      </p:sp>
+      <p:sp>
+        <p:nvSpPr>
+          <p:cNvPr id="4" name="직사각형 3">
+            <a:extLst>
+              <a:ext uri="{FF2B5EF4-FFF2-40B4-BE49-F238E27FC236}">
+                <a16:creationId xmlns:a16="http://schemas.microsoft.com/office/drawing/2014/main" id="{B1EB09F4-DE7F-3E46-9041-A964728A1ED6}"/>
+              </a:ext>
+            </a:extLst>
+          </p:cNvPr>
+          <p:cNvSpPr/>
+          <p:nvPr/>
+        </p:nvSpPr>
+        <p:spPr>
+          <a:xfrm>
+            <a:off x="6572696" y="3950744"/>
+            <a:ext cx="804912" cy="482277"/>
+          </a:xfrm>
+          <a:prstGeom prst="rect">
+            <a:avLst/>
+          </a:prstGeom>
+          <a:solidFill>
+            <a:srgbClr val="FFFF00"/>
+          </a:solidFill>
+        </p:spPr>
+        <p:style>
+          <a:lnRef idx="2">
+            <a:schemeClr val="accent1">
+              <a:shade val="15000"/>
+            </a:schemeClr>
+          </a:lnRef>
+          <a:fillRef idx="1">
+            <a:schemeClr val="accent1"/>
+          </a:fillRef>
+          <a:effectRef idx="0">
+            <a:schemeClr val="accent1"/>
+          </a:effectRef>
+          <a:fontRef idx="minor">
+            <a:schemeClr val="lt1"/>
+          </a:fontRef>
+        </p:style>
+        <p:txBody>
+          <a:bodyPr rtlCol="0" anchor="ctr"/>
+          <a:lstStyle/>
+          <a:p>
+            <a:pPr algn="ctr"/>
+            <a:endParaRPr kumimoji="1" lang="ko-Kore-KR" altLang="en-US" sz="1600" dirty="0">
+              <a:solidFill>
+                <a:srgbClr val="FF0000"/>
+              </a:solidFill>
+              <a:latin typeface="DM Mono" panose="020B0509040201040103" pitchFamily="49" charset="0"/>
+            </a:endParaRPr>
+          </a:p>
+        </p:txBody>
+      </p:sp>
+      <p:sp>
+        <p:nvSpPr>
+          <p:cNvPr id="5" name="TextBox 4">
+            <a:extLst>
+              <a:ext uri="{FF2B5EF4-FFF2-40B4-BE49-F238E27FC236}">
+                <a16:creationId xmlns:a16="http://schemas.microsoft.com/office/drawing/2014/main" id="{7089E841-C150-3DE2-96B0-F7D01956F648}"/>
+              </a:ext>
+            </a:extLst>
+          </p:cNvPr>
+          <p:cNvSpPr txBox="1"/>
+          <p:nvPr/>
+        </p:nvSpPr>
+        <p:spPr>
+          <a:xfrm>
+            <a:off x="5240089" y="4007216"/>
+            <a:ext cx="1332608" cy="369332"/>
+          </a:xfrm>
+          <a:prstGeom prst="rect">
+            <a:avLst/>
+          </a:prstGeom>
+          <a:noFill/>
+        </p:spPr>
+        <p:txBody>
+          <a:bodyPr wrap="square">
+            <a:spAutoFit/>
+          </a:bodyPr>
+          <a:lstStyle/>
+          <a:p>
+            <a:pPr algn="r"/>
+            <a:r>
+              <a:rPr lang="en-US" altLang="ko-Kore-KR" dirty="0">
+                <a:latin typeface="DM Mono" panose="020B0509040201040103" pitchFamily="49" charset="0"/>
+              </a:rPr>
+              <a:t>x</a:t>
+            </a:r>
+            <a:endParaRPr lang="ko-Kore-KR" altLang="en-US" dirty="0"/>
+          </a:p>
+        </p:txBody>
+      </p:sp>
+      <p:sp>
+        <p:nvSpPr>
+          <p:cNvPr id="6" name="직사각형 5">
+            <a:extLst>
+              <a:ext uri="{FF2B5EF4-FFF2-40B4-BE49-F238E27FC236}">
+                <a16:creationId xmlns:a16="http://schemas.microsoft.com/office/drawing/2014/main" id="{5FEAD076-0042-5FBA-35EE-2334F021B316}"/>
+              </a:ext>
+            </a:extLst>
+          </p:cNvPr>
+          <p:cNvSpPr/>
+          <p:nvPr/>
+        </p:nvSpPr>
+        <p:spPr>
+          <a:xfrm>
+            <a:off x="6572696" y="4433019"/>
+            <a:ext cx="804912" cy="482277"/>
+          </a:xfrm>
+          <a:prstGeom prst="rect">
+            <a:avLst/>
+          </a:prstGeom>
+          <a:solidFill>
+            <a:srgbClr val="FFFF00"/>
+          </a:solidFill>
+        </p:spPr>
+        <p:style>
+          <a:lnRef idx="2">
+            <a:schemeClr val="accent1">
+              <a:shade val="15000"/>
+            </a:schemeClr>
+          </a:lnRef>
+          <a:fillRef idx="1">
+            <a:schemeClr val="accent1"/>
+          </a:fillRef>
+          <a:effectRef idx="0">
+            <a:schemeClr val="accent1"/>
+          </a:effectRef>
+          <a:fontRef idx="minor">
+            <a:schemeClr val="lt1"/>
+          </a:fontRef>
+        </p:style>
+        <p:txBody>
+          <a:bodyPr rtlCol="0" anchor="ctr"/>
+          <a:lstStyle/>
+          <a:p>
+            <a:pPr algn="ctr"/>
+            <a:endParaRPr kumimoji="1" lang="ko-Kore-KR" altLang="en-US" sz="1600" dirty="0">
+              <a:solidFill>
+                <a:srgbClr val="FF0000"/>
+              </a:solidFill>
+              <a:latin typeface="DM Mono" panose="020B0509040201040103" pitchFamily="49" charset="0"/>
+            </a:endParaRPr>
+          </a:p>
+        </p:txBody>
+      </p:sp>
+      <p:sp>
+        <p:nvSpPr>
+          <p:cNvPr id="7" name="TextBox 6">
+            <a:extLst>
+              <a:ext uri="{FF2B5EF4-FFF2-40B4-BE49-F238E27FC236}">
+                <a16:creationId xmlns:a16="http://schemas.microsoft.com/office/drawing/2014/main" id="{049D9E54-60CD-ADD1-DB9F-17BF87999098}"/>
+              </a:ext>
+            </a:extLst>
+          </p:cNvPr>
+          <p:cNvSpPr txBox="1"/>
+          <p:nvPr/>
+        </p:nvSpPr>
+        <p:spPr>
+          <a:xfrm>
+            <a:off x="5240089" y="4489491"/>
+            <a:ext cx="1332608" cy="369332"/>
+          </a:xfrm>
+          <a:prstGeom prst="rect">
+            <a:avLst/>
+          </a:prstGeom>
+          <a:noFill/>
+        </p:spPr>
+        <p:txBody>
+          <a:bodyPr wrap="square">
+            <a:spAutoFit/>
+          </a:bodyPr>
+          <a:lstStyle/>
+          <a:p>
+            <a:pPr algn="r"/>
+            <a:r>
+              <a:rPr lang="en-US" altLang="ko-Kore-KR" dirty="0">
+                <a:latin typeface="DM Mono" panose="020B0509040201040103" pitchFamily="49" charset="0"/>
+              </a:rPr>
+              <a:t>y</a:t>
+            </a:r>
+            <a:endParaRPr lang="ko-Kore-KR" altLang="en-US" dirty="0"/>
+          </a:p>
+        </p:txBody>
+      </p:sp>
+      <p:sp>
+        <p:nvSpPr>
+          <p:cNvPr id="8" name="직사각형 7">
+            <a:extLst>
+              <a:ext uri="{FF2B5EF4-FFF2-40B4-BE49-F238E27FC236}">
+                <a16:creationId xmlns:a16="http://schemas.microsoft.com/office/drawing/2014/main" id="{A9BDD7D5-246E-79A0-3B72-9271FBF8E893}"/>
+              </a:ext>
+            </a:extLst>
+          </p:cNvPr>
+          <p:cNvSpPr/>
+          <p:nvPr/>
+        </p:nvSpPr>
+        <p:spPr>
+          <a:xfrm>
+            <a:off x="6572696" y="3494268"/>
+            <a:ext cx="804912" cy="482277"/>
+          </a:xfrm>
+          <a:prstGeom prst="rect">
+            <a:avLst/>
+          </a:prstGeom>
+          <a:solidFill>
+            <a:srgbClr val="92D050"/>
+          </a:solidFill>
+        </p:spPr>
+        <p:style>
+          <a:lnRef idx="2">
+            <a:schemeClr val="accent1">
+              <a:shade val="15000"/>
+            </a:schemeClr>
+          </a:lnRef>
+          <a:fillRef idx="1">
+            <a:schemeClr val="accent1"/>
+          </a:fillRef>
+          <a:effectRef idx="0">
+            <a:schemeClr val="accent1"/>
+          </a:effectRef>
+          <a:fontRef idx="minor">
+            <a:schemeClr val="lt1"/>
+          </a:fontRef>
+        </p:style>
+        <p:txBody>
+          <a:bodyPr rtlCol="0" anchor="ctr"/>
+          <a:lstStyle/>
+          <a:p>
+            <a:pPr algn="ctr"/>
+            <a:endParaRPr kumimoji="1" lang="ko-Kore-KR" altLang="en-US" sz="1600" dirty="0">
+              <a:solidFill>
+                <a:srgbClr val="FF0000"/>
+              </a:solidFill>
+              <a:latin typeface="DM Mono" panose="020B0509040201040103" pitchFamily="49" charset="0"/>
+            </a:endParaRPr>
+          </a:p>
+        </p:txBody>
+      </p:sp>
+      <p:sp>
+        <p:nvSpPr>
+          <p:cNvPr id="9" name="TextBox 8">
+            <a:extLst>
+              <a:ext uri="{FF2B5EF4-FFF2-40B4-BE49-F238E27FC236}">
+                <a16:creationId xmlns:a16="http://schemas.microsoft.com/office/drawing/2014/main" id="{58DE652F-C782-9F77-C610-A4773BDCE596}"/>
+              </a:ext>
+            </a:extLst>
+          </p:cNvPr>
+          <p:cNvSpPr txBox="1"/>
+          <p:nvPr/>
+        </p:nvSpPr>
+        <p:spPr>
+          <a:xfrm>
+            <a:off x="5240089" y="3550740"/>
+            <a:ext cx="1332608" cy="369332"/>
+          </a:xfrm>
+          <a:prstGeom prst="rect">
+            <a:avLst/>
+          </a:prstGeom>
+          <a:noFill/>
+        </p:spPr>
+        <p:txBody>
+          <a:bodyPr wrap="square">
+            <a:spAutoFit/>
+          </a:bodyPr>
+          <a:lstStyle/>
+          <a:p>
+            <a:pPr algn="r"/>
+            <a:r>
+              <a:rPr lang="en-US" altLang="ko-Kore-KR" dirty="0" err="1">
+                <a:latin typeface="DM Mono" panose="020B0509040201040103" pitchFamily="49" charset="0"/>
+              </a:rPr>
+              <a:t>vfptr</a:t>
+            </a:r>
+            <a:endParaRPr lang="ko-Kore-KR" altLang="en-US" dirty="0"/>
+          </a:p>
+        </p:txBody>
+      </p:sp>
+      <p:sp>
+        <p:nvSpPr>
+          <p:cNvPr id="10" name="직사각형 9">
+            <a:extLst>
+              <a:ext uri="{FF2B5EF4-FFF2-40B4-BE49-F238E27FC236}">
+                <a16:creationId xmlns:a16="http://schemas.microsoft.com/office/drawing/2014/main" id="{2C1CE4C2-5AAD-66EE-2A88-1D2CEC175FC0}"/>
+              </a:ext>
+            </a:extLst>
+          </p:cNvPr>
+          <p:cNvSpPr/>
+          <p:nvPr/>
+        </p:nvSpPr>
+        <p:spPr>
+          <a:xfrm>
+            <a:off x="9741450" y="714392"/>
+            <a:ext cx="1636792" cy="369332"/>
+          </a:xfrm>
+          <a:prstGeom prst="rect">
+            <a:avLst/>
+          </a:prstGeom>
+          <a:solidFill>
+            <a:srgbClr val="FFFF00"/>
+          </a:solidFill>
+        </p:spPr>
+        <p:style>
+          <a:lnRef idx="2">
+            <a:schemeClr val="accent1">
+              <a:shade val="15000"/>
+            </a:schemeClr>
+          </a:lnRef>
+          <a:fillRef idx="1">
+            <a:schemeClr val="accent1"/>
+          </a:fillRef>
+          <a:effectRef idx="0">
+            <a:schemeClr val="accent1"/>
+          </a:effectRef>
+          <a:fontRef idx="minor">
+            <a:schemeClr val="lt1"/>
+          </a:fontRef>
+        </p:style>
+        <p:txBody>
+          <a:bodyPr rtlCol="0" anchor="ctr"/>
+          <a:lstStyle/>
+          <a:p>
+            <a:pPr algn="ctr"/>
+            <a:r>
+              <a:rPr kumimoji="1" lang="en-US" altLang="ko-Kore-KR" sz="1600" dirty="0">
+                <a:solidFill>
+                  <a:srgbClr val="FF0000"/>
+                </a:solidFill>
+                <a:latin typeface="DM Mono" panose="020B0509040201040103" pitchFamily="49" charset="0"/>
+              </a:rPr>
+              <a:t>Shape::Draw</a:t>
+            </a:r>
+            <a:endParaRPr kumimoji="1" lang="ko-Kore-KR" altLang="en-US" sz="1600" dirty="0">
+              <a:solidFill>
+                <a:srgbClr val="FF0000"/>
+              </a:solidFill>
+              <a:latin typeface="DM Mono" panose="020B0509040201040103" pitchFamily="49" charset="0"/>
+            </a:endParaRPr>
+          </a:p>
+        </p:txBody>
+      </p:sp>
+      <p:sp>
+        <p:nvSpPr>
+          <p:cNvPr id="15" name="TextBox 14">
+            <a:extLst>
+              <a:ext uri="{FF2B5EF4-FFF2-40B4-BE49-F238E27FC236}">
+                <a16:creationId xmlns:a16="http://schemas.microsoft.com/office/drawing/2014/main" id="{DAAC1793-654A-03AD-8749-BEE4CB507FA7}"/>
+              </a:ext>
+            </a:extLst>
+          </p:cNvPr>
+          <p:cNvSpPr txBox="1"/>
+          <p:nvPr/>
+        </p:nvSpPr>
+        <p:spPr>
+          <a:xfrm>
+            <a:off x="9213012" y="375838"/>
+            <a:ext cx="2676372" cy="338554"/>
+          </a:xfrm>
+          <a:prstGeom prst="rect">
+            <a:avLst/>
+          </a:prstGeom>
+          <a:noFill/>
+        </p:spPr>
+        <p:txBody>
+          <a:bodyPr wrap="square">
+            <a:spAutoFit/>
+          </a:bodyPr>
+          <a:lstStyle/>
+          <a:p>
+            <a:pPr algn="ctr"/>
+            <a:r>
+              <a:rPr lang="en-US" altLang="ko-Kore-KR" sz="1600" dirty="0">
+                <a:latin typeface="DM Mono" panose="020B0509040201040103" pitchFamily="49" charset="0"/>
+              </a:rPr>
+              <a:t>Shape </a:t>
+            </a:r>
+            <a:r>
+              <a:rPr lang="ko-Kore-KR" altLang="en-US" sz="1600" dirty="0">
+                <a:latin typeface="DM Mono" panose="020B0509040201040103" pitchFamily="49" charset="0"/>
+              </a:rPr>
+              <a:t>가상함수테이블</a:t>
+            </a:r>
+            <a:endParaRPr lang="ko-Kore-KR" altLang="en-US" sz="1600" dirty="0"/>
+          </a:p>
+        </p:txBody>
+      </p:sp>
+      <p:cxnSp>
+        <p:nvCxnSpPr>
+          <p:cNvPr id="17" name="구부러진 연결선[U] 16">
+            <a:extLst>
+              <a:ext uri="{FF2B5EF4-FFF2-40B4-BE49-F238E27FC236}">
+                <a16:creationId xmlns:a16="http://schemas.microsoft.com/office/drawing/2014/main" id="{EC2DE797-7EA1-1CBE-18A3-C8ACBBC9B79E}"/>
+              </a:ext>
+            </a:extLst>
+          </p:cNvPr>
+          <p:cNvCxnSpPr>
+            <a:stCxn id="2" idx="3"/>
+            <a:endCxn id="10" idx="1"/>
+          </p:cNvCxnSpPr>
+          <p:nvPr/>
+        </p:nvCxnSpPr>
+        <p:spPr>
+          <a:xfrm flipV="1">
+            <a:off x="7297512" y="899058"/>
+            <a:ext cx="2443938" cy="310192"/>
+          </a:xfrm>
+          <a:prstGeom prst="curvedConnector3">
+            <a:avLst/>
+          </a:prstGeom>
+          <a:ln w="12700">
+            <a:tailEnd type="triangle"/>
+          </a:ln>
+        </p:spPr>
+        <p:style>
+          <a:lnRef idx="1">
+            <a:schemeClr val="dk1"/>
+          </a:lnRef>
+          <a:fillRef idx="0">
+            <a:schemeClr val="dk1"/>
+          </a:fillRef>
+          <a:effectRef idx="0">
+            <a:schemeClr val="dk1"/>
+          </a:effectRef>
+          <a:fontRef idx="minor">
+            <a:schemeClr val="tx1"/>
+          </a:fontRef>
+        </p:style>
+      </p:cxnSp>
+      <p:sp>
+        <p:nvSpPr>
+          <p:cNvPr id="20" name="직사각형 19">
+            <a:extLst>
+              <a:ext uri="{FF2B5EF4-FFF2-40B4-BE49-F238E27FC236}">
+                <a16:creationId xmlns:a16="http://schemas.microsoft.com/office/drawing/2014/main" id="{1169F488-BD0F-B250-5150-5E76860A18D5}"/>
+              </a:ext>
+            </a:extLst>
+          </p:cNvPr>
+          <p:cNvSpPr/>
+          <p:nvPr/>
+        </p:nvSpPr>
+        <p:spPr>
+          <a:xfrm>
+            <a:off x="9741015" y="3126667"/>
+            <a:ext cx="1636792" cy="369332"/>
+          </a:xfrm>
+          <a:prstGeom prst="rect">
+            <a:avLst/>
+          </a:prstGeom>
+          <a:solidFill>
+            <a:srgbClr val="FFFF00"/>
+          </a:solidFill>
+        </p:spPr>
+        <p:style>
+          <a:lnRef idx="2">
+            <a:schemeClr val="accent1">
+              <a:shade val="15000"/>
+            </a:schemeClr>
+          </a:lnRef>
+          <a:fillRef idx="1">
+            <a:schemeClr val="accent1"/>
+          </a:fillRef>
+          <a:effectRef idx="0">
+            <a:schemeClr val="accent1"/>
+          </a:effectRef>
+          <a:fontRef idx="minor">
+            <a:schemeClr val="lt1"/>
+          </a:fontRef>
+        </p:style>
+        <p:txBody>
+          <a:bodyPr rtlCol="0" anchor="ctr"/>
+          <a:lstStyle/>
+          <a:p>
+            <a:pPr algn="ctr"/>
+            <a:r>
+              <a:rPr kumimoji="1" lang="en-US" altLang="ko-Kore-KR" sz="1600" dirty="0">
+                <a:solidFill>
+                  <a:srgbClr val="FF0000"/>
+                </a:solidFill>
+                <a:latin typeface="DM Mono" panose="020B0509040201040103" pitchFamily="49" charset="0"/>
+              </a:rPr>
+              <a:t>Shape::Draw</a:t>
+            </a:r>
+            <a:endParaRPr kumimoji="1" lang="ko-Kore-KR" altLang="en-US" sz="1600" dirty="0">
+              <a:solidFill>
+                <a:srgbClr val="FF0000"/>
+              </a:solidFill>
+              <a:latin typeface="DM Mono" panose="020B0509040201040103" pitchFamily="49" charset="0"/>
+            </a:endParaRPr>
+          </a:p>
+        </p:txBody>
+      </p:sp>
+      <p:sp>
+        <p:nvSpPr>
+          <p:cNvPr id="21" name="TextBox 20">
+            <a:extLst>
+              <a:ext uri="{FF2B5EF4-FFF2-40B4-BE49-F238E27FC236}">
+                <a16:creationId xmlns:a16="http://schemas.microsoft.com/office/drawing/2014/main" id="{757E5667-53AD-D83A-F496-D8B25BF0DF26}"/>
+              </a:ext>
+            </a:extLst>
+          </p:cNvPr>
+          <p:cNvSpPr txBox="1"/>
+          <p:nvPr/>
+        </p:nvSpPr>
+        <p:spPr>
+          <a:xfrm>
+            <a:off x="9212577" y="2788113"/>
+            <a:ext cx="2676372" cy="338554"/>
+          </a:xfrm>
+          <a:prstGeom prst="rect">
+            <a:avLst/>
+          </a:prstGeom>
+          <a:noFill/>
+        </p:spPr>
+        <p:txBody>
+          <a:bodyPr wrap="square">
+            <a:spAutoFit/>
+          </a:bodyPr>
+          <a:lstStyle/>
+          <a:p>
+            <a:pPr algn="ctr"/>
+            <a:r>
+              <a:rPr lang="en-US" altLang="ko-Kore-KR" sz="1600" dirty="0" err="1">
+                <a:latin typeface="DM Mono" panose="020B0509040201040103" pitchFamily="49" charset="0"/>
+              </a:rPr>
+              <a:t>Rect</a:t>
+            </a:r>
+            <a:r>
+              <a:rPr lang="en-US" altLang="ko-Kore-KR" sz="1600" dirty="0">
+                <a:latin typeface="DM Mono" panose="020B0509040201040103" pitchFamily="49" charset="0"/>
+              </a:rPr>
+              <a:t> </a:t>
+            </a:r>
+            <a:r>
+              <a:rPr lang="ko-Kore-KR" altLang="en-US" sz="1600" dirty="0">
+                <a:latin typeface="DM Mono" panose="020B0509040201040103" pitchFamily="49" charset="0"/>
+              </a:rPr>
+              <a:t>가상함수테이블</a:t>
+            </a:r>
+            <a:endParaRPr lang="ko-Kore-KR" altLang="en-US" sz="1600" dirty="0"/>
+          </a:p>
+        </p:txBody>
+      </p:sp>
+      <p:cxnSp>
+        <p:nvCxnSpPr>
+          <p:cNvPr id="29" name="구부러진 연결선[U] 28">
+            <a:extLst>
+              <a:ext uri="{FF2B5EF4-FFF2-40B4-BE49-F238E27FC236}">
+                <a16:creationId xmlns:a16="http://schemas.microsoft.com/office/drawing/2014/main" id="{74C160F0-B244-68DD-DC37-8CD156E3A372}"/>
+              </a:ext>
+            </a:extLst>
+          </p:cNvPr>
+          <p:cNvCxnSpPr>
+            <a:cxnSpLocks/>
+            <a:stCxn id="8" idx="3"/>
+            <a:endCxn id="20" idx="1"/>
+          </p:cNvCxnSpPr>
+          <p:nvPr/>
+        </p:nvCxnSpPr>
+        <p:spPr>
+          <a:xfrm flipV="1">
+            <a:off x="7377608" y="3311333"/>
+            <a:ext cx="2363407" cy="424074"/>
+          </a:xfrm>
+          <a:prstGeom prst="curvedConnector3">
+            <a:avLst>
+              <a:gd name="adj1" fmla="val 50000"/>
+            </a:avLst>
+          </a:prstGeom>
+          <a:ln w="12700">
+            <a:tailEnd type="triangle"/>
+          </a:ln>
+        </p:spPr>
+        <p:style>
+          <a:lnRef idx="1">
+            <a:schemeClr val="dk1"/>
+          </a:lnRef>
+          <a:fillRef idx="0">
+            <a:schemeClr val="dk1"/>
+          </a:fillRef>
+          <a:effectRef idx="0">
+            <a:schemeClr val="dk1"/>
+          </a:effectRef>
+          <a:fontRef idx="minor">
+            <a:schemeClr val="tx1"/>
+          </a:fontRef>
+        </p:style>
+      </p:cxnSp>
+      <p:sp>
+        <p:nvSpPr>
+          <p:cNvPr id="32" name="직사각형 31">
+            <a:extLst>
+              <a:ext uri="{FF2B5EF4-FFF2-40B4-BE49-F238E27FC236}">
+                <a16:creationId xmlns:a16="http://schemas.microsoft.com/office/drawing/2014/main" id="{EF9329E6-CF51-D343-E139-6811F75EA3F5}"/>
+              </a:ext>
+            </a:extLst>
+          </p:cNvPr>
+          <p:cNvSpPr/>
+          <p:nvPr/>
+        </p:nvSpPr>
+        <p:spPr>
+          <a:xfrm>
+            <a:off x="8170092" y="2070665"/>
+            <a:ext cx="804912" cy="482277"/>
+          </a:xfrm>
+          <a:prstGeom prst="rect">
+            <a:avLst/>
+          </a:prstGeom>
+          <a:solidFill>
+            <a:srgbClr val="FFFF00"/>
+          </a:solidFill>
+        </p:spPr>
+        <p:style>
+          <a:lnRef idx="2">
+            <a:schemeClr val="accent1">
+              <a:shade val="15000"/>
+            </a:schemeClr>
+          </a:lnRef>
+          <a:fillRef idx="1">
+            <a:schemeClr val="accent1"/>
+          </a:fillRef>
+          <a:effectRef idx="0">
+            <a:schemeClr val="accent1"/>
+          </a:effectRef>
+          <a:fontRef idx="minor">
+            <a:schemeClr val="lt1"/>
+          </a:fontRef>
+        </p:style>
+        <p:txBody>
+          <a:bodyPr rtlCol="0" anchor="ctr"/>
+          <a:lstStyle/>
+          <a:p>
+            <a:pPr algn="ctr"/>
+            <a:endParaRPr kumimoji="1" lang="ko-Kore-KR" altLang="en-US" sz="1600" dirty="0">
+              <a:solidFill>
+                <a:srgbClr val="FF0000"/>
+              </a:solidFill>
+              <a:latin typeface="DM Mono" panose="020B0509040201040103" pitchFamily="49" charset="0"/>
+            </a:endParaRPr>
+          </a:p>
+        </p:txBody>
+      </p:sp>
+      <p:sp>
+        <p:nvSpPr>
+          <p:cNvPr id="33" name="TextBox 32">
+            <a:extLst>
+              <a:ext uri="{FF2B5EF4-FFF2-40B4-BE49-F238E27FC236}">
+                <a16:creationId xmlns:a16="http://schemas.microsoft.com/office/drawing/2014/main" id="{C824D7FE-07E5-DC6D-62F3-E657A913AEF8}"/>
+              </a:ext>
+            </a:extLst>
+          </p:cNvPr>
+          <p:cNvSpPr txBox="1"/>
+          <p:nvPr/>
+        </p:nvSpPr>
+        <p:spPr>
+          <a:xfrm>
+            <a:off x="6837485" y="2127137"/>
+            <a:ext cx="1332608" cy="369332"/>
+          </a:xfrm>
+          <a:prstGeom prst="rect">
+            <a:avLst/>
+          </a:prstGeom>
+          <a:noFill/>
+        </p:spPr>
+        <p:txBody>
+          <a:bodyPr wrap="square">
+            <a:spAutoFit/>
+          </a:bodyPr>
+          <a:lstStyle/>
+          <a:p>
+            <a:pPr algn="r"/>
+            <a:r>
+              <a:rPr lang="en-US" altLang="ko-Kore-KR" dirty="0">
+                <a:latin typeface="DM Mono" panose="020B0509040201040103" pitchFamily="49" charset="0"/>
+              </a:rPr>
+              <a:t>x</a:t>
+            </a:r>
+            <a:endParaRPr lang="ko-Kore-KR" altLang="en-US" dirty="0"/>
+          </a:p>
+        </p:txBody>
+      </p:sp>
+      <p:sp>
+        <p:nvSpPr>
+          <p:cNvPr id="34" name="TextBox 33">
+            <a:extLst>
+              <a:ext uri="{FF2B5EF4-FFF2-40B4-BE49-F238E27FC236}">
+                <a16:creationId xmlns:a16="http://schemas.microsoft.com/office/drawing/2014/main" id="{D9BE78D3-3CAA-E805-5A4D-E14AA2DBA4F7}"/>
+              </a:ext>
+            </a:extLst>
+          </p:cNvPr>
+          <p:cNvSpPr txBox="1"/>
+          <p:nvPr/>
+        </p:nvSpPr>
+        <p:spPr>
+          <a:xfrm>
+            <a:off x="7679735" y="1232276"/>
+            <a:ext cx="1785624" cy="369332"/>
+          </a:xfrm>
+          <a:prstGeom prst="rect">
+            <a:avLst/>
+          </a:prstGeom>
+          <a:noFill/>
+        </p:spPr>
+        <p:txBody>
+          <a:bodyPr wrap="square">
+            <a:spAutoFit/>
+          </a:bodyPr>
+          <a:lstStyle/>
+          <a:p>
+            <a:pPr algn="ctr"/>
+            <a:r>
+              <a:rPr lang="en-US" altLang="ko-Kore-KR" dirty="0">
+                <a:latin typeface="DM Mono" panose="020B0509040201040103" pitchFamily="49" charset="0"/>
+              </a:rPr>
+              <a:t>Shape s</a:t>
+            </a:r>
+            <a:endParaRPr lang="ko-Kore-KR" altLang="en-US" dirty="0"/>
+          </a:p>
+        </p:txBody>
+      </p:sp>
+      <p:sp>
+        <p:nvSpPr>
+          <p:cNvPr id="35" name="직사각형 34">
+            <a:extLst>
+              <a:ext uri="{FF2B5EF4-FFF2-40B4-BE49-F238E27FC236}">
+                <a16:creationId xmlns:a16="http://schemas.microsoft.com/office/drawing/2014/main" id="{5C667D19-CD47-6DEF-4883-E8F97AD501C9}"/>
+              </a:ext>
+            </a:extLst>
+          </p:cNvPr>
+          <p:cNvSpPr/>
+          <p:nvPr/>
+        </p:nvSpPr>
+        <p:spPr>
+          <a:xfrm>
+            <a:off x="8170092" y="2552940"/>
+            <a:ext cx="804912" cy="482277"/>
+          </a:xfrm>
+          <a:prstGeom prst="rect">
+            <a:avLst/>
+          </a:prstGeom>
+          <a:solidFill>
+            <a:srgbClr val="FFFF00"/>
+          </a:solidFill>
+        </p:spPr>
+        <p:style>
+          <a:lnRef idx="2">
+            <a:schemeClr val="accent1">
+              <a:shade val="15000"/>
+            </a:schemeClr>
+          </a:lnRef>
+          <a:fillRef idx="1">
+            <a:schemeClr val="accent1"/>
+          </a:fillRef>
+          <a:effectRef idx="0">
+            <a:schemeClr val="accent1"/>
+          </a:effectRef>
+          <a:fontRef idx="minor">
+            <a:schemeClr val="lt1"/>
+          </a:fontRef>
+        </p:style>
+        <p:txBody>
+          <a:bodyPr rtlCol="0" anchor="ctr"/>
+          <a:lstStyle/>
+          <a:p>
+            <a:pPr algn="ctr"/>
+            <a:endParaRPr kumimoji="1" lang="ko-Kore-KR" altLang="en-US" sz="1600" dirty="0">
+              <a:solidFill>
+                <a:srgbClr val="FF0000"/>
+              </a:solidFill>
+              <a:latin typeface="DM Mono" panose="020B0509040201040103" pitchFamily="49" charset="0"/>
+            </a:endParaRPr>
+          </a:p>
+        </p:txBody>
+      </p:sp>
+      <p:sp>
+        <p:nvSpPr>
+          <p:cNvPr id="36" name="TextBox 35">
+            <a:extLst>
+              <a:ext uri="{FF2B5EF4-FFF2-40B4-BE49-F238E27FC236}">
+                <a16:creationId xmlns:a16="http://schemas.microsoft.com/office/drawing/2014/main" id="{5BC24F0E-4DA6-E1E1-41CE-385ED8811DDA}"/>
+              </a:ext>
+            </a:extLst>
+          </p:cNvPr>
+          <p:cNvSpPr txBox="1"/>
+          <p:nvPr/>
+        </p:nvSpPr>
+        <p:spPr>
+          <a:xfrm>
+            <a:off x="6837485" y="2609412"/>
+            <a:ext cx="1332608" cy="369332"/>
+          </a:xfrm>
+          <a:prstGeom prst="rect">
+            <a:avLst/>
+          </a:prstGeom>
+          <a:noFill/>
+        </p:spPr>
+        <p:txBody>
+          <a:bodyPr wrap="square">
+            <a:spAutoFit/>
+          </a:bodyPr>
+          <a:lstStyle/>
+          <a:p>
+            <a:pPr algn="r"/>
+            <a:r>
+              <a:rPr lang="en-US" altLang="ko-Kore-KR" dirty="0">
+                <a:latin typeface="DM Mono" panose="020B0509040201040103" pitchFamily="49" charset="0"/>
+              </a:rPr>
+              <a:t>y</a:t>
+            </a:r>
+            <a:endParaRPr lang="ko-Kore-KR" altLang="en-US" dirty="0"/>
+          </a:p>
+        </p:txBody>
+      </p:sp>
+      <p:sp>
+        <p:nvSpPr>
+          <p:cNvPr id="37" name="직사각형 36">
+            <a:extLst>
+              <a:ext uri="{FF2B5EF4-FFF2-40B4-BE49-F238E27FC236}">
+                <a16:creationId xmlns:a16="http://schemas.microsoft.com/office/drawing/2014/main" id="{F8BEFA88-6752-86E0-1406-AE660FBF536F}"/>
+              </a:ext>
+            </a:extLst>
+          </p:cNvPr>
+          <p:cNvSpPr/>
+          <p:nvPr/>
+        </p:nvSpPr>
+        <p:spPr>
+          <a:xfrm>
+            <a:off x="8170092" y="1614189"/>
+            <a:ext cx="804912" cy="482277"/>
+          </a:xfrm>
+          <a:prstGeom prst="rect">
+            <a:avLst/>
+          </a:prstGeom>
+          <a:solidFill>
+            <a:srgbClr val="92D050"/>
+          </a:solidFill>
+        </p:spPr>
+        <p:style>
+          <a:lnRef idx="2">
+            <a:schemeClr val="accent1">
+              <a:shade val="15000"/>
+            </a:schemeClr>
+          </a:lnRef>
+          <a:fillRef idx="1">
+            <a:schemeClr val="accent1"/>
+          </a:fillRef>
+          <a:effectRef idx="0">
+            <a:schemeClr val="accent1"/>
+          </a:effectRef>
+          <a:fontRef idx="minor">
+            <a:schemeClr val="lt1"/>
+          </a:fontRef>
+        </p:style>
+        <p:txBody>
+          <a:bodyPr rtlCol="0" anchor="ctr"/>
+          <a:lstStyle/>
+          <a:p>
+            <a:pPr algn="ctr"/>
+            <a:endParaRPr kumimoji="1" lang="ko-Kore-KR" altLang="en-US" sz="1600" dirty="0">
+              <a:solidFill>
+                <a:srgbClr val="FF0000"/>
+              </a:solidFill>
+              <a:latin typeface="DM Mono" panose="020B0509040201040103" pitchFamily="49" charset="0"/>
+            </a:endParaRPr>
+          </a:p>
+        </p:txBody>
+      </p:sp>
+      <p:sp>
+        <p:nvSpPr>
+          <p:cNvPr id="38" name="TextBox 37">
+            <a:extLst>
+              <a:ext uri="{FF2B5EF4-FFF2-40B4-BE49-F238E27FC236}">
+                <a16:creationId xmlns:a16="http://schemas.microsoft.com/office/drawing/2014/main" id="{5DF3179C-5124-CDB9-9FB2-1898E1CE6C12}"/>
+              </a:ext>
+            </a:extLst>
+          </p:cNvPr>
+          <p:cNvSpPr txBox="1"/>
+          <p:nvPr/>
+        </p:nvSpPr>
+        <p:spPr>
+          <a:xfrm>
+            <a:off x="6837485" y="1670661"/>
+            <a:ext cx="1332608" cy="369332"/>
+          </a:xfrm>
+          <a:prstGeom prst="rect">
+            <a:avLst/>
+          </a:prstGeom>
+          <a:noFill/>
+        </p:spPr>
+        <p:txBody>
+          <a:bodyPr wrap="square">
+            <a:spAutoFit/>
+          </a:bodyPr>
+          <a:lstStyle/>
+          <a:p>
+            <a:pPr algn="r"/>
+            <a:r>
+              <a:rPr lang="en-US" altLang="ko-Kore-KR" dirty="0" err="1">
+                <a:latin typeface="DM Mono" panose="020B0509040201040103" pitchFamily="49" charset="0"/>
+              </a:rPr>
+              <a:t>vfptr</a:t>
+            </a:r>
+            <a:endParaRPr lang="ko-Kore-KR" altLang="en-US" dirty="0"/>
+          </a:p>
+        </p:txBody>
+      </p:sp>
+      <p:cxnSp>
+        <p:nvCxnSpPr>
+          <p:cNvPr id="39" name="구부러진 연결선[U] 38">
+            <a:extLst>
+              <a:ext uri="{FF2B5EF4-FFF2-40B4-BE49-F238E27FC236}">
+                <a16:creationId xmlns:a16="http://schemas.microsoft.com/office/drawing/2014/main" id="{5E819638-857A-0109-91A9-A2E56ED60CEC}"/>
+              </a:ext>
+            </a:extLst>
+          </p:cNvPr>
+          <p:cNvCxnSpPr>
+            <a:cxnSpLocks/>
+            <a:stCxn id="37" idx="3"/>
+            <a:endCxn id="10" idx="1"/>
+          </p:cNvCxnSpPr>
+          <p:nvPr/>
+        </p:nvCxnSpPr>
+        <p:spPr>
+          <a:xfrm flipV="1">
+            <a:off x="8975004" y="899058"/>
+            <a:ext cx="766446" cy="956270"/>
+          </a:xfrm>
+          <a:prstGeom prst="curvedConnector3">
+            <a:avLst/>
+          </a:prstGeom>
+          <a:ln w="12700">
+            <a:tailEnd type="triangle"/>
+          </a:ln>
+        </p:spPr>
+        <p:style>
+          <a:lnRef idx="1">
+            <a:schemeClr val="dk1"/>
+          </a:lnRef>
+          <a:fillRef idx="0">
+            <a:schemeClr val="dk1"/>
+          </a:fillRef>
+          <a:effectRef idx="0">
+            <a:schemeClr val="dk1"/>
+          </a:effectRef>
+          <a:fontRef idx="minor">
+            <a:schemeClr val="tx1"/>
+          </a:fontRef>
+        </p:style>
+      </p:cxnSp>
+    </p:spTree>
+    <p:extLst>
+      <p:ext uri="{BB962C8B-B14F-4D97-AF65-F5344CB8AC3E}">
+        <p14:creationId xmlns:p14="http://schemas.microsoft.com/office/powerpoint/2010/main" val="3695747011"/>
       </p:ext>
     </p:extLst>
   </p:cSld>

--- a/cpp_230824.pptx
+++ b/cpp_230824.pptx
@@ -40,6 +40,11 @@
     <p:sldId id="289" r:id="rId34"/>
     <p:sldId id="290" r:id="rId35"/>
     <p:sldId id="291" r:id="rId36"/>
+    <p:sldId id="292" r:id="rId37"/>
+    <p:sldId id="293" r:id="rId38"/>
+    <p:sldId id="294" r:id="rId39"/>
+    <p:sldId id="295" r:id="rId40"/>
+    <p:sldId id="296" r:id="rId41"/>
   </p:sldIdLst>
   <p:sldSz cx="12192000" cy="6858000"/>
   <p:notesSz cx="6858000" cy="9144000"/>
@@ -27043,6 +27048,6903 @@
 </p:sld>
 </file>
 
+<file path=ppt/slides/slide36.xml><?xml version="1.0" encoding="utf-8"?>
+<p:sld xmlns:a="http://schemas.openxmlformats.org/drawingml/2006/main" xmlns:r="http://schemas.openxmlformats.org/officeDocument/2006/relationships" xmlns:p="http://schemas.openxmlformats.org/presentationml/2006/main">
+  <p:cSld>
+    <p:spTree>
+      <p:nvGrpSpPr>
+        <p:cNvPr id="1" name=""/>
+        <p:cNvGrpSpPr/>
+        <p:nvPr/>
+      </p:nvGrpSpPr>
+      <p:grpSpPr>
+        <a:xfrm>
+          <a:off x="0" y="0"/>
+          <a:ext cx="0" cy="0"/>
+          <a:chOff x="0" y="0"/>
+          <a:chExt cx="0" cy="0"/>
+        </a:xfrm>
+      </p:grpSpPr>
+      <p:sp>
+        <p:nvSpPr>
+          <p:cNvPr id="11" name="TextBox 10">
+            <a:extLst>
+              <a:ext uri="{FF2B5EF4-FFF2-40B4-BE49-F238E27FC236}">
+                <a16:creationId xmlns:a16="http://schemas.microsoft.com/office/drawing/2014/main" id="{309311D2-1E40-F268-F0EC-D943828E315A}"/>
+              </a:ext>
+            </a:extLst>
+          </p:cNvPr>
+          <p:cNvSpPr txBox="1"/>
+          <p:nvPr/>
+        </p:nvSpPr>
+        <p:spPr>
+          <a:xfrm>
+            <a:off x="390344" y="293668"/>
+            <a:ext cx="4983913" cy="5262979"/>
+          </a:xfrm>
+          <a:prstGeom prst="rect">
+            <a:avLst/>
+          </a:prstGeom>
+          <a:noFill/>
+        </p:spPr>
+        <p:txBody>
+          <a:bodyPr wrap="square">
+            <a:spAutoFit/>
+          </a:bodyPr>
+          <a:lstStyle/>
+          <a:p>
+            <a:r>
+              <a:rPr lang="ko-Kore-KR" altLang="en-US" sz="1600" dirty="0">
+                <a:latin typeface="DM Mono" panose="020B0509040201040103" pitchFamily="49" charset="0"/>
+              </a:rPr>
+              <a:t>class Shape {</a:t>
+            </a:r>
+          </a:p>
+          <a:p>
+            <a:r>
+              <a:rPr lang="ko-Kore-KR" altLang="en-US" sz="1600" dirty="0">
+                <a:latin typeface="DM Mono" panose="020B0509040201040103" pitchFamily="49" charset="0"/>
+              </a:rPr>
+              <a:t>    int x;</a:t>
+            </a:r>
+          </a:p>
+          <a:p>
+            <a:r>
+              <a:rPr lang="ko-Kore-KR" altLang="en-US" sz="1600" dirty="0">
+                <a:latin typeface="DM Mono" panose="020B0509040201040103" pitchFamily="49" charset="0"/>
+              </a:rPr>
+              <a:t>    int y;</a:t>
+            </a:r>
+          </a:p>
+          <a:p>
+            <a:endParaRPr lang="ko-Kore-KR" altLang="en-US" sz="1600" dirty="0">
+              <a:latin typeface="DM Mono" panose="020B0509040201040103" pitchFamily="49" charset="0"/>
+            </a:endParaRPr>
+          </a:p>
+          <a:p>
+            <a:r>
+              <a:rPr lang="ko-Kore-KR" altLang="en-US" sz="1600" dirty="0">
+                <a:latin typeface="DM Mono" panose="020B0509040201040103" pitchFamily="49" charset="0"/>
+              </a:rPr>
+              <a:t>public:</a:t>
+            </a:r>
+          </a:p>
+          <a:p>
+            <a:r>
+              <a:rPr lang="ko-Kore-KR" altLang="en-US" sz="1600" dirty="0">
+                <a:latin typeface="DM Mono" panose="020B0509040201040103" pitchFamily="49" charset="0"/>
+              </a:rPr>
+              <a:t>    </a:t>
+            </a:r>
+            <a:r>
+              <a:rPr lang="en-US" altLang="ko-Kore-KR" sz="1600" dirty="0">
+                <a:latin typeface="DM Mono" panose="020B0509040201040103" pitchFamily="49" charset="0"/>
+              </a:rPr>
+              <a:t>virtual </a:t>
+            </a:r>
+            <a:r>
+              <a:rPr lang="ko-Kore-KR" altLang="en-US" sz="1600" dirty="0">
+                <a:latin typeface="DM Mono" panose="020B0509040201040103" pitchFamily="49" charset="0"/>
+              </a:rPr>
+              <a:t>void Draw() const { }</a:t>
+            </a:r>
+            <a:endParaRPr lang="en-US" altLang="ko-Kore-KR" sz="1600" dirty="0">
+              <a:latin typeface="DM Mono" panose="020B0509040201040103" pitchFamily="49" charset="0"/>
+            </a:endParaRPr>
+          </a:p>
+          <a:p>
+            <a:r>
+              <a:rPr lang="ko-Kore-KR" altLang="en-US" sz="1600" dirty="0">
+                <a:solidFill>
+                  <a:srgbClr val="FF0000"/>
+                </a:solidFill>
+                <a:latin typeface="DM Mono" panose="020B0509040201040103" pitchFamily="49" charset="0"/>
+              </a:rPr>
+              <a:t>    </a:t>
+            </a:r>
+            <a:r>
+              <a:rPr lang="en-US" altLang="ko-Kore-KR" sz="1600" dirty="0">
+                <a:solidFill>
+                  <a:srgbClr val="FF0000"/>
+                </a:solidFill>
+                <a:latin typeface="DM Mono" panose="020B0509040201040103" pitchFamily="49" charset="0"/>
+              </a:rPr>
+              <a:t>virtual Shape* Clone() {}</a:t>
+            </a:r>
+            <a:endParaRPr lang="ko-Kore-KR" altLang="en-US" sz="1600" dirty="0">
+              <a:solidFill>
+                <a:srgbClr val="FF0000"/>
+              </a:solidFill>
+              <a:latin typeface="DM Mono" panose="020B0509040201040103" pitchFamily="49" charset="0"/>
+            </a:endParaRPr>
+          </a:p>
+          <a:p>
+            <a:r>
+              <a:rPr lang="ko-Kore-KR" altLang="en-US" sz="1600" dirty="0">
+                <a:latin typeface="DM Mono" panose="020B0509040201040103" pitchFamily="49" charset="0"/>
+              </a:rPr>
+              <a:t>};</a:t>
+            </a:r>
+          </a:p>
+          <a:p>
+            <a:endParaRPr lang="ko-Kore-KR" altLang="en-US" sz="1600" dirty="0">
+              <a:latin typeface="DM Mono" panose="020B0509040201040103" pitchFamily="49" charset="0"/>
+            </a:endParaRPr>
+          </a:p>
+          <a:p>
+            <a:r>
+              <a:rPr lang="ko-Kore-KR" altLang="en-US" sz="1600" dirty="0">
+                <a:latin typeface="DM Mono" panose="020B0509040201040103" pitchFamily="49" charset="0"/>
+              </a:rPr>
+              <a:t>class Rect : public Shape {</a:t>
+            </a:r>
+          </a:p>
+          <a:p>
+            <a:r>
+              <a:rPr lang="ko-Kore-KR" altLang="en-US" sz="1600" dirty="0">
+                <a:latin typeface="DM Mono" panose="020B0509040201040103" pitchFamily="49" charset="0"/>
+              </a:rPr>
+              <a:t>    int width;</a:t>
+            </a:r>
+          </a:p>
+          <a:p>
+            <a:r>
+              <a:rPr lang="ko-Kore-KR" altLang="en-US" sz="1600" dirty="0">
+                <a:latin typeface="DM Mono" panose="020B0509040201040103" pitchFamily="49" charset="0"/>
+              </a:rPr>
+              <a:t>};</a:t>
+            </a:r>
+          </a:p>
+          <a:p>
+            <a:endParaRPr lang="ko-Kore-KR" altLang="en-US" sz="1600" dirty="0">
+              <a:latin typeface="DM Mono" panose="020B0509040201040103" pitchFamily="49" charset="0"/>
+            </a:endParaRPr>
+          </a:p>
+          <a:p>
+            <a:r>
+              <a:rPr lang="ko-Kore-KR" altLang="en-US" sz="1600" dirty="0">
+                <a:latin typeface="DM Mono" panose="020B0509040201040103" pitchFamily="49" charset="0"/>
+              </a:rPr>
+              <a:t>int main()</a:t>
+            </a:r>
+          </a:p>
+          <a:p>
+            <a:r>
+              <a:rPr lang="ko-Kore-KR" altLang="en-US" sz="1600" dirty="0">
+                <a:latin typeface="DM Mono" panose="020B0509040201040103" pitchFamily="49" charset="0"/>
+              </a:rPr>
+              <a:t>{</a:t>
+            </a:r>
+          </a:p>
+          <a:p>
+            <a:r>
+              <a:rPr lang="ko-Kore-KR" altLang="en-US" sz="1600" dirty="0">
+                <a:latin typeface="DM Mono" panose="020B0509040201040103" pitchFamily="49" charset="0"/>
+              </a:rPr>
+              <a:t>    Shape s;</a:t>
+            </a:r>
+          </a:p>
+          <a:p>
+            <a:r>
+              <a:rPr lang="ko-Kore-KR" altLang="en-US" sz="1600" dirty="0">
+                <a:latin typeface="DM Mono" panose="020B0509040201040103" pitchFamily="49" charset="0"/>
+              </a:rPr>
+              <a:t>    cout &lt;&lt; sizeof(s) &lt;&lt; endl;</a:t>
+            </a:r>
+          </a:p>
+          <a:p>
+            <a:endParaRPr lang="ko-Kore-KR" altLang="en-US" sz="1600" dirty="0">
+              <a:latin typeface="DM Mono" panose="020B0509040201040103" pitchFamily="49" charset="0"/>
+            </a:endParaRPr>
+          </a:p>
+          <a:p>
+            <a:r>
+              <a:rPr lang="ko-Kore-KR" altLang="en-US" sz="1600" dirty="0">
+                <a:latin typeface="DM Mono" panose="020B0509040201040103" pitchFamily="49" charset="0"/>
+              </a:rPr>
+              <a:t>    Rect r;</a:t>
+            </a:r>
+          </a:p>
+          <a:p>
+            <a:r>
+              <a:rPr lang="ko-Kore-KR" altLang="en-US" sz="1600" dirty="0">
+                <a:latin typeface="DM Mono" panose="020B0509040201040103" pitchFamily="49" charset="0"/>
+              </a:rPr>
+              <a:t>    cout &lt;&lt; sizeof(r) &lt;&lt; endl;</a:t>
+            </a:r>
+          </a:p>
+          <a:p>
+            <a:r>
+              <a:rPr lang="ko-Kore-KR" altLang="en-US" sz="1600" dirty="0">
+                <a:latin typeface="DM Mono" panose="020B0509040201040103" pitchFamily="49" charset="0"/>
+              </a:rPr>
+              <a:t>}</a:t>
+            </a:r>
+          </a:p>
+        </p:txBody>
+      </p:sp>
+      <p:sp>
+        <p:nvSpPr>
+          <p:cNvPr id="12" name="직사각형 11">
+            <a:extLst>
+              <a:ext uri="{FF2B5EF4-FFF2-40B4-BE49-F238E27FC236}">
+                <a16:creationId xmlns:a16="http://schemas.microsoft.com/office/drawing/2014/main" id="{668BD4A2-2F07-7284-FF95-013966ED3855}"/>
+              </a:ext>
+            </a:extLst>
+          </p:cNvPr>
+          <p:cNvSpPr/>
+          <p:nvPr/>
+        </p:nvSpPr>
+        <p:spPr>
+          <a:xfrm>
+            <a:off x="6492600" y="1424587"/>
+            <a:ext cx="804912" cy="482277"/>
+          </a:xfrm>
+          <a:prstGeom prst="rect">
+            <a:avLst/>
+          </a:prstGeom>
+          <a:solidFill>
+            <a:srgbClr val="FFFF00"/>
+          </a:solidFill>
+        </p:spPr>
+        <p:style>
+          <a:lnRef idx="2">
+            <a:schemeClr val="accent1">
+              <a:shade val="15000"/>
+            </a:schemeClr>
+          </a:lnRef>
+          <a:fillRef idx="1">
+            <a:schemeClr val="accent1"/>
+          </a:fillRef>
+          <a:effectRef idx="0">
+            <a:schemeClr val="accent1"/>
+          </a:effectRef>
+          <a:fontRef idx="minor">
+            <a:schemeClr val="lt1"/>
+          </a:fontRef>
+        </p:style>
+        <p:txBody>
+          <a:bodyPr rtlCol="0" anchor="ctr"/>
+          <a:lstStyle/>
+          <a:p>
+            <a:pPr algn="ctr"/>
+            <a:endParaRPr kumimoji="1" lang="ko-Kore-KR" altLang="en-US" sz="1600" dirty="0">
+              <a:solidFill>
+                <a:srgbClr val="FF0000"/>
+              </a:solidFill>
+              <a:latin typeface="DM Mono" panose="020B0509040201040103" pitchFamily="49" charset="0"/>
+            </a:endParaRPr>
+          </a:p>
+        </p:txBody>
+      </p:sp>
+      <p:sp>
+        <p:nvSpPr>
+          <p:cNvPr id="13" name="TextBox 12">
+            <a:extLst>
+              <a:ext uri="{FF2B5EF4-FFF2-40B4-BE49-F238E27FC236}">
+                <a16:creationId xmlns:a16="http://schemas.microsoft.com/office/drawing/2014/main" id="{9042DBAE-6C4A-974D-FF27-DAD3002C1A8F}"/>
+              </a:ext>
+            </a:extLst>
+          </p:cNvPr>
+          <p:cNvSpPr txBox="1"/>
+          <p:nvPr/>
+        </p:nvSpPr>
+        <p:spPr>
+          <a:xfrm>
+            <a:off x="5159993" y="1481059"/>
+            <a:ext cx="1332608" cy="369332"/>
+          </a:xfrm>
+          <a:prstGeom prst="rect">
+            <a:avLst/>
+          </a:prstGeom>
+          <a:noFill/>
+        </p:spPr>
+        <p:txBody>
+          <a:bodyPr wrap="square">
+            <a:spAutoFit/>
+          </a:bodyPr>
+          <a:lstStyle/>
+          <a:p>
+            <a:pPr algn="r"/>
+            <a:r>
+              <a:rPr lang="en-US" altLang="ko-Kore-KR" dirty="0">
+                <a:latin typeface="DM Mono" panose="020B0509040201040103" pitchFamily="49" charset="0"/>
+              </a:rPr>
+              <a:t>x</a:t>
+            </a:r>
+            <a:endParaRPr lang="ko-Kore-KR" altLang="en-US" dirty="0"/>
+          </a:p>
+        </p:txBody>
+      </p:sp>
+      <p:sp>
+        <p:nvSpPr>
+          <p:cNvPr id="14" name="TextBox 13">
+            <a:extLst>
+              <a:ext uri="{FF2B5EF4-FFF2-40B4-BE49-F238E27FC236}">
+                <a16:creationId xmlns:a16="http://schemas.microsoft.com/office/drawing/2014/main" id="{278ECADC-890F-E502-8A7B-9B16D926A6E1}"/>
+              </a:ext>
+            </a:extLst>
+          </p:cNvPr>
+          <p:cNvSpPr txBox="1"/>
+          <p:nvPr/>
+        </p:nvSpPr>
+        <p:spPr>
+          <a:xfrm>
+            <a:off x="6002243" y="586198"/>
+            <a:ext cx="1785624" cy="369332"/>
+          </a:xfrm>
+          <a:prstGeom prst="rect">
+            <a:avLst/>
+          </a:prstGeom>
+          <a:noFill/>
+        </p:spPr>
+        <p:txBody>
+          <a:bodyPr wrap="square">
+            <a:spAutoFit/>
+          </a:bodyPr>
+          <a:lstStyle/>
+          <a:p>
+            <a:pPr algn="ctr"/>
+            <a:r>
+              <a:rPr lang="en-US" altLang="ko-Kore-KR" dirty="0">
+                <a:latin typeface="DM Mono" panose="020B0509040201040103" pitchFamily="49" charset="0"/>
+              </a:rPr>
+              <a:t>Shape s</a:t>
+            </a:r>
+            <a:endParaRPr lang="ko-Kore-KR" altLang="en-US" dirty="0"/>
+          </a:p>
+        </p:txBody>
+      </p:sp>
+      <p:sp>
+        <p:nvSpPr>
+          <p:cNvPr id="18" name="직사각형 17">
+            <a:extLst>
+              <a:ext uri="{FF2B5EF4-FFF2-40B4-BE49-F238E27FC236}">
+                <a16:creationId xmlns:a16="http://schemas.microsoft.com/office/drawing/2014/main" id="{173593CC-A733-FFBB-50F4-38FCFDCA6663}"/>
+              </a:ext>
+            </a:extLst>
+          </p:cNvPr>
+          <p:cNvSpPr/>
+          <p:nvPr/>
+        </p:nvSpPr>
+        <p:spPr>
+          <a:xfrm>
+            <a:off x="6492600" y="1906862"/>
+            <a:ext cx="804912" cy="482277"/>
+          </a:xfrm>
+          <a:prstGeom prst="rect">
+            <a:avLst/>
+          </a:prstGeom>
+          <a:solidFill>
+            <a:srgbClr val="FFFF00"/>
+          </a:solidFill>
+        </p:spPr>
+        <p:style>
+          <a:lnRef idx="2">
+            <a:schemeClr val="accent1">
+              <a:shade val="15000"/>
+            </a:schemeClr>
+          </a:lnRef>
+          <a:fillRef idx="1">
+            <a:schemeClr val="accent1"/>
+          </a:fillRef>
+          <a:effectRef idx="0">
+            <a:schemeClr val="accent1"/>
+          </a:effectRef>
+          <a:fontRef idx="minor">
+            <a:schemeClr val="lt1"/>
+          </a:fontRef>
+        </p:style>
+        <p:txBody>
+          <a:bodyPr rtlCol="0" anchor="ctr"/>
+          <a:lstStyle/>
+          <a:p>
+            <a:pPr algn="ctr"/>
+            <a:endParaRPr kumimoji="1" lang="ko-Kore-KR" altLang="en-US" sz="1600" dirty="0">
+              <a:solidFill>
+                <a:srgbClr val="FF0000"/>
+              </a:solidFill>
+              <a:latin typeface="DM Mono" panose="020B0509040201040103" pitchFamily="49" charset="0"/>
+            </a:endParaRPr>
+          </a:p>
+        </p:txBody>
+      </p:sp>
+      <p:sp>
+        <p:nvSpPr>
+          <p:cNvPr id="19" name="TextBox 18">
+            <a:extLst>
+              <a:ext uri="{FF2B5EF4-FFF2-40B4-BE49-F238E27FC236}">
+                <a16:creationId xmlns:a16="http://schemas.microsoft.com/office/drawing/2014/main" id="{8FDFD367-26B7-EF3D-1B2F-F5B193225391}"/>
+              </a:ext>
+            </a:extLst>
+          </p:cNvPr>
+          <p:cNvSpPr txBox="1"/>
+          <p:nvPr/>
+        </p:nvSpPr>
+        <p:spPr>
+          <a:xfrm>
+            <a:off x="5159993" y="1963334"/>
+            <a:ext cx="1332608" cy="369332"/>
+          </a:xfrm>
+          <a:prstGeom prst="rect">
+            <a:avLst/>
+          </a:prstGeom>
+          <a:noFill/>
+        </p:spPr>
+        <p:txBody>
+          <a:bodyPr wrap="square">
+            <a:spAutoFit/>
+          </a:bodyPr>
+          <a:lstStyle/>
+          <a:p>
+            <a:pPr algn="r"/>
+            <a:r>
+              <a:rPr lang="en-US" altLang="ko-Kore-KR" dirty="0">
+                <a:latin typeface="DM Mono" panose="020B0509040201040103" pitchFamily="49" charset="0"/>
+              </a:rPr>
+              <a:t>y</a:t>
+            </a:r>
+            <a:endParaRPr lang="ko-Kore-KR" altLang="en-US" dirty="0"/>
+          </a:p>
+        </p:txBody>
+      </p:sp>
+      <p:sp>
+        <p:nvSpPr>
+          <p:cNvPr id="24" name="TextBox 23">
+            <a:extLst>
+              <a:ext uri="{FF2B5EF4-FFF2-40B4-BE49-F238E27FC236}">
+                <a16:creationId xmlns:a16="http://schemas.microsoft.com/office/drawing/2014/main" id="{035ECE70-839E-7031-B873-C4C697AED6DB}"/>
+              </a:ext>
+            </a:extLst>
+          </p:cNvPr>
+          <p:cNvSpPr txBox="1"/>
+          <p:nvPr/>
+        </p:nvSpPr>
+        <p:spPr>
+          <a:xfrm>
+            <a:off x="6085642" y="3124936"/>
+            <a:ext cx="1785624" cy="369332"/>
+          </a:xfrm>
+          <a:prstGeom prst="rect">
+            <a:avLst/>
+          </a:prstGeom>
+          <a:noFill/>
+        </p:spPr>
+        <p:txBody>
+          <a:bodyPr wrap="square">
+            <a:spAutoFit/>
+          </a:bodyPr>
+          <a:lstStyle/>
+          <a:p>
+            <a:pPr algn="ctr"/>
+            <a:r>
+              <a:rPr lang="en-US" altLang="ko-Kore-KR" dirty="0" err="1">
+                <a:latin typeface="DM Mono" panose="020B0509040201040103" pitchFamily="49" charset="0"/>
+              </a:rPr>
+              <a:t>Rect</a:t>
+            </a:r>
+            <a:r>
+              <a:rPr lang="en-US" altLang="ko-Kore-KR" dirty="0">
+                <a:latin typeface="DM Mono" panose="020B0509040201040103" pitchFamily="49" charset="0"/>
+              </a:rPr>
+              <a:t> r</a:t>
+            </a:r>
+            <a:endParaRPr lang="ko-Kore-KR" altLang="en-US" dirty="0"/>
+          </a:p>
+        </p:txBody>
+      </p:sp>
+      <p:sp>
+        <p:nvSpPr>
+          <p:cNvPr id="27" name="직사각형 26">
+            <a:extLst>
+              <a:ext uri="{FF2B5EF4-FFF2-40B4-BE49-F238E27FC236}">
+                <a16:creationId xmlns:a16="http://schemas.microsoft.com/office/drawing/2014/main" id="{A197CF1D-876A-4993-E649-EC228CEF54C8}"/>
+              </a:ext>
+            </a:extLst>
+          </p:cNvPr>
+          <p:cNvSpPr/>
+          <p:nvPr/>
+        </p:nvSpPr>
+        <p:spPr>
+          <a:xfrm>
+            <a:off x="6572695" y="4915293"/>
+            <a:ext cx="804912" cy="482277"/>
+          </a:xfrm>
+          <a:prstGeom prst="rect">
+            <a:avLst/>
+          </a:prstGeom>
+          <a:solidFill>
+            <a:srgbClr val="FFFF00"/>
+          </a:solidFill>
+        </p:spPr>
+        <p:style>
+          <a:lnRef idx="2">
+            <a:schemeClr val="accent1">
+              <a:shade val="15000"/>
+            </a:schemeClr>
+          </a:lnRef>
+          <a:fillRef idx="1">
+            <a:schemeClr val="accent1"/>
+          </a:fillRef>
+          <a:effectRef idx="0">
+            <a:schemeClr val="accent1"/>
+          </a:effectRef>
+          <a:fontRef idx="minor">
+            <a:schemeClr val="lt1"/>
+          </a:fontRef>
+        </p:style>
+        <p:txBody>
+          <a:bodyPr rtlCol="0" anchor="ctr"/>
+          <a:lstStyle/>
+          <a:p>
+            <a:pPr algn="ctr"/>
+            <a:endParaRPr kumimoji="1" lang="ko-Kore-KR" altLang="en-US" sz="1600" dirty="0">
+              <a:solidFill>
+                <a:srgbClr val="FF0000"/>
+              </a:solidFill>
+              <a:latin typeface="DM Mono" panose="020B0509040201040103" pitchFamily="49" charset="0"/>
+            </a:endParaRPr>
+          </a:p>
+        </p:txBody>
+      </p:sp>
+      <p:sp>
+        <p:nvSpPr>
+          <p:cNvPr id="28" name="TextBox 27">
+            <a:extLst>
+              <a:ext uri="{FF2B5EF4-FFF2-40B4-BE49-F238E27FC236}">
+                <a16:creationId xmlns:a16="http://schemas.microsoft.com/office/drawing/2014/main" id="{A4DC667B-6709-FECC-2427-6DFD8F3A71F3}"/>
+              </a:ext>
+            </a:extLst>
+          </p:cNvPr>
+          <p:cNvSpPr txBox="1"/>
+          <p:nvPr/>
+        </p:nvSpPr>
+        <p:spPr>
+          <a:xfrm>
+            <a:off x="5240088" y="4971765"/>
+            <a:ext cx="1332608" cy="369332"/>
+          </a:xfrm>
+          <a:prstGeom prst="rect">
+            <a:avLst/>
+          </a:prstGeom>
+          <a:noFill/>
+        </p:spPr>
+        <p:txBody>
+          <a:bodyPr wrap="square">
+            <a:spAutoFit/>
+          </a:bodyPr>
+          <a:lstStyle/>
+          <a:p>
+            <a:pPr algn="r"/>
+            <a:r>
+              <a:rPr lang="en-US" altLang="ko-Kore-KR" dirty="0">
+                <a:latin typeface="DM Mono" panose="020B0509040201040103" pitchFamily="49" charset="0"/>
+              </a:rPr>
+              <a:t>width</a:t>
+            </a:r>
+            <a:endParaRPr lang="ko-Kore-KR" altLang="en-US" dirty="0"/>
+          </a:p>
+        </p:txBody>
+      </p:sp>
+      <p:sp>
+        <p:nvSpPr>
+          <p:cNvPr id="2" name="직사각형 1">
+            <a:extLst>
+              <a:ext uri="{FF2B5EF4-FFF2-40B4-BE49-F238E27FC236}">
+                <a16:creationId xmlns:a16="http://schemas.microsoft.com/office/drawing/2014/main" id="{10619A8F-C357-BE42-BC5D-2BE2CA9A8E40}"/>
+              </a:ext>
+            </a:extLst>
+          </p:cNvPr>
+          <p:cNvSpPr/>
+          <p:nvPr/>
+        </p:nvSpPr>
+        <p:spPr>
+          <a:xfrm>
+            <a:off x="6492600" y="968111"/>
+            <a:ext cx="804912" cy="482277"/>
+          </a:xfrm>
+          <a:prstGeom prst="rect">
+            <a:avLst/>
+          </a:prstGeom>
+          <a:solidFill>
+            <a:srgbClr val="92D050"/>
+          </a:solidFill>
+        </p:spPr>
+        <p:style>
+          <a:lnRef idx="2">
+            <a:schemeClr val="accent1">
+              <a:shade val="15000"/>
+            </a:schemeClr>
+          </a:lnRef>
+          <a:fillRef idx="1">
+            <a:schemeClr val="accent1"/>
+          </a:fillRef>
+          <a:effectRef idx="0">
+            <a:schemeClr val="accent1"/>
+          </a:effectRef>
+          <a:fontRef idx="minor">
+            <a:schemeClr val="lt1"/>
+          </a:fontRef>
+        </p:style>
+        <p:txBody>
+          <a:bodyPr rtlCol="0" anchor="ctr"/>
+          <a:lstStyle/>
+          <a:p>
+            <a:pPr algn="ctr"/>
+            <a:endParaRPr kumimoji="1" lang="ko-Kore-KR" altLang="en-US" sz="1600" dirty="0">
+              <a:solidFill>
+                <a:srgbClr val="FF0000"/>
+              </a:solidFill>
+              <a:latin typeface="DM Mono" panose="020B0509040201040103" pitchFamily="49" charset="0"/>
+            </a:endParaRPr>
+          </a:p>
+        </p:txBody>
+      </p:sp>
+      <p:sp>
+        <p:nvSpPr>
+          <p:cNvPr id="3" name="TextBox 2">
+            <a:extLst>
+              <a:ext uri="{FF2B5EF4-FFF2-40B4-BE49-F238E27FC236}">
+                <a16:creationId xmlns:a16="http://schemas.microsoft.com/office/drawing/2014/main" id="{82B825F6-DE14-B024-8E5F-0A21775C361F}"/>
+              </a:ext>
+            </a:extLst>
+          </p:cNvPr>
+          <p:cNvSpPr txBox="1"/>
+          <p:nvPr/>
+        </p:nvSpPr>
+        <p:spPr>
+          <a:xfrm>
+            <a:off x="5159993" y="1024583"/>
+            <a:ext cx="1332608" cy="369332"/>
+          </a:xfrm>
+          <a:prstGeom prst="rect">
+            <a:avLst/>
+          </a:prstGeom>
+          <a:noFill/>
+        </p:spPr>
+        <p:txBody>
+          <a:bodyPr wrap="square">
+            <a:spAutoFit/>
+          </a:bodyPr>
+          <a:lstStyle/>
+          <a:p>
+            <a:pPr algn="r"/>
+            <a:r>
+              <a:rPr lang="en-US" altLang="ko-Kore-KR" dirty="0" err="1">
+                <a:latin typeface="DM Mono" panose="020B0509040201040103" pitchFamily="49" charset="0"/>
+              </a:rPr>
+              <a:t>vfptr</a:t>
+            </a:r>
+            <a:endParaRPr lang="ko-Kore-KR" altLang="en-US" dirty="0"/>
+          </a:p>
+        </p:txBody>
+      </p:sp>
+      <p:sp>
+        <p:nvSpPr>
+          <p:cNvPr id="4" name="직사각형 3">
+            <a:extLst>
+              <a:ext uri="{FF2B5EF4-FFF2-40B4-BE49-F238E27FC236}">
+                <a16:creationId xmlns:a16="http://schemas.microsoft.com/office/drawing/2014/main" id="{B1EB09F4-DE7F-3E46-9041-A964728A1ED6}"/>
+              </a:ext>
+            </a:extLst>
+          </p:cNvPr>
+          <p:cNvSpPr/>
+          <p:nvPr/>
+        </p:nvSpPr>
+        <p:spPr>
+          <a:xfrm>
+            <a:off x="6572696" y="3950744"/>
+            <a:ext cx="804912" cy="482277"/>
+          </a:xfrm>
+          <a:prstGeom prst="rect">
+            <a:avLst/>
+          </a:prstGeom>
+          <a:solidFill>
+            <a:srgbClr val="FFFF00"/>
+          </a:solidFill>
+        </p:spPr>
+        <p:style>
+          <a:lnRef idx="2">
+            <a:schemeClr val="accent1">
+              <a:shade val="15000"/>
+            </a:schemeClr>
+          </a:lnRef>
+          <a:fillRef idx="1">
+            <a:schemeClr val="accent1"/>
+          </a:fillRef>
+          <a:effectRef idx="0">
+            <a:schemeClr val="accent1"/>
+          </a:effectRef>
+          <a:fontRef idx="minor">
+            <a:schemeClr val="lt1"/>
+          </a:fontRef>
+        </p:style>
+        <p:txBody>
+          <a:bodyPr rtlCol="0" anchor="ctr"/>
+          <a:lstStyle/>
+          <a:p>
+            <a:pPr algn="ctr"/>
+            <a:endParaRPr kumimoji="1" lang="ko-Kore-KR" altLang="en-US" sz="1600" dirty="0">
+              <a:solidFill>
+                <a:srgbClr val="FF0000"/>
+              </a:solidFill>
+              <a:latin typeface="DM Mono" panose="020B0509040201040103" pitchFamily="49" charset="0"/>
+            </a:endParaRPr>
+          </a:p>
+        </p:txBody>
+      </p:sp>
+      <p:sp>
+        <p:nvSpPr>
+          <p:cNvPr id="5" name="TextBox 4">
+            <a:extLst>
+              <a:ext uri="{FF2B5EF4-FFF2-40B4-BE49-F238E27FC236}">
+                <a16:creationId xmlns:a16="http://schemas.microsoft.com/office/drawing/2014/main" id="{7089E841-C150-3DE2-96B0-F7D01956F648}"/>
+              </a:ext>
+            </a:extLst>
+          </p:cNvPr>
+          <p:cNvSpPr txBox="1"/>
+          <p:nvPr/>
+        </p:nvSpPr>
+        <p:spPr>
+          <a:xfrm>
+            <a:off x="5240089" y="4007216"/>
+            <a:ext cx="1332608" cy="369332"/>
+          </a:xfrm>
+          <a:prstGeom prst="rect">
+            <a:avLst/>
+          </a:prstGeom>
+          <a:noFill/>
+        </p:spPr>
+        <p:txBody>
+          <a:bodyPr wrap="square">
+            <a:spAutoFit/>
+          </a:bodyPr>
+          <a:lstStyle/>
+          <a:p>
+            <a:pPr algn="r"/>
+            <a:r>
+              <a:rPr lang="en-US" altLang="ko-Kore-KR" dirty="0">
+                <a:latin typeface="DM Mono" panose="020B0509040201040103" pitchFamily="49" charset="0"/>
+              </a:rPr>
+              <a:t>x</a:t>
+            </a:r>
+            <a:endParaRPr lang="ko-Kore-KR" altLang="en-US" dirty="0"/>
+          </a:p>
+        </p:txBody>
+      </p:sp>
+      <p:sp>
+        <p:nvSpPr>
+          <p:cNvPr id="6" name="직사각형 5">
+            <a:extLst>
+              <a:ext uri="{FF2B5EF4-FFF2-40B4-BE49-F238E27FC236}">
+                <a16:creationId xmlns:a16="http://schemas.microsoft.com/office/drawing/2014/main" id="{5FEAD076-0042-5FBA-35EE-2334F021B316}"/>
+              </a:ext>
+            </a:extLst>
+          </p:cNvPr>
+          <p:cNvSpPr/>
+          <p:nvPr/>
+        </p:nvSpPr>
+        <p:spPr>
+          <a:xfrm>
+            <a:off x="6572696" y="4433019"/>
+            <a:ext cx="804912" cy="482277"/>
+          </a:xfrm>
+          <a:prstGeom prst="rect">
+            <a:avLst/>
+          </a:prstGeom>
+          <a:solidFill>
+            <a:srgbClr val="FFFF00"/>
+          </a:solidFill>
+        </p:spPr>
+        <p:style>
+          <a:lnRef idx="2">
+            <a:schemeClr val="accent1">
+              <a:shade val="15000"/>
+            </a:schemeClr>
+          </a:lnRef>
+          <a:fillRef idx="1">
+            <a:schemeClr val="accent1"/>
+          </a:fillRef>
+          <a:effectRef idx="0">
+            <a:schemeClr val="accent1"/>
+          </a:effectRef>
+          <a:fontRef idx="minor">
+            <a:schemeClr val="lt1"/>
+          </a:fontRef>
+        </p:style>
+        <p:txBody>
+          <a:bodyPr rtlCol="0" anchor="ctr"/>
+          <a:lstStyle/>
+          <a:p>
+            <a:pPr algn="ctr"/>
+            <a:endParaRPr kumimoji="1" lang="ko-Kore-KR" altLang="en-US" sz="1600" dirty="0">
+              <a:solidFill>
+                <a:srgbClr val="FF0000"/>
+              </a:solidFill>
+              <a:latin typeface="DM Mono" panose="020B0509040201040103" pitchFamily="49" charset="0"/>
+            </a:endParaRPr>
+          </a:p>
+        </p:txBody>
+      </p:sp>
+      <p:sp>
+        <p:nvSpPr>
+          <p:cNvPr id="7" name="TextBox 6">
+            <a:extLst>
+              <a:ext uri="{FF2B5EF4-FFF2-40B4-BE49-F238E27FC236}">
+                <a16:creationId xmlns:a16="http://schemas.microsoft.com/office/drawing/2014/main" id="{049D9E54-60CD-ADD1-DB9F-17BF87999098}"/>
+              </a:ext>
+            </a:extLst>
+          </p:cNvPr>
+          <p:cNvSpPr txBox="1"/>
+          <p:nvPr/>
+        </p:nvSpPr>
+        <p:spPr>
+          <a:xfrm>
+            <a:off x="5240089" y="4489491"/>
+            <a:ext cx="1332608" cy="369332"/>
+          </a:xfrm>
+          <a:prstGeom prst="rect">
+            <a:avLst/>
+          </a:prstGeom>
+          <a:noFill/>
+        </p:spPr>
+        <p:txBody>
+          <a:bodyPr wrap="square">
+            <a:spAutoFit/>
+          </a:bodyPr>
+          <a:lstStyle/>
+          <a:p>
+            <a:pPr algn="r"/>
+            <a:r>
+              <a:rPr lang="en-US" altLang="ko-Kore-KR" dirty="0">
+                <a:latin typeface="DM Mono" panose="020B0509040201040103" pitchFamily="49" charset="0"/>
+              </a:rPr>
+              <a:t>y</a:t>
+            </a:r>
+            <a:endParaRPr lang="ko-Kore-KR" altLang="en-US" dirty="0"/>
+          </a:p>
+        </p:txBody>
+      </p:sp>
+      <p:sp>
+        <p:nvSpPr>
+          <p:cNvPr id="8" name="직사각형 7">
+            <a:extLst>
+              <a:ext uri="{FF2B5EF4-FFF2-40B4-BE49-F238E27FC236}">
+                <a16:creationId xmlns:a16="http://schemas.microsoft.com/office/drawing/2014/main" id="{A9BDD7D5-246E-79A0-3B72-9271FBF8E893}"/>
+              </a:ext>
+            </a:extLst>
+          </p:cNvPr>
+          <p:cNvSpPr/>
+          <p:nvPr/>
+        </p:nvSpPr>
+        <p:spPr>
+          <a:xfrm>
+            <a:off x="6572696" y="3494268"/>
+            <a:ext cx="804912" cy="482277"/>
+          </a:xfrm>
+          <a:prstGeom prst="rect">
+            <a:avLst/>
+          </a:prstGeom>
+          <a:solidFill>
+            <a:srgbClr val="92D050"/>
+          </a:solidFill>
+        </p:spPr>
+        <p:style>
+          <a:lnRef idx="2">
+            <a:schemeClr val="accent1">
+              <a:shade val="15000"/>
+            </a:schemeClr>
+          </a:lnRef>
+          <a:fillRef idx="1">
+            <a:schemeClr val="accent1"/>
+          </a:fillRef>
+          <a:effectRef idx="0">
+            <a:schemeClr val="accent1"/>
+          </a:effectRef>
+          <a:fontRef idx="minor">
+            <a:schemeClr val="lt1"/>
+          </a:fontRef>
+        </p:style>
+        <p:txBody>
+          <a:bodyPr rtlCol="0" anchor="ctr"/>
+          <a:lstStyle/>
+          <a:p>
+            <a:pPr algn="ctr"/>
+            <a:endParaRPr kumimoji="1" lang="ko-Kore-KR" altLang="en-US" sz="1600" dirty="0">
+              <a:solidFill>
+                <a:srgbClr val="FF0000"/>
+              </a:solidFill>
+              <a:latin typeface="DM Mono" panose="020B0509040201040103" pitchFamily="49" charset="0"/>
+            </a:endParaRPr>
+          </a:p>
+        </p:txBody>
+      </p:sp>
+      <p:sp>
+        <p:nvSpPr>
+          <p:cNvPr id="9" name="TextBox 8">
+            <a:extLst>
+              <a:ext uri="{FF2B5EF4-FFF2-40B4-BE49-F238E27FC236}">
+                <a16:creationId xmlns:a16="http://schemas.microsoft.com/office/drawing/2014/main" id="{58DE652F-C782-9F77-C610-A4773BDCE596}"/>
+              </a:ext>
+            </a:extLst>
+          </p:cNvPr>
+          <p:cNvSpPr txBox="1"/>
+          <p:nvPr/>
+        </p:nvSpPr>
+        <p:spPr>
+          <a:xfrm>
+            <a:off x="5240089" y="3550740"/>
+            <a:ext cx="1332608" cy="369332"/>
+          </a:xfrm>
+          <a:prstGeom prst="rect">
+            <a:avLst/>
+          </a:prstGeom>
+          <a:noFill/>
+        </p:spPr>
+        <p:txBody>
+          <a:bodyPr wrap="square">
+            <a:spAutoFit/>
+          </a:bodyPr>
+          <a:lstStyle/>
+          <a:p>
+            <a:pPr algn="r"/>
+            <a:r>
+              <a:rPr lang="en-US" altLang="ko-Kore-KR" dirty="0" err="1">
+                <a:latin typeface="DM Mono" panose="020B0509040201040103" pitchFamily="49" charset="0"/>
+              </a:rPr>
+              <a:t>vfptr</a:t>
+            </a:r>
+            <a:endParaRPr lang="ko-Kore-KR" altLang="en-US" dirty="0"/>
+          </a:p>
+        </p:txBody>
+      </p:sp>
+      <p:sp>
+        <p:nvSpPr>
+          <p:cNvPr id="10" name="직사각형 9">
+            <a:extLst>
+              <a:ext uri="{FF2B5EF4-FFF2-40B4-BE49-F238E27FC236}">
+                <a16:creationId xmlns:a16="http://schemas.microsoft.com/office/drawing/2014/main" id="{2C1CE4C2-5AAD-66EE-2A88-1D2CEC175FC0}"/>
+              </a:ext>
+            </a:extLst>
+          </p:cNvPr>
+          <p:cNvSpPr/>
+          <p:nvPr/>
+        </p:nvSpPr>
+        <p:spPr>
+          <a:xfrm>
+            <a:off x="9741450" y="714392"/>
+            <a:ext cx="1636792" cy="369332"/>
+          </a:xfrm>
+          <a:prstGeom prst="rect">
+            <a:avLst/>
+          </a:prstGeom>
+          <a:solidFill>
+            <a:srgbClr val="FFFF00"/>
+          </a:solidFill>
+        </p:spPr>
+        <p:style>
+          <a:lnRef idx="2">
+            <a:schemeClr val="accent1">
+              <a:shade val="15000"/>
+            </a:schemeClr>
+          </a:lnRef>
+          <a:fillRef idx="1">
+            <a:schemeClr val="accent1"/>
+          </a:fillRef>
+          <a:effectRef idx="0">
+            <a:schemeClr val="accent1"/>
+          </a:effectRef>
+          <a:fontRef idx="minor">
+            <a:schemeClr val="lt1"/>
+          </a:fontRef>
+        </p:style>
+        <p:txBody>
+          <a:bodyPr rtlCol="0" anchor="ctr"/>
+          <a:lstStyle/>
+          <a:p>
+            <a:pPr algn="ctr"/>
+            <a:r>
+              <a:rPr kumimoji="1" lang="en-US" altLang="ko-Kore-KR" sz="1400" dirty="0">
+                <a:solidFill>
+                  <a:schemeClr val="tx1"/>
+                </a:solidFill>
+                <a:latin typeface="DM Mono" panose="020B0509040201040103" pitchFamily="49" charset="0"/>
+              </a:rPr>
+              <a:t>Shape::Draw</a:t>
+            </a:r>
+            <a:endParaRPr kumimoji="1" lang="ko-Kore-KR" altLang="en-US" sz="1400" dirty="0">
+              <a:solidFill>
+                <a:schemeClr val="tx1"/>
+              </a:solidFill>
+              <a:latin typeface="DM Mono" panose="020B0509040201040103" pitchFamily="49" charset="0"/>
+            </a:endParaRPr>
+          </a:p>
+        </p:txBody>
+      </p:sp>
+      <p:sp>
+        <p:nvSpPr>
+          <p:cNvPr id="15" name="TextBox 14">
+            <a:extLst>
+              <a:ext uri="{FF2B5EF4-FFF2-40B4-BE49-F238E27FC236}">
+                <a16:creationId xmlns:a16="http://schemas.microsoft.com/office/drawing/2014/main" id="{DAAC1793-654A-03AD-8749-BEE4CB507FA7}"/>
+              </a:ext>
+            </a:extLst>
+          </p:cNvPr>
+          <p:cNvSpPr txBox="1"/>
+          <p:nvPr/>
+        </p:nvSpPr>
+        <p:spPr>
+          <a:xfrm>
+            <a:off x="9213012" y="375838"/>
+            <a:ext cx="2676372" cy="338554"/>
+          </a:xfrm>
+          <a:prstGeom prst="rect">
+            <a:avLst/>
+          </a:prstGeom>
+          <a:noFill/>
+        </p:spPr>
+        <p:txBody>
+          <a:bodyPr wrap="square">
+            <a:spAutoFit/>
+          </a:bodyPr>
+          <a:lstStyle/>
+          <a:p>
+            <a:pPr algn="ctr"/>
+            <a:r>
+              <a:rPr lang="en-US" altLang="ko-Kore-KR" sz="1600" dirty="0">
+                <a:latin typeface="DM Mono" panose="020B0509040201040103" pitchFamily="49" charset="0"/>
+              </a:rPr>
+              <a:t>Shape </a:t>
+            </a:r>
+            <a:r>
+              <a:rPr lang="ko-Kore-KR" altLang="en-US" sz="1600" dirty="0">
+                <a:latin typeface="DM Mono" panose="020B0509040201040103" pitchFamily="49" charset="0"/>
+              </a:rPr>
+              <a:t>가상함수테이블</a:t>
+            </a:r>
+            <a:endParaRPr lang="ko-Kore-KR" altLang="en-US" sz="1600" dirty="0"/>
+          </a:p>
+        </p:txBody>
+      </p:sp>
+      <p:cxnSp>
+        <p:nvCxnSpPr>
+          <p:cNvPr id="17" name="구부러진 연결선[U] 16">
+            <a:extLst>
+              <a:ext uri="{FF2B5EF4-FFF2-40B4-BE49-F238E27FC236}">
+                <a16:creationId xmlns:a16="http://schemas.microsoft.com/office/drawing/2014/main" id="{EC2DE797-7EA1-1CBE-18A3-C8ACBBC9B79E}"/>
+              </a:ext>
+            </a:extLst>
+          </p:cNvPr>
+          <p:cNvCxnSpPr>
+            <a:stCxn id="2" idx="3"/>
+            <a:endCxn id="10" idx="1"/>
+          </p:cNvCxnSpPr>
+          <p:nvPr/>
+        </p:nvCxnSpPr>
+        <p:spPr>
+          <a:xfrm flipV="1">
+            <a:off x="7297512" y="899058"/>
+            <a:ext cx="2443938" cy="310192"/>
+          </a:xfrm>
+          <a:prstGeom prst="curvedConnector3">
+            <a:avLst/>
+          </a:prstGeom>
+          <a:ln w="12700">
+            <a:tailEnd type="triangle"/>
+          </a:ln>
+        </p:spPr>
+        <p:style>
+          <a:lnRef idx="1">
+            <a:schemeClr val="dk1"/>
+          </a:lnRef>
+          <a:fillRef idx="0">
+            <a:schemeClr val="dk1"/>
+          </a:fillRef>
+          <a:effectRef idx="0">
+            <a:schemeClr val="dk1"/>
+          </a:effectRef>
+          <a:fontRef idx="minor">
+            <a:schemeClr val="tx1"/>
+          </a:fontRef>
+        </p:style>
+      </p:cxnSp>
+      <p:sp>
+        <p:nvSpPr>
+          <p:cNvPr id="20" name="직사각형 19">
+            <a:extLst>
+              <a:ext uri="{FF2B5EF4-FFF2-40B4-BE49-F238E27FC236}">
+                <a16:creationId xmlns:a16="http://schemas.microsoft.com/office/drawing/2014/main" id="{1169F488-BD0F-B250-5150-5E76860A18D5}"/>
+              </a:ext>
+            </a:extLst>
+          </p:cNvPr>
+          <p:cNvSpPr/>
+          <p:nvPr/>
+        </p:nvSpPr>
+        <p:spPr>
+          <a:xfrm>
+            <a:off x="9741015" y="3126667"/>
+            <a:ext cx="1636792" cy="369332"/>
+          </a:xfrm>
+          <a:prstGeom prst="rect">
+            <a:avLst/>
+          </a:prstGeom>
+          <a:solidFill>
+            <a:srgbClr val="FFFF00"/>
+          </a:solidFill>
+        </p:spPr>
+        <p:style>
+          <a:lnRef idx="2">
+            <a:schemeClr val="accent1">
+              <a:shade val="15000"/>
+            </a:schemeClr>
+          </a:lnRef>
+          <a:fillRef idx="1">
+            <a:schemeClr val="accent1"/>
+          </a:fillRef>
+          <a:effectRef idx="0">
+            <a:schemeClr val="accent1"/>
+          </a:effectRef>
+          <a:fontRef idx="minor">
+            <a:schemeClr val="lt1"/>
+          </a:fontRef>
+        </p:style>
+        <p:txBody>
+          <a:bodyPr rtlCol="0" anchor="ctr"/>
+          <a:lstStyle/>
+          <a:p>
+            <a:pPr algn="ctr"/>
+            <a:r>
+              <a:rPr kumimoji="1" lang="en-US" altLang="ko-Kore-KR" sz="1400" dirty="0">
+                <a:solidFill>
+                  <a:schemeClr val="tx1"/>
+                </a:solidFill>
+                <a:latin typeface="DM Mono" panose="020B0509040201040103" pitchFamily="49" charset="0"/>
+              </a:rPr>
+              <a:t>Shape::Draw</a:t>
+            </a:r>
+            <a:endParaRPr kumimoji="1" lang="ko-Kore-KR" altLang="en-US" sz="1400" dirty="0">
+              <a:solidFill>
+                <a:schemeClr val="tx1"/>
+              </a:solidFill>
+              <a:latin typeface="DM Mono" panose="020B0509040201040103" pitchFamily="49" charset="0"/>
+            </a:endParaRPr>
+          </a:p>
+        </p:txBody>
+      </p:sp>
+      <p:sp>
+        <p:nvSpPr>
+          <p:cNvPr id="21" name="TextBox 20">
+            <a:extLst>
+              <a:ext uri="{FF2B5EF4-FFF2-40B4-BE49-F238E27FC236}">
+                <a16:creationId xmlns:a16="http://schemas.microsoft.com/office/drawing/2014/main" id="{757E5667-53AD-D83A-F496-D8B25BF0DF26}"/>
+              </a:ext>
+            </a:extLst>
+          </p:cNvPr>
+          <p:cNvSpPr txBox="1"/>
+          <p:nvPr/>
+        </p:nvSpPr>
+        <p:spPr>
+          <a:xfrm>
+            <a:off x="9212577" y="2788113"/>
+            <a:ext cx="2676372" cy="338554"/>
+          </a:xfrm>
+          <a:prstGeom prst="rect">
+            <a:avLst/>
+          </a:prstGeom>
+          <a:noFill/>
+        </p:spPr>
+        <p:txBody>
+          <a:bodyPr wrap="square">
+            <a:spAutoFit/>
+          </a:bodyPr>
+          <a:lstStyle/>
+          <a:p>
+            <a:pPr algn="ctr"/>
+            <a:r>
+              <a:rPr lang="en-US" altLang="ko-Kore-KR" sz="1600" dirty="0" err="1">
+                <a:latin typeface="DM Mono" panose="020B0509040201040103" pitchFamily="49" charset="0"/>
+              </a:rPr>
+              <a:t>Rect</a:t>
+            </a:r>
+            <a:r>
+              <a:rPr lang="en-US" altLang="ko-Kore-KR" sz="1600" dirty="0">
+                <a:latin typeface="DM Mono" panose="020B0509040201040103" pitchFamily="49" charset="0"/>
+              </a:rPr>
+              <a:t> </a:t>
+            </a:r>
+            <a:r>
+              <a:rPr lang="ko-Kore-KR" altLang="en-US" sz="1600" dirty="0">
+                <a:latin typeface="DM Mono" panose="020B0509040201040103" pitchFamily="49" charset="0"/>
+              </a:rPr>
+              <a:t>가상함수테이블</a:t>
+            </a:r>
+            <a:endParaRPr lang="ko-Kore-KR" altLang="en-US" sz="1600" dirty="0"/>
+          </a:p>
+        </p:txBody>
+      </p:sp>
+      <p:cxnSp>
+        <p:nvCxnSpPr>
+          <p:cNvPr id="29" name="구부러진 연결선[U] 28">
+            <a:extLst>
+              <a:ext uri="{FF2B5EF4-FFF2-40B4-BE49-F238E27FC236}">
+                <a16:creationId xmlns:a16="http://schemas.microsoft.com/office/drawing/2014/main" id="{74C160F0-B244-68DD-DC37-8CD156E3A372}"/>
+              </a:ext>
+            </a:extLst>
+          </p:cNvPr>
+          <p:cNvCxnSpPr>
+            <a:cxnSpLocks/>
+            <a:stCxn id="8" idx="3"/>
+            <a:endCxn id="20" idx="1"/>
+          </p:cNvCxnSpPr>
+          <p:nvPr/>
+        </p:nvCxnSpPr>
+        <p:spPr>
+          <a:xfrm flipV="1">
+            <a:off x="7377608" y="3311333"/>
+            <a:ext cx="2363407" cy="424074"/>
+          </a:xfrm>
+          <a:prstGeom prst="curvedConnector3">
+            <a:avLst>
+              <a:gd name="adj1" fmla="val 50000"/>
+            </a:avLst>
+          </a:prstGeom>
+          <a:ln w="12700">
+            <a:tailEnd type="triangle"/>
+          </a:ln>
+        </p:spPr>
+        <p:style>
+          <a:lnRef idx="1">
+            <a:schemeClr val="dk1"/>
+          </a:lnRef>
+          <a:fillRef idx="0">
+            <a:schemeClr val="dk1"/>
+          </a:fillRef>
+          <a:effectRef idx="0">
+            <a:schemeClr val="dk1"/>
+          </a:effectRef>
+          <a:fontRef idx="minor">
+            <a:schemeClr val="tx1"/>
+          </a:fontRef>
+        </p:style>
+      </p:cxnSp>
+      <p:sp>
+        <p:nvSpPr>
+          <p:cNvPr id="32" name="직사각형 31">
+            <a:extLst>
+              <a:ext uri="{FF2B5EF4-FFF2-40B4-BE49-F238E27FC236}">
+                <a16:creationId xmlns:a16="http://schemas.microsoft.com/office/drawing/2014/main" id="{EF9329E6-CF51-D343-E139-6811F75EA3F5}"/>
+              </a:ext>
+            </a:extLst>
+          </p:cNvPr>
+          <p:cNvSpPr/>
+          <p:nvPr/>
+        </p:nvSpPr>
+        <p:spPr>
+          <a:xfrm>
+            <a:off x="8170092" y="2070665"/>
+            <a:ext cx="804912" cy="482277"/>
+          </a:xfrm>
+          <a:prstGeom prst="rect">
+            <a:avLst/>
+          </a:prstGeom>
+          <a:solidFill>
+            <a:srgbClr val="FFFF00"/>
+          </a:solidFill>
+        </p:spPr>
+        <p:style>
+          <a:lnRef idx="2">
+            <a:schemeClr val="accent1">
+              <a:shade val="15000"/>
+            </a:schemeClr>
+          </a:lnRef>
+          <a:fillRef idx="1">
+            <a:schemeClr val="accent1"/>
+          </a:fillRef>
+          <a:effectRef idx="0">
+            <a:schemeClr val="accent1"/>
+          </a:effectRef>
+          <a:fontRef idx="minor">
+            <a:schemeClr val="lt1"/>
+          </a:fontRef>
+        </p:style>
+        <p:txBody>
+          <a:bodyPr rtlCol="0" anchor="ctr"/>
+          <a:lstStyle/>
+          <a:p>
+            <a:pPr algn="ctr"/>
+            <a:endParaRPr kumimoji="1" lang="ko-Kore-KR" altLang="en-US" sz="1600" dirty="0">
+              <a:solidFill>
+                <a:srgbClr val="FF0000"/>
+              </a:solidFill>
+              <a:latin typeface="DM Mono" panose="020B0509040201040103" pitchFamily="49" charset="0"/>
+            </a:endParaRPr>
+          </a:p>
+        </p:txBody>
+      </p:sp>
+      <p:sp>
+        <p:nvSpPr>
+          <p:cNvPr id="33" name="TextBox 32">
+            <a:extLst>
+              <a:ext uri="{FF2B5EF4-FFF2-40B4-BE49-F238E27FC236}">
+                <a16:creationId xmlns:a16="http://schemas.microsoft.com/office/drawing/2014/main" id="{C824D7FE-07E5-DC6D-62F3-E657A913AEF8}"/>
+              </a:ext>
+            </a:extLst>
+          </p:cNvPr>
+          <p:cNvSpPr txBox="1"/>
+          <p:nvPr/>
+        </p:nvSpPr>
+        <p:spPr>
+          <a:xfrm>
+            <a:off x="6837485" y="2127137"/>
+            <a:ext cx="1332608" cy="369332"/>
+          </a:xfrm>
+          <a:prstGeom prst="rect">
+            <a:avLst/>
+          </a:prstGeom>
+          <a:noFill/>
+        </p:spPr>
+        <p:txBody>
+          <a:bodyPr wrap="square">
+            <a:spAutoFit/>
+          </a:bodyPr>
+          <a:lstStyle/>
+          <a:p>
+            <a:pPr algn="r"/>
+            <a:r>
+              <a:rPr lang="en-US" altLang="ko-Kore-KR" dirty="0">
+                <a:latin typeface="DM Mono" panose="020B0509040201040103" pitchFamily="49" charset="0"/>
+              </a:rPr>
+              <a:t>x</a:t>
+            </a:r>
+            <a:endParaRPr lang="ko-Kore-KR" altLang="en-US" dirty="0"/>
+          </a:p>
+        </p:txBody>
+      </p:sp>
+      <p:sp>
+        <p:nvSpPr>
+          <p:cNvPr id="34" name="TextBox 33">
+            <a:extLst>
+              <a:ext uri="{FF2B5EF4-FFF2-40B4-BE49-F238E27FC236}">
+                <a16:creationId xmlns:a16="http://schemas.microsoft.com/office/drawing/2014/main" id="{D9BE78D3-3CAA-E805-5A4D-E14AA2DBA4F7}"/>
+              </a:ext>
+            </a:extLst>
+          </p:cNvPr>
+          <p:cNvSpPr txBox="1"/>
+          <p:nvPr/>
+        </p:nvSpPr>
+        <p:spPr>
+          <a:xfrm>
+            <a:off x="7679735" y="1232276"/>
+            <a:ext cx="1785624" cy="369332"/>
+          </a:xfrm>
+          <a:prstGeom prst="rect">
+            <a:avLst/>
+          </a:prstGeom>
+          <a:noFill/>
+        </p:spPr>
+        <p:txBody>
+          <a:bodyPr wrap="square">
+            <a:spAutoFit/>
+          </a:bodyPr>
+          <a:lstStyle/>
+          <a:p>
+            <a:pPr algn="ctr"/>
+            <a:r>
+              <a:rPr lang="en-US" altLang="ko-Kore-KR" dirty="0">
+                <a:latin typeface="DM Mono" panose="020B0509040201040103" pitchFamily="49" charset="0"/>
+              </a:rPr>
+              <a:t>Shape s</a:t>
+            </a:r>
+            <a:endParaRPr lang="ko-Kore-KR" altLang="en-US" dirty="0"/>
+          </a:p>
+        </p:txBody>
+      </p:sp>
+      <p:sp>
+        <p:nvSpPr>
+          <p:cNvPr id="35" name="직사각형 34">
+            <a:extLst>
+              <a:ext uri="{FF2B5EF4-FFF2-40B4-BE49-F238E27FC236}">
+                <a16:creationId xmlns:a16="http://schemas.microsoft.com/office/drawing/2014/main" id="{5C667D19-CD47-6DEF-4883-E8F97AD501C9}"/>
+              </a:ext>
+            </a:extLst>
+          </p:cNvPr>
+          <p:cNvSpPr/>
+          <p:nvPr/>
+        </p:nvSpPr>
+        <p:spPr>
+          <a:xfrm>
+            <a:off x="8170092" y="2552940"/>
+            <a:ext cx="804912" cy="482277"/>
+          </a:xfrm>
+          <a:prstGeom prst="rect">
+            <a:avLst/>
+          </a:prstGeom>
+          <a:solidFill>
+            <a:srgbClr val="FFFF00"/>
+          </a:solidFill>
+        </p:spPr>
+        <p:style>
+          <a:lnRef idx="2">
+            <a:schemeClr val="accent1">
+              <a:shade val="15000"/>
+            </a:schemeClr>
+          </a:lnRef>
+          <a:fillRef idx="1">
+            <a:schemeClr val="accent1"/>
+          </a:fillRef>
+          <a:effectRef idx="0">
+            <a:schemeClr val="accent1"/>
+          </a:effectRef>
+          <a:fontRef idx="minor">
+            <a:schemeClr val="lt1"/>
+          </a:fontRef>
+        </p:style>
+        <p:txBody>
+          <a:bodyPr rtlCol="0" anchor="ctr"/>
+          <a:lstStyle/>
+          <a:p>
+            <a:pPr algn="ctr"/>
+            <a:endParaRPr kumimoji="1" lang="ko-Kore-KR" altLang="en-US" sz="1600" dirty="0">
+              <a:solidFill>
+                <a:srgbClr val="FF0000"/>
+              </a:solidFill>
+              <a:latin typeface="DM Mono" panose="020B0509040201040103" pitchFamily="49" charset="0"/>
+            </a:endParaRPr>
+          </a:p>
+        </p:txBody>
+      </p:sp>
+      <p:sp>
+        <p:nvSpPr>
+          <p:cNvPr id="36" name="TextBox 35">
+            <a:extLst>
+              <a:ext uri="{FF2B5EF4-FFF2-40B4-BE49-F238E27FC236}">
+                <a16:creationId xmlns:a16="http://schemas.microsoft.com/office/drawing/2014/main" id="{5BC24F0E-4DA6-E1E1-41CE-385ED8811DDA}"/>
+              </a:ext>
+            </a:extLst>
+          </p:cNvPr>
+          <p:cNvSpPr txBox="1"/>
+          <p:nvPr/>
+        </p:nvSpPr>
+        <p:spPr>
+          <a:xfrm>
+            <a:off x="6837485" y="2609412"/>
+            <a:ext cx="1332608" cy="369332"/>
+          </a:xfrm>
+          <a:prstGeom prst="rect">
+            <a:avLst/>
+          </a:prstGeom>
+          <a:noFill/>
+        </p:spPr>
+        <p:txBody>
+          <a:bodyPr wrap="square">
+            <a:spAutoFit/>
+          </a:bodyPr>
+          <a:lstStyle/>
+          <a:p>
+            <a:pPr algn="r"/>
+            <a:r>
+              <a:rPr lang="en-US" altLang="ko-Kore-KR" dirty="0">
+                <a:latin typeface="DM Mono" panose="020B0509040201040103" pitchFamily="49" charset="0"/>
+              </a:rPr>
+              <a:t>y</a:t>
+            </a:r>
+            <a:endParaRPr lang="ko-Kore-KR" altLang="en-US" dirty="0"/>
+          </a:p>
+        </p:txBody>
+      </p:sp>
+      <p:sp>
+        <p:nvSpPr>
+          <p:cNvPr id="37" name="직사각형 36">
+            <a:extLst>
+              <a:ext uri="{FF2B5EF4-FFF2-40B4-BE49-F238E27FC236}">
+                <a16:creationId xmlns:a16="http://schemas.microsoft.com/office/drawing/2014/main" id="{F8BEFA88-6752-86E0-1406-AE660FBF536F}"/>
+              </a:ext>
+            </a:extLst>
+          </p:cNvPr>
+          <p:cNvSpPr/>
+          <p:nvPr/>
+        </p:nvSpPr>
+        <p:spPr>
+          <a:xfrm>
+            <a:off x="8170092" y="1614189"/>
+            <a:ext cx="804912" cy="482277"/>
+          </a:xfrm>
+          <a:prstGeom prst="rect">
+            <a:avLst/>
+          </a:prstGeom>
+          <a:solidFill>
+            <a:srgbClr val="92D050"/>
+          </a:solidFill>
+        </p:spPr>
+        <p:style>
+          <a:lnRef idx="2">
+            <a:schemeClr val="accent1">
+              <a:shade val="15000"/>
+            </a:schemeClr>
+          </a:lnRef>
+          <a:fillRef idx="1">
+            <a:schemeClr val="accent1"/>
+          </a:fillRef>
+          <a:effectRef idx="0">
+            <a:schemeClr val="accent1"/>
+          </a:effectRef>
+          <a:fontRef idx="minor">
+            <a:schemeClr val="lt1"/>
+          </a:fontRef>
+        </p:style>
+        <p:txBody>
+          <a:bodyPr rtlCol="0" anchor="ctr"/>
+          <a:lstStyle/>
+          <a:p>
+            <a:pPr algn="ctr"/>
+            <a:endParaRPr kumimoji="1" lang="ko-Kore-KR" altLang="en-US" sz="1600" dirty="0">
+              <a:solidFill>
+                <a:srgbClr val="FF0000"/>
+              </a:solidFill>
+              <a:latin typeface="DM Mono" panose="020B0509040201040103" pitchFamily="49" charset="0"/>
+            </a:endParaRPr>
+          </a:p>
+        </p:txBody>
+      </p:sp>
+      <p:sp>
+        <p:nvSpPr>
+          <p:cNvPr id="38" name="TextBox 37">
+            <a:extLst>
+              <a:ext uri="{FF2B5EF4-FFF2-40B4-BE49-F238E27FC236}">
+                <a16:creationId xmlns:a16="http://schemas.microsoft.com/office/drawing/2014/main" id="{5DF3179C-5124-CDB9-9FB2-1898E1CE6C12}"/>
+              </a:ext>
+            </a:extLst>
+          </p:cNvPr>
+          <p:cNvSpPr txBox="1"/>
+          <p:nvPr/>
+        </p:nvSpPr>
+        <p:spPr>
+          <a:xfrm>
+            <a:off x="6837485" y="1670661"/>
+            <a:ext cx="1332608" cy="369332"/>
+          </a:xfrm>
+          <a:prstGeom prst="rect">
+            <a:avLst/>
+          </a:prstGeom>
+          <a:noFill/>
+        </p:spPr>
+        <p:txBody>
+          <a:bodyPr wrap="square">
+            <a:spAutoFit/>
+          </a:bodyPr>
+          <a:lstStyle/>
+          <a:p>
+            <a:pPr algn="r"/>
+            <a:r>
+              <a:rPr lang="en-US" altLang="ko-Kore-KR" dirty="0" err="1">
+                <a:latin typeface="DM Mono" panose="020B0509040201040103" pitchFamily="49" charset="0"/>
+              </a:rPr>
+              <a:t>vfptr</a:t>
+            </a:r>
+            <a:endParaRPr lang="ko-Kore-KR" altLang="en-US" dirty="0"/>
+          </a:p>
+        </p:txBody>
+      </p:sp>
+      <p:cxnSp>
+        <p:nvCxnSpPr>
+          <p:cNvPr id="39" name="구부러진 연결선[U] 38">
+            <a:extLst>
+              <a:ext uri="{FF2B5EF4-FFF2-40B4-BE49-F238E27FC236}">
+                <a16:creationId xmlns:a16="http://schemas.microsoft.com/office/drawing/2014/main" id="{5E819638-857A-0109-91A9-A2E56ED60CEC}"/>
+              </a:ext>
+            </a:extLst>
+          </p:cNvPr>
+          <p:cNvCxnSpPr>
+            <a:cxnSpLocks/>
+            <a:stCxn id="37" idx="3"/>
+            <a:endCxn id="10" idx="1"/>
+          </p:cNvCxnSpPr>
+          <p:nvPr/>
+        </p:nvCxnSpPr>
+        <p:spPr>
+          <a:xfrm flipV="1">
+            <a:off x="8975004" y="899058"/>
+            <a:ext cx="766446" cy="956270"/>
+          </a:xfrm>
+          <a:prstGeom prst="curvedConnector3">
+            <a:avLst/>
+          </a:prstGeom>
+          <a:ln w="12700">
+            <a:tailEnd type="triangle"/>
+          </a:ln>
+        </p:spPr>
+        <p:style>
+          <a:lnRef idx="1">
+            <a:schemeClr val="dk1"/>
+          </a:lnRef>
+          <a:fillRef idx="0">
+            <a:schemeClr val="dk1"/>
+          </a:fillRef>
+          <a:effectRef idx="0">
+            <a:schemeClr val="dk1"/>
+          </a:effectRef>
+          <a:fontRef idx="minor">
+            <a:schemeClr val="tx1"/>
+          </a:fontRef>
+        </p:style>
+      </p:cxnSp>
+      <p:sp>
+        <p:nvSpPr>
+          <p:cNvPr id="16" name="직사각형 15">
+            <a:extLst>
+              <a:ext uri="{FF2B5EF4-FFF2-40B4-BE49-F238E27FC236}">
+                <a16:creationId xmlns:a16="http://schemas.microsoft.com/office/drawing/2014/main" id="{E294B7C8-08FC-5F84-2B19-17D4E8BC22BA}"/>
+              </a:ext>
+            </a:extLst>
+          </p:cNvPr>
+          <p:cNvSpPr/>
+          <p:nvPr/>
+        </p:nvSpPr>
+        <p:spPr>
+          <a:xfrm>
+            <a:off x="9741015" y="1083039"/>
+            <a:ext cx="1636792" cy="369332"/>
+          </a:xfrm>
+          <a:prstGeom prst="rect">
+            <a:avLst/>
+          </a:prstGeom>
+          <a:solidFill>
+            <a:srgbClr val="FFFF00"/>
+          </a:solidFill>
+        </p:spPr>
+        <p:style>
+          <a:lnRef idx="2">
+            <a:schemeClr val="accent1">
+              <a:shade val="15000"/>
+            </a:schemeClr>
+          </a:lnRef>
+          <a:fillRef idx="1">
+            <a:schemeClr val="accent1"/>
+          </a:fillRef>
+          <a:effectRef idx="0">
+            <a:schemeClr val="accent1"/>
+          </a:effectRef>
+          <a:fontRef idx="minor">
+            <a:schemeClr val="lt1"/>
+          </a:fontRef>
+        </p:style>
+        <p:txBody>
+          <a:bodyPr rtlCol="0" anchor="ctr"/>
+          <a:lstStyle/>
+          <a:p>
+            <a:pPr algn="ctr"/>
+            <a:r>
+              <a:rPr kumimoji="1" lang="en-US" altLang="ko-Kore-KR" sz="1400" dirty="0">
+                <a:solidFill>
+                  <a:schemeClr val="tx1"/>
+                </a:solidFill>
+                <a:latin typeface="DM Mono" panose="020B0509040201040103" pitchFamily="49" charset="0"/>
+              </a:rPr>
+              <a:t>Shape::Clone</a:t>
+            </a:r>
+            <a:endParaRPr kumimoji="1" lang="ko-Kore-KR" altLang="en-US" sz="1400" dirty="0">
+              <a:solidFill>
+                <a:schemeClr val="tx1"/>
+              </a:solidFill>
+              <a:latin typeface="DM Mono" panose="020B0509040201040103" pitchFamily="49" charset="0"/>
+            </a:endParaRPr>
+          </a:p>
+        </p:txBody>
+      </p:sp>
+      <p:sp>
+        <p:nvSpPr>
+          <p:cNvPr id="22" name="직사각형 21">
+            <a:extLst>
+              <a:ext uri="{FF2B5EF4-FFF2-40B4-BE49-F238E27FC236}">
+                <a16:creationId xmlns:a16="http://schemas.microsoft.com/office/drawing/2014/main" id="{92D2BF83-0A0F-721D-B91D-BCAAFEB59CA7}"/>
+              </a:ext>
+            </a:extLst>
+          </p:cNvPr>
+          <p:cNvSpPr/>
+          <p:nvPr/>
+        </p:nvSpPr>
+        <p:spPr>
+          <a:xfrm>
+            <a:off x="9747210" y="3495999"/>
+            <a:ext cx="1636792" cy="369332"/>
+          </a:xfrm>
+          <a:prstGeom prst="rect">
+            <a:avLst/>
+          </a:prstGeom>
+          <a:solidFill>
+            <a:srgbClr val="FFFF00"/>
+          </a:solidFill>
+        </p:spPr>
+        <p:style>
+          <a:lnRef idx="2">
+            <a:schemeClr val="accent1">
+              <a:shade val="15000"/>
+            </a:schemeClr>
+          </a:lnRef>
+          <a:fillRef idx="1">
+            <a:schemeClr val="accent1"/>
+          </a:fillRef>
+          <a:effectRef idx="0">
+            <a:schemeClr val="accent1"/>
+          </a:effectRef>
+          <a:fontRef idx="minor">
+            <a:schemeClr val="lt1"/>
+          </a:fontRef>
+        </p:style>
+        <p:txBody>
+          <a:bodyPr rtlCol="0" anchor="ctr"/>
+          <a:lstStyle/>
+          <a:p>
+            <a:pPr algn="ctr"/>
+            <a:r>
+              <a:rPr kumimoji="1" lang="en-US" altLang="ko-Kore-KR" sz="1400" dirty="0">
+                <a:solidFill>
+                  <a:schemeClr val="tx1"/>
+                </a:solidFill>
+                <a:latin typeface="DM Mono" panose="020B0509040201040103" pitchFamily="49" charset="0"/>
+              </a:rPr>
+              <a:t>Shape::Clone</a:t>
+            </a:r>
+            <a:endParaRPr kumimoji="1" lang="ko-Kore-KR" altLang="en-US" sz="1400" dirty="0">
+              <a:solidFill>
+                <a:schemeClr val="tx1"/>
+              </a:solidFill>
+              <a:latin typeface="DM Mono" panose="020B0509040201040103" pitchFamily="49" charset="0"/>
+            </a:endParaRPr>
+          </a:p>
+        </p:txBody>
+      </p:sp>
+    </p:spTree>
+    <p:extLst>
+      <p:ext uri="{BB962C8B-B14F-4D97-AF65-F5344CB8AC3E}">
+        <p14:creationId xmlns:p14="http://schemas.microsoft.com/office/powerpoint/2010/main" val="595519601"/>
+      </p:ext>
+    </p:extLst>
+  </p:cSld>
+  <p:clrMapOvr>
+    <a:masterClrMapping/>
+  </p:clrMapOvr>
+</p:sld>
+</file>
+
+<file path=ppt/slides/slide37.xml><?xml version="1.0" encoding="utf-8"?>
+<p:sld xmlns:a="http://schemas.openxmlformats.org/drawingml/2006/main" xmlns:r="http://schemas.openxmlformats.org/officeDocument/2006/relationships" xmlns:p="http://schemas.openxmlformats.org/presentationml/2006/main">
+  <p:cSld>
+    <p:spTree>
+      <p:nvGrpSpPr>
+        <p:cNvPr id="1" name=""/>
+        <p:cNvGrpSpPr/>
+        <p:nvPr/>
+      </p:nvGrpSpPr>
+      <p:grpSpPr>
+        <a:xfrm>
+          <a:off x="0" y="0"/>
+          <a:ext cx="0" cy="0"/>
+          <a:chOff x="0" y="0"/>
+          <a:chExt cx="0" cy="0"/>
+        </a:xfrm>
+      </p:grpSpPr>
+      <p:sp>
+        <p:nvSpPr>
+          <p:cNvPr id="11" name="TextBox 10">
+            <a:extLst>
+              <a:ext uri="{FF2B5EF4-FFF2-40B4-BE49-F238E27FC236}">
+                <a16:creationId xmlns:a16="http://schemas.microsoft.com/office/drawing/2014/main" id="{309311D2-1E40-F268-F0EC-D943828E315A}"/>
+              </a:ext>
+            </a:extLst>
+          </p:cNvPr>
+          <p:cNvSpPr txBox="1"/>
+          <p:nvPr/>
+        </p:nvSpPr>
+        <p:spPr>
+          <a:xfrm>
+            <a:off x="390344" y="293668"/>
+            <a:ext cx="4983913" cy="5755422"/>
+          </a:xfrm>
+          <a:prstGeom prst="rect">
+            <a:avLst/>
+          </a:prstGeom>
+          <a:noFill/>
+        </p:spPr>
+        <p:txBody>
+          <a:bodyPr wrap="square">
+            <a:spAutoFit/>
+          </a:bodyPr>
+          <a:lstStyle/>
+          <a:p>
+            <a:r>
+              <a:rPr lang="ko-Kore-KR" altLang="en-US" sz="1600" dirty="0">
+                <a:latin typeface="DM Mono" panose="020B0509040201040103" pitchFamily="49" charset="0"/>
+              </a:rPr>
+              <a:t>class Shape {</a:t>
+            </a:r>
+          </a:p>
+          <a:p>
+            <a:r>
+              <a:rPr lang="ko-Kore-KR" altLang="en-US" sz="1600" dirty="0">
+                <a:latin typeface="DM Mono" panose="020B0509040201040103" pitchFamily="49" charset="0"/>
+              </a:rPr>
+              <a:t>    int x;</a:t>
+            </a:r>
+          </a:p>
+          <a:p>
+            <a:r>
+              <a:rPr lang="ko-Kore-KR" altLang="en-US" sz="1600" dirty="0">
+                <a:latin typeface="DM Mono" panose="020B0509040201040103" pitchFamily="49" charset="0"/>
+              </a:rPr>
+              <a:t>    int y;</a:t>
+            </a:r>
+          </a:p>
+          <a:p>
+            <a:endParaRPr lang="ko-Kore-KR" altLang="en-US" sz="1600" dirty="0">
+              <a:latin typeface="DM Mono" panose="020B0509040201040103" pitchFamily="49" charset="0"/>
+            </a:endParaRPr>
+          </a:p>
+          <a:p>
+            <a:r>
+              <a:rPr lang="ko-Kore-KR" altLang="en-US" sz="1600" dirty="0">
+                <a:latin typeface="DM Mono" panose="020B0509040201040103" pitchFamily="49" charset="0"/>
+              </a:rPr>
+              <a:t>public:</a:t>
+            </a:r>
+          </a:p>
+          <a:p>
+            <a:r>
+              <a:rPr lang="ko-Kore-KR" altLang="en-US" sz="1600" dirty="0">
+                <a:latin typeface="DM Mono" panose="020B0509040201040103" pitchFamily="49" charset="0"/>
+              </a:rPr>
+              <a:t>    </a:t>
+            </a:r>
+            <a:r>
+              <a:rPr lang="en-US" altLang="ko-Kore-KR" sz="1600" dirty="0">
+                <a:latin typeface="DM Mono" panose="020B0509040201040103" pitchFamily="49" charset="0"/>
+              </a:rPr>
+              <a:t>virtual </a:t>
+            </a:r>
+            <a:r>
+              <a:rPr lang="ko-Kore-KR" altLang="en-US" sz="1600" dirty="0">
+                <a:latin typeface="DM Mono" panose="020B0509040201040103" pitchFamily="49" charset="0"/>
+              </a:rPr>
+              <a:t>void Draw() const { }</a:t>
+            </a:r>
+            <a:endParaRPr lang="en-US" altLang="ko-Kore-KR" sz="1600" dirty="0">
+              <a:latin typeface="DM Mono" panose="020B0509040201040103" pitchFamily="49" charset="0"/>
+            </a:endParaRPr>
+          </a:p>
+          <a:p>
+            <a:r>
+              <a:rPr lang="ko-Kore-KR" altLang="en-US" sz="1600" dirty="0">
+                <a:latin typeface="DM Mono" panose="020B0509040201040103" pitchFamily="49" charset="0"/>
+              </a:rPr>
+              <a:t>    </a:t>
+            </a:r>
+            <a:r>
+              <a:rPr lang="en-US" altLang="ko-Kore-KR" sz="1600" dirty="0">
+                <a:latin typeface="DM Mono" panose="020B0509040201040103" pitchFamily="49" charset="0"/>
+              </a:rPr>
+              <a:t>virtual Shape* Clone() {}</a:t>
+            </a:r>
+            <a:endParaRPr lang="ko-Kore-KR" altLang="en-US" sz="1600" dirty="0">
+              <a:latin typeface="DM Mono" panose="020B0509040201040103" pitchFamily="49" charset="0"/>
+            </a:endParaRPr>
+          </a:p>
+          <a:p>
+            <a:r>
+              <a:rPr lang="ko-Kore-KR" altLang="en-US" sz="1600" dirty="0">
+                <a:latin typeface="DM Mono" panose="020B0509040201040103" pitchFamily="49" charset="0"/>
+              </a:rPr>
+              <a:t>};</a:t>
+            </a:r>
+          </a:p>
+          <a:p>
+            <a:endParaRPr lang="ko-Kore-KR" altLang="en-US" sz="1600" dirty="0">
+              <a:latin typeface="DM Mono" panose="020B0509040201040103" pitchFamily="49" charset="0"/>
+            </a:endParaRPr>
+          </a:p>
+          <a:p>
+            <a:r>
+              <a:rPr lang="ko-Kore-KR" altLang="en-US" sz="1600" dirty="0">
+                <a:latin typeface="DM Mono" panose="020B0509040201040103" pitchFamily="49" charset="0"/>
+              </a:rPr>
+              <a:t>class Rect : public Shape {</a:t>
+            </a:r>
+          </a:p>
+          <a:p>
+            <a:r>
+              <a:rPr lang="ko-Kore-KR" altLang="en-US" sz="1600" dirty="0">
+                <a:latin typeface="DM Mono" panose="020B0509040201040103" pitchFamily="49" charset="0"/>
+              </a:rPr>
+              <a:t>    int width;</a:t>
+            </a:r>
+            <a:endParaRPr lang="en-US" altLang="ko-Kore-KR" sz="1600" dirty="0">
+              <a:latin typeface="DM Mono" panose="020B0509040201040103" pitchFamily="49" charset="0"/>
+            </a:endParaRPr>
+          </a:p>
+          <a:p>
+            <a:r>
+              <a:rPr lang="en-US" altLang="ko-Kore-KR" sz="1600" dirty="0">
+                <a:latin typeface="DM Mono" panose="020B0509040201040103" pitchFamily="49" charset="0"/>
+              </a:rPr>
+              <a:t>public:</a:t>
+            </a:r>
+          </a:p>
+          <a:p>
+            <a:r>
+              <a:rPr lang="en-US" altLang="ko-Kore-KR" sz="1600" dirty="0">
+                <a:solidFill>
+                  <a:srgbClr val="FF0000"/>
+                </a:solidFill>
+                <a:latin typeface="DM Mono" panose="020B0509040201040103" pitchFamily="49" charset="0"/>
+              </a:rPr>
+              <a:t>     void Draw() const override {}</a:t>
+            </a:r>
+            <a:endParaRPr lang="ko-Kore-KR" altLang="en-US" sz="1600" dirty="0">
+              <a:solidFill>
+                <a:srgbClr val="FF0000"/>
+              </a:solidFill>
+              <a:latin typeface="DM Mono" panose="020B0509040201040103" pitchFamily="49" charset="0"/>
+            </a:endParaRPr>
+          </a:p>
+          <a:p>
+            <a:r>
+              <a:rPr lang="ko-Kore-KR" altLang="en-US" sz="1600" dirty="0">
+                <a:latin typeface="DM Mono" panose="020B0509040201040103" pitchFamily="49" charset="0"/>
+              </a:rPr>
+              <a:t>};</a:t>
+            </a:r>
+          </a:p>
+          <a:p>
+            <a:endParaRPr lang="ko-Kore-KR" altLang="en-US" sz="1600" dirty="0">
+              <a:latin typeface="DM Mono" panose="020B0509040201040103" pitchFamily="49" charset="0"/>
+            </a:endParaRPr>
+          </a:p>
+          <a:p>
+            <a:r>
+              <a:rPr lang="ko-Kore-KR" altLang="en-US" sz="1600" dirty="0">
+                <a:latin typeface="DM Mono" panose="020B0509040201040103" pitchFamily="49" charset="0"/>
+              </a:rPr>
+              <a:t>int main()</a:t>
+            </a:r>
+          </a:p>
+          <a:p>
+            <a:r>
+              <a:rPr lang="ko-Kore-KR" altLang="en-US" sz="1600" dirty="0">
+                <a:latin typeface="DM Mono" panose="020B0509040201040103" pitchFamily="49" charset="0"/>
+              </a:rPr>
+              <a:t>{</a:t>
+            </a:r>
+          </a:p>
+          <a:p>
+            <a:r>
+              <a:rPr lang="ko-Kore-KR" altLang="en-US" sz="1600" dirty="0">
+                <a:latin typeface="DM Mono" panose="020B0509040201040103" pitchFamily="49" charset="0"/>
+              </a:rPr>
+              <a:t>    Shape s;</a:t>
+            </a:r>
+          </a:p>
+          <a:p>
+            <a:r>
+              <a:rPr lang="ko-Kore-KR" altLang="en-US" sz="1600" dirty="0">
+                <a:latin typeface="DM Mono" panose="020B0509040201040103" pitchFamily="49" charset="0"/>
+              </a:rPr>
+              <a:t>    cout &lt;&lt; sizeof(s) &lt;&lt; endl;</a:t>
+            </a:r>
+          </a:p>
+          <a:p>
+            <a:endParaRPr lang="ko-Kore-KR" altLang="en-US" sz="1600" dirty="0">
+              <a:latin typeface="DM Mono" panose="020B0509040201040103" pitchFamily="49" charset="0"/>
+            </a:endParaRPr>
+          </a:p>
+          <a:p>
+            <a:r>
+              <a:rPr lang="ko-Kore-KR" altLang="en-US" sz="1600" dirty="0">
+                <a:latin typeface="DM Mono" panose="020B0509040201040103" pitchFamily="49" charset="0"/>
+              </a:rPr>
+              <a:t>    Rect r;</a:t>
+            </a:r>
+          </a:p>
+          <a:p>
+            <a:r>
+              <a:rPr lang="ko-Kore-KR" altLang="en-US" sz="1600" dirty="0">
+                <a:latin typeface="DM Mono" panose="020B0509040201040103" pitchFamily="49" charset="0"/>
+              </a:rPr>
+              <a:t>    cout &lt;&lt; sizeof(r) &lt;&lt; endl;</a:t>
+            </a:r>
+          </a:p>
+          <a:p>
+            <a:r>
+              <a:rPr lang="ko-Kore-KR" altLang="en-US" sz="1600" dirty="0">
+                <a:latin typeface="DM Mono" panose="020B0509040201040103" pitchFamily="49" charset="0"/>
+              </a:rPr>
+              <a:t>}</a:t>
+            </a:r>
+          </a:p>
+        </p:txBody>
+      </p:sp>
+      <p:sp>
+        <p:nvSpPr>
+          <p:cNvPr id="12" name="직사각형 11">
+            <a:extLst>
+              <a:ext uri="{FF2B5EF4-FFF2-40B4-BE49-F238E27FC236}">
+                <a16:creationId xmlns:a16="http://schemas.microsoft.com/office/drawing/2014/main" id="{668BD4A2-2F07-7284-FF95-013966ED3855}"/>
+              </a:ext>
+            </a:extLst>
+          </p:cNvPr>
+          <p:cNvSpPr/>
+          <p:nvPr/>
+        </p:nvSpPr>
+        <p:spPr>
+          <a:xfrm>
+            <a:off x="6492600" y="1424587"/>
+            <a:ext cx="804912" cy="482277"/>
+          </a:xfrm>
+          <a:prstGeom prst="rect">
+            <a:avLst/>
+          </a:prstGeom>
+          <a:solidFill>
+            <a:srgbClr val="FFFF00"/>
+          </a:solidFill>
+        </p:spPr>
+        <p:style>
+          <a:lnRef idx="2">
+            <a:schemeClr val="accent1">
+              <a:shade val="15000"/>
+            </a:schemeClr>
+          </a:lnRef>
+          <a:fillRef idx="1">
+            <a:schemeClr val="accent1"/>
+          </a:fillRef>
+          <a:effectRef idx="0">
+            <a:schemeClr val="accent1"/>
+          </a:effectRef>
+          <a:fontRef idx="minor">
+            <a:schemeClr val="lt1"/>
+          </a:fontRef>
+        </p:style>
+        <p:txBody>
+          <a:bodyPr rtlCol="0" anchor="ctr"/>
+          <a:lstStyle/>
+          <a:p>
+            <a:pPr algn="ctr"/>
+            <a:endParaRPr kumimoji="1" lang="ko-Kore-KR" altLang="en-US" sz="1600" dirty="0">
+              <a:solidFill>
+                <a:srgbClr val="FF0000"/>
+              </a:solidFill>
+              <a:latin typeface="DM Mono" panose="020B0509040201040103" pitchFamily="49" charset="0"/>
+            </a:endParaRPr>
+          </a:p>
+        </p:txBody>
+      </p:sp>
+      <p:sp>
+        <p:nvSpPr>
+          <p:cNvPr id="13" name="TextBox 12">
+            <a:extLst>
+              <a:ext uri="{FF2B5EF4-FFF2-40B4-BE49-F238E27FC236}">
+                <a16:creationId xmlns:a16="http://schemas.microsoft.com/office/drawing/2014/main" id="{9042DBAE-6C4A-974D-FF27-DAD3002C1A8F}"/>
+              </a:ext>
+            </a:extLst>
+          </p:cNvPr>
+          <p:cNvSpPr txBox="1"/>
+          <p:nvPr/>
+        </p:nvSpPr>
+        <p:spPr>
+          <a:xfrm>
+            <a:off x="5159993" y="1481059"/>
+            <a:ext cx="1332608" cy="369332"/>
+          </a:xfrm>
+          <a:prstGeom prst="rect">
+            <a:avLst/>
+          </a:prstGeom>
+          <a:noFill/>
+        </p:spPr>
+        <p:txBody>
+          <a:bodyPr wrap="square">
+            <a:spAutoFit/>
+          </a:bodyPr>
+          <a:lstStyle/>
+          <a:p>
+            <a:pPr algn="r"/>
+            <a:r>
+              <a:rPr lang="en-US" altLang="ko-Kore-KR" dirty="0">
+                <a:latin typeface="DM Mono" panose="020B0509040201040103" pitchFamily="49" charset="0"/>
+              </a:rPr>
+              <a:t>x</a:t>
+            </a:r>
+            <a:endParaRPr lang="ko-Kore-KR" altLang="en-US" dirty="0"/>
+          </a:p>
+        </p:txBody>
+      </p:sp>
+      <p:sp>
+        <p:nvSpPr>
+          <p:cNvPr id="14" name="TextBox 13">
+            <a:extLst>
+              <a:ext uri="{FF2B5EF4-FFF2-40B4-BE49-F238E27FC236}">
+                <a16:creationId xmlns:a16="http://schemas.microsoft.com/office/drawing/2014/main" id="{278ECADC-890F-E502-8A7B-9B16D926A6E1}"/>
+              </a:ext>
+            </a:extLst>
+          </p:cNvPr>
+          <p:cNvSpPr txBox="1"/>
+          <p:nvPr/>
+        </p:nvSpPr>
+        <p:spPr>
+          <a:xfrm>
+            <a:off x="6002243" y="586198"/>
+            <a:ext cx="1785624" cy="369332"/>
+          </a:xfrm>
+          <a:prstGeom prst="rect">
+            <a:avLst/>
+          </a:prstGeom>
+          <a:noFill/>
+        </p:spPr>
+        <p:txBody>
+          <a:bodyPr wrap="square">
+            <a:spAutoFit/>
+          </a:bodyPr>
+          <a:lstStyle/>
+          <a:p>
+            <a:pPr algn="ctr"/>
+            <a:r>
+              <a:rPr lang="en-US" altLang="ko-Kore-KR" dirty="0">
+                <a:latin typeface="DM Mono" panose="020B0509040201040103" pitchFamily="49" charset="0"/>
+              </a:rPr>
+              <a:t>Shape s</a:t>
+            </a:r>
+            <a:endParaRPr lang="ko-Kore-KR" altLang="en-US" dirty="0"/>
+          </a:p>
+        </p:txBody>
+      </p:sp>
+      <p:sp>
+        <p:nvSpPr>
+          <p:cNvPr id="18" name="직사각형 17">
+            <a:extLst>
+              <a:ext uri="{FF2B5EF4-FFF2-40B4-BE49-F238E27FC236}">
+                <a16:creationId xmlns:a16="http://schemas.microsoft.com/office/drawing/2014/main" id="{173593CC-A733-FFBB-50F4-38FCFDCA6663}"/>
+              </a:ext>
+            </a:extLst>
+          </p:cNvPr>
+          <p:cNvSpPr/>
+          <p:nvPr/>
+        </p:nvSpPr>
+        <p:spPr>
+          <a:xfrm>
+            <a:off x="6492600" y="1906862"/>
+            <a:ext cx="804912" cy="482277"/>
+          </a:xfrm>
+          <a:prstGeom prst="rect">
+            <a:avLst/>
+          </a:prstGeom>
+          <a:solidFill>
+            <a:srgbClr val="FFFF00"/>
+          </a:solidFill>
+        </p:spPr>
+        <p:style>
+          <a:lnRef idx="2">
+            <a:schemeClr val="accent1">
+              <a:shade val="15000"/>
+            </a:schemeClr>
+          </a:lnRef>
+          <a:fillRef idx="1">
+            <a:schemeClr val="accent1"/>
+          </a:fillRef>
+          <a:effectRef idx="0">
+            <a:schemeClr val="accent1"/>
+          </a:effectRef>
+          <a:fontRef idx="minor">
+            <a:schemeClr val="lt1"/>
+          </a:fontRef>
+        </p:style>
+        <p:txBody>
+          <a:bodyPr rtlCol="0" anchor="ctr"/>
+          <a:lstStyle/>
+          <a:p>
+            <a:pPr algn="ctr"/>
+            <a:endParaRPr kumimoji="1" lang="ko-Kore-KR" altLang="en-US" sz="1600" dirty="0">
+              <a:solidFill>
+                <a:srgbClr val="FF0000"/>
+              </a:solidFill>
+              <a:latin typeface="DM Mono" panose="020B0509040201040103" pitchFamily="49" charset="0"/>
+            </a:endParaRPr>
+          </a:p>
+        </p:txBody>
+      </p:sp>
+      <p:sp>
+        <p:nvSpPr>
+          <p:cNvPr id="19" name="TextBox 18">
+            <a:extLst>
+              <a:ext uri="{FF2B5EF4-FFF2-40B4-BE49-F238E27FC236}">
+                <a16:creationId xmlns:a16="http://schemas.microsoft.com/office/drawing/2014/main" id="{8FDFD367-26B7-EF3D-1B2F-F5B193225391}"/>
+              </a:ext>
+            </a:extLst>
+          </p:cNvPr>
+          <p:cNvSpPr txBox="1"/>
+          <p:nvPr/>
+        </p:nvSpPr>
+        <p:spPr>
+          <a:xfrm>
+            <a:off x="5159993" y="1963334"/>
+            <a:ext cx="1332608" cy="369332"/>
+          </a:xfrm>
+          <a:prstGeom prst="rect">
+            <a:avLst/>
+          </a:prstGeom>
+          <a:noFill/>
+        </p:spPr>
+        <p:txBody>
+          <a:bodyPr wrap="square">
+            <a:spAutoFit/>
+          </a:bodyPr>
+          <a:lstStyle/>
+          <a:p>
+            <a:pPr algn="r"/>
+            <a:r>
+              <a:rPr lang="en-US" altLang="ko-Kore-KR" dirty="0">
+                <a:latin typeface="DM Mono" panose="020B0509040201040103" pitchFamily="49" charset="0"/>
+              </a:rPr>
+              <a:t>y</a:t>
+            </a:r>
+            <a:endParaRPr lang="ko-Kore-KR" altLang="en-US" dirty="0"/>
+          </a:p>
+        </p:txBody>
+      </p:sp>
+      <p:sp>
+        <p:nvSpPr>
+          <p:cNvPr id="24" name="TextBox 23">
+            <a:extLst>
+              <a:ext uri="{FF2B5EF4-FFF2-40B4-BE49-F238E27FC236}">
+                <a16:creationId xmlns:a16="http://schemas.microsoft.com/office/drawing/2014/main" id="{035ECE70-839E-7031-B873-C4C697AED6DB}"/>
+              </a:ext>
+            </a:extLst>
+          </p:cNvPr>
+          <p:cNvSpPr txBox="1"/>
+          <p:nvPr/>
+        </p:nvSpPr>
+        <p:spPr>
+          <a:xfrm>
+            <a:off x="6085642" y="3124936"/>
+            <a:ext cx="1785624" cy="369332"/>
+          </a:xfrm>
+          <a:prstGeom prst="rect">
+            <a:avLst/>
+          </a:prstGeom>
+          <a:noFill/>
+        </p:spPr>
+        <p:txBody>
+          <a:bodyPr wrap="square">
+            <a:spAutoFit/>
+          </a:bodyPr>
+          <a:lstStyle/>
+          <a:p>
+            <a:pPr algn="ctr"/>
+            <a:r>
+              <a:rPr lang="en-US" altLang="ko-Kore-KR" dirty="0" err="1">
+                <a:latin typeface="DM Mono" panose="020B0509040201040103" pitchFamily="49" charset="0"/>
+              </a:rPr>
+              <a:t>Rect</a:t>
+            </a:r>
+            <a:r>
+              <a:rPr lang="en-US" altLang="ko-Kore-KR" dirty="0">
+                <a:latin typeface="DM Mono" panose="020B0509040201040103" pitchFamily="49" charset="0"/>
+              </a:rPr>
+              <a:t> r</a:t>
+            </a:r>
+            <a:endParaRPr lang="ko-Kore-KR" altLang="en-US" dirty="0"/>
+          </a:p>
+        </p:txBody>
+      </p:sp>
+      <p:sp>
+        <p:nvSpPr>
+          <p:cNvPr id="27" name="직사각형 26">
+            <a:extLst>
+              <a:ext uri="{FF2B5EF4-FFF2-40B4-BE49-F238E27FC236}">
+                <a16:creationId xmlns:a16="http://schemas.microsoft.com/office/drawing/2014/main" id="{A197CF1D-876A-4993-E649-EC228CEF54C8}"/>
+              </a:ext>
+            </a:extLst>
+          </p:cNvPr>
+          <p:cNvSpPr/>
+          <p:nvPr/>
+        </p:nvSpPr>
+        <p:spPr>
+          <a:xfrm>
+            <a:off x="6572695" y="4915293"/>
+            <a:ext cx="804912" cy="482277"/>
+          </a:xfrm>
+          <a:prstGeom prst="rect">
+            <a:avLst/>
+          </a:prstGeom>
+          <a:solidFill>
+            <a:srgbClr val="FFFF00"/>
+          </a:solidFill>
+        </p:spPr>
+        <p:style>
+          <a:lnRef idx="2">
+            <a:schemeClr val="accent1">
+              <a:shade val="15000"/>
+            </a:schemeClr>
+          </a:lnRef>
+          <a:fillRef idx="1">
+            <a:schemeClr val="accent1"/>
+          </a:fillRef>
+          <a:effectRef idx="0">
+            <a:schemeClr val="accent1"/>
+          </a:effectRef>
+          <a:fontRef idx="minor">
+            <a:schemeClr val="lt1"/>
+          </a:fontRef>
+        </p:style>
+        <p:txBody>
+          <a:bodyPr rtlCol="0" anchor="ctr"/>
+          <a:lstStyle/>
+          <a:p>
+            <a:pPr algn="ctr"/>
+            <a:endParaRPr kumimoji="1" lang="ko-Kore-KR" altLang="en-US" sz="1600" dirty="0">
+              <a:solidFill>
+                <a:srgbClr val="FF0000"/>
+              </a:solidFill>
+              <a:latin typeface="DM Mono" panose="020B0509040201040103" pitchFamily="49" charset="0"/>
+            </a:endParaRPr>
+          </a:p>
+        </p:txBody>
+      </p:sp>
+      <p:sp>
+        <p:nvSpPr>
+          <p:cNvPr id="28" name="TextBox 27">
+            <a:extLst>
+              <a:ext uri="{FF2B5EF4-FFF2-40B4-BE49-F238E27FC236}">
+                <a16:creationId xmlns:a16="http://schemas.microsoft.com/office/drawing/2014/main" id="{A4DC667B-6709-FECC-2427-6DFD8F3A71F3}"/>
+              </a:ext>
+            </a:extLst>
+          </p:cNvPr>
+          <p:cNvSpPr txBox="1"/>
+          <p:nvPr/>
+        </p:nvSpPr>
+        <p:spPr>
+          <a:xfrm>
+            <a:off x="5240088" y="4971765"/>
+            <a:ext cx="1332608" cy="369332"/>
+          </a:xfrm>
+          <a:prstGeom prst="rect">
+            <a:avLst/>
+          </a:prstGeom>
+          <a:noFill/>
+        </p:spPr>
+        <p:txBody>
+          <a:bodyPr wrap="square">
+            <a:spAutoFit/>
+          </a:bodyPr>
+          <a:lstStyle/>
+          <a:p>
+            <a:pPr algn="r"/>
+            <a:r>
+              <a:rPr lang="en-US" altLang="ko-Kore-KR" dirty="0">
+                <a:latin typeface="DM Mono" panose="020B0509040201040103" pitchFamily="49" charset="0"/>
+              </a:rPr>
+              <a:t>width</a:t>
+            </a:r>
+            <a:endParaRPr lang="ko-Kore-KR" altLang="en-US" dirty="0"/>
+          </a:p>
+        </p:txBody>
+      </p:sp>
+      <p:sp>
+        <p:nvSpPr>
+          <p:cNvPr id="2" name="직사각형 1">
+            <a:extLst>
+              <a:ext uri="{FF2B5EF4-FFF2-40B4-BE49-F238E27FC236}">
+                <a16:creationId xmlns:a16="http://schemas.microsoft.com/office/drawing/2014/main" id="{10619A8F-C357-BE42-BC5D-2BE2CA9A8E40}"/>
+              </a:ext>
+            </a:extLst>
+          </p:cNvPr>
+          <p:cNvSpPr/>
+          <p:nvPr/>
+        </p:nvSpPr>
+        <p:spPr>
+          <a:xfrm>
+            <a:off x="6492600" y="968111"/>
+            <a:ext cx="804912" cy="482277"/>
+          </a:xfrm>
+          <a:prstGeom prst="rect">
+            <a:avLst/>
+          </a:prstGeom>
+          <a:solidFill>
+            <a:srgbClr val="92D050"/>
+          </a:solidFill>
+        </p:spPr>
+        <p:style>
+          <a:lnRef idx="2">
+            <a:schemeClr val="accent1">
+              <a:shade val="15000"/>
+            </a:schemeClr>
+          </a:lnRef>
+          <a:fillRef idx="1">
+            <a:schemeClr val="accent1"/>
+          </a:fillRef>
+          <a:effectRef idx="0">
+            <a:schemeClr val="accent1"/>
+          </a:effectRef>
+          <a:fontRef idx="minor">
+            <a:schemeClr val="lt1"/>
+          </a:fontRef>
+        </p:style>
+        <p:txBody>
+          <a:bodyPr rtlCol="0" anchor="ctr"/>
+          <a:lstStyle/>
+          <a:p>
+            <a:pPr algn="ctr"/>
+            <a:endParaRPr kumimoji="1" lang="ko-Kore-KR" altLang="en-US" sz="1600" dirty="0">
+              <a:solidFill>
+                <a:srgbClr val="FF0000"/>
+              </a:solidFill>
+              <a:latin typeface="DM Mono" panose="020B0509040201040103" pitchFamily="49" charset="0"/>
+            </a:endParaRPr>
+          </a:p>
+        </p:txBody>
+      </p:sp>
+      <p:sp>
+        <p:nvSpPr>
+          <p:cNvPr id="3" name="TextBox 2">
+            <a:extLst>
+              <a:ext uri="{FF2B5EF4-FFF2-40B4-BE49-F238E27FC236}">
+                <a16:creationId xmlns:a16="http://schemas.microsoft.com/office/drawing/2014/main" id="{82B825F6-DE14-B024-8E5F-0A21775C361F}"/>
+              </a:ext>
+            </a:extLst>
+          </p:cNvPr>
+          <p:cNvSpPr txBox="1"/>
+          <p:nvPr/>
+        </p:nvSpPr>
+        <p:spPr>
+          <a:xfrm>
+            <a:off x="5159993" y="1024583"/>
+            <a:ext cx="1332608" cy="369332"/>
+          </a:xfrm>
+          <a:prstGeom prst="rect">
+            <a:avLst/>
+          </a:prstGeom>
+          <a:noFill/>
+        </p:spPr>
+        <p:txBody>
+          <a:bodyPr wrap="square">
+            <a:spAutoFit/>
+          </a:bodyPr>
+          <a:lstStyle/>
+          <a:p>
+            <a:pPr algn="r"/>
+            <a:r>
+              <a:rPr lang="en-US" altLang="ko-Kore-KR" dirty="0" err="1">
+                <a:latin typeface="DM Mono" panose="020B0509040201040103" pitchFamily="49" charset="0"/>
+              </a:rPr>
+              <a:t>vfptr</a:t>
+            </a:r>
+            <a:endParaRPr lang="ko-Kore-KR" altLang="en-US" dirty="0"/>
+          </a:p>
+        </p:txBody>
+      </p:sp>
+      <p:sp>
+        <p:nvSpPr>
+          <p:cNvPr id="4" name="직사각형 3">
+            <a:extLst>
+              <a:ext uri="{FF2B5EF4-FFF2-40B4-BE49-F238E27FC236}">
+                <a16:creationId xmlns:a16="http://schemas.microsoft.com/office/drawing/2014/main" id="{B1EB09F4-DE7F-3E46-9041-A964728A1ED6}"/>
+              </a:ext>
+            </a:extLst>
+          </p:cNvPr>
+          <p:cNvSpPr/>
+          <p:nvPr/>
+        </p:nvSpPr>
+        <p:spPr>
+          <a:xfrm>
+            <a:off x="6572696" y="3950744"/>
+            <a:ext cx="804912" cy="482277"/>
+          </a:xfrm>
+          <a:prstGeom prst="rect">
+            <a:avLst/>
+          </a:prstGeom>
+          <a:solidFill>
+            <a:srgbClr val="FFFF00"/>
+          </a:solidFill>
+        </p:spPr>
+        <p:style>
+          <a:lnRef idx="2">
+            <a:schemeClr val="accent1">
+              <a:shade val="15000"/>
+            </a:schemeClr>
+          </a:lnRef>
+          <a:fillRef idx="1">
+            <a:schemeClr val="accent1"/>
+          </a:fillRef>
+          <a:effectRef idx="0">
+            <a:schemeClr val="accent1"/>
+          </a:effectRef>
+          <a:fontRef idx="minor">
+            <a:schemeClr val="lt1"/>
+          </a:fontRef>
+        </p:style>
+        <p:txBody>
+          <a:bodyPr rtlCol="0" anchor="ctr"/>
+          <a:lstStyle/>
+          <a:p>
+            <a:pPr algn="ctr"/>
+            <a:endParaRPr kumimoji="1" lang="ko-Kore-KR" altLang="en-US" sz="1600" dirty="0">
+              <a:solidFill>
+                <a:srgbClr val="FF0000"/>
+              </a:solidFill>
+              <a:latin typeface="DM Mono" panose="020B0509040201040103" pitchFamily="49" charset="0"/>
+            </a:endParaRPr>
+          </a:p>
+        </p:txBody>
+      </p:sp>
+      <p:sp>
+        <p:nvSpPr>
+          <p:cNvPr id="5" name="TextBox 4">
+            <a:extLst>
+              <a:ext uri="{FF2B5EF4-FFF2-40B4-BE49-F238E27FC236}">
+                <a16:creationId xmlns:a16="http://schemas.microsoft.com/office/drawing/2014/main" id="{7089E841-C150-3DE2-96B0-F7D01956F648}"/>
+              </a:ext>
+            </a:extLst>
+          </p:cNvPr>
+          <p:cNvSpPr txBox="1"/>
+          <p:nvPr/>
+        </p:nvSpPr>
+        <p:spPr>
+          <a:xfrm>
+            <a:off x="5240089" y="4007216"/>
+            <a:ext cx="1332608" cy="369332"/>
+          </a:xfrm>
+          <a:prstGeom prst="rect">
+            <a:avLst/>
+          </a:prstGeom>
+          <a:noFill/>
+        </p:spPr>
+        <p:txBody>
+          <a:bodyPr wrap="square">
+            <a:spAutoFit/>
+          </a:bodyPr>
+          <a:lstStyle/>
+          <a:p>
+            <a:pPr algn="r"/>
+            <a:r>
+              <a:rPr lang="en-US" altLang="ko-Kore-KR" dirty="0">
+                <a:latin typeface="DM Mono" panose="020B0509040201040103" pitchFamily="49" charset="0"/>
+              </a:rPr>
+              <a:t>x</a:t>
+            </a:r>
+            <a:endParaRPr lang="ko-Kore-KR" altLang="en-US" dirty="0"/>
+          </a:p>
+        </p:txBody>
+      </p:sp>
+      <p:sp>
+        <p:nvSpPr>
+          <p:cNvPr id="6" name="직사각형 5">
+            <a:extLst>
+              <a:ext uri="{FF2B5EF4-FFF2-40B4-BE49-F238E27FC236}">
+                <a16:creationId xmlns:a16="http://schemas.microsoft.com/office/drawing/2014/main" id="{5FEAD076-0042-5FBA-35EE-2334F021B316}"/>
+              </a:ext>
+            </a:extLst>
+          </p:cNvPr>
+          <p:cNvSpPr/>
+          <p:nvPr/>
+        </p:nvSpPr>
+        <p:spPr>
+          <a:xfrm>
+            <a:off x="6572696" y="4433019"/>
+            <a:ext cx="804912" cy="482277"/>
+          </a:xfrm>
+          <a:prstGeom prst="rect">
+            <a:avLst/>
+          </a:prstGeom>
+          <a:solidFill>
+            <a:srgbClr val="FFFF00"/>
+          </a:solidFill>
+        </p:spPr>
+        <p:style>
+          <a:lnRef idx="2">
+            <a:schemeClr val="accent1">
+              <a:shade val="15000"/>
+            </a:schemeClr>
+          </a:lnRef>
+          <a:fillRef idx="1">
+            <a:schemeClr val="accent1"/>
+          </a:fillRef>
+          <a:effectRef idx="0">
+            <a:schemeClr val="accent1"/>
+          </a:effectRef>
+          <a:fontRef idx="minor">
+            <a:schemeClr val="lt1"/>
+          </a:fontRef>
+        </p:style>
+        <p:txBody>
+          <a:bodyPr rtlCol="0" anchor="ctr"/>
+          <a:lstStyle/>
+          <a:p>
+            <a:pPr algn="ctr"/>
+            <a:endParaRPr kumimoji="1" lang="ko-Kore-KR" altLang="en-US" sz="1600" dirty="0">
+              <a:solidFill>
+                <a:srgbClr val="FF0000"/>
+              </a:solidFill>
+              <a:latin typeface="DM Mono" panose="020B0509040201040103" pitchFamily="49" charset="0"/>
+            </a:endParaRPr>
+          </a:p>
+        </p:txBody>
+      </p:sp>
+      <p:sp>
+        <p:nvSpPr>
+          <p:cNvPr id="7" name="TextBox 6">
+            <a:extLst>
+              <a:ext uri="{FF2B5EF4-FFF2-40B4-BE49-F238E27FC236}">
+                <a16:creationId xmlns:a16="http://schemas.microsoft.com/office/drawing/2014/main" id="{049D9E54-60CD-ADD1-DB9F-17BF87999098}"/>
+              </a:ext>
+            </a:extLst>
+          </p:cNvPr>
+          <p:cNvSpPr txBox="1"/>
+          <p:nvPr/>
+        </p:nvSpPr>
+        <p:spPr>
+          <a:xfrm>
+            <a:off x="5240089" y="4489491"/>
+            <a:ext cx="1332608" cy="369332"/>
+          </a:xfrm>
+          <a:prstGeom prst="rect">
+            <a:avLst/>
+          </a:prstGeom>
+          <a:noFill/>
+        </p:spPr>
+        <p:txBody>
+          <a:bodyPr wrap="square">
+            <a:spAutoFit/>
+          </a:bodyPr>
+          <a:lstStyle/>
+          <a:p>
+            <a:pPr algn="r"/>
+            <a:r>
+              <a:rPr lang="en-US" altLang="ko-Kore-KR" dirty="0">
+                <a:latin typeface="DM Mono" panose="020B0509040201040103" pitchFamily="49" charset="0"/>
+              </a:rPr>
+              <a:t>y</a:t>
+            </a:r>
+            <a:endParaRPr lang="ko-Kore-KR" altLang="en-US" dirty="0"/>
+          </a:p>
+        </p:txBody>
+      </p:sp>
+      <p:sp>
+        <p:nvSpPr>
+          <p:cNvPr id="8" name="직사각형 7">
+            <a:extLst>
+              <a:ext uri="{FF2B5EF4-FFF2-40B4-BE49-F238E27FC236}">
+                <a16:creationId xmlns:a16="http://schemas.microsoft.com/office/drawing/2014/main" id="{A9BDD7D5-246E-79A0-3B72-9271FBF8E893}"/>
+              </a:ext>
+            </a:extLst>
+          </p:cNvPr>
+          <p:cNvSpPr/>
+          <p:nvPr/>
+        </p:nvSpPr>
+        <p:spPr>
+          <a:xfrm>
+            <a:off x="6572696" y="3494268"/>
+            <a:ext cx="804912" cy="482277"/>
+          </a:xfrm>
+          <a:prstGeom prst="rect">
+            <a:avLst/>
+          </a:prstGeom>
+          <a:solidFill>
+            <a:srgbClr val="92D050"/>
+          </a:solidFill>
+        </p:spPr>
+        <p:style>
+          <a:lnRef idx="2">
+            <a:schemeClr val="accent1">
+              <a:shade val="15000"/>
+            </a:schemeClr>
+          </a:lnRef>
+          <a:fillRef idx="1">
+            <a:schemeClr val="accent1"/>
+          </a:fillRef>
+          <a:effectRef idx="0">
+            <a:schemeClr val="accent1"/>
+          </a:effectRef>
+          <a:fontRef idx="minor">
+            <a:schemeClr val="lt1"/>
+          </a:fontRef>
+        </p:style>
+        <p:txBody>
+          <a:bodyPr rtlCol="0" anchor="ctr"/>
+          <a:lstStyle/>
+          <a:p>
+            <a:pPr algn="ctr"/>
+            <a:endParaRPr kumimoji="1" lang="ko-Kore-KR" altLang="en-US" sz="1600" dirty="0">
+              <a:solidFill>
+                <a:srgbClr val="FF0000"/>
+              </a:solidFill>
+              <a:latin typeface="DM Mono" panose="020B0509040201040103" pitchFamily="49" charset="0"/>
+            </a:endParaRPr>
+          </a:p>
+        </p:txBody>
+      </p:sp>
+      <p:sp>
+        <p:nvSpPr>
+          <p:cNvPr id="9" name="TextBox 8">
+            <a:extLst>
+              <a:ext uri="{FF2B5EF4-FFF2-40B4-BE49-F238E27FC236}">
+                <a16:creationId xmlns:a16="http://schemas.microsoft.com/office/drawing/2014/main" id="{58DE652F-C782-9F77-C610-A4773BDCE596}"/>
+              </a:ext>
+            </a:extLst>
+          </p:cNvPr>
+          <p:cNvSpPr txBox="1"/>
+          <p:nvPr/>
+        </p:nvSpPr>
+        <p:spPr>
+          <a:xfrm>
+            <a:off x="5240089" y="3550740"/>
+            <a:ext cx="1332608" cy="369332"/>
+          </a:xfrm>
+          <a:prstGeom prst="rect">
+            <a:avLst/>
+          </a:prstGeom>
+          <a:noFill/>
+        </p:spPr>
+        <p:txBody>
+          <a:bodyPr wrap="square">
+            <a:spAutoFit/>
+          </a:bodyPr>
+          <a:lstStyle/>
+          <a:p>
+            <a:pPr algn="r"/>
+            <a:r>
+              <a:rPr lang="en-US" altLang="ko-Kore-KR" dirty="0" err="1">
+                <a:latin typeface="DM Mono" panose="020B0509040201040103" pitchFamily="49" charset="0"/>
+              </a:rPr>
+              <a:t>vfptr</a:t>
+            </a:r>
+            <a:endParaRPr lang="ko-Kore-KR" altLang="en-US" dirty="0"/>
+          </a:p>
+        </p:txBody>
+      </p:sp>
+      <p:sp>
+        <p:nvSpPr>
+          <p:cNvPr id="10" name="직사각형 9">
+            <a:extLst>
+              <a:ext uri="{FF2B5EF4-FFF2-40B4-BE49-F238E27FC236}">
+                <a16:creationId xmlns:a16="http://schemas.microsoft.com/office/drawing/2014/main" id="{2C1CE4C2-5AAD-66EE-2A88-1D2CEC175FC0}"/>
+              </a:ext>
+            </a:extLst>
+          </p:cNvPr>
+          <p:cNvSpPr/>
+          <p:nvPr/>
+        </p:nvSpPr>
+        <p:spPr>
+          <a:xfrm>
+            <a:off x="9741450" y="714392"/>
+            <a:ext cx="1636792" cy="369332"/>
+          </a:xfrm>
+          <a:prstGeom prst="rect">
+            <a:avLst/>
+          </a:prstGeom>
+          <a:solidFill>
+            <a:srgbClr val="FFFF00"/>
+          </a:solidFill>
+        </p:spPr>
+        <p:style>
+          <a:lnRef idx="2">
+            <a:schemeClr val="accent1">
+              <a:shade val="15000"/>
+            </a:schemeClr>
+          </a:lnRef>
+          <a:fillRef idx="1">
+            <a:schemeClr val="accent1"/>
+          </a:fillRef>
+          <a:effectRef idx="0">
+            <a:schemeClr val="accent1"/>
+          </a:effectRef>
+          <a:fontRef idx="minor">
+            <a:schemeClr val="lt1"/>
+          </a:fontRef>
+        </p:style>
+        <p:txBody>
+          <a:bodyPr rtlCol="0" anchor="ctr"/>
+          <a:lstStyle/>
+          <a:p>
+            <a:pPr algn="ctr"/>
+            <a:r>
+              <a:rPr kumimoji="1" lang="en-US" altLang="ko-Kore-KR" sz="1400" dirty="0">
+                <a:solidFill>
+                  <a:schemeClr val="tx1"/>
+                </a:solidFill>
+                <a:latin typeface="DM Mono" panose="020B0509040201040103" pitchFamily="49" charset="0"/>
+              </a:rPr>
+              <a:t>Shape::Draw</a:t>
+            </a:r>
+            <a:endParaRPr kumimoji="1" lang="ko-Kore-KR" altLang="en-US" sz="1400" dirty="0">
+              <a:solidFill>
+                <a:schemeClr val="tx1"/>
+              </a:solidFill>
+              <a:latin typeface="DM Mono" panose="020B0509040201040103" pitchFamily="49" charset="0"/>
+            </a:endParaRPr>
+          </a:p>
+        </p:txBody>
+      </p:sp>
+      <p:sp>
+        <p:nvSpPr>
+          <p:cNvPr id="15" name="TextBox 14">
+            <a:extLst>
+              <a:ext uri="{FF2B5EF4-FFF2-40B4-BE49-F238E27FC236}">
+                <a16:creationId xmlns:a16="http://schemas.microsoft.com/office/drawing/2014/main" id="{DAAC1793-654A-03AD-8749-BEE4CB507FA7}"/>
+              </a:ext>
+            </a:extLst>
+          </p:cNvPr>
+          <p:cNvSpPr txBox="1"/>
+          <p:nvPr/>
+        </p:nvSpPr>
+        <p:spPr>
+          <a:xfrm>
+            <a:off x="9213012" y="375838"/>
+            <a:ext cx="2676372" cy="338554"/>
+          </a:xfrm>
+          <a:prstGeom prst="rect">
+            <a:avLst/>
+          </a:prstGeom>
+          <a:noFill/>
+        </p:spPr>
+        <p:txBody>
+          <a:bodyPr wrap="square">
+            <a:spAutoFit/>
+          </a:bodyPr>
+          <a:lstStyle/>
+          <a:p>
+            <a:pPr algn="ctr"/>
+            <a:r>
+              <a:rPr lang="en-US" altLang="ko-Kore-KR" sz="1600" dirty="0">
+                <a:latin typeface="DM Mono" panose="020B0509040201040103" pitchFamily="49" charset="0"/>
+              </a:rPr>
+              <a:t>Shape </a:t>
+            </a:r>
+            <a:r>
+              <a:rPr lang="ko-Kore-KR" altLang="en-US" sz="1600" dirty="0">
+                <a:latin typeface="DM Mono" panose="020B0509040201040103" pitchFamily="49" charset="0"/>
+              </a:rPr>
+              <a:t>가상함수테이블</a:t>
+            </a:r>
+            <a:endParaRPr lang="ko-Kore-KR" altLang="en-US" sz="1600" dirty="0"/>
+          </a:p>
+        </p:txBody>
+      </p:sp>
+      <p:cxnSp>
+        <p:nvCxnSpPr>
+          <p:cNvPr id="17" name="구부러진 연결선[U] 16">
+            <a:extLst>
+              <a:ext uri="{FF2B5EF4-FFF2-40B4-BE49-F238E27FC236}">
+                <a16:creationId xmlns:a16="http://schemas.microsoft.com/office/drawing/2014/main" id="{EC2DE797-7EA1-1CBE-18A3-C8ACBBC9B79E}"/>
+              </a:ext>
+            </a:extLst>
+          </p:cNvPr>
+          <p:cNvCxnSpPr>
+            <a:stCxn id="2" idx="3"/>
+            <a:endCxn id="10" idx="1"/>
+          </p:cNvCxnSpPr>
+          <p:nvPr/>
+        </p:nvCxnSpPr>
+        <p:spPr>
+          <a:xfrm flipV="1">
+            <a:off x="7297512" y="899058"/>
+            <a:ext cx="2443938" cy="310192"/>
+          </a:xfrm>
+          <a:prstGeom prst="curvedConnector3">
+            <a:avLst/>
+          </a:prstGeom>
+          <a:ln w="12700">
+            <a:tailEnd type="triangle"/>
+          </a:ln>
+        </p:spPr>
+        <p:style>
+          <a:lnRef idx="1">
+            <a:schemeClr val="dk1"/>
+          </a:lnRef>
+          <a:fillRef idx="0">
+            <a:schemeClr val="dk1"/>
+          </a:fillRef>
+          <a:effectRef idx="0">
+            <a:schemeClr val="dk1"/>
+          </a:effectRef>
+          <a:fontRef idx="minor">
+            <a:schemeClr val="tx1"/>
+          </a:fontRef>
+        </p:style>
+      </p:cxnSp>
+      <p:sp>
+        <p:nvSpPr>
+          <p:cNvPr id="20" name="직사각형 19">
+            <a:extLst>
+              <a:ext uri="{FF2B5EF4-FFF2-40B4-BE49-F238E27FC236}">
+                <a16:creationId xmlns:a16="http://schemas.microsoft.com/office/drawing/2014/main" id="{1169F488-BD0F-B250-5150-5E76860A18D5}"/>
+              </a:ext>
+            </a:extLst>
+          </p:cNvPr>
+          <p:cNvSpPr/>
+          <p:nvPr/>
+        </p:nvSpPr>
+        <p:spPr>
+          <a:xfrm>
+            <a:off x="9741015" y="3126667"/>
+            <a:ext cx="1636792" cy="369332"/>
+          </a:xfrm>
+          <a:prstGeom prst="rect">
+            <a:avLst/>
+          </a:prstGeom>
+          <a:solidFill>
+            <a:srgbClr val="FFFF00"/>
+          </a:solidFill>
+        </p:spPr>
+        <p:style>
+          <a:lnRef idx="2">
+            <a:schemeClr val="accent1">
+              <a:shade val="15000"/>
+            </a:schemeClr>
+          </a:lnRef>
+          <a:fillRef idx="1">
+            <a:schemeClr val="accent1"/>
+          </a:fillRef>
+          <a:effectRef idx="0">
+            <a:schemeClr val="accent1"/>
+          </a:effectRef>
+          <a:fontRef idx="minor">
+            <a:schemeClr val="lt1"/>
+          </a:fontRef>
+        </p:style>
+        <p:txBody>
+          <a:bodyPr rtlCol="0" anchor="ctr"/>
+          <a:lstStyle/>
+          <a:p>
+            <a:pPr algn="ctr"/>
+            <a:r>
+              <a:rPr kumimoji="1" lang="en-US" altLang="ko-Kore-KR" sz="1400" dirty="0" err="1">
+                <a:solidFill>
+                  <a:srgbClr val="FF0000"/>
+                </a:solidFill>
+                <a:latin typeface="DM Mono" panose="020B0509040201040103" pitchFamily="49" charset="0"/>
+              </a:rPr>
+              <a:t>Rect</a:t>
+            </a:r>
+            <a:r>
+              <a:rPr kumimoji="1" lang="en-US" altLang="ko-Kore-KR" sz="1400" dirty="0">
+                <a:solidFill>
+                  <a:srgbClr val="FF0000"/>
+                </a:solidFill>
+                <a:latin typeface="DM Mono" panose="020B0509040201040103" pitchFamily="49" charset="0"/>
+              </a:rPr>
+              <a:t>::Draw</a:t>
+            </a:r>
+            <a:endParaRPr kumimoji="1" lang="ko-Kore-KR" altLang="en-US" sz="1400" dirty="0">
+              <a:solidFill>
+                <a:srgbClr val="FF0000"/>
+              </a:solidFill>
+              <a:latin typeface="DM Mono" panose="020B0509040201040103" pitchFamily="49" charset="0"/>
+            </a:endParaRPr>
+          </a:p>
+        </p:txBody>
+      </p:sp>
+      <p:sp>
+        <p:nvSpPr>
+          <p:cNvPr id="21" name="TextBox 20">
+            <a:extLst>
+              <a:ext uri="{FF2B5EF4-FFF2-40B4-BE49-F238E27FC236}">
+                <a16:creationId xmlns:a16="http://schemas.microsoft.com/office/drawing/2014/main" id="{757E5667-53AD-D83A-F496-D8B25BF0DF26}"/>
+              </a:ext>
+            </a:extLst>
+          </p:cNvPr>
+          <p:cNvSpPr txBox="1"/>
+          <p:nvPr/>
+        </p:nvSpPr>
+        <p:spPr>
+          <a:xfrm>
+            <a:off x="9212577" y="2788113"/>
+            <a:ext cx="2676372" cy="338554"/>
+          </a:xfrm>
+          <a:prstGeom prst="rect">
+            <a:avLst/>
+          </a:prstGeom>
+          <a:noFill/>
+        </p:spPr>
+        <p:txBody>
+          <a:bodyPr wrap="square">
+            <a:spAutoFit/>
+          </a:bodyPr>
+          <a:lstStyle/>
+          <a:p>
+            <a:pPr algn="ctr"/>
+            <a:r>
+              <a:rPr lang="en-US" altLang="ko-Kore-KR" sz="1600" dirty="0" err="1">
+                <a:latin typeface="DM Mono" panose="020B0509040201040103" pitchFamily="49" charset="0"/>
+              </a:rPr>
+              <a:t>Rect</a:t>
+            </a:r>
+            <a:r>
+              <a:rPr lang="en-US" altLang="ko-Kore-KR" sz="1600" dirty="0">
+                <a:latin typeface="DM Mono" panose="020B0509040201040103" pitchFamily="49" charset="0"/>
+              </a:rPr>
+              <a:t> </a:t>
+            </a:r>
+            <a:r>
+              <a:rPr lang="ko-Kore-KR" altLang="en-US" sz="1600" dirty="0">
+                <a:latin typeface="DM Mono" panose="020B0509040201040103" pitchFamily="49" charset="0"/>
+              </a:rPr>
+              <a:t>가상함수테이블</a:t>
+            </a:r>
+            <a:endParaRPr lang="ko-Kore-KR" altLang="en-US" sz="1600" dirty="0"/>
+          </a:p>
+        </p:txBody>
+      </p:sp>
+      <p:cxnSp>
+        <p:nvCxnSpPr>
+          <p:cNvPr id="29" name="구부러진 연결선[U] 28">
+            <a:extLst>
+              <a:ext uri="{FF2B5EF4-FFF2-40B4-BE49-F238E27FC236}">
+                <a16:creationId xmlns:a16="http://schemas.microsoft.com/office/drawing/2014/main" id="{74C160F0-B244-68DD-DC37-8CD156E3A372}"/>
+              </a:ext>
+            </a:extLst>
+          </p:cNvPr>
+          <p:cNvCxnSpPr>
+            <a:cxnSpLocks/>
+            <a:stCxn id="8" idx="3"/>
+            <a:endCxn id="20" idx="1"/>
+          </p:cNvCxnSpPr>
+          <p:nvPr/>
+        </p:nvCxnSpPr>
+        <p:spPr>
+          <a:xfrm flipV="1">
+            <a:off x="7377608" y="3311333"/>
+            <a:ext cx="2363407" cy="424074"/>
+          </a:xfrm>
+          <a:prstGeom prst="curvedConnector3">
+            <a:avLst>
+              <a:gd name="adj1" fmla="val 50000"/>
+            </a:avLst>
+          </a:prstGeom>
+          <a:ln w="12700">
+            <a:tailEnd type="triangle"/>
+          </a:ln>
+        </p:spPr>
+        <p:style>
+          <a:lnRef idx="1">
+            <a:schemeClr val="dk1"/>
+          </a:lnRef>
+          <a:fillRef idx="0">
+            <a:schemeClr val="dk1"/>
+          </a:fillRef>
+          <a:effectRef idx="0">
+            <a:schemeClr val="dk1"/>
+          </a:effectRef>
+          <a:fontRef idx="minor">
+            <a:schemeClr val="tx1"/>
+          </a:fontRef>
+        </p:style>
+      </p:cxnSp>
+      <p:sp>
+        <p:nvSpPr>
+          <p:cNvPr id="32" name="직사각형 31">
+            <a:extLst>
+              <a:ext uri="{FF2B5EF4-FFF2-40B4-BE49-F238E27FC236}">
+                <a16:creationId xmlns:a16="http://schemas.microsoft.com/office/drawing/2014/main" id="{EF9329E6-CF51-D343-E139-6811F75EA3F5}"/>
+              </a:ext>
+            </a:extLst>
+          </p:cNvPr>
+          <p:cNvSpPr/>
+          <p:nvPr/>
+        </p:nvSpPr>
+        <p:spPr>
+          <a:xfrm>
+            <a:off x="8170092" y="2070665"/>
+            <a:ext cx="804912" cy="482277"/>
+          </a:xfrm>
+          <a:prstGeom prst="rect">
+            <a:avLst/>
+          </a:prstGeom>
+          <a:solidFill>
+            <a:srgbClr val="FFFF00"/>
+          </a:solidFill>
+        </p:spPr>
+        <p:style>
+          <a:lnRef idx="2">
+            <a:schemeClr val="accent1">
+              <a:shade val="15000"/>
+            </a:schemeClr>
+          </a:lnRef>
+          <a:fillRef idx="1">
+            <a:schemeClr val="accent1"/>
+          </a:fillRef>
+          <a:effectRef idx="0">
+            <a:schemeClr val="accent1"/>
+          </a:effectRef>
+          <a:fontRef idx="minor">
+            <a:schemeClr val="lt1"/>
+          </a:fontRef>
+        </p:style>
+        <p:txBody>
+          <a:bodyPr rtlCol="0" anchor="ctr"/>
+          <a:lstStyle/>
+          <a:p>
+            <a:pPr algn="ctr"/>
+            <a:endParaRPr kumimoji="1" lang="ko-Kore-KR" altLang="en-US" sz="1600" dirty="0">
+              <a:solidFill>
+                <a:srgbClr val="FF0000"/>
+              </a:solidFill>
+              <a:latin typeface="DM Mono" panose="020B0509040201040103" pitchFamily="49" charset="0"/>
+            </a:endParaRPr>
+          </a:p>
+        </p:txBody>
+      </p:sp>
+      <p:sp>
+        <p:nvSpPr>
+          <p:cNvPr id="33" name="TextBox 32">
+            <a:extLst>
+              <a:ext uri="{FF2B5EF4-FFF2-40B4-BE49-F238E27FC236}">
+                <a16:creationId xmlns:a16="http://schemas.microsoft.com/office/drawing/2014/main" id="{C824D7FE-07E5-DC6D-62F3-E657A913AEF8}"/>
+              </a:ext>
+            </a:extLst>
+          </p:cNvPr>
+          <p:cNvSpPr txBox="1"/>
+          <p:nvPr/>
+        </p:nvSpPr>
+        <p:spPr>
+          <a:xfrm>
+            <a:off x="6837485" y="2127137"/>
+            <a:ext cx="1332608" cy="369332"/>
+          </a:xfrm>
+          <a:prstGeom prst="rect">
+            <a:avLst/>
+          </a:prstGeom>
+          <a:noFill/>
+        </p:spPr>
+        <p:txBody>
+          <a:bodyPr wrap="square">
+            <a:spAutoFit/>
+          </a:bodyPr>
+          <a:lstStyle/>
+          <a:p>
+            <a:pPr algn="r"/>
+            <a:r>
+              <a:rPr lang="en-US" altLang="ko-Kore-KR" dirty="0">
+                <a:latin typeface="DM Mono" panose="020B0509040201040103" pitchFamily="49" charset="0"/>
+              </a:rPr>
+              <a:t>x</a:t>
+            </a:r>
+            <a:endParaRPr lang="ko-Kore-KR" altLang="en-US" dirty="0"/>
+          </a:p>
+        </p:txBody>
+      </p:sp>
+      <p:sp>
+        <p:nvSpPr>
+          <p:cNvPr id="34" name="TextBox 33">
+            <a:extLst>
+              <a:ext uri="{FF2B5EF4-FFF2-40B4-BE49-F238E27FC236}">
+                <a16:creationId xmlns:a16="http://schemas.microsoft.com/office/drawing/2014/main" id="{D9BE78D3-3CAA-E805-5A4D-E14AA2DBA4F7}"/>
+              </a:ext>
+            </a:extLst>
+          </p:cNvPr>
+          <p:cNvSpPr txBox="1"/>
+          <p:nvPr/>
+        </p:nvSpPr>
+        <p:spPr>
+          <a:xfrm>
+            <a:off x="7679735" y="1232276"/>
+            <a:ext cx="1785624" cy="369332"/>
+          </a:xfrm>
+          <a:prstGeom prst="rect">
+            <a:avLst/>
+          </a:prstGeom>
+          <a:noFill/>
+        </p:spPr>
+        <p:txBody>
+          <a:bodyPr wrap="square">
+            <a:spAutoFit/>
+          </a:bodyPr>
+          <a:lstStyle/>
+          <a:p>
+            <a:pPr algn="ctr"/>
+            <a:r>
+              <a:rPr lang="en-US" altLang="ko-Kore-KR" dirty="0">
+                <a:latin typeface="DM Mono" panose="020B0509040201040103" pitchFamily="49" charset="0"/>
+              </a:rPr>
+              <a:t>Shape s</a:t>
+            </a:r>
+            <a:endParaRPr lang="ko-Kore-KR" altLang="en-US" dirty="0"/>
+          </a:p>
+        </p:txBody>
+      </p:sp>
+      <p:sp>
+        <p:nvSpPr>
+          <p:cNvPr id="35" name="직사각형 34">
+            <a:extLst>
+              <a:ext uri="{FF2B5EF4-FFF2-40B4-BE49-F238E27FC236}">
+                <a16:creationId xmlns:a16="http://schemas.microsoft.com/office/drawing/2014/main" id="{5C667D19-CD47-6DEF-4883-E8F97AD501C9}"/>
+              </a:ext>
+            </a:extLst>
+          </p:cNvPr>
+          <p:cNvSpPr/>
+          <p:nvPr/>
+        </p:nvSpPr>
+        <p:spPr>
+          <a:xfrm>
+            <a:off x="8170092" y="2552940"/>
+            <a:ext cx="804912" cy="482277"/>
+          </a:xfrm>
+          <a:prstGeom prst="rect">
+            <a:avLst/>
+          </a:prstGeom>
+          <a:solidFill>
+            <a:srgbClr val="FFFF00"/>
+          </a:solidFill>
+        </p:spPr>
+        <p:style>
+          <a:lnRef idx="2">
+            <a:schemeClr val="accent1">
+              <a:shade val="15000"/>
+            </a:schemeClr>
+          </a:lnRef>
+          <a:fillRef idx="1">
+            <a:schemeClr val="accent1"/>
+          </a:fillRef>
+          <a:effectRef idx="0">
+            <a:schemeClr val="accent1"/>
+          </a:effectRef>
+          <a:fontRef idx="minor">
+            <a:schemeClr val="lt1"/>
+          </a:fontRef>
+        </p:style>
+        <p:txBody>
+          <a:bodyPr rtlCol="0" anchor="ctr"/>
+          <a:lstStyle/>
+          <a:p>
+            <a:pPr algn="ctr"/>
+            <a:endParaRPr kumimoji="1" lang="ko-Kore-KR" altLang="en-US" sz="1600" dirty="0">
+              <a:solidFill>
+                <a:srgbClr val="FF0000"/>
+              </a:solidFill>
+              <a:latin typeface="DM Mono" panose="020B0509040201040103" pitchFamily="49" charset="0"/>
+            </a:endParaRPr>
+          </a:p>
+        </p:txBody>
+      </p:sp>
+      <p:sp>
+        <p:nvSpPr>
+          <p:cNvPr id="36" name="TextBox 35">
+            <a:extLst>
+              <a:ext uri="{FF2B5EF4-FFF2-40B4-BE49-F238E27FC236}">
+                <a16:creationId xmlns:a16="http://schemas.microsoft.com/office/drawing/2014/main" id="{5BC24F0E-4DA6-E1E1-41CE-385ED8811DDA}"/>
+              </a:ext>
+            </a:extLst>
+          </p:cNvPr>
+          <p:cNvSpPr txBox="1"/>
+          <p:nvPr/>
+        </p:nvSpPr>
+        <p:spPr>
+          <a:xfrm>
+            <a:off x="6837485" y="2609412"/>
+            <a:ext cx="1332608" cy="369332"/>
+          </a:xfrm>
+          <a:prstGeom prst="rect">
+            <a:avLst/>
+          </a:prstGeom>
+          <a:noFill/>
+        </p:spPr>
+        <p:txBody>
+          <a:bodyPr wrap="square">
+            <a:spAutoFit/>
+          </a:bodyPr>
+          <a:lstStyle/>
+          <a:p>
+            <a:pPr algn="r"/>
+            <a:r>
+              <a:rPr lang="en-US" altLang="ko-Kore-KR" dirty="0">
+                <a:latin typeface="DM Mono" panose="020B0509040201040103" pitchFamily="49" charset="0"/>
+              </a:rPr>
+              <a:t>y</a:t>
+            </a:r>
+            <a:endParaRPr lang="ko-Kore-KR" altLang="en-US" dirty="0"/>
+          </a:p>
+        </p:txBody>
+      </p:sp>
+      <p:sp>
+        <p:nvSpPr>
+          <p:cNvPr id="37" name="직사각형 36">
+            <a:extLst>
+              <a:ext uri="{FF2B5EF4-FFF2-40B4-BE49-F238E27FC236}">
+                <a16:creationId xmlns:a16="http://schemas.microsoft.com/office/drawing/2014/main" id="{F8BEFA88-6752-86E0-1406-AE660FBF536F}"/>
+              </a:ext>
+            </a:extLst>
+          </p:cNvPr>
+          <p:cNvSpPr/>
+          <p:nvPr/>
+        </p:nvSpPr>
+        <p:spPr>
+          <a:xfrm>
+            <a:off x="8170092" y="1614189"/>
+            <a:ext cx="804912" cy="482277"/>
+          </a:xfrm>
+          <a:prstGeom prst="rect">
+            <a:avLst/>
+          </a:prstGeom>
+          <a:solidFill>
+            <a:srgbClr val="92D050"/>
+          </a:solidFill>
+        </p:spPr>
+        <p:style>
+          <a:lnRef idx="2">
+            <a:schemeClr val="accent1">
+              <a:shade val="15000"/>
+            </a:schemeClr>
+          </a:lnRef>
+          <a:fillRef idx="1">
+            <a:schemeClr val="accent1"/>
+          </a:fillRef>
+          <a:effectRef idx="0">
+            <a:schemeClr val="accent1"/>
+          </a:effectRef>
+          <a:fontRef idx="minor">
+            <a:schemeClr val="lt1"/>
+          </a:fontRef>
+        </p:style>
+        <p:txBody>
+          <a:bodyPr rtlCol="0" anchor="ctr"/>
+          <a:lstStyle/>
+          <a:p>
+            <a:pPr algn="ctr"/>
+            <a:endParaRPr kumimoji="1" lang="ko-Kore-KR" altLang="en-US" sz="1600" dirty="0">
+              <a:solidFill>
+                <a:srgbClr val="FF0000"/>
+              </a:solidFill>
+              <a:latin typeface="DM Mono" panose="020B0509040201040103" pitchFamily="49" charset="0"/>
+            </a:endParaRPr>
+          </a:p>
+        </p:txBody>
+      </p:sp>
+      <p:sp>
+        <p:nvSpPr>
+          <p:cNvPr id="38" name="TextBox 37">
+            <a:extLst>
+              <a:ext uri="{FF2B5EF4-FFF2-40B4-BE49-F238E27FC236}">
+                <a16:creationId xmlns:a16="http://schemas.microsoft.com/office/drawing/2014/main" id="{5DF3179C-5124-CDB9-9FB2-1898E1CE6C12}"/>
+              </a:ext>
+            </a:extLst>
+          </p:cNvPr>
+          <p:cNvSpPr txBox="1"/>
+          <p:nvPr/>
+        </p:nvSpPr>
+        <p:spPr>
+          <a:xfrm>
+            <a:off x="6837485" y="1670661"/>
+            <a:ext cx="1332608" cy="369332"/>
+          </a:xfrm>
+          <a:prstGeom prst="rect">
+            <a:avLst/>
+          </a:prstGeom>
+          <a:noFill/>
+        </p:spPr>
+        <p:txBody>
+          <a:bodyPr wrap="square">
+            <a:spAutoFit/>
+          </a:bodyPr>
+          <a:lstStyle/>
+          <a:p>
+            <a:pPr algn="r"/>
+            <a:r>
+              <a:rPr lang="en-US" altLang="ko-Kore-KR" dirty="0" err="1">
+                <a:latin typeface="DM Mono" panose="020B0509040201040103" pitchFamily="49" charset="0"/>
+              </a:rPr>
+              <a:t>vfptr</a:t>
+            </a:r>
+            <a:endParaRPr lang="ko-Kore-KR" altLang="en-US" dirty="0"/>
+          </a:p>
+        </p:txBody>
+      </p:sp>
+      <p:cxnSp>
+        <p:nvCxnSpPr>
+          <p:cNvPr id="39" name="구부러진 연결선[U] 38">
+            <a:extLst>
+              <a:ext uri="{FF2B5EF4-FFF2-40B4-BE49-F238E27FC236}">
+                <a16:creationId xmlns:a16="http://schemas.microsoft.com/office/drawing/2014/main" id="{5E819638-857A-0109-91A9-A2E56ED60CEC}"/>
+              </a:ext>
+            </a:extLst>
+          </p:cNvPr>
+          <p:cNvCxnSpPr>
+            <a:cxnSpLocks/>
+            <a:stCxn id="37" idx="3"/>
+            <a:endCxn id="10" idx="1"/>
+          </p:cNvCxnSpPr>
+          <p:nvPr/>
+        </p:nvCxnSpPr>
+        <p:spPr>
+          <a:xfrm flipV="1">
+            <a:off x="8975004" y="899058"/>
+            <a:ext cx="766446" cy="956270"/>
+          </a:xfrm>
+          <a:prstGeom prst="curvedConnector3">
+            <a:avLst/>
+          </a:prstGeom>
+          <a:ln w="12700">
+            <a:tailEnd type="triangle"/>
+          </a:ln>
+        </p:spPr>
+        <p:style>
+          <a:lnRef idx="1">
+            <a:schemeClr val="dk1"/>
+          </a:lnRef>
+          <a:fillRef idx="0">
+            <a:schemeClr val="dk1"/>
+          </a:fillRef>
+          <a:effectRef idx="0">
+            <a:schemeClr val="dk1"/>
+          </a:effectRef>
+          <a:fontRef idx="minor">
+            <a:schemeClr val="tx1"/>
+          </a:fontRef>
+        </p:style>
+      </p:cxnSp>
+      <p:sp>
+        <p:nvSpPr>
+          <p:cNvPr id="16" name="직사각형 15">
+            <a:extLst>
+              <a:ext uri="{FF2B5EF4-FFF2-40B4-BE49-F238E27FC236}">
+                <a16:creationId xmlns:a16="http://schemas.microsoft.com/office/drawing/2014/main" id="{E294B7C8-08FC-5F84-2B19-17D4E8BC22BA}"/>
+              </a:ext>
+            </a:extLst>
+          </p:cNvPr>
+          <p:cNvSpPr/>
+          <p:nvPr/>
+        </p:nvSpPr>
+        <p:spPr>
+          <a:xfrm>
+            <a:off x="9741015" y="1083039"/>
+            <a:ext cx="1636792" cy="369332"/>
+          </a:xfrm>
+          <a:prstGeom prst="rect">
+            <a:avLst/>
+          </a:prstGeom>
+          <a:solidFill>
+            <a:srgbClr val="FFFF00"/>
+          </a:solidFill>
+        </p:spPr>
+        <p:style>
+          <a:lnRef idx="2">
+            <a:schemeClr val="accent1">
+              <a:shade val="15000"/>
+            </a:schemeClr>
+          </a:lnRef>
+          <a:fillRef idx="1">
+            <a:schemeClr val="accent1"/>
+          </a:fillRef>
+          <a:effectRef idx="0">
+            <a:schemeClr val="accent1"/>
+          </a:effectRef>
+          <a:fontRef idx="minor">
+            <a:schemeClr val="lt1"/>
+          </a:fontRef>
+        </p:style>
+        <p:txBody>
+          <a:bodyPr rtlCol="0" anchor="ctr"/>
+          <a:lstStyle/>
+          <a:p>
+            <a:pPr algn="ctr"/>
+            <a:r>
+              <a:rPr kumimoji="1" lang="en-US" altLang="ko-Kore-KR" sz="1400" dirty="0">
+                <a:solidFill>
+                  <a:schemeClr val="tx1"/>
+                </a:solidFill>
+                <a:latin typeface="DM Mono" panose="020B0509040201040103" pitchFamily="49" charset="0"/>
+              </a:rPr>
+              <a:t>Shape::Clone</a:t>
+            </a:r>
+            <a:endParaRPr kumimoji="1" lang="ko-Kore-KR" altLang="en-US" sz="1400" dirty="0">
+              <a:solidFill>
+                <a:schemeClr val="tx1"/>
+              </a:solidFill>
+              <a:latin typeface="DM Mono" panose="020B0509040201040103" pitchFamily="49" charset="0"/>
+            </a:endParaRPr>
+          </a:p>
+        </p:txBody>
+      </p:sp>
+      <p:sp>
+        <p:nvSpPr>
+          <p:cNvPr id="22" name="직사각형 21">
+            <a:extLst>
+              <a:ext uri="{FF2B5EF4-FFF2-40B4-BE49-F238E27FC236}">
+                <a16:creationId xmlns:a16="http://schemas.microsoft.com/office/drawing/2014/main" id="{92D2BF83-0A0F-721D-B91D-BCAAFEB59CA7}"/>
+              </a:ext>
+            </a:extLst>
+          </p:cNvPr>
+          <p:cNvSpPr/>
+          <p:nvPr/>
+        </p:nvSpPr>
+        <p:spPr>
+          <a:xfrm>
+            <a:off x="9747210" y="3495999"/>
+            <a:ext cx="1636792" cy="369332"/>
+          </a:xfrm>
+          <a:prstGeom prst="rect">
+            <a:avLst/>
+          </a:prstGeom>
+          <a:solidFill>
+            <a:srgbClr val="FFFF00"/>
+          </a:solidFill>
+        </p:spPr>
+        <p:style>
+          <a:lnRef idx="2">
+            <a:schemeClr val="accent1">
+              <a:shade val="15000"/>
+            </a:schemeClr>
+          </a:lnRef>
+          <a:fillRef idx="1">
+            <a:schemeClr val="accent1"/>
+          </a:fillRef>
+          <a:effectRef idx="0">
+            <a:schemeClr val="accent1"/>
+          </a:effectRef>
+          <a:fontRef idx="minor">
+            <a:schemeClr val="lt1"/>
+          </a:fontRef>
+        </p:style>
+        <p:txBody>
+          <a:bodyPr rtlCol="0" anchor="ctr"/>
+          <a:lstStyle/>
+          <a:p>
+            <a:pPr algn="ctr"/>
+            <a:r>
+              <a:rPr kumimoji="1" lang="en-US" altLang="ko-Kore-KR" sz="1400" dirty="0">
+                <a:solidFill>
+                  <a:schemeClr val="tx1"/>
+                </a:solidFill>
+                <a:latin typeface="DM Mono" panose="020B0509040201040103" pitchFamily="49" charset="0"/>
+              </a:rPr>
+              <a:t>Shape::Clone</a:t>
+            </a:r>
+            <a:endParaRPr kumimoji="1" lang="ko-Kore-KR" altLang="en-US" sz="1400" dirty="0">
+              <a:solidFill>
+                <a:schemeClr val="tx1"/>
+              </a:solidFill>
+              <a:latin typeface="DM Mono" panose="020B0509040201040103" pitchFamily="49" charset="0"/>
+            </a:endParaRPr>
+          </a:p>
+        </p:txBody>
+      </p:sp>
+    </p:spTree>
+    <p:extLst>
+      <p:ext uri="{BB962C8B-B14F-4D97-AF65-F5344CB8AC3E}">
+        <p14:creationId xmlns:p14="http://schemas.microsoft.com/office/powerpoint/2010/main" val="2738626864"/>
+      </p:ext>
+    </p:extLst>
+  </p:cSld>
+  <p:clrMapOvr>
+    <a:masterClrMapping/>
+  </p:clrMapOvr>
+</p:sld>
+</file>
+
+<file path=ppt/slides/slide38.xml><?xml version="1.0" encoding="utf-8"?>
+<p:sld xmlns:a="http://schemas.openxmlformats.org/drawingml/2006/main" xmlns:r="http://schemas.openxmlformats.org/officeDocument/2006/relationships" xmlns:p="http://schemas.openxmlformats.org/presentationml/2006/main">
+  <p:cSld>
+    <p:spTree>
+      <p:nvGrpSpPr>
+        <p:cNvPr id="1" name=""/>
+        <p:cNvGrpSpPr/>
+        <p:nvPr/>
+      </p:nvGrpSpPr>
+      <p:grpSpPr>
+        <a:xfrm>
+          <a:off x="0" y="0"/>
+          <a:ext cx="0" cy="0"/>
+          <a:chOff x="0" y="0"/>
+          <a:chExt cx="0" cy="0"/>
+        </a:xfrm>
+      </p:grpSpPr>
+      <p:sp>
+        <p:nvSpPr>
+          <p:cNvPr id="11" name="TextBox 10">
+            <a:extLst>
+              <a:ext uri="{FF2B5EF4-FFF2-40B4-BE49-F238E27FC236}">
+                <a16:creationId xmlns:a16="http://schemas.microsoft.com/office/drawing/2014/main" id="{309311D2-1E40-F268-F0EC-D943828E315A}"/>
+              </a:ext>
+            </a:extLst>
+          </p:cNvPr>
+          <p:cNvSpPr txBox="1"/>
+          <p:nvPr/>
+        </p:nvSpPr>
+        <p:spPr>
+          <a:xfrm>
+            <a:off x="390344" y="293668"/>
+            <a:ext cx="4983913" cy="6986528"/>
+          </a:xfrm>
+          <a:prstGeom prst="rect">
+            <a:avLst/>
+          </a:prstGeom>
+          <a:noFill/>
+        </p:spPr>
+        <p:txBody>
+          <a:bodyPr wrap="square">
+            <a:spAutoFit/>
+          </a:bodyPr>
+          <a:lstStyle/>
+          <a:p>
+            <a:r>
+              <a:rPr lang="ko-Kore-KR" altLang="en-US" sz="1600" dirty="0">
+                <a:latin typeface="DM Mono" panose="020B0509040201040103" pitchFamily="49" charset="0"/>
+              </a:rPr>
+              <a:t>class Shape {</a:t>
+            </a:r>
+          </a:p>
+          <a:p>
+            <a:r>
+              <a:rPr lang="ko-Kore-KR" altLang="en-US" sz="1600" dirty="0">
+                <a:latin typeface="DM Mono" panose="020B0509040201040103" pitchFamily="49" charset="0"/>
+              </a:rPr>
+              <a:t>    int x;</a:t>
+            </a:r>
+          </a:p>
+          <a:p>
+            <a:r>
+              <a:rPr lang="ko-Kore-KR" altLang="en-US" sz="1600" dirty="0">
+                <a:latin typeface="DM Mono" panose="020B0509040201040103" pitchFamily="49" charset="0"/>
+              </a:rPr>
+              <a:t>    int y;</a:t>
+            </a:r>
+          </a:p>
+          <a:p>
+            <a:endParaRPr lang="ko-Kore-KR" altLang="en-US" sz="1600" dirty="0">
+              <a:latin typeface="DM Mono" panose="020B0509040201040103" pitchFamily="49" charset="0"/>
+            </a:endParaRPr>
+          </a:p>
+          <a:p>
+            <a:r>
+              <a:rPr lang="ko-Kore-KR" altLang="en-US" sz="1600" dirty="0">
+                <a:latin typeface="DM Mono" panose="020B0509040201040103" pitchFamily="49" charset="0"/>
+              </a:rPr>
+              <a:t>public:</a:t>
+            </a:r>
+          </a:p>
+          <a:p>
+            <a:r>
+              <a:rPr lang="ko-Kore-KR" altLang="en-US" sz="1600" dirty="0">
+                <a:latin typeface="DM Mono" panose="020B0509040201040103" pitchFamily="49" charset="0"/>
+              </a:rPr>
+              <a:t>    </a:t>
+            </a:r>
+            <a:r>
+              <a:rPr lang="en-US" altLang="ko-Kore-KR" sz="1600" dirty="0">
+                <a:latin typeface="DM Mono" panose="020B0509040201040103" pitchFamily="49" charset="0"/>
+              </a:rPr>
+              <a:t>virtual </a:t>
+            </a:r>
+            <a:r>
+              <a:rPr lang="ko-Kore-KR" altLang="en-US" sz="1600" dirty="0">
+                <a:latin typeface="DM Mono" panose="020B0509040201040103" pitchFamily="49" charset="0"/>
+              </a:rPr>
+              <a:t>void Draw() const { }</a:t>
+            </a:r>
+            <a:endParaRPr lang="en-US" altLang="ko-Kore-KR" sz="1600" dirty="0">
+              <a:latin typeface="DM Mono" panose="020B0509040201040103" pitchFamily="49" charset="0"/>
+            </a:endParaRPr>
+          </a:p>
+          <a:p>
+            <a:r>
+              <a:rPr lang="ko-Kore-KR" altLang="en-US" sz="1600" dirty="0">
+                <a:latin typeface="DM Mono" panose="020B0509040201040103" pitchFamily="49" charset="0"/>
+              </a:rPr>
+              <a:t>    </a:t>
+            </a:r>
+            <a:r>
+              <a:rPr lang="en-US" altLang="ko-Kore-KR" sz="1600" dirty="0">
+                <a:latin typeface="DM Mono" panose="020B0509040201040103" pitchFamily="49" charset="0"/>
+              </a:rPr>
+              <a:t>virtual Shape* Clone() {}</a:t>
+            </a:r>
+            <a:endParaRPr lang="ko-Kore-KR" altLang="en-US" sz="1600" dirty="0">
+              <a:latin typeface="DM Mono" panose="020B0509040201040103" pitchFamily="49" charset="0"/>
+            </a:endParaRPr>
+          </a:p>
+          <a:p>
+            <a:r>
+              <a:rPr lang="ko-Kore-KR" altLang="en-US" sz="1600" dirty="0">
+                <a:latin typeface="DM Mono" panose="020B0509040201040103" pitchFamily="49" charset="0"/>
+              </a:rPr>
+              <a:t>};</a:t>
+            </a:r>
+          </a:p>
+          <a:p>
+            <a:endParaRPr lang="ko-Kore-KR" altLang="en-US" sz="1600" dirty="0">
+              <a:latin typeface="DM Mono" panose="020B0509040201040103" pitchFamily="49" charset="0"/>
+            </a:endParaRPr>
+          </a:p>
+          <a:p>
+            <a:r>
+              <a:rPr lang="ko-Kore-KR" altLang="en-US" sz="1600" dirty="0">
+                <a:latin typeface="DM Mono" panose="020B0509040201040103" pitchFamily="49" charset="0"/>
+              </a:rPr>
+              <a:t>class Rect : public Shape {</a:t>
+            </a:r>
+          </a:p>
+          <a:p>
+            <a:r>
+              <a:rPr lang="ko-Kore-KR" altLang="en-US" sz="1600" dirty="0">
+                <a:latin typeface="DM Mono" panose="020B0509040201040103" pitchFamily="49" charset="0"/>
+              </a:rPr>
+              <a:t>    int width;</a:t>
+            </a:r>
+            <a:endParaRPr lang="en-US" altLang="ko-Kore-KR" sz="1600" dirty="0">
+              <a:latin typeface="DM Mono" panose="020B0509040201040103" pitchFamily="49" charset="0"/>
+            </a:endParaRPr>
+          </a:p>
+          <a:p>
+            <a:r>
+              <a:rPr lang="en-US" altLang="ko-Kore-KR" sz="1600" dirty="0">
+                <a:latin typeface="DM Mono" panose="020B0509040201040103" pitchFamily="49" charset="0"/>
+              </a:rPr>
+              <a:t>public:</a:t>
+            </a:r>
+          </a:p>
+          <a:p>
+            <a:r>
+              <a:rPr lang="en-US" altLang="ko-Kore-KR" sz="1600" dirty="0">
+                <a:latin typeface="DM Mono" panose="020B0509040201040103" pitchFamily="49" charset="0"/>
+              </a:rPr>
+              <a:t>     void Draw() const override {}</a:t>
+            </a:r>
+            <a:endParaRPr lang="ko-Kore-KR" altLang="en-US" sz="1600" dirty="0">
+              <a:latin typeface="DM Mono" panose="020B0509040201040103" pitchFamily="49" charset="0"/>
+            </a:endParaRPr>
+          </a:p>
+          <a:p>
+            <a:r>
+              <a:rPr lang="ko-Kore-KR" altLang="en-US" sz="1600" dirty="0">
+                <a:latin typeface="DM Mono" panose="020B0509040201040103" pitchFamily="49" charset="0"/>
+              </a:rPr>
+              <a:t>};</a:t>
+            </a:r>
+          </a:p>
+          <a:p>
+            <a:endParaRPr lang="ko-Kore-KR" altLang="en-US" sz="1600" dirty="0">
+              <a:latin typeface="DM Mono" panose="020B0509040201040103" pitchFamily="49" charset="0"/>
+            </a:endParaRPr>
+          </a:p>
+          <a:p>
+            <a:r>
+              <a:rPr lang="en-US" altLang="ko-Kore-KR" sz="1600" dirty="0">
+                <a:latin typeface="DM Mono" panose="020B0509040201040103" pitchFamily="49" charset="0"/>
+              </a:rPr>
+              <a:t>int main()</a:t>
+            </a:r>
+          </a:p>
+          <a:p>
+            <a:r>
+              <a:rPr lang="en-US" altLang="ko-Kore-KR" sz="1600" dirty="0">
+                <a:latin typeface="DM Mono" panose="020B0509040201040103" pitchFamily="49" charset="0"/>
+              </a:rPr>
+              <a:t>{</a:t>
+            </a:r>
+          </a:p>
+          <a:p>
+            <a:r>
+              <a:rPr lang="en-US" altLang="ko-Kore-KR" sz="1600" dirty="0">
+                <a:latin typeface="DM Mono" panose="020B0509040201040103" pitchFamily="49" charset="0"/>
+              </a:rPr>
+              <a:t>    Shape s;</a:t>
+            </a:r>
+          </a:p>
+          <a:p>
+            <a:r>
+              <a:rPr lang="en-US" altLang="ko-Kore-KR" sz="1600" dirty="0">
+                <a:latin typeface="DM Mono" panose="020B0509040201040103" pitchFamily="49" charset="0"/>
+              </a:rPr>
+              <a:t>    </a:t>
+            </a:r>
+            <a:r>
+              <a:rPr lang="en-US" altLang="ko-Kore-KR" sz="1600" dirty="0" err="1">
+                <a:latin typeface="DM Mono" panose="020B0509040201040103" pitchFamily="49" charset="0"/>
+              </a:rPr>
+              <a:t>Rect</a:t>
+            </a:r>
+            <a:r>
+              <a:rPr lang="en-US" altLang="ko-Kore-KR" sz="1600" dirty="0">
+                <a:latin typeface="DM Mono" panose="020B0509040201040103" pitchFamily="49" charset="0"/>
+              </a:rPr>
+              <a:t> r;</a:t>
+            </a:r>
+          </a:p>
+          <a:p>
+            <a:endParaRPr lang="en-US" altLang="ko-Kore-KR" sz="1600" dirty="0">
+              <a:latin typeface="DM Mono" panose="020B0509040201040103" pitchFamily="49" charset="0"/>
+            </a:endParaRPr>
+          </a:p>
+          <a:p>
+            <a:r>
+              <a:rPr lang="en-US" altLang="ko-Kore-KR" sz="1600" dirty="0">
+                <a:solidFill>
+                  <a:srgbClr val="FF0000"/>
+                </a:solidFill>
+                <a:latin typeface="DM Mono" panose="020B0509040201040103" pitchFamily="49" charset="0"/>
+              </a:rPr>
+              <a:t>    Shape* p = &amp;s;</a:t>
+            </a:r>
+          </a:p>
+          <a:p>
+            <a:r>
+              <a:rPr lang="en-US" altLang="ko-Kore-KR" sz="1600" dirty="0">
+                <a:solidFill>
+                  <a:srgbClr val="FF0000"/>
+                </a:solidFill>
+                <a:latin typeface="DM Mono" panose="020B0509040201040103" pitchFamily="49" charset="0"/>
+              </a:rPr>
+              <a:t>    p-&gt;Draw();</a:t>
+            </a:r>
+          </a:p>
+          <a:p>
+            <a:r>
+              <a:rPr lang="en-US" altLang="ko-Kore-KR" sz="1600" dirty="0">
+                <a:solidFill>
+                  <a:srgbClr val="FF0000"/>
+                </a:solidFill>
+                <a:latin typeface="DM Mono" panose="020B0509040201040103" pitchFamily="49" charset="0"/>
+              </a:rPr>
+              <a:t>    // (p-&gt;</a:t>
+            </a:r>
+            <a:r>
+              <a:rPr lang="en-US" altLang="ko-Kore-KR" sz="1600" dirty="0" err="1">
+                <a:solidFill>
+                  <a:srgbClr val="FF0000"/>
+                </a:solidFill>
+                <a:latin typeface="DM Mono" panose="020B0509040201040103" pitchFamily="49" charset="0"/>
+              </a:rPr>
+              <a:t>vfptr</a:t>
+            </a:r>
+            <a:r>
+              <a:rPr lang="en-US" altLang="ko-Kore-KR" sz="1600" dirty="0">
+                <a:solidFill>
+                  <a:srgbClr val="FF0000"/>
+                </a:solidFill>
+                <a:latin typeface="DM Mono" panose="020B0509040201040103" pitchFamily="49" charset="0"/>
+              </a:rPr>
+              <a:t>)[0]();</a:t>
+            </a:r>
+          </a:p>
+          <a:p>
+            <a:endParaRPr lang="en-US" altLang="ko-Kore-KR" sz="1600" dirty="0">
+              <a:latin typeface="DM Mono" panose="020B0509040201040103" pitchFamily="49" charset="0"/>
+            </a:endParaRPr>
+          </a:p>
+          <a:p>
+            <a:r>
+              <a:rPr lang="en-US" altLang="ko-Kore-KR" sz="1600" dirty="0">
+                <a:latin typeface="DM Mono" panose="020B0509040201040103" pitchFamily="49" charset="0"/>
+              </a:rPr>
+              <a:t>    p = &amp;r;</a:t>
+            </a:r>
+          </a:p>
+          <a:p>
+            <a:r>
+              <a:rPr lang="en-US" altLang="ko-Kore-KR" sz="1600" dirty="0">
+                <a:latin typeface="DM Mono" panose="020B0509040201040103" pitchFamily="49" charset="0"/>
+              </a:rPr>
+              <a:t>    p-&gt;Draw();</a:t>
+            </a:r>
+          </a:p>
+          <a:p>
+            <a:r>
+              <a:rPr lang="en-US" altLang="ko-Kore-KR" sz="1600" dirty="0">
+                <a:latin typeface="DM Mono" panose="020B0509040201040103" pitchFamily="49" charset="0"/>
+              </a:rPr>
+              <a:t>    p-&gt;Clone();</a:t>
+            </a:r>
+          </a:p>
+          <a:p>
+            <a:r>
+              <a:rPr lang="en-US" altLang="ko-Kore-KR" sz="1600" dirty="0">
+                <a:latin typeface="DM Mono" panose="020B0509040201040103" pitchFamily="49" charset="0"/>
+              </a:rPr>
+              <a:t>}</a:t>
+            </a:r>
+            <a:endParaRPr lang="ko-Kore-KR" altLang="en-US" sz="1600" dirty="0">
+              <a:latin typeface="DM Mono" panose="020B0509040201040103" pitchFamily="49" charset="0"/>
+            </a:endParaRPr>
+          </a:p>
+        </p:txBody>
+      </p:sp>
+      <p:sp>
+        <p:nvSpPr>
+          <p:cNvPr id="12" name="직사각형 11">
+            <a:extLst>
+              <a:ext uri="{FF2B5EF4-FFF2-40B4-BE49-F238E27FC236}">
+                <a16:creationId xmlns:a16="http://schemas.microsoft.com/office/drawing/2014/main" id="{668BD4A2-2F07-7284-FF95-013966ED3855}"/>
+              </a:ext>
+            </a:extLst>
+          </p:cNvPr>
+          <p:cNvSpPr/>
+          <p:nvPr/>
+        </p:nvSpPr>
+        <p:spPr>
+          <a:xfrm>
+            <a:off x="7718704" y="1667708"/>
+            <a:ext cx="804912" cy="482277"/>
+          </a:xfrm>
+          <a:prstGeom prst="rect">
+            <a:avLst/>
+          </a:prstGeom>
+          <a:solidFill>
+            <a:srgbClr val="FFFF00"/>
+          </a:solidFill>
+        </p:spPr>
+        <p:style>
+          <a:lnRef idx="2">
+            <a:schemeClr val="accent1">
+              <a:shade val="15000"/>
+            </a:schemeClr>
+          </a:lnRef>
+          <a:fillRef idx="1">
+            <a:schemeClr val="accent1"/>
+          </a:fillRef>
+          <a:effectRef idx="0">
+            <a:schemeClr val="accent1"/>
+          </a:effectRef>
+          <a:fontRef idx="minor">
+            <a:schemeClr val="lt1"/>
+          </a:fontRef>
+        </p:style>
+        <p:txBody>
+          <a:bodyPr rtlCol="0" anchor="ctr"/>
+          <a:lstStyle/>
+          <a:p>
+            <a:pPr algn="ctr"/>
+            <a:endParaRPr kumimoji="1" lang="ko-Kore-KR" altLang="en-US" sz="1600" dirty="0">
+              <a:solidFill>
+                <a:srgbClr val="FF0000"/>
+              </a:solidFill>
+              <a:latin typeface="DM Mono" panose="020B0509040201040103" pitchFamily="49" charset="0"/>
+            </a:endParaRPr>
+          </a:p>
+        </p:txBody>
+      </p:sp>
+      <p:sp>
+        <p:nvSpPr>
+          <p:cNvPr id="13" name="TextBox 12">
+            <a:extLst>
+              <a:ext uri="{FF2B5EF4-FFF2-40B4-BE49-F238E27FC236}">
+                <a16:creationId xmlns:a16="http://schemas.microsoft.com/office/drawing/2014/main" id="{9042DBAE-6C4A-974D-FF27-DAD3002C1A8F}"/>
+              </a:ext>
+            </a:extLst>
+          </p:cNvPr>
+          <p:cNvSpPr txBox="1"/>
+          <p:nvPr/>
+        </p:nvSpPr>
+        <p:spPr>
+          <a:xfrm>
+            <a:off x="6386097" y="1724180"/>
+            <a:ext cx="1332608" cy="369332"/>
+          </a:xfrm>
+          <a:prstGeom prst="rect">
+            <a:avLst/>
+          </a:prstGeom>
+          <a:noFill/>
+        </p:spPr>
+        <p:txBody>
+          <a:bodyPr wrap="square">
+            <a:spAutoFit/>
+          </a:bodyPr>
+          <a:lstStyle/>
+          <a:p>
+            <a:pPr algn="r"/>
+            <a:r>
+              <a:rPr lang="en-US" altLang="ko-Kore-KR" dirty="0">
+                <a:latin typeface="DM Mono" panose="020B0509040201040103" pitchFamily="49" charset="0"/>
+              </a:rPr>
+              <a:t>x</a:t>
+            </a:r>
+            <a:endParaRPr lang="ko-Kore-KR" altLang="en-US" dirty="0"/>
+          </a:p>
+        </p:txBody>
+      </p:sp>
+      <p:sp>
+        <p:nvSpPr>
+          <p:cNvPr id="14" name="TextBox 13">
+            <a:extLst>
+              <a:ext uri="{FF2B5EF4-FFF2-40B4-BE49-F238E27FC236}">
+                <a16:creationId xmlns:a16="http://schemas.microsoft.com/office/drawing/2014/main" id="{278ECADC-890F-E502-8A7B-9B16D926A6E1}"/>
+              </a:ext>
+            </a:extLst>
+          </p:cNvPr>
+          <p:cNvSpPr txBox="1"/>
+          <p:nvPr/>
+        </p:nvSpPr>
+        <p:spPr>
+          <a:xfrm>
+            <a:off x="7228347" y="829319"/>
+            <a:ext cx="1785624" cy="369332"/>
+          </a:xfrm>
+          <a:prstGeom prst="rect">
+            <a:avLst/>
+          </a:prstGeom>
+          <a:noFill/>
+        </p:spPr>
+        <p:txBody>
+          <a:bodyPr wrap="square">
+            <a:spAutoFit/>
+          </a:bodyPr>
+          <a:lstStyle/>
+          <a:p>
+            <a:pPr algn="ctr"/>
+            <a:r>
+              <a:rPr lang="en-US" altLang="ko-Kore-KR" dirty="0">
+                <a:latin typeface="DM Mono" panose="020B0509040201040103" pitchFamily="49" charset="0"/>
+              </a:rPr>
+              <a:t>Shape s</a:t>
+            </a:r>
+            <a:endParaRPr lang="ko-Kore-KR" altLang="en-US" dirty="0"/>
+          </a:p>
+        </p:txBody>
+      </p:sp>
+      <p:sp>
+        <p:nvSpPr>
+          <p:cNvPr id="18" name="직사각형 17">
+            <a:extLst>
+              <a:ext uri="{FF2B5EF4-FFF2-40B4-BE49-F238E27FC236}">
+                <a16:creationId xmlns:a16="http://schemas.microsoft.com/office/drawing/2014/main" id="{173593CC-A733-FFBB-50F4-38FCFDCA6663}"/>
+              </a:ext>
+            </a:extLst>
+          </p:cNvPr>
+          <p:cNvSpPr/>
+          <p:nvPr/>
+        </p:nvSpPr>
+        <p:spPr>
+          <a:xfrm>
+            <a:off x="7718704" y="2149983"/>
+            <a:ext cx="804912" cy="482277"/>
+          </a:xfrm>
+          <a:prstGeom prst="rect">
+            <a:avLst/>
+          </a:prstGeom>
+          <a:solidFill>
+            <a:srgbClr val="FFFF00"/>
+          </a:solidFill>
+        </p:spPr>
+        <p:style>
+          <a:lnRef idx="2">
+            <a:schemeClr val="accent1">
+              <a:shade val="15000"/>
+            </a:schemeClr>
+          </a:lnRef>
+          <a:fillRef idx="1">
+            <a:schemeClr val="accent1"/>
+          </a:fillRef>
+          <a:effectRef idx="0">
+            <a:schemeClr val="accent1"/>
+          </a:effectRef>
+          <a:fontRef idx="minor">
+            <a:schemeClr val="lt1"/>
+          </a:fontRef>
+        </p:style>
+        <p:txBody>
+          <a:bodyPr rtlCol="0" anchor="ctr"/>
+          <a:lstStyle/>
+          <a:p>
+            <a:pPr algn="ctr"/>
+            <a:endParaRPr kumimoji="1" lang="ko-Kore-KR" altLang="en-US" sz="1600" dirty="0">
+              <a:solidFill>
+                <a:srgbClr val="FF0000"/>
+              </a:solidFill>
+              <a:latin typeface="DM Mono" panose="020B0509040201040103" pitchFamily="49" charset="0"/>
+            </a:endParaRPr>
+          </a:p>
+        </p:txBody>
+      </p:sp>
+      <p:sp>
+        <p:nvSpPr>
+          <p:cNvPr id="19" name="TextBox 18">
+            <a:extLst>
+              <a:ext uri="{FF2B5EF4-FFF2-40B4-BE49-F238E27FC236}">
+                <a16:creationId xmlns:a16="http://schemas.microsoft.com/office/drawing/2014/main" id="{8FDFD367-26B7-EF3D-1B2F-F5B193225391}"/>
+              </a:ext>
+            </a:extLst>
+          </p:cNvPr>
+          <p:cNvSpPr txBox="1"/>
+          <p:nvPr/>
+        </p:nvSpPr>
+        <p:spPr>
+          <a:xfrm>
+            <a:off x="6386097" y="2206455"/>
+            <a:ext cx="1332608" cy="369332"/>
+          </a:xfrm>
+          <a:prstGeom prst="rect">
+            <a:avLst/>
+          </a:prstGeom>
+          <a:noFill/>
+        </p:spPr>
+        <p:txBody>
+          <a:bodyPr wrap="square">
+            <a:spAutoFit/>
+          </a:bodyPr>
+          <a:lstStyle/>
+          <a:p>
+            <a:pPr algn="r"/>
+            <a:r>
+              <a:rPr lang="en-US" altLang="ko-Kore-KR" dirty="0">
+                <a:latin typeface="DM Mono" panose="020B0509040201040103" pitchFamily="49" charset="0"/>
+              </a:rPr>
+              <a:t>y</a:t>
+            </a:r>
+            <a:endParaRPr lang="ko-Kore-KR" altLang="en-US" dirty="0"/>
+          </a:p>
+        </p:txBody>
+      </p:sp>
+      <p:sp>
+        <p:nvSpPr>
+          <p:cNvPr id="24" name="TextBox 23">
+            <a:extLst>
+              <a:ext uri="{FF2B5EF4-FFF2-40B4-BE49-F238E27FC236}">
+                <a16:creationId xmlns:a16="http://schemas.microsoft.com/office/drawing/2014/main" id="{035ECE70-839E-7031-B873-C4C697AED6DB}"/>
+              </a:ext>
+            </a:extLst>
+          </p:cNvPr>
+          <p:cNvSpPr txBox="1"/>
+          <p:nvPr/>
+        </p:nvSpPr>
+        <p:spPr>
+          <a:xfrm>
+            <a:off x="7311746" y="3368057"/>
+            <a:ext cx="1785624" cy="369332"/>
+          </a:xfrm>
+          <a:prstGeom prst="rect">
+            <a:avLst/>
+          </a:prstGeom>
+          <a:noFill/>
+        </p:spPr>
+        <p:txBody>
+          <a:bodyPr wrap="square">
+            <a:spAutoFit/>
+          </a:bodyPr>
+          <a:lstStyle/>
+          <a:p>
+            <a:pPr algn="ctr"/>
+            <a:r>
+              <a:rPr lang="en-US" altLang="ko-Kore-KR" dirty="0" err="1">
+                <a:latin typeface="DM Mono" panose="020B0509040201040103" pitchFamily="49" charset="0"/>
+              </a:rPr>
+              <a:t>Rect</a:t>
+            </a:r>
+            <a:r>
+              <a:rPr lang="en-US" altLang="ko-Kore-KR" dirty="0">
+                <a:latin typeface="DM Mono" panose="020B0509040201040103" pitchFamily="49" charset="0"/>
+              </a:rPr>
+              <a:t> r</a:t>
+            </a:r>
+            <a:endParaRPr lang="ko-Kore-KR" altLang="en-US" dirty="0"/>
+          </a:p>
+        </p:txBody>
+      </p:sp>
+      <p:sp>
+        <p:nvSpPr>
+          <p:cNvPr id="27" name="직사각형 26">
+            <a:extLst>
+              <a:ext uri="{FF2B5EF4-FFF2-40B4-BE49-F238E27FC236}">
+                <a16:creationId xmlns:a16="http://schemas.microsoft.com/office/drawing/2014/main" id="{A197CF1D-876A-4993-E649-EC228CEF54C8}"/>
+              </a:ext>
+            </a:extLst>
+          </p:cNvPr>
+          <p:cNvSpPr/>
+          <p:nvPr/>
+        </p:nvSpPr>
+        <p:spPr>
+          <a:xfrm>
+            <a:off x="7798799" y="5158414"/>
+            <a:ext cx="804912" cy="482277"/>
+          </a:xfrm>
+          <a:prstGeom prst="rect">
+            <a:avLst/>
+          </a:prstGeom>
+          <a:solidFill>
+            <a:srgbClr val="FFFF00"/>
+          </a:solidFill>
+        </p:spPr>
+        <p:style>
+          <a:lnRef idx="2">
+            <a:schemeClr val="accent1">
+              <a:shade val="15000"/>
+            </a:schemeClr>
+          </a:lnRef>
+          <a:fillRef idx="1">
+            <a:schemeClr val="accent1"/>
+          </a:fillRef>
+          <a:effectRef idx="0">
+            <a:schemeClr val="accent1"/>
+          </a:effectRef>
+          <a:fontRef idx="minor">
+            <a:schemeClr val="lt1"/>
+          </a:fontRef>
+        </p:style>
+        <p:txBody>
+          <a:bodyPr rtlCol="0" anchor="ctr"/>
+          <a:lstStyle/>
+          <a:p>
+            <a:pPr algn="ctr"/>
+            <a:endParaRPr kumimoji="1" lang="ko-Kore-KR" altLang="en-US" sz="1600" dirty="0">
+              <a:solidFill>
+                <a:srgbClr val="FF0000"/>
+              </a:solidFill>
+              <a:latin typeface="DM Mono" panose="020B0509040201040103" pitchFamily="49" charset="0"/>
+            </a:endParaRPr>
+          </a:p>
+        </p:txBody>
+      </p:sp>
+      <p:sp>
+        <p:nvSpPr>
+          <p:cNvPr id="28" name="TextBox 27">
+            <a:extLst>
+              <a:ext uri="{FF2B5EF4-FFF2-40B4-BE49-F238E27FC236}">
+                <a16:creationId xmlns:a16="http://schemas.microsoft.com/office/drawing/2014/main" id="{A4DC667B-6709-FECC-2427-6DFD8F3A71F3}"/>
+              </a:ext>
+            </a:extLst>
+          </p:cNvPr>
+          <p:cNvSpPr txBox="1"/>
+          <p:nvPr/>
+        </p:nvSpPr>
+        <p:spPr>
+          <a:xfrm>
+            <a:off x="6466192" y="5214886"/>
+            <a:ext cx="1332608" cy="369332"/>
+          </a:xfrm>
+          <a:prstGeom prst="rect">
+            <a:avLst/>
+          </a:prstGeom>
+          <a:noFill/>
+        </p:spPr>
+        <p:txBody>
+          <a:bodyPr wrap="square">
+            <a:spAutoFit/>
+          </a:bodyPr>
+          <a:lstStyle/>
+          <a:p>
+            <a:pPr algn="r"/>
+            <a:r>
+              <a:rPr lang="en-US" altLang="ko-Kore-KR" dirty="0">
+                <a:latin typeface="DM Mono" panose="020B0509040201040103" pitchFamily="49" charset="0"/>
+              </a:rPr>
+              <a:t>width</a:t>
+            </a:r>
+            <a:endParaRPr lang="ko-Kore-KR" altLang="en-US" dirty="0"/>
+          </a:p>
+        </p:txBody>
+      </p:sp>
+      <p:sp>
+        <p:nvSpPr>
+          <p:cNvPr id="2" name="직사각형 1">
+            <a:extLst>
+              <a:ext uri="{FF2B5EF4-FFF2-40B4-BE49-F238E27FC236}">
+                <a16:creationId xmlns:a16="http://schemas.microsoft.com/office/drawing/2014/main" id="{10619A8F-C357-BE42-BC5D-2BE2CA9A8E40}"/>
+              </a:ext>
+            </a:extLst>
+          </p:cNvPr>
+          <p:cNvSpPr/>
+          <p:nvPr/>
+        </p:nvSpPr>
+        <p:spPr>
+          <a:xfrm>
+            <a:off x="7718704" y="1211232"/>
+            <a:ext cx="804912" cy="482277"/>
+          </a:xfrm>
+          <a:prstGeom prst="rect">
+            <a:avLst/>
+          </a:prstGeom>
+          <a:solidFill>
+            <a:srgbClr val="92D050"/>
+          </a:solidFill>
+        </p:spPr>
+        <p:style>
+          <a:lnRef idx="2">
+            <a:schemeClr val="accent1">
+              <a:shade val="15000"/>
+            </a:schemeClr>
+          </a:lnRef>
+          <a:fillRef idx="1">
+            <a:schemeClr val="accent1"/>
+          </a:fillRef>
+          <a:effectRef idx="0">
+            <a:schemeClr val="accent1"/>
+          </a:effectRef>
+          <a:fontRef idx="minor">
+            <a:schemeClr val="lt1"/>
+          </a:fontRef>
+        </p:style>
+        <p:txBody>
+          <a:bodyPr rtlCol="0" anchor="ctr"/>
+          <a:lstStyle/>
+          <a:p>
+            <a:pPr algn="ctr"/>
+            <a:endParaRPr kumimoji="1" lang="ko-Kore-KR" altLang="en-US" sz="1600" dirty="0">
+              <a:solidFill>
+                <a:srgbClr val="FF0000"/>
+              </a:solidFill>
+              <a:latin typeface="DM Mono" panose="020B0509040201040103" pitchFamily="49" charset="0"/>
+            </a:endParaRPr>
+          </a:p>
+        </p:txBody>
+      </p:sp>
+      <p:sp>
+        <p:nvSpPr>
+          <p:cNvPr id="3" name="TextBox 2">
+            <a:extLst>
+              <a:ext uri="{FF2B5EF4-FFF2-40B4-BE49-F238E27FC236}">
+                <a16:creationId xmlns:a16="http://schemas.microsoft.com/office/drawing/2014/main" id="{82B825F6-DE14-B024-8E5F-0A21775C361F}"/>
+              </a:ext>
+            </a:extLst>
+          </p:cNvPr>
+          <p:cNvSpPr txBox="1"/>
+          <p:nvPr/>
+        </p:nvSpPr>
+        <p:spPr>
+          <a:xfrm>
+            <a:off x="6386097" y="1267704"/>
+            <a:ext cx="1332608" cy="369332"/>
+          </a:xfrm>
+          <a:prstGeom prst="rect">
+            <a:avLst/>
+          </a:prstGeom>
+          <a:noFill/>
+        </p:spPr>
+        <p:txBody>
+          <a:bodyPr wrap="square">
+            <a:spAutoFit/>
+          </a:bodyPr>
+          <a:lstStyle/>
+          <a:p>
+            <a:pPr algn="r"/>
+            <a:r>
+              <a:rPr lang="en-US" altLang="ko-Kore-KR" dirty="0" err="1">
+                <a:latin typeface="DM Mono" panose="020B0509040201040103" pitchFamily="49" charset="0"/>
+              </a:rPr>
+              <a:t>vfptr</a:t>
+            </a:r>
+            <a:endParaRPr lang="ko-Kore-KR" altLang="en-US" dirty="0"/>
+          </a:p>
+        </p:txBody>
+      </p:sp>
+      <p:sp>
+        <p:nvSpPr>
+          <p:cNvPr id="4" name="직사각형 3">
+            <a:extLst>
+              <a:ext uri="{FF2B5EF4-FFF2-40B4-BE49-F238E27FC236}">
+                <a16:creationId xmlns:a16="http://schemas.microsoft.com/office/drawing/2014/main" id="{B1EB09F4-DE7F-3E46-9041-A964728A1ED6}"/>
+              </a:ext>
+            </a:extLst>
+          </p:cNvPr>
+          <p:cNvSpPr/>
+          <p:nvPr/>
+        </p:nvSpPr>
+        <p:spPr>
+          <a:xfrm>
+            <a:off x="7798800" y="4193865"/>
+            <a:ext cx="804912" cy="482277"/>
+          </a:xfrm>
+          <a:prstGeom prst="rect">
+            <a:avLst/>
+          </a:prstGeom>
+          <a:solidFill>
+            <a:srgbClr val="FFFF00"/>
+          </a:solidFill>
+        </p:spPr>
+        <p:style>
+          <a:lnRef idx="2">
+            <a:schemeClr val="accent1">
+              <a:shade val="15000"/>
+            </a:schemeClr>
+          </a:lnRef>
+          <a:fillRef idx="1">
+            <a:schemeClr val="accent1"/>
+          </a:fillRef>
+          <a:effectRef idx="0">
+            <a:schemeClr val="accent1"/>
+          </a:effectRef>
+          <a:fontRef idx="minor">
+            <a:schemeClr val="lt1"/>
+          </a:fontRef>
+        </p:style>
+        <p:txBody>
+          <a:bodyPr rtlCol="0" anchor="ctr"/>
+          <a:lstStyle/>
+          <a:p>
+            <a:pPr algn="ctr"/>
+            <a:endParaRPr kumimoji="1" lang="ko-Kore-KR" altLang="en-US" sz="1600" dirty="0">
+              <a:solidFill>
+                <a:srgbClr val="FF0000"/>
+              </a:solidFill>
+              <a:latin typeface="DM Mono" panose="020B0509040201040103" pitchFamily="49" charset="0"/>
+            </a:endParaRPr>
+          </a:p>
+        </p:txBody>
+      </p:sp>
+      <p:sp>
+        <p:nvSpPr>
+          <p:cNvPr id="5" name="TextBox 4">
+            <a:extLst>
+              <a:ext uri="{FF2B5EF4-FFF2-40B4-BE49-F238E27FC236}">
+                <a16:creationId xmlns:a16="http://schemas.microsoft.com/office/drawing/2014/main" id="{7089E841-C150-3DE2-96B0-F7D01956F648}"/>
+              </a:ext>
+            </a:extLst>
+          </p:cNvPr>
+          <p:cNvSpPr txBox="1"/>
+          <p:nvPr/>
+        </p:nvSpPr>
+        <p:spPr>
+          <a:xfrm>
+            <a:off x="6466193" y="4250337"/>
+            <a:ext cx="1332608" cy="369332"/>
+          </a:xfrm>
+          <a:prstGeom prst="rect">
+            <a:avLst/>
+          </a:prstGeom>
+          <a:noFill/>
+        </p:spPr>
+        <p:txBody>
+          <a:bodyPr wrap="square">
+            <a:spAutoFit/>
+          </a:bodyPr>
+          <a:lstStyle/>
+          <a:p>
+            <a:pPr algn="r"/>
+            <a:r>
+              <a:rPr lang="en-US" altLang="ko-Kore-KR" dirty="0">
+                <a:latin typeface="DM Mono" panose="020B0509040201040103" pitchFamily="49" charset="0"/>
+              </a:rPr>
+              <a:t>x</a:t>
+            </a:r>
+            <a:endParaRPr lang="ko-Kore-KR" altLang="en-US" dirty="0"/>
+          </a:p>
+        </p:txBody>
+      </p:sp>
+      <p:sp>
+        <p:nvSpPr>
+          <p:cNvPr id="6" name="직사각형 5">
+            <a:extLst>
+              <a:ext uri="{FF2B5EF4-FFF2-40B4-BE49-F238E27FC236}">
+                <a16:creationId xmlns:a16="http://schemas.microsoft.com/office/drawing/2014/main" id="{5FEAD076-0042-5FBA-35EE-2334F021B316}"/>
+              </a:ext>
+            </a:extLst>
+          </p:cNvPr>
+          <p:cNvSpPr/>
+          <p:nvPr/>
+        </p:nvSpPr>
+        <p:spPr>
+          <a:xfrm>
+            <a:off x="7798800" y="4676140"/>
+            <a:ext cx="804912" cy="482277"/>
+          </a:xfrm>
+          <a:prstGeom prst="rect">
+            <a:avLst/>
+          </a:prstGeom>
+          <a:solidFill>
+            <a:srgbClr val="FFFF00"/>
+          </a:solidFill>
+        </p:spPr>
+        <p:style>
+          <a:lnRef idx="2">
+            <a:schemeClr val="accent1">
+              <a:shade val="15000"/>
+            </a:schemeClr>
+          </a:lnRef>
+          <a:fillRef idx="1">
+            <a:schemeClr val="accent1"/>
+          </a:fillRef>
+          <a:effectRef idx="0">
+            <a:schemeClr val="accent1"/>
+          </a:effectRef>
+          <a:fontRef idx="minor">
+            <a:schemeClr val="lt1"/>
+          </a:fontRef>
+        </p:style>
+        <p:txBody>
+          <a:bodyPr rtlCol="0" anchor="ctr"/>
+          <a:lstStyle/>
+          <a:p>
+            <a:pPr algn="ctr"/>
+            <a:endParaRPr kumimoji="1" lang="ko-Kore-KR" altLang="en-US" sz="1600" dirty="0">
+              <a:solidFill>
+                <a:srgbClr val="FF0000"/>
+              </a:solidFill>
+              <a:latin typeface="DM Mono" panose="020B0509040201040103" pitchFamily="49" charset="0"/>
+            </a:endParaRPr>
+          </a:p>
+        </p:txBody>
+      </p:sp>
+      <p:sp>
+        <p:nvSpPr>
+          <p:cNvPr id="7" name="TextBox 6">
+            <a:extLst>
+              <a:ext uri="{FF2B5EF4-FFF2-40B4-BE49-F238E27FC236}">
+                <a16:creationId xmlns:a16="http://schemas.microsoft.com/office/drawing/2014/main" id="{049D9E54-60CD-ADD1-DB9F-17BF87999098}"/>
+              </a:ext>
+            </a:extLst>
+          </p:cNvPr>
+          <p:cNvSpPr txBox="1"/>
+          <p:nvPr/>
+        </p:nvSpPr>
+        <p:spPr>
+          <a:xfrm>
+            <a:off x="6466193" y="4732612"/>
+            <a:ext cx="1332608" cy="369332"/>
+          </a:xfrm>
+          <a:prstGeom prst="rect">
+            <a:avLst/>
+          </a:prstGeom>
+          <a:noFill/>
+        </p:spPr>
+        <p:txBody>
+          <a:bodyPr wrap="square">
+            <a:spAutoFit/>
+          </a:bodyPr>
+          <a:lstStyle/>
+          <a:p>
+            <a:pPr algn="r"/>
+            <a:r>
+              <a:rPr lang="en-US" altLang="ko-Kore-KR" dirty="0">
+                <a:latin typeface="DM Mono" panose="020B0509040201040103" pitchFamily="49" charset="0"/>
+              </a:rPr>
+              <a:t>y</a:t>
+            </a:r>
+            <a:endParaRPr lang="ko-Kore-KR" altLang="en-US" dirty="0"/>
+          </a:p>
+        </p:txBody>
+      </p:sp>
+      <p:sp>
+        <p:nvSpPr>
+          <p:cNvPr id="8" name="직사각형 7">
+            <a:extLst>
+              <a:ext uri="{FF2B5EF4-FFF2-40B4-BE49-F238E27FC236}">
+                <a16:creationId xmlns:a16="http://schemas.microsoft.com/office/drawing/2014/main" id="{A9BDD7D5-246E-79A0-3B72-9271FBF8E893}"/>
+              </a:ext>
+            </a:extLst>
+          </p:cNvPr>
+          <p:cNvSpPr/>
+          <p:nvPr/>
+        </p:nvSpPr>
+        <p:spPr>
+          <a:xfrm>
+            <a:off x="7798800" y="3737389"/>
+            <a:ext cx="804912" cy="482277"/>
+          </a:xfrm>
+          <a:prstGeom prst="rect">
+            <a:avLst/>
+          </a:prstGeom>
+          <a:solidFill>
+            <a:srgbClr val="92D050"/>
+          </a:solidFill>
+        </p:spPr>
+        <p:style>
+          <a:lnRef idx="2">
+            <a:schemeClr val="accent1">
+              <a:shade val="15000"/>
+            </a:schemeClr>
+          </a:lnRef>
+          <a:fillRef idx="1">
+            <a:schemeClr val="accent1"/>
+          </a:fillRef>
+          <a:effectRef idx="0">
+            <a:schemeClr val="accent1"/>
+          </a:effectRef>
+          <a:fontRef idx="minor">
+            <a:schemeClr val="lt1"/>
+          </a:fontRef>
+        </p:style>
+        <p:txBody>
+          <a:bodyPr rtlCol="0" anchor="ctr"/>
+          <a:lstStyle/>
+          <a:p>
+            <a:pPr algn="ctr"/>
+            <a:endParaRPr kumimoji="1" lang="ko-Kore-KR" altLang="en-US" sz="1600" dirty="0">
+              <a:solidFill>
+                <a:srgbClr val="FF0000"/>
+              </a:solidFill>
+              <a:latin typeface="DM Mono" panose="020B0509040201040103" pitchFamily="49" charset="0"/>
+            </a:endParaRPr>
+          </a:p>
+        </p:txBody>
+      </p:sp>
+      <p:sp>
+        <p:nvSpPr>
+          <p:cNvPr id="9" name="TextBox 8">
+            <a:extLst>
+              <a:ext uri="{FF2B5EF4-FFF2-40B4-BE49-F238E27FC236}">
+                <a16:creationId xmlns:a16="http://schemas.microsoft.com/office/drawing/2014/main" id="{58DE652F-C782-9F77-C610-A4773BDCE596}"/>
+              </a:ext>
+            </a:extLst>
+          </p:cNvPr>
+          <p:cNvSpPr txBox="1"/>
+          <p:nvPr/>
+        </p:nvSpPr>
+        <p:spPr>
+          <a:xfrm>
+            <a:off x="6466193" y="3793861"/>
+            <a:ext cx="1332608" cy="369332"/>
+          </a:xfrm>
+          <a:prstGeom prst="rect">
+            <a:avLst/>
+          </a:prstGeom>
+          <a:noFill/>
+        </p:spPr>
+        <p:txBody>
+          <a:bodyPr wrap="square">
+            <a:spAutoFit/>
+          </a:bodyPr>
+          <a:lstStyle/>
+          <a:p>
+            <a:pPr algn="r"/>
+            <a:r>
+              <a:rPr lang="en-US" altLang="ko-Kore-KR" dirty="0" err="1">
+                <a:latin typeface="DM Mono" panose="020B0509040201040103" pitchFamily="49" charset="0"/>
+              </a:rPr>
+              <a:t>vfptr</a:t>
+            </a:r>
+            <a:endParaRPr lang="ko-Kore-KR" altLang="en-US" dirty="0"/>
+          </a:p>
+        </p:txBody>
+      </p:sp>
+      <p:sp>
+        <p:nvSpPr>
+          <p:cNvPr id="10" name="직사각형 9">
+            <a:extLst>
+              <a:ext uri="{FF2B5EF4-FFF2-40B4-BE49-F238E27FC236}">
+                <a16:creationId xmlns:a16="http://schemas.microsoft.com/office/drawing/2014/main" id="{2C1CE4C2-5AAD-66EE-2A88-1D2CEC175FC0}"/>
+              </a:ext>
+            </a:extLst>
+          </p:cNvPr>
+          <p:cNvSpPr/>
+          <p:nvPr/>
+        </p:nvSpPr>
+        <p:spPr>
+          <a:xfrm>
+            <a:off x="9741450" y="714392"/>
+            <a:ext cx="1636792" cy="369332"/>
+          </a:xfrm>
+          <a:prstGeom prst="rect">
+            <a:avLst/>
+          </a:prstGeom>
+          <a:solidFill>
+            <a:srgbClr val="FFFF00"/>
+          </a:solidFill>
+        </p:spPr>
+        <p:style>
+          <a:lnRef idx="2">
+            <a:schemeClr val="accent1">
+              <a:shade val="15000"/>
+            </a:schemeClr>
+          </a:lnRef>
+          <a:fillRef idx="1">
+            <a:schemeClr val="accent1"/>
+          </a:fillRef>
+          <a:effectRef idx="0">
+            <a:schemeClr val="accent1"/>
+          </a:effectRef>
+          <a:fontRef idx="minor">
+            <a:schemeClr val="lt1"/>
+          </a:fontRef>
+        </p:style>
+        <p:txBody>
+          <a:bodyPr rtlCol="0" anchor="ctr"/>
+          <a:lstStyle/>
+          <a:p>
+            <a:pPr algn="ctr"/>
+            <a:r>
+              <a:rPr kumimoji="1" lang="en-US" altLang="ko-Kore-KR" sz="1400" dirty="0">
+                <a:solidFill>
+                  <a:srgbClr val="FF0000"/>
+                </a:solidFill>
+                <a:latin typeface="DM Mono" panose="020B0509040201040103" pitchFamily="49" charset="0"/>
+              </a:rPr>
+              <a:t>Shape::Draw</a:t>
+            </a:r>
+            <a:endParaRPr kumimoji="1" lang="ko-Kore-KR" altLang="en-US" sz="1400" dirty="0">
+              <a:solidFill>
+                <a:srgbClr val="FF0000"/>
+              </a:solidFill>
+              <a:latin typeface="DM Mono" panose="020B0509040201040103" pitchFamily="49" charset="0"/>
+            </a:endParaRPr>
+          </a:p>
+        </p:txBody>
+      </p:sp>
+      <p:sp>
+        <p:nvSpPr>
+          <p:cNvPr id="15" name="TextBox 14">
+            <a:extLst>
+              <a:ext uri="{FF2B5EF4-FFF2-40B4-BE49-F238E27FC236}">
+                <a16:creationId xmlns:a16="http://schemas.microsoft.com/office/drawing/2014/main" id="{DAAC1793-654A-03AD-8749-BEE4CB507FA7}"/>
+              </a:ext>
+            </a:extLst>
+          </p:cNvPr>
+          <p:cNvSpPr txBox="1"/>
+          <p:nvPr/>
+        </p:nvSpPr>
+        <p:spPr>
+          <a:xfrm>
+            <a:off x="9213012" y="375838"/>
+            <a:ext cx="2676372" cy="338554"/>
+          </a:xfrm>
+          <a:prstGeom prst="rect">
+            <a:avLst/>
+          </a:prstGeom>
+          <a:noFill/>
+        </p:spPr>
+        <p:txBody>
+          <a:bodyPr wrap="square">
+            <a:spAutoFit/>
+          </a:bodyPr>
+          <a:lstStyle/>
+          <a:p>
+            <a:pPr algn="ctr"/>
+            <a:r>
+              <a:rPr lang="en-US" altLang="ko-Kore-KR" sz="1600" dirty="0">
+                <a:latin typeface="DM Mono" panose="020B0509040201040103" pitchFamily="49" charset="0"/>
+              </a:rPr>
+              <a:t>Shape </a:t>
+            </a:r>
+            <a:r>
+              <a:rPr lang="ko-Kore-KR" altLang="en-US" sz="1600" dirty="0">
+                <a:latin typeface="DM Mono" panose="020B0509040201040103" pitchFamily="49" charset="0"/>
+              </a:rPr>
+              <a:t>가상함수테이블</a:t>
+            </a:r>
+            <a:endParaRPr lang="ko-Kore-KR" altLang="en-US" sz="1600" dirty="0"/>
+          </a:p>
+        </p:txBody>
+      </p:sp>
+      <p:cxnSp>
+        <p:nvCxnSpPr>
+          <p:cNvPr id="17" name="구부러진 연결선[U] 16">
+            <a:extLst>
+              <a:ext uri="{FF2B5EF4-FFF2-40B4-BE49-F238E27FC236}">
+                <a16:creationId xmlns:a16="http://schemas.microsoft.com/office/drawing/2014/main" id="{EC2DE797-7EA1-1CBE-18A3-C8ACBBC9B79E}"/>
+              </a:ext>
+            </a:extLst>
+          </p:cNvPr>
+          <p:cNvCxnSpPr>
+            <a:stCxn id="2" idx="3"/>
+            <a:endCxn id="10" idx="1"/>
+          </p:cNvCxnSpPr>
+          <p:nvPr/>
+        </p:nvCxnSpPr>
+        <p:spPr>
+          <a:xfrm flipV="1">
+            <a:off x="8523616" y="899058"/>
+            <a:ext cx="1217834" cy="553313"/>
+          </a:xfrm>
+          <a:prstGeom prst="curvedConnector3">
+            <a:avLst/>
+          </a:prstGeom>
+          <a:ln w="12700">
+            <a:tailEnd type="triangle"/>
+          </a:ln>
+        </p:spPr>
+        <p:style>
+          <a:lnRef idx="1">
+            <a:schemeClr val="dk1"/>
+          </a:lnRef>
+          <a:fillRef idx="0">
+            <a:schemeClr val="dk1"/>
+          </a:fillRef>
+          <a:effectRef idx="0">
+            <a:schemeClr val="dk1"/>
+          </a:effectRef>
+          <a:fontRef idx="minor">
+            <a:schemeClr val="tx1"/>
+          </a:fontRef>
+        </p:style>
+      </p:cxnSp>
+      <p:sp>
+        <p:nvSpPr>
+          <p:cNvPr id="20" name="직사각형 19">
+            <a:extLst>
+              <a:ext uri="{FF2B5EF4-FFF2-40B4-BE49-F238E27FC236}">
+                <a16:creationId xmlns:a16="http://schemas.microsoft.com/office/drawing/2014/main" id="{1169F488-BD0F-B250-5150-5E76860A18D5}"/>
+              </a:ext>
+            </a:extLst>
+          </p:cNvPr>
+          <p:cNvSpPr/>
+          <p:nvPr/>
+        </p:nvSpPr>
+        <p:spPr>
+          <a:xfrm>
+            <a:off x="9741015" y="3126667"/>
+            <a:ext cx="1636792" cy="369332"/>
+          </a:xfrm>
+          <a:prstGeom prst="rect">
+            <a:avLst/>
+          </a:prstGeom>
+          <a:solidFill>
+            <a:srgbClr val="FFFF00"/>
+          </a:solidFill>
+        </p:spPr>
+        <p:style>
+          <a:lnRef idx="2">
+            <a:schemeClr val="accent1">
+              <a:shade val="15000"/>
+            </a:schemeClr>
+          </a:lnRef>
+          <a:fillRef idx="1">
+            <a:schemeClr val="accent1"/>
+          </a:fillRef>
+          <a:effectRef idx="0">
+            <a:schemeClr val="accent1"/>
+          </a:effectRef>
+          <a:fontRef idx="minor">
+            <a:schemeClr val="lt1"/>
+          </a:fontRef>
+        </p:style>
+        <p:txBody>
+          <a:bodyPr rtlCol="0" anchor="ctr"/>
+          <a:lstStyle/>
+          <a:p>
+            <a:pPr algn="ctr"/>
+            <a:r>
+              <a:rPr kumimoji="1" lang="en-US" altLang="ko-Kore-KR" sz="1400" dirty="0" err="1">
+                <a:solidFill>
+                  <a:schemeClr val="tx1"/>
+                </a:solidFill>
+                <a:latin typeface="DM Mono" panose="020B0509040201040103" pitchFamily="49" charset="0"/>
+              </a:rPr>
+              <a:t>Rect</a:t>
+            </a:r>
+            <a:r>
+              <a:rPr kumimoji="1" lang="en-US" altLang="ko-Kore-KR" sz="1400" dirty="0">
+                <a:solidFill>
+                  <a:schemeClr val="tx1"/>
+                </a:solidFill>
+                <a:latin typeface="DM Mono" panose="020B0509040201040103" pitchFamily="49" charset="0"/>
+              </a:rPr>
+              <a:t>::Draw</a:t>
+            </a:r>
+            <a:endParaRPr kumimoji="1" lang="ko-Kore-KR" altLang="en-US" sz="1400" dirty="0">
+              <a:solidFill>
+                <a:schemeClr val="tx1"/>
+              </a:solidFill>
+              <a:latin typeface="DM Mono" panose="020B0509040201040103" pitchFamily="49" charset="0"/>
+            </a:endParaRPr>
+          </a:p>
+        </p:txBody>
+      </p:sp>
+      <p:sp>
+        <p:nvSpPr>
+          <p:cNvPr id="21" name="TextBox 20">
+            <a:extLst>
+              <a:ext uri="{FF2B5EF4-FFF2-40B4-BE49-F238E27FC236}">
+                <a16:creationId xmlns:a16="http://schemas.microsoft.com/office/drawing/2014/main" id="{757E5667-53AD-D83A-F496-D8B25BF0DF26}"/>
+              </a:ext>
+            </a:extLst>
+          </p:cNvPr>
+          <p:cNvSpPr txBox="1"/>
+          <p:nvPr/>
+        </p:nvSpPr>
+        <p:spPr>
+          <a:xfrm>
+            <a:off x="9212577" y="2788113"/>
+            <a:ext cx="2676372" cy="338554"/>
+          </a:xfrm>
+          <a:prstGeom prst="rect">
+            <a:avLst/>
+          </a:prstGeom>
+          <a:noFill/>
+        </p:spPr>
+        <p:txBody>
+          <a:bodyPr wrap="square">
+            <a:spAutoFit/>
+          </a:bodyPr>
+          <a:lstStyle/>
+          <a:p>
+            <a:pPr algn="ctr"/>
+            <a:r>
+              <a:rPr lang="en-US" altLang="ko-Kore-KR" sz="1600" dirty="0" err="1">
+                <a:latin typeface="DM Mono" panose="020B0509040201040103" pitchFamily="49" charset="0"/>
+              </a:rPr>
+              <a:t>Rect</a:t>
+            </a:r>
+            <a:r>
+              <a:rPr lang="en-US" altLang="ko-Kore-KR" sz="1600" dirty="0">
+                <a:latin typeface="DM Mono" panose="020B0509040201040103" pitchFamily="49" charset="0"/>
+              </a:rPr>
+              <a:t> </a:t>
+            </a:r>
+            <a:r>
+              <a:rPr lang="ko-Kore-KR" altLang="en-US" sz="1600" dirty="0">
+                <a:latin typeface="DM Mono" panose="020B0509040201040103" pitchFamily="49" charset="0"/>
+              </a:rPr>
+              <a:t>가상함수테이블</a:t>
+            </a:r>
+            <a:endParaRPr lang="ko-Kore-KR" altLang="en-US" sz="1600" dirty="0"/>
+          </a:p>
+        </p:txBody>
+      </p:sp>
+      <p:cxnSp>
+        <p:nvCxnSpPr>
+          <p:cNvPr id="29" name="구부러진 연결선[U] 28">
+            <a:extLst>
+              <a:ext uri="{FF2B5EF4-FFF2-40B4-BE49-F238E27FC236}">
+                <a16:creationId xmlns:a16="http://schemas.microsoft.com/office/drawing/2014/main" id="{74C160F0-B244-68DD-DC37-8CD156E3A372}"/>
+              </a:ext>
+            </a:extLst>
+          </p:cNvPr>
+          <p:cNvCxnSpPr>
+            <a:cxnSpLocks/>
+            <a:stCxn id="8" idx="3"/>
+            <a:endCxn id="20" idx="1"/>
+          </p:cNvCxnSpPr>
+          <p:nvPr/>
+        </p:nvCxnSpPr>
+        <p:spPr>
+          <a:xfrm flipV="1">
+            <a:off x="8603712" y="3311333"/>
+            <a:ext cx="1137303" cy="667195"/>
+          </a:xfrm>
+          <a:prstGeom prst="curvedConnector3">
+            <a:avLst>
+              <a:gd name="adj1" fmla="val 50000"/>
+            </a:avLst>
+          </a:prstGeom>
+          <a:ln w="12700">
+            <a:tailEnd type="triangle"/>
+          </a:ln>
+        </p:spPr>
+        <p:style>
+          <a:lnRef idx="1">
+            <a:schemeClr val="dk1"/>
+          </a:lnRef>
+          <a:fillRef idx="0">
+            <a:schemeClr val="dk1"/>
+          </a:fillRef>
+          <a:effectRef idx="0">
+            <a:schemeClr val="dk1"/>
+          </a:effectRef>
+          <a:fontRef idx="minor">
+            <a:schemeClr val="tx1"/>
+          </a:fontRef>
+        </p:style>
+      </p:cxnSp>
+      <p:sp>
+        <p:nvSpPr>
+          <p:cNvPr id="16" name="직사각형 15">
+            <a:extLst>
+              <a:ext uri="{FF2B5EF4-FFF2-40B4-BE49-F238E27FC236}">
+                <a16:creationId xmlns:a16="http://schemas.microsoft.com/office/drawing/2014/main" id="{E294B7C8-08FC-5F84-2B19-17D4E8BC22BA}"/>
+              </a:ext>
+            </a:extLst>
+          </p:cNvPr>
+          <p:cNvSpPr/>
+          <p:nvPr/>
+        </p:nvSpPr>
+        <p:spPr>
+          <a:xfrm>
+            <a:off x="9741015" y="1083039"/>
+            <a:ext cx="1636792" cy="369332"/>
+          </a:xfrm>
+          <a:prstGeom prst="rect">
+            <a:avLst/>
+          </a:prstGeom>
+          <a:solidFill>
+            <a:srgbClr val="FFFF00"/>
+          </a:solidFill>
+        </p:spPr>
+        <p:style>
+          <a:lnRef idx="2">
+            <a:schemeClr val="accent1">
+              <a:shade val="15000"/>
+            </a:schemeClr>
+          </a:lnRef>
+          <a:fillRef idx="1">
+            <a:schemeClr val="accent1"/>
+          </a:fillRef>
+          <a:effectRef idx="0">
+            <a:schemeClr val="accent1"/>
+          </a:effectRef>
+          <a:fontRef idx="minor">
+            <a:schemeClr val="lt1"/>
+          </a:fontRef>
+        </p:style>
+        <p:txBody>
+          <a:bodyPr rtlCol="0" anchor="ctr"/>
+          <a:lstStyle/>
+          <a:p>
+            <a:pPr algn="ctr"/>
+            <a:r>
+              <a:rPr kumimoji="1" lang="en-US" altLang="ko-Kore-KR" sz="1400" dirty="0">
+                <a:solidFill>
+                  <a:schemeClr val="tx1"/>
+                </a:solidFill>
+                <a:latin typeface="DM Mono" panose="020B0509040201040103" pitchFamily="49" charset="0"/>
+              </a:rPr>
+              <a:t>Shape::Clone</a:t>
+            </a:r>
+            <a:endParaRPr kumimoji="1" lang="ko-Kore-KR" altLang="en-US" sz="1400" dirty="0">
+              <a:solidFill>
+                <a:schemeClr val="tx1"/>
+              </a:solidFill>
+              <a:latin typeface="DM Mono" panose="020B0509040201040103" pitchFamily="49" charset="0"/>
+            </a:endParaRPr>
+          </a:p>
+        </p:txBody>
+      </p:sp>
+      <p:sp>
+        <p:nvSpPr>
+          <p:cNvPr id="22" name="직사각형 21">
+            <a:extLst>
+              <a:ext uri="{FF2B5EF4-FFF2-40B4-BE49-F238E27FC236}">
+                <a16:creationId xmlns:a16="http://schemas.microsoft.com/office/drawing/2014/main" id="{92D2BF83-0A0F-721D-B91D-BCAAFEB59CA7}"/>
+              </a:ext>
+            </a:extLst>
+          </p:cNvPr>
+          <p:cNvSpPr/>
+          <p:nvPr/>
+        </p:nvSpPr>
+        <p:spPr>
+          <a:xfrm>
+            <a:off x="9747210" y="3495999"/>
+            <a:ext cx="1636792" cy="369332"/>
+          </a:xfrm>
+          <a:prstGeom prst="rect">
+            <a:avLst/>
+          </a:prstGeom>
+          <a:solidFill>
+            <a:srgbClr val="FFFF00"/>
+          </a:solidFill>
+        </p:spPr>
+        <p:style>
+          <a:lnRef idx="2">
+            <a:schemeClr val="accent1">
+              <a:shade val="15000"/>
+            </a:schemeClr>
+          </a:lnRef>
+          <a:fillRef idx="1">
+            <a:schemeClr val="accent1"/>
+          </a:fillRef>
+          <a:effectRef idx="0">
+            <a:schemeClr val="accent1"/>
+          </a:effectRef>
+          <a:fontRef idx="minor">
+            <a:schemeClr val="lt1"/>
+          </a:fontRef>
+        </p:style>
+        <p:txBody>
+          <a:bodyPr rtlCol="0" anchor="ctr"/>
+          <a:lstStyle/>
+          <a:p>
+            <a:pPr algn="ctr"/>
+            <a:r>
+              <a:rPr kumimoji="1" lang="en-US" altLang="ko-Kore-KR" sz="1400" dirty="0">
+                <a:solidFill>
+                  <a:schemeClr val="tx1"/>
+                </a:solidFill>
+                <a:latin typeface="DM Mono" panose="020B0509040201040103" pitchFamily="49" charset="0"/>
+              </a:rPr>
+              <a:t>Shape::Clone</a:t>
+            </a:r>
+            <a:endParaRPr kumimoji="1" lang="ko-Kore-KR" altLang="en-US" sz="1400" dirty="0">
+              <a:solidFill>
+                <a:schemeClr val="tx1"/>
+              </a:solidFill>
+              <a:latin typeface="DM Mono" panose="020B0509040201040103" pitchFamily="49" charset="0"/>
+            </a:endParaRPr>
+          </a:p>
+        </p:txBody>
+      </p:sp>
+      <p:sp>
+        <p:nvSpPr>
+          <p:cNvPr id="26" name="직사각형 25">
+            <a:extLst>
+              <a:ext uri="{FF2B5EF4-FFF2-40B4-BE49-F238E27FC236}">
+                <a16:creationId xmlns:a16="http://schemas.microsoft.com/office/drawing/2014/main" id="{10F06F4B-0F93-F652-12AF-E52C054CB559}"/>
+              </a:ext>
+            </a:extLst>
+          </p:cNvPr>
+          <p:cNvSpPr/>
+          <p:nvPr/>
+        </p:nvSpPr>
+        <p:spPr>
+          <a:xfrm>
+            <a:off x="5822201" y="2581862"/>
+            <a:ext cx="804912" cy="482277"/>
+          </a:xfrm>
+          <a:prstGeom prst="rect">
+            <a:avLst/>
+          </a:prstGeom>
+          <a:solidFill>
+            <a:srgbClr val="FFFF00"/>
+          </a:solidFill>
+        </p:spPr>
+        <p:style>
+          <a:lnRef idx="2">
+            <a:schemeClr val="accent1">
+              <a:shade val="15000"/>
+            </a:schemeClr>
+          </a:lnRef>
+          <a:fillRef idx="1">
+            <a:schemeClr val="accent1"/>
+          </a:fillRef>
+          <a:effectRef idx="0">
+            <a:schemeClr val="accent1"/>
+          </a:effectRef>
+          <a:fontRef idx="minor">
+            <a:schemeClr val="lt1"/>
+          </a:fontRef>
+        </p:style>
+        <p:txBody>
+          <a:bodyPr rtlCol="0" anchor="ctr"/>
+          <a:lstStyle/>
+          <a:p>
+            <a:pPr algn="ctr"/>
+            <a:endParaRPr kumimoji="1" lang="ko-Kore-KR" altLang="en-US" sz="1600" dirty="0">
+              <a:solidFill>
+                <a:srgbClr val="FF0000"/>
+              </a:solidFill>
+              <a:latin typeface="DM Mono" panose="020B0509040201040103" pitchFamily="49" charset="0"/>
+            </a:endParaRPr>
+          </a:p>
+        </p:txBody>
+      </p:sp>
+      <p:sp>
+        <p:nvSpPr>
+          <p:cNvPr id="30" name="TextBox 29">
+            <a:extLst>
+              <a:ext uri="{FF2B5EF4-FFF2-40B4-BE49-F238E27FC236}">
+                <a16:creationId xmlns:a16="http://schemas.microsoft.com/office/drawing/2014/main" id="{E69ED28A-C709-3A9E-8F08-C29DA651A01E}"/>
+              </a:ext>
+            </a:extLst>
+          </p:cNvPr>
+          <p:cNvSpPr txBox="1"/>
+          <p:nvPr/>
+        </p:nvSpPr>
+        <p:spPr>
+          <a:xfrm>
+            <a:off x="4489594" y="2638334"/>
+            <a:ext cx="1332608" cy="369332"/>
+          </a:xfrm>
+          <a:prstGeom prst="rect">
+            <a:avLst/>
+          </a:prstGeom>
+          <a:noFill/>
+        </p:spPr>
+        <p:txBody>
+          <a:bodyPr wrap="square">
+            <a:spAutoFit/>
+          </a:bodyPr>
+          <a:lstStyle/>
+          <a:p>
+            <a:pPr algn="r"/>
+            <a:r>
+              <a:rPr lang="en-US" altLang="ko-Kore-KR" dirty="0">
+                <a:latin typeface="DM Mono" panose="020B0509040201040103" pitchFamily="49" charset="0"/>
+              </a:rPr>
+              <a:t>Shape* p</a:t>
+            </a:r>
+            <a:endParaRPr lang="ko-Kore-KR" altLang="en-US" dirty="0"/>
+          </a:p>
+        </p:txBody>
+      </p:sp>
+      <p:cxnSp>
+        <p:nvCxnSpPr>
+          <p:cNvPr id="40" name="구부러진 연결선[U] 39">
+            <a:extLst>
+              <a:ext uri="{FF2B5EF4-FFF2-40B4-BE49-F238E27FC236}">
+                <a16:creationId xmlns:a16="http://schemas.microsoft.com/office/drawing/2014/main" id="{12F3B049-E5EE-C1F6-A819-0CB2F7DE3EEC}"/>
+              </a:ext>
+            </a:extLst>
+          </p:cNvPr>
+          <p:cNvCxnSpPr>
+            <a:stCxn id="26" idx="3"/>
+            <a:endCxn id="2" idx="0"/>
+          </p:cNvCxnSpPr>
+          <p:nvPr/>
+        </p:nvCxnSpPr>
+        <p:spPr>
+          <a:xfrm flipV="1">
+            <a:off x="6627113" y="1211232"/>
+            <a:ext cx="1494047" cy="1611769"/>
+          </a:xfrm>
+          <a:prstGeom prst="curvedConnector4">
+            <a:avLst>
+              <a:gd name="adj1" fmla="val 36531"/>
+              <a:gd name="adj2" fmla="val 114183"/>
+            </a:avLst>
+          </a:prstGeom>
+          <a:ln w="12700">
+            <a:tailEnd type="triangle"/>
+          </a:ln>
+        </p:spPr>
+        <p:style>
+          <a:lnRef idx="1">
+            <a:schemeClr val="dk1"/>
+          </a:lnRef>
+          <a:fillRef idx="0">
+            <a:schemeClr val="dk1"/>
+          </a:fillRef>
+          <a:effectRef idx="0">
+            <a:schemeClr val="dk1"/>
+          </a:effectRef>
+          <a:fontRef idx="minor">
+            <a:schemeClr val="tx1"/>
+          </a:fontRef>
+        </p:style>
+      </p:cxnSp>
+    </p:spTree>
+    <p:extLst>
+      <p:ext uri="{BB962C8B-B14F-4D97-AF65-F5344CB8AC3E}">
+        <p14:creationId xmlns:p14="http://schemas.microsoft.com/office/powerpoint/2010/main" val="2087348929"/>
+      </p:ext>
+    </p:extLst>
+  </p:cSld>
+  <p:clrMapOvr>
+    <a:masterClrMapping/>
+  </p:clrMapOvr>
+</p:sld>
+</file>
+
+<file path=ppt/slides/slide39.xml><?xml version="1.0" encoding="utf-8"?>
+<p:sld xmlns:a="http://schemas.openxmlformats.org/drawingml/2006/main" xmlns:r="http://schemas.openxmlformats.org/officeDocument/2006/relationships" xmlns:p="http://schemas.openxmlformats.org/presentationml/2006/main">
+  <p:cSld>
+    <p:spTree>
+      <p:nvGrpSpPr>
+        <p:cNvPr id="1" name=""/>
+        <p:cNvGrpSpPr/>
+        <p:nvPr/>
+      </p:nvGrpSpPr>
+      <p:grpSpPr>
+        <a:xfrm>
+          <a:off x="0" y="0"/>
+          <a:ext cx="0" cy="0"/>
+          <a:chOff x="0" y="0"/>
+          <a:chExt cx="0" cy="0"/>
+        </a:xfrm>
+      </p:grpSpPr>
+      <p:sp>
+        <p:nvSpPr>
+          <p:cNvPr id="11" name="TextBox 10">
+            <a:extLst>
+              <a:ext uri="{FF2B5EF4-FFF2-40B4-BE49-F238E27FC236}">
+                <a16:creationId xmlns:a16="http://schemas.microsoft.com/office/drawing/2014/main" id="{309311D2-1E40-F268-F0EC-D943828E315A}"/>
+              </a:ext>
+            </a:extLst>
+          </p:cNvPr>
+          <p:cNvSpPr txBox="1"/>
+          <p:nvPr/>
+        </p:nvSpPr>
+        <p:spPr>
+          <a:xfrm>
+            <a:off x="390344" y="293668"/>
+            <a:ext cx="4983913" cy="6494085"/>
+          </a:xfrm>
+          <a:prstGeom prst="rect">
+            <a:avLst/>
+          </a:prstGeom>
+          <a:noFill/>
+        </p:spPr>
+        <p:txBody>
+          <a:bodyPr wrap="square">
+            <a:spAutoFit/>
+          </a:bodyPr>
+          <a:lstStyle/>
+          <a:p>
+            <a:r>
+              <a:rPr lang="ko-Kore-KR" altLang="en-US" sz="1600" dirty="0">
+                <a:latin typeface="DM Mono" panose="020B0509040201040103" pitchFamily="49" charset="0"/>
+              </a:rPr>
+              <a:t>class Shape {</a:t>
+            </a:r>
+          </a:p>
+          <a:p>
+            <a:r>
+              <a:rPr lang="ko-Kore-KR" altLang="en-US" sz="1600" dirty="0">
+                <a:latin typeface="DM Mono" panose="020B0509040201040103" pitchFamily="49" charset="0"/>
+              </a:rPr>
+              <a:t>    int x;</a:t>
+            </a:r>
+          </a:p>
+          <a:p>
+            <a:r>
+              <a:rPr lang="ko-Kore-KR" altLang="en-US" sz="1600" dirty="0">
+                <a:latin typeface="DM Mono" panose="020B0509040201040103" pitchFamily="49" charset="0"/>
+              </a:rPr>
+              <a:t>    int y;</a:t>
+            </a:r>
+          </a:p>
+          <a:p>
+            <a:endParaRPr lang="ko-Kore-KR" altLang="en-US" sz="1600" dirty="0">
+              <a:latin typeface="DM Mono" panose="020B0509040201040103" pitchFamily="49" charset="0"/>
+            </a:endParaRPr>
+          </a:p>
+          <a:p>
+            <a:r>
+              <a:rPr lang="ko-Kore-KR" altLang="en-US" sz="1600" dirty="0">
+                <a:latin typeface="DM Mono" panose="020B0509040201040103" pitchFamily="49" charset="0"/>
+              </a:rPr>
+              <a:t>public:</a:t>
+            </a:r>
+          </a:p>
+          <a:p>
+            <a:r>
+              <a:rPr lang="ko-Kore-KR" altLang="en-US" sz="1600" dirty="0">
+                <a:latin typeface="DM Mono" panose="020B0509040201040103" pitchFamily="49" charset="0"/>
+              </a:rPr>
+              <a:t>    </a:t>
+            </a:r>
+            <a:r>
+              <a:rPr lang="en-US" altLang="ko-Kore-KR" sz="1600" dirty="0">
+                <a:latin typeface="DM Mono" panose="020B0509040201040103" pitchFamily="49" charset="0"/>
+              </a:rPr>
+              <a:t>virtual </a:t>
+            </a:r>
+            <a:r>
+              <a:rPr lang="ko-Kore-KR" altLang="en-US" sz="1600" dirty="0">
+                <a:latin typeface="DM Mono" panose="020B0509040201040103" pitchFamily="49" charset="0"/>
+              </a:rPr>
+              <a:t>void Draw() const { }</a:t>
+            </a:r>
+            <a:endParaRPr lang="en-US" altLang="ko-Kore-KR" sz="1600" dirty="0">
+              <a:latin typeface="DM Mono" panose="020B0509040201040103" pitchFamily="49" charset="0"/>
+            </a:endParaRPr>
+          </a:p>
+          <a:p>
+            <a:r>
+              <a:rPr lang="ko-Kore-KR" altLang="en-US" sz="1600" dirty="0">
+                <a:latin typeface="DM Mono" panose="020B0509040201040103" pitchFamily="49" charset="0"/>
+              </a:rPr>
+              <a:t>    </a:t>
+            </a:r>
+            <a:r>
+              <a:rPr lang="en-US" altLang="ko-Kore-KR" sz="1600" dirty="0">
+                <a:latin typeface="DM Mono" panose="020B0509040201040103" pitchFamily="49" charset="0"/>
+              </a:rPr>
+              <a:t>virtual Shape* Clone() {}</a:t>
+            </a:r>
+            <a:endParaRPr lang="ko-Kore-KR" altLang="en-US" sz="1600" dirty="0">
+              <a:latin typeface="DM Mono" panose="020B0509040201040103" pitchFamily="49" charset="0"/>
+            </a:endParaRPr>
+          </a:p>
+          <a:p>
+            <a:r>
+              <a:rPr lang="ko-Kore-KR" altLang="en-US" sz="1600" dirty="0">
+                <a:latin typeface="DM Mono" panose="020B0509040201040103" pitchFamily="49" charset="0"/>
+              </a:rPr>
+              <a:t>};</a:t>
+            </a:r>
+          </a:p>
+          <a:p>
+            <a:endParaRPr lang="ko-Kore-KR" altLang="en-US" sz="1600" dirty="0">
+              <a:latin typeface="DM Mono" panose="020B0509040201040103" pitchFamily="49" charset="0"/>
+            </a:endParaRPr>
+          </a:p>
+          <a:p>
+            <a:r>
+              <a:rPr lang="ko-Kore-KR" altLang="en-US" sz="1600" dirty="0">
+                <a:latin typeface="DM Mono" panose="020B0509040201040103" pitchFamily="49" charset="0"/>
+              </a:rPr>
+              <a:t>class Rect : public Shape {</a:t>
+            </a:r>
+          </a:p>
+          <a:p>
+            <a:r>
+              <a:rPr lang="ko-Kore-KR" altLang="en-US" sz="1600" dirty="0">
+                <a:latin typeface="DM Mono" panose="020B0509040201040103" pitchFamily="49" charset="0"/>
+              </a:rPr>
+              <a:t>    int width;</a:t>
+            </a:r>
+            <a:endParaRPr lang="en-US" altLang="ko-Kore-KR" sz="1600" dirty="0">
+              <a:latin typeface="DM Mono" panose="020B0509040201040103" pitchFamily="49" charset="0"/>
+            </a:endParaRPr>
+          </a:p>
+          <a:p>
+            <a:r>
+              <a:rPr lang="en-US" altLang="ko-Kore-KR" sz="1600" dirty="0">
+                <a:latin typeface="DM Mono" panose="020B0509040201040103" pitchFamily="49" charset="0"/>
+              </a:rPr>
+              <a:t>public:</a:t>
+            </a:r>
+          </a:p>
+          <a:p>
+            <a:r>
+              <a:rPr lang="en-US" altLang="ko-Kore-KR" sz="1600" dirty="0">
+                <a:latin typeface="DM Mono" panose="020B0509040201040103" pitchFamily="49" charset="0"/>
+              </a:rPr>
+              <a:t>     void Draw() const override {}</a:t>
+            </a:r>
+            <a:endParaRPr lang="ko-Kore-KR" altLang="en-US" sz="1600" dirty="0">
+              <a:latin typeface="DM Mono" panose="020B0509040201040103" pitchFamily="49" charset="0"/>
+            </a:endParaRPr>
+          </a:p>
+          <a:p>
+            <a:r>
+              <a:rPr lang="ko-Kore-KR" altLang="en-US" sz="1600" dirty="0">
+                <a:latin typeface="DM Mono" panose="020B0509040201040103" pitchFamily="49" charset="0"/>
+              </a:rPr>
+              <a:t>};</a:t>
+            </a:r>
+          </a:p>
+          <a:p>
+            <a:endParaRPr lang="ko-Kore-KR" altLang="en-US" sz="1600" dirty="0">
+              <a:latin typeface="DM Mono" panose="020B0509040201040103" pitchFamily="49" charset="0"/>
+            </a:endParaRPr>
+          </a:p>
+          <a:p>
+            <a:r>
+              <a:rPr lang="en-US" altLang="ko-Kore-KR" sz="1600" dirty="0">
+                <a:latin typeface="DM Mono" panose="020B0509040201040103" pitchFamily="49" charset="0"/>
+              </a:rPr>
+              <a:t>int main()</a:t>
+            </a:r>
+          </a:p>
+          <a:p>
+            <a:r>
+              <a:rPr lang="en-US" altLang="ko-Kore-KR" sz="1600" dirty="0">
+                <a:latin typeface="DM Mono" panose="020B0509040201040103" pitchFamily="49" charset="0"/>
+              </a:rPr>
+              <a:t>{</a:t>
+            </a:r>
+          </a:p>
+          <a:p>
+            <a:r>
+              <a:rPr lang="en-US" altLang="ko-Kore-KR" sz="1600" dirty="0">
+                <a:latin typeface="DM Mono" panose="020B0509040201040103" pitchFamily="49" charset="0"/>
+              </a:rPr>
+              <a:t>    Shape s;</a:t>
+            </a:r>
+          </a:p>
+          <a:p>
+            <a:r>
+              <a:rPr lang="en-US" altLang="ko-Kore-KR" sz="1600" dirty="0">
+                <a:latin typeface="DM Mono" panose="020B0509040201040103" pitchFamily="49" charset="0"/>
+              </a:rPr>
+              <a:t>    </a:t>
+            </a:r>
+            <a:r>
+              <a:rPr lang="en-US" altLang="ko-Kore-KR" sz="1600" dirty="0" err="1">
+                <a:latin typeface="DM Mono" panose="020B0509040201040103" pitchFamily="49" charset="0"/>
+              </a:rPr>
+              <a:t>Rect</a:t>
+            </a:r>
+            <a:r>
+              <a:rPr lang="en-US" altLang="ko-Kore-KR" sz="1600" dirty="0">
+                <a:latin typeface="DM Mono" panose="020B0509040201040103" pitchFamily="49" charset="0"/>
+              </a:rPr>
+              <a:t> r;</a:t>
+            </a:r>
+          </a:p>
+          <a:p>
+            <a:endParaRPr lang="en-US" altLang="ko-Kore-KR" sz="1600" dirty="0">
+              <a:latin typeface="DM Mono" panose="020B0509040201040103" pitchFamily="49" charset="0"/>
+            </a:endParaRPr>
+          </a:p>
+          <a:p>
+            <a:r>
+              <a:rPr lang="en-US" altLang="ko-Kore-KR" sz="1600" dirty="0">
+                <a:solidFill>
+                  <a:srgbClr val="FF0000"/>
+                </a:solidFill>
+                <a:latin typeface="DM Mono" panose="020B0509040201040103" pitchFamily="49" charset="0"/>
+              </a:rPr>
+              <a:t>    Shape* p = &amp;r;</a:t>
+            </a:r>
+          </a:p>
+          <a:p>
+            <a:r>
+              <a:rPr lang="en-US" altLang="ko-Kore-KR" sz="1600" dirty="0">
+                <a:solidFill>
+                  <a:srgbClr val="FF0000"/>
+                </a:solidFill>
+                <a:latin typeface="DM Mono" panose="020B0509040201040103" pitchFamily="49" charset="0"/>
+              </a:rPr>
+              <a:t>    p-&gt;Draw();</a:t>
+            </a:r>
+          </a:p>
+          <a:p>
+            <a:r>
+              <a:rPr lang="en-US" altLang="ko-Kore-KR" sz="1600" dirty="0">
+                <a:solidFill>
+                  <a:srgbClr val="FF0000"/>
+                </a:solidFill>
+                <a:latin typeface="DM Mono" panose="020B0509040201040103" pitchFamily="49" charset="0"/>
+              </a:rPr>
+              <a:t>    // (p-&gt;</a:t>
+            </a:r>
+            <a:r>
+              <a:rPr lang="en-US" altLang="ko-Kore-KR" sz="1600" dirty="0" err="1">
+                <a:solidFill>
+                  <a:srgbClr val="FF0000"/>
+                </a:solidFill>
+                <a:latin typeface="DM Mono" panose="020B0509040201040103" pitchFamily="49" charset="0"/>
+              </a:rPr>
+              <a:t>vfptr</a:t>
+            </a:r>
+            <a:r>
+              <a:rPr lang="en-US" altLang="ko-Kore-KR" sz="1600" dirty="0">
+                <a:solidFill>
+                  <a:srgbClr val="FF0000"/>
+                </a:solidFill>
+                <a:latin typeface="DM Mono" panose="020B0509040201040103" pitchFamily="49" charset="0"/>
+              </a:rPr>
+              <a:t>[0])()</a:t>
+            </a:r>
+          </a:p>
+          <a:p>
+            <a:r>
+              <a:rPr lang="en-US" altLang="ko-Kore-KR" sz="1600" dirty="0">
+                <a:latin typeface="DM Mono" panose="020B0509040201040103" pitchFamily="49" charset="0"/>
+              </a:rPr>
+              <a:t>    p-&gt;Clone();</a:t>
+            </a:r>
+          </a:p>
+          <a:p>
+            <a:r>
+              <a:rPr lang="en-US" altLang="ko-Kore-KR" sz="1600" dirty="0">
+                <a:latin typeface="DM Mono" panose="020B0509040201040103" pitchFamily="49" charset="0"/>
+              </a:rPr>
+              <a:t>    // (p-&gt;</a:t>
+            </a:r>
+            <a:r>
+              <a:rPr lang="en-US" altLang="ko-Kore-KR" sz="1600" dirty="0" err="1">
+                <a:latin typeface="DM Mono" panose="020B0509040201040103" pitchFamily="49" charset="0"/>
+              </a:rPr>
+              <a:t>vfptr</a:t>
+            </a:r>
+            <a:r>
+              <a:rPr lang="en-US" altLang="ko-Kore-KR" sz="1600" dirty="0">
+                <a:latin typeface="DM Mono" panose="020B0509040201040103" pitchFamily="49" charset="0"/>
+              </a:rPr>
+              <a:t>[1])()</a:t>
+            </a:r>
+          </a:p>
+          <a:p>
+            <a:r>
+              <a:rPr lang="en-US" altLang="ko-Kore-KR" sz="1600" dirty="0">
+                <a:latin typeface="DM Mono" panose="020B0509040201040103" pitchFamily="49" charset="0"/>
+              </a:rPr>
+              <a:t>}</a:t>
+            </a:r>
+            <a:endParaRPr lang="ko-Kore-KR" altLang="en-US" sz="1600" dirty="0">
+              <a:latin typeface="DM Mono" panose="020B0509040201040103" pitchFamily="49" charset="0"/>
+            </a:endParaRPr>
+          </a:p>
+        </p:txBody>
+      </p:sp>
+      <p:sp>
+        <p:nvSpPr>
+          <p:cNvPr id="12" name="직사각형 11">
+            <a:extLst>
+              <a:ext uri="{FF2B5EF4-FFF2-40B4-BE49-F238E27FC236}">
+                <a16:creationId xmlns:a16="http://schemas.microsoft.com/office/drawing/2014/main" id="{668BD4A2-2F07-7284-FF95-013966ED3855}"/>
+              </a:ext>
+            </a:extLst>
+          </p:cNvPr>
+          <p:cNvSpPr/>
+          <p:nvPr/>
+        </p:nvSpPr>
+        <p:spPr>
+          <a:xfrm>
+            <a:off x="7718704" y="1667708"/>
+            <a:ext cx="804912" cy="482277"/>
+          </a:xfrm>
+          <a:prstGeom prst="rect">
+            <a:avLst/>
+          </a:prstGeom>
+          <a:solidFill>
+            <a:srgbClr val="FFFF00"/>
+          </a:solidFill>
+        </p:spPr>
+        <p:style>
+          <a:lnRef idx="2">
+            <a:schemeClr val="accent1">
+              <a:shade val="15000"/>
+            </a:schemeClr>
+          </a:lnRef>
+          <a:fillRef idx="1">
+            <a:schemeClr val="accent1"/>
+          </a:fillRef>
+          <a:effectRef idx="0">
+            <a:schemeClr val="accent1"/>
+          </a:effectRef>
+          <a:fontRef idx="minor">
+            <a:schemeClr val="lt1"/>
+          </a:fontRef>
+        </p:style>
+        <p:txBody>
+          <a:bodyPr rtlCol="0" anchor="ctr"/>
+          <a:lstStyle/>
+          <a:p>
+            <a:pPr algn="ctr"/>
+            <a:endParaRPr kumimoji="1" lang="ko-Kore-KR" altLang="en-US" sz="1600" dirty="0">
+              <a:solidFill>
+                <a:srgbClr val="FF0000"/>
+              </a:solidFill>
+              <a:latin typeface="DM Mono" panose="020B0509040201040103" pitchFamily="49" charset="0"/>
+            </a:endParaRPr>
+          </a:p>
+        </p:txBody>
+      </p:sp>
+      <p:sp>
+        <p:nvSpPr>
+          <p:cNvPr id="13" name="TextBox 12">
+            <a:extLst>
+              <a:ext uri="{FF2B5EF4-FFF2-40B4-BE49-F238E27FC236}">
+                <a16:creationId xmlns:a16="http://schemas.microsoft.com/office/drawing/2014/main" id="{9042DBAE-6C4A-974D-FF27-DAD3002C1A8F}"/>
+              </a:ext>
+            </a:extLst>
+          </p:cNvPr>
+          <p:cNvSpPr txBox="1"/>
+          <p:nvPr/>
+        </p:nvSpPr>
+        <p:spPr>
+          <a:xfrm>
+            <a:off x="6386097" y="1724180"/>
+            <a:ext cx="1332608" cy="369332"/>
+          </a:xfrm>
+          <a:prstGeom prst="rect">
+            <a:avLst/>
+          </a:prstGeom>
+          <a:noFill/>
+        </p:spPr>
+        <p:txBody>
+          <a:bodyPr wrap="square">
+            <a:spAutoFit/>
+          </a:bodyPr>
+          <a:lstStyle/>
+          <a:p>
+            <a:pPr algn="r"/>
+            <a:r>
+              <a:rPr lang="en-US" altLang="ko-Kore-KR" dirty="0">
+                <a:latin typeface="DM Mono" panose="020B0509040201040103" pitchFamily="49" charset="0"/>
+              </a:rPr>
+              <a:t>x</a:t>
+            </a:r>
+            <a:endParaRPr lang="ko-Kore-KR" altLang="en-US" dirty="0"/>
+          </a:p>
+        </p:txBody>
+      </p:sp>
+      <p:sp>
+        <p:nvSpPr>
+          <p:cNvPr id="14" name="TextBox 13">
+            <a:extLst>
+              <a:ext uri="{FF2B5EF4-FFF2-40B4-BE49-F238E27FC236}">
+                <a16:creationId xmlns:a16="http://schemas.microsoft.com/office/drawing/2014/main" id="{278ECADC-890F-E502-8A7B-9B16D926A6E1}"/>
+              </a:ext>
+            </a:extLst>
+          </p:cNvPr>
+          <p:cNvSpPr txBox="1"/>
+          <p:nvPr/>
+        </p:nvSpPr>
+        <p:spPr>
+          <a:xfrm>
+            <a:off x="7228347" y="829319"/>
+            <a:ext cx="1785624" cy="369332"/>
+          </a:xfrm>
+          <a:prstGeom prst="rect">
+            <a:avLst/>
+          </a:prstGeom>
+          <a:noFill/>
+        </p:spPr>
+        <p:txBody>
+          <a:bodyPr wrap="square">
+            <a:spAutoFit/>
+          </a:bodyPr>
+          <a:lstStyle/>
+          <a:p>
+            <a:pPr algn="ctr"/>
+            <a:r>
+              <a:rPr lang="en-US" altLang="ko-Kore-KR" dirty="0">
+                <a:latin typeface="DM Mono" panose="020B0509040201040103" pitchFamily="49" charset="0"/>
+              </a:rPr>
+              <a:t>Shape s</a:t>
+            </a:r>
+            <a:endParaRPr lang="ko-Kore-KR" altLang="en-US" dirty="0"/>
+          </a:p>
+        </p:txBody>
+      </p:sp>
+      <p:sp>
+        <p:nvSpPr>
+          <p:cNvPr id="18" name="직사각형 17">
+            <a:extLst>
+              <a:ext uri="{FF2B5EF4-FFF2-40B4-BE49-F238E27FC236}">
+                <a16:creationId xmlns:a16="http://schemas.microsoft.com/office/drawing/2014/main" id="{173593CC-A733-FFBB-50F4-38FCFDCA6663}"/>
+              </a:ext>
+            </a:extLst>
+          </p:cNvPr>
+          <p:cNvSpPr/>
+          <p:nvPr/>
+        </p:nvSpPr>
+        <p:spPr>
+          <a:xfrm>
+            <a:off x="7718704" y="2149983"/>
+            <a:ext cx="804912" cy="482277"/>
+          </a:xfrm>
+          <a:prstGeom prst="rect">
+            <a:avLst/>
+          </a:prstGeom>
+          <a:solidFill>
+            <a:srgbClr val="FFFF00"/>
+          </a:solidFill>
+        </p:spPr>
+        <p:style>
+          <a:lnRef idx="2">
+            <a:schemeClr val="accent1">
+              <a:shade val="15000"/>
+            </a:schemeClr>
+          </a:lnRef>
+          <a:fillRef idx="1">
+            <a:schemeClr val="accent1"/>
+          </a:fillRef>
+          <a:effectRef idx="0">
+            <a:schemeClr val="accent1"/>
+          </a:effectRef>
+          <a:fontRef idx="minor">
+            <a:schemeClr val="lt1"/>
+          </a:fontRef>
+        </p:style>
+        <p:txBody>
+          <a:bodyPr rtlCol="0" anchor="ctr"/>
+          <a:lstStyle/>
+          <a:p>
+            <a:pPr algn="ctr"/>
+            <a:endParaRPr kumimoji="1" lang="ko-Kore-KR" altLang="en-US" sz="1600" dirty="0">
+              <a:solidFill>
+                <a:srgbClr val="FF0000"/>
+              </a:solidFill>
+              <a:latin typeface="DM Mono" panose="020B0509040201040103" pitchFamily="49" charset="0"/>
+            </a:endParaRPr>
+          </a:p>
+        </p:txBody>
+      </p:sp>
+      <p:sp>
+        <p:nvSpPr>
+          <p:cNvPr id="19" name="TextBox 18">
+            <a:extLst>
+              <a:ext uri="{FF2B5EF4-FFF2-40B4-BE49-F238E27FC236}">
+                <a16:creationId xmlns:a16="http://schemas.microsoft.com/office/drawing/2014/main" id="{8FDFD367-26B7-EF3D-1B2F-F5B193225391}"/>
+              </a:ext>
+            </a:extLst>
+          </p:cNvPr>
+          <p:cNvSpPr txBox="1"/>
+          <p:nvPr/>
+        </p:nvSpPr>
+        <p:spPr>
+          <a:xfrm>
+            <a:off x="6386097" y="2206455"/>
+            <a:ext cx="1332608" cy="369332"/>
+          </a:xfrm>
+          <a:prstGeom prst="rect">
+            <a:avLst/>
+          </a:prstGeom>
+          <a:noFill/>
+        </p:spPr>
+        <p:txBody>
+          <a:bodyPr wrap="square">
+            <a:spAutoFit/>
+          </a:bodyPr>
+          <a:lstStyle/>
+          <a:p>
+            <a:pPr algn="r"/>
+            <a:r>
+              <a:rPr lang="en-US" altLang="ko-Kore-KR" dirty="0">
+                <a:latin typeface="DM Mono" panose="020B0509040201040103" pitchFamily="49" charset="0"/>
+              </a:rPr>
+              <a:t>y</a:t>
+            </a:r>
+            <a:endParaRPr lang="ko-Kore-KR" altLang="en-US" dirty="0"/>
+          </a:p>
+        </p:txBody>
+      </p:sp>
+      <p:sp>
+        <p:nvSpPr>
+          <p:cNvPr id="24" name="TextBox 23">
+            <a:extLst>
+              <a:ext uri="{FF2B5EF4-FFF2-40B4-BE49-F238E27FC236}">
+                <a16:creationId xmlns:a16="http://schemas.microsoft.com/office/drawing/2014/main" id="{035ECE70-839E-7031-B873-C4C697AED6DB}"/>
+              </a:ext>
+            </a:extLst>
+          </p:cNvPr>
+          <p:cNvSpPr txBox="1"/>
+          <p:nvPr/>
+        </p:nvSpPr>
+        <p:spPr>
+          <a:xfrm>
+            <a:off x="7311746" y="3368057"/>
+            <a:ext cx="1785624" cy="369332"/>
+          </a:xfrm>
+          <a:prstGeom prst="rect">
+            <a:avLst/>
+          </a:prstGeom>
+          <a:noFill/>
+        </p:spPr>
+        <p:txBody>
+          <a:bodyPr wrap="square">
+            <a:spAutoFit/>
+          </a:bodyPr>
+          <a:lstStyle/>
+          <a:p>
+            <a:pPr algn="ctr"/>
+            <a:r>
+              <a:rPr lang="en-US" altLang="ko-Kore-KR" dirty="0" err="1">
+                <a:latin typeface="DM Mono" panose="020B0509040201040103" pitchFamily="49" charset="0"/>
+              </a:rPr>
+              <a:t>Rect</a:t>
+            </a:r>
+            <a:r>
+              <a:rPr lang="en-US" altLang="ko-Kore-KR" dirty="0">
+                <a:latin typeface="DM Mono" panose="020B0509040201040103" pitchFamily="49" charset="0"/>
+              </a:rPr>
+              <a:t> r</a:t>
+            </a:r>
+            <a:endParaRPr lang="ko-Kore-KR" altLang="en-US" dirty="0"/>
+          </a:p>
+        </p:txBody>
+      </p:sp>
+      <p:sp>
+        <p:nvSpPr>
+          <p:cNvPr id="27" name="직사각형 26">
+            <a:extLst>
+              <a:ext uri="{FF2B5EF4-FFF2-40B4-BE49-F238E27FC236}">
+                <a16:creationId xmlns:a16="http://schemas.microsoft.com/office/drawing/2014/main" id="{A197CF1D-876A-4993-E649-EC228CEF54C8}"/>
+              </a:ext>
+            </a:extLst>
+          </p:cNvPr>
+          <p:cNvSpPr/>
+          <p:nvPr/>
+        </p:nvSpPr>
+        <p:spPr>
+          <a:xfrm>
+            <a:off x="7798799" y="5158414"/>
+            <a:ext cx="804912" cy="482277"/>
+          </a:xfrm>
+          <a:prstGeom prst="rect">
+            <a:avLst/>
+          </a:prstGeom>
+          <a:solidFill>
+            <a:srgbClr val="FFFF00"/>
+          </a:solidFill>
+        </p:spPr>
+        <p:style>
+          <a:lnRef idx="2">
+            <a:schemeClr val="accent1">
+              <a:shade val="15000"/>
+            </a:schemeClr>
+          </a:lnRef>
+          <a:fillRef idx="1">
+            <a:schemeClr val="accent1"/>
+          </a:fillRef>
+          <a:effectRef idx="0">
+            <a:schemeClr val="accent1"/>
+          </a:effectRef>
+          <a:fontRef idx="minor">
+            <a:schemeClr val="lt1"/>
+          </a:fontRef>
+        </p:style>
+        <p:txBody>
+          <a:bodyPr rtlCol="0" anchor="ctr"/>
+          <a:lstStyle/>
+          <a:p>
+            <a:pPr algn="ctr"/>
+            <a:endParaRPr kumimoji="1" lang="ko-Kore-KR" altLang="en-US" sz="1600" dirty="0">
+              <a:solidFill>
+                <a:srgbClr val="FF0000"/>
+              </a:solidFill>
+              <a:latin typeface="DM Mono" panose="020B0509040201040103" pitchFamily="49" charset="0"/>
+            </a:endParaRPr>
+          </a:p>
+        </p:txBody>
+      </p:sp>
+      <p:sp>
+        <p:nvSpPr>
+          <p:cNvPr id="28" name="TextBox 27">
+            <a:extLst>
+              <a:ext uri="{FF2B5EF4-FFF2-40B4-BE49-F238E27FC236}">
+                <a16:creationId xmlns:a16="http://schemas.microsoft.com/office/drawing/2014/main" id="{A4DC667B-6709-FECC-2427-6DFD8F3A71F3}"/>
+              </a:ext>
+            </a:extLst>
+          </p:cNvPr>
+          <p:cNvSpPr txBox="1"/>
+          <p:nvPr/>
+        </p:nvSpPr>
+        <p:spPr>
+          <a:xfrm>
+            <a:off x="6466192" y="5214886"/>
+            <a:ext cx="1332608" cy="369332"/>
+          </a:xfrm>
+          <a:prstGeom prst="rect">
+            <a:avLst/>
+          </a:prstGeom>
+          <a:noFill/>
+        </p:spPr>
+        <p:txBody>
+          <a:bodyPr wrap="square">
+            <a:spAutoFit/>
+          </a:bodyPr>
+          <a:lstStyle/>
+          <a:p>
+            <a:pPr algn="r"/>
+            <a:r>
+              <a:rPr lang="en-US" altLang="ko-Kore-KR" dirty="0">
+                <a:latin typeface="DM Mono" panose="020B0509040201040103" pitchFamily="49" charset="0"/>
+              </a:rPr>
+              <a:t>width</a:t>
+            </a:r>
+            <a:endParaRPr lang="ko-Kore-KR" altLang="en-US" dirty="0"/>
+          </a:p>
+        </p:txBody>
+      </p:sp>
+      <p:sp>
+        <p:nvSpPr>
+          <p:cNvPr id="2" name="직사각형 1">
+            <a:extLst>
+              <a:ext uri="{FF2B5EF4-FFF2-40B4-BE49-F238E27FC236}">
+                <a16:creationId xmlns:a16="http://schemas.microsoft.com/office/drawing/2014/main" id="{10619A8F-C357-BE42-BC5D-2BE2CA9A8E40}"/>
+              </a:ext>
+            </a:extLst>
+          </p:cNvPr>
+          <p:cNvSpPr/>
+          <p:nvPr/>
+        </p:nvSpPr>
+        <p:spPr>
+          <a:xfrm>
+            <a:off x="7718704" y="1211232"/>
+            <a:ext cx="804912" cy="482277"/>
+          </a:xfrm>
+          <a:prstGeom prst="rect">
+            <a:avLst/>
+          </a:prstGeom>
+          <a:solidFill>
+            <a:srgbClr val="92D050"/>
+          </a:solidFill>
+        </p:spPr>
+        <p:style>
+          <a:lnRef idx="2">
+            <a:schemeClr val="accent1">
+              <a:shade val="15000"/>
+            </a:schemeClr>
+          </a:lnRef>
+          <a:fillRef idx="1">
+            <a:schemeClr val="accent1"/>
+          </a:fillRef>
+          <a:effectRef idx="0">
+            <a:schemeClr val="accent1"/>
+          </a:effectRef>
+          <a:fontRef idx="minor">
+            <a:schemeClr val="lt1"/>
+          </a:fontRef>
+        </p:style>
+        <p:txBody>
+          <a:bodyPr rtlCol="0" anchor="ctr"/>
+          <a:lstStyle/>
+          <a:p>
+            <a:pPr algn="ctr"/>
+            <a:endParaRPr kumimoji="1" lang="ko-Kore-KR" altLang="en-US" sz="1600" dirty="0">
+              <a:solidFill>
+                <a:srgbClr val="FF0000"/>
+              </a:solidFill>
+              <a:latin typeface="DM Mono" panose="020B0509040201040103" pitchFamily="49" charset="0"/>
+            </a:endParaRPr>
+          </a:p>
+        </p:txBody>
+      </p:sp>
+      <p:sp>
+        <p:nvSpPr>
+          <p:cNvPr id="3" name="TextBox 2">
+            <a:extLst>
+              <a:ext uri="{FF2B5EF4-FFF2-40B4-BE49-F238E27FC236}">
+                <a16:creationId xmlns:a16="http://schemas.microsoft.com/office/drawing/2014/main" id="{82B825F6-DE14-B024-8E5F-0A21775C361F}"/>
+              </a:ext>
+            </a:extLst>
+          </p:cNvPr>
+          <p:cNvSpPr txBox="1"/>
+          <p:nvPr/>
+        </p:nvSpPr>
+        <p:spPr>
+          <a:xfrm>
+            <a:off x="6386097" y="1267704"/>
+            <a:ext cx="1332608" cy="369332"/>
+          </a:xfrm>
+          <a:prstGeom prst="rect">
+            <a:avLst/>
+          </a:prstGeom>
+          <a:noFill/>
+        </p:spPr>
+        <p:txBody>
+          <a:bodyPr wrap="square">
+            <a:spAutoFit/>
+          </a:bodyPr>
+          <a:lstStyle/>
+          <a:p>
+            <a:pPr algn="r"/>
+            <a:r>
+              <a:rPr lang="en-US" altLang="ko-Kore-KR" dirty="0" err="1">
+                <a:latin typeface="DM Mono" panose="020B0509040201040103" pitchFamily="49" charset="0"/>
+              </a:rPr>
+              <a:t>vfptr</a:t>
+            </a:r>
+            <a:endParaRPr lang="ko-Kore-KR" altLang="en-US" dirty="0"/>
+          </a:p>
+        </p:txBody>
+      </p:sp>
+      <p:sp>
+        <p:nvSpPr>
+          <p:cNvPr id="4" name="직사각형 3">
+            <a:extLst>
+              <a:ext uri="{FF2B5EF4-FFF2-40B4-BE49-F238E27FC236}">
+                <a16:creationId xmlns:a16="http://schemas.microsoft.com/office/drawing/2014/main" id="{B1EB09F4-DE7F-3E46-9041-A964728A1ED6}"/>
+              </a:ext>
+            </a:extLst>
+          </p:cNvPr>
+          <p:cNvSpPr/>
+          <p:nvPr/>
+        </p:nvSpPr>
+        <p:spPr>
+          <a:xfrm>
+            <a:off x="7798800" y="4193865"/>
+            <a:ext cx="804912" cy="482277"/>
+          </a:xfrm>
+          <a:prstGeom prst="rect">
+            <a:avLst/>
+          </a:prstGeom>
+          <a:solidFill>
+            <a:srgbClr val="FFFF00"/>
+          </a:solidFill>
+        </p:spPr>
+        <p:style>
+          <a:lnRef idx="2">
+            <a:schemeClr val="accent1">
+              <a:shade val="15000"/>
+            </a:schemeClr>
+          </a:lnRef>
+          <a:fillRef idx="1">
+            <a:schemeClr val="accent1"/>
+          </a:fillRef>
+          <a:effectRef idx="0">
+            <a:schemeClr val="accent1"/>
+          </a:effectRef>
+          <a:fontRef idx="minor">
+            <a:schemeClr val="lt1"/>
+          </a:fontRef>
+        </p:style>
+        <p:txBody>
+          <a:bodyPr rtlCol="0" anchor="ctr"/>
+          <a:lstStyle/>
+          <a:p>
+            <a:pPr algn="ctr"/>
+            <a:endParaRPr kumimoji="1" lang="ko-Kore-KR" altLang="en-US" sz="1600" dirty="0">
+              <a:solidFill>
+                <a:srgbClr val="FF0000"/>
+              </a:solidFill>
+              <a:latin typeface="DM Mono" panose="020B0509040201040103" pitchFamily="49" charset="0"/>
+            </a:endParaRPr>
+          </a:p>
+        </p:txBody>
+      </p:sp>
+      <p:sp>
+        <p:nvSpPr>
+          <p:cNvPr id="5" name="TextBox 4">
+            <a:extLst>
+              <a:ext uri="{FF2B5EF4-FFF2-40B4-BE49-F238E27FC236}">
+                <a16:creationId xmlns:a16="http://schemas.microsoft.com/office/drawing/2014/main" id="{7089E841-C150-3DE2-96B0-F7D01956F648}"/>
+              </a:ext>
+            </a:extLst>
+          </p:cNvPr>
+          <p:cNvSpPr txBox="1"/>
+          <p:nvPr/>
+        </p:nvSpPr>
+        <p:spPr>
+          <a:xfrm>
+            <a:off x="6466193" y="4250337"/>
+            <a:ext cx="1332608" cy="369332"/>
+          </a:xfrm>
+          <a:prstGeom prst="rect">
+            <a:avLst/>
+          </a:prstGeom>
+          <a:noFill/>
+        </p:spPr>
+        <p:txBody>
+          <a:bodyPr wrap="square">
+            <a:spAutoFit/>
+          </a:bodyPr>
+          <a:lstStyle/>
+          <a:p>
+            <a:pPr algn="r"/>
+            <a:r>
+              <a:rPr lang="en-US" altLang="ko-Kore-KR" dirty="0">
+                <a:latin typeface="DM Mono" panose="020B0509040201040103" pitchFamily="49" charset="0"/>
+              </a:rPr>
+              <a:t>x</a:t>
+            </a:r>
+            <a:endParaRPr lang="ko-Kore-KR" altLang="en-US" dirty="0"/>
+          </a:p>
+        </p:txBody>
+      </p:sp>
+      <p:sp>
+        <p:nvSpPr>
+          <p:cNvPr id="6" name="직사각형 5">
+            <a:extLst>
+              <a:ext uri="{FF2B5EF4-FFF2-40B4-BE49-F238E27FC236}">
+                <a16:creationId xmlns:a16="http://schemas.microsoft.com/office/drawing/2014/main" id="{5FEAD076-0042-5FBA-35EE-2334F021B316}"/>
+              </a:ext>
+            </a:extLst>
+          </p:cNvPr>
+          <p:cNvSpPr/>
+          <p:nvPr/>
+        </p:nvSpPr>
+        <p:spPr>
+          <a:xfrm>
+            <a:off x="7798800" y="4676140"/>
+            <a:ext cx="804912" cy="482277"/>
+          </a:xfrm>
+          <a:prstGeom prst="rect">
+            <a:avLst/>
+          </a:prstGeom>
+          <a:solidFill>
+            <a:srgbClr val="FFFF00"/>
+          </a:solidFill>
+        </p:spPr>
+        <p:style>
+          <a:lnRef idx="2">
+            <a:schemeClr val="accent1">
+              <a:shade val="15000"/>
+            </a:schemeClr>
+          </a:lnRef>
+          <a:fillRef idx="1">
+            <a:schemeClr val="accent1"/>
+          </a:fillRef>
+          <a:effectRef idx="0">
+            <a:schemeClr val="accent1"/>
+          </a:effectRef>
+          <a:fontRef idx="minor">
+            <a:schemeClr val="lt1"/>
+          </a:fontRef>
+        </p:style>
+        <p:txBody>
+          <a:bodyPr rtlCol="0" anchor="ctr"/>
+          <a:lstStyle/>
+          <a:p>
+            <a:pPr algn="ctr"/>
+            <a:endParaRPr kumimoji="1" lang="ko-Kore-KR" altLang="en-US" sz="1600" dirty="0">
+              <a:solidFill>
+                <a:srgbClr val="FF0000"/>
+              </a:solidFill>
+              <a:latin typeface="DM Mono" panose="020B0509040201040103" pitchFamily="49" charset="0"/>
+            </a:endParaRPr>
+          </a:p>
+        </p:txBody>
+      </p:sp>
+      <p:sp>
+        <p:nvSpPr>
+          <p:cNvPr id="7" name="TextBox 6">
+            <a:extLst>
+              <a:ext uri="{FF2B5EF4-FFF2-40B4-BE49-F238E27FC236}">
+                <a16:creationId xmlns:a16="http://schemas.microsoft.com/office/drawing/2014/main" id="{049D9E54-60CD-ADD1-DB9F-17BF87999098}"/>
+              </a:ext>
+            </a:extLst>
+          </p:cNvPr>
+          <p:cNvSpPr txBox="1"/>
+          <p:nvPr/>
+        </p:nvSpPr>
+        <p:spPr>
+          <a:xfrm>
+            <a:off x="6466193" y="4732612"/>
+            <a:ext cx="1332608" cy="369332"/>
+          </a:xfrm>
+          <a:prstGeom prst="rect">
+            <a:avLst/>
+          </a:prstGeom>
+          <a:noFill/>
+        </p:spPr>
+        <p:txBody>
+          <a:bodyPr wrap="square">
+            <a:spAutoFit/>
+          </a:bodyPr>
+          <a:lstStyle/>
+          <a:p>
+            <a:pPr algn="r"/>
+            <a:r>
+              <a:rPr lang="en-US" altLang="ko-Kore-KR" dirty="0">
+                <a:latin typeface="DM Mono" panose="020B0509040201040103" pitchFamily="49" charset="0"/>
+              </a:rPr>
+              <a:t>y</a:t>
+            </a:r>
+            <a:endParaRPr lang="ko-Kore-KR" altLang="en-US" dirty="0"/>
+          </a:p>
+        </p:txBody>
+      </p:sp>
+      <p:sp>
+        <p:nvSpPr>
+          <p:cNvPr id="8" name="직사각형 7">
+            <a:extLst>
+              <a:ext uri="{FF2B5EF4-FFF2-40B4-BE49-F238E27FC236}">
+                <a16:creationId xmlns:a16="http://schemas.microsoft.com/office/drawing/2014/main" id="{A9BDD7D5-246E-79A0-3B72-9271FBF8E893}"/>
+              </a:ext>
+            </a:extLst>
+          </p:cNvPr>
+          <p:cNvSpPr/>
+          <p:nvPr/>
+        </p:nvSpPr>
+        <p:spPr>
+          <a:xfrm>
+            <a:off x="7798800" y="3737389"/>
+            <a:ext cx="804912" cy="482277"/>
+          </a:xfrm>
+          <a:prstGeom prst="rect">
+            <a:avLst/>
+          </a:prstGeom>
+          <a:solidFill>
+            <a:srgbClr val="92D050"/>
+          </a:solidFill>
+        </p:spPr>
+        <p:style>
+          <a:lnRef idx="2">
+            <a:schemeClr val="accent1">
+              <a:shade val="15000"/>
+            </a:schemeClr>
+          </a:lnRef>
+          <a:fillRef idx="1">
+            <a:schemeClr val="accent1"/>
+          </a:fillRef>
+          <a:effectRef idx="0">
+            <a:schemeClr val="accent1"/>
+          </a:effectRef>
+          <a:fontRef idx="minor">
+            <a:schemeClr val="lt1"/>
+          </a:fontRef>
+        </p:style>
+        <p:txBody>
+          <a:bodyPr rtlCol="0" anchor="ctr"/>
+          <a:lstStyle/>
+          <a:p>
+            <a:pPr algn="ctr"/>
+            <a:endParaRPr kumimoji="1" lang="ko-Kore-KR" altLang="en-US" sz="1600" dirty="0">
+              <a:solidFill>
+                <a:srgbClr val="FF0000"/>
+              </a:solidFill>
+              <a:latin typeface="DM Mono" panose="020B0509040201040103" pitchFamily="49" charset="0"/>
+            </a:endParaRPr>
+          </a:p>
+        </p:txBody>
+      </p:sp>
+      <p:sp>
+        <p:nvSpPr>
+          <p:cNvPr id="9" name="TextBox 8">
+            <a:extLst>
+              <a:ext uri="{FF2B5EF4-FFF2-40B4-BE49-F238E27FC236}">
+                <a16:creationId xmlns:a16="http://schemas.microsoft.com/office/drawing/2014/main" id="{58DE652F-C782-9F77-C610-A4773BDCE596}"/>
+              </a:ext>
+            </a:extLst>
+          </p:cNvPr>
+          <p:cNvSpPr txBox="1"/>
+          <p:nvPr/>
+        </p:nvSpPr>
+        <p:spPr>
+          <a:xfrm>
+            <a:off x="6466193" y="3793861"/>
+            <a:ext cx="1332608" cy="369332"/>
+          </a:xfrm>
+          <a:prstGeom prst="rect">
+            <a:avLst/>
+          </a:prstGeom>
+          <a:noFill/>
+        </p:spPr>
+        <p:txBody>
+          <a:bodyPr wrap="square">
+            <a:spAutoFit/>
+          </a:bodyPr>
+          <a:lstStyle/>
+          <a:p>
+            <a:pPr algn="r"/>
+            <a:r>
+              <a:rPr lang="en-US" altLang="ko-Kore-KR" dirty="0" err="1">
+                <a:latin typeface="DM Mono" panose="020B0509040201040103" pitchFamily="49" charset="0"/>
+              </a:rPr>
+              <a:t>vfptr</a:t>
+            </a:r>
+            <a:endParaRPr lang="ko-Kore-KR" altLang="en-US" dirty="0"/>
+          </a:p>
+        </p:txBody>
+      </p:sp>
+      <p:sp>
+        <p:nvSpPr>
+          <p:cNvPr id="10" name="직사각형 9">
+            <a:extLst>
+              <a:ext uri="{FF2B5EF4-FFF2-40B4-BE49-F238E27FC236}">
+                <a16:creationId xmlns:a16="http://schemas.microsoft.com/office/drawing/2014/main" id="{2C1CE4C2-5AAD-66EE-2A88-1D2CEC175FC0}"/>
+              </a:ext>
+            </a:extLst>
+          </p:cNvPr>
+          <p:cNvSpPr/>
+          <p:nvPr/>
+        </p:nvSpPr>
+        <p:spPr>
+          <a:xfrm>
+            <a:off x="9741450" y="714392"/>
+            <a:ext cx="1636792" cy="369332"/>
+          </a:xfrm>
+          <a:prstGeom prst="rect">
+            <a:avLst/>
+          </a:prstGeom>
+          <a:solidFill>
+            <a:srgbClr val="FFFF00"/>
+          </a:solidFill>
+        </p:spPr>
+        <p:style>
+          <a:lnRef idx="2">
+            <a:schemeClr val="accent1">
+              <a:shade val="15000"/>
+            </a:schemeClr>
+          </a:lnRef>
+          <a:fillRef idx="1">
+            <a:schemeClr val="accent1"/>
+          </a:fillRef>
+          <a:effectRef idx="0">
+            <a:schemeClr val="accent1"/>
+          </a:effectRef>
+          <a:fontRef idx="minor">
+            <a:schemeClr val="lt1"/>
+          </a:fontRef>
+        </p:style>
+        <p:txBody>
+          <a:bodyPr rtlCol="0" anchor="ctr"/>
+          <a:lstStyle/>
+          <a:p>
+            <a:pPr algn="ctr"/>
+            <a:r>
+              <a:rPr kumimoji="1" lang="en-US" altLang="ko-Kore-KR" sz="1400" dirty="0">
+                <a:solidFill>
+                  <a:schemeClr val="tx1"/>
+                </a:solidFill>
+                <a:latin typeface="DM Mono" panose="020B0509040201040103" pitchFamily="49" charset="0"/>
+              </a:rPr>
+              <a:t>Shape::Draw</a:t>
+            </a:r>
+            <a:endParaRPr kumimoji="1" lang="ko-Kore-KR" altLang="en-US" sz="1400" dirty="0">
+              <a:solidFill>
+                <a:schemeClr val="tx1"/>
+              </a:solidFill>
+              <a:latin typeface="DM Mono" panose="020B0509040201040103" pitchFamily="49" charset="0"/>
+            </a:endParaRPr>
+          </a:p>
+        </p:txBody>
+      </p:sp>
+      <p:sp>
+        <p:nvSpPr>
+          <p:cNvPr id="15" name="TextBox 14">
+            <a:extLst>
+              <a:ext uri="{FF2B5EF4-FFF2-40B4-BE49-F238E27FC236}">
+                <a16:creationId xmlns:a16="http://schemas.microsoft.com/office/drawing/2014/main" id="{DAAC1793-654A-03AD-8749-BEE4CB507FA7}"/>
+              </a:ext>
+            </a:extLst>
+          </p:cNvPr>
+          <p:cNvSpPr txBox="1"/>
+          <p:nvPr/>
+        </p:nvSpPr>
+        <p:spPr>
+          <a:xfrm>
+            <a:off x="9213012" y="375838"/>
+            <a:ext cx="2676372" cy="338554"/>
+          </a:xfrm>
+          <a:prstGeom prst="rect">
+            <a:avLst/>
+          </a:prstGeom>
+          <a:noFill/>
+        </p:spPr>
+        <p:txBody>
+          <a:bodyPr wrap="square">
+            <a:spAutoFit/>
+          </a:bodyPr>
+          <a:lstStyle/>
+          <a:p>
+            <a:pPr algn="ctr"/>
+            <a:r>
+              <a:rPr lang="en-US" altLang="ko-Kore-KR" sz="1600" dirty="0">
+                <a:latin typeface="DM Mono" panose="020B0509040201040103" pitchFamily="49" charset="0"/>
+              </a:rPr>
+              <a:t>Shape </a:t>
+            </a:r>
+            <a:r>
+              <a:rPr lang="ko-Kore-KR" altLang="en-US" sz="1600" dirty="0">
+                <a:latin typeface="DM Mono" panose="020B0509040201040103" pitchFamily="49" charset="0"/>
+              </a:rPr>
+              <a:t>가상함수테이블</a:t>
+            </a:r>
+            <a:endParaRPr lang="ko-Kore-KR" altLang="en-US" sz="1600" dirty="0"/>
+          </a:p>
+        </p:txBody>
+      </p:sp>
+      <p:cxnSp>
+        <p:nvCxnSpPr>
+          <p:cNvPr id="17" name="구부러진 연결선[U] 16">
+            <a:extLst>
+              <a:ext uri="{FF2B5EF4-FFF2-40B4-BE49-F238E27FC236}">
+                <a16:creationId xmlns:a16="http://schemas.microsoft.com/office/drawing/2014/main" id="{EC2DE797-7EA1-1CBE-18A3-C8ACBBC9B79E}"/>
+              </a:ext>
+            </a:extLst>
+          </p:cNvPr>
+          <p:cNvCxnSpPr>
+            <a:stCxn id="2" idx="3"/>
+            <a:endCxn id="10" idx="1"/>
+          </p:cNvCxnSpPr>
+          <p:nvPr/>
+        </p:nvCxnSpPr>
+        <p:spPr>
+          <a:xfrm flipV="1">
+            <a:off x="8523616" y="899058"/>
+            <a:ext cx="1217834" cy="553313"/>
+          </a:xfrm>
+          <a:prstGeom prst="curvedConnector3">
+            <a:avLst/>
+          </a:prstGeom>
+          <a:ln w="12700">
+            <a:tailEnd type="triangle"/>
+          </a:ln>
+        </p:spPr>
+        <p:style>
+          <a:lnRef idx="1">
+            <a:schemeClr val="dk1"/>
+          </a:lnRef>
+          <a:fillRef idx="0">
+            <a:schemeClr val="dk1"/>
+          </a:fillRef>
+          <a:effectRef idx="0">
+            <a:schemeClr val="dk1"/>
+          </a:effectRef>
+          <a:fontRef idx="minor">
+            <a:schemeClr val="tx1"/>
+          </a:fontRef>
+        </p:style>
+      </p:cxnSp>
+      <p:sp>
+        <p:nvSpPr>
+          <p:cNvPr id="20" name="직사각형 19">
+            <a:extLst>
+              <a:ext uri="{FF2B5EF4-FFF2-40B4-BE49-F238E27FC236}">
+                <a16:creationId xmlns:a16="http://schemas.microsoft.com/office/drawing/2014/main" id="{1169F488-BD0F-B250-5150-5E76860A18D5}"/>
+              </a:ext>
+            </a:extLst>
+          </p:cNvPr>
+          <p:cNvSpPr/>
+          <p:nvPr/>
+        </p:nvSpPr>
+        <p:spPr>
+          <a:xfrm>
+            <a:off x="9741015" y="3126667"/>
+            <a:ext cx="1636792" cy="369332"/>
+          </a:xfrm>
+          <a:prstGeom prst="rect">
+            <a:avLst/>
+          </a:prstGeom>
+          <a:solidFill>
+            <a:srgbClr val="FFFF00"/>
+          </a:solidFill>
+        </p:spPr>
+        <p:style>
+          <a:lnRef idx="2">
+            <a:schemeClr val="accent1">
+              <a:shade val="15000"/>
+            </a:schemeClr>
+          </a:lnRef>
+          <a:fillRef idx="1">
+            <a:schemeClr val="accent1"/>
+          </a:fillRef>
+          <a:effectRef idx="0">
+            <a:schemeClr val="accent1"/>
+          </a:effectRef>
+          <a:fontRef idx="minor">
+            <a:schemeClr val="lt1"/>
+          </a:fontRef>
+        </p:style>
+        <p:txBody>
+          <a:bodyPr rtlCol="0" anchor="ctr"/>
+          <a:lstStyle/>
+          <a:p>
+            <a:pPr algn="ctr"/>
+            <a:r>
+              <a:rPr kumimoji="1" lang="en-US" altLang="ko-Kore-KR" sz="1400" dirty="0" err="1">
+                <a:solidFill>
+                  <a:srgbClr val="FF0000"/>
+                </a:solidFill>
+                <a:latin typeface="DM Mono" panose="020B0509040201040103" pitchFamily="49" charset="0"/>
+              </a:rPr>
+              <a:t>Rect</a:t>
+            </a:r>
+            <a:r>
+              <a:rPr kumimoji="1" lang="en-US" altLang="ko-Kore-KR" sz="1400" dirty="0">
+                <a:solidFill>
+                  <a:srgbClr val="FF0000"/>
+                </a:solidFill>
+                <a:latin typeface="DM Mono" panose="020B0509040201040103" pitchFamily="49" charset="0"/>
+              </a:rPr>
+              <a:t>::Draw</a:t>
+            </a:r>
+            <a:endParaRPr kumimoji="1" lang="ko-Kore-KR" altLang="en-US" sz="1400" dirty="0">
+              <a:solidFill>
+                <a:srgbClr val="FF0000"/>
+              </a:solidFill>
+              <a:latin typeface="DM Mono" panose="020B0509040201040103" pitchFamily="49" charset="0"/>
+            </a:endParaRPr>
+          </a:p>
+        </p:txBody>
+      </p:sp>
+      <p:sp>
+        <p:nvSpPr>
+          <p:cNvPr id="21" name="TextBox 20">
+            <a:extLst>
+              <a:ext uri="{FF2B5EF4-FFF2-40B4-BE49-F238E27FC236}">
+                <a16:creationId xmlns:a16="http://schemas.microsoft.com/office/drawing/2014/main" id="{757E5667-53AD-D83A-F496-D8B25BF0DF26}"/>
+              </a:ext>
+            </a:extLst>
+          </p:cNvPr>
+          <p:cNvSpPr txBox="1"/>
+          <p:nvPr/>
+        </p:nvSpPr>
+        <p:spPr>
+          <a:xfrm>
+            <a:off x="9212577" y="2788113"/>
+            <a:ext cx="2676372" cy="338554"/>
+          </a:xfrm>
+          <a:prstGeom prst="rect">
+            <a:avLst/>
+          </a:prstGeom>
+          <a:noFill/>
+        </p:spPr>
+        <p:txBody>
+          <a:bodyPr wrap="square">
+            <a:spAutoFit/>
+          </a:bodyPr>
+          <a:lstStyle/>
+          <a:p>
+            <a:pPr algn="ctr"/>
+            <a:r>
+              <a:rPr lang="en-US" altLang="ko-Kore-KR" sz="1600" dirty="0" err="1">
+                <a:latin typeface="DM Mono" panose="020B0509040201040103" pitchFamily="49" charset="0"/>
+              </a:rPr>
+              <a:t>Rect</a:t>
+            </a:r>
+            <a:r>
+              <a:rPr lang="en-US" altLang="ko-Kore-KR" sz="1600" dirty="0">
+                <a:latin typeface="DM Mono" panose="020B0509040201040103" pitchFamily="49" charset="0"/>
+              </a:rPr>
+              <a:t> </a:t>
+            </a:r>
+            <a:r>
+              <a:rPr lang="ko-Kore-KR" altLang="en-US" sz="1600" dirty="0">
+                <a:latin typeface="DM Mono" panose="020B0509040201040103" pitchFamily="49" charset="0"/>
+              </a:rPr>
+              <a:t>가상함수테이블</a:t>
+            </a:r>
+            <a:endParaRPr lang="ko-Kore-KR" altLang="en-US" sz="1600" dirty="0"/>
+          </a:p>
+        </p:txBody>
+      </p:sp>
+      <p:cxnSp>
+        <p:nvCxnSpPr>
+          <p:cNvPr id="29" name="구부러진 연결선[U] 28">
+            <a:extLst>
+              <a:ext uri="{FF2B5EF4-FFF2-40B4-BE49-F238E27FC236}">
+                <a16:creationId xmlns:a16="http://schemas.microsoft.com/office/drawing/2014/main" id="{74C160F0-B244-68DD-DC37-8CD156E3A372}"/>
+              </a:ext>
+            </a:extLst>
+          </p:cNvPr>
+          <p:cNvCxnSpPr>
+            <a:cxnSpLocks/>
+            <a:stCxn id="8" idx="3"/>
+            <a:endCxn id="20" idx="1"/>
+          </p:cNvCxnSpPr>
+          <p:nvPr/>
+        </p:nvCxnSpPr>
+        <p:spPr>
+          <a:xfrm flipV="1">
+            <a:off x="8603712" y="3311333"/>
+            <a:ext cx="1137303" cy="667195"/>
+          </a:xfrm>
+          <a:prstGeom prst="curvedConnector3">
+            <a:avLst>
+              <a:gd name="adj1" fmla="val 50000"/>
+            </a:avLst>
+          </a:prstGeom>
+          <a:ln w="12700">
+            <a:tailEnd type="triangle"/>
+          </a:ln>
+        </p:spPr>
+        <p:style>
+          <a:lnRef idx="1">
+            <a:schemeClr val="dk1"/>
+          </a:lnRef>
+          <a:fillRef idx="0">
+            <a:schemeClr val="dk1"/>
+          </a:fillRef>
+          <a:effectRef idx="0">
+            <a:schemeClr val="dk1"/>
+          </a:effectRef>
+          <a:fontRef idx="minor">
+            <a:schemeClr val="tx1"/>
+          </a:fontRef>
+        </p:style>
+      </p:cxnSp>
+      <p:sp>
+        <p:nvSpPr>
+          <p:cNvPr id="16" name="직사각형 15">
+            <a:extLst>
+              <a:ext uri="{FF2B5EF4-FFF2-40B4-BE49-F238E27FC236}">
+                <a16:creationId xmlns:a16="http://schemas.microsoft.com/office/drawing/2014/main" id="{E294B7C8-08FC-5F84-2B19-17D4E8BC22BA}"/>
+              </a:ext>
+            </a:extLst>
+          </p:cNvPr>
+          <p:cNvSpPr/>
+          <p:nvPr/>
+        </p:nvSpPr>
+        <p:spPr>
+          <a:xfrm>
+            <a:off x="9741015" y="1083039"/>
+            <a:ext cx="1636792" cy="369332"/>
+          </a:xfrm>
+          <a:prstGeom prst="rect">
+            <a:avLst/>
+          </a:prstGeom>
+          <a:solidFill>
+            <a:srgbClr val="FFFF00"/>
+          </a:solidFill>
+        </p:spPr>
+        <p:style>
+          <a:lnRef idx="2">
+            <a:schemeClr val="accent1">
+              <a:shade val="15000"/>
+            </a:schemeClr>
+          </a:lnRef>
+          <a:fillRef idx="1">
+            <a:schemeClr val="accent1"/>
+          </a:fillRef>
+          <a:effectRef idx="0">
+            <a:schemeClr val="accent1"/>
+          </a:effectRef>
+          <a:fontRef idx="minor">
+            <a:schemeClr val="lt1"/>
+          </a:fontRef>
+        </p:style>
+        <p:txBody>
+          <a:bodyPr rtlCol="0" anchor="ctr"/>
+          <a:lstStyle/>
+          <a:p>
+            <a:pPr algn="ctr"/>
+            <a:r>
+              <a:rPr kumimoji="1" lang="en-US" altLang="ko-Kore-KR" sz="1400" dirty="0">
+                <a:solidFill>
+                  <a:schemeClr val="tx1"/>
+                </a:solidFill>
+                <a:latin typeface="DM Mono" panose="020B0509040201040103" pitchFamily="49" charset="0"/>
+              </a:rPr>
+              <a:t>Shape::Clone</a:t>
+            </a:r>
+            <a:endParaRPr kumimoji="1" lang="ko-Kore-KR" altLang="en-US" sz="1400" dirty="0">
+              <a:solidFill>
+                <a:schemeClr val="tx1"/>
+              </a:solidFill>
+              <a:latin typeface="DM Mono" panose="020B0509040201040103" pitchFamily="49" charset="0"/>
+            </a:endParaRPr>
+          </a:p>
+        </p:txBody>
+      </p:sp>
+      <p:sp>
+        <p:nvSpPr>
+          <p:cNvPr id="22" name="직사각형 21">
+            <a:extLst>
+              <a:ext uri="{FF2B5EF4-FFF2-40B4-BE49-F238E27FC236}">
+                <a16:creationId xmlns:a16="http://schemas.microsoft.com/office/drawing/2014/main" id="{92D2BF83-0A0F-721D-B91D-BCAAFEB59CA7}"/>
+              </a:ext>
+            </a:extLst>
+          </p:cNvPr>
+          <p:cNvSpPr/>
+          <p:nvPr/>
+        </p:nvSpPr>
+        <p:spPr>
+          <a:xfrm>
+            <a:off x="9747210" y="3495999"/>
+            <a:ext cx="1636792" cy="369332"/>
+          </a:xfrm>
+          <a:prstGeom prst="rect">
+            <a:avLst/>
+          </a:prstGeom>
+          <a:solidFill>
+            <a:srgbClr val="FFFF00"/>
+          </a:solidFill>
+        </p:spPr>
+        <p:style>
+          <a:lnRef idx="2">
+            <a:schemeClr val="accent1">
+              <a:shade val="15000"/>
+            </a:schemeClr>
+          </a:lnRef>
+          <a:fillRef idx="1">
+            <a:schemeClr val="accent1"/>
+          </a:fillRef>
+          <a:effectRef idx="0">
+            <a:schemeClr val="accent1"/>
+          </a:effectRef>
+          <a:fontRef idx="minor">
+            <a:schemeClr val="lt1"/>
+          </a:fontRef>
+        </p:style>
+        <p:txBody>
+          <a:bodyPr rtlCol="0" anchor="ctr"/>
+          <a:lstStyle/>
+          <a:p>
+            <a:pPr algn="ctr"/>
+            <a:r>
+              <a:rPr kumimoji="1" lang="en-US" altLang="ko-Kore-KR" sz="1400" dirty="0">
+                <a:solidFill>
+                  <a:schemeClr val="tx1"/>
+                </a:solidFill>
+                <a:latin typeface="DM Mono" panose="020B0509040201040103" pitchFamily="49" charset="0"/>
+              </a:rPr>
+              <a:t>Shape::Clone</a:t>
+            </a:r>
+            <a:endParaRPr kumimoji="1" lang="ko-Kore-KR" altLang="en-US" sz="1400" dirty="0">
+              <a:solidFill>
+                <a:schemeClr val="tx1"/>
+              </a:solidFill>
+              <a:latin typeface="DM Mono" panose="020B0509040201040103" pitchFamily="49" charset="0"/>
+            </a:endParaRPr>
+          </a:p>
+        </p:txBody>
+      </p:sp>
+      <p:sp>
+        <p:nvSpPr>
+          <p:cNvPr id="26" name="직사각형 25">
+            <a:extLst>
+              <a:ext uri="{FF2B5EF4-FFF2-40B4-BE49-F238E27FC236}">
+                <a16:creationId xmlns:a16="http://schemas.microsoft.com/office/drawing/2014/main" id="{10F06F4B-0F93-F652-12AF-E52C054CB559}"/>
+              </a:ext>
+            </a:extLst>
+          </p:cNvPr>
+          <p:cNvSpPr/>
+          <p:nvPr/>
+        </p:nvSpPr>
+        <p:spPr>
+          <a:xfrm>
+            <a:off x="5822201" y="2581862"/>
+            <a:ext cx="804912" cy="482277"/>
+          </a:xfrm>
+          <a:prstGeom prst="rect">
+            <a:avLst/>
+          </a:prstGeom>
+          <a:solidFill>
+            <a:srgbClr val="FFFF00"/>
+          </a:solidFill>
+        </p:spPr>
+        <p:style>
+          <a:lnRef idx="2">
+            <a:schemeClr val="accent1">
+              <a:shade val="15000"/>
+            </a:schemeClr>
+          </a:lnRef>
+          <a:fillRef idx="1">
+            <a:schemeClr val="accent1"/>
+          </a:fillRef>
+          <a:effectRef idx="0">
+            <a:schemeClr val="accent1"/>
+          </a:effectRef>
+          <a:fontRef idx="minor">
+            <a:schemeClr val="lt1"/>
+          </a:fontRef>
+        </p:style>
+        <p:txBody>
+          <a:bodyPr rtlCol="0" anchor="ctr"/>
+          <a:lstStyle/>
+          <a:p>
+            <a:pPr algn="ctr"/>
+            <a:endParaRPr kumimoji="1" lang="ko-Kore-KR" altLang="en-US" sz="1600" dirty="0">
+              <a:solidFill>
+                <a:srgbClr val="FF0000"/>
+              </a:solidFill>
+              <a:latin typeface="DM Mono" panose="020B0509040201040103" pitchFamily="49" charset="0"/>
+            </a:endParaRPr>
+          </a:p>
+        </p:txBody>
+      </p:sp>
+      <p:sp>
+        <p:nvSpPr>
+          <p:cNvPr id="30" name="TextBox 29">
+            <a:extLst>
+              <a:ext uri="{FF2B5EF4-FFF2-40B4-BE49-F238E27FC236}">
+                <a16:creationId xmlns:a16="http://schemas.microsoft.com/office/drawing/2014/main" id="{E69ED28A-C709-3A9E-8F08-C29DA651A01E}"/>
+              </a:ext>
+            </a:extLst>
+          </p:cNvPr>
+          <p:cNvSpPr txBox="1"/>
+          <p:nvPr/>
+        </p:nvSpPr>
+        <p:spPr>
+          <a:xfrm>
+            <a:off x="4489594" y="2638334"/>
+            <a:ext cx="1332608" cy="369332"/>
+          </a:xfrm>
+          <a:prstGeom prst="rect">
+            <a:avLst/>
+          </a:prstGeom>
+          <a:noFill/>
+        </p:spPr>
+        <p:txBody>
+          <a:bodyPr wrap="square">
+            <a:spAutoFit/>
+          </a:bodyPr>
+          <a:lstStyle/>
+          <a:p>
+            <a:pPr algn="r"/>
+            <a:r>
+              <a:rPr lang="en-US" altLang="ko-Kore-KR" dirty="0">
+                <a:latin typeface="DM Mono" panose="020B0509040201040103" pitchFamily="49" charset="0"/>
+              </a:rPr>
+              <a:t>Shape* p</a:t>
+            </a:r>
+            <a:endParaRPr lang="ko-Kore-KR" altLang="en-US" dirty="0"/>
+          </a:p>
+        </p:txBody>
+      </p:sp>
+      <p:cxnSp>
+        <p:nvCxnSpPr>
+          <p:cNvPr id="40" name="구부러진 연결선[U] 39">
+            <a:extLst>
+              <a:ext uri="{FF2B5EF4-FFF2-40B4-BE49-F238E27FC236}">
+                <a16:creationId xmlns:a16="http://schemas.microsoft.com/office/drawing/2014/main" id="{12F3B049-E5EE-C1F6-A819-0CB2F7DE3EEC}"/>
+              </a:ext>
+            </a:extLst>
+          </p:cNvPr>
+          <p:cNvCxnSpPr>
+            <a:cxnSpLocks/>
+            <a:stCxn id="26" idx="3"/>
+            <a:endCxn id="8" idx="0"/>
+          </p:cNvCxnSpPr>
+          <p:nvPr/>
+        </p:nvCxnSpPr>
+        <p:spPr>
+          <a:xfrm>
+            <a:off x="6627113" y="2823001"/>
+            <a:ext cx="1574143" cy="914388"/>
+          </a:xfrm>
+          <a:prstGeom prst="curvedConnector2">
+            <a:avLst/>
+          </a:prstGeom>
+          <a:ln w="12700">
+            <a:tailEnd type="triangle"/>
+          </a:ln>
+        </p:spPr>
+        <p:style>
+          <a:lnRef idx="1">
+            <a:schemeClr val="dk1"/>
+          </a:lnRef>
+          <a:fillRef idx="0">
+            <a:schemeClr val="dk1"/>
+          </a:fillRef>
+          <a:effectRef idx="0">
+            <a:schemeClr val="dk1"/>
+          </a:effectRef>
+          <a:fontRef idx="minor">
+            <a:schemeClr val="tx1"/>
+          </a:fontRef>
+        </p:style>
+      </p:cxnSp>
+    </p:spTree>
+    <p:extLst>
+      <p:ext uri="{BB962C8B-B14F-4D97-AF65-F5344CB8AC3E}">
+        <p14:creationId xmlns:p14="http://schemas.microsoft.com/office/powerpoint/2010/main" val="2752164393"/>
+      </p:ext>
+    </p:extLst>
+  </p:cSld>
+  <p:clrMapOvr>
+    <a:masterClrMapping/>
+  </p:clrMapOvr>
+</p:sld>
+</file>
+
 <file path=ppt/slides/slide4.xml><?xml version="1.0" encoding="utf-8"?>
 <p:sld xmlns:a="http://schemas.openxmlformats.org/drawingml/2006/main" xmlns:r="http://schemas.openxmlformats.org/officeDocument/2006/relationships" xmlns:p="http://schemas.openxmlformats.org/presentationml/2006/main">
   <p:cSld>
@@ -27483,6 +34385,1663 @@
     <p:extLst>
       <p:ext uri="{BB962C8B-B14F-4D97-AF65-F5344CB8AC3E}">
         <p14:creationId xmlns:p14="http://schemas.microsoft.com/office/powerpoint/2010/main" val="3175805469"/>
+      </p:ext>
+    </p:extLst>
+  </p:cSld>
+  <p:clrMapOvr>
+    <a:masterClrMapping/>
+  </p:clrMapOvr>
+</p:sld>
+</file>
+
+<file path=ppt/slides/slide40.xml><?xml version="1.0" encoding="utf-8"?>
+<p:sld xmlns:a="http://schemas.openxmlformats.org/drawingml/2006/main" xmlns:r="http://schemas.openxmlformats.org/officeDocument/2006/relationships" xmlns:p="http://schemas.openxmlformats.org/presentationml/2006/main">
+  <p:cSld>
+    <p:spTree>
+      <p:nvGrpSpPr>
+        <p:cNvPr id="1" name=""/>
+        <p:cNvGrpSpPr/>
+        <p:nvPr/>
+      </p:nvGrpSpPr>
+      <p:grpSpPr>
+        <a:xfrm>
+          <a:off x="0" y="0"/>
+          <a:ext cx="0" cy="0"/>
+          <a:chOff x="0" y="0"/>
+          <a:chExt cx="0" cy="0"/>
+        </a:xfrm>
+      </p:grpSpPr>
+      <p:sp>
+        <p:nvSpPr>
+          <p:cNvPr id="11" name="TextBox 10">
+            <a:extLst>
+              <a:ext uri="{FF2B5EF4-FFF2-40B4-BE49-F238E27FC236}">
+                <a16:creationId xmlns:a16="http://schemas.microsoft.com/office/drawing/2014/main" id="{309311D2-1E40-F268-F0EC-D943828E315A}"/>
+              </a:ext>
+            </a:extLst>
+          </p:cNvPr>
+          <p:cNvSpPr txBox="1"/>
+          <p:nvPr/>
+        </p:nvSpPr>
+        <p:spPr>
+          <a:xfrm>
+            <a:off x="390344" y="293668"/>
+            <a:ext cx="4983913" cy="6494085"/>
+          </a:xfrm>
+          <a:prstGeom prst="rect">
+            <a:avLst/>
+          </a:prstGeom>
+          <a:noFill/>
+        </p:spPr>
+        <p:txBody>
+          <a:bodyPr wrap="square">
+            <a:spAutoFit/>
+          </a:bodyPr>
+          <a:lstStyle/>
+          <a:p>
+            <a:r>
+              <a:rPr lang="ko-Kore-KR" altLang="en-US" sz="1600" dirty="0">
+                <a:latin typeface="DM Mono" panose="020B0509040201040103" pitchFamily="49" charset="0"/>
+              </a:rPr>
+              <a:t>class Shape {</a:t>
+            </a:r>
+          </a:p>
+          <a:p>
+            <a:r>
+              <a:rPr lang="ko-Kore-KR" altLang="en-US" sz="1600" dirty="0">
+                <a:latin typeface="DM Mono" panose="020B0509040201040103" pitchFamily="49" charset="0"/>
+              </a:rPr>
+              <a:t>    int x;</a:t>
+            </a:r>
+          </a:p>
+          <a:p>
+            <a:r>
+              <a:rPr lang="ko-Kore-KR" altLang="en-US" sz="1600" dirty="0">
+                <a:latin typeface="DM Mono" panose="020B0509040201040103" pitchFamily="49" charset="0"/>
+              </a:rPr>
+              <a:t>    int y;</a:t>
+            </a:r>
+          </a:p>
+          <a:p>
+            <a:endParaRPr lang="ko-Kore-KR" altLang="en-US" sz="1600" dirty="0">
+              <a:latin typeface="DM Mono" panose="020B0509040201040103" pitchFamily="49" charset="0"/>
+            </a:endParaRPr>
+          </a:p>
+          <a:p>
+            <a:r>
+              <a:rPr lang="ko-Kore-KR" altLang="en-US" sz="1600" dirty="0">
+                <a:latin typeface="DM Mono" panose="020B0509040201040103" pitchFamily="49" charset="0"/>
+              </a:rPr>
+              <a:t>public:</a:t>
+            </a:r>
+          </a:p>
+          <a:p>
+            <a:r>
+              <a:rPr lang="ko-Kore-KR" altLang="en-US" sz="1600" dirty="0">
+                <a:latin typeface="DM Mono" panose="020B0509040201040103" pitchFamily="49" charset="0"/>
+              </a:rPr>
+              <a:t>    </a:t>
+            </a:r>
+            <a:r>
+              <a:rPr lang="en-US" altLang="ko-Kore-KR" sz="1600" dirty="0">
+                <a:latin typeface="DM Mono" panose="020B0509040201040103" pitchFamily="49" charset="0"/>
+              </a:rPr>
+              <a:t>virtual </a:t>
+            </a:r>
+            <a:r>
+              <a:rPr lang="ko-Kore-KR" altLang="en-US" sz="1600" dirty="0">
+                <a:latin typeface="DM Mono" panose="020B0509040201040103" pitchFamily="49" charset="0"/>
+              </a:rPr>
+              <a:t>void Draw() const { }</a:t>
+            </a:r>
+            <a:endParaRPr lang="en-US" altLang="ko-Kore-KR" sz="1600" dirty="0">
+              <a:latin typeface="DM Mono" panose="020B0509040201040103" pitchFamily="49" charset="0"/>
+            </a:endParaRPr>
+          </a:p>
+          <a:p>
+            <a:r>
+              <a:rPr lang="ko-Kore-KR" altLang="en-US" sz="1600" dirty="0">
+                <a:latin typeface="DM Mono" panose="020B0509040201040103" pitchFamily="49" charset="0"/>
+              </a:rPr>
+              <a:t>    </a:t>
+            </a:r>
+            <a:r>
+              <a:rPr lang="en-US" altLang="ko-Kore-KR" sz="1600" dirty="0">
+                <a:latin typeface="DM Mono" panose="020B0509040201040103" pitchFamily="49" charset="0"/>
+              </a:rPr>
+              <a:t>virtual Shape* Clone() {}</a:t>
+            </a:r>
+            <a:endParaRPr lang="ko-Kore-KR" altLang="en-US" sz="1600" dirty="0">
+              <a:latin typeface="DM Mono" panose="020B0509040201040103" pitchFamily="49" charset="0"/>
+            </a:endParaRPr>
+          </a:p>
+          <a:p>
+            <a:r>
+              <a:rPr lang="ko-Kore-KR" altLang="en-US" sz="1600" dirty="0">
+                <a:latin typeface="DM Mono" panose="020B0509040201040103" pitchFamily="49" charset="0"/>
+              </a:rPr>
+              <a:t>};</a:t>
+            </a:r>
+          </a:p>
+          <a:p>
+            <a:endParaRPr lang="ko-Kore-KR" altLang="en-US" sz="1600" dirty="0">
+              <a:latin typeface="DM Mono" panose="020B0509040201040103" pitchFamily="49" charset="0"/>
+            </a:endParaRPr>
+          </a:p>
+          <a:p>
+            <a:r>
+              <a:rPr lang="ko-Kore-KR" altLang="en-US" sz="1600" dirty="0">
+                <a:latin typeface="DM Mono" panose="020B0509040201040103" pitchFamily="49" charset="0"/>
+              </a:rPr>
+              <a:t>class Rect : public Shape {</a:t>
+            </a:r>
+          </a:p>
+          <a:p>
+            <a:r>
+              <a:rPr lang="ko-Kore-KR" altLang="en-US" sz="1600" dirty="0">
+                <a:latin typeface="DM Mono" panose="020B0509040201040103" pitchFamily="49" charset="0"/>
+              </a:rPr>
+              <a:t>    int width;</a:t>
+            </a:r>
+            <a:endParaRPr lang="en-US" altLang="ko-Kore-KR" sz="1600" dirty="0">
+              <a:latin typeface="DM Mono" panose="020B0509040201040103" pitchFamily="49" charset="0"/>
+            </a:endParaRPr>
+          </a:p>
+          <a:p>
+            <a:r>
+              <a:rPr lang="en-US" altLang="ko-Kore-KR" sz="1600" dirty="0">
+                <a:latin typeface="DM Mono" panose="020B0509040201040103" pitchFamily="49" charset="0"/>
+              </a:rPr>
+              <a:t>public:</a:t>
+            </a:r>
+          </a:p>
+          <a:p>
+            <a:r>
+              <a:rPr lang="en-US" altLang="ko-Kore-KR" sz="1600" dirty="0">
+                <a:latin typeface="DM Mono" panose="020B0509040201040103" pitchFamily="49" charset="0"/>
+              </a:rPr>
+              <a:t>     void Draw() const override {}</a:t>
+            </a:r>
+            <a:endParaRPr lang="ko-Kore-KR" altLang="en-US" sz="1600" dirty="0">
+              <a:latin typeface="DM Mono" panose="020B0509040201040103" pitchFamily="49" charset="0"/>
+            </a:endParaRPr>
+          </a:p>
+          <a:p>
+            <a:r>
+              <a:rPr lang="ko-Kore-KR" altLang="en-US" sz="1600" dirty="0">
+                <a:latin typeface="DM Mono" panose="020B0509040201040103" pitchFamily="49" charset="0"/>
+              </a:rPr>
+              <a:t>};</a:t>
+            </a:r>
+          </a:p>
+          <a:p>
+            <a:endParaRPr lang="ko-Kore-KR" altLang="en-US" sz="1600" dirty="0">
+              <a:latin typeface="DM Mono" panose="020B0509040201040103" pitchFamily="49" charset="0"/>
+            </a:endParaRPr>
+          </a:p>
+          <a:p>
+            <a:r>
+              <a:rPr lang="en-US" altLang="ko-Kore-KR" sz="1600" dirty="0">
+                <a:latin typeface="DM Mono" panose="020B0509040201040103" pitchFamily="49" charset="0"/>
+              </a:rPr>
+              <a:t>int main()</a:t>
+            </a:r>
+          </a:p>
+          <a:p>
+            <a:r>
+              <a:rPr lang="en-US" altLang="ko-Kore-KR" sz="1600" dirty="0">
+                <a:latin typeface="DM Mono" panose="020B0509040201040103" pitchFamily="49" charset="0"/>
+              </a:rPr>
+              <a:t>{</a:t>
+            </a:r>
+          </a:p>
+          <a:p>
+            <a:r>
+              <a:rPr lang="en-US" altLang="ko-Kore-KR" sz="1600" dirty="0">
+                <a:latin typeface="DM Mono" panose="020B0509040201040103" pitchFamily="49" charset="0"/>
+              </a:rPr>
+              <a:t>    Shape s;</a:t>
+            </a:r>
+          </a:p>
+          <a:p>
+            <a:r>
+              <a:rPr lang="en-US" altLang="ko-Kore-KR" sz="1600" dirty="0">
+                <a:latin typeface="DM Mono" panose="020B0509040201040103" pitchFamily="49" charset="0"/>
+              </a:rPr>
+              <a:t>    </a:t>
+            </a:r>
+            <a:r>
+              <a:rPr lang="en-US" altLang="ko-Kore-KR" sz="1600" dirty="0" err="1">
+                <a:latin typeface="DM Mono" panose="020B0509040201040103" pitchFamily="49" charset="0"/>
+              </a:rPr>
+              <a:t>Rect</a:t>
+            </a:r>
+            <a:r>
+              <a:rPr lang="en-US" altLang="ko-Kore-KR" sz="1600" dirty="0">
+                <a:latin typeface="DM Mono" panose="020B0509040201040103" pitchFamily="49" charset="0"/>
+              </a:rPr>
+              <a:t> r;</a:t>
+            </a:r>
+          </a:p>
+          <a:p>
+            <a:endParaRPr lang="en-US" altLang="ko-Kore-KR" sz="1600" dirty="0">
+              <a:latin typeface="DM Mono" panose="020B0509040201040103" pitchFamily="49" charset="0"/>
+            </a:endParaRPr>
+          </a:p>
+          <a:p>
+            <a:r>
+              <a:rPr lang="en-US" altLang="ko-Kore-KR" sz="1600" dirty="0">
+                <a:solidFill>
+                  <a:srgbClr val="FF0000"/>
+                </a:solidFill>
+                <a:latin typeface="DM Mono" panose="020B0509040201040103" pitchFamily="49" charset="0"/>
+              </a:rPr>
+              <a:t>    Shape* p = &amp;r;</a:t>
+            </a:r>
+          </a:p>
+          <a:p>
+            <a:r>
+              <a:rPr lang="en-US" altLang="ko-Kore-KR" sz="1600" dirty="0">
+                <a:latin typeface="DM Mono" panose="020B0509040201040103" pitchFamily="49" charset="0"/>
+              </a:rPr>
+              <a:t>    p-&gt;Draw();</a:t>
+            </a:r>
+          </a:p>
+          <a:p>
+            <a:r>
+              <a:rPr lang="en-US" altLang="ko-Kore-KR" sz="1600" dirty="0">
+                <a:latin typeface="DM Mono" panose="020B0509040201040103" pitchFamily="49" charset="0"/>
+              </a:rPr>
+              <a:t>    // (p-&gt;</a:t>
+            </a:r>
+            <a:r>
+              <a:rPr lang="en-US" altLang="ko-Kore-KR" sz="1600" dirty="0" err="1">
+                <a:latin typeface="DM Mono" panose="020B0509040201040103" pitchFamily="49" charset="0"/>
+              </a:rPr>
+              <a:t>vfptr</a:t>
+            </a:r>
+            <a:r>
+              <a:rPr lang="en-US" altLang="ko-Kore-KR" sz="1600" dirty="0">
+                <a:latin typeface="DM Mono" panose="020B0509040201040103" pitchFamily="49" charset="0"/>
+              </a:rPr>
+              <a:t>[0])()</a:t>
+            </a:r>
+          </a:p>
+          <a:p>
+            <a:r>
+              <a:rPr lang="en-US" altLang="ko-Kore-KR" sz="1600" dirty="0">
+                <a:solidFill>
+                  <a:srgbClr val="FF0000"/>
+                </a:solidFill>
+                <a:latin typeface="DM Mono" panose="020B0509040201040103" pitchFamily="49" charset="0"/>
+              </a:rPr>
+              <a:t>    p-&gt;Clone();</a:t>
+            </a:r>
+          </a:p>
+          <a:p>
+            <a:r>
+              <a:rPr lang="en-US" altLang="ko-Kore-KR" sz="1600" dirty="0">
+                <a:solidFill>
+                  <a:srgbClr val="FF0000"/>
+                </a:solidFill>
+                <a:latin typeface="DM Mono" panose="020B0509040201040103" pitchFamily="49" charset="0"/>
+              </a:rPr>
+              <a:t>    // (p-&gt;</a:t>
+            </a:r>
+            <a:r>
+              <a:rPr lang="en-US" altLang="ko-Kore-KR" sz="1600" dirty="0" err="1">
+                <a:solidFill>
+                  <a:srgbClr val="FF0000"/>
+                </a:solidFill>
+                <a:latin typeface="DM Mono" panose="020B0509040201040103" pitchFamily="49" charset="0"/>
+              </a:rPr>
+              <a:t>vfptr</a:t>
+            </a:r>
+            <a:r>
+              <a:rPr lang="en-US" altLang="ko-Kore-KR" sz="1600" dirty="0">
+                <a:solidFill>
+                  <a:srgbClr val="FF0000"/>
+                </a:solidFill>
+                <a:latin typeface="DM Mono" panose="020B0509040201040103" pitchFamily="49" charset="0"/>
+              </a:rPr>
+              <a:t>[1])()</a:t>
+            </a:r>
+            <a:endParaRPr lang="en-US" altLang="ko-Kore-KR" sz="1600" dirty="0">
+              <a:latin typeface="DM Mono" panose="020B0509040201040103" pitchFamily="49" charset="0"/>
+            </a:endParaRPr>
+          </a:p>
+          <a:p>
+            <a:r>
+              <a:rPr lang="en-US" altLang="ko-Kore-KR" sz="1600" dirty="0">
+                <a:latin typeface="DM Mono" panose="020B0509040201040103" pitchFamily="49" charset="0"/>
+              </a:rPr>
+              <a:t>}</a:t>
+            </a:r>
+            <a:endParaRPr lang="ko-Kore-KR" altLang="en-US" sz="1600" dirty="0">
+              <a:latin typeface="DM Mono" panose="020B0509040201040103" pitchFamily="49" charset="0"/>
+            </a:endParaRPr>
+          </a:p>
+        </p:txBody>
+      </p:sp>
+      <p:sp>
+        <p:nvSpPr>
+          <p:cNvPr id="12" name="직사각형 11">
+            <a:extLst>
+              <a:ext uri="{FF2B5EF4-FFF2-40B4-BE49-F238E27FC236}">
+                <a16:creationId xmlns:a16="http://schemas.microsoft.com/office/drawing/2014/main" id="{668BD4A2-2F07-7284-FF95-013966ED3855}"/>
+              </a:ext>
+            </a:extLst>
+          </p:cNvPr>
+          <p:cNvSpPr/>
+          <p:nvPr/>
+        </p:nvSpPr>
+        <p:spPr>
+          <a:xfrm>
+            <a:off x="7718704" y="1667708"/>
+            <a:ext cx="804912" cy="482277"/>
+          </a:xfrm>
+          <a:prstGeom prst="rect">
+            <a:avLst/>
+          </a:prstGeom>
+          <a:solidFill>
+            <a:srgbClr val="FFFF00"/>
+          </a:solidFill>
+        </p:spPr>
+        <p:style>
+          <a:lnRef idx="2">
+            <a:schemeClr val="accent1">
+              <a:shade val="15000"/>
+            </a:schemeClr>
+          </a:lnRef>
+          <a:fillRef idx="1">
+            <a:schemeClr val="accent1"/>
+          </a:fillRef>
+          <a:effectRef idx="0">
+            <a:schemeClr val="accent1"/>
+          </a:effectRef>
+          <a:fontRef idx="minor">
+            <a:schemeClr val="lt1"/>
+          </a:fontRef>
+        </p:style>
+        <p:txBody>
+          <a:bodyPr rtlCol="0" anchor="ctr"/>
+          <a:lstStyle/>
+          <a:p>
+            <a:pPr algn="ctr"/>
+            <a:endParaRPr kumimoji="1" lang="ko-Kore-KR" altLang="en-US" sz="1600" dirty="0">
+              <a:solidFill>
+                <a:srgbClr val="FF0000"/>
+              </a:solidFill>
+              <a:latin typeface="DM Mono" panose="020B0509040201040103" pitchFamily="49" charset="0"/>
+            </a:endParaRPr>
+          </a:p>
+        </p:txBody>
+      </p:sp>
+      <p:sp>
+        <p:nvSpPr>
+          <p:cNvPr id="13" name="TextBox 12">
+            <a:extLst>
+              <a:ext uri="{FF2B5EF4-FFF2-40B4-BE49-F238E27FC236}">
+                <a16:creationId xmlns:a16="http://schemas.microsoft.com/office/drawing/2014/main" id="{9042DBAE-6C4A-974D-FF27-DAD3002C1A8F}"/>
+              </a:ext>
+            </a:extLst>
+          </p:cNvPr>
+          <p:cNvSpPr txBox="1"/>
+          <p:nvPr/>
+        </p:nvSpPr>
+        <p:spPr>
+          <a:xfrm>
+            <a:off x="6386097" y="1724180"/>
+            <a:ext cx="1332608" cy="369332"/>
+          </a:xfrm>
+          <a:prstGeom prst="rect">
+            <a:avLst/>
+          </a:prstGeom>
+          <a:noFill/>
+        </p:spPr>
+        <p:txBody>
+          <a:bodyPr wrap="square">
+            <a:spAutoFit/>
+          </a:bodyPr>
+          <a:lstStyle/>
+          <a:p>
+            <a:pPr algn="r"/>
+            <a:r>
+              <a:rPr lang="en-US" altLang="ko-Kore-KR" dirty="0">
+                <a:latin typeface="DM Mono" panose="020B0509040201040103" pitchFamily="49" charset="0"/>
+              </a:rPr>
+              <a:t>x</a:t>
+            </a:r>
+            <a:endParaRPr lang="ko-Kore-KR" altLang="en-US" dirty="0"/>
+          </a:p>
+        </p:txBody>
+      </p:sp>
+      <p:sp>
+        <p:nvSpPr>
+          <p:cNvPr id="14" name="TextBox 13">
+            <a:extLst>
+              <a:ext uri="{FF2B5EF4-FFF2-40B4-BE49-F238E27FC236}">
+                <a16:creationId xmlns:a16="http://schemas.microsoft.com/office/drawing/2014/main" id="{278ECADC-890F-E502-8A7B-9B16D926A6E1}"/>
+              </a:ext>
+            </a:extLst>
+          </p:cNvPr>
+          <p:cNvSpPr txBox="1"/>
+          <p:nvPr/>
+        </p:nvSpPr>
+        <p:spPr>
+          <a:xfrm>
+            <a:off x="7228347" y="829319"/>
+            <a:ext cx="1785624" cy="369332"/>
+          </a:xfrm>
+          <a:prstGeom prst="rect">
+            <a:avLst/>
+          </a:prstGeom>
+          <a:noFill/>
+        </p:spPr>
+        <p:txBody>
+          <a:bodyPr wrap="square">
+            <a:spAutoFit/>
+          </a:bodyPr>
+          <a:lstStyle/>
+          <a:p>
+            <a:pPr algn="ctr"/>
+            <a:r>
+              <a:rPr lang="en-US" altLang="ko-Kore-KR" dirty="0">
+                <a:latin typeface="DM Mono" panose="020B0509040201040103" pitchFamily="49" charset="0"/>
+              </a:rPr>
+              <a:t>Shape s</a:t>
+            </a:r>
+            <a:endParaRPr lang="ko-Kore-KR" altLang="en-US" dirty="0"/>
+          </a:p>
+        </p:txBody>
+      </p:sp>
+      <p:sp>
+        <p:nvSpPr>
+          <p:cNvPr id="18" name="직사각형 17">
+            <a:extLst>
+              <a:ext uri="{FF2B5EF4-FFF2-40B4-BE49-F238E27FC236}">
+                <a16:creationId xmlns:a16="http://schemas.microsoft.com/office/drawing/2014/main" id="{173593CC-A733-FFBB-50F4-38FCFDCA6663}"/>
+              </a:ext>
+            </a:extLst>
+          </p:cNvPr>
+          <p:cNvSpPr/>
+          <p:nvPr/>
+        </p:nvSpPr>
+        <p:spPr>
+          <a:xfrm>
+            <a:off x="7718704" y="2149983"/>
+            <a:ext cx="804912" cy="482277"/>
+          </a:xfrm>
+          <a:prstGeom prst="rect">
+            <a:avLst/>
+          </a:prstGeom>
+          <a:solidFill>
+            <a:srgbClr val="FFFF00"/>
+          </a:solidFill>
+        </p:spPr>
+        <p:style>
+          <a:lnRef idx="2">
+            <a:schemeClr val="accent1">
+              <a:shade val="15000"/>
+            </a:schemeClr>
+          </a:lnRef>
+          <a:fillRef idx="1">
+            <a:schemeClr val="accent1"/>
+          </a:fillRef>
+          <a:effectRef idx="0">
+            <a:schemeClr val="accent1"/>
+          </a:effectRef>
+          <a:fontRef idx="minor">
+            <a:schemeClr val="lt1"/>
+          </a:fontRef>
+        </p:style>
+        <p:txBody>
+          <a:bodyPr rtlCol="0" anchor="ctr"/>
+          <a:lstStyle/>
+          <a:p>
+            <a:pPr algn="ctr"/>
+            <a:endParaRPr kumimoji="1" lang="ko-Kore-KR" altLang="en-US" sz="1600" dirty="0">
+              <a:solidFill>
+                <a:srgbClr val="FF0000"/>
+              </a:solidFill>
+              <a:latin typeface="DM Mono" panose="020B0509040201040103" pitchFamily="49" charset="0"/>
+            </a:endParaRPr>
+          </a:p>
+        </p:txBody>
+      </p:sp>
+      <p:sp>
+        <p:nvSpPr>
+          <p:cNvPr id="19" name="TextBox 18">
+            <a:extLst>
+              <a:ext uri="{FF2B5EF4-FFF2-40B4-BE49-F238E27FC236}">
+                <a16:creationId xmlns:a16="http://schemas.microsoft.com/office/drawing/2014/main" id="{8FDFD367-26B7-EF3D-1B2F-F5B193225391}"/>
+              </a:ext>
+            </a:extLst>
+          </p:cNvPr>
+          <p:cNvSpPr txBox="1"/>
+          <p:nvPr/>
+        </p:nvSpPr>
+        <p:spPr>
+          <a:xfrm>
+            <a:off x="6386097" y="2206455"/>
+            <a:ext cx="1332608" cy="369332"/>
+          </a:xfrm>
+          <a:prstGeom prst="rect">
+            <a:avLst/>
+          </a:prstGeom>
+          <a:noFill/>
+        </p:spPr>
+        <p:txBody>
+          <a:bodyPr wrap="square">
+            <a:spAutoFit/>
+          </a:bodyPr>
+          <a:lstStyle/>
+          <a:p>
+            <a:pPr algn="r"/>
+            <a:r>
+              <a:rPr lang="en-US" altLang="ko-Kore-KR" dirty="0">
+                <a:latin typeface="DM Mono" panose="020B0509040201040103" pitchFamily="49" charset="0"/>
+              </a:rPr>
+              <a:t>y</a:t>
+            </a:r>
+            <a:endParaRPr lang="ko-Kore-KR" altLang="en-US" dirty="0"/>
+          </a:p>
+        </p:txBody>
+      </p:sp>
+      <p:sp>
+        <p:nvSpPr>
+          <p:cNvPr id="24" name="TextBox 23">
+            <a:extLst>
+              <a:ext uri="{FF2B5EF4-FFF2-40B4-BE49-F238E27FC236}">
+                <a16:creationId xmlns:a16="http://schemas.microsoft.com/office/drawing/2014/main" id="{035ECE70-839E-7031-B873-C4C697AED6DB}"/>
+              </a:ext>
+            </a:extLst>
+          </p:cNvPr>
+          <p:cNvSpPr txBox="1"/>
+          <p:nvPr/>
+        </p:nvSpPr>
+        <p:spPr>
+          <a:xfrm>
+            <a:off x="7311746" y="3368057"/>
+            <a:ext cx="1785624" cy="369332"/>
+          </a:xfrm>
+          <a:prstGeom prst="rect">
+            <a:avLst/>
+          </a:prstGeom>
+          <a:noFill/>
+        </p:spPr>
+        <p:txBody>
+          <a:bodyPr wrap="square">
+            <a:spAutoFit/>
+          </a:bodyPr>
+          <a:lstStyle/>
+          <a:p>
+            <a:pPr algn="ctr"/>
+            <a:r>
+              <a:rPr lang="en-US" altLang="ko-Kore-KR" dirty="0" err="1">
+                <a:latin typeface="DM Mono" panose="020B0509040201040103" pitchFamily="49" charset="0"/>
+              </a:rPr>
+              <a:t>Rect</a:t>
+            </a:r>
+            <a:r>
+              <a:rPr lang="en-US" altLang="ko-Kore-KR" dirty="0">
+                <a:latin typeface="DM Mono" panose="020B0509040201040103" pitchFamily="49" charset="0"/>
+              </a:rPr>
+              <a:t> r</a:t>
+            </a:r>
+            <a:endParaRPr lang="ko-Kore-KR" altLang="en-US" dirty="0"/>
+          </a:p>
+        </p:txBody>
+      </p:sp>
+      <p:sp>
+        <p:nvSpPr>
+          <p:cNvPr id="27" name="직사각형 26">
+            <a:extLst>
+              <a:ext uri="{FF2B5EF4-FFF2-40B4-BE49-F238E27FC236}">
+                <a16:creationId xmlns:a16="http://schemas.microsoft.com/office/drawing/2014/main" id="{A197CF1D-876A-4993-E649-EC228CEF54C8}"/>
+              </a:ext>
+            </a:extLst>
+          </p:cNvPr>
+          <p:cNvSpPr/>
+          <p:nvPr/>
+        </p:nvSpPr>
+        <p:spPr>
+          <a:xfrm>
+            <a:off x="7798799" y="5158414"/>
+            <a:ext cx="804912" cy="482277"/>
+          </a:xfrm>
+          <a:prstGeom prst="rect">
+            <a:avLst/>
+          </a:prstGeom>
+          <a:solidFill>
+            <a:srgbClr val="FFFF00"/>
+          </a:solidFill>
+        </p:spPr>
+        <p:style>
+          <a:lnRef idx="2">
+            <a:schemeClr val="accent1">
+              <a:shade val="15000"/>
+            </a:schemeClr>
+          </a:lnRef>
+          <a:fillRef idx="1">
+            <a:schemeClr val="accent1"/>
+          </a:fillRef>
+          <a:effectRef idx="0">
+            <a:schemeClr val="accent1"/>
+          </a:effectRef>
+          <a:fontRef idx="minor">
+            <a:schemeClr val="lt1"/>
+          </a:fontRef>
+        </p:style>
+        <p:txBody>
+          <a:bodyPr rtlCol="0" anchor="ctr"/>
+          <a:lstStyle/>
+          <a:p>
+            <a:pPr algn="ctr"/>
+            <a:endParaRPr kumimoji="1" lang="ko-Kore-KR" altLang="en-US" sz="1600" dirty="0">
+              <a:solidFill>
+                <a:srgbClr val="FF0000"/>
+              </a:solidFill>
+              <a:latin typeface="DM Mono" panose="020B0509040201040103" pitchFamily="49" charset="0"/>
+            </a:endParaRPr>
+          </a:p>
+        </p:txBody>
+      </p:sp>
+      <p:sp>
+        <p:nvSpPr>
+          <p:cNvPr id="28" name="TextBox 27">
+            <a:extLst>
+              <a:ext uri="{FF2B5EF4-FFF2-40B4-BE49-F238E27FC236}">
+                <a16:creationId xmlns:a16="http://schemas.microsoft.com/office/drawing/2014/main" id="{A4DC667B-6709-FECC-2427-6DFD8F3A71F3}"/>
+              </a:ext>
+            </a:extLst>
+          </p:cNvPr>
+          <p:cNvSpPr txBox="1"/>
+          <p:nvPr/>
+        </p:nvSpPr>
+        <p:spPr>
+          <a:xfrm>
+            <a:off x="6466192" y="5214886"/>
+            <a:ext cx="1332608" cy="369332"/>
+          </a:xfrm>
+          <a:prstGeom prst="rect">
+            <a:avLst/>
+          </a:prstGeom>
+          <a:noFill/>
+        </p:spPr>
+        <p:txBody>
+          <a:bodyPr wrap="square">
+            <a:spAutoFit/>
+          </a:bodyPr>
+          <a:lstStyle/>
+          <a:p>
+            <a:pPr algn="r"/>
+            <a:r>
+              <a:rPr lang="en-US" altLang="ko-Kore-KR" dirty="0">
+                <a:latin typeface="DM Mono" panose="020B0509040201040103" pitchFamily="49" charset="0"/>
+              </a:rPr>
+              <a:t>width</a:t>
+            </a:r>
+            <a:endParaRPr lang="ko-Kore-KR" altLang="en-US" dirty="0"/>
+          </a:p>
+        </p:txBody>
+      </p:sp>
+      <p:sp>
+        <p:nvSpPr>
+          <p:cNvPr id="2" name="직사각형 1">
+            <a:extLst>
+              <a:ext uri="{FF2B5EF4-FFF2-40B4-BE49-F238E27FC236}">
+                <a16:creationId xmlns:a16="http://schemas.microsoft.com/office/drawing/2014/main" id="{10619A8F-C357-BE42-BC5D-2BE2CA9A8E40}"/>
+              </a:ext>
+            </a:extLst>
+          </p:cNvPr>
+          <p:cNvSpPr/>
+          <p:nvPr/>
+        </p:nvSpPr>
+        <p:spPr>
+          <a:xfrm>
+            <a:off x="7718704" y="1211232"/>
+            <a:ext cx="804912" cy="482277"/>
+          </a:xfrm>
+          <a:prstGeom prst="rect">
+            <a:avLst/>
+          </a:prstGeom>
+          <a:solidFill>
+            <a:srgbClr val="92D050"/>
+          </a:solidFill>
+        </p:spPr>
+        <p:style>
+          <a:lnRef idx="2">
+            <a:schemeClr val="accent1">
+              <a:shade val="15000"/>
+            </a:schemeClr>
+          </a:lnRef>
+          <a:fillRef idx="1">
+            <a:schemeClr val="accent1"/>
+          </a:fillRef>
+          <a:effectRef idx="0">
+            <a:schemeClr val="accent1"/>
+          </a:effectRef>
+          <a:fontRef idx="minor">
+            <a:schemeClr val="lt1"/>
+          </a:fontRef>
+        </p:style>
+        <p:txBody>
+          <a:bodyPr rtlCol="0" anchor="ctr"/>
+          <a:lstStyle/>
+          <a:p>
+            <a:pPr algn="ctr"/>
+            <a:endParaRPr kumimoji="1" lang="ko-Kore-KR" altLang="en-US" sz="1600" dirty="0">
+              <a:solidFill>
+                <a:srgbClr val="FF0000"/>
+              </a:solidFill>
+              <a:latin typeface="DM Mono" panose="020B0509040201040103" pitchFamily="49" charset="0"/>
+            </a:endParaRPr>
+          </a:p>
+        </p:txBody>
+      </p:sp>
+      <p:sp>
+        <p:nvSpPr>
+          <p:cNvPr id="3" name="TextBox 2">
+            <a:extLst>
+              <a:ext uri="{FF2B5EF4-FFF2-40B4-BE49-F238E27FC236}">
+                <a16:creationId xmlns:a16="http://schemas.microsoft.com/office/drawing/2014/main" id="{82B825F6-DE14-B024-8E5F-0A21775C361F}"/>
+              </a:ext>
+            </a:extLst>
+          </p:cNvPr>
+          <p:cNvSpPr txBox="1"/>
+          <p:nvPr/>
+        </p:nvSpPr>
+        <p:spPr>
+          <a:xfrm>
+            <a:off x="6386097" y="1267704"/>
+            <a:ext cx="1332608" cy="369332"/>
+          </a:xfrm>
+          <a:prstGeom prst="rect">
+            <a:avLst/>
+          </a:prstGeom>
+          <a:noFill/>
+        </p:spPr>
+        <p:txBody>
+          <a:bodyPr wrap="square">
+            <a:spAutoFit/>
+          </a:bodyPr>
+          <a:lstStyle/>
+          <a:p>
+            <a:pPr algn="r"/>
+            <a:r>
+              <a:rPr lang="en-US" altLang="ko-Kore-KR" dirty="0" err="1">
+                <a:latin typeface="DM Mono" panose="020B0509040201040103" pitchFamily="49" charset="0"/>
+              </a:rPr>
+              <a:t>vfptr</a:t>
+            </a:r>
+            <a:endParaRPr lang="ko-Kore-KR" altLang="en-US" dirty="0"/>
+          </a:p>
+        </p:txBody>
+      </p:sp>
+      <p:sp>
+        <p:nvSpPr>
+          <p:cNvPr id="4" name="직사각형 3">
+            <a:extLst>
+              <a:ext uri="{FF2B5EF4-FFF2-40B4-BE49-F238E27FC236}">
+                <a16:creationId xmlns:a16="http://schemas.microsoft.com/office/drawing/2014/main" id="{B1EB09F4-DE7F-3E46-9041-A964728A1ED6}"/>
+              </a:ext>
+            </a:extLst>
+          </p:cNvPr>
+          <p:cNvSpPr/>
+          <p:nvPr/>
+        </p:nvSpPr>
+        <p:spPr>
+          <a:xfrm>
+            <a:off x="7798800" y="4193865"/>
+            <a:ext cx="804912" cy="482277"/>
+          </a:xfrm>
+          <a:prstGeom prst="rect">
+            <a:avLst/>
+          </a:prstGeom>
+          <a:solidFill>
+            <a:srgbClr val="FFFF00"/>
+          </a:solidFill>
+        </p:spPr>
+        <p:style>
+          <a:lnRef idx="2">
+            <a:schemeClr val="accent1">
+              <a:shade val="15000"/>
+            </a:schemeClr>
+          </a:lnRef>
+          <a:fillRef idx="1">
+            <a:schemeClr val="accent1"/>
+          </a:fillRef>
+          <a:effectRef idx="0">
+            <a:schemeClr val="accent1"/>
+          </a:effectRef>
+          <a:fontRef idx="minor">
+            <a:schemeClr val="lt1"/>
+          </a:fontRef>
+        </p:style>
+        <p:txBody>
+          <a:bodyPr rtlCol="0" anchor="ctr"/>
+          <a:lstStyle/>
+          <a:p>
+            <a:pPr algn="ctr"/>
+            <a:endParaRPr kumimoji="1" lang="ko-Kore-KR" altLang="en-US" sz="1600" dirty="0">
+              <a:solidFill>
+                <a:srgbClr val="FF0000"/>
+              </a:solidFill>
+              <a:latin typeface="DM Mono" panose="020B0509040201040103" pitchFamily="49" charset="0"/>
+            </a:endParaRPr>
+          </a:p>
+        </p:txBody>
+      </p:sp>
+      <p:sp>
+        <p:nvSpPr>
+          <p:cNvPr id="5" name="TextBox 4">
+            <a:extLst>
+              <a:ext uri="{FF2B5EF4-FFF2-40B4-BE49-F238E27FC236}">
+                <a16:creationId xmlns:a16="http://schemas.microsoft.com/office/drawing/2014/main" id="{7089E841-C150-3DE2-96B0-F7D01956F648}"/>
+              </a:ext>
+            </a:extLst>
+          </p:cNvPr>
+          <p:cNvSpPr txBox="1"/>
+          <p:nvPr/>
+        </p:nvSpPr>
+        <p:spPr>
+          <a:xfrm>
+            <a:off x="6466193" y="4250337"/>
+            <a:ext cx="1332608" cy="369332"/>
+          </a:xfrm>
+          <a:prstGeom prst="rect">
+            <a:avLst/>
+          </a:prstGeom>
+          <a:noFill/>
+        </p:spPr>
+        <p:txBody>
+          <a:bodyPr wrap="square">
+            <a:spAutoFit/>
+          </a:bodyPr>
+          <a:lstStyle/>
+          <a:p>
+            <a:pPr algn="r"/>
+            <a:r>
+              <a:rPr lang="en-US" altLang="ko-Kore-KR" dirty="0">
+                <a:latin typeface="DM Mono" panose="020B0509040201040103" pitchFamily="49" charset="0"/>
+              </a:rPr>
+              <a:t>x</a:t>
+            </a:r>
+            <a:endParaRPr lang="ko-Kore-KR" altLang="en-US" dirty="0"/>
+          </a:p>
+        </p:txBody>
+      </p:sp>
+      <p:sp>
+        <p:nvSpPr>
+          <p:cNvPr id="6" name="직사각형 5">
+            <a:extLst>
+              <a:ext uri="{FF2B5EF4-FFF2-40B4-BE49-F238E27FC236}">
+                <a16:creationId xmlns:a16="http://schemas.microsoft.com/office/drawing/2014/main" id="{5FEAD076-0042-5FBA-35EE-2334F021B316}"/>
+              </a:ext>
+            </a:extLst>
+          </p:cNvPr>
+          <p:cNvSpPr/>
+          <p:nvPr/>
+        </p:nvSpPr>
+        <p:spPr>
+          <a:xfrm>
+            <a:off x="7798800" y="4676140"/>
+            <a:ext cx="804912" cy="482277"/>
+          </a:xfrm>
+          <a:prstGeom prst="rect">
+            <a:avLst/>
+          </a:prstGeom>
+          <a:solidFill>
+            <a:srgbClr val="FFFF00"/>
+          </a:solidFill>
+        </p:spPr>
+        <p:style>
+          <a:lnRef idx="2">
+            <a:schemeClr val="accent1">
+              <a:shade val="15000"/>
+            </a:schemeClr>
+          </a:lnRef>
+          <a:fillRef idx="1">
+            <a:schemeClr val="accent1"/>
+          </a:fillRef>
+          <a:effectRef idx="0">
+            <a:schemeClr val="accent1"/>
+          </a:effectRef>
+          <a:fontRef idx="minor">
+            <a:schemeClr val="lt1"/>
+          </a:fontRef>
+        </p:style>
+        <p:txBody>
+          <a:bodyPr rtlCol="0" anchor="ctr"/>
+          <a:lstStyle/>
+          <a:p>
+            <a:pPr algn="ctr"/>
+            <a:endParaRPr kumimoji="1" lang="ko-Kore-KR" altLang="en-US" sz="1600" dirty="0">
+              <a:solidFill>
+                <a:srgbClr val="FF0000"/>
+              </a:solidFill>
+              <a:latin typeface="DM Mono" panose="020B0509040201040103" pitchFamily="49" charset="0"/>
+            </a:endParaRPr>
+          </a:p>
+        </p:txBody>
+      </p:sp>
+      <p:sp>
+        <p:nvSpPr>
+          <p:cNvPr id="7" name="TextBox 6">
+            <a:extLst>
+              <a:ext uri="{FF2B5EF4-FFF2-40B4-BE49-F238E27FC236}">
+                <a16:creationId xmlns:a16="http://schemas.microsoft.com/office/drawing/2014/main" id="{049D9E54-60CD-ADD1-DB9F-17BF87999098}"/>
+              </a:ext>
+            </a:extLst>
+          </p:cNvPr>
+          <p:cNvSpPr txBox="1"/>
+          <p:nvPr/>
+        </p:nvSpPr>
+        <p:spPr>
+          <a:xfrm>
+            <a:off x="6466193" y="4732612"/>
+            <a:ext cx="1332608" cy="369332"/>
+          </a:xfrm>
+          <a:prstGeom prst="rect">
+            <a:avLst/>
+          </a:prstGeom>
+          <a:noFill/>
+        </p:spPr>
+        <p:txBody>
+          <a:bodyPr wrap="square">
+            <a:spAutoFit/>
+          </a:bodyPr>
+          <a:lstStyle/>
+          <a:p>
+            <a:pPr algn="r"/>
+            <a:r>
+              <a:rPr lang="en-US" altLang="ko-Kore-KR" dirty="0">
+                <a:latin typeface="DM Mono" panose="020B0509040201040103" pitchFamily="49" charset="0"/>
+              </a:rPr>
+              <a:t>y</a:t>
+            </a:r>
+            <a:endParaRPr lang="ko-Kore-KR" altLang="en-US" dirty="0"/>
+          </a:p>
+        </p:txBody>
+      </p:sp>
+      <p:sp>
+        <p:nvSpPr>
+          <p:cNvPr id="8" name="직사각형 7">
+            <a:extLst>
+              <a:ext uri="{FF2B5EF4-FFF2-40B4-BE49-F238E27FC236}">
+                <a16:creationId xmlns:a16="http://schemas.microsoft.com/office/drawing/2014/main" id="{A9BDD7D5-246E-79A0-3B72-9271FBF8E893}"/>
+              </a:ext>
+            </a:extLst>
+          </p:cNvPr>
+          <p:cNvSpPr/>
+          <p:nvPr/>
+        </p:nvSpPr>
+        <p:spPr>
+          <a:xfrm>
+            <a:off x="7798800" y="3737389"/>
+            <a:ext cx="804912" cy="482277"/>
+          </a:xfrm>
+          <a:prstGeom prst="rect">
+            <a:avLst/>
+          </a:prstGeom>
+          <a:solidFill>
+            <a:srgbClr val="92D050"/>
+          </a:solidFill>
+        </p:spPr>
+        <p:style>
+          <a:lnRef idx="2">
+            <a:schemeClr val="accent1">
+              <a:shade val="15000"/>
+            </a:schemeClr>
+          </a:lnRef>
+          <a:fillRef idx="1">
+            <a:schemeClr val="accent1"/>
+          </a:fillRef>
+          <a:effectRef idx="0">
+            <a:schemeClr val="accent1"/>
+          </a:effectRef>
+          <a:fontRef idx="minor">
+            <a:schemeClr val="lt1"/>
+          </a:fontRef>
+        </p:style>
+        <p:txBody>
+          <a:bodyPr rtlCol="0" anchor="ctr"/>
+          <a:lstStyle/>
+          <a:p>
+            <a:pPr algn="ctr"/>
+            <a:endParaRPr kumimoji="1" lang="ko-Kore-KR" altLang="en-US" sz="1600" dirty="0">
+              <a:solidFill>
+                <a:srgbClr val="FF0000"/>
+              </a:solidFill>
+              <a:latin typeface="DM Mono" panose="020B0509040201040103" pitchFamily="49" charset="0"/>
+            </a:endParaRPr>
+          </a:p>
+        </p:txBody>
+      </p:sp>
+      <p:sp>
+        <p:nvSpPr>
+          <p:cNvPr id="9" name="TextBox 8">
+            <a:extLst>
+              <a:ext uri="{FF2B5EF4-FFF2-40B4-BE49-F238E27FC236}">
+                <a16:creationId xmlns:a16="http://schemas.microsoft.com/office/drawing/2014/main" id="{58DE652F-C782-9F77-C610-A4773BDCE596}"/>
+              </a:ext>
+            </a:extLst>
+          </p:cNvPr>
+          <p:cNvSpPr txBox="1"/>
+          <p:nvPr/>
+        </p:nvSpPr>
+        <p:spPr>
+          <a:xfrm>
+            <a:off x="6466193" y="3793861"/>
+            <a:ext cx="1332608" cy="369332"/>
+          </a:xfrm>
+          <a:prstGeom prst="rect">
+            <a:avLst/>
+          </a:prstGeom>
+          <a:noFill/>
+        </p:spPr>
+        <p:txBody>
+          <a:bodyPr wrap="square">
+            <a:spAutoFit/>
+          </a:bodyPr>
+          <a:lstStyle/>
+          <a:p>
+            <a:pPr algn="r"/>
+            <a:r>
+              <a:rPr lang="en-US" altLang="ko-Kore-KR" dirty="0" err="1">
+                <a:latin typeface="DM Mono" panose="020B0509040201040103" pitchFamily="49" charset="0"/>
+              </a:rPr>
+              <a:t>vfptr</a:t>
+            </a:r>
+            <a:endParaRPr lang="ko-Kore-KR" altLang="en-US" dirty="0"/>
+          </a:p>
+        </p:txBody>
+      </p:sp>
+      <p:sp>
+        <p:nvSpPr>
+          <p:cNvPr id="10" name="직사각형 9">
+            <a:extLst>
+              <a:ext uri="{FF2B5EF4-FFF2-40B4-BE49-F238E27FC236}">
+                <a16:creationId xmlns:a16="http://schemas.microsoft.com/office/drawing/2014/main" id="{2C1CE4C2-5AAD-66EE-2A88-1D2CEC175FC0}"/>
+              </a:ext>
+            </a:extLst>
+          </p:cNvPr>
+          <p:cNvSpPr/>
+          <p:nvPr/>
+        </p:nvSpPr>
+        <p:spPr>
+          <a:xfrm>
+            <a:off x="9741450" y="714392"/>
+            <a:ext cx="1636792" cy="369332"/>
+          </a:xfrm>
+          <a:prstGeom prst="rect">
+            <a:avLst/>
+          </a:prstGeom>
+          <a:solidFill>
+            <a:srgbClr val="FFFF00"/>
+          </a:solidFill>
+        </p:spPr>
+        <p:style>
+          <a:lnRef idx="2">
+            <a:schemeClr val="accent1">
+              <a:shade val="15000"/>
+            </a:schemeClr>
+          </a:lnRef>
+          <a:fillRef idx="1">
+            <a:schemeClr val="accent1"/>
+          </a:fillRef>
+          <a:effectRef idx="0">
+            <a:schemeClr val="accent1"/>
+          </a:effectRef>
+          <a:fontRef idx="minor">
+            <a:schemeClr val="lt1"/>
+          </a:fontRef>
+        </p:style>
+        <p:txBody>
+          <a:bodyPr rtlCol="0" anchor="ctr"/>
+          <a:lstStyle/>
+          <a:p>
+            <a:pPr algn="ctr"/>
+            <a:r>
+              <a:rPr kumimoji="1" lang="en-US" altLang="ko-Kore-KR" sz="1400" dirty="0">
+                <a:solidFill>
+                  <a:schemeClr val="tx1"/>
+                </a:solidFill>
+                <a:latin typeface="DM Mono" panose="020B0509040201040103" pitchFamily="49" charset="0"/>
+              </a:rPr>
+              <a:t>Shape::Draw</a:t>
+            </a:r>
+            <a:endParaRPr kumimoji="1" lang="ko-Kore-KR" altLang="en-US" sz="1400" dirty="0">
+              <a:solidFill>
+                <a:schemeClr val="tx1"/>
+              </a:solidFill>
+              <a:latin typeface="DM Mono" panose="020B0509040201040103" pitchFamily="49" charset="0"/>
+            </a:endParaRPr>
+          </a:p>
+        </p:txBody>
+      </p:sp>
+      <p:sp>
+        <p:nvSpPr>
+          <p:cNvPr id="15" name="TextBox 14">
+            <a:extLst>
+              <a:ext uri="{FF2B5EF4-FFF2-40B4-BE49-F238E27FC236}">
+                <a16:creationId xmlns:a16="http://schemas.microsoft.com/office/drawing/2014/main" id="{DAAC1793-654A-03AD-8749-BEE4CB507FA7}"/>
+              </a:ext>
+            </a:extLst>
+          </p:cNvPr>
+          <p:cNvSpPr txBox="1"/>
+          <p:nvPr/>
+        </p:nvSpPr>
+        <p:spPr>
+          <a:xfrm>
+            <a:off x="9213012" y="375838"/>
+            <a:ext cx="2676372" cy="338554"/>
+          </a:xfrm>
+          <a:prstGeom prst="rect">
+            <a:avLst/>
+          </a:prstGeom>
+          <a:noFill/>
+        </p:spPr>
+        <p:txBody>
+          <a:bodyPr wrap="square">
+            <a:spAutoFit/>
+          </a:bodyPr>
+          <a:lstStyle/>
+          <a:p>
+            <a:pPr algn="ctr"/>
+            <a:r>
+              <a:rPr lang="en-US" altLang="ko-Kore-KR" sz="1600" dirty="0">
+                <a:latin typeface="DM Mono" panose="020B0509040201040103" pitchFamily="49" charset="0"/>
+              </a:rPr>
+              <a:t>Shape </a:t>
+            </a:r>
+            <a:r>
+              <a:rPr lang="ko-Kore-KR" altLang="en-US" sz="1600" dirty="0">
+                <a:latin typeface="DM Mono" panose="020B0509040201040103" pitchFamily="49" charset="0"/>
+              </a:rPr>
+              <a:t>가상함수테이블</a:t>
+            </a:r>
+            <a:endParaRPr lang="ko-Kore-KR" altLang="en-US" sz="1600" dirty="0"/>
+          </a:p>
+        </p:txBody>
+      </p:sp>
+      <p:cxnSp>
+        <p:nvCxnSpPr>
+          <p:cNvPr id="17" name="구부러진 연결선[U] 16">
+            <a:extLst>
+              <a:ext uri="{FF2B5EF4-FFF2-40B4-BE49-F238E27FC236}">
+                <a16:creationId xmlns:a16="http://schemas.microsoft.com/office/drawing/2014/main" id="{EC2DE797-7EA1-1CBE-18A3-C8ACBBC9B79E}"/>
+              </a:ext>
+            </a:extLst>
+          </p:cNvPr>
+          <p:cNvCxnSpPr>
+            <a:stCxn id="2" idx="3"/>
+            <a:endCxn id="10" idx="1"/>
+          </p:cNvCxnSpPr>
+          <p:nvPr/>
+        </p:nvCxnSpPr>
+        <p:spPr>
+          <a:xfrm flipV="1">
+            <a:off x="8523616" y="899058"/>
+            <a:ext cx="1217834" cy="553313"/>
+          </a:xfrm>
+          <a:prstGeom prst="curvedConnector3">
+            <a:avLst/>
+          </a:prstGeom>
+          <a:ln w="12700">
+            <a:tailEnd type="triangle"/>
+          </a:ln>
+        </p:spPr>
+        <p:style>
+          <a:lnRef idx="1">
+            <a:schemeClr val="dk1"/>
+          </a:lnRef>
+          <a:fillRef idx="0">
+            <a:schemeClr val="dk1"/>
+          </a:fillRef>
+          <a:effectRef idx="0">
+            <a:schemeClr val="dk1"/>
+          </a:effectRef>
+          <a:fontRef idx="minor">
+            <a:schemeClr val="tx1"/>
+          </a:fontRef>
+        </p:style>
+      </p:cxnSp>
+      <p:sp>
+        <p:nvSpPr>
+          <p:cNvPr id="20" name="직사각형 19">
+            <a:extLst>
+              <a:ext uri="{FF2B5EF4-FFF2-40B4-BE49-F238E27FC236}">
+                <a16:creationId xmlns:a16="http://schemas.microsoft.com/office/drawing/2014/main" id="{1169F488-BD0F-B250-5150-5E76860A18D5}"/>
+              </a:ext>
+            </a:extLst>
+          </p:cNvPr>
+          <p:cNvSpPr/>
+          <p:nvPr/>
+        </p:nvSpPr>
+        <p:spPr>
+          <a:xfrm>
+            <a:off x="9741015" y="3126667"/>
+            <a:ext cx="1636792" cy="369332"/>
+          </a:xfrm>
+          <a:prstGeom prst="rect">
+            <a:avLst/>
+          </a:prstGeom>
+          <a:solidFill>
+            <a:srgbClr val="FFFF00"/>
+          </a:solidFill>
+        </p:spPr>
+        <p:style>
+          <a:lnRef idx="2">
+            <a:schemeClr val="accent1">
+              <a:shade val="15000"/>
+            </a:schemeClr>
+          </a:lnRef>
+          <a:fillRef idx="1">
+            <a:schemeClr val="accent1"/>
+          </a:fillRef>
+          <a:effectRef idx="0">
+            <a:schemeClr val="accent1"/>
+          </a:effectRef>
+          <a:fontRef idx="minor">
+            <a:schemeClr val="lt1"/>
+          </a:fontRef>
+        </p:style>
+        <p:txBody>
+          <a:bodyPr rtlCol="0" anchor="ctr"/>
+          <a:lstStyle/>
+          <a:p>
+            <a:pPr algn="ctr"/>
+            <a:r>
+              <a:rPr kumimoji="1" lang="en-US" altLang="ko-Kore-KR" sz="1400" dirty="0" err="1">
+                <a:solidFill>
+                  <a:schemeClr val="tx1"/>
+                </a:solidFill>
+                <a:latin typeface="DM Mono" panose="020B0509040201040103" pitchFamily="49" charset="0"/>
+              </a:rPr>
+              <a:t>Rect</a:t>
+            </a:r>
+            <a:r>
+              <a:rPr kumimoji="1" lang="en-US" altLang="ko-Kore-KR" sz="1400" dirty="0">
+                <a:solidFill>
+                  <a:schemeClr val="tx1"/>
+                </a:solidFill>
+                <a:latin typeface="DM Mono" panose="020B0509040201040103" pitchFamily="49" charset="0"/>
+              </a:rPr>
+              <a:t>::Draw</a:t>
+            </a:r>
+            <a:endParaRPr kumimoji="1" lang="ko-Kore-KR" altLang="en-US" sz="1400" dirty="0">
+              <a:solidFill>
+                <a:schemeClr val="tx1"/>
+              </a:solidFill>
+              <a:latin typeface="DM Mono" panose="020B0509040201040103" pitchFamily="49" charset="0"/>
+            </a:endParaRPr>
+          </a:p>
+        </p:txBody>
+      </p:sp>
+      <p:sp>
+        <p:nvSpPr>
+          <p:cNvPr id="21" name="TextBox 20">
+            <a:extLst>
+              <a:ext uri="{FF2B5EF4-FFF2-40B4-BE49-F238E27FC236}">
+                <a16:creationId xmlns:a16="http://schemas.microsoft.com/office/drawing/2014/main" id="{757E5667-53AD-D83A-F496-D8B25BF0DF26}"/>
+              </a:ext>
+            </a:extLst>
+          </p:cNvPr>
+          <p:cNvSpPr txBox="1"/>
+          <p:nvPr/>
+        </p:nvSpPr>
+        <p:spPr>
+          <a:xfrm>
+            <a:off x="9212577" y="2788113"/>
+            <a:ext cx="2676372" cy="338554"/>
+          </a:xfrm>
+          <a:prstGeom prst="rect">
+            <a:avLst/>
+          </a:prstGeom>
+          <a:noFill/>
+        </p:spPr>
+        <p:txBody>
+          <a:bodyPr wrap="square">
+            <a:spAutoFit/>
+          </a:bodyPr>
+          <a:lstStyle/>
+          <a:p>
+            <a:pPr algn="ctr"/>
+            <a:r>
+              <a:rPr lang="en-US" altLang="ko-Kore-KR" sz="1600" dirty="0" err="1">
+                <a:latin typeface="DM Mono" panose="020B0509040201040103" pitchFamily="49" charset="0"/>
+              </a:rPr>
+              <a:t>Rect</a:t>
+            </a:r>
+            <a:r>
+              <a:rPr lang="en-US" altLang="ko-Kore-KR" sz="1600" dirty="0">
+                <a:latin typeface="DM Mono" panose="020B0509040201040103" pitchFamily="49" charset="0"/>
+              </a:rPr>
+              <a:t> </a:t>
+            </a:r>
+            <a:r>
+              <a:rPr lang="ko-Kore-KR" altLang="en-US" sz="1600" dirty="0">
+                <a:latin typeface="DM Mono" panose="020B0509040201040103" pitchFamily="49" charset="0"/>
+              </a:rPr>
+              <a:t>가상함수테이블</a:t>
+            </a:r>
+            <a:endParaRPr lang="ko-Kore-KR" altLang="en-US" sz="1600" dirty="0"/>
+          </a:p>
+        </p:txBody>
+      </p:sp>
+      <p:cxnSp>
+        <p:nvCxnSpPr>
+          <p:cNvPr id="29" name="구부러진 연결선[U] 28">
+            <a:extLst>
+              <a:ext uri="{FF2B5EF4-FFF2-40B4-BE49-F238E27FC236}">
+                <a16:creationId xmlns:a16="http://schemas.microsoft.com/office/drawing/2014/main" id="{74C160F0-B244-68DD-DC37-8CD156E3A372}"/>
+              </a:ext>
+            </a:extLst>
+          </p:cNvPr>
+          <p:cNvCxnSpPr>
+            <a:cxnSpLocks/>
+            <a:stCxn id="8" idx="3"/>
+            <a:endCxn id="20" idx="1"/>
+          </p:cNvCxnSpPr>
+          <p:nvPr/>
+        </p:nvCxnSpPr>
+        <p:spPr>
+          <a:xfrm flipV="1">
+            <a:off x="8603712" y="3311333"/>
+            <a:ext cx="1137303" cy="667195"/>
+          </a:xfrm>
+          <a:prstGeom prst="curvedConnector3">
+            <a:avLst>
+              <a:gd name="adj1" fmla="val 50000"/>
+            </a:avLst>
+          </a:prstGeom>
+          <a:ln w="12700">
+            <a:tailEnd type="triangle"/>
+          </a:ln>
+        </p:spPr>
+        <p:style>
+          <a:lnRef idx="1">
+            <a:schemeClr val="dk1"/>
+          </a:lnRef>
+          <a:fillRef idx="0">
+            <a:schemeClr val="dk1"/>
+          </a:fillRef>
+          <a:effectRef idx="0">
+            <a:schemeClr val="dk1"/>
+          </a:effectRef>
+          <a:fontRef idx="minor">
+            <a:schemeClr val="tx1"/>
+          </a:fontRef>
+        </p:style>
+      </p:cxnSp>
+      <p:sp>
+        <p:nvSpPr>
+          <p:cNvPr id="16" name="직사각형 15">
+            <a:extLst>
+              <a:ext uri="{FF2B5EF4-FFF2-40B4-BE49-F238E27FC236}">
+                <a16:creationId xmlns:a16="http://schemas.microsoft.com/office/drawing/2014/main" id="{E294B7C8-08FC-5F84-2B19-17D4E8BC22BA}"/>
+              </a:ext>
+            </a:extLst>
+          </p:cNvPr>
+          <p:cNvSpPr/>
+          <p:nvPr/>
+        </p:nvSpPr>
+        <p:spPr>
+          <a:xfrm>
+            <a:off x="9741015" y="1083039"/>
+            <a:ext cx="1636792" cy="369332"/>
+          </a:xfrm>
+          <a:prstGeom prst="rect">
+            <a:avLst/>
+          </a:prstGeom>
+          <a:solidFill>
+            <a:srgbClr val="FFFF00"/>
+          </a:solidFill>
+        </p:spPr>
+        <p:style>
+          <a:lnRef idx="2">
+            <a:schemeClr val="accent1">
+              <a:shade val="15000"/>
+            </a:schemeClr>
+          </a:lnRef>
+          <a:fillRef idx="1">
+            <a:schemeClr val="accent1"/>
+          </a:fillRef>
+          <a:effectRef idx="0">
+            <a:schemeClr val="accent1"/>
+          </a:effectRef>
+          <a:fontRef idx="minor">
+            <a:schemeClr val="lt1"/>
+          </a:fontRef>
+        </p:style>
+        <p:txBody>
+          <a:bodyPr rtlCol="0" anchor="ctr"/>
+          <a:lstStyle/>
+          <a:p>
+            <a:pPr algn="ctr"/>
+            <a:r>
+              <a:rPr kumimoji="1" lang="en-US" altLang="ko-Kore-KR" sz="1400" dirty="0">
+                <a:solidFill>
+                  <a:schemeClr val="tx1"/>
+                </a:solidFill>
+                <a:latin typeface="DM Mono" panose="020B0509040201040103" pitchFamily="49" charset="0"/>
+              </a:rPr>
+              <a:t>Shape::Clone</a:t>
+            </a:r>
+            <a:endParaRPr kumimoji="1" lang="ko-Kore-KR" altLang="en-US" sz="1400" dirty="0">
+              <a:solidFill>
+                <a:schemeClr val="tx1"/>
+              </a:solidFill>
+              <a:latin typeface="DM Mono" panose="020B0509040201040103" pitchFamily="49" charset="0"/>
+            </a:endParaRPr>
+          </a:p>
+        </p:txBody>
+      </p:sp>
+      <p:sp>
+        <p:nvSpPr>
+          <p:cNvPr id="22" name="직사각형 21">
+            <a:extLst>
+              <a:ext uri="{FF2B5EF4-FFF2-40B4-BE49-F238E27FC236}">
+                <a16:creationId xmlns:a16="http://schemas.microsoft.com/office/drawing/2014/main" id="{92D2BF83-0A0F-721D-B91D-BCAAFEB59CA7}"/>
+              </a:ext>
+            </a:extLst>
+          </p:cNvPr>
+          <p:cNvSpPr/>
+          <p:nvPr/>
+        </p:nvSpPr>
+        <p:spPr>
+          <a:xfrm>
+            <a:off x="9747210" y="3495999"/>
+            <a:ext cx="1636792" cy="369332"/>
+          </a:xfrm>
+          <a:prstGeom prst="rect">
+            <a:avLst/>
+          </a:prstGeom>
+          <a:solidFill>
+            <a:srgbClr val="FFFF00"/>
+          </a:solidFill>
+        </p:spPr>
+        <p:style>
+          <a:lnRef idx="2">
+            <a:schemeClr val="accent1">
+              <a:shade val="15000"/>
+            </a:schemeClr>
+          </a:lnRef>
+          <a:fillRef idx="1">
+            <a:schemeClr val="accent1"/>
+          </a:fillRef>
+          <a:effectRef idx="0">
+            <a:schemeClr val="accent1"/>
+          </a:effectRef>
+          <a:fontRef idx="minor">
+            <a:schemeClr val="lt1"/>
+          </a:fontRef>
+        </p:style>
+        <p:txBody>
+          <a:bodyPr rtlCol="0" anchor="ctr"/>
+          <a:lstStyle/>
+          <a:p>
+            <a:pPr algn="ctr"/>
+            <a:r>
+              <a:rPr kumimoji="1" lang="en-US" altLang="ko-Kore-KR" sz="1400" dirty="0">
+                <a:solidFill>
+                  <a:srgbClr val="FF0000"/>
+                </a:solidFill>
+                <a:latin typeface="DM Mono" panose="020B0509040201040103" pitchFamily="49" charset="0"/>
+              </a:rPr>
+              <a:t>Shape::Clone</a:t>
+            </a:r>
+            <a:endParaRPr kumimoji="1" lang="ko-Kore-KR" altLang="en-US" sz="1400" dirty="0">
+              <a:solidFill>
+                <a:srgbClr val="FF0000"/>
+              </a:solidFill>
+              <a:latin typeface="DM Mono" panose="020B0509040201040103" pitchFamily="49" charset="0"/>
+            </a:endParaRPr>
+          </a:p>
+        </p:txBody>
+      </p:sp>
+      <p:sp>
+        <p:nvSpPr>
+          <p:cNvPr id="26" name="직사각형 25">
+            <a:extLst>
+              <a:ext uri="{FF2B5EF4-FFF2-40B4-BE49-F238E27FC236}">
+                <a16:creationId xmlns:a16="http://schemas.microsoft.com/office/drawing/2014/main" id="{10F06F4B-0F93-F652-12AF-E52C054CB559}"/>
+              </a:ext>
+            </a:extLst>
+          </p:cNvPr>
+          <p:cNvSpPr/>
+          <p:nvPr/>
+        </p:nvSpPr>
+        <p:spPr>
+          <a:xfrm>
+            <a:off x="5822201" y="2581862"/>
+            <a:ext cx="804912" cy="482277"/>
+          </a:xfrm>
+          <a:prstGeom prst="rect">
+            <a:avLst/>
+          </a:prstGeom>
+          <a:solidFill>
+            <a:srgbClr val="FFFF00"/>
+          </a:solidFill>
+        </p:spPr>
+        <p:style>
+          <a:lnRef idx="2">
+            <a:schemeClr val="accent1">
+              <a:shade val="15000"/>
+            </a:schemeClr>
+          </a:lnRef>
+          <a:fillRef idx="1">
+            <a:schemeClr val="accent1"/>
+          </a:fillRef>
+          <a:effectRef idx="0">
+            <a:schemeClr val="accent1"/>
+          </a:effectRef>
+          <a:fontRef idx="minor">
+            <a:schemeClr val="lt1"/>
+          </a:fontRef>
+        </p:style>
+        <p:txBody>
+          <a:bodyPr rtlCol="0" anchor="ctr"/>
+          <a:lstStyle/>
+          <a:p>
+            <a:pPr algn="ctr"/>
+            <a:endParaRPr kumimoji="1" lang="ko-Kore-KR" altLang="en-US" sz="1600" dirty="0">
+              <a:solidFill>
+                <a:srgbClr val="FF0000"/>
+              </a:solidFill>
+              <a:latin typeface="DM Mono" panose="020B0509040201040103" pitchFamily="49" charset="0"/>
+            </a:endParaRPr>
+          </a:p>
+        </p:txBody>
+      </p:sp>
+      <p:sp>
+        <p:nvSpPr>
+          <p:cNvPr id="30" name="TextBox 29">
+            <a:extLst>
+              <a:ext uri="{FF2B5EF4-FFF2-40B4-BE49-F238E27FC236}">
+                <a16:creationId xmlns:a16="http://schemas.microsoft.com/office/drawing/2014/main" id="{E69ED28A-C709-3A9E-8F08-C29DA651A01E}"/>
+              </a:ext>
+            </a:extLst>
+          </p:cNvPr>
+          <p:cNvSpPr txBox="1"/>
+          <p:nvPr/>
+        </p:nvSpPr>
+        <p:spPr>
+          <a:xfrm>
+            <a:off x="4489594" y="2638334"/>
+            <a:ext cx="1332608" cy="369332"/>
+          </a:xfrm>
+          <a:prstGeom prst="rect">
+            <a:avLst/>
+          </a:prstGeom>
+          <a:noFill/>
+        </p:spPr>
+        <p:txBody>
+          <a:bodyPr wrap="square">
+            <a:spAutoFit/>
+          </a:bodyPr>
+          <a:lstStyle/>
+          <a:p>
+            <a:pPr algn="r"/>
+            <a:r>
+              <a:rPr lang="en-US" altLang="ko-Kore-KR" dirty="0">
+                <a:latin typeface="DM Mono" panose="020B0509040201040103" pitchFamily="49" charset="0"/>
+              </a:rPr>
+              <a:t>Shape* p</a:t>
+            </a:r>
+            <a:endParaRPr lang="ko-Kore-KR" altLang="en-US" dirty="0"/>
+          </a:p>
+        </p:txBody>
+      </p:sp>
+      <p:cxnSp>
+        <p:nvCxnSpPr>
+          <p:cNvPr id="40" name="구부러진 연결선[U] 39">
+            <a:extLst>
+              <a:ext uri="{FF2B5EF4-FFF2-40B4-BE49-F238E27FC236}">
+                <a16:creationId xmlns:a16="http://schemas.microsoft.com/office/drawing/2014/main" id="{12F3B049-E5EE-C1F6-A819-0CB2F7DE3EEC}"/>
+              </a:ext>
+            </a:extLst>
+          </p:cNvPr>
+          <p:cNvCxnSpPr>
+            <a:cxnSpLocks/>
+            <a:stCxn id="26" idx="3"/>
+            <a:endCxn id="8" idx="0"/>
+          </p:cNvCxnSpPr>
+          <p:nvPr/>
+        </p:nvCxnSpPr>
+        <p:spPr>
+          <a:xfrm>
+            <a:off x="6627113" y="2823001"/>
+            <a:ext cx="1574143" cy="914388"/>
+          </a:xfrm>
+          <a:prstGeom prst="curvedConnector2">
+            <a:avLst/>
+          </a:prstGeom>
+          <a:ln w="12700">
+            <a:tailEnd type="triangle"/>
+          </a:ln>
+        </p:spPr>
+        <p:style>
+          <a:lnRef idx="1">
+            <a:schemeClr val="dk1"/>
+          </a:lnRef>
+          <a:fillRef idx="0">
+            <a:schemeClr val="dk1"/>
+          </a:fillRef>
+          <a:effectRef idx="0">
+            <a:schemeClr val="dk1"/>
+          </a:effectRef>
+          <a:fontRef idx="minor">
+            <a:schemeClr val="tx1"/>
+          </a:fontRef>
+        </p:style>
+      </p:cxnSp>
+    </p:spTree>
+    <p:extLst>
+      <p:ext uri="{BB962C8B-B14F-4D97-AF65-F5344CB8AC3E}">
+        <p14:creationId xmlns:p14="http://schemas.microsoft.com/office/powerpoint/2010/main" val="376034810"/>
       </p:ext>
     </p:extLst>
   </p:cSld>
